--- a/src/tiPS Welcome.pptx
+++ b/src/tiPS Welcome.pptx
@@ -5,10 +5,10 @@
     <p:sldMasterId id="2147483648" r:id="rId4"/>
   </p:sldMasterIdLst>
   <p:notesMasterIdLst>
-    <p:notesMasterId r:id="rId31"/>
+    <p:notesMasterId r:id="rId36"/>
   </p:notesMasterIdLst>
   <p:handoutMasterIdLst>
-    <p:handoutMasterId r:id="rId32"/>
+    <p:handoutMasterId r:id="rId37"/>
   </p:handoutMasterIdLst>
   <p:sldIdLst>
     <p:sldId id="256" r:id="rId5"/>
@@ -17,26 +17,31 @@
     <p:sldId id="286" r:id="rId8"/>
     <p:sldId id="287" r:id="rId9"/>
     <p:sldId id="294" r:id="rId10"/>
-    <p:sldId id="295" r:id="rId11"/>
-    <p:sldId id="297" r:id="rId12"/>
+    <p:sldId id="300" r:id="rId11"/>
+    <p:sldId id="295" r:id="rId12"/>
     <p:sldId id="296" r:id="rId13"/>
-    <p:sldId id="290" r:id="rId14"/>
-    <p:sldId id="293" r:id="rId15"/>
-    <p:sldId id="291" r:id="rId16"/>
-    <p:sldId id="292" r:id="rId17"/>
-    <p:sldId id="257" r:id="rId18"/>
-    <p:sldId id="260" r:id="rId19"/>
-    <p:sldId id="288" r:id="rId20"/>
-    <p:sldId id="261" r:id="rId21"/>
-    <p:sldId id="262" r:id="rId22"/>
-    <p:sldId id="283" r:id="rId23"/>
-    <p:sldId id="264" r:id="rId24"/>
-    <p:sldId id="266" r:id="rId25"/>
-    <p:sldId id="284" r:id="rId26"/>
-    <p:sldId id="267" r:id="rId27"/>
-    <p:sldId id="269" r:id="rId28"/>
-    <p:sldId id="268" r:id="rId29"/>
-    <p:sldId id="285" r:id="rId30"/>
+    <p:sldId id="298" r:id="rId14"/>
+    <p:sldId id="301" r:id="rId15"/>
+    <p:sldId id="302" r:id="rId16"/>
+    <p:sldId id="303" r:id="rId17"/>
+    <p:sldId id="290" r:id="rId18"/>
+    <p:sldId id="299" r:id="rId19"/>
+    <p:sldId id="293" r:id="rId20"/>
+    <p:sldId id="291" r:id="rId21"/>
+    <p:sldId id="292" r:id="rId22"/>
+    <p:sldId id="257" r:id="rId23"/>
+    <p:sldId id="260" r:id="rId24"/>
+    <p:sldId id="288" r:id="rId25"/>
+    <p:sldId id="261" r:id="rId26"/>
+    <p:sldId id="262" r:id="rId27"/>
+    <p:sldId id="283" r:id="rId28"/>
+    <p:sldId id="264" r:id="rId29"/>
+    <p:sldId id="266" r:id="rId30"/>
+    <p:sldId id="284" r:id="rId31"/>
+    <p:sldId id="267" r:id="rId32"/>
+    <p:sldId id="269" r:id="rId33"/>
+    <p:sldId id="268" r:id="rId34"/>
+    <p:sldId id="285" r:id="rId35"/>
   </p:sldIdLst>
   <p:sldSz cx="12192000" cy="6858000"/>
   <p:notesSz cx="6858000" cy="9144000"/>
@@ -1162,7 +1167,7 @@
           <a:p>
             <a:fld id="{1CA5457B-CDAE-4DEB-AEC8-C82DE2312E37}" type="datetimeFigureOut">
               <a:rPr lang="en-US" smtClean="0"/>
-              <a:t>6/10/2024</a:t>
+              <a:t>6/11/2024</a:t>
             </a:fld>
             <a:endParaRPr lang="en-US" dirty="0"/>
           </a:p>
@@ -1339,7 +1344,7 @@
           <a:p>
             <a:fld id="{090B78EA-28CE-41D8-9043-90E391E5F567}" type="datetimeFigureOut">
               <a:rPr lang="en-US" noProof="0" smtClean="0"/>
-              <a:t>6/10/2024</a:t>
+              <a:t>6/11/2024</a:t>
             </a:fld>
             <a:endParaRPr lang="en-US" noProof="0" dirty="0"/>
           </a:p>
@@ -1741,6 +1746,289 @@
 </p:notes>
 </file>
 
+<file path=ppt/notesSlides/notesSlide10.xml><?xml version="1.0" encoding="utf-8"?>
+<p:notes xmlns:a="http://schemas.openxmlformats.org/drawingml/2006/main" xmlns:r="http://schemas.openxmlformats.org/officeDocument/2006/relationships" xmlns:p="http://schemas.openxmlformats.org/presentationml/2006/main">
+  <p:cSld>
+    <p:spTree>
+      <p:nvGrpSpPr>
+        <p:cNvPr id="1" name=""/>
+        <p:cNvGrpSpPr/>
+        <p:nvPr/>
+      </p:nvGrpSpPr>
+      <p:grpSpPr>
+        <a:xfrm>
+          <a:off x="0" y="0"/>
+          <a:ext cx="0" cy="0"/>
+          <a:chOff x="0" y="0"/>
+          <a:chExt cx="0" cy="0"/>
+        </a:xfrm>
+      </p:grpSpPr>
+      <p:sp>
+        <p:nvSpPr>
+          <p:cNvPr id="2" name="Slide Image Placeholder 1"/>
+          <p:cNvSpPr>
+            <a:spLocks noGrp="1" noRot="1" noChangeAspect="1"/>
+          </p:cNvSpPr>
+          <p:nvPr>
+            <p:ph type="sldImg"/>
+          </p:nvPr>
+        </p:nvSpPr>
+        <p:spPr/>
+      </p:sp>
+      <p:sp>
+        <p:nvSpPr>
+          <p:cNvPr id="3" name="Notes Placeholder 2"/>
+          <p:cNvSpPr>
+            <a:spLocks noGrp="1"/>
+          </p:cNvSpPr>
+          <p:nvPr>
+            <p:ph type="body" idx="1"/>
+          </p:nvPr>
+        </p:nvSpPr>
+        <p:spPr/>
+        <p:txBody>
+          <a:bodyPr/>
+          <a:lstStyle/>
+          <a:p>
+            <a:pPr marL="171450" indent="-171450">
+              <a:buFontTx/>
+              <a:buChar char="-"/>
+            </a:pPr>
+            <a:r>
+              <a:rPr lang="en-US" dirty="0"/>
+              <a:t>4-NewSessionEveryTime.ps1</a:t>
+            </a:r>
+          </a:p>
+          <a:p>
+            <a:pPr marL="171450" indent="-171450">
+              <a:buFontTx/>
+              <a:buChar char="-"/>
+            </a:pPr>
+            <a:r>
+              <a:rPr lang="en-US" dirty="0"/>
+              <a:t>Disable temporary console</a:t>
+            </a:r>
+          </a:p>
+          <a:p>
+            <a:pPr marL="171450" indent="-171450">
+              <a:buFontTx/>
+              <a:buChar char="-"/>
+            </a:pPr>
+            <a:r>
+              <a:rPr lang="en-US" dirty="0"/>
+              <a:t>Run script</a:t>
+            </a:r>
+          </a:p>
+          <a:p>
+            <a:pPr marL="171450" indent="-171450">
+              <a:buFontTx/>
+              <a:buChar char="-"/>
+            </a:pPr>
+            <a:r>
+              <a:rPr lang="en-US" dirty="0"/>
+              <a:t>Change $</a:t>
+            </a:r>
+            <a:r>
+              <a:rPr lang="en-US" dirty="0" err="1"/>
+              <a:t>lastName</a:t>
+            </a:r>
+            <a:r>
+              <a:rPr lang="en-US" dirty="0"/>
+              <a:t> to $lastName1</a:t>
+            </a:r>
+          </a:p>
+          <a:p>
+            <a:pPr marL="171450" indent="-171450">
+              <a:buFontTx/>
+              <a:buChar char="-"/>
+            </a:pPr>
+            <a:r>
+              <a:rPr lang="en-US" dirty="0"/>
+              <a:t>Run script (notice it spit out the old name)</a:t>
+            </a:r>
+          </a:p>
+          <a:p>
+            <a:pPr marL="171450" indent="-171450">
+              <a:buFontTx/>
+              <a:buChar char="-"/>
+            </a:pPr>
+            <a:r>
+              <a:rPr lang="en-US" dirty="0"/>
+              <a:t>Re-enable temporary console and run script (not has modified blank name)</a:t>
+            </a:r>
+          </a:p>
+          <a:p>
+            <a:pPr marL="171450" indent="-171450">
+              <a:buFontTx/>
+              <a:buChar char="-"/>
+            </a:pPr>
+            <a:r>
+              <a:rPr lang="en-US" dirty="0"/>
+              <a:t>Uncomment Set-</a:t>
+            </a:r>
+            <a:r>
+              <a:rPr lang="en-US" dirty="0" err="1"/>
+              <a:t>StrictMode</a:t>
+            </a:r>
+            <a:r>
+              <a:rPr lang="en-US" dirty="0"/>
+              <a:t> and run to show it creates an error</a:t>
+            </a:r>
+          </a:p>
+          <a:p>
+            <a:pPr marL="171450" indent="-171450">
+              <a:buFontTx/>
+              <a:buChar char="-"/>
+            </a:pPr>
+            <a:endParaRPr lang="en-US" dirty="0"/>
+          </a:p>
+        </p:txBody>
+      </p:sp>
+      <p:sp>
+        <p:nvSpPr>
+          <p:cNvPr id="4" name="Slide Number Placeholder 3"/>
+          <p:cNvSpPr>
+            <a:spLocks noGrp="1"/>
+          </p:cNvSpPr>
+          <p:nvPr>
+            <p:ph type="sldNum" sz="quarter" idx="5"/>
+          </p:nvPr>
+        </p:nvSpPr>
+        <p:spPr/>
+        <p:txBody>
+          <a:bodyPr/>
+          <a:lstStyle/>
+          <a:p>
+            <a:fld id="{1734D747-9380-41EE-9946-EC9EC0CA5D1E}" type="slidenum">
+              <a:rPr lang="en-US" noProof="0" smtClean="0"/>
+              <a:t>11</a:t>
+            </a:fld>
+            <a:endParaRPr lang="en-US" noProof="0" dirty="0"/>
+          </a:p>
+        </p:txBody>
+      </p:sp>
+    </p:spTree>
+    <p:extLst>
+      <p:ext uri="{BB962C8B-B14F-4D97-AF65-F5344CB8AC3E}">
+        <p14:creationId xmlns:p14="http://schemas.microsoft.com/office/powerpoint/2010/main" val="68410691"/>
+      </p:ext>
+    </p:extLst>
+  </p:cSld>
+  <p:clrMapOvr>
+    <a:masterClrMapping/>
+  </p:clrMapOvr>
+</p:notes>
+</file>
+
+<file path=ppt/notesSlides/notesSlide11.xml><?xml version="1.0" encoding="utf-8"?>
+<p:notes xmlns:a="http://schemas.openxmlformats.org/drawingml/2006/main" xmlns:r="http://schemas.openxmlformats.org/officeDocument/2006/relationships" xmlns:p="http://schemas.openxmlformats.org/presentationml/2006/main">
+  <p:cSld>
+    <p:spTree>
+      <p:nvGrpSpPr>
+        <p:cNvPr id="1" name=""/>
+        <p:cNvGrpSpPr/>
+        <p:nvPr/>
+      </p:nvGrpSpPr>
+      <p:grpSpPr>
+        <a:xfrm>
+          <a:off x="0" y="0"/>
+          <a:ext cx="0" cy="0"/>
+          <a:chOff x="0" y="0"/>
+          <a:chExt cx="0" cy="0"/>
+        </a:xfrm>
+      </p:grpSpPr>
+      <p:sp>
+        <p:nvSpPr>
+          <p:cNvPr id="2" name="Slide Image Placeholder 1"/>
+          <p:cNvSpPr>
+            <a:spLocks noGrp="1" noRot="1" noChangeAspect="1"/>
+          </p:cNvSpPr>
+          <p:nvPr>
+            <p:ph type="sldImg"/>
+          </p:nvPr>
+        </p:nvSpPr>
+        <p:spPr/>
+      </p:sp>
+      <p:sp>
+        <p:nvSpPr>
+          <p:cNvPr id="3" name="Notes Placeholder 2"/>
+          <p:cNvSpPr>
+            <a:spLocks noGrp="1"/>
+          </p:cNvSpPr>
+          <p:nvPr>
+            <p:ph type="body" idx="1"/>
+          </p:nvPr>
+        </p:nvSpPr>
+        <p:spPr/>
+        <p:txBody>
+          <a:bodyPr/>
+          <a:lstStyle/>
+          <a:p>
+            <a:pPr marL="171450" indent="-171450">
+              <a:buFontTx/>
+              <a:buChar char="-"/>
+            </a:pPr>
+            <a:r>
+              <a:rPr lang="en-US" dirty="0"/>
+              <a:t>Caught a Windows PowerShell issue when installing the module with an emoji in the module manifest description</a:t>
+            </a:r>
+          </a:p>
+          <a:p>
+            <a:pPr marL="171450" indent="-171450">
+              <a:buFontTx/>
+              <a:buChar char="-"/>
+            </a:pPr>
+            <a:r>
+              <a:rPr lang="en-US" dirty="0"/>
+              <a:t>Caught a cross-platform bug when saving the module settings to the local user’s directory (I think I was using $</a:t>
+            </a:r>
+            <a:r>
+              <a:rPr lang="en-US" dirty="0" err="1"/>
+              <a:t>Env:AppData</a:t>
+            </a:r>
+            <a:r>
+              <a:rPr lang="en-US" dirty="0"/>
+              <a:t>)</a:t>
+            </a:r>
+          </a:p>
+        </p:txBody>
+      </p:sp>
+      <p:sp>
+        <p:nvSpPr>
+          <p:cNvPr id="4" name="Slide Number Placeholder 3"/>
+          <p:cNvSpPr>
+            <a:spLocks noGrp="1"/>
+          </p:cNvSpPr>
+          <p:nvPr>
+            <p:ph type="sldNum" sz="quarter" idx="5"/>
+          </p:nvPr>
+        </p:nvSpPr>
+        <p:spPr/>
+        <p:txBody>
+          <a:bodyPr/>
+          <a:lstStyle/>
+          <a:p>
+            <a:fld id="{1734D747-9380-41EE-9946-EC9EC0CA5D1E}" type="slidenum">
+              <a:rPr lang="en-US" noProof="0" smtClean="0"/>
+              <a:t>12</a:t>
+            </a:fld>
+            <a:endParaRPr lang="en-US" noProof="0" dirty="0"/>
+          </a:p>
+        </p:txBody>
+      </p:sp>
+    </p:spTree>
+    <p:extLst>
+      <p:ext uri="{BB962C8B-B14F-4D97-AF65-F5344CB8AC3E}">
+        <p14:creationId xmlns:p14="http://schemas.microsoft.com/office/powerpoint/2010/main" val="2210032523"/>
+      </p:ext>
+    </p:extLst>
+  </p:cSld>
+  <p:clrMapOvr>
+    <a:masterClrMapping/>
+  </p:clrMapOvr>
+</p:notes>
+</file>
+
 <file path=ppt/notesSlides/notesSlide2.xml><?xml version="1.0" encoding="utf-8"?>
 <p:notes xmlns:a="http://schemas.openxmlformats.org/drawingml/2006/main" xmlns:r="http://schemas.openxmlformats.org/officeDocument/2006/relationships" xmlns:p="http://schemas.openxmlformats.org/presentationml/2006/main">
   <p:cSld>
@@ -1789,34 +2077,6 @@
               <a:buFontTx/>
               <a:buChar char="-"/>
             </a:pPr>
-            <a:r>
-              <a:rPr lang="en-US" dirty="0"/>
-              <a:t>Basic PowerShell post was one of my most popular for years</a:t>
-            </a:r>
-          </a:p>
-          <a:p>
-            <a:pPr marL="171450" indent="-171450">
-              <a:buFontTx/>
-              <a:buChar char="-"/>
-            </a:pPr>
-            <a:r>
-              <a:rPr lang="en-US" dirty="0"/>
-              <a:t>Windows Scheduled Task </a:t>
-            </a:r>
-            <a:r>
-              <a:rPr lang="en-US" dirty="0" err="1"/>
-              <a:t>AzDO</a:t>
-            </a:r>
-            <a:r>
-              <a:rPr lang="en-US" dirty="0"/>
-              <a:t> extension uses PowerShell, and started off as PowerShell scripts</a:t>
-            </a:r>
-          </a:p>
-          <a:p>
-            <a:pPr marL="171450" indent="-171450">
-              <a:buFontTx/>
-              <a:buChar char="-"/>
-            </a:pPr>
             <a:endParaRPr lang="en-US" dirty="0"/>
           </a:p>
         </p:txBody>
@@ -1838,7 +2098,7 @@
           <a:p>
             <a:fld id="{1734D747-9380-41EE-9946-EC9EC0CA5D1E}" type="slidenum">
               <a:rPr lang="en-US" noProof="0" smtClean="0"/>
-              <a:t>4</a:t>
+              <a:t>2</a:t>
             </a:fld>
             <a:endParaRPr lang="en-US" noProof="0" dirty="0"/>
           </a:p>
@@ -1847,7 +2107,7 @@
     </p:spTree>
     <p:extLst>
       <p:ext uri="{BB962C8B-B14F-4D97-AF65-F5344CB8AC3E}">
-        <p14:creationId xmlns:p14="http://schemas.microsoft.com/office/powerpoint/2010/main" val="3485468125"/>
+        <p14:creationId xmlns:p14="http://schemas.microsoft.com/office/powerpoint/2010/main" val="1556301938"/>
       </p:ext>
     </p:extLst>
   </p:cSld>
@@ -1907,61 +2167,8 @@
             </a:pPr>
             <a:r>
               <a:rPr lang="en-US" dirty="0"/>
-              <a:t>Install and configure from Quick Start</a:t>
-            </a:r>
-          </a:p>
-          <a:p>
-            <a:pPr marL="171450" indent="-171450">
-              <a:buFontTx/>
-              <a:buChar char="-"/>
-            </a:pPr>
-            <a:r>
-              <a:rPr lang="en-US" dirty="0"/>
-              <a:t>Get-</a:t>
-            </a:r>
-            <a:r>
-              <a:rPr lang="en-US" dirty="0" err="1"/>
-              <a:t>TiPSConfiguration</a:t>
-            </a:r>
-            <a:endParaRPr lang="en-US" dirty="0"/>
-          </a:p>
-          <a:p>
-            <a:pPr marL="171450" indent="-171450">
-              <a:buFontTx/>
-              <a:buChar char="-"/>
-            </a:pPr>
-            <a:r>
-              <a:rPr lang="en-US" dirty="0"/>
-              <a:t>Get-</a:t>
-            </a:r>
-            <a:r>
-              <a:rPr lang="en-US" dirty="0" err="1"/>
-              <a:t>TiPSDataDirectoryPath</a:t>
-            </a:r>
-            <a:endParaRPr lang="en-US" dirty="0"/>
-          </a:p>
-          <a:p>
-            <a:pPr marL="171450" indent="-171450">
-              <a:buFontTx/>
-              <a:buChar char="-"/>
-            </a:pPr>
-            <a:r>
-              <a:rPr lang="en-US" dirty="0"/>
-              <a:t>$</a:t>
-            </a:r>
-            <a:r>
-              <a:rPr lang="en-US" dirty="0" err="1"/>
-              <a:t>Profile.CurrentUserAllHosts</a:t>
-            </a:r>
-            <a:r>
-              <a:rPr lang="en-US" dirty="0"/>
-              <a:t> references $</a:t>
-            </a:r>
-            <a:r>
-              <a:rPr lang="en-US" dirty="0" err="1"/>
-              <a:t>DansPowerShellProfileFilePath</a:t>
-            </a:r>
-            <a:endParaRPr lang="en-US" dirty="0"/>
+              <a:t>1-RunHellow.cmd</a:t>
+            </a:r>
           </a:p>
           <a:p>
             <a:pPr marL="171450" indent="-171450">
@@ -1969,6 +2176,117 @@
               <a:buChar char="-"/>
             </a:pPr>
             <a:endParaRPr lang="en-US" dirty="0"/>
+          </a:p>
+          <a:p>
+            <a:pPr marL="171450" indent="-171450">
+              <a:buFontTx/>
+              <a:buChar char="-"/>
+            </a:pPr>
+            <a:r>
+              <a:rPr lang="en-US" dirty="0"/>
+              <a:t>Basic PowerShell post was one of my most popular for years</a:t>
+            </a:r>
+          </a:p>
+          <a:p>
+            <a:pPr marL="171450" indent="-171450">
+              <a:buFontTx/>
+              <a:buChar char="-"/>
+            </a:pPr>
+            <a:r>
+              <a:rPr lang="en-US" dirty="0"/>
+              <a:t>Got into programming because I wanted to make video games</a:t>
+            </a:r>
+          </a:p>
+          <a:p>
+            <a:pPr marL="171450" indent="-171450">
+              <a:buFontTx/>
+              <a:buChar char="-"/>
+            </a:pPr>
+            <a:endParaRPr lang="en-US" dirty="0"/>
+          </a:p>
+          <a:p>
+            <a:pPr marL="171450" marR="0" lvl="0" indent="-171450" algn="l" defTabSz="914400" rtl="0" eaLnBrk="1" fontAlgn="auto" latinLnBrk="0" hangingPunct="1">
+              <a:lnSpc>
+                <a:spcPct val="100000"/>
+              </a:lnSpc>
+              <a:spcBef>
+                <a:spcPts val="0"/>
+              </a:spcBef>
+              <a:spcAft>
+                <a:spcPts val="0"/>
+              </a:spcAft>
+              <a:buClrTx/>
+              <a:buSzTx/>
+              <a:buFontTx/>
+              <a:buChar char="-"/>
+              <a:tabLst/>
+              <a:defRPr/>
+            </a:pPr>
+            <a:r>
+              <a:rPr lang="en-US" dirty="0"/>
+              <a:t>Who here knows what AutoHotkey is?</a:t>
+            </a:r>
+          </a:p>
+          <a:p>
+            <a:pPr marL="171450" marR="0" lvl="0" indent="-171450" algn="l" defTabSz="914400" rtl="0" eaLnBrk="1" fontAlgn="auto" latinLnBrk="0" hangingPunct="1">
+              <a:lnSpc>
+                <a:spcPct val="100000"/>
+              </a:lnSpc>
+              <a:spcBef>
+                <a:spcPts val="0"/>
+              </a:spcBef>
+              <a:spcAft>
+                <a:spcPts val="0"/>
+              </a:spcAft>
+              <a:buClrTx/>
+              <a:buSzTx/>
+              <a:buFontTx/>
+              <a:buChar char="-"/>
+              <a:tabLst/>
+              <a:defRPr/>
+            </a:pPr>
+            <a:r>
+              <a:rPr lang="en-US" dirty="0"/>
+              <a:t>2-AutoHotkey.ahk</a:t>
+            </a:r>
+          </a:p>
+          <a:p>
+            <a:pPr marL="171450" marR="0" lvl="0" indent="-171450" algn="l" defTabSz="914400" rtl="0" eaLnBrk="1" fontAlgn="auto" latinLnBrk="0" hangingPunct="1">
+              <a:lnSpc>
+                <a:spcPct val="100000"/>
+              </a:lnSpc>
+              <a:spcBef>
+                <a:spcPts val="0"/>
+              </a:spcBef>
+              <a:spcAft>
+                <a:spcPts val="0"/>
+              </a:spcAft>
+              <a:buClrTx/>
+              <a:buSzTx/>
+              <a:buFontTx/>
+              <a:buChar char="-"/>
+              <a:tabLst/>
+              <a:defRPr/>
+            </a:pPr>
+            <a:endParaRPr lang="en-US" dirty="0"/>
+          </a:p>
+          <a:p>
+            <a:pPr marL="171450" indent="-171450">
+              <a:buFontTx/>
+              <a:buChar char="-"/>
+            </a:pPr>
+            <a:r>
+              <a:rPr lang="en-US" dirty="0"/>
+              <a:t>Windows Scheduled Task </a:t>
+            </a:r>
+            <a:r>
+              <a:rPr lang="en-US" dirty="0" err="1"/>
+              <a:t>AzDO</a:t>
+            </a:r>
+            <a:r>
+              <a:rPr lang="en-US" dirty="0"/>
+              <a:t> extension uses PowerShell, and started off as PowerShell scripts</a:t>
+            </a:r>
           </a:p>
         </p:txBody>
       </p:sp>
@@ -1989,7 +2307,7 @@
           <a:p>
             <a:fld id="{1734D747-9380-41EE-9946-EC9EC0CA5D1E}" type="slidenum">
               <a:rPr lang="en-US" noProof="0" smtClean="0"/>
-              <a:t>5</a:t>
+              <a:t>4</a:t>
             </a:fld>
             <a:endParaRPr lang="en-US" noProof="0" dirty="0"/>
           </a:p>
@@ -1998,7 +2316,7 @@
     </p:spTree>
     <p:extLst>
       <p:ext uri="{BB962C8B-B14F-4D97-AF65-F5344CB8AC3E}">
-        <p14:creationId xmlns:p14="http://schemas.microsoft.com/office/powerpoint/2010/main" val="515091263"/>
+        <p14:creationId xmlns:p14="http://schemas.microsoft.com/office/powerpoint/2010/main" val="3485468125"/>
       </p:ext>
     </p:extLst>
   </p:cSld>
@@ -2052,7 +2370,523 @@
           <a:bodyPr/>
           <a:lstStyle/>
           <a:p>
-            <a:endParaRPr lang="en-US"/>
+            <a:pPr marL="0" indent="0">
+              <a:buFontTx/>
+              <a:buNone/>
+            </a:pPr>
+            <a:r>
+              <a:rPr lang="en-US" dirty="0"/>
+              <a:t>1. Install-Module -Name </a:t>
+            </a:r>
+            <a:r>
+              <a:rPr lang="en-US" dirty="0" err="1"/>
+              <a:t>tiPS</a:t>
+            </a:r>
+            <a:r>
+              <a:rPr lang="en-US" dirty="0"/>
+              <a:t> -Scope </a:t>
+            </a:r>
+            <a:r>
+              <a:rPr lang="en-US" dirty="0" err="1"/>
+              <a:t>CurrentUser</a:t>
+            </a:r>
+            <a:r>
+              <a:rPr lang="en-US" dirty="0"/>
+              <a:t> (don’t actually run it, since it’s already installed)</a:t>
+            </a:r>
+          </a:p>
+          <a:p>
+            <a:pPr marL="0" indent="0">
+              <a:buFontTx/>
+              <a:buNone/>
+            </a:pPr>
+            <a:r>
+              <a:rPr lang="en-US" dirty="0"/>
+              <a:t>2. Get-</a:t>
+            </a:r>
+            <a:r>
+              <a:rPr lang="en-US" dirty="0" err="1"/>
+              <a:t>PowerShellTip</a:t>
+            </a:r>
+            <a:r>
+              <a:rPr lang="en-US" dirty="0"/>
+              <a:t> (has all the info, but kind of ugly to read)</a:t>
+            </a:r>
+          </a:p>
+          <a:p>
+            <a:pPr marL="0" indent="0">
+              <a:buFontTx/>
+              <a:buNone/>
+            </a:pPr>
+            <a:r>
+              <a:rPr lang="en-US" dirty="0"/>
+              <a:t>3. Write-</a:t>
+            </a:r>
+            <a:r>
+              <a:rPr lang="en-US" dirty="0" err="1"/>
+              <a:t>PowerShellTip</a:t>
+            </a:r>
+            <a:endParaRPr lang="en-US" dirty="0"/>
+          </a:p>
+          <a:p>
+            <a:pPr marL="0" indent="0">
+              <a:buFontTx/>
+              <a:buNone/>
+            </a:pPr>
+            <a:r>
+              <a:rPr lang="en-US" dirty="0"/>
+              <a:t>4. tips</a:t>
+            </a:r>
+          </a:p>
+          <a:p>
+            <a:pPr marL="0" indent="0">
+              <a:buFontTx/>
+              <a:buNone/>
+            </a:pPr>
+            <a:r>
+              <a:rPr lang="en-US" dirty="0"/>
+              <a:t>5. Get-</a:t>
+            </a:r>
+            <a:r>
+              <a:rPr lang="en-US" dirty="0" err="1"/>
+              <a:t>PowerShellTip</a:t>
+            </a:r>
+            <a:r>
+              <a:rPr lang="en-US" dirty="0"/>
+              <a:t> –</a:t>
+            </a:r>
+            <a:r>
+              <a:rPr lang="en-US" dirty="0" err="1"/>
+              <a:t>AllTips</a:t>
+            </a:r>
+            <a:endParaRPr lang="en-US" dirty="0"/>
+          </a:p>
+          <a:p>
+            <a:pPr marL="0" indent="0">
+              <a:buFontTx/>
+              <a:buNone/>
+            </a:pPr>
+            <a:r>
+              <a:rPr lang="en-US" dirty="0"/>
+              <a:t>6. Get-</a:t>
+            </a:r>
+            <a:r>
+              <a:rPr lang="en-US" dirty="0" err="1"/>
+              <a:t>PowerShellTip</a:t>
+            </a:r>
+            <a:r>
+              <a:rPr lang="en-US" dirty="0"/>
+              <a:t> –</a:t>
+            </a:r>
+            <a:r>
+              <a:rPr lang="en-US" dirty="0" err="1"/>
+              <a:t>AllTips</a:t>
+            </a:r>
+            <a:r>
+              <a:rPr lang="en-US" dirty="0"/>
+              <a:t> | gm (shows us it’s an ordered dictionary)</a:t>
+            </a:r>
+          </a:p>
+          <a:p>
+            <a:pPr marL="0" indent="0">
+              <a:buFontTx/>
+              <a:buNone/>
+            </a:pPr>
+            <a:r>
+              <a:rPr lang="en-US" dirty="0"/>
+              <a:t>7. (Get-</a:t>
+            </a:r>
+            <a:r>
+              <a:rPr lang="en-US" dirty="0" err="1"/>
+              <a:t>PowerShellTip</a:t>
+            </a:r>
+            <a:r>
+              <a:rPr lang="en-US" dirty="0"/>
+              <a:t> -</a:t>
+            </a:r>
+            <a:r>
+              <a:rPr lang="en-US" dirty="0" err="1"/>
+              <a:t>AllTips</a:t>
+            </a:r>
+            <a:r>
+              <a:rPr lang="en-US" dirty="0"/>
+              <a:t>).Count</a:t>
+            </a:r>
+          </a:p>
+          <a:p>
+            <a:pPr marL="0" indent="0">
+              <a:buFontTx/>
+              <a:buNone/>
+            </a:pPr>
+            <a:r>
+              <a:rPr lang="en-US" dirty="0"/>
+              <a:t>8. Set-</a:t>
+            </a:r>
+            <a:r>
+              <a:rPr lang="en-US" dirty="0" err="1"/>
+              <a:t>TiPSConfiguration</a:t>
+            </a:r>
+            <a:r>
+              <a:rPr lang="en-US" dirty="0"/>
+              <a:t> -</a:t>
+            </a:r>
+            <a:r>
+              <a:rPr lang="en-US" dirty="0" err="1"/>
+              <a:t>AutomaticallyWritePowerShellTip</a:t>
+            </a:r>
+            <a:r>
+              <a:rPr lang="en-US" dirty="0"/>
+              <a:t> Daily -</a:t>
+            </a:r>
+            <a:r>
+              <a:rPr lang="en-US" dirty="0" err="1"/>
+              <a:t>AutomaticallyUpdateModule</a:t>
+            </a:r>
+            <a:r>
+              <a:rPr lang="en-US" dirty="0"/>
+              <a:t> Weekly (gets warning)</a:t>
+            </a:r>
+          </a:p>
+          <a:p>
+            <a:pPr marL="0" indent="0">
+              <a:buFontTx/>
+              <a:buNone/>
+            </a:pPr>
+            <a:r>
+              <a:rPr lang="en-US" dirty="0"/>
+              <a:t>9. $Profile</a:t>
+            </a:r>
+          </a:p>
+          <a:p>
+            <a:pPr marL="0" indent="0">
+              <a:buFontTx/>
+              <a:buNone/>
+            </a:pPr>
+            <a:r>
+              <a:rPr lang="en-US" dirty="0"/>
+              <a:t>10. $Profile | gm</a:t>
+            </a:r>
+          </a:p>
+          <a:p>
+            <a:pPr marL="0" indent="0">
+              <a:buFontTx/>
+              <a:buNone/>
+            </a:pPr>
+            <a:r>
+              <a:rPr lang="en-US" dirty="0"/>
+              <a:t>11. code $</a:t>
+            </a:r>
+            <a:r>
+              <a:rPr lang="en-US" dirty="0" err="1"/>
+              <a:t>Profile.CurrentUserAllHosts</a:t>
+            </a:r>
+            <a:endParaRPr lang="en-US" dirty="0"/>
+          </a:p>
+          <a:p>
+            <a:pPr marL="0" indent="0">
+              <a:buFontTx/>
+              <a:buNone/>
+            </a:pPr>
+            <a:r>
+              <a:rPr lang="en-US" dirty="0"/>
+              <a:t>12. Add-</a:t>
+            </a:r>
+            <a:r>
+              <a:rPr lang="en-US" dirty="0" err="1"/>
+              <a:t>TiPSImportToPowerShellProfile</a:t>
+            </a:r>
+            <a:endParaRPr lang="en-US" dirty="0"/>
+          </a:p>
+          <a:p>
+            <a:pPr marL="0" marR="0" lvl="0" indent="0" algn="l" defTabSz="914400" rtl="0" eaLnBrk="1" fontAlgn="auto" latinLnBrk="0" hangingPunct="1">
+              <a:lnSpc>
+                <a:spcPct val="100000"/>
+              </a:lnSpc>
+              <a:spcBef>
+                <a:spcPts val="0"/>
+              </a:spcBef>
+              <a:spcAft>
+                <a:spcPts val="0"/>
+              </a:spcAft>
+              <a:buClrTx/>
+              <a:buSzTx/>
+              <a:buFontTx/>
+              <a:buNone/>
+              <a:tabLst/>
+              <a:defRPr/>
+            </a:pPr>
+            <a:r>
+              <a:rPr lang="en-US" dirty="0"/>
+              <a:t>13. Set-</a:t>
+            </a:r>
+            <a:r>
+              <a:rPr lang="en-US" dirty="0" err="1"/>
+              <a:t>TiPSConfiguration</a:t>
+            </a:r>
+            <a:r>
+              <a:rPr lang="en-US" dirty="0"/>
+              <a:t> -</a:t>
+            </a:r>
+            <a:r>
+              <a:rPr lang="en-US" dirty="0" err="1"/>
+              <a:t>AutomaticallyWritePowerShellTip</a:t>
+            </a:r>
+            <a:r>
+              <a:rPr lang="en-US" dirty="0"/>
+              <a:t> Daily -</a:t>
+            </a:r>
+            <a:r>
+              <a:rPr lang="en-US" dirty="0" err="1"/>
+              <a:t>AutomaticallyUpdateModule</a:t>
+            </a:r>
+            <a:r>
+              <a:rPr lang="en-US" dirty="0"/>
+              <a:t> Weekly (no more warning)</a:t>
+            </a:r>
+          </a:p>
+          <a:p>
+            <a:pPr marL="0" marR="0" lvl="0" indent="0" algn="l" defTabSz="914400" rtl="0" eaLnBrk="1" fontAlgn="auto" latinLnBrk="0" hangingPunct="1">
+              <a:lnSpc>
+                <a:spcPct val="100000"/>
+              </a:lnSpc>
+              <a:spcBef>
+                <a:spcPts val="0"/>
+              </a:spcBef>
+              <a:spcAft>
+                <a:spcPts val="0"/>
+              </a:spcAft>
+              <a:buClrTx/>
+              <a:buSzTx/>
+              <a:buFontTx/>
+              <a:buNone/>
+              <a:tabLst/>
+              <a:defRPr/>
+            </a:pPr>
+            <a:r>
+              <a:rPr lang="en-US" dirty="0"/>
+              <a:t>14. Set-</a:t>
+            </a:r>
+            <a:r>
+              <a:rPr lang="en-US" dirty="0" err="1"/>
+              <a:t>TiPSConfiguration</a:t>
+            </a:r>
+            <a:r>
+              <a:rPr lang="en-US" dirty="0"/>
+              <a:t> -</a:t>
+            </a:r>
+            <a:r>
+              <a:rPr lang="en-US" dirty="0" err="1"/>
+              <a:t>AutomaticallyWritePowerShellTip</a:t>
+            </a:r>
+            <a:r>
+              <a:rPr lang="en-US" dirty="0"/>
+              <a:t> </a:t>
+            </a:r>
+            <a:r>
+              <a:rPr lang="en-US" dirty="0" err="1"/>
+              <a:t>EverySession</a:t>
+            </a:r>
+            <a:endParaRPr lang="en-US" dirty="0"/>
+          </a:p>
+          <a:p>
+            <a:pPr marL="0" marR="0" lvl="0" indent="0" algn="l" defTabSz="914400" rtl="0" eaLnBrk="1" fontAlgn="auto" latinLnBrk="0" hangingPunct="1">
+              <a:lnSpc>
+                <a:spcPct val="100000"/>
+              </a:lnSpc>
+              <a:spcBef>
+                <a:spcPts val="0"/>
+              </a:spcBef>
+              <a:spcAft>
+                <a:spcPts val="0"/>
+              </a:spcAft>
+              <a:buClrTx/>
+              <a:buSzTx/>
+              <a:buFontTx/>
+              <a:buNone/>
+              <a:tabLst/>
+              <a:defRPr/>
+            </a:pPr>
+            <a:r>
+              <a:rPr lang="en-US" dirty="0"/>
+              <a:t>15. Open new PowerShell tabs and show tips auto-loading</a:t>
+            </a:r>
+          </a:p>
+          <a:p>
+            <a:pPr marL="0" marR="0" lvl="0" indent="0" algn="l" defTabSz="914400" rtl="0" eaLnBrk="1" fontAlgn="auto" latinLnBrk="0" hangingPunct="1">
+              <a:lnSpc>
+                <a:spcPct val="100000"/>
+              </a:lnSpc>
+              <a:spcBef>
+                <a:spcPts val="0"/>
+              </a:spcBef>
+              <a:spcAft>
+                <a:spcPts val="0"/>
+              </a:spcAft>
+              <a:buClrTx/>
+              <a:buSzTx/>
+              <a:buFontTx/>
+              <a:buNone/>
+              <a:tabLst/>
+              <a:defRPr/>
+            </a:pPr>
+            <a:r>
+              <a:rPr lang="en-US" dirty="0"/>
+              <a:t>16. Set-</a:t>
+            </a:r>
+            <a:r>
+              <a:rPr lang="en-US" dirty="0" err="1"/>
+              <a:t>TiPSConfiguration</a:t>
+            </a:r>
+            <a:r>
+              <a:rPr lang="en-US" dirty="0"/>
+              <a:t> -</a:t>
+            </a:r>
+            <a:r>
+              <a:rPr lang="en-US" dirty="0" err="1"/>
+              <a:t>AutomaticallyWritePowerShellTip</a:t>
+            </a:r>
+            <a:r>
+              <a:rPr lang="en-US" dirty="0"/>
+              <a:t> Daily</a:t>
+            </a:r>
+          </a:p>
+          <a:p>
+            <a:pPr marL="0" marR="0" lvl="0" indent="0" algn="l" defTabSz="914400" rtl="0" eaLnBrk="1" fontAlgn="auto" latinLnBrk="0" hangingPunct="1">
+              <a:lnSpc>
+                <a:spcPct val="100000"/>
+              </a:lnSpc>
+              <a:spcBef>
+                <a:spcPts val="0"/>
+              </a:spcBef>
+              <a:spcAft>
+                <a:spcPts val="0"/>
+              </a:spcAft>
+              <a:buClrTx/>
+              <a:buSzTx/>
+              <a:buFontTx/>
+              <a:buNone/>
+              <a:tabLst/>
+              <a:defRPr/>
+            </a:pPr>
+            <a:r>
+              <a:rPr lang="en-US" dirty="0"/>
+              <a:t>17. Get-Command -Module </a:t>
+            </a:r>
+            <a:r>
+              <a:rPr lang="en-US" dirty="0" err="1"/>
+              <a:t>tiPS</a:t>
+            </a:r>
+            <a:r>
+              <a:rPr lang="en-US" dirty="0"/>
+              <a:t> –All</a:t>
+            </a:r>
+          </a:p>
+          <a:p>
+            <a:pPr marL="0" marR="0" lvl="0" indent="0" algn="l" defTabSz="914400" rtl="0" eaLnBrk="1" fontAlgn="auto" latinLnBrk="0" hangingPunct="1">
+              <a:lnSpc>
+                <a:spcPct val="100000"/>
+              </a:lnSpc>
+              <a:spcBef>
+                <a:spcPts val="0"/>
+              </a:spcBef>
+              <a:spcAft>
+                <a:spcPts val="0"/>
+              </a:spcAft>
+              <a:buClrTx/>
+              <a:buSzTx/>
+              <a:buFontTx/>
+              <a:buNone/>
+              <a:tabLst/>
+              <a:defRPr/>
+            </a:pPr>
+            <a:r>
+              <a:rPr lang="en-US" dirty="0"/>
+              <a:t>18. Test-</a:t>
+            </a:r>
+            <a:r>
+              <a:rPr lang="en-US" dirty="0" err="1"/>
+              <a:t>PowerShellProfileImportsTiPS</a:t>
+            </a:r>
+            <a:endParaRPr lang="en-US" dirty="0"/>
+          </a:p>
+          <a:p>
+            <a:pPr marL="0" marR="0" lvl="0" indent="0" algn="l" defTabSz="914400" rtl="0" eaLnBrk="1" fontAlgn="auto" latinLnBrk="0" hangingPunct="1">
+              <a:lnSpc>
+                <a:spcPct val="100000"/>
+              </a:lnSpc>
+              <a:spcBef>
+                <a:spcPts val="0"/>
+              </a:spcBef>
+              <a:spcAft>
+                <a:spcPts val="0"/>
+              </a:spcAft>
+              <a:buClrTx/>
+              <a:buSzTx/>
+              <a:buFontTx/>
+              <a:buNone/>
+              <a:tabLst/>
+              <a:defRPr/>
+            </a:pPr>
+            <a:r>
+              <a:rPr lang="en-US" dirty="0"/>
+              <a:t>19. Get-</a:t>
+            </a:r>
+            <a:r>
+              <a:rPr lang="en-US" dirty="0" err="1"/>
+              <a:t>TiPSConfiguration</a:t>
+            </a:r>
+            <a:endParaRPr lang="en-US" dirty="0"/>
+          </a:p>
+          <a:p>
+            <a:pPr marL="0" marR="0" lvl="0" indent="0" algn="l" defTabSz="914400" rtl="0" eaLnBrk="1" fontAlgn="auto" latinLnBrk="0" hangingPunct="1">
+              <a:lnSpc>
+                <a:spcPct val="100000"/>
+              </a:lnSpc>
+              <a:spcBef>
+                <a:spcPts val="0"/>
+              </a:spcBef>
+              <a:spcAft>
+                <a:spcPts val="0"/>
+              </a:spcAft>
+              <a:buClrTx/>
+              <a:buSzTx/>
+              <a:buFontTx/>
+              <a:buNone/>
+              <a:tabLst/>
+              <a:defRPr/>
+            </a:pPr>
+            <a:r>
+              <a:rPr lang="en-US" dirty="0"/>
+              <a:t>20. Show all of the text files</a:t>
+            </a:r>
+          </a:p>
+          <a:p>
+            <a:pPr marL="0" marR="0" lvl="0" indent="0" algn="l" defTabSz="914400" rtl="0" eaLnBrk="1" fontAlgn="auto" latinLnBrk="0" hangingPunct="1">
+              <a:lnSpc>
+                <a:spcPct val="100000"/>
+              </a:lnSpc>
+              <a:spcBef>
+                <a:spcPts val="0"/>
+              </a:spcBef>
+              <a:spcAft>
+                <a:spcPts val="0"/>
+              </a:spcAft>
+              <a:buClrTx/>
+              <a:buSzTx/>
+              <a:buFontTx/>
+              <a:buNone/>
+              <a:tabLst/>
+              <a:defRPr/>
+            </a:pPr>
+            <a:r>
+              <a:rPr lang="en-US" dirty="0"/>
+              <a:t>21. Remove-</a:t>
+            </a:r>
+            <a:r>
+              <a:rPr lang="en-US" dirty="0" err="1"/>
+              <a:t>TiPSImportFromPowerShellProfile</a:t>
+            </a:r>
+            <a:endParaRPr lang="en-US" dirty="0"/>
           </a:p>
         </p:txBody>
       </p:sp>
@@ -2073,7 +2907,7 @@
           <a:p>
             <a:fld id="{1734D747-9380-41EE-9946-EC9EC0CA5D1E}" type="slidenum">
               <a:rPr lang="en-US" noProof="0" smtClean="0"/>
-              <a:t>6</a:t>
+              <a:t>5</a:t>
             </a:fld>
             <a:endParaRPr lang="en-US" noProof="0" dirty="0"/>
           </a:p>
@@ -2082,7 +2916,7 @@
     </p:spTree>
     <p:extLst>
       <p:ext uri="{BB962C8B-B14F-4D97-AF65-F5344CB8AC3E}">
-        <p14:creationId xmlns:p14="http://schemas.microsoft.com/office/powerpoint/2010/main" val="3664700608"/>
+        <p14:creationId xmlns:p14="http://schemas.microsoft.com/office/powerpoint/2010/main" val="515091263"/>
       </p:ext>
     </p:extLst>
   </p:cSld>
@@ -2136,7 +2970,18 @@
           <a:bodyPr/>
           <a:lstStyle/>
           <a:p>
-            <a:endParaRPr lang="en-US" dirty="0"/>
+            <a:r>
+              <a:rPr lang="en-US" dirty="0"/>
+              <a:t>- Thinking of adding a Write-</a:t>
+            </a:r>
+            <a:r>
+              <a:rPr lang="en-US" dirty="0" err="1"/>
+              <a:t>PowerShellTip</a:t>
+            </a:r>
+            <a:r>
+              <a:rPr lang="en-US" dirty="0"/>
+              <a:t> –Previous switch to output the previous tip</a:t>
+            </a:r>
           </a:p>
         </p:txBody>
       </p:sp>
@@ -2157,7 +3002,567 @@
           <a:p>
             <a:fld id="{1734D747-9380-41EE-9946-EC9EC0CA5D1E}" type="slidenum">
               <a:rPr lang="en-US" noProof="0" smtClean="0"/>
+              <a:t>6</a:t>
+            </a:fld>
+            <a:endParaRPr lang="en-US" noProof="0" dirty="0"/>
+          </a:p>
+        </p:txBody>
+      </p:sp>
+    </p:spTree>
+    <p:extLst>
+      <p:ext uri="{BB962C8B-B14F-4D97-AF65-F5344CB8AC3E}">
+        <p14:creationId xmlns:p14="http://schemas.microsoft.com/office/powerpoint/2010/main" val="3664700608"/>
+      </p:ext>
+    </p:extLst>
+  </p:cSld>
+  <p:clrMapOvr>
+    <a:masterClrMapping/>
+  </p:clrMapOvr>
+</p:notes>
+</file>
+
+<file path=ppt/notesSlides/notesSlide6.xml><?xml version="1.0" encoding="utf-8"?>
+<p:notes xmlns:a="http://schemas.openxmlformats.org/drawingml/2006/main" xmlns:r="http://schemas.openxmlformats.org/officeDocument/2006/relationships" xmlns:p="http://schemas.openxmlformats.org/presentationml/2006/main">
+  <p:cSld>
+    <p:spTree>
+      <p:nvGrpSpPr>
+        <p:cNvPr id="1" name=""/>
+        <p:cNvGrpSpPr/>
+        <p:nvPr/>
+      </p:nvGrpSpPr>
+      <p:grpSpPr>
+        <a:xfrm>
+          <a:off x="0" y="0"/>
+          <a:ext cx="0" cy="0"/>
+          <a:chOff x="0" y="0"/>
+          <a:chExt cx="0" cy="0"/>
+        </a:xfrm>
+      </p:grpSpPr>
+      <p:sp>
+        <p:nvSpPr>
+          <p:cNvPr id="2" name="Slide Image Placeholder 1"/>
+          <p:cNvSpPr>
+            <a:spLocks noGrp="1" noRot="1" noChangeAspect="1"/>
+          </p:cNvSpPr>
+          <p:nvPr>
+            <p:ph type="sldImg"/>
+          </p:nvPr>
+        </p:nvSpPr>
+        <p:spPr/>
+      </p:sp>
+      <p:sp>
+        <p:nvSpPr>
+          <p:cNvPr id="3" name="Notes Placeholder 2"/>
+          <p:cNvSpPr>
+            <a:spLocks noGrp="1"/>
+          </p:cNvSpPr>
+          <p:nvPr>
+            <p:ph type="body" idx="1"/>
+          </p:nvPr>
+        </p:nvSpPr>
+        <p:spPr/>
+        <p:txBody>
+          <a:bodyPr/>
+          <a:lstStyle/>
+          <a:p>
+            <a:pPr marL="0" marR="0" lvl="0" indent="0" algn="l" defTabSz="914400" rtl="0" eaLnBrk="1" fontAlgn="auto" latinLnBrk="0" hangingPunct="1">
+              <a:lnSpc>
+                <a:spcPct val="100000"/>
+              </a:lnSpc>
+              <a:spcBef>
+                <a:spcPts val="0"/>
+              </a:spcBef>
+              <a:spcAft>
+                <a:spcPts val="0"/>
+              </a:spcAft>
+              <a:buClrTx/>
+              <a:buSzTx/>
+              <a:buFontTx/>
+              <a:buNone/>
+              <a:tabLst/>
+              <a:defRPr/>
+            </a:pPr>
+            <a:r>
+              <a:rPr lang="en-US" dirty="0"/>
+              <a:t>- Create a new branch first so we can create a PR and show the flow.</a:t>
+            </a:r>
+          </a:p>
+          <a:p>
+            <a:pPr marL="0" marR="0" lvl="0" indent="0" algn="l" defTabSz="914400" rtl="0" eaLnBrk="1" fontAlgn="auto" latinLnBrk="0" hangingPunct="1">
+              <a:lnSpc>
+                <a:spcPct val="100000"/>
+              </a:lnSpc>
+              <a:spcBef>
+                <a:spcPts val="0"/>
+              </a:spcBef>
+              <a:spcAft>
+                <a:spcPts val="0"/>
+              </a:spcAft>
+              <a:buClrTx/>
+              <a:buSzTx/>
+              <a:buFontTx/>
+              <a:buNone/>
+              <a:tabLst/>
+              <a:defRPr/>
+            </a:pPr>
+            <a:endParaRPr lang="en-US" dirty="0"/>
+          </a:p>
+          <a:p>
+            <a:pPr marL="0" marR="0" lvl="0" indent="0" algn="l" defTabSz="914400" rtl="0" eaLnBrk="1" fontAlgn="auto" latinLnBrk="0" hangingPunct="1">
+              <a:lnSpc>
+                <a:spcPct val="100000"/>
+              </a:lnSpc>
+              <a:spcBef>
+                <a:spcPts val="0"/>
+              </a:spcBef>
+              <a:spcAft>
+                <a:spcPts val="0"/>
+              </a:spcAft>
+              <a:buClrTx/>
+              <a:buSzTx/>
+              <a:buFontTx/>
+              <a:buNone/>
+              <a:tabLst/>
+              <a:defRPr/>
+            </a:pPr>
+            <a:r>
+              <a:rPr lang="en-US" dirty="0"/>
+              <a:t>Title: </a:t>
+            </a:r>
+            <a:r>
+              <a:rPr lang="en-US" b="0" dirty="0">
+                <a:solidFill>
+                  <a:srgbClr val="CE9178"/>
+                </a:solidFill>
+                <a:effectLst/>
+                <a:highlight>
+                  <a:srgbClr val="1E1E1E"/>
+                </a:highlight>
+                <a:latin typeface="CaskaydiaCove Nerd Font Mono" panose="020B0509020204030204" pitchFamily="49" charset="0"/>
+              </a:rPr>
+              <a:t>Join the Pacific PowerShell User Group!</a:t>
+            </a:r>
+            <a:endParaRPr lang="en-US" b="0" dirty="0">
+              <a:solidFill>
+                <a:srgbClr val="D4D4D4"/>
+              </a:solidFill>
+              <a:effectLst/>
+              <a:highlight>
+                <a:srgbClr val="1E1E1E"/>
+              </a:highlight>
+              <a:latin typeface="CaskaydiaCove Nerd Font Mono" panose="020B0509020204030204" pitchFamily="49" charset="0"/>
+            </a:endParaRPr>
+          </a:p>
+          <a:p>
+            <a:pPr marL="0" indent="0">
+              <a:buFontTx/>
+              <a:buNone/>
+            </a:pPr>
+            <a:r>
+              <a:rPr lang="en-US" dirty="0" err="1"/>
+              <a:t>TipText</a:t>
+            </a:r>
+            <a:r>
+              <a:rPr lang="en-US" dirty="0"/>
+              <a:t>: The Pacific PowerShell User Group meets virtually once a month to share ideas and discuss all things PowerShell. This is a casual meetup where everyone is welcome, from seasoned professionals to complete PowerShell newbies. Feel free </a:t>
+            </a:r>
+          </a:p>
+          <a:p>
+            <a:pPr marL="0" indent="0">
+              <a:buFontTx/>
+              <a:buNone/>
+            </a:pPr>
+            <a:r>
+              <a:rPr lang="en-US" dirty="0"/>
+              <a:t>Url: https://www.meetup.com/pacific-powershell-user-group/</a:t>
+            </a:r>
+          </a:p>
+          <a:p>
+            <a:pPr marL="0" indent="0">
+              <a:buFontTx/>
+              <a:buNone/>
+            </a:pPr>
+            <a:r>
+              <a:rPr lang="en-US" dirty="0"/>
+              <a:t>Category: Community</a:t>
+            </a:r>
+          </a:p>
+          <a:p>
+            <a:pPr marL="0" marR="0" lvl="0" indent="0" algn="l" defTabSz="914400" rtl="0" eaLnBrk="1" fontAlgn="auto" latinLnBrk="0" hangingPunct="1">
+              <a:lnSpc>
+                <a:spcPct val="100000"/>
+              </a:lnSpc>
+              <a:spcBef>
+                <a:spcPts val="0"/>
+              </a:spcBef>
+              <a:spcAft>
+                <a:spcPts val="0"/>
+              </a:spcAft>
+              <a:buClrTx/>
+              <a:buSzTx/>
+              <a:buFontTx/>
+              <a:buNone/>
+              <a:tabLst/>
+              <a:defRPr/>
+            </a:pPr>
+            <a:r>
+              <a:rPr lang="en-US" dirty="0"/>
+              <a:t>Author: </a:t>
+            </a:r>
+            <a:r>
+              <a:rPr lang="en-US" b="0" dirty="0">
+                <a:solidFill>
+                  <a:srgbClr val="CE9178"/>
+                </a:solidFill>
+                <a:effectLst/>
+                <a:highlight>
+                  <a:srgbClr val="1E1E1E"/>
+                </a:highlight>
+                <a:latin typeface="CaskaydiaCove Nerd Font Mono" panose="020B0509020204030204" pitchFamily="49" charset="0"/>
+              </a:rPr>
+              <a:t>Daniel Schroeder (</a:t>
+            </a:r>
+            <a:r>
+              <a:rPr lang="en-US" b="0" dirty="0" err="1">
+                <a:solidFill>
+                  <a:srgbClr val="CE9178"/>
+                </a:solidFill>
+                <a:effectLst/>
+                <a:highlight>
+                  <a:srgbClr val="1E1E1E"/>
+                </a:highlight>
+                <a:latin typeface="CaskaydiaCove Nerd Font Mono" panose="020B0509020204030204" pitchFamily="49" charset="0"/>
+              </a:rPr>
+              <a:t>deadlydog</a:t>
+            </a:r>
+            <a:r>
+              <a:rPr lang="en-US" b="0" dirty="0">
+                <a:solidFill>
+                  <a:srgbClr val="CE9178"/>
+                </a:solidFill>
+                <a:effectLst/>
+                <a:highlight>
+                  <a:srgbClr val="1E1E1E"/>
+                </a:highlight>
+                <a:latin typeface="CaskaydiaCove Nerd Font Mono" panose="020B0509020204030204" pitchFamily="49" charset="0"/>
+              </a:rPr>
+              <a:t>)</a:t>
+            </a:r>
+          </a:p>
+          <a:p>
+            <a:pPr marL="0" marR="0" lvl="0" indent="0" algn="l" defTabSz="914400" rtl="0" eaLnBrk="1" fontAlgn="auto" latinLnBrk="0" hangingPunct="1">
+              <a:lnSpc>
+                <a:spcPct val="100000"/>
+              </a:lnSpc>
+              <a:spcBef>
+                <a:spcPts val="0"/>
+              </a:spcBef>
+              <a:spcAft>
+                <a:spcPts val="0"/>
+              </a:spcAft>
+              <a:buClrTx/>
+              <a:buSzTx/>
+              <a:buFontTx/>
+              <a:buNone/>
+              <a:tabLst/>
+              <a:defRPr/>
+            </a:pPr>
+            <a:endParaRPr lang="en-US" b="0" dirty="0">
+              <a:solidFill>
+                <a:srgbClr val="CE9178"/>
+              </a:solidFill>
+              <a:effectLst/>
+              <a:highlight>
+                <a:srgbClr val="1E1E1E"/>
+              </a:highlight>
+              <a:latin typeface="CaskaydiaCove Nerd Font Mono" panose="020B0509020204030204" pitchFamily="49" charset="0"/>
+            </a:endParaRPr>
+          </a:p>
+          <a:p>
+            <a:pPr marL="171450" marR="0" lvl="0" indent="-171450" algn="l" defTabSz="914400" rtl="0" eaLnBrk="1" fontAlgn="auto" latinLnBrk="0" hangingPunct="1">
+              <a:lnSpc>
+                <a:spcPct val="100000"/>
+              </a:lnSpc>
+              <a:spcBef>
+                <a:spcPts val="0"/>
+              </a:spcBef>
+              <a:spcAft>
+                <a:spcPts val="0"/>
+              </a:spcAft>
+              <a:buClrTx/>
+              <a:buSzTx/>
+              <a:buFontTx/>
+              <a:buChar char="-"/>
+              <a:tabLst/>
+              <a:defRPr/>
+            </a:pPr>
+            <a:r>
+              <a:rPr lang="en-US" b="0" dirty="0">
+                <a:solidFill>
+                  <a:srgbClr val="CE9178"/>
+                </a:solidFill>
+                <a:effectLst/>
+                <a:highlight>
+                  <a:srgbClr val="1E1E1E"/>
+                </a:highlight>
+                <a:latin typeface="CaskaydiaCove Nerd Font Mono" panose="020B0509020204030204" pitchFamily="49" charset="0"/>
+              </a:rPr>
+              <a:t>Build locally so it generates </a:t>
+            </a:r>
+            <a:r>
+              <a:rPr lang="en-US" b="0" dirty="0" err="1">
+                <a:solidFill>
+                  <a:srgbClr val="CE9178"/>
+                </a:solidFill>
+                <a:effectLst/>
+                <a:highlight>
+                  <a:srgbClr val="1E1E1E"/>
+                </a:highlight>
+                <a:latin typeface="CaskaydiaCove Nerd Font Mono" panose="020B0509020204030204" pitchFamily="49" charset="0"/>
+              </a:rPr>
+              <a:t>PowerShellTips.json</a:t>
+            </a:r>
+            <a:r>
+              <a:rPr lang="en-US" b="0" dirty="0">
+                <a:solidFill>
+                  <a:srgbClr val="CE9178"/>
+                </a:solidFill>
+                <a:effectLst/>
+                <a:highlight>
+                  <a:srgbClr val="1E1E1E"/>
+                </a:highlight>
+                <a:latin typeface="CaskaydiaCove Nerd Font Mono" panose="020B0509020204030204" pitchFamily="49" charset="0"/>
+              </a:rPr>
+              <a:t> file and commit it.</a:t>
+            </a:r>
+          </a:p>
+          <a:p>
+            <a:pPr marL="171450" marR="0" lvl="0" indent="-171450" algn="l" defTabSz="914400" rtl="0" eaLnBrk="1" fontAlgn="auto" latinLnBrk="0" hangingPunct="1">
+              <a:lnSpc>
+                <a:spcPct val="100000"/>
+              </a:lnSpc>
+              <a:spcBef>
+                <a:spcPts val="0"/>
+              </a:spcBef>
+              <a:spcAft>
+                <a:spcPts val="0"/>
+              </a:spcAft>
+              <a:buClrTx/>
+              <a:buSzTx/>
+              <a:buFontTx/>
+              <a:buChar char="-"/>
+              <a:tabLst/>
+              <a:defRPr/>
+            </a:pPr>
+            <a:r>
+              <a:rPr lang="en-US" b="0" dirty="0">
+                <a:solidFill>
+                  <a:srgbClr val="CE9178"/>
+                </a:solidFill>
+                <a:effectLst/>
+                <a:highlight>
+                  <a:srgbClr val="1E1E1E"/>
+                </a:highlight>
+                <a:latin typeface="CaskaydiaCove Nerd Font Mono" panose="020B0509020204030204" pitchFamily="49" charset="0"/>
+              </a:rPr>
+              <a:t>Note that there are 2 files and that we’ll come back to that (in the ADRs).</a:t>
+            </a:r>
+          </a:p>
+          <a:p>
+            <a:pPr marL="171450" marR="0" lvl="0" indent="-171450" algn="l" defTabSz="914400" rtl="0" eaLnBrk="1" fontAlgn="auto" latinLnBrk="0" hangingPunct="1">
+              <a:lnSpc>
+                <a:spcPct val="100000"/>
+              </a:lnSpc>
+              <a:spcBef>
+                <a:spcPts val="0"/>
+              </a:spcBef>
+              <a:spcAft>
+                <a:spcPts val="0"/>
+              </a:spcAft>
+              <a:buClrTx/>
+              <a:buSzTx/>
+              <a:buFontTx/>
+              <a:buChar char="-"/>
+              <a:tabLst/>
+              <a:defRPr/>
+            </a:pPr>
+            <a:r>
+              <a:rPr lang="en-US" b="0" dirty="0">
+                <a:solidFill>
+                  <a:srgbClr val="CE9178"/>
+                </a:solidFill>
+                <a:effectLst/>
+                <a:highlight>
+                  <a:srgbClr val="1E1E1E"/>
+                </a:highlight>
+                <a:latin typeface="CaskaydiaCove Nerd Font Mono" panose="020B0509020204030204" pitchFamily="49" charset="0"/>
+              </a:rPr>
+              <a:t>Commit change and open a PR.</a:t>
+            </a:r>
+          </a:p>
+          <a:p>
+            <a:pPr marL="171450" marR="0" lvl="0" indent="-171450" algn="l" defTabSz="914400" rtl="0" eaLnBrk="1" fontAlgn="auto" latinLnBrk="0" hangingPunct="1">
+              <a:lnSpc>
+                <a:spcPct val="100000"/>
+              </a:lnSpc>
+              <a:spcBef>
+                <a:spcPts val="0"/>
+              </a:spcBef>
+              <a:spcAft>
+                <a:spcPts val="0"/>
+              </a:spcAft>
+              <a:buClrTx/>
+              <a:buSzTx/>
+              <a:buFontTx/>
+              <a:buChar char="-"/>
+              <a:tabLst/>
+              <a:defRPr/>
+            </a:pPr>
+            <a:r>
+              <a:rPr lang="en-US" b="0" dirty="0">
+                <a:solidFill>
+                  <a:srgbClr val="CE9178"/>
+                </a:solidFill>
+                <a:effectLst/>
+                <a:highlight>
+                  <a:srgbClr val="1E1E1E"/>
+                </a:highlight>
+                <a:latin typeface="CaskaydiaCove Nerd Font Mono" panose="020B0509020204030204" pitchFamily="49" charset="0"/>
+              </a:rPr>
+              <a:t>Merge the PR when it’s done building.</a:t>
+            </a:r>
+            <a:endParaRPr lang="en-US" b="0" dirty="0">
+              <a:solidFill>
+                <a:srgbClr val="D4D4D4"/>
+              </a:solidFill>
+              <a:effectLst/>
+              <a:highlight>
+                <a:srgbClr val="1E1E1E"/>
+              </a:highlight>
+              <a:latin typeface="CaskaydiaCove Nerd Font Mono" panose="020B0509020204030204" pitchFamily="49" charset="0"/>
+            </a:endParaRPr>
+          </a:p>
+        </p:txBody>
+      </p:sp>
+      <p:sp>
+        <p:nvSpPr>
+          <p:cNvPr id="4" name="Slide Number Placeholder 3"/>
+          <p:cNvSpPr>
+            <a:spLocks noGrp="1"/>
+          </p:cNvSpPr>
+          <p:nvPr>
+            <p:ph type="sldNum" sz="quarter" idx="5"/>
+          </p:nvPr>
+        </p:nvSpPr>
+        <p:spPr/>
+        <p:txBody>
+          <a:bodyPr/>
+          <a:lstStyle/>
+          <a:p>
+            <a:fld id="{1734D747-9380-41EE-9946-EC9EC0CA5D1E}" type="slidenum">
+              <a:rPr lang="en-US" noProof="0" smtClean="0"/>
               <a:t>7</a:t>
+            </a:fld>
+            <a:endParaRPr lang="en-US" noProof="0" dirty="0"/>
+          </a:p>
+        </p:txBody>
+      </p:sp>
+    </p:spTree>
+    <p:extLst>
+      <p:ext uri="{BB962C8B-B14F-4D97-AF65-F5344CB8AC3E}">
+        <p14:creationId xmlns:p14="http://schemas.microsoft.com/office/powerpoint/2010/main" val="2012329538"/>
+      </p:ext>
+    </p:extLst>
+  </p:cSld>
+  <p:clrMapOvr>
+    <a:masterClrMapping/>
+  </p:clrMapOvr>
+</p:notes>
+</file>
+
+<file path=ppt/notesSlides/notesSlide7.xml><?xml version="1.0" encoding="utf-8"?>
+<p:notes xmlns:a="http://schemas.openxmlformats.org/drawingml/2006/main" xmlns:r="http://schemas.openxmlformats.org/officeDocument/2006/relationships" xmlns:p="http://schemas.openxmlformats.org/presentationml/2006/main">
+  <p:cSld>
+    <p:spTree>
+      <p:nvGrpSpPr>
+        <p:cNvPr id="1" name=""/>
+        <p:cNvGrpSpPr/>
+        <p:nvPr/>
+      </p:nvGrpSpPr>
+      <p:grpSpPr>
+        <a:xfrm>
+          <a:off x="0" y="0"/>
+          <a:ext cx="0" cy="0"/>
+          <a:chOff x="0" y="0"/>
+          <a:chExt cx="0" cy="0"/>
+        </a:xfrm>
+      </p:grpSpPr>
+      <p:sp>
+        <p:nvSpPr>
+          <p:cNvPr id="2" name="Slide Image Placeholder 1"/>
+          <p:cNvSpPr>
+            <a:spLocks noGrp="1" noRot="1" noChangeAspect="1"/>
+          </p:cNvSpPr>
+          <p:nvPr>
+            <p:ph type="sldImg"/>
+          </p:nvPr>
+        </p:nvSpPr>
+        <p:spPr/>
+      </p:sp>
+      <p:sp>
+        <p:nvSpPr>
+          <p:cNvPr id="3" name="Notes Placeholder 2"/>
+          <p:cNvSpPr>
+            <a:spLocks noGrp="1"/>
+          </p:cNvSpPr>
+          <p:nvPr>
+            <p:ph type="body" idx="1"/>
+          </p:nvPr>
+        </p:nvSpPr>
+        <p:spPr/>
+        <p:txBody>
+          <a:bodyPr/>
+          <a:lstStyle/>
+          <a:p>
+            <a:pPr marL="171450" indent="-171450">
+              <a:buFontTx/>
+              <a:buChar char="-"/>
+            </a:pPr>
+            <a:r>
+              <a:rPr lang="en-US" dirty="0"/>
+              <a:t>Had a 7-week sabbatical in the summer of 2023 and was walking my dogs every day while listening to the PowerShell podcast</a:t>
+            </a:r>
+          </a:p>
+          <a:p>
+            <a:pPr marL="171450" indent="-171450">
+              <a:buFontTx/>
+              <a:buChar char="-"/>
+            </a:pPr>
+            <a:r>
+              <a:rPr lang="en-US" dirty="0"/>
+              <a:t>Jordan Hammond and Andrew Pla were always talking about the community and giving back, and I was looking for a side project</a:t>
+            </a:r>
+          </a:p>
+        </p:txBody>
+      </p:sp>
+      <p:sp>
+        <p:nvSpPr>
+          <p:cNvPr id="4" name="Slide Number Placeholder 3"/>
+          <p:cNvSpPr>
+            <a:spLocks noGrp="1"/>
+          </p:cNvSpPr>
+          <p:nvPr>
+            <p:ph type="sldNum" sz="quarter" idx="5"/>
+          </p:nvPr>
+        </p:nvSpPr>
+        <p:spPr/>
+        <p:txBody>
+          <a:bodyPr/>
+          <a:lstStyle/>
+          <a:p>
+            <a:fld id="{1734D747-9380-41EE-9946-EC9EC0CA5D1E}" type="slidenum">
+              <a:rPr lang="en-US" noProof="0" smtClean="0"/>
+              <a:t>8</a:t>
             </a:fld>
             <a:endParaRPr lang="en-US" noProof="0" dirty="0"/>
           </a:p>
@@ -2167,6 +3572,410 @@
     <p:extLst>
       <p:ext uri="{BB962C8B-B14F-4D97-AF65-F5344CB8AC3E}">
         <p14:creationId xmlns:p14="http://schemas.microsoft.com/office/powerpoint/2010/main" val="3559046720"/>
+      </p:ext>
+    </p:extLst>
+  </p:cSld>
+  <p:clrMapOvr>
+    <a:masterClrMapping/>
+  </p:clrMapOvr>
+</p:notes>
+</file>
+
+<file path=ppt/notesSlides/notesSlide8.xml><?xml version="1.0" encoding="utf-8"?>
+<p:notes xmlns:a="http://schemas.openxmlformats.org/drawingml/2006/main" xmlns:r="http://schemas.openxmlformats.org/officeDocument/2006/relationships" xmlns:p="http://schemas.openxmlformats.org/presentationml/2006/main">
+  <p:cSld>
+    <p:spTree>
+      <p:nvGrpSpPr>
+        <p:cNvPr id="1" name=""/>
+        <p:cNvGrpSpPr/>
+        <p:nvPr/>
+      </p:nvGrpSpPr>
+      <p:grpSpPr>
+        <a:xfrm>
+          <a:off x="0" y="0"/>
+          <a:ext cx="0" cy="0"/>
+          <a:chOff x="0" y="0"/>
+          <a:chExt cx="0" cy="0"/>
+        </a:xfrm>
+      </p:grpSpPr>
+      <p:sp>
+        <p:nvSpPr>
+          <p:cNvPr id="2" name="Slide Image Placeholder 1"/>
+          <p:cNvSpPr>
+            <a:spLocks noGrp="1" noRot="1" noChangeAspect="1"/>
+          </p:cNvSpPr>
+          <p:nvPr>
+            <p:ph type="sldImg"/>
+          </p:nvPr>
+        </p:nvSpPr>
+        <p:spPr/>
+      </p:sp>
+      <p:sp>
+        <p:nvSpPr>
+          <p:cNvPr id="3" name="Notes Placeholder 2"/>
+          <p:cNvSpPr>
+            <a:spLocks noGrp="1"/>
+          </p:cNvSpPr>
+          <p:nvPr>
+            <p:ph type="body" idx="1"/>
+          </p:nvPr>
+        </p:nvSpPr>
+        <p:spPr/>
+        <p:txBody>
+          <a:bodyPr/>
+          <a:lstStyle/>
+          <a:p>
+            <a:pPr marL="171450" indent="-171450">
+              <a:buFontTx/>
+              <a:buChar char="-"/>
+            </a:pPr>
+            <a:r>
+              <a:rPr lang="en-US" dirty="0"/>
+              <a:t>Merge in PR</a:t>
+            </a:r>
+          </a:p>
+          <a:p>
+            <a:pPr marL="171450" indent="-171450">
+              <a:buFontTx/>
+              <a:buChar char="-"/>
+            </a:pPr>
+            <a:r>
+              <a:rPr lang="en-US" dirty="0"/>
+              <a:t>Walk through each of the ADRs and explain them a bit</a:t>
+            </a:r>
+          </a:p>
+          <a:p>
+            <a:pPr marL="171450" indent="-171450">
+              <a:buFontTx/>
+              <a:buChar char="-"/>
+            </a:pPr>
+            <a:endParaRPr lang="en-US" dirty="0"/>
+          </a:p>
+          <a:p>
+            <a:pPr marL="171450" marR="0" lvl="0" indent="-171450" algn="l" defTabSz="914400" rtl="0" eaLnBrk="1" fontAlgn="auto" latinLnBrk="0" hangingPunct="1">
+              <a:lnSpc>
+                <a:spcPct val="100000"/>
+              </a:lnSpc>
+              <a:spcBef>
+                <a:spcPts val="0"/>
+              </a:spcBef>
+              <a:spcAft>
+                <a:spcPts val="0"/>
+              </a:spcAft>
+              <a:buClrTx/>
+              <a:buSzTx/>
+              <a:buFontTx/>
+              <a:buChar char="-"/>
+              <a:tabLst/>
+              <a:defRPr/>
+            </a:pPr>
+            <a:r>
+              <a:rPr lang="en-US" sz="1200" b="0" i="0" dirty="0">
+                <a:solidFill>
+                  <a:srgbClr val="000000"/>
+                </a:solidFill>
+                <a:effectLst/>
+                <a:highlight>
+                  <a:srgbClr val="FFFFFF"/>
+                </a:highlight>
+                <a:latin typeface="Calibri" panose="020F0502020204030204" pitchFamily="34" charset="0"/>
+              </a:rPr>
+              <a:t>C# project vs. PowerShell project </a:t>
+            </a:r>
+            <a:endParaRPr lang="en-US" sz="1200" b="0" i="0" dirty="0">
+              <a:solidFill>
+                <a:srgbClr val="000000"/>
+              </a:solidFill>
+              <a:effectLst/>
+              <a:highlight>
+                <a:srgbClr val="FFFFFF"/>
+              </a:highlight>
+              <a:latin typeface="Segoe UI" panose="020B0502040204020203" pitchFamily="34" charset="0"/>
+            </a:endParaRPr>
+          </a:p>
+          <a:p>
+            <a:pPr marL="171450" marR="0" lvl="0" indent="-171450" algn="l" defTabSz="914400" rtl="0" eaLnBrk="1" fontAlgn="auto" latinLnBrk="0" hangingPunct="1">
+              <a:lnSpc>
+                <a:spcPct val="100000"/>
+              </a:lnSpc>
+              <a:spcBef>
+                <a:spcPts val="0"/>
+              </a:spcBef>
+              <a:spcAft>
+                <a:spcPts val="0"/>
+              </a:spcAft>
+              <a:buClrTx/>
+              <a:buSzTx/>
+              <a:buFontTx/>
+              <a:buChar char="-"/>
+              <a:tabLst/>
+              <a:defRPr/>
+            </a:pPr>
+            <a:r>
+              <a:rPr lang="en-US" sz="1800" b="0" i="0" dirty="0">
+                <a:solidFill>
+                  <a:srgbClr val="000000"/>
+                </a:solidFill>
+                <a:effectLst/>
+                <a:highlight>
+                  <a:srgbClr val="FFFFFF"/>
+                </a:highlight>
+                <a:latin typeface="Calibri" panose="020F0502020204030204" pitchFamily="34" charset="0"/>
+              </a:rPr>
+              <a:t>Combining all files into a single .psm1 file for load speed </a:t>
+            </a:r>
+            <a:endParaRPr lang="en-US" sz="1200" b="0" i="0" u="none" strike="noStrike" dirty="0">
+              <a:solidFill>
+                <a:srgbClr val="000000"/>
+              </a:solidFill>
+              <a:effectLst/>
+              <a:highlight>
+                <a:srgbClr val="FFFFFF"/>
+              </a:highlight>
+              <a:latin typeface="Segoe UI" panose="020B0502040204020203" pitchFamily="34" charset="0"/>
+            </a:endParaRPr>
+          </a:p>
+          <a:p>
+            <a:pPr marL="171450" marR="0" lvl="0" indent="-171450" algn="l" defTabSz="914400" rtl="0" eaLnBrk="1" fontAlgn="auto" latinLnBrk="0" hangingPunct="1">
+              <a:lnSpc>
+                <a:spcPct val="100000"/>
+              </a:lnSpc>
+              <a:spcBef>
+                <a:spcPts val="0"/>
+              </a:spcBef>
+              <a:spcAft>
+                <a:spcPts val="0"/>
+              </a:spcAft>
+              <a:buClrTx/>
+              <a:buSzTx/>
+              <a:buFontTx/>
+              <a:buChar char="-"/>
+              <a:tabLst/>
+              <a:defRPr/>
+            </a:pPr>
+            <a:r>
+              <a:rPr lang="en-US" sz="1800" b="0" i="0" u="none" strike="noStrike" dirty="0">
+                <a:solidFill>
+                  <a:srgbClr val="000000"/>
+                </a:solidFill>
+                <a:effectLst/>
+                <a:highlight>
+                  <a:srgbClr val="FFFFFF"/>
+                </a:highlight>
+                <a:latin typeface="Calibri" panose="020F0502020204030204" pitchFamily="34" charset="0"/>
+              </a:rPr>
+              <a:t>Different ways to load classes for performance (blog post link)</a:t>
+            </a:r>
+            <a:r>
+              <a:rPr lang="en-US" sz="1800" b="0" i="0" dirty="0">
+                <a:solidFill>
+                  <a:srgbClr val="000000"/>
+                </a:solidFill>
+                <a:effectLst/>
+                <a:highlight>
+                  <a:srgbClr val="FFFFFF"/>
+                </a:highlight>
+                <a:latin typeface="Calibri" panose="020F0502020204030204" pitchFamily="34" charset="0"/>
+              </a:rPr>
+              <a:t> </a:t>
+            </a:r>
+            <a:endParaRPr lang="en-US" b="0" i="0" dirty="0">
+              <a:solidFill>
+                <a:srgbClr val="000000"/>
+              </a:solidFill>
+              <a:effectLst/>
+              <a:highlight>
+                <a:srgbClr val="FFFFFF"/>
+              </a:highlight>
+              <a:latin typeface="Segoe UI" panose="020B0502040204020203" pitchFamily="34" charset="0"/>
+            </a:endParaRPr>
+          </a:p>
+          <a:p>
+            <a:pPr marL="171450" indent="-171450">
+              <a:buFontTx/>
+              <a:buChar char="-"/>
+            </a:pPr>
+            <a:endParaRPr lang="en-US" dirty="0"/>
+          </a:p>
+        </p:txBody>
+      </p:sp>
+      <p:sp>
+        <p:nvSpPr>
+          <p:cNvPr id="4" name="Slide Number Placeholder 3"/>
+          <p:cNvSpPr>
+            <a:spLocks noGrp="1"/>
+          </p:cNvSpPr>
+          <p:nvPr>
+            <p:ph type="sldNum" sz="quarter" idx="5"/>
+          </p:nvPr>
+        </p:nvSpPr>
+        <p:spPr/>
+        <p:txBody>
+          <a:bodyPr/>
+          <a:lstStyle/>
+          <a:p>
+            <a:fld id="{1734D747-9380-41EE-9946-EC9EC0CA5D1E}" type="slidenum">
+              <a:rPr lang="en-US" noProof="0" smtClean="0"/>
+              <a:t>9</a:t>
+            </a:fld>
+            <a:endParaRPr lang="en-US" noProof="0" dirty="0"/>
+          </a:p>
+        </p:txBody>
+      </p:sp>
+    </p:spTree>
+    <p:extLst>
+      <p:ext uri="{BB962C8B-B14F-4D97-AF65-F5344CB8AC3E}">
+        <p14:creationId xmlns:p14="http://schemas.microsoft.com/office/powerpoint/2010/main" val="1565053882"/>
+      </p:ext>
+    </p:extLst>
+  </p:cSld>
+  <p:clrMapOvr>
+    <a:masterClrMapping/>
+  </p:clrMapOvr>
+</p:notes>
+</file>
+
+<file path=ppt/notesSlides/notesSlide9.xml><?xml version="1.0" encoding="utf-8"?>
+<p:notes xmlns:a="http://schemas.openxmlformats.org/drawingml/2006/main" xmlns:r="http://schemas.openxmlformats.org/officeDocument/2006/relationships" xmlns:p="http://schemas.openxmlformats.org/presentationml/2006/main">
+  <p:cSld>
+    <p:spTree>
+      <p:nvGrpSpPr>
+        <p:cNvPr id="1" name=""/>
+        <p:cNvGrpSpPr/>
+        <p:nvPr/>
+      </p:nvGrpSpPr>
+      <p:grpSpPr>
+        <a:xfrm>
+          <a:off x="0" y="0"/>
+          <a:ext cx="0" cy="0"/>
+          <a:chOff x="0" y="0"/>
+          <a:chExt cx="0" cy="0"/>
+        </a:xfrm>
+      </p:grpSpPr>
+      <p:sp>
+        <p:nvSpPr>
+          <p:cNvPr id="2" name="Slide Image Placeholder 1"/>
+          <p:cNvSpPr>
+            <a:spLocks noGrp="1" noRot="1" noChangeAspect="1"/>
+          </p:cNvSpPr>
+          <p:nvPr>
+            <p:ph type="sldImg"/>
+          </p:nvPr>
+        </p:nvSpPr>
+        <p:spPr/>
+      </p:sp>
+      <p:sp>
+        <p:nvSpPr>
+          <p:cNvPr id="3" name="Notes Placeholder 2"/>
+          <p:cNvSpPr>
+            <a:spLocks noGrp="1"/>
+          </p:cNvSpPr>
+          <p:nvPr>
+            <p:ph type="body" idx="1"/>
+          </p:nvPr>
+        </p:nvSpPr>
+        <p:spPr/>
+        <p:txBody>
+          <a:bodyPr/>
+          <a:lstStyle/>
+          <a:p>
+            <a:pPr marL="171450" indent="-171450">
+              <a:buFontTx/>
+              <a:buChar char="-"/>
+            </a:pPr>
+            <a:r>
+              <a:rPr lang="en-US" dirty="0"/>
+              <a:t>3-ClassAndEnum.ps1</a:t>
+            </a:r>
+          </a:p>
+          <a:p>
+            <a:pPr marL="171450" indent="-171450">
+              <a:buFontTx/>
+              <a:buChar char="-"/>
+            </a:pPr>
+            <a:r>
+              <a:rPr lang="en-US" dirty="0"/>
+              <a:t>Comment out Blond enum value and run to show it throws an error and lists possible valid enum values</a:t>
+            </a:r>
+          </a:p>
+          <a:p>
+            <a:pPr marL="171450" indent="-171450">
+              <a:buFontTx/>
+              <a:buChar char="-"/>
+            </a:pPr>
+            <a:endParaRPr lang="en-US" dirty="0"/>
+          </a:p>
+          <a:p>
+            <a:pPr marL="171450" indent="-171450">
+              <a:buFontTx/>
+              <a:buChar char="-"/>
+            </a:pPr>
+            <a:r>
+              <a:rPr lang="en-US" dirty="0"/>
+              <a:t>Set-</a:t>
+            </a:r>
+            <a:r>
+              <a:rPr lang="en-US" dirty="0" err="1"/>
+              <a:t>TiPSConfiguration</a:t>
+            </a:r>
+            <a:r>
+              <a:rPr lang="en-US" dirty="0"/>
+              <a:t> -</a:t>
+            </a:r>
+            <a:r>
+              <a:rPr lang="en-US" dirty="0" err="1"/>
+              <a:t>AutomaticallyWritePowerShellTip</a:t>
+            </a:r>
+            <a:r>
+              <a:rPr lang="en-US" dirty="0"/>
+              <a:t> Daily -</a:t>
+            </a:r>
+            <a:r>
+              <a:rPr lang="en-US" dirty="0" err="1"/>
+              <a:t>AutomaticallyUpdateModule</a:t>
+            </a:r>
+            <a:r>
+              <a:rPr lang="en-US" dirty="0"/>
+              <a:t> Weekly (show enum autocomplete for free; no </a:t>
+            </a:r>
+            <a:r>
+              <a:rPr lang="en-US" dirty="0" err="1"/>
+              <a:t>ValidateSet</a:t>
+            </a:r>
+            <a:r>
+              <a:rPr lang="en-US" dirty="0"/>
+              <a:t> needed)</a:t>
+            </a:r>
+          </a:p>
+        </p:txBody>
+      </p:sp>
+      <p:sp>
+        <p:nvSpPr>
+          <p:cNvPr id="4" name="Slide Number Placeholder 3"/>
+          <p:cNvSpPr>
+            <a:spLocks noGrp="1"/>
+          </p:cNvSpPr>
+          <p:nvPr>
+            <p:ph type="sldNum" sz="quarter" idx="5"/>
+          </p:nvPr>
+        </p:nvSpPr>
+        <p:spPr/>
+        <p:txBody>
+          <a:bodyPr/>
+          <a:lstStyle/>
+          <a:p>
+            <a:fld id="{1734D747-9380-41EE-9946-EC9EC0CA5D1E}" type="slidenum">
+              <a:rPr lang="en-US" noProof="0" smtClean="0"/>
+              <a:t>10</a:t>
+            </a:fld>
+            <a:endParaRPr lang="en-US" noProof="0" dirty="0"/>
+          </a:p>
+        </p:txBody>
+      </p:sp>
+    </p:spTree>
+    <p:extLst>
+      <p:ext uri="{BB962C8B-B14F-4D97-AF65-F5344CB8AC3E}">
+        <p14:creationId xmlns:p14="http://schemas.microsoft.com/office/powerpoint/2010/main" val="2713588427"/>
       </p:ext>
     </p:extLst>
   </p:cSld>
@@ -27051,7 +28860,7 @@
         </p:nvSpPr>
         <p:spPr>
           <a:xfrm>
-            <a:off x="6390409" y="5985163"/>
+            <a:off x="6118268" y="5985163"/>
             <a:ext cx="5627160" cy="472025"/>
           </a:xfrm>
           <a:prstGeom prst="rect">
@@ -27307,7 +29116,7 @@
           <a:p>
             <a:r>
               <a:rPr lang="en-US" dirty="0"/>
-              <a:t>When should you contribute a tip?</a:t>
+              <a:t>Classes and Enums</a:t>
             </a:r>
           </a:p>
         </p:txBody>
@@ -27330,8 +29139,8 @@
         </p:nvSpPr>
         <p:spPr>
           <a:xfrm>
-            <a:off x="444499" y="1625385"/>
-            <a:ext cx="11467867" cy="4390951"/>
+            <a:off x="444499" y="1195755"/>
+            <a:ext cx="11467867" cy="5373858"/>
           </a:xfrm>
         </p:spPr>
         <p:txBody>
@@ -27340,58 +29149,110 @@
           <a:p>
             <a:r>
               <a:rPr lang="en-US" sz="2800" dirty="0"/>
-              <a:t>Learned something new about PowerShell</a:t>
+              <a:t>Enum</a:t>
+            </a:r>
+          </a:p>
+          <a:p>
+            <a:pPr lvl="1"/>
+            <a:r>
+              <a:rPr lang="en-US" sz="2600" dirty="0"/>
+              <a:t>Predefined set of values to choose from</a:t>
+            </a:r>
+          </a:p>
+          <a:p>
+            <a:pPr lvl="1"/>
+            <a:r>
+              <a:rPr lang="en-US" sz="2600" dirty="0"/>
+              <a:t>Automatic validations and autocomplete</a:t>
             </a:r>
           </a:p>
           <a:p>
             <a:r>
               <a:rPr lang="en-US" sz="2800" dirty="0"/>
-              <a:t>Promote your own scripts, modules, and </a:t>
-            </a:r>
-            <a:r>
-              <a:rPr lang="en-US" sz="2800" dirty="0" err="1"/>
-              <a:t>gists</a:t>
-            </a:r>
+              <a:t>Class</a:t>
+            </a:r>
+          </a:p>
+          <a:p>
+            <a:pPr lvl="1"/>
+            <a:r>
+              <a:rPr lang="en-US" sz="2600" dirty="0"/>
+              <a:t>Strongly typed object with data + functions</a:t>
+            </a:r>
+          </a:p>
+          <a:p>
+            <a:pPr lvl="1"/>
+            <a:r>
+              <a:rPr lang="en-US" sz="2600" dirty="0"/>
+              <a:t>All objects guaranteed to have the same properties and functions</a:t>
+            </a:r>
+          </a:p>
+          <a:p>
+            <a:pPr marL="457200" lvl="1" indent="0">
+              <a:buNone/>
+            </a:pPr>
             <a:endParaRPr lang="en-US" sz="2800" dirty="0"/>
           </a:p>
           <a:p>
             <a:r>
-              <a:rPr lang="en-US" sz="2800" dirty="0"/>
-              <a:t>Tweeted or saw a cool PS-related tweet</a:t>
-            </a:r>
-          </a:p>
-          <a:p>
-            <a:r>
-              <a:rPr lang="en-US" sz="2800" dirty="0"/>
-              <a:t>Blogged about something PS-related</a:t>
-            </a:r>
-          </a:p>
-          <a:p>
-            <a:endParaRPr lang="en-US" sz="2800" dirty="0"/>
-          </a:p>
-          <a:p>
-            <a:r>
-              <a:rPr lang="en-US" sz="2800" dirty="0"/>
-              <a:t>Tip:</a:t>
-            </a:r>
-          </a:p>
-          <a:p>
-            <a:pPr lvl="1"/>
-            <a:r>
-              <a:rPr lang="en-US" sz="2600" dirty="0"/>
-              <a:t>Fork </a:t>
-            </a:r>
-            <a:r>
-              <a:rPr lang="en-US" sz="2600" dirty="0" err="1"/>
-              <a:t>tiPS</a:t>
-            </a:r>
-            <a:r>
-              <a:rPr lang="en-US" sz="2600" dirty="0"/>
-              <a:t> and leave it cloned on your machine for easy PR submissions</a:t>
-            </a:r>
-          </a:p>
-          <a:p>
-            <a:endParaRPr lang="en-US" sz="2800" dirty="0"/>
+              <a:rPr lang="en-US" sz="2800" dirty="0">
+                <a:solidFill>
+                  <a:schemeClr val="accent1">
+                    <a:lumMod val="60000"/>
+                    <a:lumOff val="40000"/>
+                  </a:schemeClr>
+                </a:solidFill>
+                <a:hlinkClick r:id="rId3">
+                  <a:extLst>
+                    <a:ext uri="{A12FA001-AC4F-418D-AE19-62706E023703}">
+                      <ahyp:hlinkClr xmlns:ahyp="http://schemas.microsoft.com/office/drawing/2018/hyperlinkcolor" val="tx"/>
+                    </a:ext>
+                  </a:extLst>
+                </a:hlinkClick>
+              </a:rPr>
+              <a:t>https://github.com/deadlydog/PowerShell.Experiment.ClassPerformanceComparison</a:t>
+            </a:r>
+            <a:r>
+              <a:rPr lang="en-US" sz="2800" dirty="0">
+                <a:solidFill>
+                  <a:schemeClr val="accent1">
+                    <a:lumMod val="60000"/>
+                    <a:lumOff val="40000"/>
+                  </a:schemeClr>
+                </a:solidFill>
+              </a:rPr>
+              <a:t> </a:t>
+            </a:r>
+          </a:p>
+          <a:p>
+            <a:r>
+              <a:rPr lang="en-US" sz="2800" dirty="0">
+                <a:solidFill>
+                  <a:schemeClr val="accent1">
+                    <a:lumMod val="60000"/>
+                    <a:lumOff val="40000"/>
+                  </a:schemeClr>
+                </a:solidFill>
+                <a:hlinkClick r:id="rId4">
+                  <a:extLst>
+                    <a:ext uri="{A12FA001-AC4F-418D-AE19-62706E023703}">
+                      <ahyp:hlinkClr xmlns:ahyp="http://schemas.microsoft.com/office/drawing/2018/hyperlinkcolor" val="tx"/>
+                    </a:ext>
+                  </a:extLst>
+                </a:hlinkClick>
+              </a:rPr>
+              <a:t>https://github.com/deadlydog/PowerShell.Experiment.ClassInModule</a:t>
+            </a:r>
+            <a:r>
+              <a:rPr lang="en-US" sz="2800" dirty="0">
+                <a:solidFill>
+                  <a:schemeClr val="accent1">
+                    <a:lumMod val="60000"/>
+                    <a:lumOff val="40000"/>
+                  </a:schemeClr>
+                </a:solidFill>
+              </a:rPr>
+              <a:t> </a:t>
+            </a:r>
           </a:p>
         </p:txBody>
       </p:sp>
@@ -27428,7 +29289,7 @@
     </p:spTree>
     <p:extLst>
       <p:ext uri="{BB962C8B-B14F-4D97-AF65-F5344CB8AC3E}">
-        <p14:creationId xmlns:p14="http://schemas.microsoft.com/office/powerpoint/2010/main" val="852257853"/>
+        <p14:creationId xmlns:p14="http://schemas.microsoft.com/office/powerpoint/2010/main" val="1089435659"/>
       </p:ext>
     </p:extLst>
   </p:cSld>
@@ -27490,8 +29351,13 @@
           <a:p>
             <a:r>
               <a:rPr lang="en-US" dirty="0"/>
-              <a:t>Content Title</a:t>
-            </a:r>
+              <a:t>Tips: Use Temporary Console and </a:t>
+            </a:r>
+            <a:r>
+              <a:rPr lang="en-US" dirty="0" err="1"/>
+              <a:t>StrictMode</a:t>
+            </a:r>
+            <a:endParaRPr lang="en-US" dirty="0"/>
           </a:p>
         </p:txBody>
       </p:sp>
@@ -27513,8 +29379,8 @@
         </p:nvSpPr>
         <p:spPr>
           <a:xfrm>
-            <a:off x="444500" y="1625385"/>
-            <a:ext cx="11214100" cy="4390951"/>
+            <a:off x="444499" y="1625385"/>
+            <a:ext cx="11467867" cy="4689690"/>
           </a:xfrm>
         </p:spPr>
         <p:txBody>
@@ -27523,7 +29389,52 @@
           <a:p>
             <a:r>
               <a:rPr lang="en-US" sz="2800" dirty="0"/>
-              <a:t>Lorem</a:t>
+              <a:t>VS Code Setting: Create Temporary Integrated Console</a:t>
+            </a:r>
+          </a:p>
+          <a:p>
+            <a:pPr lvl="1"/>
+            <a:r>
+              <a:rPr lang="en-US" sz="2600" dirty="0"/>
+              <a:t>Helps surface errors, especially during refactoring </a:t>
+            </a:r>
+          </a:p>
+          <a:p>
+            <a:pPr lvl="1"/>
+            <a:r>
+              <a:rPr lang="en-US" sz="2600" dirty="0"/>
+              <a:t>Avoid reloading VS Code when using Add-Type to import assemblies</a:t>
+            </a:r>
+          </a:p>
+          <a:p>
+            <a:endParaRPr lang="en-US" sz="2800" dirty="0"/>
+          </a:p>
+          <a:p>
+            <a:r>
+              <a:rPr lang="en-US" sz="2800" dirty="0"/>
+              <a:t>Set-</a:t>
+            </a:r>
+            <a:r>
+              <a:rPr lang="en-US" sz="2800" dirty="0" err="1"/>
+              <a:t>StrictMode</a:t>
+            </a:r>
+            <a:r>
+              <a:rPr lang="en-US" sz="2800" dirty="0"/>
+              <a:t> -Version Latest</a:t>
+            </a:r>
+          </a:p>
+          <a:p>
+            <a:pPr lvl="1"/>
+            <a:r>
+              <a:rPr lang="en-US" sz="2600" dirty="0"/>
+              <a:t>Helps catch errors that might otherwise go unnoticed</a:t>
+            </a:r>
+          </a:p>
+          <a:p>
+            <a:pPr lvl="1"/>
+            <a:r>
+              <a:rPr lang="en-US" sz="2600" dirty="0"/>
+              <a:t>Caveat: Be careful introducing this into existing scripts, or scripts that are dot-sourced into other scripts, as it applies to the current scope and all child scopes</a:t>
             </a:r>
           </a:p>
         </p:txBody>
@@ -27561,7 +29472,7 @@
     </p:spTree>
     <p:extLst>
       <p:ext uri="{BB962C8B-B14F-4D97-AF65-F5344CB8AC3E}">
-        <p14:creationId xmlns:p14="http://schemas.microsoft.com/office/powerpoint/2010/main" val="1161962822"/>
+        <p14:creationId xmlns:p14="http://schemas.microsoft.com/office/powerpoint/2010/main" val="670609937"/>
       </p:ext>
     </p:extLst>
   </p:cSld>
@@ -27623,7 +29534,7 @@
           <a:p>
             <a:r>
               <a:rPr lang="en-US" dirty="0"/>
-              <a:t>Content Title</a:t>
+              <a:t>Smoke Tests</a:t>
             </a:r>
           </a:p>
         </p:txBody>
@@ -27646,8 +29557,8 @@
         </p:nvSpPr>
         <p:spPr>
           <a:xfrm>
-            <a:off x="444500" y="1625385"/>
-            <a:ext cx="11214100" cy="4390951"/>
+            <a:off x="444499" y="1625385"/>
+            <a:ext cx="11467867" cy="4390951"/>
           </a:xfrm>
         </p:spPr>
         <p:txBody>
@@ -27656,7 +29567,19 @@
           <a:p>
             <a:r>
               <a:rPr lang="en-US" sz="2800" dirty="0"/>
-              <a:t>Lorem</a:t>
+              <a:t>Test the real end-user experience</a:t>
+            </a:r>
+          </a:p>
+          <a:p>
+            <a:r>
+              <a:rPr lang="en-US" sz="2800" dirty="0"/>
+              <a:t>Test backward compatibility</a:t>
+            </a:r>
+          </a:p>
+          <a:p>
+            <a:r>
+              <a:rPr lang="en-US" sz="2800" dirty="0"/>
+              <a:t>Test cross-platform compatibility</a:t>
             </a:r>
           </a:p>
         </p:txBody>
@@ -27694,7 +29617,7 @@
     </p:spTree>
     <p:extLst>
       <p:ext uri="{BB962C8B-B14F-4D97-AF65-F5344CB8AC3E}">
-        <p14:creationId xmlns:p14="http://schemas.microsoft.com/office/powerpoint/2010/main" val="2688477632"/>
+        <p14:creationId xmlns:p14="http://schemas.microsoft.com/office/powerpoint/2010/main" val="3371413876"/>
       </p:ext>
     </p:extLst>
   </p:cSld>
@@ -27756,7 +29679,7 @@
           <a:p>
             <a:r>
               <a:rPr lang="en-US" dirty="0"/>
-              <a:t>Content Title</a:t>
+              <a:t>Pester Tests</a:t>
             </a:r>
           </a:p>
         </p:txBody>
@@ -27779,8 +29702,8 @@
         </p:nvSpPr>
         <p:spPr>
           <a:xfrm>
-            <a:off x="444500" y="1625385"/>
-            <a:ext cx="11214100" cy="4390951"/>
+            <a:off x="444499" y="1625385"/>
+            <a:ext cx="11467867" cy="4390951"/>
           </a:xfrm>
         </p:spPr>
         <p:txBody>
@@ -27789,7 +29712,15 @@
           <a:p>
             <a:r>
               <a:rPr lang="en-US" sz="2800" dirty="0"/>
-              <a:t>Lorem</a:t>
+              <a:t>Use $</a:t>
+            </a:r>
+            <a:r>
+              <a:rPr lang="en-US" sz="2800" dirty="0" err="1"/>
+              <a:t>PSDrive</a:t>
+            </a:r>
+            <a:r>
+              <a:rPr lang="en-US" sz="2800" dirty="0"/>
+              <a:t> to write files to a temp directory</a:t>
             </a:r>
           </a:p>
         </p:txBody>
@@ -27827,7 +29758,7 @@
     </p:spTree>
     <p:extLst>
       <p:ext uri="{BB962C8B-B14F-4D97-AF65-F5344CB8AC3E}">
-        <p14:creationId xmlns:p14="http://schemas.microsoft.com/office/powerpoint/2010/main" val="761298797"/>
+        <p14:creationId xmlns:p14="http://schemas.microsoft.com/office/powerpoint/2010/main" val="289517584"/>
       </p:ext>
     </p:extLst>
   </p:cSld>
@@ -27868,10 +29799,10 @@
       </p:grpSpPr>
       <p:sp>
         <p:nvSpPr>
-          <p:cNvPr id="4" name="Title 3">
+          <p:cNvPr id="7" name="Title 6">
             <a:extLst>
               <a:ext uri="{FF2B5EF4-FFF2-40B4-BE49-F238E27FC236}">
-                <a16:creationId xmlns:a16="http://schemas.microsoft.com/office/drawing/2014/main" id="{E3BD8413-C238-49D7-A4E1-E8FEF1811A0E}"/>
+                <a16:creationId xmlns:a16="http://schemas.microsoft.com/office/drawing/2014/main" id="{7875C19A-1AAE-476A-A316-A2CF92D763D3}"/>
               </a:ext>
             </a:extLst>
           </p:cNvPr>
@@ -27889,17 +29820,17 @@
           <a:p>
             <a:r>
               <a:rPr lang="en-US" dirty="0"/>
-              <a:t>Section Header01</a:t>
+              <a:t>When should you contribute a tip?</a:t>
             </a:r>
           </a:p>
         </p:txBody>
       </p:sp>
       <p:sp>
         <p:nvSpPr>
-          <p:cNvPr id="5" name="Text Placeholder 4">
+          <p:cNvPr id="10" name="Text Placeholder 9">
             <a:extLst>
               <a:ext uri="{FF2B5EF4-FFF2-40B4-BE49-F238E27FC236}">
-                <a16:creationId xmlns:a16="http://schemas.microsoft.com/office/drawing/2014/main" id="{0A95F4DE-39B7-4CE2-BC1E-8B8AE662A895}"/>
+                <a16:creationId xmlns:a16="http://schemas.microsoft.com/office/drawing/2014/main" id="{EF2BC084-E6DB-4DE7-B309-042A85EBA700}"/>
               </a:ext>
             </a:extLst>
           </p:cNvPr>
@@ -27907,18 +29838,73 @@
             <a:spLocks noGrp="1"/>
           </p:cNvSpPr>
           <p:nvPr>
-            <p:ph type="body" idx="1"/>
+            <p:ph type="body" sz="quarter" idx="13"/>
           </p:nvPr>
         </p:nvSpPr>
-        <p:spPr/>
+        <p:spPr>
+          <a:xfrm>
+            <a:off x="444499" y="1625385"/>
+            <a:ext cx="11467867" cy="4390951"/>
+          </a:xfrm>
+        </p:spPr>
         <p:txBody>
           <a:bodyPr/>
           <a:lstStyle/>
           <a:p>
             <a:r>
-              <a:rPr lang="en-US" dirty="0"/>
-              <a:t>Subtitle</a:t>
-            </a:r>
+              <a:rPr lang="en-US" sz="2800" dirty="0"/>
+              <a:t>Learned something new about PowerShell</a:t>
+            </a:r>
+          </a:p>
+          <a:p>
+            <a:r>
+              <a:rPr lang="en-US" sz="2800" dirty="0"/>
+              <a:t>Promote your own scripts, modules, and </a:t>
+            </a:r>
+            <a:r>
+              <a:rPr lang="en-US" sz="2800" dirty="0" err="1"/>
+              <a:t>gists</a:t>
+            </a:r>
+            <a:endParaRPr lang="en-US" sz="2800" dirty="0"/>
+          </a:p>
+          <a:p>
+            <a:r>
+              <a:rPr lang="en-US" sz="2800" dirty="0"/>
+              <a:t>See a cool PS-related post on social media</a:t>
+            </a:r>
+          </a:p>
+          <a:p>
+            <a:r>
+              <a:rPr lang="en-US" sz="2800" dirty="0"/>
+              <a:t>Blogged about something PS-related</a:t>
+            </a:r>
+          </a:p>
+          <a:p>
+            <a:endParaRPr lang="en-US" sz="2800" dirty="0"/>
+          </a:p>
+          <a:p>
+            <a:r>
+              <a:rPr lang="en-US" sz="2800" dirty="0"/>
+              <a:t>Tip:</a:t>
+            </a:r>
+          </a:p>
+          <a:p>
+            <a:pPr lvl="1"/>
+            <a:r>
+              <a:rPr lang="en-US" sz="2600" dirty="0"/>
+              <a:t>Fork </a:t>
+            </a:r>
+            <a:r>
+              <a:rPr lang="en-US" sz="2600" dirty="0" err="1"/>
+              <a:t>tiPS</a:t>
+            </a:r>
+            <a:r>
+              <a:rPr lang="en-US" sz="2600" dirty="0"/>
+              <a:t> and leave it cloned on your machine for easy PR submissions</a:t>
+            </a:r>
+          </a:p>
+          <a:p>
+            <a:endParaRPr lang="en-US" sz="2800" dirty="0"/>
           </a:p>
         </p:txBody>
       </p:sp>
@@ -27927,7 +29913,7 @@
           <p:cNvPr id="2" name="Slide Number Placeholder 1">
             <a:extLst>
               <a:ext uri="{FF2B5EF4-FFF2-40B4-BE49-F238E27FC236}">
-                <a16:creationId xmlns:a16="http://schemas.microsoft.com/office/drawing/2014/main" id="{0B24BF10-2B55-43AB-9F77-F1A1410384A9}"/>
+                <a16:creationId xmlns:a16="http://schemas.microsoft.com/office/drawing/2014/main" id="{BE9800F6-D571-48C4-8466-12AA1ADB6599}"/>
               </a:ext>
             </a:extLst>
           </p:cNvPr>
@@ -27955,7 +29941,7 @@
     </p:spTree>
     <p:extLst>
       <p:ext uri="{BB962C8B-B14F-4D97-AF65-F5344CB8AC3E}">
-        <p14:creationId xmlns:p14="http://schemas.microsoft.com/office/powerpoint/2010/main" val="2902794312"/>
+        <p14:creationId xmlns:p14="http://schemas.microsoft.com/office/powerpoint/2010/main" val="852257853"/>
       </p:ext>
     </p:extLst>
   </p:cSld>
@@ -27996,10 +29982,10 @@
       </p:grpSpPr>
       <p:sp>
         <p:nvSpPr>
-          <p:cNvPr id="4" name="Title 3">
+          <p:cNvPr id="2" name="Title 1">
             <a:extLst>
               <a:ext uri="{FF2B5EF4-FFF2-40B4-BE49-F238E27FC236}">
-                <a16:creationId xmlns:a16="http://schemas.microsoft.com/office/drawing/2014/main" id="{BD179B88-D43C-4A31-9A52-3498E9430782}"/>
+                <a16:creationId xmlns:a16="http://schemas.microsoft.com/office/drawing/2014/main" id="{632BE5BF-9922-45FB-8F3F-4446D40A051B}"/>
               </a:ext>
             </a:extLst>
           </p:cNvPr>
@@ -28007,101 +29993,390 @@
             <a:spLocks noGrp="1"/>
           </p:cNvSpPr>
           <p:nvPr>
-            <p:ph type="title"/>
+            <p:ph type="ctrTitle"/>
           </p:nvPr>
         </p:nvSpPr>
-        <p:spPr/>
+        <p:spPr>
+          <a:xfrm>
+            <a:off x="6096000" y="1682846"/>
+            <a:ext cx="4945598" cy="1243584"/>
+          </a:xfrm>
+        </p:spPr>
         <p:txBody>
           <a:bodyPr/>
           <a:lstStyle/>
           <a:p>
             <a:r>
-              <a:rPr lang="en-US" dirty="0"/>
-              <a:t>Section Header02</a:t>
-            </a:r>
+              <a:rPr lang="en-US" sz="7200" dirty="0"/>
+              <a:t>Thank You!</a:t>
+            </a:r>
+            <a:endParaRPr lang="en-GB" sz="7200" dirty="0"/>
           </a:p>
         </p:txBody>
       </p:sp>
       <p:sp>
         <p:nvSpPr>
-          <p:cNvPr id="5" name="Text Placeholder 4">
+          <p:cNvPr id="3" name="Title 1">
             <a:extLst>
               <a:ext uri="{FF2B5EF4-FFF2-40B4-BE49-F238E27FC236}">
-                <a16:creationId xmlns:a16="http://schemas.microsoft.com/office/drawing/2014/main" id="{DCDDBE65-9AB1-4989-AF86-726591A6A128}"/>
+                <a16:creationId xmlns:a16="http://schemas.microsoft.com/office/drawing/2014/main" id="{0AB9C4BC-1D53-4A50-18E2-39D67A5E28A6}"/>
               </a:ext>
             </a:extLst>
           </p:cNvPr>
-          <p:cNvSpPr>
-            <a:spLocks noGrp="1"/>
+          <p:cNvSpPr txBox="1">
+            <a:spLocks/>
           </p:cNvSpPr>
-          <p:nvPr>
-            <p:ph type="body" idx="1"/>
-          </p:nvPr>
+          <p:nvPr/>
         </p:nvSpPr>
-        <p:spPr/>
+        <p:spPr>
+          <a:xfrm>
+            <a:off x="1483441" y="5548356"/>
+            <a:ext cx="9892131" cy="1059268"/>
+          </a:xfrm>
+          <a:prstGeom prst="rect">
+            <a:avLst/>
+          </a:prstGeom>
+        </p:spPr>
         <p:txBody>
-          <a:bodyPr/>
-          <a:lstStyle/>
-          <a:p>
-            <a:r>
-              <a:rPr lang="en-US" dirty="0"/>
-              <a:t>Subtitle</a:t>
+          <a:bodyPr vert="horz" lIns="91440" tIns="45720" rIns="91440" bIns="45720" rtlCol="0" anchor="ctr">
+            <a:noAutofit/>
+          </a:bodyPr>
+          <a:lstStyle>
+            <a:lvl1pPr algn="l" defTabSz="914400" rtl="0" eaLnBrk="1" latinLnBrk="0" hangingPunct="1">
+              <a:lnSpc>
+                <a:spcPct val="90000"/>
+              </a:lnSpc>
+              <a:spcBef>
+                <a:spcPct val="0"/>
+              </a:spcBef>
+              <a:buNone/>
+              <a:defRPr lang="en-GB" sz="5400" b="1" kern="1200" dirty="0">
+                <a:solidFill>
+                  <a:schemeClr val="bg1"/>
+                </a:solidFill>
+                <a:latin typeface="+mj-lt"/>
+                <a:ea typeface="Tahoma" panose="020B0604030504040204" pitchFamily="34" charset="0"/>
+                <a:cs typeface="Tahoma" panose="020B0604030504040204" pitchFamily="34" charset="0"/>
+              </a:defRPr>
+            </a:lvl1pPr>
+          </a:lstStyle>
+          <a:p>
+            <a:r>
+              <a:rPr lang="en-US" sz="2800" dirty="0">
+                <a:latin typeface="+mn-lt"/>
+              </a:rPr>
+              <a:t>Slide Deck:</a:t>
+            </a:r>
+          </a:p>
+          <a:p>
+            <a:r>
+              <a:rPr lang="en-US" sz="2800" dirty="0">
+                <a:solidFill>
+                  <a:schemeClr val="accent1">
+                    <a:lumMod val="60000"/>
+                    <a:lumOff val="40000"/>
+                  </a:schemeClr>
+                </a:solidFill>
+                <a:latin typeface="+mn-lt"/>
+                <a:hlinkClick r:id="rId2">
+                  <a:extLst>
+                    <a:ext uri="{A12FA001-AC4F-418D-AE19-62706E023703}">
+                      <ahyp:hlinkClr xmlns:ahyp="http://schemas.microsoft.com/office/drawing/2018/hyperlinkcolor" val="tx"/>
+                    </a:ext>
+                  </a:extLst>
+                </a:hlinkClick>
+              </a:rPr>
+              <a:t>https://github.com/deadlydog/Presentation.tiPSWelcome</a:t>
+            </a:r>
+            <a:r>
+              <a:rPr lang="en-US" sz="2800" dirty="0">
+                <a:solidFill>
+                  <a:schemeClr val="accent1">
+                    <a:lumMod val="60000"/>
+                    <a:lumOff val="40000"/>
+                  </a:schemeClr>
+                </a:solidFill>
+                <a:latin typeface="+mn-lt"/>
+              </a:rPr>
+              <a:t> </a:t>
             </a:r>
           </a:p>
         </p:txBody>
       </p:sp>
       <p:sp>
         <p:nvSpPr>
-          <p:cNvPr id="2" name="Slide Number Placeholder 1">
+          <p:cNvPr id="6" name="Title 1">
             <a:extLst>
               <a:ext uri="{FF2B5EF4-FFF2-40B4-BE49-F238E27FC236}">
-                <a16:creationId xmlns:a16="http://schemas.microsoft.com/office/drawing/2014/main" id="{8B065C75-272B-4BB5-BA23-D80E8654D621}"/>
+                <a16:creationId xmlns:a16="http://schemas.microsoft.com/office/drawing/2014/main" id="{ACE1F121-6324-786E-E2AF-49301B095864}"/>
               </a:ext>
             </a:extLst>
           </p:cNvPr>
-          <p:cNvSpPr>
-            <a:spLocks noGrp="1"/>
+          <p:cNvSpPr txBox="1">
+            <a:spLocks/>
           </p:cNvSpPr>
-          <p:nvPr>
-            <p:ph type="sldNum" sz="quarter" idx="12"/>
-          </p:nvPr>
+          <p:nvPr/>
         </p:nvSpPr>
-        <p:spPr/>
+        <p:spPr>
+          <a:xfrm>
+            <a:off x="3200203" y="3599775"/>
+            <a:ext cx="6633116" cy="570239"/>
+          </a:xfrm>
+          <a:prstGeom prst="rect">
+            <a:avLst/>
+          </a:prstGeom>
+        </p:spPr>
         <p:txBody>
-          <a:bodyPr/>
-          <a:lstStyle/>
-          <a:p>
-            <a:fld id="{C263D6C4-4840-40CC-AC84-17E24B3B7BDE}" type="slidenum">
-              <a:rPr lang="en-US" smtClean="0"/>
-              <a:pPr/>
-              <a:t>15</a:t>
-            </a:fld>
-            <a:endParaRPr lang="en-US" dirty="0"/>
+          <a:bodyPr vert="horz" lIns="91440" tIns="45720" rIns="91440" bIns="45720" rtlCol="0" anchor="ctr">
+            <a:noAutofit/>
+          </a:bodyPr>
+          <a:lstStyle>
+            <a:lvl1pPr algn="l" defTabSz="914400" rtl="0" eaLnBrk="1" latinLnBrk="0" hangingPunct="1">
+              <a:lnSpc>
+                <a:spcPct val="90000"/>
+              </a:lnSpc>
+              <a:spcBef>
+                <a:spcPct val="0"/>
+              </a:spcBef>
+              <a:buNone/>
+              <a:defRPr lang="en-GB" sz="5400" b="1" kern="1200" dirty="0">
+                <a:solidFill>
+                  <a:schemeClr val="bg1"/>
+                </a:solidFill>
+                <a:latin typeface="+mj-lt"/>
+                <a:ea typeface="Tahoma" panose="020B0604030504040204" pitchFamily="34" charset="0"/>
+                <a:cs typeface="Tahoma" panose="020B0604030504040204" pitchFamily="34" charset="0"/>
+              </a:defRPr>
+            </a:lvl1pPr>
+          </a:lstStyle>
+          <a:p>
+            <a:r>
+              <a:rPr lang="en-US" sz="2800" dirty="0">
+                <a:latin typeface="+mn-lt"/>
+              </a:rPr>
+              <a:t>Blog: </a:t>
+            </a:r>
+            <a:r>
+              <a:rPr lang="en-US" sz="2800" dirty="0">
+                <a:solidFill>
+                  <a:schemeClr val="accent1">
+                    <a:lumMod val="60000"/>
+                    <a:lumOff val="40000"/>
+                  </a:schemeClr>
+                </a:solidFill>
+                <a:latin typeface="+mn-lt"/>
+                <a:hlinkClick r:id="rId3">
+                  <a:extLst>
+                    <a:ext uri="{A12FA001-AC4F-418D-AE19-62706E023703}">
+                      <ahyp:hlinkClr xmlns:ahyp="http://schemas.microsoft.com/office/drawing/2018/hyperlinkcolor" val="tx"/>
+                    </a:ext>
+                  </a:extLst>
+                </a:hlinkClick>
+              </a:rPr>
+              <a:t>https://blog.danskingdom.com</a:t>
+            </a:r>
+            <a:r>
+              <a:rPr lang="en-US" sz="2800" dirty="0">
+                <a:solidFill>
+                  <a:schemeClr val="accent1">
+                    <a:lumMod val="60000"/>
+                    <a:lumOff val="40000"/>
+                  </a:schemeClr>
+                </a:solidFill>
+                <a:latin typeface="+mn-lt"/>
+              </a:rPr>
+              <a:t> </a:t>
+            </a:r>
+          </a:p>
+        </p:txBody>
+      </p:sp>
+      <p:sp>
+        <p:nvSpPr>
+          <p:cNvPr id="7" name="Title 1">
+            <a:extLst>
+              <a:ext uri="{FF2B5EF4-FFF2-40B4-BE49-F238E27FC236}">
+                <a16:creationId xmlns:a16="http://schemas.microsoft.com/office/drawing/2014/main" id="{10A4B1F2-FFBD-884F-C20F-B41E9211B235}"/>
+              </a:ext>
+            </a:extLst>
+          </p:cNvPr>
+          <p:cNvSpPr txBox="1">
+            <a:spLocks/>
+          </p:cNvSpPr>
+          <p:nvPr/>
+        </p:nvSpPr>
+        <p:spPr>
+          <a:xfrm>
+            <a:off x="2542643" y="4273120"/>
+            <a:ext cx="7290676" cy="570239"/>
+          </a:xfrm>
+          <a:prstGeom prst="rect">
+            <a:avLst/>
+          </a:prstGeom>
+        </p:spPr>
+        <p:txBody>
+          <a:bodyPr vert="horz" lIns="91440" tIns="45720" rIns="91440" bIns="45720" rtlCol="0" anchor="ctr">
+            <a:noAutofit/>
+          </a:bodyPr>
+          <a:lstStyle>
+            <a:lvl1pPr algn="l" defTabSz="914400" rtl="0" eaLnBrk="1" latinLnBrk="0" hangingPunct="1">
+              <a:lnSpc>
+                <a:spcPct val="90000"/>
+              </a:lnSpc>
+              <a:spcBef>
+                <a:spcPct val="0"/>
+              </a:spcBef>
+              <a:buNone/>
+              <a:defRPr lang="en-GB" sz="5400" b="1" kern="1200" dirty="0">
+                <a:solidFill>
+                  <a:schemeClr val="bg1"/>
+                </a:solidFill>
+                <a:latin typeface="+mj-lt"/>
+                <a:ea typeface="Tahoma" panose="020B0604030504040204" pitchFamily="34" charset="0"/>
+                <a:cs typeface="Tahoma" panose="020B0604030504040204" pitchFamily="34" charset="0"/>
+              </a:defRPr>
+            </a:lvl1pPr>
+          </a:lstStyle>
+          <a:p>
+            <a:r>
+              <a:rPr lang="en-US" sz="2800" dirty="0">
+                <a:latin typeface="+mn-lt"/>
+              </a:rPr>
+              <a:t>GitHub: </a:t>
+            </a:r>
+            <a:r>
+              <a:rPr lang="en-US" sz="2800" dirty="0">
+                <a:solidFill>
+                  <a:schemeClr val="accent1">
+                    <a:lumMod val="60000"/>
+                    <a:lumOff val="40000"/>
+                  </a:schemeClr>
+                </a:solidFill>
+                <a:latin typeface="+mn-lt"/>
+                <a:hlinkClick r:id="rId4">
+                  <a:extLst>
+                    <a:ext uri="{A12FA001-AC4F-418D-AE19-62706E023703}">
+                      <ahyp:hlinkClr xmlns:ahyp="http://schemas.microsoft.com/office/drawing/2018/hyperlinkcolor" val="tx"/>
+                    </a:ext>
+                  </a:extLst>
+                </a:hlinkClick>
+              </a:rPr>
+              <a:t>https://github.com/deadlydog</a:t>
+            </a:r>
+            <a:r>
+              <a:rPr lang="en-US" sz="2800" dirty="0">
+                <a:solidFill>
+                  <a:schemeClr val="accent1">
+                    <a:lumMod val="60000"/>
+                    <a:lumOff val="40000"/>
+                  </a:schemeClr>
+                </a:solidFill>
+                <a:latin typeface="+mn-lt"/>
+              </a:rPr>
+              <a:t>  </a:t>
+            </a:r>
+          </a:p>
+        </p:txBody>
+      </p:sp>
+      <p:sp>
+        <p:nvSpPr>
+          <p:cNvPr id="8" name="Title 1">
+            <a:extLst>
+              <a:ext uri="{FF2B5EF4-FFF2-40B4-BE49-F238E27FC236}">
+                <a16:creationId xmlns:a16="http://schemas.microsoft.com/office/drawing/2014/main" id="{A929F614-BEFE-67F2-00AC-464F14B947DC}"/>
+              </a:ext>
+            </a:extLst>
+          </p:cNvPr>
+          <p:cNvSpPr txBox="1">
+            <a:spLocks/>
+          </p:cNvSpPr>
+          <p:nvPr/>
+        </p:nvSpPr>
+        <p:spPr>
+          <a:xfrm>
+            <a:off x="1993395" y="4946465"/>
+            <a:ext cx="8337650" cy="570239"/>
+          </a:xfrm>
+          <a:prstGeom prst="rect">
+            <a:avLst/>
+          </a:prstGeom>
+        </p:spPr>
+        <p:txBody>
+          <a:bodyPr vert="horz" lIns="91440" tIns="45720" rIns="91440" bIns="45720" rtlCol="0" anchor="ctr">
+            <a:noAutofit/>
+          </a:bodyPr>
+          <a:lstStyle>
+            <a:lvl1pPr algn="l" defTabSz="914400" rtl="0" eaLnBrk="1" latinLnBrk="0" hangingPunct="1">
+              <a:lnSpc>
+                <a:spcPct val="90000"/>
+              </a:lnSpc>
+              <a:spcBef>
+                <a:spcPct val="0"/>
+              </a:spcBef>
+              <a:buNone/>
+              <a:defRPr lang="en-GB" sz="5400" b="1" kern="1200" dirty="0">
+                <a:solidFill>
+                  <a:schemeClr val="bg1"/>
+                </a:solidFill>
+                <a:latin typeface="+mj-lt"/>
+                <a:ea typeface="Tahoma" panose="020B0604030504040204" pitchFamily="34" charset="0"/>
+                <a:cs typeface="Tahoma" panose="020B0604030504040204" pitchFamily="34" charset="0"/>
+              </a:defRPr>
+            </a:lvl1pPr>
+          </a:lstStyle>
+          <a:p>
+            <a:r>
+              <a:rPr lang="en-US" sz="2800" dirty="0">
+                <a:latin typeface="+mn-lt"/>
+              </a:rPr>
+              <a:t>Twitter / X: </a:t>
+            </a:r>
+            <a:r>
+              <a:rPr lang="en-US" sz="2800" dirty="0">
+                <a:solidFill>
+                  <a:schemeClr val="accent1">
+                    <a:lumMod val="60000"/>
+                    <a:lumOff val="40000"/>
+                  </a:schemeClr>
+                </a:solidFill>
+                <a:latin typeface="+mn-lt"/>
+                <a:hlinkClick r:id="rId5">
+                  <a:extLst>
+                    <a:ext uri="{A12FA001-AC4F-418D-AE19-62706E023703}">
+                      <ahyp:hlinkClr xmlns:ahyp="http://schemas.microsoft.com/office/drawing/2018/hyperlinkcolor" val="tx"/>
+                    </a:ext>
+                  </a:extLst>
+                </a:hlinkClick>
+              </a:rPr>
+              <a:t>https://x.com/deadlydog</a:t>
+            </a:r>
+            <a:r>
+              <a:rPr lang="en-US" sz="2800" dirty="0">
+                <a:solidFill>
+                  <a:schemeClr val="accent1">
+                    <a:lumMod val="60000"/>
+                    <a:lumOff val="40000"/>
+                  </a:schemeClr>
+                </a:solidFill>
+                <a:latin typeface="+mn-lt"/>
+              </a:rPr>
+              <a:t>   </a:t>
+            </a:r>
           </a:p>
         </p:txBody>
       </p:sp>
     </p:spTree>
     <p:extLst>
       <p:ext uri="{BB962C8B-B14F-4D97-AF65-F5344CB8AC3E}">
-        <p14:creationId xmlns:p14="http://schemas.microsoft.com/office/powerpoint/2010/main" val="709828751"/>
+        <p14:creationId xmlns:p14="http://schemas.microsoft.com/office/powerpoint/2010/main" val="2977205056"/>
       </p:ext>
     </p:extLst>
   </p:cSld>
   <p:clrMapOvr>
     <a:masterClrMapping/>
   </p:clrMapOvr>
-  <mc:AlternateContent xmlns:mc="http://schemas.openxmlformats.org/markup-compatibility/2006" xmlns:p14="http://schemas.microsoft.com/office/powerpoint/2010/main">
-    <mc:Choice Requires="p14">
-      <p:transition spd="med" p14:dur="700">
-        <p:fade/>
-      </p:transition>
-    </mc:Choice>
-    <mc:Fallback xmlns="">
-      <p:transition spd="med">
-        <p:fade/>
-      </p:transition>
-    </mc:Fallback>
-  </mc:AlternateContent>
+  <p:transition spd="slow">
+    <p:wipe/>
+  </p:transition>
 </p:sld>
 </file>
 
@@ -28145,7 +30420,7 @@
           <a:p>
             <a:r>
               <a:rPr lang="en-US" dirty="0"/>
-              <a:t>Content Title 01</a:t>
+              <a:t>Content Title</a:t>
             </a:r>
           </a:p>
         </p:txBody>
@@ -28166,26 +30441,19 @@
             <p:ph type="body" sz="quarter" idx="13"/>
           </p:nvPr>
         </p:nvSpPr>
-        <p:spPr/>
+        <p:spPr>
+          <a:xfrm>
+            <a:off x="444500" y="1625385"/>
+            <a:ext cx="11214100" cy="4390951"/>
+          </a:xfrm>
+        </p:spPr>
         <p:txBody>
           <a:bodyPr/>
           <a:lstStyle/>
           <a:p>
             <a:r>
-              <a:rPr lang="en-US" dirty="0"/>
-              <a:t>Lorem ipsum dolor sit amet, consectetuer adipiscing elit. Maecenas porttitor congue massa. Fusce posuere, magna sed pulvinar ultricies, purus lectus malesuada libero, sit amet commodo magna eros quis urna.</a:t>
-            </a:r>
-          </a:p>
-          <a:p>
-            <a:r>
-              <a:rPr lang="en-US" dirty="0"/>
-              <a:t>Nunc viverra imperdiet enim. Fusce est. Vivamus a tellus.</a:t>
-            </a:r>
-          </a:p>
-          <a:p>
-            <a:r>
-              <a:rPr lang="en-US" dirty="0"/>
-              <a:t>Pellentesque habitant morbi tristique senectus et netus et malesuada fames ac turpis egestas. Proin pharetra nonummy pede. Mauris et orci.</a:t>
+              <a:rPr lang="en-US" sz="2800" dirty="0"/>
+              <a:t>Lorem</a:t>
             </a:r>
           </a:p>
         </p:txBody>
@@ -28223,7 +30491,7 @@
     </p:spTree>
     <p:extLst>
       <p:ext uri="{BB962C8B-B14F-4D97-AF65-F5344CB8AC3E}">
-        <p14:creationId xmlns:p14="http://schemas.microsoft.com/office/powerpoint/2010/main" val="1788966512"/>
+        <p14:creationId xmlns:p14="http://schemas.microsoft.com/office/powerpoint/2010/main" val="1161962822"/>
       </p:ext>
     </p:extLst>
   </p:cSld>
@@ -28264,6 +30532,854 @@
       </p:grpSpPr>
       <p:sp>
         <p:nvSpPr>
+          <p:cNvPr id="7" name="Title 6">
+            <a:extLst>
+              <a:ext uri="{FF2B5EF4-FFF2-40B4-BE49-F238E27FC236}">
+                <a16:creationId xmlns:a16="http://schemas.microsoft.com/office/drawing/2014/main" id="{7875C19A-1AAE-476A-A316-A2CF92D763D3}"/>
+              </a:ext>
+            </a:extLst>
+          </p:cNvPr>
+          <p:cNvSpPr>
+            <a:spLocks noGrp="1"/>
+          </p:cNvSpPr>
+          <p:nvPr>
+            <p:ph type="title"/>
+          </p:nvPr>
+        </p:nvSpPr>
+        <p:spPr/>
+        <p:txBody>
+          <a:bodyPr/>
+          <a:lstStyle/>
+          <a:p>
+            <a:r>
+              <a:rPr lang="en-US" dirty="0"/>
+              <a:t>Content Title</a:t>
+            </a:r>
+          </a:p>
+        </p:txBody>
+      </p:sp>
+      <p:sp>
+        <p:nvSpPr>
+          <p:cNvPr id="10" name="Text Placeholder 9">
+            <a:extLst>
+              <a:ext uri="{FF2B5EF4-FFF2-40B4-BE49-F238E27FC236}">
+                <a16:creationId xmlns:a16="http://schemas.microsoft.com/office/drawing/2014/main" id="{EF2BC084-E6DB-4DE7-B309-042A85EBA700}"/>
+              </a:ext>
+            </a:extLst>
+          </p:cNvPr>
+          <p:cNvSpPr>
+            <a:spLocks noGrp="1"/>
+          </p:cNvSpPr>
+          <p:nvPr>
+            <p:ph type="body" sz="quarter" idx="13"/>
+          </p:nvPr>
+        </p:nvSpPr>
+        <p:spPr>
+          <a:xfrm>
+            <a:off x="444500" y="1625385"/>
+            <a:ext cx="11214100" cy="4390951"/>
+          </a:xfrm>
+        </p:spPr>
+        <p:txBody>
+          <a:bodyPr/>
+          <a:lstStyle/>
+          <a:p>
+            <a:r>
+              <a:rPr lang="en-US" sz="2800" dirty="0"/>
+              <a:t>Lorem</a:t>
+            </a:r>
+          </a:p>
+        </p:txBody>
+      </p:sp>
+      <p:sp>
+        <p:nvSpPr>
+          <p:cNvPr id="2" name="Slide Number Placeholder 1">
+            <a:extLst>
+              <a:ext uri="{FF2B5EF4-FFF2-40B4-BE49-F238E27FC236}">
+                <a16:creationId xmlns:a16="http://schemas.microsoft.com/office/drawing/2014/main" id="{BE9800F6-D571-48C4-8466-12AA1ADB6599}"/>
+              </a:ext>
+            </a:extLst>
+          </p:cNvPr>
+          <p:cNvSpPr>
+            <a:spLocks noGrp="1"/>
+          </p:cNvSpPr>
+          <p:nvPr>
+            <p:ph type="sldNum" sz="quarter" idx="12"/>
+          </p:nvPr>
+        </p:nvSpPr>
+        <p:spPr/>
+        <p:txBody>
+          <a:bodyPr/>
+          <a:lstStyle/>
+          <a:p>
+            <a:fld id="{C263D6C4-4840-40CC-AC84-17E24B3B7BDE}" type="slidenum">
+              <a:rPr lang="en-US" smtClean="0"/>
+              <a:pPr/>
+              <a:t>17</a:t>
+            </a:fld>
+            <a:endParaRPr lang="en-US" dirty="0"/>
+          </a:p>
+        </p:txBody>
+      </p:sp>
+    </p:spTree>
+    <p:extLst>
+      <p:ext uri="{BB962C8B-B14F-4D97-AF65-F5344CB8AC3E}">
+        <p14:creationId xmlns:p14="http://schemas.microsoft.com/office/powerpoint/2010/main" val="2688477632"/>
+      </p:ext>
+    </p:extLst>
+  </p:cSld>
+  <p:clrMapOvr>
+    <a:masterClrMapping/>
+  </p:clrMapOvr>
+  <mc:AlternateContent xmlns:mc="http://schemas.openxmlformats.org/markup-compatibility/2006" xmlns:p14="http://schemas.microsoft.com/office/powerpoint/2010/main">
+    <mc:Choice Requires="p14">
+      <p:transition spd="med" p14:dur="700">
+        <p:fade/>
+      </p:transition>
+    </mc:Choice>
+    <mc:Fallback xmlns="">
+      <p:transition spd="med">
+        <p:fade/>
+      </p:transition>
+    </mc:Fallback>
+  </mc:AlternateContent>
+</p:sld>
+</file>
+
+<file path=ppt/slides/slide18.xml><?xml version="1.0" encoding="utf-8"?>
+<p:sld xmlns:a="http://schemas.openxmlformats.org/drawingml/2006/main" xmlns:r="http://schemas.openxmlformats.org/officeDocument/2006/relationships" xmlns:p="http://schemas.openxmlformats.org/presentationml/2006/main">
+  <p:cSld>
+    <p:spTree>
+      <p:nvGrpSpPr>
+        <p:cNvPr id="1" name=""/>
+        <p:cNvGrpSpPr/>
+        <p:nvPr/>
+      </p:nvGrpSpPr>
+      <p:grpSpPr>
+        <a:xfrm>
+          <a:off x="0" y="0"/>
+          <a:ext cx="0" cy="0"/>
+          <a:chOff x="0" y="0"/>
+          <a:chExt cx="0" cy="0"/>
+        </a:xfrm>
+      </p:grpSpPr>
+      <p:sp>
+        <p:nvSpPr>
+          <p:cNvPr id="7" name="Title 6">
+            <a:extLst>
+              <a:ext uri="{FF2B5EF4-FFF2-40B4-BE49-F238E27FC236}">
+                <a16:creationId xmlns:a16="http://schemas.microsoft.com/office/drawing/2014/main" id="{7875C19A-1AAE-476A-A316-A2CF92D763D3}"/>
+              </a:ext>
+            </a:extLst>
+          </p:cNvPr>
+          <p:cNvSpPr>
+            <a:spLocks noGrp="1"/>
+          </p:cNvSpPr>
+          <p:nvPr>
+            <p:ph type="title"/>
+          </p:nvPr>
+        </p:nvSpPr>
+        <p:spPr/>
+        <p:txBody>
+          <a:bodyPr/>
+          <a:lstStyle/>
+          <a:p>
+            <a:r>
+              <a:rPr lang="en-US" dirty="0"/>
+              <a:t>Content Title</a:t>
+            </a:r>
+          </a:p>
+        </p:txBody>
+      </p:sp>
+      <p:sp>
+        <p:nvSpPr>
+          <p:cNvPr id="10" name="Text Placeholder 9">
+            <a:extLst>
+              <a:ext uri="{FF2B5EF4-FFF2-40B4-BE49-F238E27FC236}">
+                <a16:creationId xmlns:a16="http://schemas.microsoft.com/office/drawing/2014/main" id="{EF2BC084-E6DB-4DE7-B309-042A85EBA700}"/>
+              </a:ext>
+            </a:extLst>
+          </p:cNvPr>
+          <p:cNvSpPr>
+            <a:spLocks noGrp="1"/>
+          </p:cNvSpPr>
+          <p:nvPr>
+            <p:ph type="body" sz="quarter" idx="13"/>
+          </p:nvPr>
+        </p:nvSpPr>
+        <p:spPr>
+          <a:xfrm>
+            <a:off x="444500" y="1625385"/>
+            <a:ext cx="11214100" cy="4390951"/>
+          </a:xfrm>
+        </p:spPr>
+        <p:txBody>
+          <a:bodyPr/>
+          <a:lstStyle/>
+          <a:p>
+            <a:r>
+              <a:rPr lang="en-US" sz="2800" dirty="0"/>
+              <a:t>Lorem</a:t>
+            </a:r>
+          </a:p>
+        </p:txBody>
+      </p:sp>
+      <p:sp>
+        <p:nvSpPr>
+          <p:cNvPr id="2" name="Slide Number Placeholder 1">
+            <a:extLst>
+              <a:ext uri="{FF2B5EF4-FFF2-40B4-BE49-F238E27FC236}">
+                <a16:creationId xmlns:a16="http://schemas.microsoft.com/office/drawing/2014/main" id="{BE9800F6-D571-48C4-8466-12AA1ADB6599}"/>
+              </a:ext>
+            </a:extLst>
+          </p:cNvPr>
+          <p:cNvSpPr>
+            <a:spLocks noGrp="1"/>
+          </p:cNvSpPr>
+          <p:nvPr>
+            <p:ph type="sldNum" sz="quarter" idx="12"/>
+          </p:nvPr>
+        </p:nvSpPr>
+        <p:spPr/>
+        <p:txBody>
+          <a:bodyPr/>
+          <a:lstStyle/>
+          <a:p>
+            <a:fld id="{C263D6C4-4840-40CC-AC84-17E24B3B7BDE}" type="slidenum">
+              <a:rPr lang="en-US" smtClean="0"/>
+              <a:pPr/>
+              <a:t>18</a:t>
+            </a:fld>
+            <a:endParaRPr lang="en-US" dirty="0"/>
+          </a:p>
+        </p:txBody>
+      </p:sp>
+    </p:spTree>
+    <p:extLst>
+      <p:ext uri="{BB962C8B-B14F-4D97-AF65-F5344CB8AC3E}">
+        <p14:creationId xmlns:p14="http://schemas.microsoft.com/office/powerpoint/2010/main" val="761298797"/>
+      </p:ext>
+    </p:extLst>
+  </p:cSld>
+  <p:clrMapOvr>
+    <a:masterClrMapping/>
+  </p:clrMapOvr>
+  <mc:AlternateContent xmlns:mc="http://schemas.openxmlformats.org/markup-compatibility/2006" xmlns:p14="http://schemas.microsoft.com/office/powerpoint/2010/main">
+    <mc:Choice Requires="p14">
+      <p:transition spd="med" p14:dur="700">
+        <p:fade/>
+      </p:transition>
+    </mc:Choice>
+    <mc:Fallback xmlns="">
+      <p:transition spd="med">
+        <p:fade/>
+      </p:transition>
+    </mc:Fallback>
+  </mc:AlternateContent>
+</p:sld>
+</file>
+
+<file path=ppt/slides/slide19.xml><?xml version="1.0" encoding="utf-8"?>
+<p:sld xmlns:a="http://schemas.openxmlformats.org/drawingml/2006/main" xmlns:r="http://schemas.openxmlformats.org/officeDocument/2006/relationships" xmlns:p="http://schemas.openxmlformats.org/presentationml/2006/main">
+  <p:cSld>
+    <p:spTree>
+      <p:nvGrpSpPr>
+        <p:cNvPr id="1" name=""/>
+        <p:cNvGrpSpPr/>
+        <p:nvPr/>
+      </p:nvGrpSpPr>
+      <p:grpSpPr>
+        <a:xfrm>
+          <a:off x="0" y="0"/>
+          <a:ext cx="0" cy="0"/>
+          <a:chOff x="0" y="0"/>
+          <a:chExt cx="0" cy="0"/>
+        </a:xfrm>
+      </p:grpSpPr>
+      <p:sp>
+        <p:nvSpPr>
+          <p:cNvPr id="4" name="Title 3">
+            <a:extLst>
+              <a:ext uri="{FF2B5EF4-FFF2-40B4-BE49-F238E27FC236}">
+                <a16:creationId xmlns:a16="http://schemas.microsoft.com/office/drawing/2014/main" id="{E3BD8413-C238-49D7-A4E1-E8FEF1811A0E}"/>
+              </a:ext>
+            </a:extLst>
+          </p:cNvPr>
+          <p:cNvSpPr>
+            <a:spLocks noGrp="1"/>
+          </p:cNvSpPr>
+          <p:nvPr>
+            <p:ph type="title"/>
+          </p:nvPr>
+        </p:nvSpPr>
+        <p:spPr/>
+        <p:txBody>
+          <a:bodyPr/>
+          <a:lstStyle/>
+          <a:p>
+            <a:r>
+              <a:rPr lang="en-US" dirty="0"/>
+              <a:t>Section Header01</a:t>
+            </a:r>
+          </a:p>
+        </p:txBody>
+      </p:sp>
+      <p:sp>
+        <p:nvSpPr>
+          <p:cNvPr id="5" name="Text Placeholder 4">
+            <a:extLst>
+              <a:ext uri="{FF2B5EF4-FFF2-40B4-BE49-F238E27FC236}">
+                <a16:creationId xmlns:a16="http://schemas.microsoft.com/office/drawing/2014/main" id="{0A95F4DE-39B7-4CE2-BC1E-8B8AE662A895}"/>
+              </a:ext>
+            </a:extLst>
+          </p:cNvPr>
+          <p:cNvSpPr>
+            <a:spLocks noGrp="1"/>
+          </p:cNvSpPr>
+          <p:nvPr>
+            <p:ph type="body" idx="1"/>
+          </p:nvPr>
+        </p:nvSpPr>
+        <p:spPr/>
+        <p:txBody>
+          <a:bodyPr/>
+          <a:lstStyle/>
+          <a:p>
+            <a:r>
+              <a:rPr lang="en-US" dirty="0"/>
+              <a:t>Subtitle</a:t>
+            </a:r>
+          </a:p>
+        </p:txBody>
+      </p:sp>
+      <p:sp>
+        <p:nvSpPr>
+          <p:cNvPr id="2" name="Slide Number Placeholder 1">
+            <a:extLst>
+              <a:ext uri="{FF2B5EF4-FFF2-40B4-BE49-F238E27FC236}">
+                <a16:creationId xmlns:a16="http://schemas.microsoft.com/office/drawing/2014/main" id="{0B24BF10-2B55-43AB-9F77-F1A1410384A9}"/>
+              </a:ext>
+            </a:extLst>
+          </p:cNvPr>
+          <p:cNvSpPr>
+            <a:spLocks noGrp="1"/>
+          </p:cNvSpPr>
+          <p:nvPr>
+            <p:ph type="sldNum" sz="quarter" idx="12"/>
+          </p:nvPr>
+        </p:nvSpPr>
+        <p:spPr/>
+        <p:txBody>
+          <a:bodyPr/>
+          <a:lstStyle/>
+          <a:p>
+            <a:fld id="{C263D6C4-4840-40CC-AC84-17E24B3B7BDE}" type="slidenum">
+              <a:rPr lang="en-US" smtClean="0"/>
+              <a:pPr/>
+              <a:t>19</a:t>
+            </a:fld>
+            <a:endParaRPr lang="en-US" dirty="0"/>
+          </a:p>
+        </p:txBody>
+      </p:sp>
+    </p:spTree>
+    <p:extLst>
+      <p:ext uri="{BB962C8B-B14F-4D97-AF65-F5344CB8AC3E}">
+        <p14:creationId xmlns:p14="http://schemas.microsoft.com/office/powerpoint/2010/main" val="2902794312"/>
+      </p:ext>
+    </p:extLst>
+  </p:cSld>
+  <p:clrMapOvr>
+    <a:masterClrMapping/>
+  </p:clrMapOvr>
+  <mc:AlternateContent xmlns:mc="http://schemas.openxmlformats.org/markup-compatibility/2006" xmlns:p14="http://schemas.microsoft.com/office/powerpoint/2010/main">
+    <mc:Choice Requires="p14">
+      <p:transition spd="med" p14:dur="700">
+        <p:fade/>
+      </p:transition>
+    </mc:Choice>
+    <mc:Fallback xmlns="">
+      <p:transition spd="med">
+        <p:fade/>
+      </p:transition>
+    </mc:Fallback>
+  </mc:AlternateContent>
+</p:sld>
+</file>
+
+<file path=ppt/slides/slide2.xml><?xml version="1.0" encoding="utf-8"?>
+<p:sld xmlns:a="http://schemas.openxmlformats.org/drawingml/2006/main" xmlns:r="http://schemas.openxmlformats.org/officeDocument/2006/relationships" xmlns:p="http://schemas.openxmlformats.org/presentationml/2006/main">
+  <p:cSld>
+    <p:spTree>
+      <p:nvGrpSpPr>
+        <p:cNvPr id="1" name=""/>
+        <p:cNvGrpSpPr/>
+        <p:nvPr/>
+      </p:nvGrpSpPr>
+      <p:grpSpPr>
+        <a:xfrm>
+          <a:off x="0" y="0"/>
+          <a:ext cx="0" cy="0"/>
+          <a:chOff x="0" y="0"/>
+          <a:chExt cx="0" cy="0"/>
+        </a:xfrm>
+      </p:grpSpPr>
+      <p:sp>
+        <p:nvSpPr>
+          <p:cNvPr id="7" name="Title 6">
+            <a:extLst>
+              <a:ext uri="{FF2B5EF4-FFF2-40B4-BE49-F238E27FC236}">
+                <a16:creationId xmlns:a16="http://schemas.microsoft.com/office/drawing/2014/main" id="{7875C19A-1AAE-476A-A316-A2CF92D763D3}"/>
+              </a:ext>
+            </a:extLst>
+          </p:cNvPr>
+          <p:cNvSpPr>
+            <a:spLocks noGrp="1"/>
+          </p:cNvSpPr>
+          <p:nvPr>
+            <p:ph type="title"/>
+          </p:nvPr>
+        </p:nvSpPr>
+        <p:spPr/>
+        <p:txBody>
+          <a:bodyPr/>
+          <a:lstStyle/>
+          <a:p>
+            <a:r>
+              <a:rPr lang="en-US" dirty="0"/>
+              <a:t>Agenda</a:t>
+            </a:r>
+          </a:p>
+        </p:txBody>
+      </p:sp>
+      <p:sp>
+        <p:nvSpPr>
+          <p:cNvPr id="10" name="Text Placeholder 9">
+            <a:extLst>
+              <a:ext uri="{FF2B5EF4-FFF2-40B4-BE49-F238E27FC236}">
+                <a16:creationId xmlns:a16="http://schemas.microsoft.com/office/drawing/2014/main" id="{EF2BC084-E6DB-4DE7-B309-042A85EBA700}"/>
+              </a:ext>
+            </a:extLst>
+          </p:cNvPr>
+          <p:cNvSpPr>
+            <a:spLocks noGrp="1"/>
+          </p:cNvSpPr>
+          <p:nvPr>
+            <p:ph type="body" sz="quarter" idx="13"/>
+          </p:nvPr>
+        </p:nvSpPr>
+        <p:spPr>
+          <a:xfrm>
+            <a:off x="444500" y="1625385"/>
+            <a:ext cx="11214100" cy="4390951"/>
+          </a:xfrm>
+        </p:spPr>
+        <p:txBody>
+          <a:bodyPr/>
+          <a:lstStyle/>
+          <a:p>
+            <a:r>
+              <a:rPr lang="en-US" sz="2800" dirty="0"/>
+              <a:t>Who is this guy and what stuff has he made?</a:t>
+            </a:r>
+          </a:p>
+          <a:p>
+            <a:r>
+              <a:rPr lang="en-US" sz="2800" dirty="0"/>
+              <a:t>What is </a:t>
+            </a:r>
+            <a:r>
+              <a:rPr lang="en-US" sz="2800" dirty="0" err="1"/>
+              <a:t>tiPS</a:t>
+            </a:r>
+            <a:r>
+              <a:rPr lang="en-US" sz="2800" dirty="0"/>
+              <a:t>?</a:t>
+            </a:r>
+          </a:p>
+          <a:p>
+            <a:r>
+              <a:rPr lang="en-US" sz="2800" dirty="0"/>
+              <a:t>Discussion</a:t>
+            </a:r>
+          </a:p>
+          <a:p>
+            <a:r>
+              <a:rPr lang="en-US" sz="2800" dirty="0"/>
+              <a:t>How to add a tip</a:t>
+            </a:r>
+          </a:p>
+          <a:p>
+            <a:r>
+              <a:rPr lang="en-US" sz="2800" dirty="0" err="1"/>
+              <a:t>tiPS</a:t>
+            </a:r>
+            <a:r>
+              <a:rPr lang="en-US" sz="2800" dirty="0"/>
+              <a:t> origin story</a:t>
+            </a:r>
+          </a:p>
+          <a:p>
+            <a:r>
+              <a:rPr lang="en-US" sz="2800" dirty="0"/>
+              <a:t>Lessons learned while building </a:t>
+            </a:r>
+            <a:r>
+              <a:rPr lang="en-US" sz="2800" dirty="0" err="1"/>
+              <a:t>tiPS</a:t>
+            </a:r>
+            <a:endParaRPr lang="en-US" sz="2800" dirty="0"/>
+          </a:p>
+          <a:p>
+            <a:r>
+              <a:rPr lang="en-US" sz="2800" dirty="0"/>
+              <a:t>Discussion</a:t>
+            </a:r>
+          </a:p>
+        </p:txBody>
+      </p:sp>
+      <p:sp>
+        <p:nvSpPr>
+          <p:cNvPr id="2" name="Slide Number Placeholder 1">
+            <a:extLst>
+              <a:ext uri="{FF2B5EF4-FFF2-40B4-BE49-F238E27FC236}">
+                <a16:creationId xmlns:a16="http://schemas.microsoft.com/office/drawing/2014/main" id="{BE9800F6-D571-48C4-8466-12AA1ADB6599}"/>
+              </a:ext>
+            </a:extLst>
+          </p:cNvPr>
+          <p:cNvSpPr>
+            <a:spLocks noGrp="1"/>
+          </p:cNvSpPr>
+          <p:nvPr>
+            <p:ph type="sldNum" sz="quarter" idx="12"/>
+          </p:nvPr>
+        </p:nvSpPr>
+        <p:spPr/>
+        <p:txBody>
+          <a:bodyPr/>
+          <a:lstStyle/>
+          <a:p>
+            <a:fld id="{C263D6C4-4840-40CC-AC84-17E24B3B7BDE}" type="slidenum">
+              <a:rPr lang="en-US" smtClean="0"/>
+              <a:pPr/>
+              <a:t>2</a:t>
+            </a:fld>
+            <a:endParaRPr lang="en-US" dirty="0"/>
+          </a:p>
+        </p:txBody>
+      </p:sp>
+    </p:spTree>
+    <p:extLst>
+      <p:ext uri="{BB962C8B-B14F-4D97-AF65-F5344CB8AC3E}">
+        <p14:creationId xmlns:p14="http://schemas.microsoft.com/office/powerpoint/2010/main" val="3256700306"/>
+      </p:ext>
+    </p:extLst>
+  </p:cSld>
+  <p:clrMapOvr>
+    <a:masterClrMapping/>
+  </p:clrMapOvr>
+  <mc:AlternateContent xmlns:mc="http://schemas.openxmlformats.org/markup-compatibility/2006" xmlns:p14="http://schemas.microsoft.com/office/powerpoint/2010/main">
+    <mc:Choice Requires="p14">
+      <p:transition spd="med" p14:dur="700">
+        <p:fade/>
+      </p:transition>
+    </mc:Choice>
+    <mc:Fallback xmlns="">
+      <p:transition spd="med">
+        <p:fade/>
+      </p:transition>
+    </mc:Fallback>
+  </mc:AlternateContent>
+</p:sld>
+</file>
+
+<file path=ppt/slides/slide20.xml><?xml version="1.0" encoding="utf-8"?>
+<p:sld xmlns:a="http://schemas.openxmlformats.org/drawingml/2006/main" xmlns:r="http://schemas.openxmlformats.org/officeDocument/2006/relationships" xmlns:p="http://schemas.openxmlformats.org/presentationml/2006/main">
+  <p:cSld>
+    <p:spTree>
+      <p:nvGrpSpPr>
+        <p:cNvPr id="1" name=""/>
+        <p:cNvGrpSpPr/>
+        <p:nvPr/>
+      </p:nvGrpSpPr>
+      <p:grpSpPr>
+        <a:xfrm>
+          <a:off x="0" y="0"/>
+          <a:ext cx="0" cy="0"/>
+          <a:chOff x="0" y="0"/>
+          <a:chExt cx="0" cy="0"/>
+        </a:xfrm>
+      </p:grpSpPr>
+      <p:sp>
+        <p:nvSpPr>
+          <p:cNvPr id="4" name="Title 3">
+            <a:extLst>
+              <a:ext uri="{FF2B5EF4-FFF2-40B4-BE49-F238E27FC236}">
+                <a16:creationId xmlns:a16="http://schemas.microsoft.com/office/drawing/2014/main" id="{BD179B88-D43C-4A31-9A52-3498E9430782}"/>
+              </a:ext>
+            </a:extLst>
+          </p:cNvPr>
+          <p:cNvSpPr>
+            <a:spLocks noGrp="1"/>
+          </p:cNvSpPr>
+          <p:nvPr>
+            <p:ph type="title"/>
+          </p:nvPr>
+        </p:nvSpPr>
+        <p:spPr/>
+        <p:txBody>
+          <a:bodyPr/>
+          <a:lstStyle/>
+          <a:p>
+            <a:r>
+              <a:rPr lang="en-US" dirty="0"/>
+              <a:t>Section Header02</a:t>
+            </a:r>
+          </a:p>
+        </p:txBody>
+      </p:sp>
+      <p:sp>
+        <p:nvSpPr>
+          <p:cNvPr id="5" name="Text Placeholder 4">
+            <a:extLst>
+              <a:ext uri="{FF2B5EF4-FFF2-40B4-BE49-F238E27FC236}">
+                <a16:creationId xmlns:a16="http://schemas.microsoft.com/office/drawing/2014/main" id="{DCDDBE65-9AB1-4989-AF86-726591A6A128}"/>
+              </a:ext>
+            </a:extLst>
+          </p:cNvPr>
+          <p:cNvSpPr>
+            <a:spLocks noGrp="1"/>
+          </p:cNvSpPr>
+          <p:nvPr>
+            <p:ph type="body" idx="1"/>
+          </p:nvPr>
+        </p:nvSpPr>
+        <p:spPr/>
+        <p:txBody>
+          <a:bodyPr/>
+          <a:lstStyle/>
+          <a:p>
+            <a:r>
+              <a:rPr lang="en-US" dirty="0"/>
+              <a:t>Subtitle</a:t>
+            </a:r>
+          </a:p>
+        </p:txBody>
+      </p:sp>
+      <p:sp>
+        <p:nvSpPr>
+          <p:cNvPr id="2" name="Slide Number Placeholder 1">
+            <a:extLst>
+              <a:ext uri="{FF2B5EF4-FFF2-40B4-BE49-F238E27FC236}">
+                <a16:creationId xmlns:a16="http://schemas.microsoft.com/office/drawing/2014/main" id="{8B065C75-272B-4BB5-BA23-D80E8654D621}"/>
+              </a:ext>
+            </a:extLst>
+          </p:cNvPr>
+          <p:cNvSpPr>
+            <a:spLocks noGrp="1"/>
+          </p:cNvSpPr>
+          <p:nvPr>
+            <p:ph type="sldNum" sz="quarter" idx="12"/>
+          </p:nvPr>
+        </p:nvSpPr>
+        <p:spPr/>
+        <p:txBody>
+          <a:bodyPr/>
+          <a:lstStyle/>
+          <a:p>
+            <a:fld id="{C263D6C4-4840-40CC-AC84-17E24B3B7BDE}" type="slidenum">
+              <a:rPr lang="en-US" smtClean="0"/>
+              <a:pPr/>
+              <a:t>20</a:t>
+            </a:fld>
+            <a:endParaRPr lang="en-US" dirty="0"/>
+          </a:p>
+        </p:txBody>
+      </p:sp>
+    </p:spTree>
+    <p:extLst>
+      <p:ext uri="{BB962C8B-B14F-4D97-AF65-F5344CB8AC3E}">
+        <p14:creationId xmlns:p14="http://schemas.microsoft.com/office/powerpoint/2010/main" val="709828751"/>
+      </p:ext>
+    </p:extLst>
+  </p:cSld>
+  <p:clrMapOvr>
+    <a:masterClrMapping/>
+  </p:clrMapOvr>
+  <mc:AlternateContent xmlns:mc="http://schemas.openxmlformats.org/markup-compatibility/2006" xmlns:p14="http://schemas.microsoft.com/office/powerpoint/2010/main">
+    <mc:Choice Requires="p14">
+      <p:transition spd="med" p14:dur="700">
+        <p:fade/>
+      </p:transition>
+    </mc:Choice>
+    <mc:Fallback xmlns="">
+      <p:transition spd="med">
+        <p:fade/>
+      </p:transition>
+    </mc:Fallback>
+  </mc:AlternateContent>
+</p:sld>
+</file>
+
+<file path=ppt/slides/slide21.xml><?xml version="1.0" encoding="utf-8"?>
+<p:sld xmlns:a="http://schemas.openxmlformats.org/drawingml/2006/main" xmlns:r="http://schemas.openxmlformats.org/officeDocument/2006/relationships" xmlns:p="http://schemas.openxmlformats.org/presentationml/2006/main">
+  <p:cSld>
+    <p:spTree>
+      <p:nvGrpSpPr>
+        <p:cNvPr id="1" name=""/>
+        <p:cNvGrpSpPr/>
+        <p:nvPr/>
+      </p:nvGrpSpPr>
+      <p:grpSpPr>
+        <a:xfrm>
+          <a:off x="0" y="0"/>
+          <a:ext cx="0" cy="0"/>
+          <a:chOff x="0" y="0"/>
+          <a:chExt cx="0" cy="0"/>
+        </a:xfrm>
+      </p:grpSpPr>
+      <p:sp>
+        <p:nvSpPr>
+          <p:cNvPr id="7" name="Title 6">
+            <a:extLst>
+              <a:ext uri="{FF2B5EF4-FFF2-40B4-BE49-F238E27FC236}">
+                <a16:creationId xmlns:a16="http://schemas.microsoft.com/office/drawing/2014/main" id="{7875C19A-1AAE-476A-A316-A2CF92D763D3}"/>
+              </a:ext>
+            </a:extLst>
+          </p:cNvPr>
+          <p:cNvSpPr>
+            <a:spLocks noGrp="1"/>
+          </p:cNvSpPr>
+          <p:nvPr>
+            <p:ph type="title"/>
+          </p:nvPr>
+        </p:nvSpPr>
+        <p:spPr/>
+        <p:txBody>
+          <a:bodyPr/>
+          <a:lstStyle/>
+          <a:p>
+            <a:r>
+              <a:rPr lang="en-US" dirty="0"/>
+              <a:t>Content Title 01</a:t>
+            </a:r>
+          </a:p>
+        </p:txBody>
+      </p:sp>
+      <p:sp>
+        <p:nvSpPr>
+          <p:cNvPr id="10" name="Text Placeholder 9">
+            <a:extLst>
+              <a:ext uri="{FF2B5EF4-FFF2-40B4-BE49-F238E27FC236}">
+                <a16:creationId xmlns:a16="http://schemas.microsoft.com/office/drawing/2014/main" id="{EF2BC084-E6DB-4DE7-B309-042A85EBA700}"/>
+              </a:ext>
+            </a:extLst>
+          </p:cNvPr>
+          <p:cNvSpPr>
+            <a:spLocks noGrp="1"/>
+          </p:cNvSpPr>
+          <p:nvPr>
+            <p:ph type="body" sz="quarter" idx="13"/>
+          </p:nvPr>
+        </p:nvSpPr>
+        <p:spPr/>
+        <p:txBody>
+          <a:bodyPr/>
+          <a:lstStyle/>
+          <a:p>
+            <a:r>
+              <a:rPr lang="en-US" dirty="0"/>
+              <a:t>Lorem ipsum dolor sit amet, consectetuer adipiscing elit. Maecenas porttitor congue massa. Fusce posuere, magna sed pulvinar ultricies, purus lectus malesuada libero, sit amet commodo magna eros quis urna.</a:t>
+            </a:r>
+          </a:p>
+          <a:p>
+            <a:r>
+              <a:rPr lang="en-US" dirty="0"/>
+              <a:t>Nunc viverra imperdiet enim. Fusce est. Vivamus a tellus.</a:t>
+            </a:r>
+          </a:p>
+          <a:p>
+            <a:r>
+              <a:rPr lang="en-US" dirty="0"/>
+              <a:t>Pellentesque habitant morbi tristique senectus et netus et malesuada fames ac turpis egestas. Proin pharetra nonummy pede. Mauris et orci.</a:t>
+            </a:r>
+          </a:p>
+        </p:txBody>
+      </p:sp>
+      <p:sp>
+        <p:nvSpPr>
+          <p:cNvPr id="2" name="Slide Number Placeholder 1">
+            <a:extLst>
+              <a:ext uri="{FF2B5EF4-FFF2-40B4-BE49-F238E27FC236}">
+                <a16:creationId xmlns:a16="http://schemas.microsoft.com/office/drawing/2014/main" id="{BE9800F6-D571-48C4-8466-12AA1ADB6599}"/>
+              </a:ext>
+            </a:extLst>
+          </p:cNvPr>
+          <p:cNvSpPr>
+            <a:spLocks noGrp="1"/>
+          </p:cNvSpPr>
+          <p:nvPr>
+            <p:ph type="sldNum" sz="quarter" idx="12"/>
+          </p:nvPr>
+        </p:nvSpPr>
+        <p:spPr/>
+        <p:txBody>
+          <a:bodyPr/>
+          <a:lstStyle/>
+          <a:p>
+            <a:fld id="{C263D6C4-4840-40CC-AC84-17E24B3B7BDE}" type="slidenum">
+              <a:rPr lang="en-US" smtClean="0"/>
+              <a:pPr/>
+              <a:t>21</a:t>
+            </a:fld>
+            <a:endParaRPr lang="en-US" dirty="0"/>
+          </a:p>
+        </p:txBody>
+      </p:sp>
+    </p:spTree>
+    <p:extLst>
+      <p:ext uri="{BB962C8B-B14F-4D97-AF65-F5344CB8AC3E}">
+        <p14:creationId xmlns:p14="http://schemas.microsoft.com/office/powerpoint/2010/main" val="1788966512"/>
+      </p:ext>
+    </p:extLst>
+  </p:cSld>
+  <p:clrMapOvr>
+    <a:masterClrMapping/>
+  </p:clrMapOvr>
+  <mc:AlternateContent xmlns:mc="http://schemas.openxmlformats.org/markup-compatibility/2006" xmlns:p14="http://schemas.microsoft.com/office/powerpoint/2010/main">
+    <mc:Choice Requires="p14">
+      <p:transition spd="med" p14:dur="700">
+        <p:fade/>
+      </p:transition>
+    </mc:Choice>
+    <mc:Fallback xmlns="">
+      <p:transition spd="med">
+        <p:fade/>
+      </p:transition>
+    </mc:Fallback>
+  </mc:AlternateContent>
+</p:sld>
+</file>
+
+<file path=ppt/slides/slide22.xml><?xml version="1.0" encoding="utf-8"?>
+<p:sld xmlns:a="http://schemas.openxmlformats.org/drawingml/2006/main" xmlns:r="http://schemas.openxmlformats.org/officeDocument/2006/relationships" xmlns:p="http://schemas.openxmlformats.org/presentationml/2006/main">
+  <p:cSld>
+    <p:spTree>
+      <p:nvGrpSpPr>
+        <p:cNvPr id="1" name=""/>
+        <p:cNvGrpSpPr/>
+        <p:nvPr/>
+      </p:nvGrpSpPr>
+      <p:grpSpPr>
+        <a:xfrm>
+          <a:off x="0" y="0"/>
+          <a:ext cx="0" cy="0"/>
+          <a:chOff x="0" y="0"/>
+          <a:chExt cx="0" cy="0"/>
+        </a:xfrm>
+      </p:grpSpPr>
+      <p:sp>
+        <p:nvSpPr>
           <p:cNvPr id="4" name="Title 3">
             <a:extLst>
               <a:ext uri="{FF2B5EF4-FFF2-40B4-BE49-F238E27FC236}">
@@ -28314,7 +31430,7 @@
             <a:fld id="{C263D6C4-4840-40CC-AC84-17E24B3B7BDE}" type="slidenum">
               <a:rPr lang="en-US" smtClean="0"/>
               <a:pPr/>
-              <a:t>17</a:t>
+              <a:t>22</a:t>
             </a:fld>
             <a:endParaRPr lang="en-US" dirty="0"/>
           </a:p>
@@ -28478,7 +31594,7 @@
 </p:sld>
 </file>
 
-<file path=ppt/slides/slide18.xml><?xml version="1.0" encoding="utf-8"?>
+<file path=ppt/slides/slide23.xml><?xml version="1.0" encoding="utf-8"?>
 <p:sld xmlns:a="http://schemas.openxmlformats.org/drawingml/2006/main" xmlns:r="http://schemas.openxmlformats.org/officeDocument/2006/relationships" xmlns:p="http://schemas.openxmlformats.org/presentationml/2006/main">
   <p:cSld>
     <p:spTree>
@@ -28862,7 +31978,7 @@
             <a:fld id="{C263D6C4-4840-40CC-AC84-17E24B3B7BDE}" type="slidenum">
               <a:rPr lang="en-US" smtClean="0"/>
               <a:pPr/>
-              <a:t>18</a:t>
+              <a:t>23</a:t>
             </a:fld>
             <a:endParaRPr lang="en-US" dirty="0"/>
           </a:p>
@@ -28893,7 +32009,7 @@
 </p:sld>
 </file>
 
-<file path=ppt/slides/slide19.xml><?xml version="1.0" encoding="utf-8"?>
+<file path=ppt/slides/slide24.xml><?xml version="1.0" encoding="utf-8"?>
 <p:sld xmlns:a="http://schemas.openxmlformats.org/drawingml/2006/main" xmlns:r="http://schemas.openxmlformats.org/officeDocument/2006/relationships" xmlns:p="http://schemas.openxmlformats.org/presentationml/2006/main">
   <p:cSld>
     <p:spTree>
@@ -29077,7 +32193,7 @@
             <a:fld id="{C263D6C4-4840-40CC-AC84-17E24B3B7BDE}" type="slidenum">
               <a:rPr lang="en-US" smtClean="0"/>
               <a:pPr/>
-              <a:t>19</a:t>
+              <a:t>24</a:t>
             </a:fld>
             <a:endParaRPr lang="en-US" dirty="0"/>
           </a:p>
@@ -29108,193 +32224,7 @@
 </p:sld>
 </file>
 
-<file path=ppt/slides/slide2.xml><?xml version="1.0" encoding="utf-8"?>
-<p:sld xmlns:a="http://schemas.openxmlformats.org/drawingml/2006/main" xmlns:r="http://schemas.openxmlformats.org/officeDocument/2006/relationships" xmlns:p="http://schemas.openxmlformats.org/presentationml/2006/main">
-  <p:cSld>
-    <p:spTree>
-      <p:nvGrpSpPr>
-        <p:cNvPr id="1" name=""/>
-        <p:cNvGrpSpPr/>
-        <p:nvPr/>
-      </p:nvGrpSpPr>
-      <p:grpSpPr>
-        <a:xfrm>
-          <a:off x="0" y="0"/>
-          <a:ext cx="0" cy="0"/>
-          <a:chOff x="0" y="0"/>
-          <a:chExt cx="0" cy="0"/>
-        </a:xfrm>
-      </p:grpSpPr>
-      <p:sp>
-        <p:nvSpPr>
-          <p:cNvPr id="7" name="Title 6">
-            <a:extLst>
-              <a:ext uri="{FF2B5EF4-FFF2-40B4-BE49-F238E27FC236}">
-                <a16:creationId xmlns:a16="http://schemas.microsoft.com/office/drawing/2014/main" id="{7875C19A-1AAE-476A-A316-A2CF92D763D3}"/>
-              </a:ext>
-            </a:extLst>
-          </p:cNvPr>
-          <p:cNvSpPr>
-            <a:spLocks noGrp="1"/>
-          </p:cNvSpPr>
-          <p:nvPr>
-            <p:ph type="title"/>
-          </p:nvPr>
-        </p:nvSpPr>
-        <p:spPr/>
-        <p:txBody>
-          <a:bodyPr/>
-          <a:lstStyle/>
-          <a:p>
-            <a:r>
-              <a:rPr lang="en-US" dirty="0"/>
-              <a:t>Agenda</a:t>
-            </a:r>
-          </a:p>
-        </p:txBody>
-      </p:sp>
-      <p:sp>
-        <p:nvSpPr>
-          <p:cNvPr id="10" name="Text Placeholder 9">
-            <a:extLst>
-              <a:ext uri="{FF2B5EF4-FFF2-40B4-BE49-F238E27FC236}">
-                <a16:creationId xmlns:a16="http://schemas.microsoft.com/office/drawing/2014/main" id="{EF2BC084-E6DB-4DE7-B309-042A85EBA700}"/>
-              </a:ext>
-            </a:extLst>
-          </p:cNvPr>
-          <p:cNvSpPr>
-            <a:spLocks noGrp="1"/>
-          </p:cNvSpPr>
-          <p:nvPr>
-            <p:ph type="body" sz="quarter" idx="13"/>
-          </p:nvPr>
-        </p:nvSpPr>
-        <p:spPr>
-          <a:xfrm>
-            <a:off x="444500" y="1625385"/>
-            <a:ext cx="11214100" cy="4390951"/>
-          </a:xfrm>
-        </p:spPr>
-        <p:txBody>
-          <a:bodyPr/>
-          <a:lstStyle/>
-          <a:p>
-            <a:r>
-              <a:rPr lang="en-US" sz="2800" dirty="0"/>
-              <a:t>Who is this guy and what has he made?</a:t>
-            </a:r>
-          </a:p>
-          <a:p>
-            <a:r>
-              <a:rPr lang="en-US" sz="2800" dirty="0"/>
-              <a:t>What is </a:t>
-            </a:r>
-            <a:r>
-              <a:rPr lang="en-US" sz="2800" dirty="0" err="1"/>
-              <a:t>tiPS</a:t>
-            </a:r>
-            <a:r>
-              <a:rPr lang="en-US" sz="2800" dirty="0"/>
-              <a:t>?</a:t>
-            </a:r>
-          </a:p>
-          <a:p>
-            <a:r>
-              <a:rPr lang="en-US" sz="2800" dirty="0"/>
-              <a:t>How to add a tip</a:t>
-            </a:r>
-          </a:p>
-          <a:p>
-            <a:r>
-              <a:rPr lang="en-US" sz="2800" dirty="0"/>
-              <a:t>Discussion</a:t>
-            </a:r>
-          </a:p>
-          <a:p>
-            <a:r>
-              <a:rPr lang="en-US" sz="2800" dirty="0" err="1"/>
-              <a:t>tiPS</a:t>
-            </a:r>
-            <a:r>
-              <a:rPr lang="en-US" sz="2800" dirty="0"/>
-              <a:t> origin story</a:t>
-            </a:r>
-          </a:p>
-          <a:p>
-            <a:r>
-              <a:rPr lang="en-US" sz="2800" dirty="0"/>
-              <a:t>Lessons learned while building </a:t>
-            </a:r>
-            <a:r>
-              <a:rPr lang="en-US" sz="2800" dirty="0" err="1"/>
-              <a:t>tiPS</a:t>
-            </a:r>
-            <a:endParaRPr lang="en-US" sz="2800" dirty="0"/>
-          </a:p>
-          <a:p>
-            <a:r>
-              <a:rPr lang="en-US" sz="2800" dirty="0"/>
-              <a:t>Discussion</a:t>
-            </a:r>
-          </a:p>
-        </p:txBody>
-      </p:sp>
-      <p:sp>
-        <p:nvSpPr>
-          <p:cNvPr id="2" name="Slide Number Placeholder 1">
-            <a:extLst>
-              <a:ext uri="{FF2B5EF4-FFF2-40B4-BE49-F238E27FC236}">
-                <a16:creationId xmlns:a16="http://schemas.microsoft.com/office/drawing/2014/main" id="{BE9800F6-D571-48C4-8466-12AA1ADB6599}"/>
-              </a:ext>
-            </a:extLst>
-          </p:cNvPr>
-          <p:cNvSpPr>
-            <a:spLocks noGrp="1"/>
-          </p:cNvSpPr>
-          <p:nvPr>
-            <p:ph type="sldNum" sz="quarter" idx="12"/>
-          </p:nvPr>
-        </p:nvSpPr>
-        <p:spPr/>
-        <p:txBody>
-          <a:bodyPr/>
-          <a:lstStyle/>
-          <a:p>
-            <a:fld id="{C263D6C4-4840-40CC-AC84-17E24B3B7BDE}" type="slidenum">
-              <a:rPr lang="en-US" smtClean="0"/>
-              <a:pPr/>
-              <a:t>2</a:t>
-            </a:fld>
-            <a:endParaRPr lang="en-US" dirty="0"/>
-          </a:p>
-        </p:txBody>
-      </p:sp>
-    </p:spTree>
-    <p:extLst>
-      <p:ext uri="{BB962C8B-B14F-4D97-AF65-F5344CB8AC3E}">
-        <p14:creationId xmlns:p14="http://schemas.microsoft.com/office/powerpoint/2010/main" val="3256700306"/>
-      </p:ext>
-    </p:extLst>
-  </p:cSld>
-  <p:clrMapOvr>
-    <a:masterClrMapping/>
-  </p:clrMapOvr>
-  <mc:AlternateContent xmlns:mc="http://schemas.openxmlformats.org/markup-compatibility/2006" xmlns:p14="http://schemas.microsoft.com/office/powerpoint/2010/main">
-    <mc:Choice Requires="p14">
-      <p:transition spd="med" p14:dur="700">
-        <p:fade/>
-      </p:transition>
-    </mc:Choice>
-    <mc:Fallback xmlns="">
-      <p:transition spd="med">
-        <p:fade/>
-      </p:transition>
-    </mc:Fallback>
-  </mc:AlternateContent>
-</p:sld>
-</file>
-
-<file path=ppt/slides/slide20.xml><?xml version="1.0" encoding="utf-8"?>
+<file path=ppt/slides/slide25.xml><?xml version="1.0" encoding="utf-8"?>
 <p:sld xmlns:a="http://schemas.openxmlformats.org/drawingml/2006/main" xmlns:r="http://schemas.openxmlformats.org/officeDocument/2006/relationships" xmlns:p="http://schemas.openxmlformats.org/presentationml/2006/main">
   <p:cSld>
     <p:spTree>
@@ -29431,7 +32361,7 @@
             <a:fld id="{C263D6C4-4840-40CC-AC84-17E24B3B7BDE}" type="slidenum">
               <a:rPr lang="en-US" smtClean="0"/>
               <a:pPr/>
-              <a:t>20</a:t>
+              <a:t>25</a:t>
             </a:fld>
             <a:endParaRPr lang="en-US" dirty="0"/>
           </a:p>
@@ -29462,7 +32392,7 @@
 </p:sld>
 </file>
 
-<file path=ppt/slides/slide21.xml><?xml version="1.0" encoding="utf-8"?>
+<file path=ppt/slides/slide26.xml><?xml version="1.0" encoding="utf-8"?>
 <p:sld xmlns:a="http://schemas.openxmlformats.org/drawingml/2006/main" xmlns:r="http://schemas.openxmlformats.org/officeDocument/2006/relationships" xmlns:p="http://schemas.openxmlformats.org/presentationml/2006/main">
   <p:cSld>
     <p:spTree>
@@ -31352,7 +34282,7 @@
             <a:fld id="{C263D6C4-4840-40CC-AC84-17E24B3B7BDE}" type="slidenum">
               <a:rPr lang="en-US" smtClean="0"/>
               <a:pPr/>
-              <a:t>21</a:t>
+              <a:t>26</a:t>
             </a:fld>
             <a:endParaRPr lang="en-US" dirty="0"/>
           </a:p>
@@ -31383,7 +34313,7 @@
 </p:sld>
 </file>
 
-<file path=ppt/slides/slide22.xml><?xml version="1.0" encoding="utf-8"?>
+<file path=ppt/slides/slide27.xml><?xml version="1.0" encoding="utf-8"?>
 <p:sld xmlns:a="http://schemas.openxmlformats.org/drawingml/2006/main" xmlns:r="http://schemas.openxmlformats.org/officeDocument/2006/relationships" xmlns:p="http://schemas.openxmlformats.org/presentationml/2006/main">
   <p:cSld>
     <p:spTree>
@@ -31480,7 +34410,7 @@
             <a:fld id="{C263D6C4-4840-40CC-AC84-17E24B3B7BDE}" type="slidenum">
               <a:rPr lang="en-US" smtClean="0"/>
               <a:pPr/>
-              <a:t>22</a:t>
+              <a:t>27</a:t>
             </a:fld>
             <a:endParaRPr lang="en-US" dirty="0"/>
           </a:p>
@@ -31511,7 +34441,7 @@
 </p:sld>
 </file>
 
-<file path=ppt/slides/slide23.xml><?xml version="1.0" encoding="utf-8"?>
+<file path=ppt/slides/slide28.xml><?xml version="1.0" encoding="utf-8"?>
 <p:sld xmlns:a="http://schemas.openxmlformats.org/drawingml/2006/main" xmlns:r="http://schemas.openxmlformats.org/officeDocument/2006/relationships" xmlns:p="http://schemas.openxmlformats.org/presentationml/2006/main">
   <p:cSld>
     <p:spTree>
@@ -31600,7 +34530,7 @@
             <a:fld id="{C263D6C4-4840-40CC-AC84-17E24B3B7BDE}" type="slidenum">
               <a:rPr lang="en-US" smtClean="0"/>
               <a:pPr/>
-              <a:t>23</a:t>
+              <a:t>28</a:t>
             </a:fld>
             <a:endParaRPr lang="en-US" dirty="0"/>
           </a:p>
@@ -31631,7 +34561,7 @@
 </p:sld>
 </file>
 
-<file path=ppt/slides/slide24.xml><?xml version="1.0" encoding="utf-8"?>
+<file path=ppt/slides/slide29.xml><?xml version="1.0" encoding="utf-8"?>
 <p:sld xmlns:a="http://schemas.openxmlformats.org/drawingml/2006/main" xmlns:r="http://schemas.openxmlformats.org/officeDocument/2006/relationships" xmlns:p="http://schemas.openxmlformats.org/presentationml/2006/main">
   <p:cSld>
     <p:spTree>
@@ -31690,193 +34620,6 @@
   <p:transition spd="slow">
     <p:wipe/>
   </p:transition>
-</p:sld>
-</file>
-
-<file path=ppt/slides/slide25.xml><?xml version="1.0" encoding="utf-8"?>
-<p:sld xmlns:a="http://schemas.openxmlformats.org/drawingml/2006/main" xmlns:r="http://schemas.openxmlformats.org/officeDocument/2006/relationships" xmlns:p="http://schemas.openxmlformats.org/presentationml/2006/main">
-  <p:cSld>
-    <p:spTree>
-      <p:nvGrpSpPr>
-        <p:cNvPr id="1" name=""/>
-        <p:cNvGrpSpPr/>
-        <p:nvPr/>
-      </p:nvGrpSpPr>
-      <p:grpSpPr>
-        <a:xfrm>
-          <a:off x="0" y="0"/>
-          <a:ext cx="0" cy="0"/>
-          <a:chOff x="0" y="0"/>
-          <a:chExt cx="0" cy="0"/>
-        </a:xfrm>
-      </p:grpSpPr>
-      <p:sp>
-        <p:nvSpPr>
-          <p:cNvPr id="2" name="Title 1">
-            <a:extLst>
-              <a:ext uri="{FF2B5EF4-FFF2-40B4-BE49-F238E27FC236}">
-                <a16:creationId xmlns:a16="http://schemas.microsoft.com/office/drawing/2014/main" id="{632BE5BF-9922-45FB-8F3F-4446D40A051B}"/>
-              </a:ext>
-            </a:extLst>
-          </p:cNvPr>
-          <p:cNvSpPr>
-            <a:spLocks noGrp="1"/>
-          </p:cNvSpPr>
-          <p:nvPr>
-            <p:ph type="ctrTitle"/>
-          </p:nvPr>
-        </p:nvSpPr>
-        <p:spPr/>
-        <p:txBody>
-          <a:bodyPr/>
-          <a:lstStyle/>
-          <a:p>
-            <a:r>
-              <a:rPr lang="en-US" dirty="0"/>
-              <a:t>Thank You 2</a:t>
-            </a:r>
-            <a:endParaRPr lang="en-GB" dirty="0"/>
-          </a:p>
-        </p:txBody>
-      </p:sp>
-    </p:spTree>
-    <p:extLst>
-      <p:ext uri="{BB962C8B-B14F-4D97-AF65-F5344CB8AC3E}">
-        <p14:creationId xmlns:p14="http://schemas.microsoft.com/office/powerpoint/2010/main" val="44069682"/>
-      </p:ext>
-    </p:extLst>
-  </p:cSld>
-  <p:clrMapOvr>
-    <a:masterClrMapping/>
-  </p:clrMapOvr>
-  <p:transition spd="slow">
-    <p:wipe/>
-  </p:transition>
-</p:sld>
-</file>
-
-<file path=ppt/slides/slide26.xml><?xml version="1.0" encoding="utf-8"?>
-<p:sld xmlns:a="http://schemas.openxmlformats.org/drawingml/2006/main" xmlns:r="http://schemas.openxmlformats.org/officeDocument/2006/relationships" xmlns:p="http://schemas.openxmlformats.org/presentationml/2006/main">
-  <p:cSld>
-    <p:spTree>
-      <p:nvGrpSpPr>
-        <p:cNvPr id="1" name=""/>
-        <p:cNvGrpSpPr/>
-        <p:nvPr/>
-      </p:nvGrpSpPr>
-      <p:grpSpPr>
-        <a:xfrm>
-          <a:off x="0" y="0"/>
-          <a:ext cx="0" cy="0"/>
-          <a:chOff x="0" y="0"/>
-          <a:chExt cx="0" cy="0"/>
-        </a:xfrm>
-      </p:grpSpPr>
-      <p:sp>
-        <p:nvSpPr>
-          <p:cNvPr id="4" name="Title 3">
-            <a:extLst>
-              <a:ext uri="{FF2B5EF4-FFF2-40B4-BE49-F238E27FC236}">
-                <a16:creationId xmlns:a16="http://schemas.microsoft.com/office/drawing/2014/main" id="{E98DCA46-603B-4178-8707-30E192CE6B8D}"/>
-              </a:ext>
-            </a:extLst>
-          </p:cNvPr>
-          <p:cNvSpPr>
-            <a:spLocks noGrp="1"/>
-          </p:cNvSpPr>
-          <p:nvPr>
-            <p:ph type="title"/>
-          </p:nvPr>
-        </p:nvSpPr>
-        <p:spPr/>
-        <p:txBody>
-          <a:bodyPr/>
-          <a:lstStyle/>
-          <a:p>
-            <a:r>
-              <a:rPr lang="en-US" dirty="0"/>
-              <a:t>Customize this Template</a:t>
-            </a:r>
-          </a:p>
-        </p:txBody>
-      </p:sp>
-      <p:sp>
-        <p:nvSpPr>
-          <p:cNvPr id="2" name="Slide Number Placeholder 1">
-            <a:extLst>
-              <a:ext uri="{FF2B5EF4-FFF2-40B4-BE49-F238E27FC236}">
-                <a16:creationId xmlns:a16="http://schemas.microsoft.com/office/drawing/2014/main" id="{6D90B5C6-1CB0-445E-99D1-8E2FE8C59B50}"/>
-              </a:ext>
-            </a:extLst>
-          </p:cNvPr>
-          <p:cNvSpPr>
-            <a:spLocks noGrp="1"/>
-          </p:cNvSpPr>
-          <p:nvPr>
-            <p:ph type="sldNum" sz="quarter" idx="12"/>
-          </p:nvPr>
-        </p:nvSpPr>
-        <p:spPr/>
-        <p:txBody>
-          <a:bodyPr/>
-          <a:lstStyle/>
-          <a:p>
-            <a:fld id="{C263D6C4-4840-40CC-AC84-17E24B3B7BDE}" type="slidenum">
-              <a:rPr lang="en-US" smtClean="0"/>
-              <a:pPr/>
-              <a:t>26</a:t>
-            </a:fld>
-            <a:endParaRPr lang="en-US" dirty="0"/>
-          </a:p>
-        </p:txBody>
-      </p:sp>
-      <p:sp>
-        <p:nvSpPr>
-          <p:cNvPr id="3" name="Text Placeholder 2">
-            <a:extLst>
-              <a:ext uri="{FF2B5EF4-FFF2-40B4-BE49-F238E27FC236}">
-                <a16:creationId xmlns:a16="http://schemas.microsoft.com/office/drawing/2014/main" id="{06554A61-D199-469B-AB0C-B68F82B5059F}"/>
-              </a:ext>
-            </a:extLst>
-          </p:cNvPr>
-          <p:cNvSpPr>
-            <a:spLocks noGrp="1"/>
-          </p:cNvSpPr>
-          <p:nvPr>
-            <p:ph type="body" sz="quarter" idx="13"/>
-          </p:nvPr>
-        </p:nvSpPr>
-        <p:spPr/>
-        <p:txBody>
-          <a:bodyPr/>
-          <a:lstStyle/>
-          <a:p>
-            <a:r>
-              <a:rPr lang="en-US" u="sng" dirty="0">
-                <a:hlinkClick r:id="rId2">
-                  <a:extLst>
-                    <a:ext uri="{A12FA001-AC4F-418D-AE19-62706E023703}">
-                      <ahyp:hlinkClr xmlns:ahyp="http://schemas.microsoft.com/office/drawing/2018/hyperlinkcolor" val="tx"/>
-                    </a:ext>
-                  </a:extLst>
-                </a:hlinkClick>
-              </a:rPr>
-              <a:t>Template Editing Instructions and Feedback</a:t>
-            </a:r>
-            <a:endParaRPr lang="en-US" u="sng" dirty="0"/>
-          </a:p>
-        </p:txBody>
-      </p:sp>
-    </p:spTree>
-    <p:extLst>
-      <p:ext uri="{BB962C8B-B14F-4D97-AF65-F5344CB8AC3E}">
-        <p14:creationId xmlns:p14="http://schemas.microsoft.com/office/powerpoint/2010/main" val="59582380"/>
-      </p:ext>
-    </p:extLst>
-  </p:cSld>
-  <p:clrMapOvr>
-    <a:masterClrMapping/>
-  </p:clrMapOvr>
 </p:sld>
 </file>
 
@@ -32064,6 +34807,193 @@
 </p:sld>
 </file>
 
+<file path=ppt/slides/slide30.xml><?xml version="1.0" encoding="utf-8"?>
+<p:sld xmlns:a="http://schemas.openxmlformats.org/drawingml/2006/main" xmlns:r="http://schemas.openxmlformats.org/officeDocument/2006/relationships" xmlns:p="http://schemas.openxmlformats.org/presentationml/2006/main">
+  <p:cSld>
+    <p:spTree>
+      <p:nvGrpSpPr>
+        <p:cNvPr id="1" name=""/>
+        <p:cNvGrpSpPr/>
+        <p:nvPr/>
+      </p:nvGrpSpPr>
+      <p:grpSpPr>
+        <a:xfrm>
+          <a:off x="0" y="0"/>
+          <a:ext cx="0" cy="0"/>
+          <a:chOff x="0" y="0"/>
+          <a:chExt cx="0" cy="0"/>
+        </a:xfrm>
+      </p:grpSpPr>
+      <p:sp>
+        <p:nvSpPr>
+          <p:cNvPr id="2" name="Title 1">
+            <a:extLst>
+              <a:ext uri="{FF2B5EF4-FFF2-40B4-BE49-F238E27FC236}">
+                <a16:creationId xmlns:a16="http://schemas.microsoft.com/office/drawing/2014/main" id="{632BE5BF-9922-45FB-8F3F-4446D40A051B}"/>
+              </a:ext>
+            </a:extLst>
+          </p:cNvPr>
+          <p:cNvSpPr>
+            <a:spLocks noGrp="1"/>
+          </p:cNvSpPr>
+          <p:nvPr>
+            <p:ph type="ctrTitle"/>
+          </p:nvPr>
+        </p:nvSpPr>
+        <p:spPr/>
+        <p:txBody>
+          <a:bodyPr/>
+          <a:lstStyle/>
+          <a:p>
+            <a:r>
+              <a:rPr lang="en-US" dirty="0"/>
+              <a:t>Thank You 2</a:t>
+            </a:r>
+            <a:endParaRPr lang="en-GB" dirty="0"/>
+          </a:p>
+        </p:txBody>
+      </p:sp>
+    </p:spTree>
+    <p:extLst>
+      <p:ext uri="{BB962C8B-B14F-4D97-AF65-F5344CB8AC3E}">
+        <p14:creationId xmlns:p14="http://schemas.microsoft.com/office/powerpoint/2010/main" val="44069682"/>
+      </p:ext>
+    </p:extLst>
+  </p:cSld>
+  <p:clrMapOvr>
+    <a:masterClrMapping/>
+  </p:clrMapOvr>
+  <p:transition spd="slow">
+    <p:wipe/>
+  </p:transition>
+</p:sld>
+</file>
+
+<file path=ppt/slides/slide31.xml><?xml version="1.0" encoding="utf-8"?>
+<p:sld xmlns:a="http://schemas.openxmlformats.org/drawingml/2006/main" xmlns:r="http://schemas.openxmlformats.org/officeDocument/2006/relationships" xmlns:p="http://schemas.openxmlformats.org/presentationml/2006/main">
+  <p:cSld>
+    <p:spTree>
+      <p:nvGrpSpPr>
+        <p:cNvPr id="1" name=""/>
+        <p:cNvGrpSpPr/>
+        <p:nvPr/>
+      </p:nvGrpSpPr>
+      <p:grpSpPr>
+        <a:xfrm>
+          <a:off x="0" y="0"/>
+          <a:ext cx="0" cy="0"/>
+          <a:chOff x="0" y="0"/>
+          <a:chExt cx="0" cy="0"/>
+        </a:xfrm>
+      </p:grpSpPr>
+      <p:sp>
+        <p:nvSpPr>
+          <p:cNvPr id="4" name="Title 3">
+            <a:extLst>
+              <a:ext uri="{FF2B5EF4-FFF2-40B4-BE49-F238E27FC236}">
+                <a16:creationId xmlns:a16="http://schemas.microsoft.com/office/drawing/2014/main" id="{E98DCA46-603B-4178-8707-30E192CE6B8D}"/>
+              </a:ext>
+            </a:extLst>
+          </p:cNvPr>
+          <p:cNvSpPr>
+            <a:spLocks noGrp="1"/>
+          </p:cNvSpPr>
+          <p:nvPr>
+            <p:ph type="title"/>
+          </p:nvPr>
+        </p:nvSpPr>
+        <p:spPr/>
+        <p:txBody>
+          <a:bodyPr/>
+          <a:lstStyle/>
+          <a:p>
+            <a:r>
+              <a:rPr lang="en-US" dirty="0"/>
+              <a:t>Customize this Template</a:t>
+            </a:r>
+          </a:p>
+        </p:txBody>
+      </p:sp>
+      <p:sp>
+        <p:nvSpPr>
+          <p:cNvPr id="2" name="Slide Number Placeholder 1">
+            <a:extLst>
+              <a:ext uri="{FF2B5EF4-FFF2-40B4-BE49-F238E27FC236}">
+                <a16:creationId xmlns:a16="http://schemas.microsoft.com/office/drawing/2014/main" id="{6D90B5C6-1CB0-445E-99D1-8E2FE8C59B50}"/>
+              </a:ext>
+            </a:extLst>
+          </p:cNvPr>
+          <p:cNvSpPr>
+            <a:spLocks noGrp="1"/>
+          </p:cNvSpPr>
+          <p:nvPr>
+            <p:ph type="sldNum" sz="quarter" idx="12"/>
+          </p:nvPr>
+        </p:nvSpPr>
+        <p:spPr/>
+        <p:txBody>
+          <a:bodyPr/>
+          <a:lstStyle/>
+          <a:p>
+            <a:fld id="{C263D6C4-4840-40CC-AC84-17E24B3B7BDE}" type="slidenum">
+              <a:rPr lang="en-US" smtClean="0"/>
+              <a:pPr/>
+              <a:t>31</a:t>
+            </a:fld>
+            <a:endParaRPr lang="en-US" dirty="0"/>
+          </a:p>
+        </p:txBody>
+      </p:sp>
+      <p:sp>
+        <p:nvSpPr>
+          <p:cNvPr id="3" name="Text Placeholder 2">
+            <a:extLst>
+              <a:ext uri="{FF2B5EF4-FFF2-40B4-BE49-F238E27FC236}">
+                <a16:creationId xmlns:a16="http://schemas.microsoft.com/office/drawing/2014/main" id="{06554A61-D199-469B-AB0C-B68F82B5059F}"/>
+              </a:ext>
+            </a:extLst>
+          </p:cNvPr>
+          <p:cNvSpPr>
+            <a:spLocks noGrp="1"/>
+          </p:cNvSpPr>
+          <p:nvPr>
+            <p:ph type="body" sz="quarter" idx="13"/>
+          </p:nvPr>
+        </p:nvSpPr>
+        <p:spPr/>
+        <p:txBody>
+          <a:bodyPr/>
+          <a:lstStyle/>
+          <a:p>
+            <a:r>
+              <a:rPr lang="en-US" u="sng" dirty="0">
+                <a:hlinkClick r:id="rId2">
+                  <a:extLst>
+                    <a:ext uri="{A12FA001-AC4F-418D-AE19-62706E023703}">
+                      <ahyp:hlinkClr xmlns:ahyp="http://schemas.microsoft.com/office/drawing/2018/hyperlinkcolor" val="tx"/>
+                    </a:ext>
+                  </a:extLst>
+                </a:hlinkClick>
+              </a:rPr>
+              <a:t>Template Editing Instructions and Feedback</a:t>
+            </a:r>
+            <a:endParaRPr lang="en-US" u="sng" dirty="0"/>
+          </a:p>
+        </p:txBody>
+      </p:sp>
+    </p:spTree>
+    <p:extLst>
+      <p:ext uri="{BB962C8B-B14F-4D97-AF65-F5344CB8AC3E}">
+        <p14:creationId xmlns:p14="http://schemas.microsoft.com/office/powerpoint/2010/main" val="59582380"/>
+      </p:ext>
+    </p:extLst>
+  </p:cSld>
+  <p:clrMapOvr>
+    <a:masterClrMapping/>
+  </p:clrMapOvr>
+</p:sld>
+</file>
+
 <file path=ppt/slides/slide4.xml><?xml version="1.0" encoding="utf-8"?>
 <p:sld xmlns:a="http://schemas.openxmlformats.org/drawingml/2006/main" xmlns:r="http://schemas.openxmlformats.org/officeDocument/2006/relationships" xmlns:p="http://schemas.openxmlformats.org/presentationml/2006/main">
   <p:cSld>
@@ -32127,8 +35057,8 @@
         </p:nvSpPr>
         <p:spPr>
           <a:xfrm>
-            <a:off x="215896" y="1718904"/>
-            <a:ext cx="11747501" cy="4422124"/>
+            <a:off x="215896" y="1578428"/>
+            <a:ext cx="11747501" cy="4562599"/>
           </a:xfrm>
         </p:spPr>
         <p:txBody>
@@ -32201,7 +35131,7 @@
                   </a:extLst>
                 </a:hlinkClick>
               </a:rPr>
-              <a:t>http://xnaparticles.com/ProjectsThatUseDPSF.php</a:t>
+              <a:t>http://xnaparticles.com/DemoVideos.php</a:t>
             </a:r>
             <a:r>
               <a:rPr lang="en-US" sz="2400" dirty="0">
@@ -32212,7 +35142,7 @@
                   </a:schemeClr>
                 </a:solidFill>
               </a:rPr>
-              <a:t> </a:t>
+              <a:t>  </a:t>
             </a:r>
           </a:p>
           <a:p>
@@ -32263,14 +35193,30 @@
                   </a:extLst>
                 </a:hlinkClick>
               </a:rPr>
-              <a:t>https://github.com/deadlydog/AzureDevOps.WindowsScheduledTasks</a:t>
+              <a:t>https://github.com/deadlydog/NotifyWhenMicrosoftOutlookReminderWindow</a:t>
             </a:r>
             <a:r>
               <a:rPr lang="en-US" sz="2400" dirty="0">
                 <a:solidFill>
                   <a:schemeClr val="accent1">
-                    <a:lumMod val="60000"/>
-                    <a:lumOff val="40000"/>
+                    <a:lumMod val="50000"/>
+                  </a:schemeClr>
+                </a:solidFill>
+                <a:hlinkClick r:id="rId7">
+                  <a:extLst>
+                    <a:ext uri="{A12FA001-AC4F-418D-AE19-62706E023703}">
+                      <ahyp:hlinkClr xmlns:ahyp="http://schemas.microsoft.com/office/drawing/2018/hyperlinkcolor" val="tx"/>
+                    </a:ext>
+                  </a:extLst>
+                </a:hlinkClick>
+              </a:rPr>
+              <a:t>IsOpen</a:t>
+            </a:r>
+            <a:r>
+              <a:rPr lang="en-US" sz="2400" dirty="0">
+                <a:solidFill>
+                  <a:schemeClr val="accent1">
+                    <a:lumMod val="50000"/>
                   </a:schemeClr>
                 </a:solidFill>
               </a:rPr>
@@ -32294,12 +35240,16 @@
                   </a:extLst>
                 </a:hlinkClick>
               </a:rPr>
-              <a:t>https://github.com/deadlydog/PathLengthChecker</a:t>
-            </a:r>
-            <a:r>
-              <a:rPr lang="en-US" sz="2400" dirty="0"/>
-              <a:t> - Started as a PS script 🙂</a:t>
-            </a:r>
+              <a:t>https://github.com/deadlydog/AzureDevOps.WindowsScheduledTasks</a:t>
+            </a:r>
+            <a:endParaRPr lang="en-US" sz="2400" dirty="0">
+              <a:solidFill>
+                <a:schemeClr val="accent1">
+                  <a:lumMod val="60000"/>
+                  <a:lumOff val="40000"/>
+                </a:schemeClr>
+              </a:solidFill>
+            </a:endParaRPr>
           </a:p>
           <a:p>
             <a:r>
@@ -32318,18 +35268,11 @@
                   </a:extLst>
                 </a:hlinkClick>
               </a:rPr>
-              <a:t>https://github.com/deadlydog/NotifyWhenMicrosoftOutlookReminderWindowIsOpen</a:t>
-            </a:r>
-            <a:r>
-              <a:rPr lang="en-US" sz="2400" dirty="0">
-                <a:solidFill>
-                  <a:schemeClr val="accent1">
-                    <a:lumMod val="60000"/>
-                    <a:lumOff val="40000"/>
-                  </a:schemeClr>
-                </a:solidFill>
-              </a:rPr>
-              <a:t> </a:t>
+              <a:t>https://github.com/deadlydog/PathLengthChecker</a:t>
+            </a:r>
+            <a:r>
+              <a:rPr lang="en-US" sz="2400" dirty="0"/>
+              <a:t> - Started as a PS script 🙂</a:t>
             </a:r>
           </a:p>
           <a:p>
@@ -32380,7 +35323,7 @@
                   </a:extLst>
                 </a:hlinkClick>
               </a:rPr>
-              <a:t>https://github.com/deadlydog/AzureArtifactsPowerShellModuleHelper</a:t>
+              <a:t>https://github.com/deadlydog/New-NuGetPackage</a:t>
             </a:r>
             <a:r>
               <a:rPr lang="en-US" sz="2400" dirty="0">
@@ -32404,6 +35347,37 @@
                   </a:schemeClr>
                 </a:solidFill>
                 <a:hlinkClick r:id="rId12">
+                  <a:extLst>
+                    <a:ext uri="{A12FA001-AC4F-418D-AE19-62706E023703}">
+                      <ahyp:hlinkClr xmlns:ahyp="http://schemas.microsoft.com/office/drawing/2018/hyperlinkcolor" val="tx"/>
+                    </a:ext>
+                  </a:extLst>
+                </a:hlinkClick>
+              </a:rPr>
+              <a:t>https://github.com/deadlydog/AzureArtifactsPowerShellModuleHelper</a:t>
+            </a:r>
+            <a:r>
+              <a:rPr lang="en-US" sz="2400" dirty="0">
+                <a:solidFill>
+                  <a:schemeClr val="accent1">
+                    <a:lumMod val="60000"/>
+                    <a:lumOff val="40000"/>
+                  </a:schemeClr>
+                </a:solidFill>
+              </a:rPr>
+              <a:t> </a:t>
+            </a:r>
+          </a:p>
+          <a:p>
+            <a:r>
+              <a:rPr lang="en-US" sz="2400" dirty="0">
+                <a:solidFill>
+                  <a:schemeClr val="accent1">
+                    <a:lumMod val="60000"/>
+                    <a:lumOff val="40000"/>
+                  </a:schemeClr>
+                </a:solidFill>
+                <a:hlinkClick r:id="rId13">
                   <a:extLst>
                     <a:ext uri="{A12FA001-AC4F-418D-AE19-62706E023703}">
                       <ahyp:hlinkClr xmlns:ahyp="http://schemas.microsoft.com/office/drawing/2018/hyperlinkcolor" val="tx"/>
@@ -32526,7 +35500,7 @@
             </a:r>
             <a:r>
               <a:rPr lang="en-US" dirty="0"/>
-              <a:t> PowerShell Module</a:t>
+              <a:t> PowerShell Module Demo</a:t>
             </a:r>
           </a:p>
         </p:txBody>
@@ -32550,7 +35524,7 @@
         <p:spPr>
           <a:xfrm>
             <a:off x="444500" y="1625385"/>
-            <a:ext cx="10807700" cy="4515642"/>
+            <a:ext cx="10807700" cy="967690"/>
           </a:xfrm>
         </p:spPr>
         <p:txBody>
@@ -32620,6 +35594,628 @@
               <a:rPr lang="en-US" smtClean="0"/>
               <a:pPr/>
               <a:t>5</a:t>
+            </a:fld>
+            <a:endParaRPr lang="en-US" dirty="0"/>
+          </a:p>
+        </p:txBody>
+      </p:sp>
+      <p:sp>
+        <p:nvSpPr>
+          <p:cNvPr id="3" name="Text Placeholder 9">
+            <a:extLst>
+              <a:ext uri="{FF2B5EF4-FFF2-40B4-BE49-F238E27FC236}">
+                <a16:creationId xmlns:a16="http://schemas.microsoft.com/office/drawing/2014/main" id="{EB116BF4-0934-F72C-F3B6-77B163806CCC}"/>
+              </a:ext>
+            </a:extLst>
+          </p:cNvPr>
+          <p:cNvSpPr txBox="1">
+            <a:spLocks/>
+          </p:cNvSpPr>
+          <p:nvPr/>
+        </p:nvSpPr>
+        <p:spPr>
+          <a:xfrm>
+            <a:off x="444500" y="3429000"/>
+            <a:ext cx="11214100" cy="967690"/>
+          </a:xfrm>
+          <a:prstGeom prst="rect">
+            <a:avLst/>
+          </a:prstGeom>
+        </p:spPr>
+        <p:txBody>
+          <a:bodyPr vert="horz" lIns="91440" tIns="45720" rIns="91440" bIns="45720" rtlCol="0">
+            <a:noAutofit/>
+          </a:bodyPr>
+          <a:lstStyle>
+            <a:lvl1pPr marL="228600" indent="-228600" algn="l" defTabSz="914400" rtl="0" eaLnBrk="1" latinLnBrk="0" hangingPunct="1">
+              <a:lnSpc>
+                <a:spcPct val="100000"/>
+              </a:lnSpc>
+              <a:spcBef>
+                <a:spcPts val="600"/>
+              </a:spcBef>
+              <a:spcAft>
+                <a:spcPts val="400"/>
+              </a:spcAft>
+              <a:buClr>
+                <a:schemeClr val="accent2"/>
+              </a:buClr>
+              <a:buFont typeface="Arial" panose="020B0604020202020204" pitchFamily="34" charset="0"/>
+              <a:buChar char="•"/>
+              <a:defRPr sz="1600" kern="1200">
+                <a:solidFill>
+                  <a:schemeClr val="bg1"/>
+                </a:solidFill>
+                <a:latin typeface="+mn-lt"/>
+                <a:ea typeface="+mn-ea"/>
+                <a:cs typeface="Arial" panose="020B0604020202020204" pitchFamily="34" charset="0"/>
+              </a:defRPr>
+            </a:lvl1pPr>
+            <a:lvl2pPr marL="685800" indent="-228600" algn="l" defTabSz="914400" rtl="0" eaLnBrk="1" latinLnBrk="0" hangingPunct="1">
+              <a:lnSpc>
+                <a:spcPct val="100000"/>
+              </a:lnSpc>
+              <a:spcBef>
+                <a:spcPts val="600"/>
+              </a:spcBef>
+              <a:spcAft>
+                <a:spcPts val="400"/>
+              </a:spcAft>
+              <a:buClr>
+                <a:schemeClr val="accent2"/>
+              </a:buClr>
+              <a:buFont typeface="Arial" panose="020B0604020202020204" pitchFamily="34" charset="0"/>
+              <a:buChar char="•"/>
+              <a:defRPr sz="1400" kern="1200">
+                <a:solidFill>
+                  <a:schemeClr val="bg1"/>
+                </a:solidFill>
+                <a:latin typeface="+mn-lt"/>
+                <a:ea typeface="+mn-ea"/>
+                <a:cs typeface="Arial" panose="020B0604020202020204" pitchFamily="34" charset="0"/>
+              </a:defRPr>
+            </a:lvl2pPr>
+            <a:lvl3pPr marL="1143000" indent="-228600" algn="l" defTabSz="914400" rtl="0" eaLnBrk="1" latinLnBrk="0" hangingPunct="1">
+              <a:lnSpc>
+                <a:spcPct val="100000"/>
+              </a:lnSpc>
+              <a:spcBef>
+                <a:spcPts val="600"/>
+              </a:spcBef>
+              <a:spcAft>
+                <a:spcPts val="400"/>
+              </a:spcAft>
+              <a:buClr>
+                <a:schemeClr val="accent2"/>
+              </a:buClr>
+              <a:buFont typeface="Arial" panose="020B0604020202020204" pitchFamily="34" charset="0"/>
+              <a:buChar char="•"/>
+              <a:defRPr sz="1200" kern="1200">
+                <a:solidFill>
+                  <a:schemeClr val="bg1"/>
+                </a:solidFill>
+                <a:latin typeface="+mn-lt"/>
+                <a:ea typeface="+mn-ea"/>
+                <a:cs typeface="Arial" panose="020B0604020202020204" pitchFamily="34" charset="0"/>
+              </a:defRPr>
+            </a:lvl3pPr>
+            <a:lvl4pPr marL="1600200" indent="-228600" algn="l" defTabSz="914400" rtl="0" eaLnBrk="1" latinLnBrk="0" hangingPunct="1">
+              <a:lnSpc>
+                <a:spcPct val="90000"/>
+              </a:lnSpc>
+              <a:spcBef>
+                <a:spcPts val="500"/>
+              </a:spcBef>
+              <a:buClr>
+                <a:schemeClr val="accent2"/>
+              </a:buClr>
+              <a:buFont typeface="Arial" panose="020B0604020202020204" pitchFamily="34" charset="0"/>
+              <a:buChar char="•"/>
+              <a:defRPr sz="1400" kern="1200">
+                <a:solidFill>
+                  <a:schemeClr val="bg1"/>
+                </a:solidFill>
+                <a:latin typeface="Arial" panose="020B0604020202020204" pitchFamily="34" charset="0"/>
+                <a:ea typeface="+mn-ea"/>
+                <a:cs typeface="Arial" panose="020B0604020202020204" pitchFamily="34" charset="0"/>
+              </a:defRPr>
+            </a:lvl4pPr>
+            <a:lvl5pPr marL="2057400" indent="-228600" algn="l" defTabSz="914400" rtl="0" eaLnBrk="1" latinLnBrk="0" hangingPunct="1">
+              <a:lnSpc>
+                <a:spcPct val="90000"/>
+              </a:lnSpc>
+              <a:spcBef>
+                <a:spcPts val="500"/>
+              </a:spcBef>
+              <a:buClr>
+                <a:schemeClr val="accent2"/>
+              </a:buClr>
+              <a:buFont typeface="Arial" panose="020B0604020202020204" pitchFamily="34" charset="0"/>
+              <a:buChar char="•"/>
+              <a:defRPr sz="1400" kern="1200">
+                <a:solidFill>
+                  <a:schemeClr val="bg1"/>
+                </a:solidFill>
+                <a:latin typeface="Arial" panose="020B0604020202020204" pitchFamily="34" charset="0"/>
+                <a:ea typeface="+mn-ea"/>
+                <a:cs typeface="Arial" panose="020B0604020202020204" pitchFamily="34" charset="0"/>
+              </a:defRPr>
+            </a:lvl5pPr>
+            <a:lvl6pPr marL="2514600" indent="-228600" algn="l" defTabSz="914400" rtl="0" eaLnBrk="1" latinLnBrk="0" hangingPunct="1">
+              <a:lnSpc>
+                <a:spcPct val="90000"/>
+              </a:lnSpc>
+              <a:spcBef>
+                <a:spcPts val="500"/>
+              </a:spcBef>
+              <a:buFont typeface="Arial" panose="020B0604020202020204" pitchFamily="34" charset="0"/>
+              <a:buChar char="•"/>
+              <a:defRPr sz="1800" kern="1200">
+                <a:solidFill>
+                  <a:schemeClr val="tx1"/>
+                </a:solidFill>
+                <a:latin typeface="+mn-lt"/>
+                <a:ea typeface="+mn-ea"/>
+                <a:cs typeface="+mn-cs"/>
+              </a:defRPr>
+            </a:lvl6pPr>
+            <a:lvl7pPr marL="2971800" indent="-228600" algn="l" defTabSz="914400" rtl="0" eaLnBrk="1" latinLnBrk="0" hangingPunct="1">
+              <a:lnSpc>
+                <a:spcPct val="90000"/>
+              </a:lnSpc>
+              <a:spcBef>
+                <a:spcPts val="500"/>
+              </a:spcBef>
+              <a:buFont typeface="Arial" panose="020B0604020202020204" pitchFamily="34" charset="0"/>
+              <a:buChar char="•"/>
+              <a:defRPr sz="1800" kern="1200">
+                <a:solidFill>
+                  <a:schemeClr val="tx1"/>
+                </a:solidFill>
+                <a:latin typeface="+mn-lt"/>
+                <a:ea typeface="+mn-ea"/>
+                <a:cs typeface="+mn-cs"/>
+              </a:defRPr>
+            </a:lvl7pPr>
+            <a:lvl8pPr marL="3429000" indent="-228600" algn="l" defTabSz="914400" rtl="0" eaLnBrk="1" latinLnBrk="0" hangingPunct="1">
+              <a:lnSpc>
+                <a:spcPct val="90000"/>
+              </a:lnSpc>
+              <a:spcBef>
+                <a:spcPts val="500"/>
+              </a:spcBef>
+              <a:buFont typeface="Arial" panose="020B0604020202020204" pitchFamily="34" charset="0"/>
+              <a:buChar char="•"/>
+              <a:defRPr sz="1800" kern="1200">
+                <a:solidFill>
+                  <a:schemeClr val="tx1"/>
+                </a:solidFill>
+                <a:latin typeface="+mn-lt"/>
+                <a:ea typeface="+mn-ea"/>
+                <a:cs typeface="+mn-cs"/>
+              </a:defRPr>
+            </a:lvl8pPr>
+            <a:lvl9pPr marL="3886200" indent="-228600" algn="l" defTabSz="914400" rtl="0" eaLnBrk="1" latinLnBrk="0" hangingPunct="1">
+              <a:lnSpc>
+                <a:spcPct val="90000"/>
+              </a:lnSpc>
+              <a:spcBef>
+                <a:spcPts val="500"/>
+              </a:spcBef>
+              <a:buFont typeface="Arial" panose="020B0604020202020204" pitchFamily="34" charset="0"/>
+              <a:buChar char="•"/>
+              <a:defRPr sz="1800" kern="1200">
+                <a:solidFill>
+                  <a:schemeClr val="tx1"/>
+                </a:solidFill>
+                <a:latin typeface="+mn-lt"/>
+                <a:ea typeface="+mn-ea"/>
+                <a:cs typeface="+mn-cs"/>
+              </a:defRPr>
+            </a:lvl9pPr>
+          </a:lstStyle>
+          <a:p>
+            <a:pPr marL="0" indent="0" algn="ctr">
+              <a:buNone/>
+            </a:pPr>
+            <a:r>
+              <a:rPr lang="en-US" sz="4800" dirty="0"/>
+              <a:t>Let’s see </a:t>
+            </a:r>
+            <a:r>
+              <a:rPr lang="en-US" sz="4800" dirty="0" err="1"/>
+              <a:t>tiPS</a:t>
+            </a:r>
+            <a:r>
+              <a:rPr lang="en-US" sz="4800" dirty="0"/>
+              <a:t>!!!</a:t>
+            </a:r>
+          </a:p>
+        </p:txBody>
+      </p:sp>
+    </p:spTree>
+    <p:extLst>
+      <p:ext uri="{BB962C8B-B14F-4D97-AF65-F5344CB8AC3E}">
+        <p14:creationId xmlns:p14="http://schemas.microsoft.com/office/powerpoint/2010/main" val="1321653971"/>
+      </p:ext>
+    </p:extLst>
+  </p:cSld>
+  <p:clrMapOvr>
+    <a:masterClrMapping/>
+  </p:clrMapOvr>
+  <mc:AlternateContent xmlns:mc="http://schemas.openxmlformats.org/markup-compatibility/2006" xmlns:p14="http://schemas.microsoft.com/office/powerpoint/2010/main">
+    <mc:Choice Requires="p14">
+      <p:transition spd="med" p14:dur="700">
+        <p:fade/>
+      </p:transition>
+    </mc:Choice>
+    <mc:Fallback xmlns="">
+      <p:transition spd="med">
+        <p:fade/>
+      </p:transition>
+    </mc:Fallback>
+  </mc:AlternateContent>
+</p:sld>
+</file>
+
+<file path=ppt/slides/slide6.xml><?xml version="1.0" encoding="utf-8"?>
+<p:sld xmlns:a="http://schemas.openxmlformats.org/drawingml/2006/main" xmlns:r="http://schemas.openxmlformats.org/officeDocument/2006/relationships" xmlns:p="http://schemas.openxmlformats.org/presentationml/2006/main">
+  <p:cSld>
+    <p:spTree>
+      <p:nvGrpSpPr>
+        <p:cNvPr id="1" name=""/>
+        <p:cNvGrpSpPr/>
+        <p:nvPr/>
+      </p:nvGrpSpPr>
+      <p:grpSpPr>
+        <a:xfrm>
+          <a:off x="0" y="0"/>
+          <a:ext cx="0" cy="0"/>
+          <a:chOff x="0" y="0"/>
+          <a:chExt cx="0" cy="0"/>
+        </a:xfrm>
+      </p:grpSpPr>
+      <p:sp>
+        <p:nvSpPr>
+          <p:cNvPr id="7" name="Title 6">
+            <a:extLst>
+              <a:ext uri="{FF2B5EF4-FFF2-40B4-BE49-F238E27FC236}">
+                <a16:creationId xmlns:a16="http://schemas.microsoft.com/office/drawing/2014/main" id="{7875C19A-1AAE-476A-A316-A2CF92D763D3}"/>
+              </a:ext>
+            </a:extLst>
+          </p:cNvPr>
+          <p:cNvSpPr>
+            <a:spLocks noGrp="1"/>
+          </p:cNvSpPr>
+          <p:nvPr>
+            <p:ph type="title"/>
+          </p:nvPr>
+        </p:nvSpPr>
+        <p:spPr/>
+        <p:txBody>
+          <a:bodyPr/>
+          <a:lstStyle/>
+          <a:p>
+            <a:r>
+              <a:rPr lang="en-US" dirty="0" err="1"/>
+              <a:t>tiPS</a:t>
+            </a:r>
+            <a:r>
+              <a:rPr lang="en-US" dirty="0"/>
+              <a:t> Discussion</a:t>
+            </a:r>
+          </a:p>
+        </p:txBody>
+      </p:sp>
+      <p:sp>
+        <p:nvSpPr>
+          <p:cNvPr id="10" name="Text Placeholder 9">
+            <a:extLst>
+              <a:ext uri="{FF2B5EF4-FFF2-40B4-BE49-F238E27FC236}">
+                <a16:creationId xmlns:a16="http://schemas.microsoft.com/office/drawing/2014/main" id="{EF2BC084-E6DB-4DE7-B309-042A85EBA700}"/>
+              </a:ext>
+            </a:extLst>
+          </p:cNvPr>
+          <p:cNvSpPr>
+            <a:spLocks noGrp="1"/>
+          </p:cNvSpPr>
+          <p:nvPr>
+            <p:ph type="body" sz="quarter" idx="13"/>
+          </p:nvPr>
+        </p:nvSpPr>
+        <p:spPr>
+          <a:xfrm>
+            <a:off x="444500" y="1625385"/>
+            <a:ext cx="11214100" cy="4390951"/>
+          </a:xfrm>
+        </p:spPr>
+        <p:txBody>
+          <a:bodyPr/>
+          <a:lstStyle/>
+          <a:p>
+            <a:r>
+              <a:rPr lang="en-US" sz="2800" dirty="0"/>
+              <a:t>How many people use </a:t>
+            </a:r>
+            <a:r>
+              <a:rPr lang="en-US" sz="2800" dirty="0" err="1"/>
+              <a:t>tiPS</a:t>
+            </a:r>
+            <a:r>
+              <a:rPr lang="en-US" sz="2800" dirty="0"/>
+              <a:t> already?</a:t>
+            </a:r>
+          </a:p>
+          <a:p>
+            <a:r>
+              <a:rPr lang="en-US" sz="2800" dirty="0"/>
+              <a:t>Initial impressions?</a:t>
+            </a:r>
+          </a:p>
+          <a:p>
+            <a:r>
+              <a:rPr lang="en-US" sz="2800" dirty="0"/>
+              <a:t>Got any feature ideas?</a:t>
+            </a:r>
+          </a:p>
+          <a:p>
+            <a:endParaRPr lang="en-US" sz="2800" dirty="0">
+              <a:solidFill>
+                <a:schemeClr val="accent1">
+                  <a:lumMod val="60000"/>
+                  <a:lumOff val="40000"/>
+                </a:schemeClr>
+              </a:solidFill>
+              <a:hlinkClick r:id="rId3">
+                <a:extLst>
+                  <a:ext uri="{A12FA001-AC4F-418D-AE19-62706E023703}">
+                    <ahyp:hlinkClr xmlns:ahyp="http://schemas.microsoft.com/office/drawing/2018/hyperlinkcolor" val="tx"/>
+                  </a:ext>
+                </a:extLst>
+              </a:hlinkClick>
+            </a:endParaRPr>
+          </a:p>
+          <a:p>
+            <a:r>
+              <a:rPr lang="en-US" sz="2800" dirty="0" err="1">
+                <a:solidFill>
+                  <a:schemeClr val="accent1">
+                    <a:lumMod val="60000"/>
+                    <a:lumOff val="40000"/>
+                  </a:schemeClr>
+                </a:solidFill>
+                <a:hlinkClick r:id="rId3">
+                  <a:extLst>
+                    <a:ext uri="{A12FA001-AC4F-418D-AE19-62706E023703}">
+                      <ahyp:hlinkClr xmlns:ahyp="http://schemas.microsoft.com/office/drawing/2018/hyperlinkcolor" val="tx"/>
+                    </a:ext>
+                  </a:extLst>
+                </a:hlinkClick>
+              </a:rPr>
+              <a:t>tiPS</a:t>
+            </a:r>
+            <a:r>
+              <a:rPr lang="en-US" sz="2800" dirty="0">
+                <a:solidFill>
+                  <a:schemeClr val="accent1">
+                    <a:lumMod val="60000"/>
+                    <a:lumOff val="40000"/>
+                  </a:schemeClr>
+                </a:solidFill>
+                <a:hlinkClick r:id="rId3">
+                  <a:extLst>
+                    <a:ext uri="{A12FA001-AC4F-418D-AE19-62706E023703}">
+                      <ahyp:hlinkClr xmlns:ahyp="http://schemas.microsoft.com/office/drawing/2018/hyperlinkcolor" val="tx"/>
+                    </a:ext>
+                  </a:extLst>
+                </a:hlinkClick>
+              </a:rPr>
+              <a:t> Roadmap</a:t>
+            </a:r>
+            <a:endParaRPr lang="en-US" sz="2800" dirty="0">
+              <a:solidFill>
+                <a:schemeClr val="accent1">
+                  <a:lumMod val="60000"/>
+                  <a:lumOff val="40000"/>
+                </a:schemeClr>
+              </a:solidFill>
+            </a:endParaRPr>
+          </a:p>
+        </p:txBody>
+      </p:sp>
+      <p:sp>
+        <p:nvSpPr>
+          <p:cNvPr id="2" name="Slide Number Placeholder 1">
+            <a:extLst>
+              <a:ext uri="{FF2B5EF4-FFF2-40B4-BE49-F238E27FC236}">
+                <a16:creationId xmlns:a16="http://schemas.microsoft.com/office/drawing/2014/main" id="{BE9800F6-D571-48C4-8466-12AA1ADB6599}"/>
+              </a:ext>
+            </a:extLst>
+          </p:cNvPr>
+          <p:cNvSpPr>
+            <a:spLocks noGrp="1"/>
+          </p:cNvSpPr>
+          <p:nvPr>
+            <p:ph type="sldNum" sz="quarter" idx="12"/>
+          </p:nvPr>
+        </p:nvSpPr>
+        <p:spPr/>
+        <p:txBody>
+          <a:bodyPr/>
+          <a:lstStyle/>
+          <a:p>
+            <a:fld id="{C263D6C4-4840-40CC-AC84-17E24B3B7BDE}" type="slidenum">
+              <a:rPr lang="en-US" smtClean="0"/>
+              <a:pPr/>
+              <a:t>6</a:t>
+            </a:fld>
+            <a:endParaRPr lang="en-US" dirty="0"/>
+          </a:p>
+        </p:txBody>
+      </p:sp>
+    </p:spTree>
+    <p:extLst>
+      <p:ext uri="{BB962C8B-B14F-4D97-AF65-F5344CB8AC3E}">
+        <p14:creationId xmlns:p14="http://schemas.microsoft.com/office/powerpoint/2010/main" val="924286788"/>
+      </p:ext>
+    </p:extLst>
+  </p:cSld>
+  <p:clrMapOvr>
+    <a:masterClrMapping/>
+  </p:clrMapOvr>
+  <mc:AlternateContent xmlns:mc="http://schemas.openxmlformats.org/markup-compatibility/2006" xmlns:p14="http://schemas.microsoft.com/office/powerpoint/2010/main">
+    <mc:Choice Requires="p14">
+      <p:transition spd="med" p14:dur="700">
+        <p:fade/>
+      </p:transition>
+    </mc:Choice>
+    <mc:Fallback xmlns="">
+      <p:transition spd="med">
+        <p:fade/>
+      </p:transition>
+    </mc:Fallback>
+  </mc:AlternateContent>
+</p:sld>
+</file>
+
+<file path=ppt/slides/slide7.xml><?xml version="1.0" encoding="utf-8"?>
+<p:sld xmlns:a="http://schemas.openxmlformats.org/drawingml/2006/main" xmlns:r="http://schemas.openxmlformats.org/officeDocument/2006/relationships" xmlns:p="http://schemas.openxmlformats.org/presentationml/2006/main">
+  <p:cSld>
+    <p:spTree>
+      <p:nvGrpSpPr>
+        <p:cNvPr id="1" name=""/>
+        <p:cNvGrpSpPr/>
+        <p:nvPr/>
+      </p:nvGrpSpPr>
+      <p:grpSpPr>
+        <a:xfrm>
+          <a:off x="0" y="0"/>
+          <a:ext cx="0" cy="0"/>
+          <a:chOff x="0" y="0"/>
+          <a:chExt cx="0" cy="0"/>
+        </a:xfrm>
+      </p:grpSpPr>
+      <p:sp>
+        <p:nvSpPr>
+          <p:cNvPr id="7" name="Title 6">
+            <a:extLst>
+              <a:ext uri="{FF2B5EF4-FFF2-40B4-BE49-F238E27FC236}">
+                <a16:creationId xmlns:a16="http://schemas.microsoft.com/office/drawing/2014/main" id="{7875C19A-1AAE-476A-A316-A2CF92D763D3}"/>
+              </a:ext>
+            </a:extLst>
+          </p:cNvPr>
+          <p:cNvSpPr>
+            <a:spLocks noGrp="1"/>
+          </p:cNvSpPr>
+          <p:nvPr>
+            <p:ph type="title"/>
+          </p:nvPr>
+        </p:nvSpPr>
+        <p:spPr/>
+        <p:txBody>
+          <a:bodyPr/>
+          <a:lstStyle/>
+          <a:p>
+            <a:r>
+              <a:rPr lang="en-US" dirty="0" err="1"/>
+              <a:t>tiPS</a:t>
+            </a:r>
+            <a:r>
+              <a:rPr lang="en-US" dirty="0"/>
+              <a:t> Contributing Demo</a:t>
+            </a:r>
+          </a:p>
+        </p:txBody>
+      </p:sp>
+      <p:sp>
+        <p:nvSpPr>
+          <p:cNvPr id="10" name="Text Placeholder 9">
+            <a:extLst>
+              <a:ext uri="{FF2B5EF4-FFF2-40B4-BE49-F238E27FC236}">
+                <a16:creationId xmlns:a16="http://schemas.microsoft.com/office/drawing/2014/main" id="{EF2BC084-E6DB-4DE7-B309-042A85EBA700}"/>
+              </a:ext>
+            </a:extLst>
+          </p:cNvPr>
+          <p:cNvSpPr>
+            <a:spLocks noGrp="1"/>
+          </p:cNvSpPr>
+          <p:nvPr>
+            <p:ph type="body" sz="quarter" idx="13"/>
+          </p:nvPr>
+        </p:nvSpPr>
+        <p:spPr>
+          <a:xfrm>
+            <a:off x="444500" y="1625385"/>
+            <a:ext cx="10807700" cy="1267940"/>
+          </a:xfrm>
+        </p:spPr>
+        <p:txBody>
+          <a:bodyPr/>
+          <a:lstStyle/>
+          <a:p>
+            <a:pPr marL="0" indent="0">
+              <a:buNone/>
+            </a:pPr>
+            <a:r>
+              <a:rPr lang="en-US" sz="2800" kern="1200" dirty="0">
+                <a:solidFill>
+                  <a:schemeClr val="accent1">
+                    <a:lumMod val="60000"/>
+                    <a:lumOff val="40000"/>
+                  </a:schemeClr>
+                </a:solidFill>
+                <a:effectLst/>
+                <a:ea typeface="+mn-ea"/>
+                <a:cs typeface="Arial" panose="020B0604020202020204" pitchFamily="34" charset="0"/>
+                <a:hlinkClick r:id="rId3">
+                  <a:extLst>
+                    <a:ext uri="{A12FA001-AC4F-418D-AE19-62706E023703}">
+                      <ahyp:hlinkClr xmlns:ahyp="http://schemas.microsoft.com/office/drawing/2018/hyperlinkcolor" val="tx"/>
+                    </a:ext>
+                  </a:extLst>
+                </a:hlinkClick>
+              </a:rPr>
+              <a:t>https://github.com/deadlydog/PowerShell.tiPS</a:t>
+            </a:r>
+            <a:r>
+              <a:rPr lang="en-US" sz="2800" dirty="0">
+                <a:solidFill>
+                  <a:schemeClr val="accent1">
+                    <a:lumMod val="60000"/>
+                    <a:lumOff val="40000"/>
+                  </a:schemeClr>
+                </a:solidFill>
+              </a:rPr>
+              <a:t> </a:t>
+            </a:r>
+          </a:p>
+        </p:txBody>
+      </p:sp>
+      <p:sp>
+        <p:nvSpPr>
+          <p:cNvPr id="2" name="Slide Number Placeholder 1">
+            <a:extLst>
+              <a:ext uri="{FF2B5EF4-FFF2-40B4-BE49-F238E27FC236}">
+                <a16:creationId xmlns:a16="http://schemas.microsoft.com/office/drawing/2014/main" id="{BE9800F6-D571-48C4-8466-12AA1ADB6599}"/>
+              </a:ext>
+            </a:extLst>
+          </p:cNvPr>
+          <p:cNvSpPr>
+            <a:spLocks noGrp="1"/>
+          </p:cNvSpPr>
+          <p:nvPr>
+            <p:ph type="sldNum" sz="quarter" idx="12"/>
+          </p:nvPr>
+        </p:nvSpPr>
+        <p:spPr/>
+        <p:txBody>
+          <a:bodyPr/>
+          <a:lstStyle/>
+          <a:p>
+            <a:fld id="{C263D6C4-4840-40CC-AC84-17E24B3B7BDE}" type="slidenum">
+              <a:rPr lang="en-US" smtClean="0"/>
+              <a:pPr/>
+              <a:t>7</a:t>
             </a:fld>
             <a:endParaRPr lang="en-US" dirty="0"/>
           </a:p>
@@ -32846,7 +36442,7 @@
             </a:pPr>
             <a:r>
               <a:rPr lang="en-US" sz="4800" dirty="0"/>
-              <a:t>Let’s see this thing!!!</a:t>
+              <a:t>Let’s add a tip!!!</a:t>
             </a:r>
           </a:p>
         </p:txBody>
@@ -32854,313 +36450,7 @@
     </p:spTree>
     <p:extLst>
       <p:ext uri="{BB962C8B-B14F-4D97-AF65-F5344CB8AC3E}">
-        <p14:creationId xmlns:p14="http://schemas.microsoft.com/office/powerpoint/2010/main" val="1321653971"/>
-      </p:ext>
-    </p:extLst>
-  </p:cSld>
-  <p:clrMapOvr>
-    <a:masterClrMapping/>
-  </p:clrMapOvr>
-  <mc:AlternateContent xmlns:mc="http://schemas.openxmlformats.org/markup-compatibility/2006" xmlns:p14="http://schemas.microsoft.com/office/powerpoint/2010/main">
-    <mc:Choice Requires="p14">
-      <p:transition spd="med" p14:dur="700">
-        <p:fade/>
-      </p:transition>
-    </mc:Choice>
-    <mc:Fallback xmlns="">
-      <p:transition spd="med">
-        <p:fade/>
-      </p:transition>
-    </mc:Fallback>
-  </mc:AlternateContent>
-</p:sld>
-</file>
-
-<file path=ppt/slides/slide6.xml><?xml version="1.0" encoding="utf-8"?>
-<p:sld xmlns:a="http://schemas.openxmlformats.org/drawingml/2006/main" xmlns:r="http://schemas.openxmlformats.org/officeDocument/2006/relationships" xmlns:p="http://schemas.openxmlformats.org/presentationml/2006/main">
-  <p:cSld>
-    <p:spTree>
-      <p:nvGrpSpPr>
-        <p:cNvPr id="1" name=""/>
-        <p:cNvGrpSpPr/>
-        <p:nvPr/>
-      </p:nvGrpSpPr>
-      <p:grpSpPr>
-        <a:xfrm>
-          <a:off x="0" y="0"/>
-          <a:ext cx="0" cy="0"/>
-          <a:chOff x="0" y="0"/>
-          <a:chExt cx="0" cy="0"/>
-        </a:xfrm>
-      </p:grpSpPr>
-      <p:sp>
-        <p:nvSpPr>
-          <p:cNvPr id="7" name="Title 6">
-            <a:extLst>
-              <a:ext uri="{FF2B5EF4-FFF2-40B4-BE49-F238E27FC236}">
-                <a16:creationId xmlns:a16="http://schemas.microsoft.com/office/drawing/2014/main" id="{7875C19A-1AAE-476A-A316-A2CF92D763D3}"/>
-              </a:ext>
-            </a:extLst>
-          </p:cNvPr>
-          <p:cNvSpPr>
-            <a:spLocks noGrp="1"/>
-          </p:cNvSpPr>
-          <p:nvPr>
-            <p:ph type="title"/>
-          </p:nvPr>
-        </p:nvSpPr>
-        <p:spPr/>
-        <p:txBody>
-          <a:bodyPr/>
-          <a:lstStyle/>
-          <a:p>
-            <a:r>
-              <a:rPr lang="en-US" dirty="0" err="1"/>
-              <a:t>tiPS</a:t>
-            </a:r>
-            <a:r>
-              <a:rPr lang="en-US" dirty="0"/>
-              <a:t> Discussion</a:t>
-            </a:r>
-          </a:p>
-        </p:txBody>
-      </p:sp>
-      <p:sp>
-        <p:nvSpPr>
-          <p:cNvPr id="10" name="Text Placeholder 9">
-            <a:extLst>
-              <a:ext uri="{FF2B5EF4-FFF2-40B4-BE49-F238E27FC236}">
-                <a16:creationId xmlns:a16="http://schemas.microsoft.com/office/drawing/2014/main" id="{EF2BC084-E6DB-4DE7-B309-042A85EBA700}"/>
-              </a:ext>
-            </a:extLst>
-          </p:cNvPr>
-          <p:cNvSpPr>
-            <a:spLocks noGrp="1"/>
-          </p:cNvSpPr>
-          <p:nvPr>
-            <p:ph type="body" sz="quarter" idx="13"/>
-          </p:nvPr>
-        </p:nvSpPr>
-        <p:spPr>
-          <a:xfrm>
-            <a:off x="444500" y="1625385"/>
-            <a:ext cx="11214100" cy="4390951"/>
-          </a:xfrm>
-        </p:spPr>
-        <p:txBody>
-          <a:bodyPr/>
-          <a:lstStyle/>
-          <a:p>
-            <a:r>
-              <a:rPr lang="en-US" sz="2800" dirty="0"/>
-              <a:t>How many people use </a:t>
-            </a:r>
-            <a:r>
-              <a:rPr lang="en-US" sz="2800" dirty="0" err="1"/>
-              <a:t>tiPS</a:t>
-            </a:r>
-            <a:r>
-              <a:rPr lang="en-US" sz="2800" dirty="0"/>
-              <a:t> already?</a:t>
-            </a:r>
-          </a:p>
-          <a:p>
-            <a:r>
-              <a:rPr lang="en-US" sz="2800" dirty="0"/>
-              <a:t>Got any feature ideas?</a:t>
-            </a:r>
-          </a:p>
-        </p:txBody>
-      </p:sp>
-      <p:sp>
-        <p:nvSpPr>
-          <p:cNvPr id="2" name="Slide Number Placeholder 1">
-            <a:extLst>
-              <a:ext uri="{FF2B5EF4-FFF2-40B4-BE49-F238E27FC236}">
-                <a16:creationId xmlns:a16="http://schemas.microsoft.com/office/drawing/2014/main" id="{BE9800F6-D571-48C4-8466-12AA1ADB6599}"/>
-              </a:ext>
-            </a:extLst>
-          </p:cNvPr>
-          <p:cNvSpPr>
-            <a:spLocks noGrp="1"/>
-          </p:cNvSpPr>
-          <p:nvPr>
-            <p:ph type="sldNum" sz="quarter" idx="12"/>
-          </p:nvPr>
-        </p:nvSpPr>
-        <p:spPr/>
-        <p:txBody>
-          <a:bodyPr/>
-          <a:lstStyle/>
-          <a:p>
-            <a:fld id="{C263D6C4-4840-40CC-AC84-17E24B3B7BDE}" type="slidenum">
-              <a:rPr lang="en-US" smtClean="0"/>
-              <a:pPr/>
-              <a:t>6</a:t>
-            </a:fld>
-            <a:endParaRPr lang="en-US" dirty="0"/>
-          </a:p>
-        </p:txBody>
-      </p:sp>
-    </p:spTree>
-    <p:extLst>
-      <p:ext uri="{BB962C8B-B14F-4D97-AF65-F5344CB8AC3E}">
-        <p14:creationId xmlns:p14="http://schemas.microsoft.com/office/powerpoint/2010/main" val="924286788"/>
-      </p:ext>
-    </p:extLst>
-  </p:cSld>
-  <p:clrMapOvr>
-    <a:masterClrMapping/>
-  </p:clrMapOvr>
-  <mc:AlternateContent xmlns:mc="http://schemas.openxmlformats.org/markup-compatibility/2006" xmlns:p14="http://schemas.microsoft.com/office/powerpoint/2010/main">
-    <mc:Choice Requires="p14">
-      <p:transition spd="med" p14:dur="700">
-        <p:fade/>
-      </p:transition>
-    </mc:Choice>
-    <mc:Fallback xmlns="">
-      <p:transition spd="med">
-        <p:fade/>
-      </p:transition>
-    </mc:Fallback>
-  </mc:AlternateContent>
-</p:sld>
-</file>
-
-<file path=ppt/slides/slide7.xml><?xml version="1.0" encoding="utf-8"?>
-<p:sld xmlns:a="http://schemas.openxmlformats.org/drawingml/2006/main" xmlns:r="http://schemas.openxmlformats.org/officeDocument/2006/relationships" xmlns:p="http://schemas.openxmlformats.org/presentationml/2006/main">
-  <p:cSld>
-    <p:spTree>
-      <p:nvGrpSpPr>
-        <p:cNvPr id="1" name=""/>
-        <p:cNvGrpSpPr/>
-        <p:nvPr/>
-      </p:nvGrpSpPr>
-      <p:grpSpPr>
-        <a:xfrm>
-          <a:off x="0" y="0"/>
-          <a:ext cx="0" cy="0"/>
-          <a:chOff x="0" y="0"/>
-          <a:chExt cx="0" cy="0"/>
-        </a:xfrm>
-      </p:grpSpPr>
-      <p:sp>
-        <p:nvSpPr>
-          <p:cNvPr id="7" name="Title 6">
-            <a:extLst>
-              <a:ext uri="{FF2B5EF4-FFF2-40B4-BE49-F238E27FC236}">
-                <a16:creationId xmlns:a16="http://schemas.microsoft.com/office/drawing/2014/main" id="{7875C19A-1AAE-476A-A316-A2CF92D763D3}"/>
-              </a:ext>
-            </a:extLst>
-          </p:cNvPr>
-          <p:cNvSpPr>
-            <a:spLocks noGrp="1"/>
-          </p:cNvSpPr>
-          <p:nvPr>
-            <p:ph type="title"/>
-          </p:nvPr>
-        </p:nvSpPr>
-        <p:spPr/>
-        <p:txBody>
-          <a:bodyPr/>
-          <a:lstStyle/>
-          <a:p>
-            <a:r>
-              <a:rPr lang="en-US" dirty="0" err="1"/>
-              <a:t>tiPS</a:t>
-            </a:r>
-            <a:r>
-              <a:rPr lang="en-US" dirty="0"/>
-              <a:t> Origin</a:t>
-            </a:r>
-          </a:p>
-        </p:txBody>
-      </p:sp>
-      <p:sp>
-        <p:nvSpPr>
-          <p:cNvPr id="10" name="Text Placeholder 9">
-            <a:extLst>
-              <a:ext uri="{FF2B5EF4-FFF2-40B4-BE49-F238E27FC236}">
-                <a16:creationId xmlns:a16="http://schemas.microsoft.com/office/drawing/2014/main" id="{EF2BC084-E6DB-4DE7-B309-042A85EBA700}"/>
-              </a:ext>
-            </a:extLst>
-          </p:cNvPr>
-          <p:cNvSpPr>
-            <a:spLocks noGrp="1"/>
-          </p:cNvSpPr>
-          <p:nvPr>
-            <p:ph type="body" sz="quarter" idx="13"/>
-          </p:nvPr>
-        </p:nvSpPr>
-        <p:spPr>
-          <a:xfrm>
-            <a:off x="444500" y="1625385"/>
-            <a:ext cx="11214100" cy="4390951"/>
-          </a:xfrm>
-        </p:spPr>
-        <p:txBody>
-          <a:bodyPr/>
-          <a:lstStyle/>
-          <a:p>
-            <a:r>
-              <a:rPr lang="en-US" sz="2800" dirty="0"/>
-              <a:t>Shoutout to the PowerShell Podcast</a:t>
-            </a:r>
-          </a:p>
-          <a:p>
-            <a:r>
-              <a:rPr lang="en-US" sz="2800" dirty="0"/>
-              <a:t>Congrats </a:t>
-            </a:r>
-            <a:r>
-              <a:rPr lang="en-US" sz="3600" dirty="0">
-                <a:solidFill>
-                  <a:srgbClr val="FFFF00"/>
-                </a:solidFill>
-              </a:rPr>
-              <a:t>Andrew Pla</a:t>
-            </a:r>
-            <a:r>
-              <a:rPr lang="en-US" sz="2800" dirty="0"/>
-              <a:t> on becoming a PS MVP!</a:t>
-            </a:r>
-          </a:p>
-        </p:txBody>
-      </p:sp>
-      <p:sp>
-        <p:nvSpPr>
-          <p:cNvPr id="2" name="Slide Number Placeholder 1">
-            <a:extLst>
-              <a:ext uri="{FF2B5EF4-FFF2-40B4-BE49-F238E27FC236}">
-                <a16:creationId xmlns:a16="http://schemas.microsoft.com/office/drawing/2014/main" id="{BE9800F6-D571-48C4-8466-12AA1ADB6599}"/>
-              </a:ext>
-            </a:extLst>
-          </p:cNvPr>
-          <p:cNvSpPr>
-            <a:spLocks noGrp="1"/>
-          </p:cNvSpPr>
-          <p:nvPr>
-            <p:ph type="sldNum" sz="quarter" idx="12"/>
-          </p:nvPr>
-        </p:nvSpPr>
-        <p:spPr/>
-        <p:txBody>
-          <a:bodyPr/>
-          <a:lstStyle/>
-          <a:p>
-            <a:fld id="{C263D6C4-4840-40CC-AC84-17E24B3B7BDE}" type="slidenum">
-              <a:rPr lang="en-US" smtClean="0"/>
-              <a:pPr/>
-              <a:t>7</a:t>
-            </a:fld>
-            <a:endParaRPr lang="en-US" dirty="0"/>
-          </a:p>
-        </p:txBody>
-      </p:sp>
-    </p:spTree>
-    <p:extLst>
-      <p:ext uri="{BB962C8B-B14F-4D97-AF65-F5344CB8AC3E}">
-        <p14:creationId xmlns:p14="http://schemas.microsoft.com/office/powerpoint/2010/main" val="712862985"/>
+        <p14:creationId xmlns:p14="http://schemas.microsoft.com/office/powerpoint/2010/main" val="2413629065"/>
       </p:ext>
     </p:extLst>
   </p:cSld>
@@ -33226,7 +36516,7 @@
             </a:r>
             <a:r>
               <a:rPr lang="en-US" dirty="0"/>
-              <a:t> Origin</a:t>
+              <a:t> Origin Story</a:t>
             </a:r>
           </a:p>
         </p:txBody>
@@ -33249,7 +36539,7 @@
         </p:nvSpPr>
         <p:spPr>
           <a:xfrm>
-            <a:off x="444500" y="1625385"/>
+            <a:off x="191276" y="1625385"/>
             <a:ext cx="11214100" cy="4390951"/>
           </a:xfrm>
         </p:spPr>
@@ -33265,7 +36555,19 @@
           <a:p>
             <a:r>
               <a:rPr lang="en-US" sz="2800" dirty="0"/>
-              <a:t>Congrats Andrew Pla on becoming a PS MVP!</a:t>
+              <a:t>Congrats </a:t>
+            </a:r>
+            <a:r>
+              <a:rPr lang="en-US" sz="3600" dirty="0">
+                <a:solidFill>
+                  <a:srgbClr val="FFFF00"/>
+                </a:solidFill>
+              </a:rPr>
+              <a:t>Andrew Pla</a:t>
+            </a:r>
+            <a:r>
+              <a:rPr lang="en-US" sz="2800" dirty="0"/>
+              <a:t> on becoming a PS MVP!</a:t>
             </a:r>
           </a:p>
         </p:txBody>
@@ -33302,40 +36604,10 @@
       </p:sp>
       <p:pic>
         <p:nvPicPr>
-          <p:cNvPr id="4" name="Picture 3" descr="Two dogs lying on a bed&#10;&#10;Description automatically generated">
+          <p:cNvPr id="3" name="Picture 2" descr="Two dogs lying on a bed&#10;&#10;Description automatically generated">
             <a:extLst>
               <a:ext uri="{FF2B5EF4-FFF2-40B4-BE49-F238E27FC236}">
-                <a16:creationId xmlns:a16="http://schemas.microsoft.com/office/drawing/2014/main" id="{2C42BCF4-D1E6-F98D-8D12-D79A3FA73547}"/>
-              </a:ext>
-            </a:extLst>
-          </p:cNvPr>
-          <p:cNvPicPr>
-            <a:picLocks noChangeAspect="1"/>
-          </p:cNvPicPr>
-          <p:nvPr/>
-        </p:nvPicPr>
-        <p:blipFill>
-          <a:blip r:embed="rId2"/>
-          <a:stretch>
-            <a:fillRect/>
-          </a:stretch>
-        </p:blipFill>
-        <p:spPr>
-          <a:xfrm>
-            <a:off x="3810000" y="1714500"/>
-            <a:ext cx="6350000" cy="4762500"/>
-          </a:xfrm>
-          <a:prstGeom prst="rect">
-            <a:avLst/>
-          </a:prstGeom>
-        </p:spPr>
-      </p:pic>
-      <p:pic>
-        <p:nvPicPr>
-          <p:cNvPr id="6" name="Picture 5" descr="A dog lying on its back on a dog bed&#10;&#10;Description automatically generated">
-            <a:extLst>
-              <a:ext uri="{FF2B5EF4-FFF2-40B4-BE49-F238E27FC236}">
-                <a16:creationId xmlns:a16="http://schemas.microsoft.com/office/drawing/2014/main" id="{05F5B9C7-2607-C46B-A02B-23FFE6BE6DB5}"/>
+                <a16:creationId xmlns:a16="http://schemas.microsoft.com/office/drawing/2014/main" id="{4B084A2D-333A-1D00-18BF-CC459B35F655}"/>
               </a:ext>
             </a:extLst>
           </p:cNvPr>
@@ -33351,9 +36623,9 @@
           </a:stretch>
         </p:blipFill>
         <p:spPr>
-          <a:xfrm rot="10800000">
-            <a:off x="5524498" y="101385"/>
-            <a:ext cx="6468819" cy="4851614"/>
+          <a:xfrm>
+            <a:off x="289755" y="2927206"/>
+            <a:ext cx="6350000" cy="4762500"/>
           </a:xfrm>
           <a:prstGeom prst="rect">
             <a:avLst/>
@@ -33362,10 +36634,10 @@
       </p:pic>
       <p:pic>
         <p:nvPicPr>
-          <p:cNvPr id="9" name="Picture 8" descr="A white dog standing on a deck&#10;&#10;Description automatically generated">
+          <p:cNvPr id="4" name="Picture 3" descr="A dog lying on its back on a dog bed&#10;&#10;Description automatically generated">
             <a:extLst>
               <a:ext uri="{FF2B5EF4-FFF2-40B4-BE49-F238E27FC236}">
-                <a16:creationId xmlns:a16="http://schemas.microsoft.com/office/drawing/2014/main" id="{0FF8082F-8108-B4DF-D2A5-464F4DF1D00D}"/>
+                <a16:creationId xmlns:a16="http://schemas.microsoft.com/office/drawing/2014/main" id="{52C9C819-4317-7431-F2E1-E0C379C62D25}"/>
               </a:ext>
             </a:extLst>
           </p:cNvPr>
@@ -33381,9 +36653,39 @@
           </a:stretch>
         </p:blipFill>
         <p:spPr>
+          <a:xfrm rot="10800000">
+            <a:off x="6896299" y="2927206"/>
+            <a:ext cx="5149290" cy="3861967"/>
+          </a:xfrm>
+          <a:prstGeom prst="rect">
+            <a:avLst/>
+          </a:prstGeom>
+        </p:spPr>
+      </p:pic>
+      <p:pic>
+        <p:nvPicPr>
+          <p:cNvPr id="5" name="Picture 4" descr="A white dog standing on a deck&#10;&#10;Description automatically generated">
+            <a:extLst>
+              <a:ext uri="{FF2B5EF4-FFF2-40B4-BE49-F238E27FC236}">
+                <a16:creationId xmlns:a16="http://schemas.microsoft.com/office/drawing/2014/main" id="{3DF2B721-A15B-9530-72ED-B0A1282A0B04}"/>
+              </a:ext>
+            </a:extLst>
+          </p:cNvPr>
+          <p:cNvPicPr>
+            <a:picLocks noChangeAspect="1"/>
+          </p:cNvPicPr>
+          <p:nvPr/>
+        </p:nvPicPr>
+        <p:blipFill>
+          <a:blip r:embed="rId5"/>
+          <a:stretch>
+            <a:fillRect/>
+          </a:stretch>
+        </p:blipFill>
+        <p:spPr>
           <a:xfrm>
-            <a:off x="533399" y="2949719"/>
-            <a:ext cx="4902200" cy="3676650"/>
+            <a:off x="8406098" y="56036"/>
+            <a:ext cx="3639491" cy="2729618"/>
           </a:xfrm>
           <a:prstGeom prst="rect">
             <a:avLst/>
@@ -33393,7 +36695,7 @@
     </p:spTree>
     <p:extLst>
       <p:ext uri="{BB962C8B-B14F-4D97-AF65-F5344CB8AC3E}">
-        <p14:creationId xmlns:p14="http://schemas.microsoft.com/office/powerpoint/2010/main" val="2150062478"/>
+        <p14:creationId xmlns:p14="http://schemas.microsoft.com/office/powerpoint/2010/main" val="712862985"/>
       </p:ext>
     </p:extLst>
   </p:cSld>
@@ -33412,6 +36714,195 @@
       </p:transition>
     </mc:Fallback>
   </mc:AlternateContent>
+  <p:timing>
+    <p:tnLst>
+      <p:par>
+        <p:cTn id="1" dur="indefinite" restart="never" nodeType="tmRoot">
+          <p:childTnLst>
+            <p:seq concurrent="1" nextAc="seek">
+              <p:cTn id="2" dur="indefinite" nodeType="mainSeq">
+                <p:childTnLst>
+                  <p:par>
+                    <p:cTn id="3" fill="hold">
+                      <p:stCondLst>
+                        <p:cond delay="indefinite"/>
+                      </p:stCondLst>
+                      <p:childTnLst>
+                        <p:par>
+                          <p:cTn id="4" fill="hold">
+                            <p:stCondLst>
+                              <p:cond delay="0"/>
+                            </p:stCondLst>
+                            <p:childTnLst>
+                              <p:par>
+                                <p:cTn id="5" presetID="10" presetClass="entr" presetSubtype="0" fill="hold" nodeType="clickEffect">
+                                  <p:stCondLst>
+                                    <p:cond delay="0"/>
+                                  </p:stCondLst>
+                                  <p:childTnLst>
+                                    <p:set>
+                                      <p:cBhvr>
+                                        <p:cTn id="6" dur="1" fill="hold">
+                                          <p:stCondLst>
+                                            <p:cond delay="0"/>
+                                          </p:stCondLst>
+                                        </p:cTn>
+                                        <p:tgtEl>
+                                          <p:spTgt spid="3"/>
+                                        </p:tgtEl>
+                                        <p:attrNameLst>
+                                          <p:attrName>style.visibility</p:attrName>
+                                        </p:attrNameLst>
+                                      </p:cBhvr>
+                                      <p:to>
+                                        <p:strVal val="visible"/>
+                                      </p:to>
+                                    </p:set>
+                                    <p:animEffect transition="in" filter="fade">
+                                      <p:cBhvr>
+                                        <p:cTn id="7" dur="500"/>
+                                        <p:tgtEl>
+                                          <p:spTgt spid="3"/>
+                                        </p:tgtEl>
+                                      </p:cBhvr>
+                                    </p:animEffect>
+                                  </p:childTnLst>
+                                </p:cTn>
+                              </p:par>
+                            </p:childTnLst>
+                          </p:cTn>
+                        </p:par>
+                      </p:childTnLst>
+                    </p:cTn>
+                  </p:par>
+                  <p:par>
+                    <p:cTn id="8" fill="hold">
+                      <p:stCondLst>
+                        <p:cond delay="indefinite"/>
+                      </p:stCondLst>
+                      <p:childTnLst>
+                        <p:par>
+                          <p:cTn id="9" fill="hold">
+                            <p:stCondLst>
+                              <p:cond delay="0"/>
+                            </p:stCondLst>
+                            <p:childTnLst>
+                              <p:par>
+                                <p:cTn id="10" presetID="10" presetClass="entr" presetSubtype="0" fill="hold" nodeType="clickEffect">
+                                  <p:stCondLst>
+                                    <p:cond delay="0"/>
+                                  </p:stCondLst>
+                                  <p:childTnLst>
+                                    <p:set>
+                                      <p:cBhvr>
+                                        <p:cTn id="11" dur="1" fill="hold">
+                                          <p:stCondLst>
+                                            <p:cond delay="0"/>
+                                          </p:stCondLst>
+                                        </p:cTn>
+                                        <p:tgtEl>
+                                          <p:spTgt spid="5"/>
+                                        </p:tgtEl>
+                                        <p:attrNameLst>
+                                          <p:attrName>style.visibility</p:attrName>
+                                        </p:attrNameLst>
+                                      </p:cBhvr>
+                                      <p:to>
+                                        <p:strVal val="visible"/>
+                                      </p:to>
+                                    </p:set>
+                                    <p:animEffect transition="in" filter="fade">
+                                      <p:cBhvr>
+                                        <p:cTn id="12" dur="500"/>
+                                        <p:tgtEl>
+                                          <p:spTgt spid="5"/>
+                                        </p:tgtEl>
+                                      </p:cBhvr>
+                                    </p:animEffect>
+                                  </p:childTnLst>
+                                </p:cTn>
+                              </p:par>
+                            </p:childTnLst>
+                          </p:cTn>
+                        </p:par>
+                      </p:childTnLst>
+                    </p:cTn>
+                  </p:par>
+                  <p:par>
+                    <p:cTn id="13" fill="hold">
+                      <p:stCondLst>
+                        <p:cond delay="indefinite"/>
+                      </p:stCondLst>
+                      <p:childTnLst>
+                        <p:par>
+                          <p:cTn id="14" fill="hold">
+                            <p:stCondLst>
+                              <p:cond delay="0"/>
+                            </p:stCondLst>
+                            <p:childTnLst>
+                              <p:par>
+                                <p:cTn id="15" presetID="10" presetClass="entr" presetSubtype="0" fill="hold" nodeType="clickEffect">
+                                  <p:stCondLst>
+                                    <p:cond delay="0"/>
+                                  </p:stCondLst>
+                                  <p:childTnLst>
+                                    <p:set>
+                                      <p:cBhvr>
+                                        <p:cTn id="16" dur="1" fill="hold">
+                                          <p:stCondLst>
+                                            <p:cond delay="0"/>
+                                          </p:stCondLst>
+                                        </p:cTn>
+                                        <p:tgtEl>
+                                          <p:spTgt spid="4"/>
+                                        </p:tgtEl>
+                                        <p:attrNameLst>
+                                          <p:attrName>style.visibility</p:attrName>
+                                        </p:attrNameLst>
+                                      </p:cBhvr>
+                                      <p:to>
+                                        <p:strVal val="visible"/>
+                                      </p:to>
+                                    </p:set>
+                                    <p:animEffect transition="in" filter="fade">
+                                      <p:cBhvr>
+                                        <p:cTn id="17" dur="500"/>
+                                        <p:tgtEl>
+                                          <p:spTgt spid="4"/>
+                                        </p:tgtEl>
+                                      </p:cBhvr>
+                                    </p:animEffect>
+                                  </p:childTnLst>
+                                </p:cTn>
+                              </p:par>
+                            </p:childTnLst>
+                          </p:cTn>
+                        </p:par>
+                      </p:childTnLst>
+                    </p:cTn>
+                  </p:par>
+                </p:childTnLst>
+              </p:cTn>
+              <p:prevCondLst>
+                <p:cond evt="onPrev" delay="0">
+                  <p:tgtEl>
+                    <p:sldTgt/>
+                  </p:tgtEl>
+                </p:cond>
+              </p:prevCondLst>
+              <p:nextCondLst>
+                <p:cond evt="onNext" delay="0">
+                  <p:tgtEl>
+                    <p:sldTgt/>
+                  </p:tgtEl>
+                </p:cond>
+              </p:nextCondLst>
+            </p:seq>
+          </p:childTnLst>
+        </p:cTn>
+      </p:par>
+    </p:tnLst>
+  </p:timing>
 </p:sld>
 </file>
 
@@ -34352,15 +37843,6 @@
 </file>
 
 <file path=customXml/item2.xml><?xml version="1.0" encoding="utf-8"?>
-<?mso-contentType ?>
-<FormTemplates xmlns="http://schemas.microsoft.com/sharepoint/v3/contenttype/forms">
-  <Display>DocumentLibraryForm</Display>
-  <Edit>DocumentLibraryForm</Edit>
-  <New>DocumentLibraryForm</New>
-</FormTemplates>
-</file>
-
-<file path=customXml/item3.xml><?xml version="1.0" encoding="utf-8"?>
 <ct:contentTypeSchema xmlns:ct="http://schemas.microsoft.com/office/2006/metadata/contentType" xmlns:ma="http://schemas.microsoft.com/office/2006/metadata/properties/metaAttributes" ct:_="" ma:_="" ma:contentTypeName="Document" ma:contentTypeID="0x01010079F111ED35F8CC479449609E8A0923A6" ma:contentTypeVersion="11" ma:contentTypeDescription="Create a new document." ma:contentTypeScope="" ma:versionID="96291512c1ee715ab617f4c07df79fc1">
   <xsd:schema xmlns:xsd="http://www.w3.org/2001/XMLSchema" xmlns:xs="http://www.w3.org/2001/XMLSchema" xmlns:p="http://schemas.microsoft.com/office/2006/metadata/properties" xmlns:ns2="71af3243-3dd4-4a8d-8c0d-dd76da1f02a5" xmlns:ns3="16c05727-aa75-4e4a-9b5f-8a80a1165891" targetNamespace="http://schemas.microsoft.com/office/2006/metadata/properties" ma:root="true" ma:fieldsID="8256c27c40ca5c40ce1cf6c44f0205df" ns2:_="" ns3:_="">
     <xsd:import namespace="71af3243-3dd4-4a8d-8c0d-dd76da1f02a5"/>
@@ -34571,6 +38053,15 @@
 </ct:contentTypeSchema>
 </file>
 
+<file path=customXml/item3.xml><?xml version="1.0" encoding="utf-8"?>
+<?mso-contentType ?>
+<FormTemplates xmlns="http://schemas.microsoft.com/sharepoint/v3/contenttype/forms">
+  <Display>DocumentLibraryForm</Display>
+  <Edit>DocumentLibraryForm</Edit>
+  <New>DocumentLibraryForm</New>
+</FormTemplates>
+</file>
+
 <file path=customXml/itemProps1.xml><?xml version="1.0" encoding="utf-8"?>
 <ds:datastoreItem xmlns:ds="http://schemas.openxmlformats.org/officeDocument/2006/customXml" ds:itemID="{F5757914-1161-4661-9696-421FD6935CDD}">
   <ds:schemaRefs>
@@ -34582,14 +38073,6 @@
 </file>
 
 <file path=customXml/itemProps2.xml><?xml version="1.0" encoding="utf-8"?>
-<ds:datastoreItem xmlns:ds="http://schemas.openxmlformats.org/officeDocument/2006/customXml" ds:itemID="{5B26E0C9-B2AA-42E6-97B6-E1B7D9EAF129}">
-  <ds:schemaRefs>
-    <ds:schemaRef ds:uri="http://schemas.microsoft.com/sharepoint/v3/contenttype/forms"/>
-  </ds:schemaRefs>
-</ds:datastoreItem>
-</file>
-
-<file path=customXml/itemProps3.xml><?xml version="1.0" encoding="utf-8"?>
 <ds:datastoreItem xmlns:ds="http://schemas.openxmlformats.org/officeDocument/2006/customXml" ds:itemID="{4C103400-4A22-4E35-B588-4C4D42638959}">
   <ds:schemaRefs>
     <ds:schemaRef ds:uri="http://schemas.microsoft.com/office/2006/metadata/contentType"/>
@@ -34606,4 +38089,12 @@
     <ds:schemaRef ds:uri="http://schemas.microsoft.com/internal/obd"/>
   </ds:schemaRefs>
 </ds:datastoreItem>
+</file>
+
+<file path=customXml/itemProps3.xml><?xml version="1.0" encoding="utf-8"?>
+<ds:datastoreItem xmlns:ds="http://schemas.openxmlformats.org/officeDocument/2006/customXml" ds:itemID="{5B26E0C9-B2AA-42E6-97B6-E1B7D9EAF129}">
+  <ds:schemaRefs>
+    <ds:schemaRef ds:uri="http://schemas.microsoft.com/sharepoint/v3/contenttype/forms"/>
+  </ds:schemaRefs>
+</ds:datastoreItem>
 </file>
--- a/src/tiPS Welcome.pptx
+++ b/src/tiPS Welcome.pptx
@@ -22,8 +22,8 @@
     <p:sldId id="296" r:id="rId13"/>
     <p:sldId id="298" r:id="rId14"/>
     <p:sldId id="301" r:id="rId15"/>
-    <p:sldId id="302" r:id="rId16"/>
-    <p:sldId id="303" r:id="rId17"/>
+    <p:sldId id="303" r:id="rId16"/>
+    <p:sldId id="302" r:id="rId17"/>
     <p:sldId id="290" r:id="rId18"/>
     <p:sldId id="299" r:id="rId19"/>
     <p:sldId id="293" r:id="rId20"/>
@@ -1655,6 +1655,29 @@
           <a:bodyPr/>
           <a:lstStyle/>
           <a:p>
+            <a:pPr marL="171450" marR="0" lvl="0" indent="-171450" algn="l" defTabSz="914400" rtl="0" eaLnBrk="1" fontAlgn="auto" latinLnBrk="0" hangingPunct="1">
+              <a:lnSpc>
+                <a:spcPct val="100000"/>
+              </a:lnSpc>
+              <a:spcBef>
+                <a:spcPts val="0"/>
+              </a:spcBef>
+              <a:spcAft>
+                <a:spcPts val="0"/>
+              </a:spcAft>
+              <a:buClrTx/>
+              <a:buSzTx/>
+              <a:buFontTx/>
+              <a:buChar char="-"/>
+              <a:tabLst/>
+              <a:defRPr/>
+            </a:pPr>
+            <a:r>
+              <a:rPr lang="en-US" dirty="0"/>
+              <a:t>Wear PowerShell Podcast t-shirt</a:t>
+            </a:r>
+          </a:p>
+          <a:p>
             <a:pPr marL="171450" indent="-171450">
               <a:buFontTx/>
               <a:buChar char="-"/>
@@ -1705,7 +1728,7 @@
             </a:pPr>
             <a:r>
               <a:rPr lang="en-US" dirty="0"/>
-              <a:t>Wear PowerShell Podcast t-shirt</a:t>
+              <a:t>Start recording</a:t>
             </a:r>
           </a:p>
         </p:txBody>
@@ -1970,7 +1993,7 @@
             </a:pPr>
             <a:r>
               <a:rPr lang="en-US" dirty="0"/>
-              <a:t>Caught a Windows PowerShell issue when installing the module with an emoji in the module manifest description</a:t>
+              <a:t>AutomaticModuleUpdateFunctions.Tests.ps1</a:t>
             </a:r>
           </a:p>
           <a:p>
@@ -1980,15 +2003,51 @@
             </a:pPr>
             <a:r>
               <a:rPr lang="en-US" dirty="0"/>
-              <a:t>Caught a cross-platform bug when saving the module settings to the local user’s directory (I think I was using $</a:t>
+              <a:t>Use $</a:t>
             </a:r>
             <a:r>
               <a:rPr lang="en-US" dirty="0" err="1"/>
-              <a:t>Env:AppData</a:t>
+              <a:t>TestDrive</a:t>
             </a:r>
             <a:r>
               <a:rPr lang="en-US" dirty="0"/>
-              <a:t>)</a:t>
+              <a:t> instead of </a:t>
+            </a:r>
+            <a:r>
+              <a:rPr lang="en-US" dirty="0" err="1"/>
+              <a:t>TestDrive</a:t>
+            </a:r>
+            <a:r>
+              <a:rPr lang="en-US" dirty="0"/>
+              <a:t>: so .NET methods can resolve the path</a:t>
+            </a:r>
+          </a:p>
+          <a:p>
+            <a:pPr marL="171450" indent="-171450">
+              <a:buFontTx/>
+              <a:buChar char="-"/>
+            </a:pPr>
+            <a:r>
+              <a:rPr lang="en-US" dirty="0"/>
+              <a:t>We use .NET methods for performance reasons</a:t>
+            </a:r>
+          </a:p>
+          <a:p>
+            <a:pPr marL="171450" indent="-171450">
+              <a:buFontTx/>
+              <a:buChar char="-"/>
+            </a:pPr>
+            <a:r>
+              <a:rPr lang="en-US" dirty="0"/>
+              <a:t>Use </a:t>
+            </a:r>
+            <a:r>
+              <a:rPr lang="en-US" dirty="0" err="1"/>
+              <a:t>InModuleScope</a:t>
+            </a:r>
+            <a:r>
+              <a:rPr lang="en-US" dirty="0"/>
+              <a:t> to be able to access private module functions</a:t>
             </a:r>
           </a:p>
         </p:txBody>
@@ -2011,6 +2070,115 @@
             <a:fld id="{1734D747-9380-41EE-9946-EC9EC0CA5D1E}" type="slidenum">
               <a:rPr lang="en-US" noProof="0" smtClean="0"/>
               <a:t>12</a:t>
+            </a:fld>
+            <a:endParaRPr lang="en-US" noProof="0" dirty="0"/>
+          </a:p>
+        </p:txBody>
+      </p:sp>
+    </p:spTree>
+    <p:extLst>
+      <p:ext uri="{BB962C8B-B14F-4D97-AF65-F5344CB8AC3E}">
+        <p14:creationId xmlns:p14="http://schemas.microsoft.com/office/powerpoint/2010/main" val="3042024888"/>
+      </p:ext>
+    </p:extLst>
+  </p:cSld>
+  <p:clrMapOvr>
+    <a:masterClrMapping/>
+  </p:clrMapOvr>
+</p:notes>
+</file>
+
+<file path=ppt/notesSlides/notesSlide12.xml><?xml version="1.0" encoding="utf-8"?>
+<p:notes xmlns:a="http://schemas.openxmlformats.org/drawingml/2006/main" xmlns:r="http://schemas.openxmlformats.org/officeDocument/2006/relationships" xmlns:p="http://schemas.openxmlformats.org/presentationml/2006/main">
+  <p:cSld>
+    <p:spTree>
+      <p:nvGrpSpPr>
+        <p:cNvPr id="1" name=""/>
+        <p:cNvGrpSpPr/>
+        <p:nvPr/>
+      </p:nvGrpSpPr>
+      <p:grpSpPr>
+        <a:xfrm>
+          <a:off x="0" y="0"/>
+          <a:ext cx="0" cy="0"/>
+          <a:chOff x="0" y="0"/>
+          <a:chExt cx="0" cy="0"/>
+        </a:xfrm>
+      </p:grpSpPr>
+      <p:sp>
+        <p:nvSpPr>
+          <p:cNvPr id="2" name="Slide Image Placeholder 1"/>
+          <p:cNvSpPr>
+            <a:spLocks noGrp="1" noRot="1" noChangeAspect="1"/>
+          </p:cNvSpPr>
+          <p:nvPr>
+            <p:ph type="sldImg"/>
+          </p:nvPr>
+        </p:nvSpPr>
+        <p:spPr/>
+      </p:sp>
+      <p:sp>
+        <p:nvSpPr>
+          <p:cNvPr id="3" name="Notes Placeholder 2"/>
+          <p:cNvSpPr>
+            <a:spLocks noGrp="1"/>
+          </p:cNvSpPr>
+          <p:nvPr>
+            <p:ph type="body" idx="1"/>
+          </p:nvPr>
+        </p:nvSpPr>
+        <p:spPr/>
+        <p:txBody>
+          <a:bodyPr/>
+          <a:lstStyle/>
+          <a:p>
+            <a:pPr marL="171450" indent="-171450">
+              <a:buFontTx/>
+              <a:buChar char="-"/>
+            </a:pPr>
+            <a:r>
+              <a:rPr lang="en-US" dirty="0"/>
+              <a:t>Caught a Windows PowerShell issue when installing the module with an emoji in the module manifest description</a:t>
+            </a:r>
+          </a:p>
+          <a:p>
+            <a:pPr marL="171450" indent="-171450">
+              <a:buFontTx/>
+              <a:buChar char="-"/>
+            </a:pPr>
+            <a:r>
+              <a:rPr lang="en-US" dirty="0"/>
+              <a:t>Caught a cross-platform bug when saving the module settings to the local user’s directory (I think I was using $</a:t>
+            </a:r>
+            <a:r>
+              <a:rPr lang="en-US" dirty="0" err="1"/>
+              <a:t>Env:AppData</a:t>
+            </a:r>
+            <a:r>
+              <a:rPr lang="en-US" dirty="0"/>
+              <a:t>)</a:t>
+            </a:r>
+          </a:p>
+        </p:txBody>
+      </p:sp>
+      <p:sp>
+        <p:nvSpPr>
+          <p:cNvPr id="4" name="Slide Number Placeholder 3"/>
+          <p:cNvSpPr>
+            <a:spLocks noGrp="1"/>
+          </p:cNvSpPr>
+          <p:nvPr>
+            <p:ph type="sldNum" sz="quarter" idx="5"/>
+          </p:nvPr>
+        </p:nvSpPr>
+        <p:spPr/>
+        <p:txBody>
+          <a:bodyPr/>
+          <a:lstStyle/>
+          <a:p>
+            <a:fld id="{1734D747-9380-41EE-9946-EC9EC0CA5D1E}" type="slidenum">
+              <a:rPr lang="en-US" noProof="0" smtClean="0"/>
+              <a:t>13</a:t>
             </a:fld>
             <a:endParaRPr lang="en-US" noProof="0" dirty="0"/>
           </a:p>
@@ -3543,6 +3711,44 @@
               <a:t>Jordan Hammond and Andrew Pla were always talking about the community and giving back, and I was looking for a side project</a:t>
             </a:r>
           </a:p>
+          <a:p>
+            <a:pPr marL="171450" indent="-171450">
+              <a:buFontTx/>
+              <a:buChar char="-"/>
+            </a:pPr>
+            <a:r>
+              <a:rPr lang="en-US" dirty="0"/>
+              <a:t>They also called out people to submit talks for PowerShell Summit</a:t>
+            </a:r>
+          </a:p>
+          <a:p>
+            <a:pPr marL="171450" indent="-171450">
+              <a:buFontTx/>
+              <a:buChar char="-"/>
+            </a:pPr>
+            <a:r>
+              <a:rPr lang="en-US" dirty="0"/>
+              <a:t>Andrew wore the </a:t>
+            </a:r>
+            <a:r>
+              <a:rPr lang="en-US" dirty="0" err="1"/>
+              <a:t>tiPS</a:t>
+            </a:r>
+            <a:r>
+              <a:rPr lang="en-US" dirty="0"/>
+              <a:t> t-shirt on his talk with Justin Grote a couple weeks back</a:t>
+            </a:r>
+          </a:p>
+          <a:p>
+            <a:pPr marL="171450" indent="-171450">
+              <a:buFontTx/>
+              <a:buChar char="-"/>
+            </a:pPr>
+            <a:r>
+              <a:rPr lang="en-US" dirty="0"/>
+              <a:t>James Brundage was just on the PowerShell Podcast as well</a:t>
+            </a:r>
+          </a:p>
         </p:txBody>
       </p:sp>
       <p:sp>
@@ -3928,15 +4134,7 @@
             </a:r>
             <a:r>
               <a:rPr lang="en-US" dirty="0"/>
-              <a:t> Daily -</a:t>
-            </a:r>
-            <a:r>
-              <a:rPr lang="en-US" dirty="0" err="1"/>
-              <a:t>AutomaticallyUpdateModule</a:t>
-            </a:r>
-            <a:r>
-              <a:rPr lang="en-US" dirty="0"/>
-              <a:t> Weekly (show enum autocomplete for free; no </a:t>
+              <a:t> Daily (show enum autocomplete for free; no </a:t>
             </a:r>
             <a:r>
               <a:rPr lang="en-US" dirty="0" err="1"/>
@@ -28817,7 +29015,7 @@
         <p:spPr>
           <a:xfrm>
             <a:off x="2761488" y="3721608"/>
-            <a:ext cx="7941148" cy="868680"/>
+            <a:ext cx="8668512" cy="868680"/>
           </a:xfrm>
         </p:spPr>
         <p:txBody>
@@ -28839,7 +29037,7 @@
             </a:r>
             <a:r>
               <a:rPr lang="en-US" sz="2800" dirty="0"/>
-              <a:t> PowerShell module and lessons learned while developing it</a:t>
+              <a:t> PowerShell module and some lessons learned while developing it</a:t>
             </a:r>
           </a:p>
         </p:txBody>
@@ -29193,6 +29391,12 @@
             <a:endParaRPr lang="en-US" sz="2800" dirty="0"/>
           </a:p>
           <a:p>
+            <a:pPr marL="457200" lvl="1" indent="0">
+              <a:buNone/>
+            </a:pPr>
+            <a:endParaRPr lang="en-US" sz="2800" dirty="0"/>
+          </a:p>
+          <a:p>
             <a:r>
               <a:rPr lang="en-US" sz="2800" dirty="0">
                 <a:solidFill>
@@ -29202,37 +29406,6 @@
                   </a:schemeClr>
                 </a:solidFill>
                 <a:hlinkClick r:id="rId3">
-                  <a:extLst>
-                    <a:ext uri="{A12FA001-AC4F-418D-AE19-62706E023703}">
-                      <ahyp:hlinkClr xmlns:ahyp="http://schemas.microsoft.com/office/drawing/2018/hyperlinkcolor" val="tx"/>
-                    </a:ext>
-                  </a:extLst>
-                </a:hlinkClick>
-              </a:rPr>
-              <a:t>https://github.com/deadlydog/PowerShell.Experiment.ClassPerformanceComparison</a:t>
-            </a:r>
-            <a:r>
-              <a:rPr lang="en-US" sz="2800" dirty="0">
-                <a:solidFill>
-                  <a:schemeClr val="accent1">
-                    <a:lumMod val="60000"/>
-                    <a:lumOff val="40000"/>
-                  </a:schemeClr>
-                </a:solidFill>
-              </a:rPr>
-              <a:t> </a:t>
-            </a:r>
-          </a:p>
-          <a:p>
-            <a:r>
-              <a:rPr lang="en-US" sz="2800" dirty="0">
-                <a:solidFill>
-                  <a:schemeClr val="accent1">
-                    <a:lumMod val="60000"/>
-                    <a:lumOff val="40000"/>
-                  </a:schemeClr>
-                </a:solidFill>
-                <a:hlinkClick r:id="rId4">
                   <a:extLst>
                     <a:ext uri="{A12FA001-AC4F-418D-AE19-62706E023703}">
                       <ahyp:hlinkClr xmlns:ahyp="http://schemas.microsoft.com/office/drawing/2018/hyperlinkcolor" val="tx"/>
@@ -29379,8 +29552,8 @@
         </p:nvSpPr>
         <p:spPr>
           <a:xfrm>
-            <a:off x="444499" y="1625385"/>
-            <a:ext cx="11467867" cy="4689690"/>
+            <a:off x="444499" y="1625384"/>
+            <a:ext cx="11467867" cy="5054815"/>
           </a:xfrm>
         </p:spPr>
         <p:txBody>
@@ -29403,8 +29576,13 @@
             <a:pPr lvl="1"/>
             <a:r>
               <a:rPr lang="en-US" sz="2600" dirty="0"/>
-              <a:t>Avoid reloading VS Code when using Add-Type to import assemblies</a:t>
-            </a:r>
+              <a:t>Avoid reloading VS Code when using Add-Type to import assemblies and working with classes / </a:t>
+            </a:r>
+            <a:r>
+              <a:rPr lang="en-US" sz="2600" dirty="0" err="1"/>
+              <a:t>enums</a:t>
+            </a:r>
+            <a:endParaRPr lang="en-US" sz="2600" dirty="0"/>
           </a:p>
           <a:p>
             <a:endParaRPr lang="en-US" sz="2800" dirty="0"/>
@@ -29534,7 +29712,7 @@
           <a:p>
             <a:r>
               <a:rPr lang="en-US" dirty="0"/>
-              <a:t>Smoke Tests</a:t>
+              <a:t>Pester Tests</a:t>
             </a:r>
           </a:p>
         </p:txBody>
@@ -29567,19 +29745,88 @@
           <a:p>
             <a:r>
               <a:rPr lang="en-US" sz="2800" dirty="0"/>
-              <a:t>Test the real end-user experience</a:t>
-            </a:r>
-          </a:p>
-          <a:p>
+              <a:t>Use $</a:t>
+            </a:r>
+            <a:r>
+              <a:rPr lang="en-US" sz="2800" dirty="0" err="1"/>
+              <a:t>TestDrive</a:t>
+            </a:r>
             <a:r>
               <a:rPr lang="en-US" sz="2800" dirty="0"/>
-              <a:t>Test backward compatibility</a:t>
+              <a:t> to write files to a temp directory</a:t>
+            </a:r>
+          </a:p>
+          <a:p>
+            <a:pPr lvl="1"/>
+            <a:r>
+              <a:rPr lang="en-US" sz="2600" dirty="0" err="1"/>
+              <a:t>TestDrive</a:t>
+            </a:r>
+            <a:r>
+              <a:rPr lang="en-US" sz="2600" dirty="0"/>
+              <a:t>: cannot be resolved in .NET methods</a:t>
+            </a:r>
+          </a:p>
+          <a:p>
+            <a:pPr lvl="1"/>
+            <a:r>
+              <a:rPr lang="en-US" sz="2600" dirty="0"/>
+              <a:t>E.g. use “$</a:t>
+            </a:r>
+            <a:r>
+              <a:rPr lang="en-US" sz="2600" dirty="0" err="1"/>
+              <a:t>TestDrive</a:t>
+            </a:r>
+            <a:r>
+              <a:rPr lang="en-US" sz="2600" dirty="0"/>
+              <a:t>\test.txt” instead of “</a:t>
+            </a:r>
+            <a:r>
+              <a:rPr lang="en-US" sz="2600" dirty="0" err="1"/>
+              <a:t>TestDrive</a:t>
+            </a:r>
+            <a:r>
+              <a:rPr lang="en-US" sz="2600" dirty="0"/>
+              <a:t>:\test.txt”</a:t>
+            </a:r>
+          </a:p>
+          <a:p>
+            <a:pPr lvl="1"/>
+            <a:r>
+              <a:rPr lang="en-US" sz="2600" dirty="0">
+                <a:solidFill>
+                  <a:schemeClr val="accent1">
+                    <a:lumMod val="60000"/>
+                    <a:lumOff val="40000"/>
+                  </a:schemeClr>
+                </a:solidFill>
+                <a:hlinkClick r:id="rId3">
+                  <a:extLst>
+                    <a:ext uri="{A12FA001-AC4F-418D-AE19-62706E023703}">
+                      <ahyp:hlinkClr xmlns:ahyp="http://schemas.microsoft.com/office/drawing/2018/hyperlinkcolor" val="tx"/>
+                    </a:ext>
+                  </a:extLst>
+                </a:hlinkClick>
+              </a:rPr>
+              <a:t>https://pester.dev/docs/usage/testdrive</a:t>
+            </a:r>
+            <a:r>
+              <a:rPr lang="en-US" sz="2600" dirty="0"/>
+              <a:t> </a:t>
             </a:r>
           </a:p>
           <a:p>
             <a:r>
               <a:rPr lang="en-US" sz="2800" dirty="0"/>
-              <a:t>Test cross-platform compatibility</a:t>
+              <a:t>Use </a:t>
+            </a:r>
+            <a:r>
+              <a:rPr lang="en-US" sz="2800" dirty="0" err="1"/>
+              <a:t>InModuleScope</a:t>
+            </a:r>
+            <a:r>
+              <a:rPr lang="en-US" sz="2800" dirty="0"/>
+              <a:t> to access private module functions</a:t>
             </a:r>
           </a:p>
         </p:txBody>
@@ -29617,7 +29864,7 @@
     </p:spTree>
     <p:extLst>
       <p:ext uri="{BB962C8B-B14F-4D97-AF65-F5344CB8AC3E}">
-        <p14:creationId xmlns:p14="http://schemas.microsoft.com/office/powerpoint/2010/main" val="3371413876"/>
+        <p14:creationId xmlns:p14="http://schemas.microsoft.com/office/powerpoint/2010/main" val="289517584"/>
       </p:ext>
     </p:extLst>
   </p:cSld>
@@ -29636,6 +29883,290 @@
       </p:transition>
     </mc:Fallback>
   </mc:AlternateContent>
+  <p:timing>
+    <p:tnLst>
+      <p:par>
+        <p:cTn id="1" dur="indefinite" restart="never" nodeType="tmRoot">
+          <p:childTnLst>
+            <p:seq concurrent="1" nextAc="seek">
+              <p:cTn id="2" dur="indefinite" nodeType="mainSeq">
+                <p:childTnLst>
+                  <p:par>
+                    <p:cTn id="3" fill="hold">
+                      <p:stCondLst>
+                        <p:cond delay="indefinite"/>
+                      </p:stCondLst>
+                      <p:childTnLst>
+                        <p:par>
+                          <p:cTn id="4" fill="hold">
+                            <p:stCondLst>
+                              <p:cond delay="0"/>
+                            </p:stCondLst>
+                            <p:childTnLst>
+                              <p:par>
+                                <p:cTn id="5" presetID="10" presetClass="entr" presetSubtype="0" fill="hold" grpId="0" nodeType="clickEffect">
+                                  <p:stCondLst>
+                                    <p:cond delay="0"/>
+                                  </p:stCondLst>
+                                  <p:childTnLst>
+                                    <p:set>
+                                      <p:cBhvr>
+                                        <p:cTn id="6" dur="1" fill="hold">
+                                          <p:stCondLst>
+                                            <p:cond delay="0"/>
+                                          </p:stCondLst>
+                                        </p:cTn>
+                                        <p:tgtEl>
+                                          <p:spTgt spid="10">
+                                            <p:txEl>
+                                              <p:pRg st="0" end="0"/>
+                                            </p:txEl>
+                                          </p:spTgt>
+                                        </p:tgtEl>
+                                        <p:attrNameLst>
+                                          <p:attrName>style.visibility</p:attrName>
+                                        </p:attrNameLst>
+                                      </p:cBhvr>
+                                      <p:to>
+                                        <p:strVal val="visible"/>
+                                      </p:to>
+                                    </p:set>
+                                    <p:animEffect transition="in" filter="fade">
+                                      <p:cBhvr>
+                                        <p:cTn id="7" dur="500"/>
+                                        <p:tgtEl>
+                                          <p:spTgt spid="10">
+                                            <p:txEl>
+                                              <p:pRg st="0" end="0"/>
+                                            </p:txEl>
+                                          </p:spTgt>
+                                        </p:tgtEl>
+                                      </p:cBhvr>
+                                    </p:animEffect>
+                                  </p:childTnLst>
+                                </p:cTn>
+                              </p:par>
+                              <p:par>
+                                <p:cTn id="8" presetID="10" presetClass="entr" presetSubtype="0" fill="hold" grpId="0" nodeType="withEffect">
+                                  <p:stCondLst>
+                                    <p:cond delay="0"/>
+                                  </p:stCondLst>
+                                  <p:childTnLst>
+                                    <p:set>
+                                      <p:cBhvr>
+                                        <p:cTn id="9" dur="1" fill="hold">
+                                          <p:stCondLst>
+                                            <p:cond delay="0"/>
+                                          </p:stCondLst>
+                                        </p:cTn>
+                                        <p:tgtEl>
+                                          <p:spTgt spid="10">
+                                            <p:txEl>
+                                              <p:pRg st="1" end="1"/>
+                                            </p:txEl>
+                                          </p:spTgt>
+                                        </p:tgtEl>
+                                        <p:attrNameLst>
+                                          <p:attrName>style.visibility</p:attrName>
+                                        </p:attrNameLst>
+                                      </p:cBhvr>
+                                      <p:to>
+                                        <p:strVal val="visible"/>
+                                      </p:to>
+                                    </p:set>
+                                    <p:animEffect transition="in" filter="fade">
+                                      <p:cBhvr>
+                                        <p:cTn id="10" dur="500"/>
+                                        <p:tgtEl>
+                                          <p:spTgt spid="10">
+                                            <p:txEl>
+                                              <p:pRg st="1" end="1"/>
+                                            </p:txEl>
+                                          </p:spTgt>
+                                        </p:tgtEl>
+                                      </p:cBhvr>
+                                    </p:animEffect>
+                                  </p:childTnLst>
+                                </p:cTn>
+                              </p:par>
+                              <p:par>
+                                <p:cTn id="11" presetID="10" presetClass="entr" presetSubtype="0" fill="hold" grpId="0" nodeType="withEffect">
+                                  <p:stCondLst>
+                                    <p:cond delay="0"/>
+                                  </p:stCondLst>
+                                  <p:childTnLst>
+                                    <p:set>
+                                      <p:cBhvr>
+                                        <p:cTn id="12" dur="1" fill="hold">
+                                          <p:stCondLst>
+                                            <p:cond delay="0"/>
+                                          </p:stCondLst>
+                                        </p:cTn>
+                                        <p:tgtEl>
+                                          <p:spTgt spid="10">
+                                            <p:txEl>
+                                              <p:pRg st="2" end="2"/>
+                                            </p:txEl>
+                                          </p:spTgt>
+                                        </p:tgtEl>
+                                        <p:attrNameLst>
+                                          <p:attrName>style.visibility</p:attrName>
+                                        </p:attrNameLst>
+                                      </p:cBhvr>
+                                      <p:to>
+                                        <p:strVal val="visible"/>
+                                      </p:to>
+                                    </p:set>
+                                    <p:animEffect transition="in" filter="fade">
+                                      <p:cBhvr>
+                                        <p:cTn id="13" dur="500"/>
+                                        <p:tgtEl>
+                                          <p:spTgt spid="10">
+                                            <p:txEl>
+                                              <p:pRg st="2" end="2"/>
+                                            </p:txEl>
+                                          </p:spTgt>
+                                        </p:tgtEl>
+                                      </p:cBhvr>
+                                    </p:animEffect>
+                                  </p:childTnLst>
+                                </p:cTn>
+                              </p:par>
+                              <p:par>
+                                <p:cTn id="14" presetID="10" presetClass="entr" presetSubtype="0" fill="hold" grpId="0" nodeType="withEffect">
+                                  <p:stCondLst>
+                                    <p:cond delay="0"/>
+                                  </p:stCondLst>
+                                  <p:childTnLst>
+                                    <p:set>
+                                      <p:cBhvr>
+                                        <p:cTn id="15" dur="1" fill="hold">
+                                          <p:stCondLst>
+                                            <p:cond delay="0"/>
+                                          </p:stCondLst>
+                                        </p:cTn>
+                                        <p:tgtEl>
+                                          <p:spTgt spid="10">
+                                            <p:txEl>
+                                              <p:pRg st="3" end="3"/>
+                                            </p:txEl>
+                                          </p:spTgt>
+                                        </p:tgtEl>
+                                        <p:attrNameLst>
+                                          <p:attrName>style.visibility</p:attrName>
+                                        </p:attrNameLst>
+                                      </p:cBhvr>
+                                      <p:to>
+                                        <p:strVal val="visible"/>
+                                      </p:to>
+                                    </p:set>
+                                    <p:animEffect transition="in" filter="fade">
+                                      <p:cBhvr>
+                                        <p:cTn id="16" dur="500"/>
+                                        <p:tgtEl>
+                                          <p:spTgt spid="10">
+                                            <p:txEl>
+                                              <p:pRg st="3" end="3"/>
+                                            </p:txEl>
+                                          </p:spTgt>
+                                        </p:tgtEl>
+                                      </p:cBhvr>
+                                    </p:animEffect>
+                                  </p:childTnLst>
+                                </p:cTn>
+                              </p:par>
+                            </p:childTnLst>
+                          </p:cTn>
+                        </p:par>
+                      </p:childTnLst>
+                    </p:cTn>
+                  </p:par>
+                  <p:par>
+                    <p:cTn id="17" fill="hold">
+                      <p:stCondLst>
+                        <p:cond delay="indefinite"/>
+                      </p:stCondLst>
+                      <p:childTnLst>
+                        <p:par>
+                          <p:cTn id="18" fill="hold">
+                            <p:stCondLst>
+                              <p:cond delay="0"/>
+                            </p:stCondLst>
+                            <p:childTnLst>
+                              <p:par>
+                                <p:cTn id="19" presetID="10" presetClass="entr" presetSubtype="0" fill="hold" grpId="0" nodeType="clickEffect">
+                                  <p:stCondLst>
+                                    <p:cond delay="0"/>
+                                  </p:stCondLst>
+                                  <p:childTnLst>
+                                    <p:set>
+                                      <p:cBhvr>
+                                        <p:cTn id="20" dur="1" fill="hold">
+                                          <p:stCondLst>
+                                            <p:cond delay="0"/>
+                                          </p:stCondLst>
+                                        </p:cTn>
+                                        <p:tgtEl>
+                                          <p:spTgt spid="10">
+                                            <p:txEl>
+                                              <p:pRg st="4" end="4"/>
+                                            </p:txEl>
+                                          </p:spTgt>
+                                        </p:tgtEl>
+                                        <p:attrNameLst>
+                                          <p:attrName>style.visibility</p:attrName>
+                                        </p:attrNameLst>
+                                      </p:cBhvr>
+                                      <p:to>
+                                        <p:strVal val="visible"/>
+                                      </p:to>
+                                    </p:set>
+                                    <p:animEffect transition="in" filter="fade">
+                                      <p:cBhvr>
+                                        <p:cTn id="21" dur="500"/>
+                                        <p:tgtEl>
+                                          <p:spTgt spid="10">
+                                            <p:txEl>
+                                              <p:pRg st="4" end="4"/>
+                                            </p:txEl>
+                                          </p:spTgt>
+                                        </p:tgtEl>
+                                      </p:cBhvr>
+                                    </p:animEffect>
+                                  </p:childTnLst>
+                                </p:cTn>
+                              </p:par>
+                            </p:childTnLst>
+                          </p:cTn>
+                        </p:par>
+                      </p:childTnLst>
+                    </p:cTn>
+                  </p:par>
+                </p:childTnLst>
+              </p:cTn>
+              <p:prevCondLst>
+                <p:cond evt="onPrev" delay="0">
+                  <p:tgtEl>
+                    <p:sldTgt/>
+                  </p:tgtEl>
+                </p:cond>
+              </p:prevCondLst>
+              <p:nextCondLst>
+                <p:cond evt="onNext" delay="0">
+                  <p:tgtEl>
+                    <p:sldTgt/>
+                  </p:tgtEl>
+                </p:cond>
+              </p:nextCondLst>
+            </p:seq>
+          </p:childTnLst>
+        </p:cTn>
+      </p:par>
+    </p:tnLst>
+    <p:bldLst>
+      <p:bldP spid="10" grpId="0" build="p"/>
+    </p:bldLst>
+  </p:timing>
 </p:sld>
 </file>
 
@@ -29679,7 +30210,7 @@
           <a:p>
             <a:r>
               <a:rPr lang="en-US" dirty="0"/>
-              <a:t>Pester Tests</a:t>
+              <a:t>Smoke Tests</a:t>
             </a:r>
           </a:p>
         </p:txBody>
@@ -29712,15 +30243,28 @@
           <a:p>
             <a:r>
               <a:rPr lang="en-US" sz="2800" dirty="0"/>
-              <a:t>Use $</a:t>
-            </a:r>
-            <a:r>
-              <a:rPr lang="en-US" sz="2800" dirty="0" err="1"/>
-              <a:t>PSDrive</a:t>
-            </a:r>
+              <a:t>Tests the module/app after it has been deployed to ensure it works correctly</a:t>
+            </a:r>
+          </a:p>
+          <a:p>
+            <a:endParaRPr lang="en-US" sz="2800" dirty="0"/>
+          </a:p>
+          <a:p>
             <a:r>
               <a:rPr lang="en-US" sz="2800" dirty="0"/>
-              <a:t> to write files to a temp directory</a:t>
+              <a:t>Test the real end-user experience</a:t>
+            </a:r>
+          </a:p>
+          <a:p>
+            <a:r>
+              <a:rPr lang="en-US" sz="2800" dirty="0"/>
+              <a:t>Test backward compatibility</a:t>
+            </a:r>
+          </a:p>
+          <a:p>
+            <a:r>
+              <a:rPr lang="en-US" sz="2800" dirty="0"/>
+              <a:t>Test cross-platform compatibility</a:t>
             </a:r>
           </a:p>
         </p:txBody>
@@ -29758,7 +30302,7 @@
     </p:spTree>
     <p:extLst>
       <p:ext uri="{BB962C8B-B14F-4D97-AF65-F5344CB8AC3E}">
-        <p14:creationId xmlns:p14="http://schemas.microsoft.com/office/powerpoint/2010/main" val="289517584"/>
+        <p14:creationId xmlns:p14="http://schemas.microsoft.com/office/powerpoint/2010/main" val="3371413876"/>
       </p:ext>
     </p:extLst>
   </p:cSld>
@@ -36788,7 +37332,7 @@
                             </p:stCondLst>
                             <p:childTnLst>
                               <p:par>
-                                <p:cTn id="10" presetID="10" presetClass="entr" presetSubtype="0" fill="hold" nodeType="clickEffect">
+                                <p:cTn id="10" presetID="10" presetClass="entr" presetSubtype="0" fill="hold" grpId="0" nodeType="clickEffect">
                                   <p:stCondLst>
                                     <p:cond delay="0"/>
                                   </p:stCondLst>
@@ -36801,7 +37345,11 @@
                                           </p:stCondLst>
                                         </p:cTn>
                                         <p:tgtEl>
-                                          <p:spTgt spid="5"/>
+                                          <p:spTgt spid="10">
+                                            <p:txEl>
+                                              <p:pRg st="0" end="0"/>
+                                            </p:txEl>
+                                          </p:spTgt>
                                         </p:tgtEl>
                                         <p:attrNameLst>
                                           <p:attrName>style.visibility</p:attrName>
@@ -36815,7 +37363,11 @@
                                       <p:cBhvr>
                                         <p:cTn id="12" dur="500"/>
                                         <p:tgtEl>
-                                          <p:spTgt spid="5"/>
+                                          <p:spTgt spid="10">
+                                            <p:txEl>
+                                              <p:pRg st="0" end="0"/>
+                                            </p:txEl>
+                                          </p:spTgt>
                                         </p:tgtEl>
                                       </p:cBhvr>
                                     </p:animEffect>
@@ -36854,7 +37406,7 @@
                                           </p:stCondLst>
                                         </p:cTn>
                                         <p:tgtEl>
-                                          <p:spTgt spid="4"/>
+                                          <p:spTgt spid="5"/>
                                         </p:tgtEl>
                                         <p:attrNameLst>
                                           <p:attrName>style.visibility</p:attrName>
@@ -36868,7 +37420,121 @@
                                       <p:cBhvr>
                                         <p:cTn id="17" dur="500"/>
                                         <p:tgtEl>
+                                          <p:spTgt spid="5"/>
+                                        </p:tgtEl>
+                                      </p:cBhvr>
+                                    </p:animEffect>
+                                  </p:childTnLst>
+                                </p:cTn>
+                              </p:par>
+                            </p:childTnLst>
+                          </p:cTn>
+                        </p:par>
+                      </p:childTnLst>
+                    </p:cTn>
+                  </p:par>
+                  <p:par>
+                    <p:cTn id="18" fill="hold">
+                      <p:stCondLst>
+                        <p:cond delay="indefinite"/>
+                      </p:stCondLst>
+                      <p:childTnLst>
+                        <p:par>
+                          <p:cTn id="19" fill="hold">
+                            <p:stCondLst>
+                              <p:cond delay="0"/>
+                            </p:stCondLst>
+                            <p:childTnLst>
+                              <p:par>
+                                <p:cTn id="20" presetID="10" presetClass="entr" presetSubtype="0" fill="hold" nodeType="clickEffect">
+                                  <p:stCondLst>
+                                    <p:cond delay="0"/>
+                                  </p:stCondLst>
+                                  <p:childTnLst>
+                                    <p:set>
+                                      <p:cBhvr>
+                                        <p:cTn id="21" dur="1" fill="hold">
+                                          <p:stCondLst>
+                                            <p:cond delay="0"/>
+                                          </p:stCondLst>
+                                        </p:cTn>
+                                        <p:tgtEl>
                                           <p:spTgt spid="4"/>
+                                        </p:tgtEl>
+                                        <p:attrNameLst>
+                                          <p:attrName>style.visibility</p:attrName>
+                                        </p:attrNameLst>
+                                      </p:cBhvr>
+                                      <p:to>
+                                        <p:strVal val="visible"/>
+                                      </p:to>
+                                    </p:set>
+                                    <p:animEffect transition="in" filter="fade">
+                                      <p:cBhvr>
+                                        <p:cTn id="22" dur="500"/>
+                                        <p:tgtEl>
+                                          <p:spTgt spid="4"/>
+                                        </p:tgtEl>
+                                      </p:cBhvr>
+                                    </p:animEffect>
+                                  </p:childTnLst>
+                                </p:cTn>
+                              </p:par>
+                            </p:childTnLst>
+                          </p:cTn>
+                        </p:par>
+                      </p:childTnLst>
+                    </p:cTn>
+                  </p:par>
+                  <p:par>
+                    <p:cTn id="23" fill="hold">
+                      <p:stCondLst>
+                        <p:cond delay="indefinite"/>
+                      </p:stCondLst>
+                      <p:childTnLst>
+                        <p:par>
+                          <p:cTn id="24" fill="hold">
+                            <p:stCondLst>
+                              <p:cond delay="0"/>
+                            </p:stCondLst>
+                            <p:childTnLst>
+                              <p:par>
+                                <p:cTn id="25" presetID="10" presetClass="entr" presetSubtype="0" fill="hold" grpId="0" nodeType="clickEffect">
+                                  <p:stCondLst>
+                                    <p:cond delay="0"/>
+                                  </p:stCondLst>
+                                  <p:childTnLst>
+                                    <p:set>
+                                      <p:cBhvr>
+                                        <p:cTn id="26" dur="1" fill="hold">
+                                          <p:stCondLst>
+                                            <p:cond delay="0"/>
+                                          </p:stCondLst>
+                                        </p:cTn>
+                                        <p:tgtEl>
+                                          <p:spTgt spid="10">
+                                            <p:txEl>
+                                              <p:pRg st="1" end="1"/>
+                                            </p:txEl>
+                                          </p:spTgt>
+                                        </p:tgtEl>
+                                        <p:attrNameLst>
+                                          <p:attrName>style.visibility</p:attrName>
+                                        </p:attrNameLst>
+                                      </p:cBhvr>
+                                      <p:to>
+                                        <p:strVal val="visible"/>
+                                      </p:to>
+                                    </p:set>
+                                    <p:animEffect transition="in" filter="fade">
+                                      <p:cBhvr>
+                                        <p:cTn id="27" dur="500"/>
+                                        <p:tgtEl>
+                                          <p:spTgt spid="10">
+                                            <p:txEl>
+                                              <p:pRg st="1" end="1"/>
+                                            </p:txEl>
+                                          </p:spTgt>
                                         </p:tgtEl>
                                       </p:cBhvr>
                                     </p:animEffect>
@@ -36902,6 +37568,9 @@
         </p:cTn>
       </p:par>
     </p:tnLst>
+    <p:bldLst>
+      <p:bldP spid="10" grpId="0" uiExpand="1" build="p"/>
+    </p:bldLst>
   </p:timing>
 </p:sld>
 </file>
@@ -36986,6 +37655,61 @@
               <a:t>Architecture Decision Records (ADRs)</a:t>
             </a:r>
           </a:p>
+          <a:p>
+            <a:endParaRPr lang="en-US" sz="2800" dirty="0"/>
+          </a:p>
+          <a:p>
+            <a:r>
+              <a:rPr lang="en-US" sz="2800" dirty="0"/>
+              <a:t>Written in PowerShell instead of C# for community support</a:t>
+            </a:r>
+          </a:p>
+          <a:p>
+            <a:r>
+              <a:rPr lang="en-US" sz="2800" dirty="0"/>
+              <a:t>Combine files into a single .psm1 file during build for performance</a:t>
+            </a:r>
+          </a:p>
+          <a:p>
+            <a:r>
+              <a:rPr lang="en-US" sz="2800" dirty="0"/>
+              <a:t>Compile classes to C# assembly for performance</a:t>
+            </a:r>
+          </a:p>
+          <a:p>
+            <a:endParaRPr lang="en-US" sz="2800" dirty="0"/>
+          </a:p>
+          <a:p>
+            <a:r>
+              <a:rPr lang="en-US" sz="2800" dirty="0">
+                <a:solidFill>
+                  <a:schemeClr val="accent1">
+                    <a:lumMod val="60000"/>
+                    <a:lumOff val="40000"/>
+                  </a:schemeClr>
+                </a:solidFill>
+                <a:hlinkClick r:id="rId3">
+                  <a:extLst>
+                    <a:ext uri="{A12FA001-AC4F-418D-AE19-62706E023703}">
+                      <ahyp:hlinkClr xmlns:ahyp="http://schemas.microsoft.com/office/drawing/2018/hyperlinkcolor" val="tx"/>
+                    </a:ext>
+                  </a:extLst>
+                </a:hlinkClick>
+              </a:rPr>
+              <a:t>https://github.com/deadlydog/PowerShell.Experiment.ClassPerformanceComparison</a:t>
+            </a:r>
+            <a:r>
+              <a:rPr lang="en-US" sz="2800" dirty="0">
+                <a:solidFill>
+                  <a:schemeClr val="accent1">
+                    <a:lumMod val="60000"/>
+                    <a:lumOff val="40000"/>
+                  </a:schemeClr>
+                </a:solidFill>
+              </a:rPr>
+              <a:t> </a:t>
+            </a:r>
+          </a:p>
         </p:txBody>
       </p:sp>
       <p:sp>
@@ -37040,6 +37764,290 @@
       </p:transition>
     </mc:Fallback>
   </mc:AlternateContent>
+  <p:timing>
+    <p:tnLst>
+      <p:par>
+        <p:cTn id="1" dur="indefinite" restart="never" nodeType="tmRoot">
+          <p:childTnLst>
+            <p:seq concurrent="1" nextAc="seek">
+              <p:cTn id="2" dur="indefinite" nodeType="mainSeq">
+                <p:childTnLst>
+                  <p:par>
+                    <p:cTn id="3" fill="hold">
+                      <p:stCondLst>
+                        <p:cond delay="indefinite"/>
+                      </p:stCondLst>
+                      <p:childTnLst>
+                        <p:par>
+                          <p:cTn id="4" fill="hold">
+                            <p:stCondLst>
+                              <p:cond delay="0"/>
+                            </p:stCondLst>
+                            <p:childTnLst>
+                              <p:par>
+                                <p:cTn id="5" presetID="10" presetClass="entr" presetSubtype="0" fill="hold" grpId="0" nodeType="clickEffect">
+                                  <p:stCondLst>
+                                    <p:cond delay="0"/>
+                                  </p:stCondLst>
+                                  <p:childTnLst>
+                                    <p:set>
+                                      <p:cBhvr>
+                                        <p:cTn id="6" dur="1" fill="hold">
+                                          <p:stCondLst>
+                                            <p:cond delay="0"/>
+                                          </p:stCondLst>
+                                        </p:cTn>
+                                        <p:tgtEl>
+                                          <p:spTgt spid="10">
+                                            <p:txEl>
+                                              <p:pRg st="0" end="0"/>
+                                            </p:txEl>
+                                          </p:spTgt>
+                                        </p:tgtEl>
+                                        <p:attrNameLst>
+                                          <p:attrName>style.visibility</p:attrName>
+                                        </p:attrNameLst>
+                                      </p:cBhvr>
+                                      <p:to>
+                                        <p:strVal val="visible"/>
+                                      </p:to>
+                                    </p:set>
+                                    <p:animEffect transition="in" filter="fade">
+                                      <p:cBhvr>
+                                        <p:cTn id="7" dur="500"/>
+                                        <p:tgtEl>
+                                          <p:spTgt spid="10">
+                                            <p:txEl>
+                                              <p:pRg st="0" end="0"/>
+                                            </p:txEl>
+                                          </p:spTgt>
+                                        </p:tgtEl>
+                                      </p:cBhvr>
+                                    </p:animEffect>
+                                  </p:childTnLst>
+                                </p:cTn>
+                              </p:par>
+                            </p:childTnLst>
+                          </p:cTn>
+                        </p:par>
+                      </p:childTnLst>
+                    </p:cTn>
+                  </p:par>
+                  <p:par>
+                    <p:cTn id="8" fill="hold">
+                      <p:stCondLst>
+                        <p:cond delay="indefinite"/>
+                      </p:stCondLst>
+                      <p:childTnLst>
+                        <p:par>
+                          <p:cTn id="9" fill="hold">
+                            <p:stCondLst>
+                              <p:cond delay="0"/>
+                            </p:stCondLst>
+                            <p:childTnLst>
+                              <p:par>
+                                <p:cTn id="10" presetID="10" presetClass="entr" presetSubtype="0" fill="hold" grpId="0" nodeType="clickEffect">
+                                  <p:stCondLst>
+                                    <p:cond delay="0"/>
+                                  </p:stCondLst>
+                                  <p:childTnLst>
+                                    <p:set>
+                                      <p:cBhvr>
+                                        <p:cTn id="11" dur="1" fill="hold">
+                                          <p:stCondLst>
+                                            <p:cond delay="0"/>
+                                          </p:stCondLst>
+                                        </p:cTn>
+                                        <p:tgtEl>
+                                          <p:spTgt spid="10">
+                                            <p:txEl>
+                                              <p:pRg st="2" end="2"/>
+                                            </p:txEl>
+                                          </p:spTgt>
+                                        </p:tgtEl>
+                                        <p:attrNameLst>
+                                          <p:attrName>style.visibility</p:attrName>
+                                        </p:attrNameLst>
+                                      </p:cBhvr>
+                                      <p:to>
+                                        <p:strVal val="visible"/>
+                                      </p:to>
+                                    </p:set>
+                                    <p:animEffect transition="in" filter="fade">
+                                      <p:cBhvr>
+                                        <p:cTn id="12" dur="500"/>
+                                        <p:tgtEl>
+                                          <p:spTgt spid="10">
+                                            <p:txEl>
+                                              <p:pRg st="2" end="2"/>
+                                            </p:txEl>
+                                          </p:spTgt>
+                                        </p:tgtEl>
+                                      </p:cBhvr>
+                                    </p:animEffect>
+                                  </p:childTnLst>
+                                </p:cTn>
+                              </p:par>
+                              <p:par>
+                                <p:cTn id="13" presetID="10" presetClass="entr" presetSubtype="0" fill="hold" grpId="0" nodeType="withEffect">
+                                  <p:stCondLst>
+                                    <p:cond delay="0"/>
+                                  </p:stCondLst>
+                                  <p:childTnLst>
+                                    <p:set>
+                                      <p:cBhvr>
+                                        <p:cTn id="14" dur="1" fill="hold">
+                                          <p:stCondLst>
+                                            <p:cond delay="0"/>
+                                          </p:stCondLst>
+                                        </p:cTn>
+                                        <p:tgtEl>
+                                          <p:spTgt spid="10">
+                                            <p:txEl>
+                                              <p:pRg st="3" end="3"/>
+                                            </p:txEl>
+                                          </p:spTgt>
+                                        </p:tgtEl>
+                                        <p:attrNameLst>
+                                          <p:attrName>style.visibility</p:attrName>
+                                        </p:attrNameLst>
+                                      </p:cBhvr>
+                                      <p:to>
+                                        <p:strVal val="visible"/>
+                                      </p:to>
+                                    </p:set>
+                                    <p:animEffect transition="in" filter="fade">
+                                      <p:cBhvr>
+                                        <p:cTn id="15" dur="500"/>
+                                        <p:tgtEl>
+                                          <p:spTgt spid="10">
+                                            <p:txEl>
+                                              <p:pRg st="3" end="3"/>
+                                            </p:txEl>
+                                          </p:spTgt>
+                                        </p:tgtEl>
+                                      </p:cBhvr>
+                                    </p:animEffect>
+                                  </p:childTnLst>
+                                </p:cTn>
+                              </p:par>
+                              <p:par>
+                                <p:cTn id="16" presetID="10" presetClass="entr" presetSubtype="0" fill="hold" grpId="0" nodeType="withEffect">
+                                  <p:stCondLst>
+                                    <p:cond delay="0"/>
+                                  </p:stCondLst>
+                                  <p:childTnLst>
+                                    <p:set>
+                                      <p:cBhvr>
+                                        <p:cTn id="17" dur="1" fill="hold">
+                                          <p:stCondLst>
+                                            <p:cond delay="0"/>
+                                          </p:stCondLst>
+                                        </p:cTn>
+                                        <p:tgtEl>
+                                          <p:spTgt spid="10">
+                                            <p:txEl>
+                                              <p:pRg st="4" end="4"/>
+                                            </p:txEl>
+                                          </p:spTgt>
+                                        </p:tgtEl>
+                                        <p:attrNameLst>
+                                          <p:attrName>style.visibility</p:attrName>
+                                        </p:attrNameLst>
+                                      </p:cBhvr>
+                                      <p:to>
+                                        <p:strVal val="visible"/>
+                                      </p:to>
+                                    </p:set>
+                                    <p:animEffect transition="in" filter="fade">
+                                      <p:cBhvr>
+                                        <p:cTn id="18" dur="500"/>
+                                        <p:tgtEl>
+                                          <p:spTgt spid="10">
+                                            <p:txEl>
+                                              <p:pRg st="4" end="4"/>
+                                            </p:txEl>
+                                          </p:spTgt>
+                                        </p:tgtEl>
+                                      </p:cBhvr>
+                                    </p:animEffect>
+                                  </p:childTnLst>
+                                </p:cTn>
+                              </p:par>
+                              <p:par>
+                                <p:cTn id="19" presetID="10" presetClass="entr" presetSubtype="0" fill="hold" grpId="0" nodeType="withEffect">
+                                  <p:stCondLst>
+                                    <p:cond delay="0"/>
+                                  </p:stCondLst>
+                                  <p:childTnLst>
+                                    <p:set>
+                                      <p:cBhvr>
+                                        <p:cTn id="20" dur="1" fill="hold">
+                                          <p:stCondLst>
+                                            <p:cond delay="0"/>
+                                          </p:stCondLst>
+                                        </p:cTn>
+                                        <p:tgtEl>
+                                          <p:spTgt spid="10">
+                                            <p:txEl>
+                                              <p:pRg st="6" end="6"/>
+                                            </p:txEl>
+                                          </p:spTgt>
+                                        </p:tgtEl>
+                                        <p:attrNameLst>
+                                          <p:attrName>style.visibility</p:attrName>
+                                        </p:attrNameLst>
+                                      </p:cBhvr>
+                                      <p:to>
+                                        <p:strVal val="visible"/>
+                                      </p:to>
+                                    </p:set>
+                                    <p:animEffect transition="in" filter="fade">
+                                      <p:cBhvr>
+                                        <p:cTn id="21" dur="500"/>
+                                        <p:tgtEl>
+                                          <p:spTgt spid="10">
+                                            <p:txEl>
+                                              <p:pRg st="6" end="6"/>
+                                            </p:txEl>
+                                          </p:spTgt>
+                                        </p:tgtEl>
+                                      </p:cBhvr>
+                                    </p:animEffect>
+                                  </p:childTnLst>
+                                </p:cTn>
+                              </p:par>
+                            </p:childTnLst>
+                          </p:cTn>
+                        </p:par>
+                      </p:childTnLst>
+                    </p:cTn>
+                  </p:par>
+                </p:childTnLst>
+              </p:cTn>
+              <p:prevCondLst>
+                <p:cond evt="onPrev" delay="0">
+                  <p:tgtEl>
+                    <p:sldTgt/>
+                  </p:tgtEl>
+                </p:cond>
+              </p:prevCondLst>
+              <p:nextCondLst>
+                <p:cond evt="onNext" delay="0">
+                  <p:tgtEl>
+                    <p:sldTgt/>
+                  </p:tgtEl>
+                </p:cond>
+              </p:nextCondLst>
+            </p:seq>
+          </p:childTnLst>
+        </p:cTn>
+      </p:par>
+    </p:tnLst>
+    <p:bldLst>
+      <p:bldP spid="10" grpId="0" uiExpand="1" build="p"/>
+    </p:bldLst>
+  </p:timing>
 </p:sld>
 </file>
 

--- a/src/tiPS Welcome.pptx
+++ b/src/tiPS Welcome.pptx
@@ -5,10 +5,10 @@
     <p:sldMasterId id="2147483648" r:id="rId4"/>
   </p:sldMasterIdLst>
   <p:notesMasterIdLst>
-    <p:notesMasterId r:id="rId36"/>
+    <p:notesMasterId r:id="rId37"/>
   </p:notesMasterIdLst>
   <p:handoutMasterIdLst>
-    <p:handoutMasterId r:id="rId37"/>
+    <p:handoutMasterId r:id="rId38"/>
   </p:handoutMasterIdLst>
   <p:sldIdLst>
     <p:sldId id="256" r:id="rId5"/>
@@ -18,30 +18,31 @@
     <p:sldId id="287" r:id="rId9"/>
     <p:sldId id="294" r:id="rId10"/>
     <p:sldId id="300" r:id="rId11"/>
-    <p:sldId id="295" r:id="rId12"/>
-    <p:sldId id="296" r:id="rId13"/>
-    <p:sldId id="298" r:id="rId14"/>
-    <p:sldId id="301" r:id="rId15"/>
-    <p:sldId id="303" r:id="rId16"/>
-    <p:sldId id="302" r:id="rId17"/>
-    <p:sldId id="290" r:id="rId18"/>
-    <p:sldId id="299" r:id="rId19"/>
-    <p:sldId id="293" r:id="rId20"/>
-    <p:sldId id="291" r:id="rId21"/>
-    <p:sldId id="292" r:id="rId22"/>
-    <p:sldId id="257" r:id="rId23"/>
-    <p:sldId id="260" r:id="rId24"/>
-    <p:sldId id="288" r:id="rId25"/>
-    <p:sldId id="261" r:id="rId26"/>
-    <p:sldId id="262" r:id="rId27"/>
-    <p:sldId id="283" r:id="rId28"/>
-    <p:sldId id="264" r:id="rId29"/>
-    <p:sldId id="266" r:id="rId30"/>
-    <p:sldId id="284" r:id="rId31"/>
-    <p:sldId id="267" r:id="rId32"/>
-    <p:sldId id="269" r:id="rId33"/>
-    <p:sldId id="268" r:id="rId34"/>
-    <p:sldId id="285" r:id="rId35"/>
+    <p:sldId id="304" r:id="rId12"/>
+    <p:sldId id="295" r:id="rId13"/>
+    <p:sldId id="296" r:id="rId14"/>
+    <p:sldId id="298" r:id="rId15"/>
+    <p:sldId id="301" r:id="rId16"/>
+    <p:sldId id="303" r:id="rId17"/>
+    <p:sldId id="302" r:id="rId18"/>
+    <p:sldId id="305" r:id="rId19"/>
+    <p:sldId id="299" r:id="rId20"/>
+    <p:sldId id="293" r:id="rId21"/>
+    <p:sldId id="291" r:id="rId22"/>
+    <p:sldId id="292" r:id="rId23"/>
+    <p:sldId id="257" r:id="rId24"/>
+    <p:sldId id="260" r:id="rId25"/>
+    <p:sldId id="288" r:id="rId26"/>
+    <p:sldId id="261" r:id="rId27"/>
+    <p:sldId id="262" r:id="rId28"/>
+    <p:sldId id="283" r:id="rId29"/>
+    <p:sldId id="264" r:id="rId30"/>
+    <p:sldId id="266" r:id="rId31"/>
+    <p:sldId id="284" r:id="rId32"/>
+    <p:sldId id="267" r:id="rId33"/>
+    <p:sldId id="269" r:id="rId34"/>
+    <p:sldId id="268" r:id="rId35"/>
+    <p:sldId id="285" r:id="rId36"/>
   </p:sldIdLst>
   <p:sldSz cx="12192000" cy="6858000"/>
   <p:notesSz cx="6858000" cy="9144000"/>
@@ -1924,7 +1925,7 @@
           <a:p>
             <a:fld id="{1734D747-9380-41EE-9946-EC9EC0CA5D1E}" type="slidenum">
               <a:rPr lang="en-US" noProof="0" smtClean="0"/>
-              <a:t>11</a:t>
+              <a:t>12</a:t>
             </a:fld>
             <a:endParaRPr lang="en-US" noProof="0" dirty="0"/>
           </a:p>
@@ -2069,7 +2070,7 @@
           <a:p>
             <a:fld id="{1734D747-9380-41EE-9946-EC9EC0CA5D1E}" type="slidenum">
               <a:rPr lang="en-US" noProof="0" smtClean="0"/>
-              <a:t>12</a:t>
+              <a:t>13</a:t>
             </a:fld>
             <a:endParaRPr lang="en-US" noProof="0" dirty="0"/>
           </a:p>
@@ -2138,6 +2139,16 @@
             </a:pPr>
             <a:r>
               <a:rPr lang="en-US" dirty="0"/>
+              <a:t>Show pipeline for PR we merged in earlier</a:t>
+            </a:r>
+          </a:p>
+          <a:p>
+            <a:pPr marL="171450" indent="-171450">
+              <a:buFontTx/>
+              <a:buChar char="-"/>
+            </a:pPr>
+            <a:r>
+              <a:rPr lang="en-US" dirty="0"/>
               <a:t>Caught a Windows PowerShell issue when installing the module with an emoji in the module manifest description</a:t>
             </a:r>
           </a:p>
@@ -2178,7 +2189,7 @@
           <a:p>
             <a:fld id="{1734D747-9380-41EE-9946-EC9EC0CA5D1E}" type="slidenum">
               <a:rPr lang="en-US" noProof="0" smtClean="0"/>
-              <a:t>13</a:t>
+              <a:t>14</a:t>
             </a:fld>
             <a:endParaRPr lang="en-US" noProof="0" dirty="0"/>
           </a:p>
@@ -2188,6 +2199,195 @@
     <p:extLst>
       <p:ext uri="{BB962C8B-B14F-4D97-AF65-F5344CB8AC3E}">
         <p14:creationId xmlns:p14="http://schemas.microsoft.com/office/powerpoint/2010/main" val="2210032523"/>
+      </p:ext>
+    </p:extLst>
+  </p:cSld>
+  <p:clrMapOvr>
+    <a:masterClrMapping/>
+  </p:clrMapOvr>
+</p:notes>
+</file>
+
+<file path=ppt/notesSlides/notesSlide13.xml><?xml version="1.0" encoding="utf-8"?>
+<p:notes xmlns:a="http://schemas.openxmlformats.org/drawingml/2006/main" xmlns:r="http://schemas.openxmlformats.org/officeDocument/2006/relationships" xmlns:p="http://schemas.openxmlformats.org/presentationml/2006/main">
+  <p:cSld>
+    <p:spTree>
+      <p:nvGrpSpPr>
+        <p:cNvPr id="1" name=""/>
+        <p:cNvGrpSpPr/>
+        <p:nvPr/>
+      </p:nvGrpSpPr>
+      <p:grpSpPr>
+        <a:xfrm>
+          <a:off x="0" y="0"/>
+          <a:ext cx="0" cy="0"/>
+          <a:chOff x="0" y="0"/>
+          <a:chExt cx="0" cy="0"/>
+        </a:xfrm>
+      </p:grpSpPr>
+      <p:sp>
+        <p:nvSpPr>
+          <p:cNvPr id="2" name="Slide Image Placeholder 1"/>
+          <p:cNvSpPr>
+            <a:spLocks noGrp="1" noRot="1" noChangeAspect="1"/>
+          </p:cNvSpPr>
+          <p:nvPr>
+            <p:ph type="sldImg"/>
+          </p:nvPr>
+        </p:nvSpPr>
+        <p:spPr/>
+      </p:sp>
+      <p:sp>
+        <p:nvSpPr>
+          <p:cNvPr id="3" name="Notes Placeholder 2"/>
+          <p:cNvSpPr>
+            <a:spLocks noGrp="1"/>
+          </p:cNvSpPr>
+          <p:nvPr>
+            <p:ph type="body" idx="1"/>
+          </p:nvPr>
+        </p:nvSpPr>
+        <p:spPr/>
+        <p:txBody>
+          <a:bodyPr/>
+          <a:lstStyle/>
+          <a:p>
+            <a:pPr marL="171450" indent="-171450">
+              <a:buFontTx/>
+              <a:buChar char="-"/>
+            </a:pPr>
+            <a:r>
+              <a:rPr lang="en-US" dirty="0"/>
+              <a:t>A lot of things </a:t>
+            </a:r>
+          </a:p>
+        </p:txBody>
+      </p:sp>
+      <p:sp>
+        <p:nvSpPr>
+          <p:cNvPr id="4" name="Slide Number Placeholder 3"/>
+          <p:cNvSpPr>
+            <a:spLocks noGrp="1"/>
+          </p:cNvSpPr>
+          <p:nvPr>
+            <p:ph type="sldNum" sz="quarter" idx="5"/>
+          </p:nvPr>
+        </p:nvSpPr>
+        <p:spPr/>
+        <p:txBody>
+          <a:bodyPr/>
+          <a:lstStyle/>
+          <a:p>
+            <a:fld id="{1734D747-9380-41EE-9946-EC9EC0CA5D1E}" type="slidenum">
+              <a:rPr lang="en-US" noProof="0" smtClean="0"/>
+              <a:t>15</a:t>
+            </a:fld>
+            <a:endParaRPr lang="en-US" noProof="0" dirty="0"/>
+          </a:p>
+        </p:txBody>
+      </p:sp>
+    </p:spTree>
+    <p:extLst>
+      <p:ext uri="{BB962C8B-B14F-4D97-AF65-F5344CB8AC3E}">
+        <p14:creationId xmlns:p14="http://schemas.microsoft.com/office/powerpoint/2010/main" val="4133105507"/>
+      </p:ext>
+    </p:extLst>
+  </p:cSld>
+  <p:clrMapOvr>
+    <a:masterClrMapping/>
+  </p:clrMapOvr>
+</p:notes>
+</file>
+
+<file path=ppt/notesSlides/notesSlide14.xml><?xml version="1.0" encoding="utf-8"?>
+<p:notes xmlns:a="http://schemas.openxmlformats.org/drawingml/2006/main" xmlns:r="http://schemas.openxmlformats.org/officeDocument/2006/relationships" xmlns:p="http://schemas.openxmlformats.org/presentationml/2006/main">
+  <p:cSld>
+    <p:spTree>
+      <p:nvGrpSpPr>
+        <p:cNvPr id="1" name=""/>
+        <p:cNvGrpSpPr/>
+        <p:nvPr/>
+      </p:nvGrpSpPr>
+      <p:grpSpPr>
+        <a:xfrm>
+          <a:off x="0" y="0"/>
+          <a:ext cx="0" cy="0"/>
+          <a:chOff x="0" y="0"/>
+          <a:chExt cx="0" cy="0"/>
+        </a:xfrm>
+      </p:grpSpPr>
+      <p:sp>
+        <p:nvSpPr>
+          <p:cNvPr id="2" name="Slide Image Placeholder 1"/>
+          <p:cNvSpPr>
+            <a:spLocks noGrp="1" noRot="1" noChangeAspect="1"/>
+          </p:cNvSpPr>
+          <p:nvPr>
+            <p:ph type="sldImg"/>
+          </p:nvPr>
+        </p:nvSpPr>
+        <p:spPr/>
+      </p:sp>
+      <p:sp>
+        <p:nvSpPr>
+          <p:cNvPr id="3" name="Notes Placeholder 2"/>
+          <p:cNvSpPr>
+            <a:spLocks noGrp="1"/>
+          </p:cNvSpPr>
+          <p:nvPr>
+            <p:ph type="body" idx="1"/>
+          </p:nvPr>
+        </p:nvSpPr>
+        <p:spPr/>
+        <p:txBody>
+          <a:bodyPr/>
+          <a:lstStyle/>
+          <a:p>
+            <a:pPr marL="171450" indent="-171450">
+              <a:buFontTx/>
+              <a:buChar char="-"/>
+            </a:pPr>
+            <a:r>
+              <a:rPr lang="en-US" dirty="0"/>
+              <a:t>Please consider contributing your own tips</a:t>
+            </a:r>
+          </a:p>
+          <a:p>
+            <a:pPr marL="171450" indent="-171450">
+              <a:buFontTx/>
+              <a:buChar char="-"/>
+            </a:pPr>
+            <a:endParaRPr lang="en-US" dirty="0"/>
+          </a:p>
+        </p:txBody>
+      </p:sp>
+      <p:sp>
+        <p:nvSpPr>
+          <p:cNvPr id="4" name="Slide Number Placeholder 3"/>
+          <p:cNvSpPr>
+            <a:spLocks noGrp="1"/>
+          </p:cNvSpPr>
+          <p:nvPr>
+            <p:ph type="sldNum" sz="quarter" idx="5"/>
+          </p:nvPr>
+        </p:nvSpPr>
+        <p:spPr/>
+        <p:txBody>
+          <a:bodyPr/>
+          <a:lstStyle/>
+          <a:p>
+            <a:fld id="{1734D747-9380-41EE-9946-EC9EC0CA5D1E}" type="slidenum">
+              <a:rPr lang="en-US" noProof="0" smtClean="0"/>
+              <a:t>16</a:t>
+            </a:fld>
+            <a:endParaRPr lang="en-US" noProof="0" dirty="0"/>
+          </a:p>
+        </p:txBody>
+      </p:sp>
+    </p:spTree>
+    <p:extLst>
+      <p:ext uri="{BB962C8B-B14F-4D97-AF65-F5344CB8AC3E}">
+        <p14:creationId xmlns:p14="http://schemas.microsoft.com/office/powerpoint/2010/main" val="2087113364"/>
       </p:ext>
     </p:extLst>
   </p:cSld>
@@ -3768,7 +3968,7 @@
           <a:p>
             <a:fld id="{1734D747-9380-41EE-9946-EC9EC0CA5D1E}" type="slidenum">
               <a:rPr lang="en-US" noProof="0" smtClean="0"/>
-              <a:t>8</a:t>
+              <a:t>9</a:t>
             </a:fld>
             <a:endParaRPr lang="en-US" noProof="0" dirty="0"/>
           </a:p>
@@ -3930,6 +4130,64 @@
               </a:rPr>
               <a:t>Combining all files into a single .psm1 file for load speed </a:t>
             </a:r>
+          </a:p>
+          <a:p>
+            <a:pPr marL="628650" marR="0" lvl="1" indent="-171450" algn="l" defTabSz="914400" rtl="0" eaLnBrk="1" fontAlgn="auto" latinLnBrk="0" hangingPunct="1">
+              <a:lnSpc>
+                <a:spcPct val="100000"/>
+              </a:lnSpc>
+              <a:spcBef>
+                <a:spcPts val="0"/>
+              </a:spcBef>
+              <a:spcAft>
+                <a:spcPts val="0"/>
+              </a:spcAft>
+              <a:buClrTx/>
+              <a:buSzTx/>
+              <a:buFontTx/>
+              <a:buChar char="-"/>
+              <a:tabLst/>
+              <a:defRPr/>
+            </a:pPr>
+            <a:r>
+              <a:rPr lang="en-US" sz="1800" b="0" i="0" u="none" strike="noStrike" dirty="0">
+                <a:solidFill>
+                  <a:srgbClr val="000000"/>
+                </a:solidFill>
+                <a:effectLst/>
+                <a:highlight>
+                  <a:srgbClr val="FFFFFF"/>
+                </a:highlight>
+                <a:latin typeface="Calibri" panose="020F0502020204030204" pitchFamily="34" charset="0"/>
+              </a:rPr>
+              <a:t>Test.ps1 in </a:t>
+            </a:r>
+            <a:r>
+              <a:rPr lang="en-US" sz="1800" b="0" i="0" u="none" strike="noStrike" dirty="0" err="1">
+                <a:solidFill>
+                  <a:srgbClr val="000000"/>
+                </a:solidFill>
+                <a:effectLst/>
+                <a:highlight>
+                  <a:srgbClr val="FFFFFF"/>
+                </a:highlight>
+                <a:latin typeface="Calibri" panose="020F0502020204030204" pitchFamily="34" charset="0"/>
+              </a:rPr>
+              <a:t>tiPS</a:t>
+            </a:r>
+            <a:r>
+              <a:rPr lang="en-US" sz="1800" b="0" i="0" u="none" strike="noStrike" dirty="0">
+                <a:solidFill>
+                  <a:srgbClr val="000000"/>
+                </a:solidFill>
+                <a:effectLst/>
+                <a:highlight>
+                  <a:srgbClr val="FFFFFF"/>
+                </a:highlight>
+                <a:latin typeface="Calibri" panose="020F0502020204030204" pitchFamily="34" charset="0"/>
+              </a:rPr>
+              <a:t> repo</a:t>
+            </a:r>
             <a:endParaRPr lang="en-US" sz="1200" b="0" i="0" u="none" strike="noStrike" dirty="0">
               <a:solidFill>
                 <a:srgbClr val="000000"/>
@@ -4022,7 +4280,7 @@
           <a:p>
             <a:fld id="{1734D747-9380-41EE-9946-EC9EC0CA5D1E}" type="slidenum">
               <a:rPr lang="en-US" noProof="0" smtClean="0"/>
-              <a:t>9</a:t>
+              <a:t>10</a:t>
             </a:fld>
             <a:endParaRPr lang="en-US" noProof="0" dirty="0"/>
           </a:p>
@@ -4164,7 +4422,7 @@
           <a:p>
             <a:fld id="{1734D747-9380-41EE-9946-EC9EC0CA5D1E}" type="slidenum">
               <a:rPr lang="en-US" noProof="0" smtClean="0"/>
-              <a:t>10</a:t>
+              <a:t>11</a:t>
             </a:fld>
             <a:endParaRPr lang="en-US" noProof="0" dirty="0"/>
           </a:p>
@@ -29313,8 +29571,12 @@
           <a:lstStyle/>
           <a:p>
             <a:r>
+              <a:rPr lang="en-US" dirty="0" err="1"/>
+              <a:t>tiPS</a:t>
+            </a:r>
+            <a:r>
               <a:rPr lang="en-US" dirty="0"/>
-              <a:t>Classes and Enums</a:t>
+              <a:t> Decisions</a:t>
             </a:r>
           </a:p>
         </p:txBody>
@@ -29337,8 +29599,8 @@
         </p:nvSpPr>
         <p:spPr>
           <a:xfrm>
-            <a:off x="444499" y="1195755"/>
-            <a:ext cx="11467867" cy="5373858"/>
+            <a:off x="444499" y="1625385"/>
+            <a:ext cx="11467867" cy="4390951"/>
           </a:xfrm>
         </p:spPr>
         <p:txBody>
@@ -29347,58 +29609,48 @@
           <a:p>
             <a:r>
               <a:rPr lang="en-US" sz="2800" dirty="0"/>
-              <a:t>Enum</a:t>
+              <a:t>Architecture Decision Records (ADRs)</a:t>
+            </a:r>
+          </a:p>
+          <a:p>
+            <a:endParaRPr lang="en-US" sz="2800" dirty="0"/>
+          </a:p>
+          <a:p>
+            <a:r>
+              <a:rPr lang="en-US" sz="2800" dirty="0"/>
+              <a:t>Written in PowerShell instead of C# for community support</a:t>
+            </a:r>
+          </a:p>
+          <a:p>
+            <a:r>
+              <a:rPr lang="en-US" sz="2800" dirty="0"/>
+              <a:t>Combine tips files into a single </a:t>
+            </a:r>
+            <a:r>
+              <a:rPr lang="en-US" sz="2800" dirty="0" err="1"/>
+              <a:t>json</a:t>
+            </a:r>
+            <a:r>
+              <a:rPr lang="en-US" sz="2800" dirty="0"/>
+              <a:t> file for performance</a:t>
+            </a:r>
+          </a:p>
+          <a:p>
+            <a:r>
+              <a:rPr lang="en-US" sz="2800" dirty="0"/>
+              <a:t>Combine module files into a single .psm1 file during build for performance</a:t>
+            </a:r>
+          </a:p>
+          <a:p>
+            <a:r>
+              <a:rPr lang="en-US" sz="2800" dirty="0"/>
+              <a:t>Compile classes to C# assembly for performance</a:t>
             </a:r>
           </a:p>
           <a:p>
             <a:pPr lvl="1"/>
             <a:r>
-              <a:rPr lang="en-US" sz="2600" dirty="0"/>
-              <a:t>Predefined set of values to choose from</a:t>
-            </a:r>
-          </a:p>
-          <a:p>
-            <a:pPr lvl="1"/>
-            <a:r>
-              <a:rPr lang="en-US" sz="2600" dirty="0"/>
-              <a:t>Automatic validations and autocomplete</a:t>
-            </a:r>
-          </a:p>
-          <a:p>
-            <a:r>
-              <a:rPr lang="en-US" sz="2800" dirty="0"/>
-              <a:t>Class</a:t>
-            </a:r>
-          </a:p>
-          <a:p>
-            <a:pPr lvl="1"/>
-            <a:r>
-              <a:rPr lang="en-US" sz="2600" dirty="0"/>
-              <a:t>Strongly typed object with data + functions</a:t>
-            </a:r>
-          </a:p>
-          <a:p>
-            <a:pPr lvl="1"/>
-            <a:r>
-              <a:rPr lang="en-US" sz="2600" dirty="0"/>
-              <a:t>All objects guaranteed to have the same properties and functions</a:t>
-            </a:r>
-          </a:p>
-          <a:p>
-            <a:pPr marL="457200" lvl="1" indent="0">
-              <a:buNone/>
-            </a:pPr>
-            <a:endParaRPr lang="en-US" sz="2800" dirty="0"/>
-          </a:p>
-          <a:p>
-            <a:pPr marL="457200" lvl="1" indent="0">
-              <a:buNone/>
-            </a:pPr>
-            <a:endParaRPr lang="en-US" sz="2800" dirty="0"/>
-          </a:p>
-          <a:p>
-            <a:r>
-              <a:rPr lang="en-US" sz="2800" dirty="0">
+              <a:rPr lang="en-US" sz="2600" dirty="0">
                 <a:solidFill>
                   <a:schemeClr val="accent1">
                     <a:lumMod val="60000"/>
@@ -29413,10 +29665,10 @@
                   </a:extLst>
                 </a:hlinkClick>
               </a:rPr>
-              <a:t>https://github.com/deadlydog/PowerShell.Experiment.ClassInModule</a:t>
-            </a:r>
-            <a:r>
-              <a:rPr lang="en-US" sz="2800" dirty="0">
+              <a:t>https://github.com/deadlydog/PowerShell.Experiment.ClassPerformanceComparison</a:t>
+            </a:r>
+            <a:r>
+              <a:rPr lang="en-US" sz="2600" dirty="0">
                 <a:solidFill>
                   <a:schemeClr val="accent1">
                     <a:lumMod val="60000"/>
@@ -29462,7 +29714,7 @@
     </p:spTree>
     <p:extLst>
       <p:ext uri="{BB962C8B-B14F-4D97-AF65-F5344CB8AC3E}">
-        <p14:creationId xmlns:p14="http://schemas.microsoft.com/office/powerpoint/2010/main" val="1089435659"/>
+        <p14:creationId xmlns:p14="http://schemas.microsoft.com/office/powerpoint/2010/main" val="430754784"/>
       </p:ext>
     </p:extLst>
   </p:cSld>
@@ -29481,6 +29733,351 @@
       </p:transition>
     </mc:Fallback>
   </mc:AlternateContent>
+  <p:timing>
+    <p:tnLst>
+      <p:par>
+        <p:cTn id="1" dur="indefinite" restart="never" nodeType="tmRoot">
+          <p:childTnLst>
+            <p:seq concurrent="1" nextAc="seek">
+              <p:cTn id="2" dur="indefinite" nodeType="mainSeq">
+                <p:childTnLst>
+                  <p:par>
+                    <p:cTn id="3" fill="hold">
+                      <p:stCondLst>
+                        <p:cond delay="indefinite"/>
+                      </p:stCondLst>
+                      <p:childTnLst>
+                        <p:par>
+                          <p:cTn id="4" fill="hold">
+                            <p:stCondLst>
+                              <p:cond delay="0"/>
+                            </p:stCondLst>
+                            <p:childTnLst>
+                              <p:par>
+                                <p:cTn id="5" presetID="10" presetClass="entr" presetSubtype="0" fill="hold" grpId="0" nodeType="clickEffect">
+                                  <p:stCondLst>
+                                    <p:cond delay="0"/>
+                                  </p:stCondLst>
+                                  <p:childTnLst>
+                                    <p:set>
+                                      <p:cBhvr>
+                                        <p:cTn id="6" dur="1" fill="hold">
+                                          <p:stCondLst>
+                                            <p:cond delay="0"/>
+                                          </p:stCondLst>
+                                        </p:cTn>
+                                        <p:tgtEl>
+                                          <p:spTgt spid="10">
+                                            <p:txEl>
+                                              <p:pRg st="0" end="0"/>
+                                            </p:txEl>
+                                          </p:spTgt>
+                                        </p:tgtEl>
+                                        <p:attrNameLst>
+                                          <p:attrName>style.visibility</p:attrName>
+                                        </p:attrNameLst>
+                                      </p:cBhvr>
+                                      <p:to>
+                                        <p:strVal val="visible"/>
+                                      </p:to>
+                                    </p:set>
+                                    <p:animEffect transition="in" filter="fade">
+                                      <p:cBhvr>
+                                        <p:cTn id="7" dur="500"/>
+                                        <p:tgtEl>
+                                          <p:spTgt spid="10">
+                                            <p:txEl>
+                                              <p:pRg st="0" end="0"/>
+                                            </p:txEl>
+                                          </p:spTgt>
+                                        </p:tgtEl>
+                                      </p:cBhvr>
+                                    </p:animEffect>
+                                  </p:childTnLst>
+                                </p:cTn>
+                              </p:par>
+                            </p:childTnLst>
+                          </p:cTn>
+                        </p:par>
+                      </p:childTnLst>
+                    </p:cTn>
+                  </p:par>
+                  <p:par>
+                    <p:cTn id="8" fill="hold">
+                      <p:stCondLst>
+                        <p:cond delay="indefinite"/>
+                      </p:stCondLst>
+                      <p:childTnLst>
+                        <p:par>
+                          <p:cTn id="9" fill="hold">
+                            <p:stCondLst>
+                              <p:cond delay="0"/>
+                            </p:stCondLst>
+                            <p:childTnLst>
+                              <p:par>
+                                <p:cTn id="10" presetID="10" presetClass="entr" presetSubtype="0" fill="hold" grpId="0" nodeType="clickEffect">
+                                  <p:stCondLst>
+                                    <p:cond delay="0"/>
+                                  </p:stCondLst>
+                                  <p:childTnLst>
+                                    <p:set>
+                                      <p:cBhvr>
+                                        <p:cTn id="11" dur="1" fill="hold">
+                                          <p:stCondLst>
+                                            <p:cond delay="0"/>
+                                          </p:stCondLst>
+                                        </p:cTn>
+                                        <p:tgtEl>
+                                          <p:spTgt spid="10">
+                                            <p:txEl>
+                                              <p:pRg st="2" end="2"/>
+                                            </p:txEl>
+                                          </p:spTgt>
+                                        </p:tgtEl>
+                                        <p:attrNameLst>
+                                          <p:attrName>style.visibility</p:attrName>
+                                        </p:attrNameLst>
+                                      </p:cBhvr>
+                                      <p:to>
+                                        <p:strVal val="visible"/>
+                                      </p:to>
+                                    </p:set>
+                                    <p:animEffect transition="in" filter="fade">
+                                      <p:cBhvr>
+                                        <p:cTn id="12" dur="500"/>
+                                        <p:tgtEl>
+                                          <p:spTgt spid="10">
+                                            <p:txEl>
+                                              <p:pRg st="2" end="2"/>
+                                            </p:txEl>
+                                          </p:spTgt>
+                                        </p:tgtEl>
+                                      </p:cBhvr>
+                                    </p:animEffect>
+                                  </p:childTnLst>
+                                </p:cTn>
+                              </p:par>
+                            </p:childTnLst>
+                          </p:cTn>
+                        </p:par>
+                      </p:childTnLst>
+                    </p:cTn>
+                  </p:par>
+                  <p:par>
+                    <p:cTn id="13" fill="hold">
+                      <p:stCondLst>
+                        <p:cond delay="indefinite"/>
+                      </p:stCondLst>
+                      <p:childTnLst>
+                        <p:par>
+                          <p:cTn id="14" fill="hold">
+                            <p:stCondLst>
+                              <p:cond delay="0"/>
+                            </p:stCondLst>
+                            <p:childTnLst>
+                              <p:par>
+                                <p:cTn id="15" presetID="10" presetClass="entr" presetSubtype="0" fill="hold" grpId="0" nodeType="clickEffect">
+                                  <p:stCondLst>
+                                    <p:cond delay="0"/>
+                                  </p:stCondLst>
+                                  <p:childTnLst>
+                                    <p:set>
+                                      <p:cBhvr>
+                                        <p:cTn id="16" dur="1" fill="hold">
+                                          <p:stCondLst>
+                                            <p:cond delay="0"/>
+                                          </p:stCondLst>
+                                        </p:cTn>
+                                        <p:tgtEl>
+                                          <p:spTgt spid="10">
+                                            <p:txEl>
+                                              <p:pRg st="3" end="3"/>
+                                            </p:txEl>
+                                          </p:spTgt>
+                                        </p:tgtEl>
+                                        <p:attrNameLst>
+                                          <p:attrName>style.visibility</p:attrName>
+                                        </p:attrNameLst>
+                                      </p:cBhvr>
+                                      <p:to>
+                                        <p:strVal val="visible"/>
+                                      </p:to>
+                                    </p:set>
+                                    <p:animEffect transition="in" filter="fade">
+                                      <p:cBhvr>
+                                        <p:cTn id="17" dur="500"/>
+                                        <p:tgtEl>
+                                          <p:spTgt spid="10">
+                                            <p:txEl>
+                                              <p:pRg st="3" end="3"/>
+                                            </p:txEl>
+                                          </p:spTgt>
+                                        </p:tgtEl>
+                                      </p:cBhvr>
+                                    </p:animEffect>
+                                  </p:childTnLst>
+                                </p:cTn>
+                              </p:par>
+                              <p:par>
+                                <p:cTn id="18" presetID="10" presetClass="entr" presetSubtype="0" fill="hold" grpId="0" nodeType="withEffect">
+                                  <p:stCondLst>
+                                    <p:cond delay="0"/>
+                                  </p:stCondLst>
+                                  <p:childTnLst>
+                                    <p:set>
+                                      <p:cBhvr>
+                                        <p:cTn id="19" dur="1" fill="hold">
+                                          <p:stCondLst>
+                                            <p:cond delay="0"/>
+                                          </p:stCondLst>
+                                        </p:cTn>
+                                        <p:tgtEl>
+                                          <p:spTgt spid="10">
+                                            <p:txEl>
+                                              <p:pRg st="4" end="4"/>
+                                            </p:txEl>
+                                          </p:spTgt>
+                                        </p:tgtEl>
+                                        <p:attrNameLst>
+                                          <p:attrName>style.visibility</p:attrName>
+                                        </p:attrNameLst>
+                                      </p:cBhvr>
+                                      <p:to>
+                                        <p:strVal val="visible"/>
+                                      </p:to>
+                                    </p:set>
+                                    <p:animEffect transition="in" filter="fade">
+                                      <p:cBhvr>
+                                        <p:cTn id="20" dur="500"/>
+                                        <p:tgtEl>
+                                          <p:spTgt spid="10">
+                                            <p:txEl>
+                                              <p:pRg st="4" end="4"/>
+                                            </p:txEl>
+                                          </p:spTgt>
+                                        </p:tgtEl>
+                                      </p:cBhvr>
+                                    </p:animEffect>
+                                  </p:childTnLst>
+                                </p:cTn>
+                              </p:par>
+                              <p:par>
+                                <p:cTn id="21" presetID="10" presetClass="entr" presetSubtype="0" fill="hold" grpId="0" nodeType="withEffect">
+                                  <p:stCondLst>
+                                    <p:cond delay="0"/>
+                                  </p:stCondLst>
+                                  <p:childTnLst>
+                                    <p:set>
+                                      <p:cBhvr>
+                                        <p:cTn id="22" dur="1" fill="hold">
+                                          <p:stCondLst>
+                                            <p:cond delay="0"/>
+                                          </p:stCondLst>
+                                        </p:cTn>
+                                        <p:tgtEl>
+                                          <p:spTgt spid="10">
+                                            <p:txEl>
+                                              <p:pRg st="5" end="5"/>
+                                            </p:txEl>
+                                          </p:spTgt>
+                                        </p:tgtEl>
+                                        <p:attrNameLst>
+                                          <p:attrName>style.visibility</p:attrName>
+                                        </p:attrNameLst>
+                                      </p:cBhvr>
+                                      <p:to>
+                                        <p:strVal val="visible"/>
+                                      </p:to>
+                                    </p:set>
+                                    <p:animEffect transition="in" filter="fade">
+                                      <p:cBhvr>
+                                        <p:cTn id="23" dur="500"/>
+                                        <p:tgtEl>
+                                          <p:spTgt spid="10">
+                                            <p:txEl>
+                                              <p:pRg st="5" end="5"/>
+                                            </p:txEl>
+                                          </p:spTgt>
+                                        </p:tgtEl>
+                                      </p:cBhvr>
+                                    </p:animEffect>
+                                  </p:childTnLst>
+                                </p:cTn>
+                              </p:par>
+                              <p:par>
+                                <p:cTn id="24" presetID="10" presetClass="entr" presetSubtype="0" fill="hold" grpId="0" nodeType="withEffect">
+                                  <p:stCondLst>
+                                    <p:cond delay="0"/>
+                                  </p:stCondLst>
+                                  <p:childTnLst>
+                                    <p:set>
+                                      <p:cBhvr>
+                                        <p:cTn id="25" dur="1" fill="hold">
+                                          <p:stCondLst>
+                                            <p:cond delay="0"/>
+                                          </p:stCondLst>
+                                        </p:cTn>
+                                        <p:tgtEl>
+                                          <p:spTgt spid="10">
+                                            <p:txEl>
+                                              <p:pRg st="6" end="6"/>
+                                            </p:txEl>
+                                          </p:spTgt>
+                                        </p:tgtEl>
+                                        <p:attrNameLst>
+                                          <p:attrName>style.visibility</p:attrName>
+                                        </p:attrNameLst>
+                                      </p:cBhvr>
+                                      <p:to>
+                                        <p:strVal val="visible"/>
+                                      </p:to>
+                                    </p:set>
+                                    <p:animEffect transition="in" filter="fade">
+                                      <p:cBhvr>
+                                        <p:cTn id="26" dur="500"/>
+                                        <p:tgtEl>
+                                          <p:spTgt spid="10">
+                                            <p:txEl>
+                                              <p:pRg st="6" end="6"/>
+                                            </p:txEl>
+                                          </p:spTgt>
+                                        </p:tgtEl>
+                                      </p:cBhvr>
+                                    </p:animEffect>
+                                  </p:childTnLst>
+                                </p:cTn>
+                              </p:par>
+                            </p:childTnLst>
+                          </p:cTn>
+                        </p:par>
+                      </p:childTnLst>
+                    </p:cTn>
+                  </p:par>
+                </p:childTnLst>
+              </p:cTn>
+              <p:prevCondLst>
+                <p:cond evt="onPrev" delay="0">
+                  <p:tgtEl>
+                    <p:sldTgt/>
+                  </p:tgtEl>
+                </p:cond>
+              </p:prevCondLst>
+              <p:nextCondLst>
+                <p:cond evt="onNext" delay="0">
+                  <p:tgtEl>
+                    <p:sldTgt/>
+                  </p:tgtEl>
+                </p:cond>
+              </p:nextCondLst>
+            </p:seq>
+          </p:childTnLst>
+        </p:cTn>
+      </p:par>
+    </p:tnLst>
+    <p:bldLst>
+      <p:bldP spid="10" grpId="0" uiExpand="1" build="p"/>
+    </p:bldLst>
+  </p:timing>
 </p:sld>
 </file>
 
@@ -29524,13 +30121,8 @@
           <a:p>
             <a:r>
               <a:rPr lang="en-US" dirty="0"/>
-              <a:t>Tips: Use Temporary Console and </a:t>
-            </a:r>
-            <a:r>
-              <a:rPr lang="en-US" dirty="0" err="1"/>
-              <a:t>StrictMode</a:t>
-            </a:r>
-            <a:endParaRPr lang="en-US" dirty="0"/>
+              <a:t>Classes and Enums</a:t>
+            </a:r>
           </a:p>
         </p:txBody>
       </p:sp>
@@ -29552,8 +30144,8 @@
         </p:nvSpPr>
         <p:spPr>
           <a:xfrm>
-            <a:off x="444499" y="1625384"/>
-            <a:ext cx="11467867" cy="5054815"/>
+            <a:off x="444499" y="1195755"/>
+            <a:ext cx="11467867" cy="5373858"/>
           </a:xfrm>
         </p:spPr>
         <p:txBody>
@@ -29562,57 +30154,84 @@
           <a:p>
             <a:r>
               <a:rPr lang="en-US" sz="2800" dirty="0"/>
-              <a:t>VS Code Setting: Create Temporary Integrated Console</a:t>
+              <a:t>Enum</a:t>
             </a:r>
           </a:p>
           <a:p>
             <a:pPr lvl="1"/>
             <a:r>
               <a:rPr lang="en-US" sz="2600" dirty="0"/>
-              <a:t>Helps surface errors, especially during refactoring </a:t>
+              <a:t>Predefined set of values to choose from</a:t>
             </a:r>
           </a:p>
           <a:p>
             <a:pPr lvl="1"/>
             <a:r>
               <a:rPr lang="en-US" sz="2600" dirty="0"/>
-              <a:t>Avoid reloading VS Code when using Add-Type to import assemblies and working with classes / </a:t>
-            </a:r>
-            <a:r>
-              <a:rPr lang="en-US" sz="2600" dirty="0" err="1"/>
-              <a:t>enums</a:t>
-            </a:r>
-            <a:endParaRPr lang="en-US" sz="2600" dirty="0"/>
-          </a:p>
-          <a:p>
+              <a:t>Automatic validations and autocomplete</a:t>
+            </a:r>
+          </a:p>
+          <a:p>
+            <a:r>
+              <a:rPr lang="en-US" sz="2800" dirty="0"/>
+              <a:t>Class</a:t>
+            </a:r>
+          </a:p>
+          <a:p>
+            <a:pPr lvl="1"/>
+            <a:r>
+              <a:rPr lang="en-US" sz="2600" dirty="0"/>
+              <a:t>Strongly typed object with data + functions</a:t>
+            </a:r>
+          </a:p>
+          <a:p>
+            <a:pPr lvl="1"/>
+            <a:r>
+              <a:rPr lang="en-US" sz="2600" dirty="0"/>
+              <a:t>All objects guaranteed to have the same properties and functions</a:t>
+            </a:r>
+          </a:p>
+          <a:p>
+            <a:pPr marL="457200" lvl="1" indent="0">
+              <a:buNone/>
+            </a:pPr>
             <a:endParaRPr lang="en-US" sz="2800" dirty="0"/>
           </a:p>
           <a:p>
-            <a:r>
-              <a:rPr lang="en-US" sz="2800" dirty="0"/>
-              <a:t>Set-</a:t>
-            </a:r>
-            <a:r>
-              <a:rPr lang="en-US" sz="2800" dirty="0" err="1"/>
-              <a:t>StrictMode</a:t>
-            </a:r>
-            <a:r>
-              <a:rPr lang="en-US" sz="2800" dirty="0"/>
-              <a:t> -Version Latest</a:t>
-            </a:r>
-          </a:p>
-          <a:p>
-            <a:pPr lvl="1"/>
-            <a:r>
-              <a:rPr lang="en-US" sz="2600" dirty="0"/>
-              <a:t>Helps catch errors that might otherwise go unnoticed</a:t>
-            </a:r>
-          </a:p>
-          <a:p>
-            <a:pPr lvl="1"/>
-            <a:r>
-              <a:rPr lang="en-US" sz="2600" dirty="0"/>
-              <a:t>Caveat: Be careful introducing this into existing scripts, or scripts that are dot-sourced into other scripts, as it applies to the current scope and all child scopes</a:t>
+            <a:pPr marL="457200" lvl="1" indent="0">
+              <a:buNone/>
+            </a:pPr>
+            <a:endParaRPr lang="en-US" sz="2800" dirty="0"/>
+          </a:p>
+          <a:p>
+            <a:r>
+              <a:rPr lang="en-US" sz="2800" dirty="0">
+                <a:solidFill>
+                  <a:schemeClr val="accent1">
+                    <a:lumMod val="60000"/>
+                    <a:lumOff val="40000"/>
+                  </a:schemeClr>
+                </a:solidFill>
+                <a:hlinkClick r:id="rId3">
+                  <a:extLst>
+                    <a:ext uri="{A12FA001-AC4F-418D-AE19-62706E023703}">
+                      <ahyp:hlinkClr xmlns:ahyp="http://schemas.microsoft.com/office/drawing/2018/hyperlinkcolor" val="tx"/>
+                    </a:ext>
+                  </a:extLst>
+                </a:hlinkClick>
+              </a:rPr>
+              <a:t>https://github.com/deadlydog/PowerShell.Experiment.ClassInModule</a:t>
+            </a:r>
+            <a:r>
+              <a:rPr lang="en-US" sz="2800" dirty="0">
+                <a:solidFill>
+                  <a:schemeClr val="accent1">
+                    <a:lumMod val="60000"/>
+                    <a:lumOff val="40000"/>
+                  </a:schemeClr>
+                </a:solidFill>
+              </a:rPr>
+              <a:t> </a:t>
             </a:r>
           </a:p>
         </p:txBody>
@@ -29650,7 +30269,7 @@
     </p:spTree>
     <p:extLst>
       <p:ext uri="{BB962C8B-B14F-4D97-AF65-F5344CB8AC3E}">
-        <p14:creationId xmlns:p14="http://schemas.microsoft.com/office/powerpoint/2010/main" val="670609937"/>
+        <p14:creationId xmlns:p14="http://schemas.microsoft.com/office/powerpoint/2010/main" val="1089435659"/>
       </p:ext>
     </p:extLst>
   </p:cSld>
@@ -29712,6 +30331,194 @@
           <a:p>
             <a:r>
               <a:rPr lang="en-US" dirty="0"/>
+              <a:t>Tips: Use Temporary Console and </a:t>
+            </a:r>
+            <a:r>
+              <a:rPr lang="en-US" dirty="0" err="1"/>
+              <a:t>StrictMode</a:t>
+            </a:r>
+            <a:endParaRPr lang="en-US" dirty="0"/>
+          </a:p>
+        </p:txBody>
+      </p:sp>
+      <p:sp>
+        <p:nvSpPr>
+          <p:cNvPr id="10" name="Text Placeholder 9">
+            <a:extLst>
+              <a:ext uri="{FF2B5EF4-FFF2-40B4-BE49-F238E27FC236}">
+                <a16:creationId xmlns:a16="http://schemas.microsoft.com/office/drawing/2014/main" id="{EF2BC084-E6DB-4DE7-B309-042A85EBA700}"/>
+              </a:ext>
+            </a:extLst>
+          </p:cNvPr>
+          <p:cNvSpPr>
+            <a:spLocks noGrp="1"/>
+          </p:cNvSpPr>
+          <p:nvPr>
+            <p:ph type="body" sz="quarter" idx="13"/>
+          </p:nvPr>
+        </p:nvSpPr>
+        <p:spPr>
+          <a:xfrm>
+            <a:off x="444499" y="1625384"/>
+            <a:ext cx="11467867" cy="5054815"/>
+          </a:xfrm>
+        </p:spPr>
+        <p:txBody>
+          <a:bodyPr/>
+          <a:lstStyle/>
+          <a:p>
+            <a:r>
+              <a:rPr lang="en-US" sz="2800" dirty="0"/>
+              <a:t>VS Code Setting: Create Temporary Integrated Console</a:t>
+            </a:r>
+          </a:p>
+          <a:p>
+            <a:pPr lvl="1"/>
+            <a:r>
+              <a:rPr lang="en-US" sz="2600" dirty="0"/>
+              <a:t>Helps surface errors, especially during refactoring </a:t>
+            </a:r>
+          </a:p>
+          <a:p>
+            <a:pPr lvl="1"/>
+            <a:r>
+              <a:rPr lang="en-US" sz="2600" dirty="0"/>
+              <a:t>Avoid reloading VS Code when using Add-Type to import assemblies and working with classes / </a:t>
+            </a:r>
+            <a:r>
+              <a:rPr lang="en-US" sz="2600" dirty="0" err="1"/>
+              <a:t>enums</a:t>
+            </a:r>
+            <a:endParaRPr lang="en-US" sz="2600" dirty="0"/>
+          </a:p>
+          <a:p>
+            <a:endParaRPr lang="en-US" sz="2800" dirty="0"/>
+          </a:p>
+          <a:p>
+            <a:r>
+              <a:rPr lang="en-US" sz="2800" dirty="0"/>
+              <a:t>Set-</a:t>
+            </a:r>
+            <a:r>
+              <a:rPr lang="en-US" sz="2800" dirty="0" err="1"/>
+              <a:t>StrictMode</a:t>
+            </a:r>
+            <a:r>
+              <a:rPr lang="en-US" sz="2800" dirty="0"/>
+              <a:t> -Version Latest</a:t>
+            </a:r>
+          </a:p>
+          <a:p>
+            <a:pPr lvl="1"/>
+            <a:r>
+              <a:rPr lang="en-US" sz="2600" dirty="0"/>
+              <a:t>Helps catch errors that might otherwise go unnoticed</a:t>
+            </a:r>
+          </a:p>
+          <a:p>
+            <a:pPr lvl="1"/>
+            <a:r>
+              <a:rPr lang="en-US" sz="2600" dirty="0"/>
+              <a:t>Caveat: Be careful introducing this into existing scripts, or scripts that are dot-sourced into other scripts, as it applies to the current scope and all child scopes</a:t>
+            </a:r>
+          </a:p>
+        </p:txBody>
+      </p:sp>
+      <p:sp>
+        <p:nvSpPr>
+          <p:cNvPr id="2" name="Slide Number Placeholder 1">
+            <a:extLst>
+              <a:ext uri="{FF2B5EF4-FFF2-40B4-BE49-F238E27FC236}">
+                <a16:creationId xmlns:a16="http://schemas.microsoft.com/office/drawing/2014/main" id="{BE9800F6-D571-48C4-8466-12AA1ADB6599}"/>
+              </a:ext>
+            </a:extLst>
+          </p:cNvPr>
+          <p:cNvSpPr>
+            <a:spLocks noGrp="1"/>
+          </p:cNvSpPr>
+          <p:nvPr>
+            <p:ph type="sldNum" sz="quarter" idx="12"/>
+          </p:nvPr>
+        </p:nvSpPr>
+        <p:spPr/>
+        <p:txBody>
+          <a:bodyPr/>
+          <a:lstStyle/>
+          <a:p>
+            <a:fld id="{C263D6C4-4840-40CC-AC84-17E24B3B7BDE}" type="slidenum">
+              <a:rPr lang="en-US" smtClean="0"/>
+              <a:pPr/>
+              <a:t>12</a:t>
+            </a:fld>
+            <a:endParaRPr lang="en-US" dirty="0"/>
+          </a:p>
+        </p:txBody>
+      </p:sp>
+    </p:spTree>
+    <p:extLst>
+      <p:ext uri="{BB962C8B-B14F-4D97-AF65-F5344CB8AC3E}">
+        <p14:creationId xmlns:p14="http://schemas.microsoft.com/office/powerpoint/2010/main" val="670609937"/>
+      </p:ext>
+    </p:extLst>
+  </p:cSld>
+  <p:clrMapOvr>
+    <a:masterClrMapping/>
+  </p:clrMapOvr>
+  <mc:AlternateContent xmlns:mc="http://schemas.openxmlformats.org/markup-compatibility/2006" xmlns:p14="http://schemas.microsoft.com/office/powerpoint/2010/main">
+    <mc:Choice Requires="p14">
+      <p:transition spd="med" p14:dur="700">
+        <p:fade/>
+      </p:transition>
+    </mc:Choice>
+    <mc:Fallback xmlns="">
+      <p:transition spd="med">
+        <p:fade/>
+      </p:transition>
+    </mc:Fallback>
+  </mc:AlternateContent>
+</p:sld>
+</file>
+
+<file path=ppt/slides/slide13.xml><?xml version="1.0" encoding="utf-8"?>
+<p:sld xmlns:a="http://schemas.openxmlformats.org/drawingml/2006/main" xmlns:r="http://schemas.openxmlformats.org/officeDocument/2006/relationships" xmlns:p="http://schemas.openxmlformats.org/presentationml/2006/main">
+  <p:cSld>
+    <p:spTree>
+      <p:nvGrpSpPr>
+        <p:cNvPr id="1" name=""/>
+        <p:cNvGrpSpPr/>
+        <p:nvPr/>
+      </p:nvGrpSpPr>
+      <p:grpSpPr>
+        <a:xfrm>
+          <a:off x="0" y="0"/>
+          <a:ext cx="0" cy="0"/>
+          <a:chOff x="0" y="0"/>
+          <a:chExt cx="0" cy="0"/>
+        </a:xfrm>
+      </p:grpSpPr>
+      <p:sp>
+        <p:nvSpPr>
+          <p:cNvPr id="7" name="Title 6">
+            <a:extLst>
+              <a:ext uri="{FF2B5EF4-FFF2-40B4-BE49-F238E27FC236}">
+                <a16:creationId xmlns:a16="http://schemas.microsoft.com/office/drawing/2014/main" id="{7875C19A-1AAE-476A-A316-A2CF92D763D3}"/>
+              </a:ext>
+            </a:extLst>
+          </p:cNvPr>
+          <p:cNvSpPr>
+            <a:spLocks noGrp="1"/>
+          </p:cNvSpPr>
+          <p:nvPr>
+            <p:ph type="title"/>
+          </p:nvPr>
+        </p:nvSpPr>
+        <p:spPr/>
+        <p:txBody>
+          <a:bodyPr/>
+          <a:lstStyle/>
+          <a:p>
+            <a:r>
+              <a:rPr lang="en-US" dirty="0"/>
               <a:t>Pester Tests</a:t>
             </a:r>
           </a:p>
@@ -29855,7 +30662,7 @@
             <a:fld id="{C263D6C4-4840-40CC-AC84-17E24B3B7BDE}" type="slidenum">
               <a:rPr lang="en-US" smtClean="0"/>
               <a:pPr/>
-              <a:t>12</a:t>
+              <a:t>13</a:t>
             </a:fld>
             <a:endParaRPr lang="en-US" dirty="0"/>
           </a:p>
@@ -30170,160 +30977,6 @@
 </p:sld>
 </file>
 
-<file path=ppt/slides/slide13.xml><?xml version="1.0" encoding="utf-8"?>
-<p:sld xmlns:a="http://schemas.openxmlformats.org/drawingml/2006/main" xmlns:r="http://schemas.openxmlformats.org/officeDocument/2006/relationships" xmlns:p="http://schemas.openxmlformats.org/presentationml/2006/main">
-  <p:cSld>
-    <p:spTree>
-      <p:nvGrpSpPr>
-        <p:cNvPr id="1" name=""/>
-        <p:cNvGrpSpPr/>
-        <p:nvPr/>
-      </p:nvGrpSpPr>
-      <p:grpSpPr>
-        <a:xfrm>
-          <a:off x="0" y="0"/>
-          <a:ext cx="0" cy="0"/>
-          <a:chOff x="0" y="0"/>
-          <a:chExt cx="0" cy="0"/>
-        </a:xfrm>
-      </p:grpSpPr>
-      <p:sp>
-        <p:nvSpPr>
-          <p:cNvPr id="7" name="Title 6">
-            <a:extLst>
-              <a:ext uri="{FF2B5EF4-FFF2-40B4-BE49-F238E27FC236}">
-                <a16:creationId xmlns:a16="http://schemas.microsoft.com/office/drawing/2014/main" id="{7875C19A-1AAE-476A-A316-A2CF92D763D3}"/>
-              </a:ext>
-            </a:extLst>
-          </p:cNvPr>
-          <p:cNvSpPr>
-            <a:spLocks noGrp="1"/>
-          </p:cNvSpPr>
-          <p:nvPr>
-            <p:ph type="title"/>
-          </p:nvPr>
-        </p:nvSpPr>
-        <p:spPr/>
-        <p:txBody>
-          <a:bodyPr/>
-          <a:lstStyle/>
-          <a:p>
-            <a:r>
-              <a:rPr lang="en-US" dirty="0"/>
-              <a:t>Smoke Tests</a:t>
-            </a:r>
-          </a:p>
-        </p:txBody>
-      </p:sp>
-      <p:sp>
-        <p:nvSpPr>
-          <p:cNvPr id="10" name="Text Placeholder 9">
-            <a:extLst>
-              <a:ext uri="{FF2B5EF4-FFF2-40B4-BE49-F238E27FC236}">
-                <a16:creationId xmlns:a16="http://schemas.microsoft.com/office/drawing/2014/main" id="{EF2BC084-E6DB-4DE7-B309-042A85EBA700}"/>
-              </a:ext>
-            </a:extLst>
-          </p:cNvPr>
-          <p:cNvSpPr>
-            <a:spLocks noGrp="1"/>
-          </p:cNvSpPr>
-          <p:nvPr>
-            <p:ph type="body" sz="quarter" idx="13"/>
-          </p:nvPr>
-        </p:nvSpPr>
-        <p:spPr>
-          <a:xfrm>
-            <a:off x="444499" y="1625385"/>
-            <a:ext cx="11467867" cy="4390951"/>
-          </a:xfrm>
-        </p:spPr>
-        <p:txBody>
-          <a:bodyPr/>
-          <a:lstStyle/>
-          <a:p>
-            <a:r>
-              <a:rPr lang="en-US" sz="2800" dirty="0"/>
-              <a:t>Tests the module/app after it has been deployed to ensure it works correctly</a:t>
-            </a:r>
-          </a:p>
-          <a:p>
-            <a:endParaRPr lang="en-US" sz="2800" dirty="0"/>
-          </a:p>
-          <a:p>
-            <a:r>
-              <a:rPr lang="en-US" sz="2800" dirty="0"/>
-              <a:t>Test the real end-user experience</a:t>
-            </a:r>
-          </a:p>
-          <a:p>
-            <a:r>
-              <a:rPr lang="en-US" sz="2800" dirty="0"/>
-              <a:t>Test backward compatibility</a:t>
-            </a:r>
-          </a:p>
-          <a:p>
-            <a:r>
-              <a:rPr lang="en-US" sz="2800" dirty="0"/>
-              <a:t>Test cross-platform compatibility</a:t>
-            </a:r>
-          </a:p>
-        </p:txBody>
-      </p:sp>
-      <p:sp>
-        <p:nvSpPr>
-          <p:cNvPr id="2" name="Slide Number Placeholder 1">
-            <a:extLst>
-              <a:ext uri="{FF2B5EF4-FFF2-40B4-BE49-F238E27FC236}">
-                <a16:creationId xmlns:a16="http://schemas.microsoft.com/office/drawing/2014/main" id="{BE9800F6-D571-48C4-8466-12AA1ADB6599}"/>
-              </a:ext>
-            </a:extLst>
-          </p:cNvPr>
-          <p:cNvSpPr>
-            <a:spLocks noGrp="1"/>
-          </p:cNvSpPr>
-          <p:nvPr>
-            <p:ph type="sldNum" sz="quarter" idx="12"/>
-          </p:nvPr>
-        </p:nvSpPr>
-        <p:spPr/>
-        <p:txBody>
-          <a:bodyPr/>
-          <a:lstStyle/>
-          <a:p>
-            <a:fld id="{C263D6C4-4840-40CC-AC84-17E24B3B7BDE}" type="slidenum">
-              <a:rPr lang="en-US" smtClean="0"/>
-              <a:pPr/>
-              <a:t>13</a:t>
-            </a:fld>
-            <a:endParaRPr lang="en-US" dirty="0"/>
-          </a:p>
-        </p:txBody>
-      </p:sp>
-    </p:spTree>
-    <p:extLst>
-      <p:ext uri="{BB962C8B-B14F-4D97-AF65-F5344CB8AC3E}">
-        <p14:creationId xmlns:p14="http://schemas.microsoft.com/office/powerpoint/2010/main" val="3371413876"/>
-      </p:ext>
-    </p:extLst>
-  </p:cSld>
-  <p:clrMapOvr>
-    <a:masterClrMapping/>
-  </p:clrMapOvr>
-  <mc:AlternateContent xmlns:mc="http://schemas.openxmlformats.org/markup-compatibility/2006" xmlns:p14="http://schemas.microsoft.com/office/powerpoint/2010/main">
-    <mc:Choice Requires="p14">
-      <p:transition spd="med" p14:dur="700">
-        <p:fade/>
-      </p:transition>
-    </mc:Choice>
-    <mc:Fallback xmlns="">
-      <p:transition spd="med">
-        <p:fade/>
-      </p:transition>
-    </mc:Fallback>
-  </mc:AlternateContent>
-</p:sld>
-</file>
-
 <file path=ppt/slides/slide14.xml><?xml version="1.0" encoding="utf-8"?>
 <p:sld xmlns:a="http://schemas.openxmlformats.org/drawingml/2006/main" xmlns:r="http://schemas.openxmlformats.org/officeDocument/2006/relationships" xmlns:p="http://schemas.openxmlformats.org/presentationml/2006/main">
   <p:cSld>
@@ -30364,7 +31017,7 @@
           <a:p>
             <a:r>
               <a:rPr lang="en-US" dirty="0"/>
-              <a:t>When should you contribute a tip?</a:t>
+              <a:t>Smoke Tests</a:t>
             </a:r>
           </a:p>
         </p:txBody>
@@ -30397,58 +31050,29 @@
           <a:p>
             <a:r>
               <a:rPr lang="en-US" sz="2800" dirty="0"/>
-              <a:t>Learned something new about PowerShell</a:t>
-            </a:r>
+              <a:t>Tests the module/app after it has been deployed to ensure it works correctly</a:t>
+            </a:r>
+          </a:p>
+          <a:p>
+            <a:endParaRPr lang="en-US" sz="2800" dirty="0"/>
           </a:p>
           <a:p>
             <a:r>
               <a:rPr lang="en-US" sz="2800" dirty="0"/>
-              <a:t>Promote your own scripts, modules, and </a:t>
-            </a:r>
-            <a:r>
-              <a:rPr lang="en-US" sz="2800" dirty="0" err="1"/>
-              <a:t>gists</a:t>
-            </a:r>
-            <a:endParaRPr lang="en-US" sz="2800" dirty="0"/>
+              <a:t>Test the real end-user experience</a:t>
+            </a:r>
           </a:p>
           <a:p>
             <a:r>
               <a:rPr lang="en-US" sz="2800" dirty="0"/>
-              <a:t>See a cool PS-related post on social media</a:t>
+              <a:t>Test backward compatibility</a:t>
             </a:r>
           </a:p>
           <a:p>
             <a:r>
               <a:rPr lang="en-US" sz="2800" dirty="0"/>
-              <a:t>Blogged about something PS-related</a:t>
-            </a:r>
-          </a:p>
-          <a:p>
-            <a:endParaRPr lang="en-US" sz="2800" dirty="0"/>
-          </a:p>
-          <a:p>
-            <a:r>
-              <a:rPr lang="en-US" sz="2800" dirty="0"/>
-              <a:t>Tip:</a:t>
-            </a:r>
-          </a:p>
-          <a:p>
-            <a:pPr lvl="1"/>
-            <a:r>
-              <a:rPr lang="en-US" sz="2600" dirty="0"/>
-              <a:t>Fork </a:t>
-            </a:r>
-            <a:r>
-              <a:rPr lang="en-US" sz="2600" dirty="0" err="1"/>
-              <a:t>tiPS</a:t>
-            </a:r>
-            <a:r>
-              <a:rPr lang="en-US" sz="2600" dirty="0"/>
-              <a:t> and leave it cloned on your machine for easy PR submissions</a:t>
-            </a:r>
-          </a:p>
-          <a:p>
-            <a:endParaRPr lang="en-US" sz="2800" dirty="0"/>
+              <a:t>Test cross-platform compatibility</a:t>
+            </a:r>
           </a:p>
         </p:txBody>
       </p:sp>
@@ -30485,7 +31109,7 @@
     </p:spTree>
     <p:extLst>
       <p:ext uri="{BB962C8B-B14F-4D97-AF65-F5344CB8AC3E}">
-        <p14:creationId xmlns:p14="http://schemas.microsoft.com/office/powerpoint/2010/main" val="852257853"/>
+        <p14:creationId xmlns:p14="http://schemas.microsoft.com/office/powerpoint/2010/main" val="3371413876"/>
       </p:ext>
     </p:extLst>
   </p:cSld>
@@ -30508,6 +31132,185 @@
 </file>
 
 <file path=ppt/slides/slide15.xml><?xml version="1.0" encoding="utf-8"?>
+<p:sld xmlns:a="http://schemas.openxmlformats.org/drawingml/2006/main" xmlns:r="http://schemas.openxmlformats.org/officeDocument/2006/relationships" xmlns:p="http://schemas.openxmlformats.org/presentationml/2006/main">
+  <p:cSld>
+    <p:spTree>
+      <p:nvGrpSpPr>
+        <p:cNvPr id="1" name=""/>
+        <p:cNvGrpSpPr/>
+        <p:nvPr/>
+      </p:nvGrpSpPr>
+      <p:grpSpPr>
+        <a:xfrm>
+          <a:off x="0" y="0"/>
+          <a:ext cx="0" cy="0"/>
+          <a:chOff x="0" y="0"/>
+          <a:chExt cx="0" cy="0"/>
+        </a:xfrm>
+      </p:grpSpPr>
+      <p:sp>
+        <p:nvSpPr>
+          <p:cNvPr id="7" name="Title 6">
+            <a:extLst>
+              <a:ext uri="{FF2B5EF4-FFF2-40B4-BE49-F238E27FC236}">
+                <a16:creationId xmlns:a16="http://schemas.microsoft.com/office/drawing/2014/main" id="{7875C19A-1AAE-476A-A316-A2CF92D763D3}"/>
+              </a:ext>
+            </a:extLst>
+          </p:cNvPr>
+          <p:cNvSpPr>
+            <a:spLocks noGrp="1"/>
+          </p:cNvSpPr>
+          <p:nvPr>
+            <p:ph type="title"/>
+          </p:nvPr>
+        </p:nvSpPr>
+        <p:spPr/>
+        <p:txBody>
+          <a:bodyPr/>
+          <a:lstStyle/>
+          <a:p>
+            <a:r>
+              <a:rPr lang="en-US" dirty="0"/>
+              <a:t>Questions and Discussion</a:t>
+            </a:r>
+          </a:p>
+        </p:txBody>
+      </p:sp>
+      <p:sp>
+        <p:nvSpPr>
+          <p:cNvPr id="10" name="Text Placeholder 9">
+            <a:extLst>
+              <a:ext uri="{FF2B5EF4-FFF2-40B4-BE49-F238E27FC236}">
+                <a16:creationId xmlns:a16="http://schemas.microsoft.com/office/drawing/2014/main" id="{EF2BC084-E6DB-4DE7-B309-042A85EBA700}"/>
+              </a:ext>
+            </a:extLst>
+          </p:cNvPr>
+          <p:cNvSpPr>
+            <a:spLocks noGrp="1"/>
+          </p:cNvSpPr>
+          <p:nvPr>
+            <p:ph type="body" sz="quarter" idx="13"/>
+          </p:nvPr>
+        </p:nvSpPr>
+        <p:spPr>
+          <a:xfrm>
+            <a:off x="444499" y="1625385"/>
+            <a:ext cx="11467867" cy="4390951"/>
+          </a:xfrm>
+        </p:spPr>
+        <p:txBody>
+          <a:bodyPr/>
+          <a:lstStyle/>
+          <a:p>
+            <a:r>
+              <a:rPr lang="en-US" sz="2800" dirty="0"/>
+              <a:t>Anything you want to know more about?</a:t>
+            </a:r>
+          </a:p>
+          <a:p>
+            <a:r>
+              <a:rPr lang="en-US" sz="2800" dirty="0"/>
+              <a:t>What was your favourite thing you learned or saw?</a:t>
+            </a:r>
+          </a:p>
+          <a:p>
+            <a:endParaRPr lang="en-US" sz="2800" dirty="0"/>
+          </a:p>
+          <a:p>
+            <a:pPr marL="0" indent="0">
+              <a:buNone/>
+            </a:pPr>
+            <a:endParaRPr lang="en-US" sz="2800" dirty="0"/>
+          </a:p>
+          <a:p>
+            <a:endParaRPr lang="en-US" sz="2800" dirty="0"/>
+          </a:p>
+          <a:p>
+            <a:r>
+              <a:rPr lang="en-US" sz="2800" dirty="0"/>
+              <a:t>Shout out to the Profiler module for finding perf issues:</a:t>
+            </a:r>
+            <a:r>
+              <a:rPr lang="en-US" sz="2800" dirty="0">
+                <a:solidFill>
+                  <a:schemeClr val="accent1">
+                    <a:lumMod val="60000"/>
+                    <a:lumOff val="40000"/>
+                  </a:schemeClr>
+                </a:solidFill>
+                <a:hlinkClick r:id="rId3">
+                  <a:extLst>
+                    <a:ext uri="{A12FA001-AC4F-418D-AE19-62706E023703}">
+                      <ahyp:hlinkClr xmlns:ahyp="http://schemas.microsoft.com/office/drawing/2018/hyperlinkcolor" val="tx"/>
+                    </a:ext>
+                  </a:extLst>
+                </a:hlinkClick>
+              </a:rPr>
+              <a:t> https://blog.danskingdom.com/Easily-profile-your-PowerShell-code-with-the-Profiler-module/</a:t>
+            </a:r>
+            <a:r>
+              <a:rPr lang="en-US" sz="2800" dirty="0"/>
+              <a:t> </a:t>
+            </a:r>
+          </a:p>
+        </p:txBody>
+      </p:sp>
+      <p:sp>
+        <p:nvSpPr>
+          <p:cNvPr id="2" name="Slide Number Placeholder 1">
+            <a:extLst>
+              <a:ext uri="{FF2B5EF4-FFF2-40B4-BE49-F238E27FC236}">
+                <a16:creationId xmlns:a16="http://schemas.microsoft.com/office/drawing/2014/main" id="{BE9800F6-D571-48C4-8466-12AA1ADB6599}"/>
+              </a:ext>
+            </a:extLst>
+          </p:cNvPr>
+          <p:cNvSpPr>
+            <a:spLocks noGrp="1"/>
+          </p:cNvSpPr>
+          <p:nvPr>
+            <p:ph type="sldNum" sz="quarter" idx="12"/>
+          </p:nvPr>
+        </p:nvSpPr>
+        <p:spPr/>
+        <p:txBody>
+          <a:bodyPr/>
+          <a:lstStyle/>
+          <a:p>
+            <a:fld id="{C263D6C4-4840-40CC-AC84-17E24B3B7BDE}" type="slidenum">
+              <a:rPr lang="en-US" smtClean="0"/>
+              <a:pPr/>
+              <a:t>15</a:t>
+            </a:fld>
+            <a:endParaRPr lang="en-US" dirty="0"/>
+          </a:p>
+        </p:txBody>
+      </p:sp>
+    </p:spTree>
+    <p:extLst>
+      <p:ext uri="{BB962C8B-B14F-4D97-AF65-F5344CB8AC3E}">
+        <p14:creationId xmlns:p14="http://schemas.microsoft.com/office/powerpoint/2010/main" val="3946810922"/>
+      </p:ext>
+    </p:extLst>
+  </p:cSld>
+  <p:clrMapOvr>
+    <a:masterClrMapping/>
+  </p:clrMapOvr>
+  <mc:AlternateContent xmlns:mc="http://schemas.openxmlformats.org/markup-compatibility/2006" xmlns:p14="http://schemas.microsoft.com/office/powerpoint/2010/main">
+    <mc:Choice Requires="p14">
+      <p:transition spd="med" p14:dur="700">
+        <p:fade/>
+      </p:transition>
+    </mc:Choice>
+    <mc:Fallback xmlns="">
+      <p:transition spd="med">
+        <p:fade/>
+      </p:transition>
+    </mc:Fallback>
+  </mc:AlternateContent>
+</p:sld>
+</file>
+
+<file path=ppt/slides/slide16.xml><?xml version="1.0" encoding="utf-8"?>
 <p:sld xmlns:a="http://schemas.openxmlformats.org/drawingml/2006/main" xmlns:r="http://schemas.openxmlformats.org/officeDocument/2006/relationships" xmlns:p="http://schemas.openxmlformats.org/presentationml/2006/main">
   <p:cSld>
     <p:spTree>
@@ -30622,7 +31425,7 @@
                   </a:schemeClr>
                 </a:solidFill>
                 <a:latin typeface="+mn-lt"/>
-                <a:hlinkClick r:id="rId2">
+                <a:hlinkClick r:id="rId3">
                   <a:extLst>
                     <a:ext uri="{A12FA001-AC4F-418D-AE19-62706E023703}">
                       <ahyp:hlinkClr xmlns:ahyp="http://schemas.microsoft.com/office/drawing/2018/hyperlinkcolor" val="tx"/>
@@ -30709,7 +31512,7 @@
                   </a:schemeClr>
                 </a:solidFill>
                 <a:latin typeface="+mn-lt"/>
-                <a:hlinkClick r:id="rId3">
+                <a:hlinkClick r:id="rId4">
                   <a:extLst>
                     <a:ext uri="{A12FA001-AC4F-418D-AE19-62706E023703}">
                       <ahyp:hlinkClr xmlns:ahyp="http://schemas.microsoft.com/office/drawing/2018/hyperlinkcolor" val="tx"/>
@@ -30796,7 +31599,7 @@
                   </a:schemeClr>
                 </a:solidFill>
                 <a:latin typeface="+mn-lt"/>
-                <a:hlinkClick r:id="rId4">
+                <a:hlinkClick r:id="rId5">
                   <a:extLst>
                     <a:ext uri="{A12FA001-AC4F-418D-AE19-62706E023703}">
                       <ahyp:hlinkClr xmlns:ahyp="http://schemas.microsoft.com/office/drawing/2018/hyperlinkcolor" val="tx"/>
@@ -30883,7 +31686,7 @@
                   </a:schemeClr>
                 </a:solidFill>
                 <a:latin typeface="+mn-lt"/>
-                <a:hlinkClick r:id="rId5">
+                <a:hlinkClick r:id="rId6">
                   <a:extLst>
                     <a:ext uri="{A12FA001-AC4F-418D-AE19-62706E023703}">
                       <ahyp:hlinkClr xmlns:ahyp="http://schemas.microsoft.com/office/drawing/2018/hyperlinkcolor" val="tx"/>
@@ -30921,139 +31724,6 @@
   <p:transition spd="slow">
     <p:wipe/>
   </p:transition>
-</p:sld>
-</file>
-
-<file path=ppt/slides/slide16.xml><?xml version="1.0" encoding="utf-8"?>
-<p:sld xmlns:a="http://schemas.openxmlformats.org/drawingml/2006/main" xmlns:r="http://schemas.openxmlformats.org/officeDocument/2006/relationships" xmlns:p="http://schemas.openxmlformats.org/presentationml/2006/main">
-  <p:cSld>
-    <p:spTree>
-      <p:nvGrpSpPr>
-        <p:cNvPr id="1" name=""/>
-        <p:cNvGrpSpPr/>
-        <p:nvPr/>
-      </p:nvGrpSpPr>
-      <p:grpSpPr>
-        <a:xfrm>
-          <a:off x="0" y="0"/>
-          <a:ext cx="0" cy="0"/>
-          <a:chOff x="0" y="0"/>
-          <a:chExt cx="0" cy="0"/>
-        </a:xfrm>
-      </p:grpSpPr>
-      <p:sp>
-        <p:nvSpPr>
-          <p:cNvPr id="7" name="Title 6">
-            <a:extLst>
-              <a:ext uri="{FF2B5EF4-FFF2-40B4-BE49-F238E27FC236}">
-                <a16:creationId xmlns:a16="http://schemas.microsoft.com/office/drawing/2014/main" id="{7875C19A-1AAE-476A-A316-A2CF92D763D3}"/>
-              </a:ext>
-            </a:extLst>
-          </p:cNvPr>
-          <p:cNvSpPr>
-            <a:spLocks noGrp="1"/>
-          </p:cNvSpPr>
-          <p:nvPr>
-            <p:ph type="title"/>
-          </p:nvPr>
-        </p:nvSpPr>
-        <p:spPr/>
-        <p:txBody>
-          <a:bodyPr/>
-          <a:lstStyle/>
-          <a:p>
-            <a:r>
-              <a:rPr lang="en-US" dirty="0"/>
-              <a:t>Content Title</a:t>
-            </a:r>
-          </a:p>
-        </p:txBody>
-      </p:sp>
-      <p:sp>
-        <p:nvSpPr>
-          <p:cNvPr id="10" name="Text Placeholder 9">
-            <a:extLst>
-              <a:ext uri="{FF2B5EF4-FFF2-40B4-BE49-F238E27FC236}">
-                <a16:creationId xmlns:a16="http://schemas.microsoft.com/office/drawing/2014/main" id="{EF2BC084-E6DB-4DE7-B309-042A85EBA700}"/>
-              </a:ext>
-            </a:extLst>
-          </p:cNvPr>
-          <p:cNvSpPr>
-            <a:spLocks noGrp="1"/>
-          </p:cNvSpPr>
-          <p:nvPr>
-            <p:ph type="body" sz="quarter" idx="13"/>
-          </p:nvPr>
-        </p:nvSpPr>
-        <p:spPr>
-          <a:xfrm>
-            <a:off x="444500" y="1625385"/>
-            <a:ext cx="11214100" cy="4390951"/>
-          </a:xfrm>
-        </p:spPr>
-        <p:txBody>
-          <a:bodyPr/>
-          <a:lstStyle/>
-          <a:p>
-            <a:r>
-              <a:rPr lang="en-US" sz="2800" dirty="0"/>
-              <a:t>Lorem</a:t>
-            </a:r>
-          </a:p>
-        </p:txBody>
-      </p:sp>
-      <p:sp>
-        <p:nvSpPr>
-          <p:cNvPr id="2" name="Slide Number Placeholder 1">
-            <a:extLst>
-              <a:ext uri="{FF2B5EF4-FFF2-40B4-BE49-F238E27FC236}">
-                <a16:creationId xmlns:a16="http://schemas.microsoft.com/office/drawing/2014/main" id="{BE9800F6-D571-48C4-8466-12AA1ADB6599}"/>
-              </a:ext>
-            </a:extLst>
-          </p:cNvPr>
-          <p:cNvSpPr>
-            <a:spLocks noGrp="1"/>
-          </p:cNvSpPr>
-          <p:nvPr>
-            <p:ph type="sldNum" sz="quarter" idx="12"/>
-          </p:nvPr>
-        </p:nvSpPr>
-        <p:spPr/>
-        <p:txBody>
-          <a:bodyPr/>
-          <a:lstStyle/>
-          <a:p>
-            <a:fld id="{C263D6C4-4840-40CC-AC84-17E24B3B7BDE}" type="slidenum">
-              <a:rPr lang="en-US" smtClean="0"/>
-              <a:pPr/>
-              <a:t>16</a:t>
-            </a:fld>
-            <a:endParaRPr lang="en-US" dirty="0"/>
-          </a:p>
-        </p:txBody>
-      </p:sp>
-    </p:spTree>
-    <p:extLst>
-      <p:ext uri="{BB962C8B-B14F-4D97-AF65-F5344CB8AC3E}">
-        <p14:creationId xmlns:p14="http://schemas.microsoft.com/office/powerpoint/2010/main" val="1161962822"/>
-      </p:ext>
-    </p:extLst>
-  </p:cSld>
-  <p:clrMapOvr>
-    <a:masterClrMapping/>
-  </p:clrMapOvr>
-  <mc:AlternateContent xmlns:mc="http://schemas.openxmlformats.org/markup-compatibility/2006" xmlns:p14="http://schemas.microsoft.com/office/powerpoint/2010/main">
-    <mc:Choice Requires="p14">
-      <p:transition spd="med" p14:dur="700">
-        <p:fade/>
-      </p:transition>
-    </mc:Choice>
-    <mc:Fallback xmlns="">
-      <p:transition spd="med">
-        <p:fade/>
-      </p:transition>
-    </mc:Fallback>
-  </mc:AlternateContent>
 </p:sld>
 </file>
 
@@ -31168,7 +31838,7 @@
     </p:spTree>
     <p:extLst>
       <p:ext uri="{BB962C8B-B14F-4D97-AF65-F5344CB8AC3E}">
-        <p14:creationId xmlns:p14="http://schemas.microsoft.com/office/powerpoint/2010/main" val="2688477632"/>
+        <p14:creationId xmlns:p14="http://schemas.microsoft.com/office/powerpoint/2010/main" val="1161962822"/>
       </p:ext>
     </p:extLst>
   </p:cSld>
@@ -31301,7 +31971,7 @@
     </p:spTree>
     <p:extLst>
       <p:ext uri="{BB962C8B-B14F-4D97-AF65-F5344CB8AC3E}">
-        <p14:creationId xmlns:p14="http://schemas.microsoft.com/office/powerpoint/2010/main" val="761298797"/>
+        <p14:creationId xmlns:p14="http://schemas.microsoft.com/office/powerpoint/2010/main" val="2688477632"/>
       </p:ext>
     </p:extLst>
   </p:cSld>
@@ -31342,10 +32012,10 @@
       </p:grpSpPr>
       <p:sp>
         <p:nvSpPr>
-          <p:cNvPr id="4" name="Title 3">
+          <p:cNvPr id="7" name="Title 6">
             <a:extLst>
               <a:ext uri="{FF2B5EF4-FFF2-40B4-BE49-F238E27FC236}">
-                <a16:creationId xmlns:a16="http://schemas.microsoft.com/office/drawing/2014/main" id="{E3BD8413-C238-49D7-A4E1-E8FEF1811A0E}"/>
+                <a16:creationId xmlns:a16="http://schemas.microsoft.com/office/drawing/2014/main" id="{7875C19A-1AAE-476A-A316-A2CF92D763D3}"/>
               </a:ext>
             </a:extLst>
           </p:cNvPr>
@@ -31363,17 +32033,17 @@
           <a:p>
             <a:r>
               <a:rPr lang="en-US" dirty="0"/>
-              <a:t>Section Header01</a:t>
+              <a:t>Content Title</a:t>
             </a:r>
           </a:p>
         </p:txBody>
       </p:sp>
       <p:sp>
         <p:nvSpPr>
-          <p:cNvPr id="5" name="Text Placeholder 4">
+          <p:cNvPr id="10" name="Text Placeholder 9">
             <a:extLst>
               <a:ext uri="{FF2B5EF4-FFF2-40B4-BE49-F238E27FC236}">
-                <a16:creationId xmlns:a16="http://schemas.microsoft.com/office/drawing/2014/main" id="{0A95F4DE-39B7-4CE2-BC1E-8B8AE662A895}"/>
+                <a16:creationId xmlns:a16="http://schemas.microsoft.com/office/drawing/2014/main" id="{EF2BC084-E6DB-4DE7-B309-042A85EBA700}"/>
               </a:ext>
             </a:extLst>
           </p:cNvPr>
@@ -31381,17 +32051,22 @@
             <a:spLocks noGrp="1"/>
           </p:cNvSpPr>
           <p:nvPr>
-            <p:ph type="body" idx="1"/>
+            <p:ph type="body" sz="quarter" idx="13"/>
           </p:nvPr>
         </p:nvSpPr>
-        <p:spPr/>
+        <p:spPr>
+          <a:xfrm>
+            <a:off x="444500" y="1625385"/>
+            <a:ext cx="11214100" cy="4390951"/>
+          </a:xfrm>
+        </p:spPr>
         <p:txBody>
           <a:bodyPr/>
           <a:lstStyle/>
           <a:p>
             <a:r>
-              <a:rPr lang="en-US" dirty="0"/>
-              <a:t>Subtitle</a:t>
+              <a:rPr lang="en-US" sz="2800" dirty="0"/>
+              <a:t>Lorem</a:t>
             </a:r>
           </a:p>
         </p:txBody>
@@ -31401,7 +32076,7 @@
           <p:cNvPr id="2" name="Slide Number Placeholder 1">
             <a:extLst>
               <a:ext uri="{FF2B5EF4-FFF2-40B4-BE49-F238E27FC236}">
-                <a16:creationId xmlns:a16="http://schemas.microsoft.com/office/drawing/2014/main" id="{0B24BF10-2B55-43AB-9F77-F1A1410384A9}"/>
+                <a16:creationId xmlns:a16="http://schemas.microsoft.com/office/drawing/2014/main" id="{BE9800F6-D571-48C4-8466-12AA1ADB6599}"/>
               </a:ext>
             </a:extLst>
           </p:cNvPr>
@@ -31429,7 +32104,7 @@
     </p:spTree>
     <p:extLst>
       <p:ext uri="{BB962C8B-B14F-4D97-AF65-F5344CB8AC3E}">
-        <p14:creationId xmlns:p14="http://schemas.microsoft.com/office/powerpoint/2010/main" val="2902794312"/>
+        <p14:creationId xmlns:p14="http://schemas.microsoft.com/office/powerpoint/2010/main" val="761298797"/>
       </p:ext>
     </p:extLst>
   </p:cSld>
@@ -31659,7 +32334,7 @@
           <p:cNvPr id="4" name="Title 3">
             <a:extLst>
               <a:ext uri="{FF2B5EF4-FFF2-40B4-BE49-F238E27FC236}">
-                <a16:creationId xmlns:a16="http://schemas.microsoft.com/office/drawing/2014/main" id="{BD179B88-D43C-4A31-9A52-3498E9430782}"/>
+                <a16:creationId xmlns:a16="http://schemas.microsoft.com/office/drawing/2014/main" id="{E3BD8413-C238-49D7-A4E1-E8FEF1811A0E}"/>
               </a:ext>
             </a:extLst>
           </p:cNvPr>
@@ -31677,7 +32352,7 @@
           <a:p>
             <a:r>
               <a:rPr lang="en-US" dirty="0"/>
-              <a:t>Section Header02</a:t>
+              <a:t>Section Header01</a:t>
             </a:r>
           </a:p>
         </p:txBody>
@@ -31687,7 +32362,7 @@
           <p:cNvPr id="5" name="Text Placeholder 4">
             <a:extLst>
               <a:ext uri="{FF2B5EF4-FFF2-40B4-BE49-F238E27FC236}">
-                <a16:creationId xmlns:a16="http://schemas.microsoft.com/office/drawing/2014/main" id="{DCDDBE65-9AB1-4989-AF86-726591A6A128}"/>
+                <a16:creationId xmlns:a16="http://schemas.microsoft.com/office/drawing/2014/main" id="{0A95F4DE-39B7-4CE2-BC1E-8B8AE662A895}"/>
               </a:ext>
             </a:extLst>
           </p:cNvPr>
@@ -31715,7 +32390,7 @@
           <p:cNvPr id="2" name="Slide Number Placeholder 1">
             <a:extLst>
               <a:ext uri="{FF2B5EF4-FFF2-40B4-BE49-F238E27FC236}">
-                <a16:creationId xmlns:a16="http://schemas.microsoft.com/office/drawing/2014/main" id="{8B065C75-272B-4BB5-BA23-D80E8654D621}"/>
+                <a16:creationId xmlns:a16="http://schemas.microsoft.com/office/drawing/2014/main" id="{0B24BF10-2B55-43AB-9F77-F1A1410384A9}"/>
               </a:ext>
             </a:extLst>
           </p:cNvPr>
@@ -31743,7 +32418,7 @@
     </p:spTree>
     <p:extLst>
       <p:ext uri="{BB962C8B-B14F-4D97-AF65-F5344CB8AC3E}">
-        <p14:creationId xmlns:p14="http://schemas.microsoft.com/office/powerpoint/2010/main" val="709828751"/>
+        <p14:creationId xmlns:p14="http://schemas.microsoft.com/office/powerpoint/2010/main" val="2902794312"/>
       </p:ext>
     </p:extLst>
   </p:cSld>
@@ -31784,10 +32459,10 @@
       </p:grpSpPr>
       <p:sp>
         <p:nvSpPr>
-          <p:cNvPr id="7" name="Title 6">
+          <p:cNvPr id="4" name="Title 3">
             <a:extLst>
               <a:ext uri="{FF2B5EF4-FFF2-40B4-BE49-F238E27FC236}">
-                <a16:creationId xmlns:a16="http://schemas.microsoft.com/office/drawing/2014/main" id="{7875C19A-1AAE-476A-A316-A2CF92D763D3}"/>
+                <a16:creationId xmlns:a16="http://schemas.microsoft.com/office/drawing/2014/main" id="{BD179B88-D43C-4A31-9A52-3498E9430782}"/>
               </a:ext>
             </a:extLst>
           </p:cNvPr>
@@ -31805,17 +32480,17 @@
           <a:p>
             <a:r>
               <a:rPr lang="en-US" dirty="0"/>
-              <a:t>Content Title 01</a:t>
+              <a:t>Section Header02</a:t>
             </a:r>
           </a:p>
         </p:txBody>
       </p:sp>
       <p:sp>
         <p:nvSpPr>
-          <p:cNvPr id="10" name="Text Placeholder 9">
+          <p:cNvPr id="5" name="Text Placeholder 4">
             <a:extLst>
               <a:ext uri="{FF2B5EF4-FFF2-40B4-BE49-F238E27FC236}">
-                <a16:creationId xmlns:a16="http://schemas.microsoft.com/office/drawing/2014/main" id="{EF2BC084-E6DB-4DE7-B309-042A85EBA700}"/>
+                <a16:creationId xmlns:a16="http://schemas.microsoft.com/office/drawing/2014/main" id="{DCDDBE65-9AB1-4989-AF86-726591A6A128}"/>
               </a:ext>
             </a:extLst>
           </p:cNvPr>
@@ -31823,7 +32498,7 @@
             <a:spLocks noGrp="1"/>
           </p:cNvSpPr>
           <p:nvPr>
-            <p:ph type="body" sz="quarter" idx="13"/>
+            <p:ph type="body" idx="1"/>
           </p:nvPr>
         </p:nvSpPr>
         <p:spPr/>
@@ -31833,19 +32508,7 @@
           <a:p>
             <a:r>
               <a:rPr lang="en-US" dirty="0"/>
-              <a:t>Lorem ipsum dolor sit amet, consectetuer adipiscing elit. Maecenas porttitor congue massa. Fusce posuere, magna sed pulvinar ultricies, purus lectus malesuada libero, sit amet commodo magna eros quis urna.</a:t>
-            </a:r>
-          </a:p>
-          <a:p>
-            <a:r>
-              <a:rPr lang="en-US" dirty="0"/>
-              <a:t>Nunc viverra imperdiet enim. Fusce est. Vivamus a tellus.</a:t>
-            </a:r>
-          </a:p>
-          <a:p>
-            <a:r>
-              <a:rPr lang="en-US" dirty="0"/>
-              <a:t>Pellentesque habitant morbi tristique senectus et netus et malesuada fames ac turpis egestas. Proin pharetra nonummy pede. Mauris et orci.</a:t>
+              <a:t>Subtitle</a:t>
             </a:r>
           </a:p>
         </p:txBody>
@@ -31855,7 +32518,7 @@
           <p:cNvPr id="2" name="Slide Number Placeholder 1">
             <a:extLst>
               <a:ext uri="{FF2B5EF4-FFF2-40B4-BE49-F238E27FC236}">
-                <a16:creationId xmlns:a16="http://schemas.microsoft.com/office/drawing/2014/main" id="{BE9800F6-D571-48C4-8466-12AA1ADB6599}"/>
+                <a16:creationId xmlns:a16="http://schemas.microsoft.com/office/drawing/2014/main" id="{8B065C75-272B-4BB5-BA23-D80E8654D621}"/>
               </a:ext>
             </a:extLst>
           </p:cNvPr>
@@ -31883,7 +32546,7 @@
     </p:spTree>
     <p:extLst>
       <p:ext uri="{BB962C8B-B14F-4D97-AF65-F5344CB8AC3E}">
-        <p14:creationId xmlns:p14="http://schemas.microsoft.com/office/powerpoint/2010/main" val="1788966512"/>
+        <p14:creationId xmlns:p14="http://schemas.microsoft.com/office/powerpoint/2010/main" val="709828751"/>
       </p:ext>
     </p:extLst>
   </p:cSld>
@@ -31924,6 +32587,146 @@
       </p:grpSpPr>
       <p:sp>
         <p:nvSpPr>
+          <p:cNvPr id="7" name="Title 6">
+            <a:extLst>
+              <a:ext uri="{FF2B5EF4-FFF2-40B4-BE49-F238E27FC236}">
+                <a16:creationId xmlns:a16="http://schemas.microsoft.com/office/drawing/2014/main" id="{7875C19A-1AAE-476A-A316-A2CF92D763D3}"/>
+              </a:ext>
+            </a:extLst>
+          </p:cNvPr>
+          <p:cNvSpPr>
+            <a:spLocks noGrp="1"/>
+          </p:cNvSpPr>
+          <p:nvPr>
+            <p:ph type="title"/>
+          </p:nvPr>
+        </p:nvSpPr>
+        <p:spPr/>
+        <p:txBody>
+          <a:bodyPr/>
+          <a:lstStyle/>
+          <a:p>
+            <a:r>
+              <a:rPr lang="en-US" dirty="0"/>
+              <a:t>Content Title 01</a:t>
+            </a:r>
+          </a:p>
+        </p:txBody>
+      </p:sp>
+      <p:sp>
+        <p:nvSpPr>
+          <p:cNvPr id="10" name="Text Placeholder 9">
+            <a:extLst>
+              <a:ext uri="{FF2B5EF4-FFF2-40B4-BE49-F238E27FC236}">
+                <a16:creationId xmlns:a16="http://schemas.microsoft.com/office/drawing/2014/main" id="{EF2BC084-E6DB-4DE7-B309-042A85EBA700}"/>
+              </a:ext>
+            </a:extLst>
+          </p:cNvPr>
+          <p:cNvSpPr>
+            <a:spLocks noGrp="1"/>
+          </p:cNvSpPr>
+          <p:nvPr>
+            <p:ph type="body" sz="quarter" idx="13"/>
+          </p:nvPr>
+        </p:nvSpPr>
+        <p:spPr/>
+        <p:txBody>
+          <a:bodyPr/>
+          <a:lstStyle/>
+          <a:p>
+            <a:r>
+              <a:rPr lang="en-US" dirty="0"/>
+              <a:t>Lorem ipsum dolor sit amet, consectetuer adipiscing elit. Maecenas porttitor congue massa. Fusce posuere, magna sed pulvinar ultricies, purus lectus malesuada libero, sit amet commodo magna eros quis urna.</a:t>
+            </a:r>
+          </a:p>
+          <a:p>
+            <a:r>
+              <a:rPr lang="en-US" dirty="0"/>
+              <a:t>Nunc viverra imperdiet enim. Fusce est. Vivamus a tellus.</a:t>
+            </a:r>
+          </a:p>
+          <a:p>
+            <a:r>
+              <a:rPr lang="en-US" dirty="0"/>
+              <a:t>Pellentesque habitant morbi tristique senectus et netus et malesuada fames ac turpis egestas. Proin pharetra nonummy pede. Mauris et orci.</a:t>
+            </a:r>
+          </a:p>
+        </p:txBody>
+      </p:sp>
+      <p:sp>
+        <p:nvSpPr>
+          <p:cNvPr id="2" name="Slide Number Placeholder 1">
+            <a:extLst>
+              <a:ext uri="{FF2B5EF4-FFF2-40B4-BE49-F238E27FC236}">
+                <a16:creationId xmlns:a16="http://schemas.microsoft.com/office/drawing/2014/main" id="{BE9800F6-D571-48C4-8466-12AA1ADB6599}"/>
+              </a:ext>
+            </a:extLst>
+          </p:cNvPr>
+          <p:cNvSpPr>
+            <a:spLocks noGrp="1"/>
+          </p:cNvSpPr>
+          <p:nvPr>
+            <p:ph type="sldNum" sz="quarter" idx="12"/>
+          </p:nvPr>
+        </p:nvSpPr>
+        <p:spPr/>
+        <p:txBody>
+          <a:bodyPr/>
+          <a:lstStyle/>
+          <a:p>
+            <a:fld id="{C263D6C4-4840-40CC-AC84-17E24B3B7BDE}" type="slidenum">
+              <a:rPr lang="en-US" smtClean="0"/>
+              <a:pPr/>
+              <a:t>22</a:t>
+            </a:fld>
+            <a:endParaRPr lang="en-US" dirty="0"/>
+          </a:p>
+        </p:txBody>
+      </p:sp>
+    </p:spTree>
+    <p:extLst>
+      <p:ext uri="{BB962C8B-B14F-4D97-AF65-F5344CB8AC3E}">
+        <p14:creationId xmlns:p14="http://schemas.microsoft.com/office/powerpoint/2010/main" val="1788966512"/>
+      </p:ext>
+    </p:extLst>
+  </p:cSld>
+  <p:clrMapOvr>
+    <a:masterClrMapping/>
+  </p:clrMapOvr>
+  <mc:AlternateContent xmlns:mc="http://schemas.openxmlformats.org/markup-compatibility/2006" xmlns:p14="http://schemas.microsoft.com/office/powerpoint/2010/main">
+    <mc:Choice Requires="p14">
+      <p:transition spd="med" p14:dur="700">
+        <p:fade/>
+      </p:transition>
+    </mc:Choice>
+    <mc:Fallback xmlns="">
+      <p:transition spd="med">
+        <p:fade/>
+      </p:transition>
+    </mc:Fallback>
+  </mc:AlternateContent>
+</p:sld>
+</file>
+
+<file path=ppt/slides/slide23.xml><?xml version="1.0" encoding="utf-8"?>
+<p:sld xmlns:a="http://schemas.openxmlformats.org/drawingml/2006/main" xmlns:r="http://schemas.openxmlformats.org/officeDocument/2006/relationships" xmlns:p="http://schemas.openxmlformats.org/presentationml/2006/main">
+  <p:cSld>
+    <p:spTree>
+      <p:nvGrpSpPr>
+        <p:cNvPr id="1" name=""/>
+        <p:cNvGrpSpPr/>
+        <p:nvPr/>
+      </p:nvGrpSpPr>
+      <p:grpSpPr>
+        <a:xfrm>
+          <a:off x="0" y="0"/>
+          <a:ext cx="0" cy="0"/>
+          <a:chOff x="0" y="0"/>
+          <a:chExt cx="0" cy="0"/>
+        </a:xfrm>
+      </p:grpSpPr>
+      <p:sp>
+        <p:nvSpPr>
           <p:cNvPr id="4" name="Title 3">
             <a:extLst>
               <a:ext uri="{FF2B5EF4-FFF2-40B4-BE49-F238E27FC236}">
@@ -31974,7 +32777,7 @@
             <a:fld id="{C263D6C4-4840-40CC-AC84-17E24B3B7BDE}" type="slidenum">
               <a:rPr lang="en-US" smtClean="0"/>
               <a:pPr/>
-              <a:t>22</a:t>
+              <a:t>23</a:t>
             </a:fld>
             <a:endParaRPr lang="en-US" dirty="0"/>
           </a:p>
@@ -32138,7 +32941,7 @@
 </p:sld>
 </file>
 
-<file path=ppt/slides/slide23.xml><?xml version="1.0" encoding="utf-8"?>
+<file path=ppt/slides/slide24.xml><?xml version="1.0" encoding="utf-8"?>
 <p:sld xmlns:a="http://schemas.openxmlformats.org/drawingml/2006/main" xmlns:r="http://schemas.openxmlformats.org/officeDocument/2006/relationships" xmlns:p="http://schemas.openxmlformats.org/presentationml/2006/main">
   <p:cSld>
     <p:spTree>
@@ -32522,7 +33325,7 @@
             <a:fld id="{C263D6C4-4840-40CC-AC84-17E24B3B7BDE}" type="slidenum">
               <a:rPr lang="en-US" smtClean="0"/>
               <a:pPr/>
-              <a:t>23</a:t>
+              <a:t>24</a:t>
             </a:fld>
             <a:endParaRPr lang="en-US" dirty="0"/>
           </a:p>
@@ -32532,221 +33335,6 @@
     <p:extLst>
       <p:ext uri="{BB962C8B-B14F-4D97-AF65-F5344CB8AC3E}">
         <p14:creationId xmlns:p14="http://schemas.microsoft.com/office/powerpoint/2010/main" val="3892131414"/>
-      </p:ext>
-    </p:extLst>
-  </p:cSld>
-  <p:clrMapOvr>
-    <a:masterClrMapping/>
-  </p:clrMapOvr>
-  <mc:AlternateContent xmlns:mc="http://schemas.openxmlformats.org/markup-compatibility/2006" xmlns:p14="http://schemas.microsoft.com/office/powerpoint/2010/main">
-    <mc:Choice Requires="p14">
-      <p:transition spd="med" p14:dur="700">
-        <p:fade/>
-      </p:transition>
-    </mc:Choice>
-    <mc:Fallback xmlns="">
-      <p:transition spd="med">
-        <p:fade/>
-      </p:transition>
-    </mc:Fallback>
-  </mc:AlternateContent>
-</p:sld>
-</file>
-
-<file path=ppt/slides/slide24.xml><?xml version="1.0" encoding="utf-8"?>
-<p:sld xmlns:a="http://schemas.openxmlformats.org/drawingml/2006/main" xmlns:r="http://schemas.openxmlformats.org/officeDocument/2006/relationships" xmlns:p="http://schemas.openxmlformats.org/presentationml/2006/main">
-  <p:cSld>
-    <p:spTree>
-      <p:nvGrpSpPr>
-        <p:cNvPr id="1" name=""/>
-        <p:cNvGrpSpPr/>
-        <p:nvPr/>
-      </p:nvGrpSpPr>
-      <p:grpSpPr>
-        <a:xfrm>
-          <a:off x="0" y="0"/>
-          <a:ext cx="0" cy="0"/>
-          <a:chOff x="0" y="0"/>
-          <a:chExt cx="0" cy="0"/>
-        </a:xfrm>
-      </p:grpSpPr>
-      <p:sp>
-        <p:nvSpPr>
-          <p:cNvPr id="4" name="Title 3">
-            <a:extLst>
-              <a:ext uri="{FF2B5EF4-FFF2-40B4-BE49-F238E27FC236}">
-                <a16:creationId xmlns:a16="http://schemas.microsoft.com/office/drawing/2014/main" id="{315E3981-F0D7-482C-A8E0-6A57700BECA7}"/>
-              </a:ext>
-            </a:extLst>
-          </p:cNvPr>
-          <p:cNvSpPr>
-            <a:spLocks noGrp="1"/>
-          </p:cNvSpPr>
-          <p:nvPr>
-            <p:ph type="title"/>
-          </p:nvPr>
-        </p:nvSpPr>
-        <p:spPr/>
-        <p:txBody>
-          <a:bodyPr/>
-          <a:lstStyle/>
-          <a:p>
-            <a:r>
-              <a:rPr lang="en-US" dirty="0"/>
-              <a:t>Content Title 03</a:t>
-            </a:r>
-          </a:p>
-        </p:txBody>
-      </p:sp>
-      <p:pic>
-        <p:nvPicPr>
-          <p:cNvPr id="20" name="Picture Placeholder 19" descr="Triangular pattern design with dimension">
-            <a:extLst>
-              <a:ext uri="{FF2B5EF4-FFF2-40B4-BE49-F238E27FC236}">
-                <a16:creationId xmlns:a16="http://schemas.microsoft.com/office/drawing/2014/main" id="{3DCA2B8E-64D3-7645-8DEB-688ED5756F52}"/>
-              </a:ext>
-            </a:extLst>
-          </p:cNvPr>
-          <p:cNvPicPr>
-            <a:picLocks noGrp="1" noChangeAspect="1"/>
-          </p:cNvPicPr>
-          <p:nvPr>
-            <p:ph type="pic" sz="quarter" idx="19"/>
-          </p:nvPr>
-        </p:nvPicPr>
-        <p:blipFill>
-          <a:blip r:embed="rId2">
-            <a:extLst>
-              <a:ext uri="{28A0092B-C50C-407E-A947-70E740481C1C}">
-                <a14:useLocalDpi xmlns:a14="http://schemas.microsoft.com/office/drawing/2010/main" val="0"/>
-              </a:ext>
-            </a:extLst>
-          </a:blip>
-          <a:srcRect/>
-          <a:stretch>
-            <a:fillRect/>
-          </a:stretch>
-        </p:blipFill>
-        <p:spPr/>
-      </p:pic>
-      <p:sp>
-        <p:nvSpPr>
-          <p:cNvPr id="19" name="Text Placeholder 18">
-            <a:extLst>
-              <a:ext uri="{FF2B5EF4-FFF2-40B4-BE49-F238E27FC236}">
-                <a16:creationId xmlns:a16="http://schemas.microsoft.com/office/drawing/2014/main" id="{782206B1-586F-4254-9B36-D06C4E294ACF}"/>
-              </a:ext>
-            </a:extLst>
-          </p:cNvPr>
-          <p:cNvSpPr>
-            <a:spLocks noGrp="1"/>
-          </p:cNvSpPr>
-          <p:nvPr>
-            <p:ph type="body" sz="quarter" idx="18"/>
-          </p:nvPr>
-        </p:nvSpPr>
-        <p:spPr/>
-        <p:txBody>
-          <a:bodyPr/>
-          <a:lstStyle/>
-          <a:p>
-            <a:r>
-              <a:rPr lang="en-US" dirty="0"/>
-              <a:t>Caption01 appears here</a:t>
-            </a:r>
-          </a:p>
-        </p:txBody>
-      </p:sp>
-      <p:sp>
-        <p:nvSpPr>
-          <p:cNvPr id="21" name="Text Placeholder 20">
-            <a:extLst>
-              <a:ext uri="{FF2B5EF4-FFF2-40B4-BE49-F238E27FC236}">
-                <a16:creationId xmlns:a16="http://schemas.microsoft.com/office/drawing/2014/main" id="{1B8F0371-4F69-4131-91BF-9AB99E6EE89B}"/>
-              </a:ext>
-            </a:extLst>
-          </p:cNvPr>
-          <p:cNvSpPr>
-            <a:spLocks noGrp="1"/>
-          </p:cNvSpPr>
-          <p:nvPr>
-            <p:ph type="body" sz="quarter" idx="20"/>
-          </p:nvPr>
-        </p:nvSpPr>
-        <p:spPr/>
-        <p:txBody>
-          <a:bodyPr/>
-          <a:lstStyle/>
-          <a:p>
-            <a:r>
-              <a:rPr lang="en-US" dirty="0"/>
-              <a:t>Caption03 appears here</a:t>
-            </a:r>
-          </a:p>
-        </p:txBody>
-      </p:sp>
-      <p:sp>
-        <p:nvSpPr>
-          <p:cNvPr id="22" name="Text Placeholder 21">
-            <a:extLst>
-              <a:ext uri="{FF2B5EF4-FFF2-40B4-BE49-F238E27FC236}">
-                <a16:creationId xmlns:a16="http://schemas.microsoft.com/office/drawing/2014/main" id="{78CACAF1-61EA-4605-A8FE-2EEE752B49FF}"/>
-              </a:ext>
-            </a:extLst>
-          </p:cNvPr>
-          <p:cNvSpPr>
-            <a:spLocks noGrp="1"/>
-          </p:cNvSpPr>
-          <p:nvPr>
-            <p:ph type="body" sz="quarter" idx="21"/>
-          </p:nvPr>
-        </p:nvSpPr>
-        <p:spPr/>
-        <p:txBody>
-          <a:bodyPr/>
-          <a:lstStyle/>
-          <a:p>
-            <a:r>
-              <a:rPr lang="en-US" dirty="0"/>
-              <a:t>Caption04 appears here</a:t>
-            </a:r>
-          </a:p>
-        </p:txBody>
-      </p:sp>
-      <p:sp>
-        <p:nvSpPr>
-          <p:cNvPr id="2" name="Slide Number Placeholder 1">
-            <a:extLst>
-              <a:ext uri="{FF2B5EF4-FFF2-40B4-BE49-F238E27FC236}">
-                <a16:creationId xmlns:a16="http://schemas.microsoft.com/office/drawing/2014/main" id="{2F478C69-0A1D-45FF-8600-ED903803FFE1}"/>
-              </a:ext>
-            </a:extLst>
-          </p:cNvPr>
-          <p:cNvSpPr>
-            <a:spLocks noGrp="1"/>
-          </p:cNvSpPr>
-          <p:nvPr>
-            <p:ph type="sldNum" sz="quarter" idx="12"/>
-          </p:nvPr>
-        </p:nvSpPr>
-        <p:spPr/>
-        <p:txBody>
-          <a:bodyPr/>
-          <a:lstStyle/>
-          <a:p>
-            <a:fld id="{C263D6C4-4840-40CC-AC84-17E24B3B7BDE}" type="slidenum">
-              <a:rPr lang="en-US" smtClean="0"/>
-              <a:pPr/>
-              <a:t>24</a:t>
-            </a:fld>
-            <a:endParaRPr lang="en-US" dirty="0"/>
-          </a:p>
-        </p:txBody>
-      </p:sp>
-    </p:spTree>
-    <p:extLst>
-      <p:ext uri="{BB962C8B-B14F-4D97-AF65-F5344CB8AC3E}">
-        <p14:creationId xmlns:p14="http://schemas.microsoft.com/office/powerpoint/2010/main" val="451187730"/>
       </p:ext>
     </p:extLst>
   </p:cSld>
@@ -32808,6 +33396,221 @@
           <a:p>
             <a:r>
               <a:rPr lang="en-US" dirty="0"/>
+              <a:t>Content Title 03</a:t>
+            </a:r>
+          </a:p>
+        </p:txBody>
+      </p:sp>
+      <p:pic>
+        <p:nvPicPr>
+          <p:cNvPr id="20" name="Picture Placeholder 19" descr="Triangular pattern design with dimension">
+            <a:extLst>
+              <a:ext uri="{FF2B5EF4-FFF2-40B4-BE49-F238E27FC236}">
+                <a16:creationId xmlns:a16="http://schemas.microsoft.com/office/drawing/2014/main" id="{3DCA2B8E-64D3-7645-8DEB-688ED5756F52}"/>
+              </a:ext>
+            </a:extLst>
+          </p:cNvPr>
+          <p:cNvPicPr>
+            <a:picLocks noGrp="1" noChangeAspect="1"/>
+          </p:cNvPicPr>
+          <p:nvPr>
+            <p:ph type="pic" sz="quarter" idx="19"/>
+          </p:nvPr>
+        </p:nvPicPr>
+        <p:blipFill>
+          <a:blip r:embed="rId2">
+            <a:extLst>
+              <a:ext uri="{28A0092B-C50C-407E-A947-70E740481C1C}">
+                <a14:useLocalDpi xmlns:a14="http://schemas.microsoft.com/office/drawing/2010/main" val="0"/>
+              </a:ext>
+            </a:extLst>
+          </a:blip>
+          <a:srcRect/>
+          <a:stretch>
+            <a:fillRect/>
+          </a:stretch>
+        </p:blipFill>
+        <p:spPr/>
+      </p:pic>
+      <p:sp>
+        <p:nvSpPr>
+          <p:cNvPr id="19" name="Text Placeholder 18">
+            <a:extLst>
+              <a:ext uri="{FF2B5EF4-FFF2-40B4-BE49-F238E27FC236}">
+                <a16:creationId xmlns:a16="http://schemas.microsoft.com/office/drawing/2014/main" id="{782206B1-586F-4254-9B36-D06C4E294ACF}"/>
+              </a:ext>
+            </a:extLst>
+          </p:cNvPr>
+          <p:cNvSpPr>
+            <a:spLocks noGrp="1"/>
+          </p:cNvSpPr>
+          <p:nvPr>
+            <p:ph type="body" sz="quarter" idx="18"/>
+          </p:nvPr>
+        </p:nvSpPr>
+        <p:spPr/>
+        <p:txBody>
+          <a:bodyPr/>
+          <a:lstStyle/>
+          <a:p>
+            <a:r>
+              <a:rPr lang="en-US" dirty="0"/>
+              <a:t>Caption01 appears here</a:t>
+            </a:r>
+          </a:p>
+        </p:txBody>
+      </p:sp>
+      <p:sp>
+        <p:nvSpPr>
+          <p:cNvPr id="21" name="Text Placeholder 20">
+            <a:extLst>
+              <a:ext uri="{FF2B5EF4-FFF2-40B4-BE49-F238E27FC236}">
+                <a16:creationId xmlns:a16="http://schemas.microsoft.com/office/drawing/2014/main" id="{1B8F0371-4F69-4131-91BF-9AB99E6EE89B}"/>
+              </a:ext>
+            </a:extLst>
+          </p:cNvPr>
+          <p:cNvSpPr>
+            <a:spLocks noGrp="1"/>
+          </p:cNvSpPr>
+          <p:nvPr>
+            <p:ph type="body" sz="quarter" idx="20"/>
+          </p:nvPr>
+        </p:nvSpPr>
+        <p:spPr/>
+        <p:txBody>
+          <a:bodyPr/>
+          <a:lstStyle/>
+          <a:p>
+            <a:r>
+              <a:rPr lang="en-US" dirty="0"/>
+              <a:t>Caption03 appears here</a:t>
+            </a:r>
+          </a:p>
+        </p:txBody>
+      </p:sp>
+      <p:sp>
+        <p:nvSpPr>
+          <p:cNvPr id="22" name="Text Placeholder 21">
+            <a:extLst>
+              <a:ext uri="{FF2B5EF4-FFF2-40B4-BE49-F238E27FC236}">
+                <a16:creationId xmlns:a16="http://schemas.microsoft.com/office/drawing/2014/main" id="{78CACAF1-61EA-4605-A8FE-2EEE752B49FF}"/>
+              </a:ext>
+            </a:extLst>
+          </p:cNvPr>
+          <p:cNvSpPr>
+            <a:spLocks noGrp="1"/>
+          </p:cNvSpPr>
+          <p:nvPr>
+            <p:ph type="body" sz="quarter" idx="21"/>
+          </p:nvPr>
+        </p:nvSpPr>
+        <p:spPr/>
+        <p:txBody>
+          <a:bodyPr/>
+          <a:lstStyle/>
+          <a:p>
+            <a:r>
+              <a:rPr lang="en-US" dirty="0"/>
+              <a:t>Caption04 appears here</a:t>
+            </a:r>
+          </a:p>
+        </p:txBody>
+      </p:sp>
+      <p:sp>
+        <p:nvSpPr>
+          <p:cNvPr id="2" name="Slide Number Placeholder 1">
+            <a:extLst>
+              <a:ext uri="{FF2B5EF4-FFF2-40B4-BE49-F238E27FC236}">
+                <a16:creationId xmlns:a16="http://schemas.microsoft.com/office/drawing/2014/main" id="{2F478C69-0A1D-45FF-8600-ED903803FFE1}"/>
+              </a:ext>
+            </a:extLst>
+          </p:cNvPr>
+          <p:cNvSpPr>
+            <a:spLocks noGrp="1"/>
+          </p:cNvSpPr>
+          <p:nvPr>
+            <p:ph type="sldNum" sz="quarter" idx="12"/>
+          </p:nvPr>
+        </p:nvSpPr>
+        <p:spPr/>
+        <p:txBody>
+          <a:bodyPr/>
+          <a:lstStyle/>
+          <a:p>
+            <a:fld id="{C263D6C4-4840-40CC-AC84-17E24B3B7BDE}" type="slidenum">
+              <a:rPr lang="en-US" smtClean="0"/>
+              <a:pPr/>
+              <a:t>25</a:t>
+            </a:fld>
+            <a:endParaRPr lang="en-US" dirty="0"/>
+          </a:p>
+        </p:txBody>
+      </p:sp>
+    </p:spTree>
+    <p:extLst>
+      <p:ext uri="{BB962C8B-B14F-4D97-AF65-F5344CB8AC3E}">
+        <p14:creationId xmlns:p14="http://schemas.microsoft.com/office/powerpoint/2010/main" val="451187730"/>
+      </p:ext>
+    </p:extLst>
+  </p:cSld>
+  <p:clrMapOvr>
+    <a:masterClrMapping/>
+  </p:clrMapOvr>
+  <mc:AlternateContent xmlns:mc="http://schemas.openxmlformats.org/markup-compatibility/2006" xmlns:p14="http://schemas.microsoft.com/office/powerpoint/2010/main">
+    <mc:Choice Requires="p14">
+      <p:transition spd="med" p14:dur="700">
+        <p:fade/>
+      </p:transition>
+    </mc:Choice>
+    <mc:Fallback xmlns="">
+      <p:transition spd="med">
+        <p:fade/>
+      </p:transition>
+    </mc:Fallback>
+  </mc:AlternateContent>
+</p:sld>
+</file>
+
+<file path=ppt/slides/slide26.xml><?xml version="1.0" encoding="utf-8"?>
+<p:sld xmlns:a="http://schemas.openxmlformats.org/drawingml/2006/main" xmlns:r="http://schemas.openxmlformats.org/officeDocument/2006/relationships" xmlns:p="http://schemas.openxmlformats.org/presentationml/2006/main">
+  <p:cSld>
+    <p:spTree>
+      <p:nvGrpSpPr>
+        <p:cNvPr id="1" name=""/>
+        <p:cNvGrpSpPr/>
+        <p:nvPr/>
+      </p:nvGrpSpPr>
+      <p:grpSpPr>
+        <a:xfrm>
+          <a:off x="0" y="0"/>
+          <a:ext cx="0" cy="0"/>
+          <a:chOff x="0" y="0"/>
+          <a:chExt cx="0" cy="0"/>
+        </a:xfrm>
+      </p:grpSpPr>
+      <p:sp>
+        <p:nvSpPr>
+          <p:cNvPr id="4" name="Title 3">
+            <a:extLst>
+              <a:ext uri="{FF2B5EF4-FFF2-40B4-BE49-F238E27FC236}">
+                <a16:creationId xmlns:a16="http://schemas.microsoft.com/office/drawing/2014/main" id="{315E3981-F0D7-482C-A8E0-6A57700BECA7}"/>
+              </a:ext>
+            </a:extLst>
+          </p:cNvPr>
+          <p:cNvSpPr>
+            <a:spLocks noGrp="1"/>
+          </p:cNvSpPr>
+          <p:nvPr>
+            <p:ph type="title"/>
+          </p:nvPr>
+        </p:nvSpPr>
+        <p:spPr/>
+        <p:txBody>
+          <a:bodyPr/>
+          <a:lstStyle/>
+          <a:p>
+            <a:r>
+              <a:rPr lang="en-US" dirty="0"/>
               <a:t>Content Title 04</a:t>
             </a:r>
           </a:p>
@@ -32905,7 +33708,7 @@
             <a:fld id="{C263D6C4-4840-40CC-AC84-17E24B3B7BDE}" type="slidenum">
               <a:rPr lang="en-US" smtClean="0"/>
               <a:pPr/>
-              <a:t>25</a:t>
+              <a:t>26</a:t>
             </a:fld>
             <a:endParaRPr lang="en-US" dirty="0"/>
           </a:p>
@@ -32936,7 +33739,7 @@
 </p:sld>
 </file>
 
-<file path=ppt/slides/slide26.xml><?xml version="1.0" encoding="utf-8"?>
+<file path=ppt/slides/slide27.xml><?xml version="1.0" encoding="utf-8"?>
 <p:sld xmlns:a="http://schemas.openxmlformats.org/drawingml/2006/main" xmlns:r="http://schemas.openxmlformats.org/officeDocument/2006/relationships" xmlns:p="http://schemas.openxmlformats.org/presentationml/2006/main">
   <p:cSld>
     <p:spTree>
@@ -34826,7 +35629,7 @@
             <a:fld id="{C263D6C4-4840-40CC-AC84-17E24B3B7BDE}" type="slidenum">
               <a:rPr lang="en-US" smtClean="0"/>
               <a:pPr/>
-              <a:t>26</a:t>
+              <a:t>27</a:t>
             </a:fld>
             <a:endParaRPr lang="en-US" dirty="0"/>
           </a:p>
@@ -34857,7 +35660,7 @@
 </p:sld>
 </file>
 
-<file path=ppt/slides/slide27.xml><?xml version="1.0" encoding="utf-8"?>
+<file path=ppt/slides/slide28.xml><?xml version="1.0" encoding="utf-8"?>
 <p:sld xmlns:a="http://schemas.openxmlformats.org/drawingml/2006/main" xmlns:r="http://schemas.openxmlformats.org/officeDocument/2006/relationships" xmlns:p="http://schemas.openxmlformats.org/presentationml/2006/main">
   <p:cSld>
     <p:spTree>
@@ -34954,7 +35757,7 @@
             <a:fld id="{C263D6C4-4840-40CC-AC84-17E24B3B7BDE}" type="slidenum">
               <a:rPr lang="en-US" smtClean="0"/>
               <a:pPr/>
-              <a:t>27</a:t>
+              <a:t>28</a:t>
             </a:fld>
             <a:endParaRPr lang="en-US" dirty="0"/>
           </a:p>
@@ -34985,7 +35788,7 @@
 </p:sld>
 </file>
 
-<file path=ppt/slides/slide28.xml><?xml version="1.0" encoding="utf-8"?>
+<file path=ppt/slides/slide29.xml><?xml version="1.0" encoding="utf-8"?>
 <p:sld xmlns:a="http://schemas.openxmlformats.org/drawingml/2006/main" xmlns:r="http://schemas.openxmlformats.org/officeDocument/2006/relationships" xmlns:p="http://schemas.openxmlformats.org/presentationml/2006/main">
   <p:cSld>
     <p:spTree>
@@ -35074,7 +35877,7 @@
             <a:fld id="{C263D6C4-4840-40CC-AC84-17E24B3B7BDE}" type="slidenum">
               <a:rPr lang="en-US" smtClean="0"/>
               <a:pPr/>
-              <a:t>28</a:t>
+              <a:t>29</a:t>
             </a:fld>
             <a:endParaRPr lang="en-US" dirty="0"/>
           </a:p>
@@ -35102,68 +35905,6 @@
       </p:transition>
     </mc:Fallback>
   </mc:AlternateContent>
-</p:sld>
-</file>
-
-<file path=ppt/slides/slide29.xml><?xml version="1.0" encoding="utf-8"?>
-<p:sld xmlns:a="http://schemas.openxmlformats.org/drawingml/2006/main" xmlns:r="http://schemas.openxmlformats.org/officeDocument/2006/relationships" xmlns:p="http://schemas.openxmlformats.org/presentationml/2006/main">
-  <p:cSld>
-    <p:spTree>
-      <p:nvGrpSpPr>
-        <p:cNvPr id="1" name=""/>
-        <p:cNvGrpSpPr/>
-        <p:nvPr/>
-      </p:nvGrpSpPr>
-      <p:grpSpPr>
-        <a:xfrm>
-          <a:off x="0" y="0"/>
-          <a:ext cx="0" cy="0"/>
-          <a:chOff x="0" y="0"/>
-          <a:chExt cx="0" cy="0"/>
-        </a:xfrm>
-      </p:grpSpPr>
-      <p:sp>
-        <p:nvSpPr>
-          <p:cNvPr id="2" name="Title 1">
-            <a:extLst>
-              <a:ext uri="{FF2B5EF4-FFF2-40B4-BE49-F238E27FC236}">
-                <a16:creationId xmlns:a16="http://schemas.microsoft.com/office/drawing/2014/main" id="{632BE5BF-9922-45FB-8F3F-4446D40A051B}"/>
-              </a:ext>
-            </a:extLst>
-          </p:cNvPr>
-          <p:cNvSpPr>
-            <a:spLocks noGrp="1"/>
-          </p:cNvSpPr>
-          <p:nvPr>
-            <p:ph type="ctrTitle"/>
-          </p:nvPr>
-        </p:nvSpPr>
-        <p:spPr/>
-        <p:txBody>
-          <a:bodyPr/>
-          <a:lstStyle/>
-          <a:p>
-            <a:r>
-              <a:rPr lang="en-US" dirty="0"/>
-              <a:t>Thank You 1</a:t>
-            </a:r>
-            <a:endParaRPr lang="en-GB" dirty="0"/>
-          </a:p>
-        </p:txBody>
-      </p:sp>
-    </p:spTree>
-    <p:extLst>
-      <p:ext uri="{BB962C8B-B14F-4D97-AF65-F5344CB8AC3E}">
-        <p14:creationId xmlns:p14="http://schemas.microsoft.com/office/powerpoint/2010/main" val="429771863"/>
-      </p:ext>
-    </p:extLst>
-  </p:cSld>
-  <p:clrMapOvr>
-    <a:masterClrMapping/>
-  </p:clrMapOvr>
-  <p:transition spd="slow">
-    <p:wipe/>
-  </p:transition>
 </p:sld>
 </file>
 
@@ -35391,6 +36132,68 @@
           <a:p>
             <a:r>
               <a:rPr lang="en-US" dirty="0"/>
+              <a:t>Thank You 1</a:t>
+            </a:r>
+            <a:endParaRPr lang="en-GB" dirty="0"/>
+          </a:p>
+        </p:txBody>
+      </p:sp>
+    </p:spTree>
+    <p:extLst>
+      <p:ext uri="{BB962C8B-B14F-4D97-AF65-F5344CB8AC3E}">
+        <p14:creationId xmlns:p14="http://schemas.microsoft.com/office/powerpoint/2010/main" val="429771863"/>
+      </p:ext>
+    </p:extLst>
+  </p:cSld>
+  <p:clrMapOvr>
+    <a:masterClrMapping/>
+  </p:clrMapOvr>
+  <p:transition spd="slow">
+    <p:wipe/>
+  </p:transition>
+</p:sld>
+</file>
+
+<file path=ppt/slides/slide31.xml><?xml version="1.0" encoding="utf-8"?>
+<p:sld xmlns:a="http://schemas.openxmlformats.org/drawingml/2006/main" xmlns:r="http://schemas.openxmlformats.org/officeDocument/2006/relationships" xmlns:p="http://schemas.openxmlformats.org/presentationml/2006/main">
+  <p:cSld>
+    <p:spTree>
+      <p:nvGrpSpPr>
+        <p:cNvPr id="1" name=""/>
+        <p:cNvGrpSpPr/>
+        <p:nvPr/>
+      </p:nvGrpSpPr>
+      <p:grpSpPr>
+        <a:xfrm>
+          <a:off x="0" y="0"/>
+          <a:ext cx="0" cy="0"/>
+          <a:chOff x="0" y="0"/>
+          <a:chExt cx="0" cy="0"/>
+        </a:xfrm>
+      </p:grpSpPr>
+      <p:sp>
+        <p:nvSpPr>
+          <p:cNvPr id="2" name="Title 1">
+            <a:extLst>
+              <a:ext uri="{FF2B5EF4-FFF2-40B4-BE49-F238E27FC236}">
+                <a16:creationId xmlns:a16="http://schemas.microsoft.com/office/drawing/2014/main" id="{632BE5BF-9922-45FB-8F3F-4446D40A051B}"/>
+              </a:ext>
+            </a:extLst>
+          </p:cNvPr>
+          <p:cNvSpPr>
+            <a:spLocks noGrp="1"/>
+          </p:cNvSpPr>
+          <p:nvPr>
+            <p:ph type="ctrTitle"/>
+          </p:nvPr>
+        </p:nvSpPr>
+        <p:spPr/>
+        <p:txBody>
+          <a:bodyPr/>
+          <a:lstStyle/>
+          <a:p>
+            <a:r>
+              <a:rPr lang="en-US" dirty="0"/>
               <a:t>Thank You 2</a:t>
             </a:r>
             <a:endParaRPr lang="en-GB" dirty="0"/>
@@ -35413,7 +36216,7 @@
 </p:sld>
 </file>
 
-<file path=ppt/slides/slide31.xml><?xml version="1.0" encoding="utf-8"?>
+<file path=ppt/slides/slide32.xml><?xml version="1.0" encoding="utf-8"?>
 <p:sld xmlns:a="http://schemas.openxmlformats.org/drawingml/2006/main" xmlns:r="http://schemas.openxmlformats.org/officeDocument/2006/relationships" xmlns:p="http://schemas.openxmlformats.org/presentationml/2006/main">
   <p:cSld>
     <p:spTree>
@@ -35482,7 +36285,7 @@
             <a:fld id="{C263D6C4-4840-40CC-AC84-17E24B3B7BDE}" type="slidenum">
               <a:rPr lang="en-US" smtClean="0"/>
               <a:pPr/>
-              <a:t>31</a:t>
+              <a:t>32</a:t>
             </a:fld>
             <a:endParaRPr lang="en-US" dirty="0"/>
           </a:p>
@@ -37055,6 +37858,189 @@
           <a:lstStyle/>
           <a:p>
             <a:r>
+              <a:rPr lang="en-US" dirty="0"/>
+              <a:t>When should you contribute a tip?</a:t>
+            </a:r>
+          </a:p>
+        </p:txBody>
+      </p:sp>
+      <p:sp>
+        <p:nvSpPr>
+          <p:cNvPr id="10" name="Text Placeholder 9">
+            <a:extLst>
+              <a:ext uri="{FF2B5EF4-FFF2-40B4-BE49-F238E27FC236}">
+                <a16:creationId xmlns:a16="http://schemas.microsoft.com/office/drawing/2014/main" id="{EF2BC084-E6DB-4DE7-B309-042A85EBA700}"/>
+              </a:ext>
+            </a:extLst>
+          </p:cNvPr>
+          <p:cNvSpPr>
+            <a:spLocks noGrp="1"/>
+          </p:cNvSpPr>
+          <p:nvPr>
+            <p:ph type="body" sz="quarter" idx="13"/>
+          </p:nvPr>
+        </p:nvSpPr>
+        <p:spPr>
+          <a:xfrm>
+            <a:off x="444499" y="1625385"/>
+            <a:ext cx="11467867" cy="4390951"/>
+          </a:xfrm>
+        </p:spPr>
+        <p:txBody>
+          <a:bodyPr/>
+          <a:lstStyle/>
+          <a:p>
+            <a:r>
+              <a:rPr lang="en-US" sz="2800" dirty="0"/>
+              <a:t>Learned something new about PowerShell</a:t>
+            </a:r>
+          </a:p>
+          <a:p>
+            <a:r>
+              <a:rPr lang="en-US" sz="2800" dirty="0"/>
+              <a:t>Promote your own scripts, modules, and </a:t>
+            </a:r>
+            <a:r>
+              <a:rPr lang="en-US" sz="2800" dirty="0" err="1"/>
+              <a:t>gists</a:t>
+            </a:r>
+            <a:endParaRPr lang="en-US" sz="2800" dirty="0"/>
+          </a:p>
+          <a:p>
+            <a:r>
+              <a:rPr lang="en-US" sz="2800" dirty="0"/>
+              <a:t>See a cool PowerShell-related post on social media</a:t>
+            </a:r>
+          </a:p>
+          <a:p>
+            <a:r>
+              <a:rPr lang="en-US" sz="2800" dirty="0"/>
+              <a:t>Blogged about something PowerShell related</a:t>
+            </a:r>
+          </a:p>
+          <a:p>
+            <a:endParaRPr lang="en-US" sz="2800" dirty="0"/>
+          </a:p>
+          <a:p>
+            <a:r>
+              <a:rPr lang="en-US" sz="2800" dirty="0"/>
+              <a:t>Tip:</a:t>
+            </a:r>
+          </a:p>
+          <a:p>
+            <a:pPr lvl="1"/>
+            <a:r>
+              <a:rPr lang="en-US" sz="2600" dirty="0"/>
+              <a:t>Fork </a:t>
+            </a:r>
+            <a:r>
+              <a:rPr lang="en-US" sz="2600" dirty="0" err="1"/>
+              <a:t>tiPS</a:t>
+            </a:r>
+            <a:r>
+              <a:rPr lang="en-US" sz="2600" dirty="0"/>
+              <a:t> and leave it cloned on your machine for easy PR submissions</a:t>
+            </a:r>
+          </a:p>
+          <a:p>
+            <a:endParaRPr lang="en-US" sz="2800" dirty="0"/>
+          </a:p>
+        </p:txBody>
+      </p:sp>
+      <p:sp>
+        <p:nvSpPr>
+          <p:cNvPr id="2" name="Slide Number Placeholder 1">
+            <a:extLst>
+              <a:ext uri="{FF2B5EF4-FFF2-40B4-BE49-F238E27FC236}">
+                <a16:creationId xmlns:a16="http://schemas.microsoft.com/office/drawing/2014/main" id="{BE9800F6-D571-48C4-8466-12AA1ADB6599}"/>
+              </a:ext>
+            </a:extLst>
+          </p:cNvPr>
+          <p:cNvSpPr>
+            <a:spLocks noGrp="1"/>
+          </p:cNvSpPr>
+          <p:nvPr>
+            <p:ph type="sldNum" sz="quarter" idx="12"/>
+          </p:nvPr>
+        </p:nvSpPr>
+        <p:spPr/>
+        <p:txBody>
+          <a:bodyPr/>
+          <a:lstStyle/>
+          <a:p>
+            <a:fld id="{C263D6C4-4840-40CC-AC84-17E24B3B7BDE}" type="slidenum">
+              <a:rPr lang="en-US" smtClean="0"/>
+              <a:pPr/>
+              <a:t>8</a:t>
+            </a:fld>
+            <a:endParaRPr lang="en-US" dirty="0"/>
+          </a:p>
+        </p:txBody>
+      </p:sp>
+    </p:spTree>
+    <p:extLst>
+      <p:ext uri="{BB962C8B-B14F-4D97-AF65-F5344CB8AC3E}">
+        <p14:creationId xmlns:p14="http://schemas.microsoft.com/office/powerpoint/2010/main" val="3336940135"/>
+      </p:ext>
+    </p:extLst>
+  </p:cSld>
+  <p:clrMapOvr>
+    <a:masterClrMapping/>
+  </p:clrMapOvr>
+  <mc:AlternateContent xmlns:mc="http://schemas.openxmlformats.org/markup-compatibility/2006" xmlns:p14="http://schemas.microsoft.com/office/powerpoint/2010/main">
+    <mc:Choice Requires="p14">
+      <p:transition spd="med" p14:dur="700">
+        <p:fade/>
+      </p:transition>
+    </mc:Choice>
+    <mc:Fallback xmlns="">
+      <p:transition spd="med">
+        <p:fade/>
+      </p:transition>
+    </mc:Fallback>
+  </mc:AlternateContent>
+</p:sld>
+</file>
+
+<file path=ppt/slides/slide9.xml><?xml version="1.0" encoding="utf-8"?>
+<p:sld xmlns:a="http://schemas.openxmlformats.org/drawingml/2006/main" xmlns:r="http://schemas.openxmlformats.org/officeDocument/2006/relationships" xmlns:p="http://schemas.openxmlformats.org/presentationml/2006/main">
+  <p:cSld>
+    <p:spTree>
+      <p:nvGrpSpPr>
+        <p:cNvPr id="1" name=""/>
+        <p:cNvGrpSpPr/>
+        <p:nvPr/>
+      </p:nvGrpSpPr>
+      <p:grpSpPr>
+        <a:xfrm>
+          <a:off x="0" y="0"/>
+          <a:ext cx="0" cy="0"/>
+          <a:chOff x="0" y="0"/>
+          <a:chExt cx="0" cy="0"/>
+        </a:xfrm>
+      </p:grpSpPr>
+      <p:sp>
+        <p:nvSpPr>
+          <p:cNvPr id="7" name="Title 6">
+            <a:extLst>
+              <a:ext uri="{FF2B5EF4-FFF2-40B4-BE49-F238E27FC236}">
+                <a16:creationId xmlns:a16="http://schemas.microsoft.com/office/drawing/2014/main" id="{7875C19A-1AAE-476A-A316-A2CF92D763D3}"/>
+              </a:ext>
+            </a:extLst>
+          </p:cNvPr>
+          <p:cNvSpPr>
+            <a:spLocks noGrp="1"/>
+          </p:cNvSpPr>
+          <p:nvPr>
+            <p:ph type="title"/>
+          </p:nvPr>
+        </p:nvSpPr>
+        <p:spPr/>
+        <p:txBody>
+          <a:bodyPr/>
+          <a:lstStyle/>
+          <a:p>
+            <a:r>
               <a:rPr lang="en-US" dirty="0" err="1"/>
               <a:t>tiPS</a:t>
             </a:r>
@@ -37140,7 +38126,7 @@
             <a:fld id="{C263D6C4-4840-40CC-AC84-17E24B3B7BDE}" type="slidenum">
               <a:rPr lang="en-US" smtClean="0"/>
               <a:pPr/>
-              <a:t>8</a:t>
+              <a:t>9</a:t>
             </a:fld>
             <a:endParaRPr lang="en-US" dirty="0"/>
           </a:p>
@@ -37533,482 +38519,6 @@
                                           <p:spTgt spid="10">
                                             <p:txEl>
                                               <p:pRg st="1" end="1"/>
-                                            </p:txEl>
-                                          </p:spTgt>
-                                        </p:tgtEl>
-                                      </p:cBhvr>
-                                    </p:animEffect>
-                                  </p:childTnLst>
-                                </p:cTn>
-                              </p:par>
-                            </p:childTnLst>
-                          </p:cTn>
-                        </p:par>
-                      </p:childTnLst>
-                    </p:cTn>
-                  </p:par>
-                </p:childTnLst>
-              </p:cTn>
-              <p:prevCondLst>
-                <p:cond evt="onPrev" delay="0">
-                  <p:tgtEl>
-                    <p:sldTgt/>
-                  </p:tgtEl>
-                </p:cond>
-              </p:prevCondLst>
-              <p:nextCondLst>
-                <p:cond evt="onNext" delay="0">
-                  <p:tgtEl>
-                    <p:sldTgt/>
-                  </p:tgtEl>
-                </p:cond>
-              </p:nextCondLst>
-            </p:seq>
-          </p:childTnLst>
-        </p:cTn>
-      </p:par>
-    </p:tnLst>
-    <p:bldLst>
-      <p:bldP spid="10" grpId="0" uiExpand="1" build="p"/>
-    </p:bldLst>
-  </p:timing>
-</p:sld>
-</file>
-
-<file path=ppt/slides/slide9.xml><?xml version="1.0" encoding="utf-8"?>
-<p:sld xmlns:a="http://schemas.openxmlformats.org/drawingml/2006/main" xmlns:r="http://schemas.openxmlformats.org/officeDocument/2006/relationships" xmlns:p="http://schemas.openxmlformats.org/presentationml/2006/main">
-  <p:cSld>
-    <p:spTree>
-      <p:nvGrpSpPr>
-        <p:cNvPr id="1" name=""/>
-        <p:cNvGrpSpPr/>
-        <p:nvPr/>
-      </p:nvGrpSpPr>
-      <p:grpSpPr>
-        <a:xfrm>
-          <a:off x="0" y="0"/>
-          <a:ext cx="0" cy="0"/>
-          <a:chOff x="0" y="0"/>
-          <a:chExt cx="0" cy="0"/>
-        </a:xfrm>
-      </p:grpSpPr>
-      <p:sp>
-        <p:nvSpPr>
-          <p:cNvPr id="7" name="Title 6">
-            <a:extLst>
-              <a:ext uri="{FF2B5EF4-FFF2-40B4-BE49-F238E27FC236}">
-                <a16:creationId xmlns:a16="http://schemas.microsoft.com/office/drawing/2014/main" id="{7875C19A-1AAE-476A-A316-A2CF92D763D3}"/>
-              </a:ext>
-            </a:extLst>
-          </p:cNvPr>
-          <p:cNvSpPr>
-            <a:spLocks noGrp="1"/>
-          </p:cNvSpPr>
-          <p:nvPr>
-            <p:ph type="title"/>
-          </p:nvPr>
-        </p:nvSpPr>
-        <p:spPr/>
-        <p:txBody>
-          <a:bodyPr/>
-          <a:lstStyle/>
-          <a:p>
-            <a:r>
-              <a:rPr lang="en-US" dirty="0" err="1"/>
-              <a:t>tiPS</a:t>
-            </a:r>
-            <a:r>
-              <a:rPr lang="en-US" dirty="0"/>
-              <a:t> Decisions</a:t>
-            </a:r>
-          </a:p>
-        </p:txBody>
-      </p:sp>
-      <p:sp>
-        <p:nvSpPr>
-          <p:cNvPr id="10" name="Text Placeholder 9">
-            <a:extLst>
-              <a:ext uri="{FF2B5EF4-FFF2-40B4-BE49-F238E27FC236}">
-                <a16:creationId xmlns:a16="http://schemas.microsoft.com/office/drawing/2014/main" id="{EF2BC084-E6DB-4DE7-B309-042A85EBA700}"/>
-              </a:ext>
-            </a:extLst>
-          </p:cNvPr>
-          <p:cNvSpPr>
-            <a:spLocks noGrp="1"/>
-          </p:cNvSpPr>
-          <p:nvPr>
-            <p:ph type="body" sz="quarter" idx="13"/>
-          </p:nvPr>
-        </p:nvSpPr>
-        <p:spPr>
-          <a:xfrm>
-            <a:off x="444499" y="1625385"/>
-            <a:ext cx="11467867" cy="4390951"/>
-          </a:xfrm>
-        </p:spPr>
-        <p:txBody>
-          <a:bodyPr/>
-          <a:lstStyle/>
-          <a:p>
-            <a:r>
-              <a:rPr lang="en-US" sz="2800" dirty="0"/>
-              <a:t>Architecture Decision Records (ADRs)</a:t>
-            </a:r>
-          </a:p>
-          <a:p>
-            <a:endParaRPr lang="en-US" sz="2800" dirty="0"/>
-          </a:p>
-          <a:p>
-            <a:r>
-              <a:rPr lang="en-US" sz="2800" dirty="0"/>
-              <a:t>Written in PowerShell instead of C# for community support</a:t>
-            </a:r>
-          </a:p>
-          <a:p>
-            <a:r>
-              <a:rPr lang="en-US" sz="2800" dirty="0"/>
-              <a:t>Combine files into a single .psm1 file during build for performance</a:t>
-            </a:r>
-          </a:p>
-          <a:p>
-            <a:r>
-              <a:rPr lang="en-US" sz="2800" dirty="0"/>
-              <a:t>Compile classes to C# assembly for performance</a:t>
-            </a:r>
-          </a:p>
-          <a:p>
-            <a:endParaRPr lang="en-US" sz="2800" dirty="0"/>
-          </a:p>
-          <a:p>
-            <a:r>
-              <a:rPr lang="en-US" sz="2800" dirty="0">
-                <a:solidFill>
-                  <a:schemeClr val="accent1">
-                    <a:lumMod val="60000"/>
-                    <a:lumOff val="40000"/>
-                  </a:schemeClr>
-                </a:solidFill>
-                <a:hlinkClick r:id="rId3">
-                  <a:extLst>
-                    <a:ext uri="{A12FA001-AC4F-418D-AE19-62706E023703}">
-                      <ahyp:hlinkClr xmlns:ahyp="http://schemas.microsoft.com/office/drawing/2018/hyperlinkcolor" val="tx"/>
-                    </a:ext>
-                  </a:extLst>
-                </a:hlinkClick>
-              </a:rPr>
-              <a:t>https://github.com/deadlydog/PowerShell.Experiment.ClassPerformanceComparison</a:t>
-            </a:r>
-            <a:r>
-              <a:rPr lang="en-US" sz="2800" dirty="0">
-                <a:solidFill>
-                  <a:schemeClr val="accent1">
-                    <a:lumMod val="60000"/>
-                    <a:lumOff val="40000"/>
-                  </a:schemeClr>
-                </a:solidFill>
-              </a:rPr>
-              <a:t> </a:t>
-            </a:r>
-          </a:p>
-        </p:txBody>
-      </p:sp>
-      <p:sp>
-        <p:nvSpPr>
-          <p:cNvPr id="2" name="Slide Number Placeholder 1">
-            <a:extLst>
-              <a:ext uri="{FF2B5EF4-FFF2-40B4-BE49-F238E27FC236}">
-                <a16:creationId xmlns:a16="http://schemas.microsoft.com/office/drawing/2014/main" id="{BE9800F6-D571-48C4-8466-12AA1ADB6599}"/>
-              </a:ext>
-            </a:extLst>
-          </p:cNvPr>
-          <p:cNvSpPr>
-            <a:spLocks noGrp="1"/>
-          </p:cNvSpPr>
-          <p:nvPr>
-            <p:ph type="sldNum" sz="quarter" idx="12"/>
-          </p:nvPr>
-        </p:nvSpPr>
-        <p:spPr/>
-        <p:txBody>
-          <a:bodyPr/>
-          <a:lstStyle/>
-          <a:p>
-            <a:fld id="{C263D6C4-4840-40CC-AC84-17E24B3B7BDE}" type="slidenum">
-              <a:rPr lang="en-US" smtClean="0"/>
-              <a:pPr/>
-              <a:t>9</a:t>
-            </a:fld>
-            <a:endParaRPr lang="en-US" dirty="0"/>
-          </a:p>
-        </p:txBody>
-      </p:sp>
-    </p:spTree>
-    <p:extLst>
-      <p:ext uri="{BB962C8B-B14F-4D97-AF65-F5344CB8AC3E}">
-        <p14:creationId xmlns:p14="http://schemas.microsoft.com/office/powerpoint/2010/main" val="430754784"/>
-      </p:ext>
-    </p:extLst>
-  </p:cSld>
-  <p:clrMapOvr>
-    <a:masterClrMapping/>
-  </p:clrMapOvr>
-  <mc:AlternateContent xmlns:mc="http://schemas.openxmlformats.org/markup-compatibility/2006" xmlns:p14="http://schemas.microsoft.com/office/powerpoint/2010/main">
-    <mc:Choice Requires="p14">
-      <p:transition spd="med" p14:dur="700">
-        <p:fade/>
-      </p:transition>
-    </mc:Choice>
-    <mc:Fallback xmlns="">
-      <p:transition spd="med">
-        <p:fade/>
-      </p:transition>
-    </mc:Fallback>
-  </mc:AlternateContent>
-  <p:timing>
-    <p:tnLst>
-      <p:par>
-        <p:cTn id="1" dur="indefinite" restart="never" nodeType="tmRoot">
-          <p:childTnLst>
-            <p:seq concurrent="1" nextAc="seek">
-              <p:cTn id="2" dur="indefinite" nodeType="mainSeq">
-                <p:childTnLst>
-                  <p:par>
-                    <p:cTn id="3" fill="hold">
-                      <p:stCondLst>
-                        <p:cond delay="indefinite"/>
-                      </p:stCondLst>
-                      <p:childTnLst>
-                        <p:par>
-                          <p:cTn id="4" fill="hold">
-                            <p:stCondLst>
-                              <p:cond delay="0"/>
-                            </p:stCondLst>
-                            <p:childTnLst>
-                              <p:par>
-                                <p:cTn id="5" presetID="10" presetClass="entr" presetSubtype="0" fill="hold" grpId="0" nodeType="clickEffect">
-                                  <p:stCondLst>
-                                    <p:cond delay="0"/>
-                                  </p:stCondLst>
-                                  <p:childTnLst>
-                                    <p:set>
-                                      <p:cBhvr>
-                                        <p:cTn id="6" dur="1" fill="hold">
-                                          <p:stCondLst>
-                                            <p:cond delay="0"/>
-                                          </p:stCondLst>
-                                        </p:cTn>
-                                        <p:tgtEl>
-                                          <p:spTgt spid="10">
-                                            <p:txEl>
-                                              <p:pRg st="0" end="0"/>
-                                            </p:txEl>
-                                          </p:spTgt>
-                                        </p:tgtEl>
-                                        <p:attrNameLst>
-                                          <p:attrName>style.visibility</p:attrName>
-                                        </p:attrNameLst>
-                                      </p:cBhvr>
-                                      <p:to>
-                                        <p:strVal val="visible"/>
-                                      </p:to>
-                                    </p:set>
-                                    <p:animEffect transition="in" filter="fade">
-                                      <p:cBhvr>
-                                        <p:cTn id="7" dur="500"/>
-                                        <p:tgtEl>
-                                          <p:spTgt spid="10">
-                                            <p:txEl>
-                                              <p:pRg st="0" end="0"/>
-                                            </p:txEl>
-                                          </p:spTgt>
-                                        </p:tgtEl>
-                                      </p:cBhvr>
-                                    </p:animEffect>
-                                  </p:childTnLst>
-                                </p:cTn>
-                              </p:par>
-                            </p:childTnLst>
-                          </p:cTn>
-                        </p:par>
-                      </p:childTnLst>
-                    </p:cTn>
-                  </p:par>
-                  <p:par>
-                    <p:cTn id="8" fill="hold">
-                      <p:stCondLst>
-                        <p:cond delay="indefinite"/>
-                      </p:stCondLst>
-                      <p:childTnLst>
-                        <p:par>
-                          <p:cTn id="9" fill="hold">
-                            <p:stCondLst>
-                              <p:cond delay="0"/>
-                            </p:stCondLst>
-                            <p:childTnLst>
-                              <p:par>
-                                <p:cTn id="10" presetID="10" presetClass="entr" presetSubtype="0" fill="hold" grpId="0" nodeType="clickEffect">
-                                  <p:stCondLst>
-                                    <p:cond delay="0"/>
-                                  </p:stCondLst>
-                                  <p:childTnLst>
-                                    <p:set>
-                                      <p:cBhvr>
-                                        <p:cTn id="11" dur="1" fill="hold">
-                                          <p:stCondLst>
-                                            <p:cond delay="0"/>
-                                          </p:stCondLst>
-                                        </p:cTn>
-                                        <p:tgtEl>
-                                          <p:spTgt spid="10">
-                                            <p:txEl>
-                                              <p:pRg st="2" end="2"/>
-                                            </p:txEl>
-                                          </p:spTgt>
-                                        </p:tgtEl>
-                                        <p:attrNameLst>
-                                          <p:attrName>style.visibility</p:attrName>
-                                        </p:attrNameLst>
-                                      </p:cBhvr>
-                                      <p:to>
-                                        <p:strVal val="visible"/>
-                                      </p:to>
-                                    </p:set>
-                                    <p:animEffect transition="in" filter="fade">
-                                      <p:cBhvr>
-                                        <p:cTn id="12" dur="500"/>
-                                        <p:tgtEl>
-                                          <p:spTgt spid="10">
-                                            <p:txEl>
-                                              <p:pRg st="2" end="2"/>
-                                            </p:txEl>
-                                          </p:spTgt>
-                                        </p:tgtEl>
-                                      </p:cBhvr>
-                                    </p:animEffect>
-                                  </p:childTnLst>
-                                </p:cTn>
-                              </p:par>
-                              <p:par>
-                                <p:cTn id="13" presetID="10" presetClass="entr" presetSubtype="0" fill="hold" grpId="0" nodeType="withEffect">
-                                  <p:stCondLst>
-                                    <p:cond delay="0"/>
-                                  </p:stCondLst>
-                                  <p:childTnLst>
-                                    <p:set>
-                                      <p:cBhvr>
-                                        <p:cTn id="14" dur="1" fill="hold">
-                                          <p:stCondLst>
-                                            <p:cond delay="0"/>
-                                          </p:stCondLst>
-                                        </p:cTn>
-                                        <p:tgtEl>
-                                          <p:spTgt spid="10">
-                                            <p:txEl>
-                                              <p:pRg st="3" end="3"/>
-                                            </p:txEl>
-                                          </p:spTgt>
-                                        </p:tgtEl>
-                                        <p:attrNameLst>
-                                          <p:attrName>style.visibility</p:attrName>
-                                        </p:attrNameLst>
-                                      </p:cBhvr>
-                                      <p:to>
-                                        <p:strVal val="visible"/>
-                                      </p:to>
-                                    </p:set>
-                                    <p:animEffect transition="in" filter="fade">
-                                      <p:cBhvr>
-                                        <p:cTn id="15" dur="500"/>
-                                        <p:tgtEl>
-                                          <p:spTgt spid="10">
-                                            <p:txEl>
-                                              <p:pRg st="3" end="3"/>
-                                            </p:txEl>
-                                          </p:spTgt>
-                                        </p:tgtEl>
-                                      </p:cBhvr>
-                                    </p:animEffect>
-                                  </p:childTnLst>
-                                </p:cTn>
-                              </p:par>
-                              <p:par>
-                                <p:cTn id="16" presetID="10" presetClass="entr" presetSubtype="0" fill="hold" grpId="0" nodeType="withEffect">
-                                  <p:stCondLst>
-                                    <p:cond delay="0"/>
-                                  </p:stCondLst>
-                                  <p:childTnLst>
-                                    <p:set>
-                                      <p:cBhvr>
-                                        <p:cTn id="17" dur="1" fill="hold">
-                                          <p:stCondLst>
-                                            <p:cond delay="0"/>
-                                          </p:stCondLst>
-                                        </p:cTn>
-                                        <p:tgtEl>
-                                          <p:spTgt spid="10">
-                                            <p:txEl>
-                                              <p:pRg st="4" end="4"/>
-                                            </p:txEl>
-                                          </p:spTgt>
-                                        </p:tgtEl>
-                                        <p:attrNameLst>
-                                          <p:attrName>style.visibility</p:attrName>
-                                        </p:attrNameLst>
-                                      </p:cBhvr>
-                                      <p:to>
-                                        <p:strVal val="visible"/>
-                                      </p:to>
-                                    </p:set>
-                                    <p:animEffect transition="in" filter="fade">
-                                      <p:cBhvr>
-                                        <p:cTn id="18" dur="500"/>
-                                        <p:tgtEl>
-                                          <p:spTgt spid="10">
-                                            <p:txEl>
-                                              <p:pRg st="4" end="4"/>
-                                            </p:txEl>
-                                          </p:spTgt>
-                                        </p:tgtEl>
-                                      </p:cBhvr>
-                                    </p:animEffect>
-                                  </p:childTnLst>
-                                </p:cTn>
-                              </p:par>
-                              <p:par>
-                                <p:cTn id="19" presetID="10" presetClass="entr" presetSubtype="0" fill="hold" grpId="0" nodeType="withEffect">
-                                  <p:stCondLst>
-                                    <p:cond delay="0"/>
-                                  </p:stCondLst>
-                                  <p:childTnLst>
-                                    <p:set>
-                                      <p:cBhvr>
-                                        <p:cTn id="20" dur="1" fill="hold">
-                                          <p:stCondLst>
-                                            <p:cond delay="0"/>
-                                          </p:stCondLst>
-                                        </p:cTn>
-                                        <p:tgtEl>
-                                          <p:spTgt spid="10">
-                                            <p:txEl>
-                                              <p:pRg st="6" end="6"/>
-                                            </p:txEl>
-                                          </p:spTgt>
-                                        </p:tgtEl>
-                                        <p:attrNameLst>
-                                          <p:attrName>style.visibility</p:attrName>
-                                        </p:attrNameLst>
-                                      </p:cBhvr>
-                                      <p:to>
-                                        <p:strVal val="visible"/>
-                                      </p:to>
-                                    </p:set>
-                                    <p:animEffect transition="in" filter="fade">
-                                      <p:cBhvr>
-                                        <p:cTn id="21" dur="500"/>
-                                        <p:tgtEl>
-                                          <p:spTgt spid="10">
-                                            <p:txEl>
-                                              <p:pRg st="6" end="6"/>
                                             </p:txEl>
                                           </p:spTgt>
                                         </p:tgtEl>

--- a/src/tiPS Welcome.pptx
+++ b/src/tiPS Welcome.pptx
@@ -5,10 +5,10 @@
     <p:sldMasterId id="2147483648" r:id="rId4"/>
   </p:sldMasterIdLst>
   <p:notesMasterIdLst>
-    <p:notesMasterId r:id="rId37"/>
+    <p:notesMasterId r:id="rId21"/>
   </p:notesMasterIdLst>
   <p:handoutMasterIdLst>
-    <p:handoutMasterId r:id="rId38"/>
+    <p:handoutMasterId r:id="rId22"/>
   </p:handoutMasterIdLst>
   <p:sldIdLst>
     <p:sldId id="256" r:id="rId5"/>
@@ -27,22 +27,6 @@
     <p:sldId id="302" r:id="rId18"/>
     <p:sldId id="305" r:id="rId19"/>
     <p:sldId id="299" r:id="rId20"/>
-    <p:sldId id="293" r:id="rId21"/>
-    <p:sldId id="291" r:id="rId22"/>
-    <p:sldId id="292" r:id="rId23"/>
-    <p:sldId id="257" r:id="rId24"/>
-    <p:sldId id="260" r:id="rId25"/>
-    <p:sldId id="288" r:id="rId26"/>
-    <p:sldId id="261" r:id="rId27"/>
-    <p:sldId id="262" r:id="rId28"/>
-    <p:sldId id="283" r:id="rId29"/>
-    <p:sldId id="264" r:id="rId30"/>
-    <p:sldId id="266" r:id="rId31"/>
-    <p:sldId id="284" r:id="rId32"/>
-    <p:sldId id="267" r:id="rId33"/>
-    <p:sldId id="269" r:id="rId34"/>
-    <p:sldId id="268" r:id="rId35"/>
-    <p:sldId id="285" r:id="rId36"/>
   </p:sldIdLst>
   <p:sldSz cx="12192000" cy="6858000"/>
   <p:notesSz cx="6858000" cy="9144000"/>
@@ -161,917 +145,6 @@
     </p:ext>
   </p:extLst>
 </p:presentation>
-</file>
-
-<file path=ppt/charts/chart1.xml><?xml version="1.0" encoding="utf-8"?>
-<c:chartSpace xmlns:c="http://schemas.openxmlformats.org/drawingml/2006/chart" xmlns:a="http://schemas.openxmlformats.org/drawingml/2006/main" xmlns:r="http://schemas.openxmlformats.org/officeDocument/2006/relationships" xmlns:c16r2="http://schemas.microsoft.com/office/drawing/2015/06/chart">
-  <c:date1904 val="0"/>
-  <c:lang val="en-US"/>
-  <c:roundedCorners val="0"/>
-  <mc:AlternateContent xmlns:mc="http://schemas.openxmlformats.org/markup-compatibility/2006">
-    <mc:Choice xmlns:c14="http://schemas.microsoft.com/office/drawing/2007/8/2/chart" Requires="c14">
-      <c14:style val="102"/>
-    </mc:Choice>
-    <mc:Fallback>
-      <c:style val="2"/>
-    </mc:Fallback>
-  </mc:AlternateContent>
-  <c:chart>
-    <c:autoTitleDeleted val="1"/>
-    <c:plotArea>
-      <c:layout/>
-      <c:barChart>
-        <c:barDir val="col"/>
-        <c:grouping val="clustered"/>
-        <c:varyColors val="0"/>
-        <c:ser>
-          <c:idx val="0"/>
-          <c:order val="0"/>
-          <c:tx>
-            <c:strRef>
-              <c:f>Sheet1!$B$1</c:f>
-              <c:strCache>
-                <c:ptCount val="1"/>
-                <c:pt idx="0">
-                  <c:v>Series 1</c:v>
-                </c:pt>
-              </c:strCache>
-            </c:strRef>
-          </c:tx>
-          <c:spPr>
-            <a:solidFill>
-              <a:schemeClr val="accent3"/>
-            </a:solidFill>
-            <a:ln>
-              <a:noFill/>
-            </a:ln>
-            <a:effectLst/>
-          </c:spPr>
-          <c:invertIfNegative val="0"/>
-          <c:dPt>
-            <c:idx val="1"/>
-            <c:invertIfNegative val="0"/>
-            <c:bubble3D val="0"/>
-            <c:spPr>
-              <a:pattFill prst="ltUpDiag">
-                <a:fgClr>
-                  <a:schemeClr val="accent1">
-                    <a:lumMod val="50000"/>
-                  </a:schemeClr>
-                </a:fgClr>
-                <a:bgClr>
-                  <a:schemeClr val="accent6"/>
-                </a:bgClr>
-              </a:pattFill>
-              <a:ln w="12700">
-                <a:solidFill>
-                  <a:schemeClr val="accent6">
-                    <a:lumMod val="60000"/>
-                    <a:lumOff val="40000"/>
-                  </a:schemeClr>
-                </a:solidFill>
-              </a:ln>
-              <a:effectLst/>
-            </c:spPr>
-            <c:extLst>
-              <c:ext xmlns:c16="http://schemas.microsoft.com/office/drawing/2014/chart" uri="{C3380CC4-5D6E-409C-BE32-E72D297353CC}">
-                <c16:uniqueId val="{00000001-73FB-9843-92B3-91A80E32B7C5}"/>
-              </c:ext>
-            </c:extLst>
-          </c:dPt>
-          <c:dPt>
-            <c:idx val="2"/>
-            <c:invertIfNegative val="0"/>
-            <c:bubble3D val="0"/>
-            <c:spPr>
-              <a:pattFill prst="ltUpDiag">
-                <a:fgClr>
-                  <a:schemeClr val="accent1">
-                    <a:lumMod val="50000"/>
-                  </a:schemeClr>
-                </a:fgClr>
-                <a:bgClr>
-                  <a:schemeClr val="accent3"/>
-                </a:bgClr>
-              </a:pattFill>
-              <a:ln w="12700">
-                <a:solidFill>
-                  <a:schemeClr val="accent3">
-                    <a:lumMod val="60000"/>
-                    <a:lumOff val="40000"/>
-                  </a:schemeClr>
-                </a:solidFill>
-              </a:ln>
-              <a:effectLst/>
-            </c:spPr>
-            <c:extLst>
-              <c:ext xmlns:c16="http://schemas.microsoft.com/office/drawing/2014/chart" uri="{C3380CC4-5D6E-409C-BE32-E72D297353CC}">
-                <c16:uniqueId val="{00000007-73FB-9843-92B3-91A80E32B7C5}"/>
-              </c:ext>
-            </c:extLst>
-          </c:dPt>
-          <c:dPt>
-            <c:idx val="3"/>
-            <c:invertIfNegative val="0"/>
-            <c:bubble3D val="0"/>
-            <c:spPr>
-              <a:pattFill prst="ltUpDiag">
-                <a:fgClr>
-                  <a:schemeClr val="accent1">
-                    <a:lumMod val="50000"/>
-                  </a:schemeClr>
-                </a:fgClr>
-                <a:bgClr>
-                  <a:schemeClr val="accent1">
-                    <a:lumMod val="60000"/>
-                    <a:lumOff val="40000"/>
-                  </a:schemeClr>
-                </a:bgClr>
-              </a:pattFill>
-              <a:ln w="12700">
-                <a:solidFill>
-                  <a:schemeClr val="accent1">
-                    <a:lumMod val="40000"/>
-                    <a:lumOff val="60000"/>
-                  </a:schemeClr>
-                </a:solidFill>
-              </a:ln>
-              <a:effectLst/>
-            </c:spPr>
-            <c:extLst>
-              <c:ext xmlns:c16="http://schemas.microsoft.com/office/drawing/2014/chart" uri="{C3380CC4-5D6E-409C-BE32-E72D297353CC}">
-                <c16:uniqueId val="{00000003-73FB-9843-92B3-91A80E32B7C5}"/>
-              </c:ext>
-            </c:extLst>
-          </c:dPt>
-          <c:dPt>
-            <c:idx val="4"/>
-            <c:invertIfNegative val="0"/>
-            <c:bubble3D val="0"/>
-            <c:spPr>
-              <a:pattFill prst="ltUpDiag">
-                <a:fgClr>
-                  <a:schemeClr val="accent1">
-                    <a:lumMod val="50000"/>
-                  </a:schemeClr>
-                </a:fgClr>
-                <a:bgClr>
-                  <a:schemeClr val="accent2"/>
-                </a:bgClr>
-              </a:pattFill>
-              <a:ln w="12700">
-                <a:solidFill>
-                  <a:schemeClr val="accent2">
-                    <a:lumMod val="60000"/>
-                    <a:lumOff val="40000"/>
-                  </a:schemeClr>
-                </a:solidFill>
-              </a:ln>
-              <a:effectLst/>
-            </c:spPr>
-            <c:extLst>
-              <c:ext xmlns:c16="http://schemas.microsoft.com/office/drawing/2014/chart" uri="{C3380CC4-5D6E-409C-BE32-E72D297353CC}">
-                <c16:uniqueId val="{00000005-73FB-9843-92B3-91A80E32B7C5}"/>
-              </c:ext>
-            </c:extLst>
-          </c:dPt>
-          <c:cat>
-            <c:strRef>
-              <c:f>Sheet1!$A$2:$A$6</c:f>
-              <c:strCache>
-                <c:ptCount val="5"/>
-                <c:pt idx="0">
-                  <c:v>20YY</c:v>
-                </c:pt>
-                <c:pt idx="1">
-                  <c:v>20YY</c:v>
-                </c:pt>
-                <c:pt idx="2">
-                  <c:v>20YY</c:v>
-                </c:pt>
-                <c:pt idx="3">
-                  <c:v>20YY</c:v>
-                </c:pt>
-                <c:pt idx="4">
-                  <c:v>20YY</c:v>
-                </c:pt>
-              </c:strCache>
-            </c:strRef>
-          </c:cat>
-          <c:val>
-            <c:numRef>
-              <c:f>Sheet1!$B$2:$B$6</c:f>
-              <c:numCache>
-                <c:formatCode>[$$-409]#,##0</c:formatCode>
-                <c:ptCount val="5"/>
-                <c:pt idx="0">
-                  <c:v>0</c:v>
-                </c:pt>
-                <c:pt idx="1">
-                  <c:v>6750</c:v>
-                </c:pt>
-                <c:pt idx="2">
-                  <c:v>33750</c:v>
-                </c:pt>
-                <c:pt idx="3">
-                  <c:v>135000</c:v>
-                </c:pt>
-                <c:pt idx="4">
-                  <c:v>270000</c:v>
-                </c:pt>
-              </c:numCache>
-            </c:numRef>
-          </c:val>
-          <c:extLst>
-            <c:ext xmlns:c16="http://schemas.microsoft.com/office/drawing/2014/chart" uri="{C3380CC4-5D6E-409C-BE32-E72D297353CC}">
-              <c16:uniqueId val="{00000006-73FB-9843-92B3-91A80E32B7C5}"/>
-            </c:ext>
-          </c:extLst>
-        </c:ser>
-        <c:dLbls>
-          <c:showLegendKey val="0"/>
-          <c:showVal val="0"/>
-          <c:showCatName val="0"/>
-          <c:showSerName val="0"/>
-          <c:showPercent val="0"/>
-          <c:showBubbleSize val="0"/>
-        </c:dLbls>
-        <c:gapWidth val="24"/>
-        <c:axId val="1000041416"/>
-        <c:axId val="1000041744"/>
-      </c:barChart>
-      <c:catAx>
-        <c:axId val="1000041416"/>
-        <c:scaling>
-          <c:orientation val="minMax"/>
-        </c:scaling>
-        <c:delete val="0"/>
-        <c:axPos val="b"/>
-        <c:numFmt formatCode="General" sourceLinked="1"/>
-        <c:majorTickMark val="none"/>
-        <c:minorTickMark val="none"/>
-        <c:tickLblPos val="nextTo"/>
-        <c:spPr>
-          <a:noFill/>
-          <a:ln w="9525" cap="flat" cmpd="sng" algn="ctr">
-            <a:solidFill>
-              <a:schemeClr val="tx1">
-                <a:lumMod val="15000"/>
-                <a:lumOff val="85000"/>
-              </a:schemeClr>
-            </a:solidFill>
-            <a:round/>
-          </a:ln>
-          <a:effectLst/>
-        </c:spPr>
-        <c:txPr>
-          <a:bodyPr rot="-60000000" spcFirstLastPara="1" vertOverflow="ellipsis" vert="horz" wrap="square" anchor="ctr" anchorCtr="1"/>
-          <a:lstStyle/>
-          <a:p>
-            <a:pPr>
-              <a:defRPr sz="1197" b="0" i="0" u="none" strike="noStrike" kern="1200" baseline="0">
-                <a:solidFill>
-                  <a:schemeClr val="bg1"/>
-                </a:solidFill>
-                <a:latin typeface="+mn-lt"/>
-                <a:ea typeface="+mn-ea"/>
-                <a:cs typeface="+mn-cs"/>
-              </a:defRPr>
-            </a:pPr>
-            <a:endParaRPr lang="en-US"/>
-          </a:p>
-        </c:txPr>
-        <c:crossAx val="1000041744"/>
-        <c:crosses val="autoZero"/>
-        <c:auto val="1"/>
-        <c:lblAlgn val="ctr"/>
-        <c:lblOffset val="100"/>
-        <c:noMultiLvlLbl val="0"/>
-      </c:catAx>
-      <c:valAx>
-        <c:axId val="1000041744"/>
-        <c:scaling>
-          <c:orientation val="minMax"/>
-        </c:scaling>
-        <c:delete val="0"/>
-        <c:axPos val="l"/>
-        <c:numFmt formatCode="[$$-409]#,##0" sourceLinked="1"/>
-        <c:majorTickMark val="none"/>
-        <c:minorTickMark val="none"/>
-        <c:tickLblPos val="nextTo"/>
-        <c:spPr>
-          <a:noFill/>
-          <a:ln>
-            <a:noFill/>
-          </a:ln>
-          <a:effectLst/>
-        </c:spPr>
-        <c:txPr>
-          <a:bodyPr rot="-60000000" spcFirstLastPara="1" vertOverflow="ellipsis" vert="horz" wrap="square" anchor="ctr" anchorCtr="1"/>
-          <a:lstStyle/>
-          <a:p>
-            <a:pPr>
-              <a:defRPr sz="1197" b="0" i="0" u="none" strike="noStrike" kern="1200" baseline="0">
-                <a:solidFill>
-                  <a:schemeClr val="bg1"/>
-                </a:solidFill>
-                <a:latin typeface="+mn-lt"/>
-                <a:ea typeface="+mn-ea"/>
-                <a:cs typeface="+mn-cs"/>
-              </a:defRPr>
-            </a:pPr>
-            <a:endParaRPr lang="en-US"/>
-          </a:p>
-        </c:txPr>
-        <c:crossAx val="1000041416"/>
-        <c:crosses val="autoZero"/>
-        <c:crossBetween val="between"/>
-      </c:valAx>
-      <c:spPr>
-        <a:noFill/>
-        <a:ln>
-          <a:noFill/>
-        </a:ln>
-        <a:effectLst/>
-      </c:spPr>
-    </c:plotArea>
-    <c:plotVisOnly val="1"/>
-    <c:dispBlanksAs val="gap"/>
-    <c:extLst>
-      <c:ext xmlns:c16r3="http://schemas.microsoft.com/office/drawing/2017/03/chart" uri="{56B9EC1D-385E-4148-901F-78D8002777C0}">
-        <c16r3:dataDisplayOptions16>
-          <c16r3:dispNaAsBlank val="1"/>
-        </c16r3:dataDisplayOptions16>
-      </c:ext>
-    </c:extLst>
-    <c:showDLblsOverMax val="0"/>
-  </c:chart>
-  <c:spPr>
-    <a:noFill/>
-    <a:ln>
-      <a:noFill/>
-    </a:ln>
-    <a:effectLst/>
-  </c:spPr>
-  <c:txPr>
-    <a:bodyPr/>
-    <a:lstStyle/>
-    <a:p>
-      <a:pPr>
-        <a:defRPr>
-          <a:latin typeface="+mn-lt"/>
-        </a:defRPr>
-      </a:pPr>
-      <a:endParaRPr lang="en-US"/>
-    </a:p>
-  </c:txPr>
-  <c:externalData r:id="rId3">
-    <c:autoUpdate val="0"/>
-  </c:externalData>
-</c:chartSpace>
-</file>
-
-<file path=ppt/charts/colors1.xml><?xml version="1.0" encoding="utf-8"?>
-<cs:colorStyle xmlns:cs="http://schemas.microsoft.com/office/drawing/2012/chartStyle" xmlns:a="http://schemas.openxmlformats.org/drawingml/2006/main" meth="cycle" id="10">
-  <a:schemeClr val="accent1"/>
-  <a:schemeClr val="accent2"/>
-  <a:schemeClr val="accent3"/>
-  <a:schemeClr val="accent4"/>
-  <a:schemeClr val="accent5"/>
-  <a:schemeClr val="accent6"/>
-  <cs:variation/>
-  <cs:variation>
-    <a:lumMod val="60000"/>
-  </cs:variation>
-  <cs:variation>
-    <a:lumMod val="80000"/>
-    <a:lumOff val="20000"/>
-  </cs:variation>
-  <cs:variation>
-    <a:lumMod val="80000"/>
-  </cs:variation>
-  <cs:variation>
-    <a:lumMod val="60000"/>
-    <a:lumOff val="40000"/>
-  </cs:variation>
-  <cs:variation>
-    <a:lumMod val="50000"/>
-  </cs:variation>
-  <cs:variation>
-    <a:lumMod val="70000"/>
-    <a:lumOff val="30000"/>
-  </cs:variation>
-  <cs:variation>
-    <a:lumMod val="70000"/>
-  </cs:variation>
-  <cs:variation>
-    <a:lumMod val="50000"/>
-    <a:lumOff val="50000"/>
-  </cs:variation>
-</cs:colorStyle>
-</file>
-
-<file path=ppt/charts/style1.xml><?xml version="1.0" encoding="utf-8"?>
-<cs:chartStyle xmlns:cs="http://schemas.microsoft.com/office/drawing/2012/chartStyle" xmlns:a="http://schemas.openxmlformats.org/drawingml/2006/main" id="201">
-  <cs:axisTitle>
-    <cs:lnRef idx="0"/>
-    <cs:fillRef idx="0"/>
-    <cs:effectRef idx="0"/>
-    <cs:fontRef idx="minor">
-      <a:schemeClr val="tx1">
-        <a:lumMod val="65000"/>
-        <a:lumOff val="35000"/>
-      </a:schemeClr>
-    </cs:fontRef>
-    <cs:defRPr sz="1330" kern="1200"/>
-  </cs:axisTitle>
-  <cs:categoryAxis>
-    <cs:lnRef idx="0"/>
-    <cs:fillRef idx="0"/>
-    <cs:effectRef idx="0"/>
-    <cs:fontRef idx="minor">
-      <a:schemeClr val="tx1">
-        <a:lumMod val="65000"/>
-        <a:lumOff val="35000"/>
-      </a:schemeClr>
-    </cs:fontRef>
-    <cs:spPr>
-      <a:ln w="9525" cap="flat" cmpd="sng" algn="ctr">
-        <a:solidFill>
-          <a:schemeClr val="tx1">
-            <a:lumMod val="15000"/>
-            <a:lumOff val="85000"/>
-          </a:schemeClr>
-        </a:solidFill>
-        <a:round/>
-      </a:ln>
-    </cs:spPr>
-    <cs:defRPr sz="1197" kern="1200"/>
-  </cs:categoryAxis>
-  <cs:chartArea mods="allowNoFillOverride allowNoLineOverride">
-    <cs:lnRef idx="0"/>
-    <cs:fillRef idx="0"/>
-    <cs:effectRef idx="0"/>
-    <cs:fontRef idx="minor">
-      <a:schemeClr val="tx1"/>
-    </cs:fontRef>
-    <cs:spPr>
-      <a:solidFill>
-        <a:schemeClr val="bg1"/>
-      </a:solidFill>
-      <a:ln w="9525" cap="flat" cmpd="sng" algn="ctr">
-        <a:solidFill>
-          <a:schemeClr val="tx1">
-            <a:lumMod val="15000"/>
-            <a:lumOff val="85000"/>
-          </a:schemeClr>
-        </a:solidFill>
-        <a:round/>
-      </a:ln>
-    </cs:spPr>
-    <cs:defRPr sz="1330" kern="1200"/>
-  </cs:chartArea>
-  <cs:dataLabel>
-    <cs:lnRef idx="0"/>
-    <cs:fillRef idx="0"/>
-    <cs:effectRef idx="0"/>
-    <cs:fontRef idx="minor">
-      <a:schemeClr val="tx1">
-        <a:lumMod val="75000"/>
-        <a:lumOff val="25000"/>
-      </a:schemeClr>
-    </cs:fontRef>
-    <cs:defRPr sz="1197" kern="1200"/>
-  </cs:dataLabel>
-  <cs:dataLabelCallout>
-    <cs:lnRef idx="0"/>
-    <cs:fillRef idx="0"/>
-    <cs:effectRef idx="0"/>
-    <cs:fontRef idx="minor">
-      <a:schemeClr val="dk1">
-        <a:lumMod val="65000"/>
-        <a:lumOff val="35000"/>
-      </a:schemeClr>
-    </cs:fontRef>
-    <cs:spPr>
-      <a:solidFill>
-        <a:schemeClr val="lt1"/>
-      </a:solidFill>
-      <a:ln>
-        <a:solidFill>
-          <a:schemeClr val="dk1">
-            <a:lumMod val="25000"/>
-            <a:lumOff val="75000"/>
-          </a:schemeClr>
-        </a:solidFill>
-      </a:ln>
-    </cs:spPr>
-    <cs:defRPr sz="1197" kern="1200"/>
-    <cs:bodyPr rot="0" spcFirstLastPara="1" vertOverflow="clip" horzOverflow="clip" vert="horz" wrap="square" lIns="36576" tIns="18288" rIns="36576" bIns="18288" anchor="ctr" anchorCtr="1">
-      <a:spAutoFit/>
-    </cs:bodyPr>
-  </cs:dataLabelCallout>
-  <cs:dataPoint>
-    <cs:lnRef idx="0"/>
-    <cs:fillRef idx="1">
-      <cs:styleClr val="auto"/>
-    </cs:fillRef>
-    <cs:effectRef idx="0"/>
-    <cs:fontRef idx="minor">
-      <a:schemeClr val="tx1"/>
-    </cs:fontRef>
-  </cs:dataPoint>
-  <cs:dataPoint3D>
-    <cs:lnRef idx="0"/>
-    <cs:fillRef idx="1">
-      <cs:styleClr val="auto"/>
-    </cs:fillRef>
-    <cs:effectRef idx="0"/>
-    <cs:fontRef idx="minor">
-      <a:schemeClr val="tx1"/>
-    </cs:fontRef>
-  </cs:dataPoint3D>
-  <cs:dataPointLine>
-    <cs:lnRef idx="0">
-      <cs:styleClr val="auto"/>
-    </cs:lnRef>
-    <cs:fillRef idx="1"/>
-    <cs:effectRef idx="0"/>
-    <cs:fontRef idx="minor">
-      <a:schemeClr val="tx1"/>
-    </cs:fontRef>
-    <cs:spPr>
-      <a:ln w="28575" cap="rnd">
-        <a:solidFill>
-          <a:schemeClr val="phClr"/>
-        </a:solidFill>
-        <a:round/>
-      </a:ln>
-    </cs:spPr>
-  </cs:dataPointLine>
-  <cs:dataPointMarker>
-    <cs:lnRef idx="0">
-      <cs:styleClr val="auto"/>
-    </cs:lnRef>
-    <cs:fillRef idx="1">
-      <cs:styleClr val="auto"/>
-    </cs:fillRef>
-    <cs:effectRef idx="0"/>
-    <cs:fontRef idx="minor">
-      <a:schemeClr val="tx1"/>
-    </cs:fontRef>
-    <cs:spPr>
-      <a:ln w="9525">
-        <a:solidFill>
-          <a:schemeClr val="phClr"/>
-        </a:solidFill>
-      </a:ln>
-    </cs:spPr>
-  </cs:dataPointMarker>
-  <cs:dataPointMarkerLayout symbol="circle" size="5"/>
-  <cs:dataPointWireframe>
-    <cs:lnRef idx="0">
-      <cs:styleClr val="auto"/>
-    </cs:lnRef>
-    <cs:fillRef idx="1"/>
-    <cs:effectRef idx="0"/>
-    <cs:fontRef idx="minor">
-      <a:schemeClr val="tx1"/>
-    </cs:fontRef>
-    <cs:spPr>
-      <a:ln w="9525" cap="rnd">
-        <a:solidFill>
-          <a:schemeClr val="phClr"/>
-        </a:solidFill>
-        <a:round/>
-      </a:ln>
-    </cs:spPr>
-  </cs:dataPointWireframe>
-  <cs:dataTable>
-    <cs:lnRef idx="0"/>
-    <cs:fillRef idx="0"/>
-    <cs:effectRef idx="0"/>
-    <cs:fontRef idx="minor">
-      <a:schemeClr val="tx1">
-        <a:lumMod val="65000"/>
-        <a:lumOff val="35000"/>
-      </a:schemeClr>
-    </cs:fontRef>
-    <cs:spPr>
-      <a:noFill/>
-      <a:ln w="9525" cap="flat" cmpd="sng" algn="ctr">
-        <a:solidFill>
-          <a:schemeClr val="tx1">
-            <a:lumMod val="15000"/>
-            <a:lumOff val="85000"/>
-          </a:schemeClr>
-        </a:solidFill>
-        <a:round/>
-      </a:ln>
-    </cs:spPr>
-    <cs:defRPr sz="1197" kern="1200"/>
-  </cs:dataTable>
-  <cs:downBar>
-    <cs:lnRef idx="0"/>
-    <cs:fillRef idx="0"/>
-    <cs:effectRef idx="0"/>
-    <cs:fontRef idx="minor">
-      <a:schemeClr val="dk1"/>
-    </cs:fontRef>
-    <cs:spPr>
-      <a:solidFill>
-        <a:schemeClr val="dk1">
-          <a:lumMod val="65000"/>
-          <a:lumOff val="35000"/>
-        </a:schemeClr>
-      </a:solidFill>
-      <a:ln w="9525">
-        <a:solidFill>
-          <a:schemeClr val="tx1">
-            <a:lumMod val="65000"/>
-            <a:lumOff val="35000"/>
-          </a:schemeClr>
-        </a:solidFill>
-      </a:ln>
-    </cs:spPr>
-  </cs:downBar>
-  <cs:dropLine>
-    <cs:lnRef idx="0"/>
-    <cs:fillRef idx="0"/>
-    <cs:effectRef idx="0"/>
-    <cs:fontRef idx="minor">
-      <a:schemeClr val="tx1"/>
-    </cs:fontRef>
-    <cs:spPr>
-      <a:ln w="9525" cap="flat" cmpd="sng" algn="ctr">
-        <a:solidFill>
-          <a:schemeClr val="tx1">
-            <a:lumMod val="35000"/>
-            <a:lumOff val="65000"/>
-          </a:schemeClr>
-        </a:solidFill>
-        <a:round/>
-      </a:ln>
-    </cs:spPr>
-  </cs:dropLine>
-  <cs:errorBar>
-    <cs:lnRef idx="0"/>
-    <cs:fillRef idx="0"/>
-    <cs:effectRef idx="0"/>
-    <cs:fontRef idx="minor">
-      <a:schemeClr val="tx1"/>
-    </cs:fontRef>
-    <cs:spPr>
-      <a:ln w="9525" cap="flat" cmpd="sng" algn="ctr">
-        <a:solidFill>
-          <a:schemeClr val="tx1">
-            <a:lumMod val="65000"/>
-            <a:lumOff val="35000"/>
-          </a:schemeClr>
-        </a:solidFill>
-        <a:round/>
-      </a:ln>
-    </cs:spPr>
-  </cs:errorBar>
-  <cs:floor>
-    <cs:lnRef idx="0"/>
-    <cs:fillRef idx="0"/>
-    <cs:effectRef idx="0"/>
-    <cs:fontRef idx="minor">
-      <a:schemeClr val="tx1"/>
-    </cs:fontRef>
-    <cs:spPr>
-      <a:noFill/>
-      <a:ln>
-        <a:noFill/>
-      </a:ln>
-    </cs:spPr>
-  </cs:floor>
-  <cs:gridlineMajor>
-    <cs:lnRef idx="0"/>
-    <cs:fillRef idx="0"/>
-    <cs:effectRef idx="0"/>
-    <cs:fontRef idx="minor">
-      <a:schemeClr val="tx1"/>
-    </cs:fontRef>
-    <cs:spPr>
-      <a:ln w="9525" cap="flat" cmpd="sng" algn="ctr">
-        <a:solidFill>
-          <a:schemeClr val="tx1">
-            <a:lumMod val="15000"/>
-            <a:lumOff val="85000"/>
-          </a:schemeClr>
-        </a:solidFill>
-        <a:round/>
-      </a:ln>
-    </cs:spPr>
-  </cs:gridlineMajor>
-  <cs:gridlineMinor>
-    <cs:lnRef idx="0"/>
-    <cs:fillRef idx="0"/>
-    <cs:effectRef idx="0"/>
-    <cs:fontRef idx="minor">
-      <a:schemeClr val="tx1"/>
-    </cs:fontRef>
-    <cs:spPr>
-      <a:ln w="9525" cap="flat" cmpd="sng" algn="ctr">
-        <a:solidFill>
-          <a:schemeClr val="tx1">
-            <a:lumMod val="5000"/>
-            <a:lumOff val="95000"/>
-          </a:schemeClr>
-        </a:solidFill>
-        <a:round/>
-      </a:ln>
-    </cs:spPr>
-  </cs:gridlineMinor>
-  <cs:hiLoLine>
-    <cs:lnRef idx="0"/>
-    <cs:fillRef idx="0"/>
-    <cs:effectRef idx="0"/>
-    <cs:fontRef idx="minor">
-      <a:schemeClr val="tx1"/>
-    </cs:fontRef>
-    <cs:spPr>
-      <a:ln w="9525" cap="flat" cmpd="sng" algn="ctr">
-        <a:solidFill>
-          <a:schemeClr val="tx1">
-            <a:lumMod val="75000"/>
-            <a:lumOff val="25000"/>
-          </a:schemeClr>
-        </a:solidFill>
-        <a:round/>
-      </a:ln>
-    </cs:spPr>
-  </cs:hiLoLine>
-  <cs:leaderLine>
-    <cs:lnRef idx="0"/>
-    <cs:fillRef idx="0"/>
-    <cs:effectRef idx="0"/>
-    <cs:fontRef idx="minor">
-      <a:schemeClr val="tx1"/>
-    </cs:fontRef>
-    <cs:spPr>
-      <a:ln w="9525" cap="flat" cmpd="sng" algn="ctr">
-        <a:solidFill>
-          <a:schemeClr val="tx1">
-            <a:lumMod val="35000"/>
-            <a:lumOff val="65000"/>
-          </a:schemeClr>
-        </a:solidFill>
-        <a:round/>
-      </a:ln>
-    </cs:spPr>
-  </cs:leaderLine>
-  <cs:legend>
-    <cs:lnRef idx="0"/>
-    <cs:fillRef idx="0"/>
-    <cs:effectRef idx="0"/>
-    <cs:fontRef idx="minor">
-      <a:schemeClr val="tx1">
-        <a:lumMod val="65000"/>
-        <a:lumOff val="35000"/>
-      </a:schemeClr>
-    </cs:fontRef>
-    <cs:defRPr sz="1197" kern="1200"/>
-  </cs:legend>
-  <cs:plotArea mods="allowNoFillOverride allowNoLineOverride">
-    <cs:lnRef idx="0"/>
-    <cs:fillRef idx="0"/>
-    <cs:effectRef idx="0"/>
-    <cs:fontRef idx="minor">
-      <a:schemeClr val="tx1"/>
-    </cs:fontRef>
-  </cs:plotArea>
-  <cs:plotArea3D mods="allowNoFillOverride allowNoLineOverride">
-    <cs:lnRef idx="0"/>
-    <cs:fillRef idx="0"/>
-    <cs:effectRef idx="0"/>
-    <cs:fontRef idx="minor">
-      <a:schemeClr val="tx1"/>
-    </cs:fontRef>
-  </cs:plotArea3D>
-  <cs:seriesAxis>
-    <cs:lnRef idx="0"/>
-    <cs:fillRef idx="0"/>
-    <cs:effectRef idx="0"/>
-    <cs:fontRef idx="minor">
-      <a:schemeClr val="tx1">
-        <a:lumMod val="65000"/>
-        <a:lumOff val="35000"/>
-      </a:schemeClr>
-    </cs:fontRef>
-    <cs:defRPr sz="1197" kern="1200"/>
-  </cs:seriesAxis>
-  <cs:seriesLine>
-    <cs:lnRef idx="0"/>
-    <cs:fillRef idx="0"/>
-    <cs:effectRef idx="0"/>
-    <cs:fontRef idx="minor">
-      <a:schemeClr val="tx1"/>
-    </cs:fontRef>
-    <cs:spPr>
-      <a:ln w="9525" cap="flat" cmpd="sng" algn="ctr">
-        <a:solidFill>
-          <a:schemeClr val="tx1">
-            <a:lumMod val="35000"/>
-            <a:lumOff val="65000"/>
-          </a:schemeClr>
-        </a:solidFill>
-        <a:round/>
-      </a:ln>
-    </cs:spPr>
-  </cs:seriesLine>
-  <cs:title>
-    <cs:lnRef idx="0"/>
-    <cs:fillRef idx="0"/>
-    <cs:effectRef idx="0"/>
-    <cs:fontRef idx="minor">
-      <a:schemeClr val="tx1">
-        <a:lumMod val="65000"/>
-        <a:lumOff val="35000"/>
-      </a:schemeClr>
-    </cs:fontRef>
-    <cs:defRPr sz="1862" b="0" kern="1200" spc="0" baseline="0"/>
-  </cs:title>
-  <cs:trendline>
-    <cs:lnRef idx="0">
-      <cs:styleClr val="auto"/>
-    </cs:lnRef>
-    <cs:fillRef idx="0"/>
-    <cs:effectRef idx="0"/>
-    <cs:fontRef idx="minor">
-      <a:schemeClr val="tx1"/>
-    </cs:fontRef>
-    <cs:spPr>
-      <a:ln w="19050" cap="rnd">
-        <a:solidFill>
-          <a:schemeClr val="phClr"/>
-        </a:solidFill>
-        <a:prstDash val="sysDot"/>
-      </a:ln>
-    </cs:spPr>
-  </cs:trendline>
-  <cs:trendlineLabel>
-    <cs:lnRef idx="0"/>
-    <cs:fillRef idx="0"/>
-    <cs:effectRef idx="0"/>
-    <cs:fontRef idx="minor">
-      <a:schemeClr val="tx1">
-        <a:lumMod val="65000"/>
-        <a:lumOff val="35000"/>
-      </a:schemeClr>
-    </cs:fontRef>
-    <cs:defRPr sz="1197" kern="1200"/>
-  </cs:trendlineLabel>
-  <cs:upBar>
-    <cs:lnRef idx="0"/>
-    <cs:fillRef idx="0"/>
-    <cs:effectRef idx="0"/>
-    <cs:fontRef idx="minor">
-      <a:schemeClr val="dk1"/>
-    </cs:fontRef>
-    <cs:spPr>
-      <a:solidFill>
-        <a:schemeClr val="lt1"/>
-      </a:solidFill>
-      <a:ln w="9525">
-        <a:solidFill>
-          <a:schemeClr val="tx1">
-            <a:lumMod val="15000"/>
-            <a:lumOff val="85000"/>
-          </a:schemeClr>
-        </a:solidFill>
-      </a:ln>
-    </cs:spPr>
-  </cs:upBar>
-  <cs:valueAxis>
-    <cs:lnRef idx="0"/>
-    <cs:fillRef idx="0"/>
-    <cs:effectRef idx="0"/>
-    <cs:fontRef idx="minor">
-      <a:schemeClr val="tx1">
-        <a:lumMod val="65000"/>
-        <a:lumOff val="35000"/>
-      </a:schemeClr>
-    </cs:fontRef>
-    <cs:defRPr sz="1197" kern="1200"/>
-  </cs:valueAxis>
-  <cs:wall>
-    <cs:lnRef idx="0"/>
-    <cs:fillRef idx="0"/>
-    <cs:effectRef idx="0"/>
-    <cs:fontRef idx="minor">
-      <a:schemeClr val="tx1"/>
-    </cs:fontRef>
-    <cs:spPr>
-      <a:noFill/>
-      <a:ln>
-        <a:noFill/>
-      </a:ln>
-    </cs:spPr>
-  </cs:wall>
-</cs:chartStyle>
 </file>
 
 <file path=ppt/handoutMasters/handoutMaster1.xml><?xml version="1.0" encoding="utf-8"?>
@@ -1719,7 +792,32 @@
             </a:pPr>
             <a:r>
               <a:rPr lang="en-US" dirty="0"/>
+              <a:t>Disconnect-</a:t>
+            </a:r>
+            <a:r>
+              <a:rPr lang="en-US" dirty="0" err="1"/>
+              <a:t>AzAccount</a:t>
+            </a:r>
+            <a:endParaRPr lang="en-US" dirty="0"/>
+          </a:p>
+          <a:p>
+            <a:pPr marL="628650" lvl="1" indent="-171450">
+              <a:buFontTx/>
+              <a:buChar char="-"/>
+            </a:pPr>
+            <a:r>
+              <a:rPr lang="en-US" dirty="0"/>
               <a:t>k config unset current-context</a:t>
+            </a:r>
+          </a:p>
+          <a:p>
+            <a:pPr marL="171450" indent="-171450">
+              <a:buFontTx/>
+              <a:buChar char="-"/>
+            </a:pPr>
+            <a:r>
+              <a:rPr lang="en-US" dirty="0"/>
+              <a:t>Turn desk light on</a:t>
             </a:r>
           </a:p>
           <a:p>
@@ -1820,7 +918,7 @@
             </a:pPr>
             <a:r>
               <a:rPr lang="en-US" dirty="0"/>
-              <a:t>4-NewSessionEveryTime.ps1</a:t>
+              <a:t>3-ClassAndEnum.ps1</a:t>
             </a:r>
           </a:p>
           <a:p>
@@ -1830,73 +928,7 @@
             </a:pPr>
             <a:r>
               <a:rPr lang="en-US" dirty="0"/>
-              <a:t>Disable temporary console</a:t>
-            </a:r>
-          </a:p>
-          <a:p>
-            <a:pPr marL="171450" indent="-171450">
-              <a:buFontTx/>
-              <a:buChar char="-"/>
-            </a:pPr>
-            <a:r>
-              <a:rPr lang="en-US" dirty="0"/>
-              <a:t>Run script</a:t>
-            </a:r>
-          </a:p>
-          <a:p>
-            <a:pPr marL="171450" indent="-171450">
-              <a:buFontTx/>
-              <a:buChar char="-"/>
-            </a:pPr>
-            <a:r>
-              <a:rPr lang="en-US" dirty="0"/>
-              <a:t>Change $</a:t>
-            </a:r>
-            <a:r>
-              <a:rPr lang="en-US" dirty="0" err="1"/>
-              <a:t>lastName</a:t>
-            </a:r>
-            <a:r>
-              <a:rPr lang="en-US" dirty="0"/>
-              <a:t> to $lastName1</a:t>
-            </a:r>
-          </a:p>
-          <a:p>
-            <a:pPr marL="171450" indent="-171450">
-              <a:buFontTx/>
-              <a:buChar char="-"/>
-            </a:pPr>
-            <a:r>
-              <a:rPr lang="en-US" dirty="0"/>
-              <a:t>Run script (notice it spit out the old name)</a:t>
-            </a:r>
-          </a:p>
-          <a:p>
-            <a:pPr marL="171450" indent="-171450">
-              <a:buFontTx/>
-              <a:buChar char="-"/>
-            </a:pPr>
-            <a:r>
-              <a:rPr lang="en-US" dirty="0"/>
-              <a:t>Re-enable temporary console and run script (not has modified blank name)</a:t>
-            </a:r>
-          </a:p>
-          <a:p>
-            <a:pPr marL="171450" indent="-171450">
-              <a:buFontTx/>
-              <a:buChar char="-"/>
-            </a:pPr>
-            <a:r>
-              <a:rPr lang="en-US" dirty="0"/>
-              <a:t>Uncomment Set-</a:t>
-            </a:r>
-            <a:r>
-              <a:rPr lang="en-US" dirty="0" err="1"/>
-              <a:t>StrictMode</a:t>
-            </a:r>
-            <a:r>
-              <a:rPr lang="en-US" dirty="0"/>
-              <a:t> and run to show it creates an error</a:t>
+              <a:t>Comment out Blond enum value and run to show it throws an error and lists possible valid enum values</a:t>
             </a:r>
           </a:p>
           <a:p>
@@ -1905,6 +937,40 @@
               <a:buChar char="-"/>
             </a:pPr>
             <a:endParaRPr lang="en-US" dirty="0"/>
+          </a:p>
+          <a:p>
+            <a:pPr marL="171450" indent="-171450">
+              <a:buFontTx/>
+              <a:buChar char="-"/>
+            </a:pPr>
+            <a:r>
+              <a:rPr lang="en-US" dirty="0"/>
+              <a:t>Set-</a:t>
+            </a:r>
+            <a:r>
+              <a:rPr lang="en-US" dirty="0" err="1"/>
+              <a:t>TiPSConfiguration</a:t>
+            </a:r>
+            <a:r>
+              <a:rPr lang="en-US" dirty="0"/>
+              <a:t> -</a:t>
+            </a:r>
+            <a:r>
+              <a:rPr lang="en-US" dirty="0" err="1"/>
+              <a:t>AutomaticallyWritePowerShellTip</a:t>
+            </a:r>
+            <a:r>
+              <a:rPr lang="en-US" dirty="0"/>
+              <a:t> Daily (show enum autocomplete for free; no </a:t>
+            </a:r>
+            <a:r>
+              <a:rPr lang="en-US" dirty="0" err="1"/>
+              <a:t>ValidateSet</a:t>
+            </a:r>
+            <a:r>
+              <a:rPr lang="en-US" dirty="0"/>
+              <a:t> needed)</a:t>
+            </a:r>
           </a:p>
         </p:txBody>
       </p:sp>
@@ -1925,7 +991,7 @@
           <a:p>
             <a:fld id="{1734D747-9380-41EE-9946-EC9EC0CA5D1E}" type="slidenum">
               <a:rPr lang="en-US" noProof="0" smtClean="0"/>
-              <a:t>12</a:t>
+              <a:t>11</a:t>
             </a:fld>
             <a:endParaRPr lang="en-US" noProof="0" dirty="0"/>
           </a:p>
@@ -1934,7 +1000,7 @@
     </p:spTree>
     <p:extLst>
       <p:ext uri="{BB962C8B-B14F-4D97-AF65-F5344CB8AC3E}">
-        <p14:creationId xmlns:p14="http://schemas.microsoft.com/office/powerpoint/2010/main" val="68410691"/>
+        <p14:creationId xmlns:p14="http://schemas.microsoft.com/office/powerpoint/2010/main" val="2713588427"/>
       </p:ext>
     </p:extLst>
   </p:cSld>
@@ -1994,7 +1060,7 @@
             </a:pPr>
             <a:r>
               <a:rPr lang="en-US" dirty="0"/>
-              <a:t>AutomaticModuleUpdateFunctions.Tests.ps1</a:t>
+              <a:t>4-NewSessionEveryTime.ps1</a:t>
             </a:r>
           </a:p>
           <a:p>
@@ -2004,23 +1070,15 @@
             </a:pPr>
             <a:r>
               <a:rPr lang="en-US" dirty="0"/>
-              <a:t>Use $</a:t>
+              <a:t>Disable temporary console. Search settings for “</a:t>
             </a:r>
             <a:r>
               <a:rPr lang="en-US" dirty="0" err="1"/>
-              <a:t>TestDrive</a:t>
+              <a:t>powershell</a:t>
             </a:r>
             <a:r>
               <a:rPr lang="en-US" dirty="0"/>
-              <a:t> instead of </a:t>
-            </a:r>
-            <a:r>
-              <a:rPr lang="en-US" dirty="0" err="1"/>
-              <a:t>TestDrive</a:t>
-            </a:r>
-            <a:r>
-              <a:rPr lang="en-US" dirty="0"/>
-              <a:t>: so .NET methods can resolve the path</a:t>
+              <a:t> temporary”</a:t>
             </a:r>
           </a:p>
           <a:p>
@@ -2030,7 +1088,7 @@
             </a:pPr>
             <a:r>
               <a:rPr lang="en-US" dirty="0"/>
-              <a:t>We use .NET methods for performance reasons</a:t>
+              <a:t>Run script</a:t>
             </a:r>
           </a:p>
           <a:p>
@@ -2040,16 +1098,66 @@
             </a:pPr>
             <a:r>
               <a:rPr lang="en-US" dirty="0"/>
-              <a:t>Use </a:t>
+              <a:t>Change $</a:t>
             </a:r>
             <a:r>
               <a:rPr lang="en-US" dirty="0" err="1"/>
-              <a:t>InModuleScope</a:t>
+              <a:t>lastName</a:t>
             </a:r>
             <a:r>
               <a:rPr lang="en-US" dirty="0"/>
-              <a:t> to be able to access private module functions</a:t>
-            </a:r>
+              <a:t> to $</a:t>
+            </a:r>
+            <a:r>
+              <a:rPr lang="en-US" dirty="0" err="1"/>
+              <a:t>sirName</a:t>
+            </a:r>
+            <a:endParaRPr lang="en-US" dirty="0"/>
+          </a:p>
+          <a:p>
+            <a:pPr marL="171450" indent="-171450">
+              <a:buFontTx/>
+              <a:buChar char="-"/>
+            </a:pPr>
+            <a:r>
+              <a:rPr lang="en-US" dirty="0"/>
+              <a:t>Run script (notice it spit out the old name)</a:t>
+            </a:r>
+          </a:p>
+          <a:p>
+            <a:pPr marL="171450" indent="-171450">
+              <a:buFontTx/>
+              <a:buChar char="-"/>
+            </a:pPr>
+            <a:r>
+              <a:rPr lang="en-US" dirty="0"/>
+              <a:t>Re-enable temporary console and run script (now has modified blank name)</a:t>
+            </a:r>
+          </a:p>
+          <a:p>
+            <a:pPr marL="171450" indent="-171450">
+              <a:buFontTx/>
+              <a:buChar char="-"/>
+            </a:pPr>
+            <a:r>
+              <a:rPr lang="en-US" dirty="0"/>
+              <a:t>Uncomment Set-</a:t>
+            </a:r>
+            <a:r>
+              <a:rPr lang="en-US" dirty="0" err="1"/>
+              <a:t>StrictMode</a:t>
+            </a:r>
+            <a:r>
+              <a:rPr lang="en-US" dirty="0"/>
+              <a:t> and run to show it creates an error</a:t>
+            </a:r>
+          </a:p>
+          <a:p>
+            <a:pPr marL="171450" indent="-171450">
+              <a:buFontTx/>
+              <a:buChar char="-"/>
+            </a:pPr>
+            <a:endParaRPr lang="en-US" dirty="0"/>
           </a:p>
         </p:txBody>
       </p:sp>
@@ -2070,7 +1178,7 @@
           <a:p>
             <a:fld id="{1734D747-9380-41EE-9946-EC9EC0CA5D1E}" type="slidenum">
               <a:rPr lang="en-US" noProof="0" smtClean="0"/>
-              <a:t>13</a:t>
+              <a:t>12</a:t>
             </a:fld>
             <a:endParaRPr lang="en-US" noProof="0" dirty="0"/>
           </a:p>
@@ -2079,7 +1187,7 @@
     </p:spTree>
     <p:extLst>
       <p:ext uri="{BB962C8B-B14F-4D97-AF65-F5344CB8AC3E}">
-        <p14:creationId xmlns:p14="http://schemas.microsoft.com/office/powerpoint/2010/main" val="3042024888"/>
+        <p14:creationId xmlns:p14="http://schemas.microsoft.com/office/powerpoint/2010/main" val="68410691"/>
       </p:ext>
     </p:extLst>
   </p:cSld>
@@ -2139,7 +1247,7 @@
             </a:pPr>
             <a:r>
               <a:rPr lang="en-US" dirty="0"/>
-              <a:t>Show pipeline for PR we merged in earlier</a:t>
+              <a:t>AutomaticModuleUpdateFunctions.Tests.ps1</a:t>
             </a:r>
           </a:p>
           <a:p>
@@ -2149,7 +1257,23 @@
             </a:pPr>
             <a:r>
               <a:rPr lang="en-US" dirty="0"/>
-              <a:t>Caught a Windows PowerShell issue when installing the module with an emoji in the module manifest description</a:t>
+              <a:t>Use $</a:t>
+            </a:r>
+            <a:r>
+              <a:rPr lang="en-US" dirty="0" err="1"/>
+              <a:t>TestDrive</a:t>
+            </a:r>
+            <a:r>
+              <a:rPr lang="en-US" dirty="0"/>
+              <a:t> instead of </a:t>
+            </a:r>
+            <a:r>
+              <a:rPr lang="en-US" dirty="0" err="1"/>
+              <a:t>TestDrive</a:t>
+            </a:r>
+            <a:r>
+              <a:rPr lang="en-US" dirty="0"/>
+              <a:t>: so .NET methods can resolve the path</a:t>
             </a:r>
           </a:p>
           <a:p>
@@ -2159,15 +1283,25 @@
             </a:pPr>
             <a:r>
               <a:rPr lang="en-US" dirty="0"/>
-              <a:t>Caught a cross-platform bug when saving the module settings to the local user’s directory (I think I was using $</a:t>
+              <a:t>We use .NET methods for performance reasons</a:t>
+            </a:r>
+          </a:p>
+          <a:p>
+            <a:pPr marL="171450" indent="-171450">
+              <a:buFontTx/>
+              <a:buChar char="-"/>
+            </a:pPr>
+            <a:r>
+              <a:rPr lang="en-US" dirty="0"/>
+              <a:t>Use </a:t>
             </a:r>
             <a:r>
               <a:rPr lang="en-US" dirty="0" err="1"/>
-              <a:t>Env:AppData</a:t>
+              <a:t>InModuleScope</a:t>
             </a:r>
             <a:r>
               <a:rPr lang="en-US" dirty="0"/>
-              <a:t>)</a:t>
+              <a:t> to be able to access private module functions</a:t>
             </a:r>
           </a:p>
         </p:txBody>
@@ -2189,7 +1323,7 @@
           <a:p>
             <a:fld id="{1734D747-9380-41EE-9946-EC9EC0CA5D1E}" type="slidenum">
               <a:rPr lang="en-US" noProof="0" smtClean="0"/>
-              <a:t>14</a:t>
+              <a:t>13</a:t>
             </a:fld>
             <a:endParaRPr lang="en-US" noProof="0" dirty="0"/>
           </a:p>
@@ -2198,7 +1332,7 @@
     </p:spTree>
     <p:extLst>
       <p:ext uri="{BB962C8B-B14F-4D97-AF65-F5344CB8AC3E}">
-        <p14:creationId xmlns:p14="http://schemas.microsoft.com/office/powerpoint/2010/main" val="2210032523"/>
+        <p14:creationId xmlns:p14="http://schemas.microsoft.com/office/powerpoint/2010/main" val="3042024888"/>
       </p:ext>
     </p:extLst>
   </p:cSld>
@@ -2258,7 +1392,35 @@
             </a:pPr>
             <a:r>
               <a:rPr lang="en-US" dirty="0"/>
-              <a:t>A lot of things </a:t>
+              <a:t>Show pipeline for PR we merged in earlier</a:t>
+            </a:r>
+          </a:p>
+          <a:p>
+            <a:pPr marL="171450" indent="-171450">
+              <a:buFontTx/>
+              <a:buChar char="-"/>
+            </a:pPr>
+            <a:r>
+              <a:rPr lang="en-US" dirty="0"/>
+              <a:t>Caught a Windows PowerShell issue when installing the module with an emoji in the module manifest description</a:t>
+            </a:r>
+          </a:p>
+          <a:p>
+            <a:pPr marL="171450" indent="-171450">
+              <a:buFontTx/>
+              <a:buChar char="-"/>
+            </a:pPr>
+            <a:r>
+              <a:rPr lang="en-US" dirty="0"/>
+              <a:t>Caught a cross-platform bug when saving the module settings to the local user’s directory (I think I was using $</a:t>
+            </a:r>
+            <a:r>
+              <a:rPr lang="en-US" dirty="0" err="1"/>
+              <a:t>Env:AppData</a:t>
+            </a:r>
+            <a:r>
+              <a:rPr lang="en-US" dirty="0"/>
+              <a:t>)</a:t>
             </a:r>
           </a:p>
         </p:txBody>
@@ -2280,6 +1442,94 @@
           <a:p>
             <a:fld id="{1734D747-9380-41EE-9946-EC9EC0CA5D1E}" type="slidenum">
               <a:rPr lang="en-US" noProof="0" smtClean="0"/>
+              <a:t>14</a:t>
+            </a:fld>
+            <a:endParaRPr lang="en-US" noProof="0" dirty="0"/>
+          </a:p>
+        </p:txBody>
+      </p:sp>
+    </p:spTree>
+    <p:extLst>
+      <p:ext uri="{BB962C8B-B14F-4D97-AF65-F5344CB8AC3E}">
+        <p14:creationId xmlns:p14="http://schemas.microsoft.com/office/powerpoint/2010/main" val="2210032523"/>
+      </p:ext>
+    </p:extLst>
+  </p:cSld>
+  <p:clrMapOvr>
+    <a:masterClrMapping/>
+  </p:clrMapOvr>
+</p:notes>
+</file>
+
+<file path=ppt/notesSlides/notesSlide14.xml><?xml version="1.0" encoding="utf-8"?>
+<p:notes xmlns:a="http://schemas.openxmlformats.org/drawingml/2006/main" xmlns:r="http://schemas.openxmlformats.org/officeDocument/2006/relationships" xmlns:p="http://schemas.openxmlformats.org/presentationml/2006/main">
+  <p:cSld>
+    <p:spTree>
+      <p:nvGrpSpPr>
+        <p:cNvPr id="1" name=""/>
+        <p:cNvGrpSpPr/>
+        <p:nvPr/>
+      </p:nvGrpSpPr>
+      <p:grpSpPr>
+        <a:xfrm>
+          <a:off x="0" y="0"/>
+          <a:ext cx="0" cy="0"/>
+          <a:chOff x="0" y="0"/>
+          <a:chExt cx="0" cy="0"/>
+        </a:xfrm>
+      </p:grpSpPr>
+      <p:sp>
+        <p:nvSpPr>
+          <p:cNvPr id="2" name="Slide Image Placeholder 1"/>
+          <p:cNvSpPr>
+            <a:spLocks noGrp="1" noRot="1" noChangeAspect="1"/>
+          </p:cNvSpPr>
+          <p:nvPr>
+            <p:ph type="sldImg"/>
+          </p:nvPr>
+        </p:nvSpPr>
+        <p:spPr/>
+      </p:sp>
+      <p:sp>
+        <p:nvSpPr>
+          <p:cNvPr id="3" name="Notes Placeholder 2"/>
+          <p:cNvSpPr>
+            <a:spLocks noGrp="1"/>
+          </p:cNvSpPr>
+          <p:nvPr>
+            <p:ph type="body" idx="1"/>
+          </p:nvPr>
+        </p:nvSpPr>
+        <p:spPr/>
+        <p:txBody>
+          <a:bodyPr/>
+          <a:lstStyle/>
+          <a:p>
+            <a:pPr marL="171450" indent="-171450">
+              <a:buFontTx/>
+              <a:buChar char="-"/>
+            </a:pPr>
+            <a:endParaRPr lang="en-US" dirty="0"/>
+          </a:p>
+        </p:txBody>
+      </p:sp>
+      <p:sp>
+        <p:nvSpPr>
+          <p:cNvPr id="4" name="Slide Number Placeholder 3"/>
+          <p:cNvSpPr>
+            <a:spLocks noGrp="1"/>
+          </p:cNvSpPr>
+          <p:nvPr>
+            <p:ph type="sldNum" sz="quarter" idx="5"/>
+          </p:nvPr>
+        </p:nvSpPr>
+        <p:spPr/>
+        <p:txBody>
+          <a:bodyPr/>
+          <a:lstStyle/>
+          <a:p>
+            <a:fld id="{1734D747-9380-41EE-9946-EC9EC0CA5D1E}" type="slidenum">
+              <a:rPr lang="en-US" noProof="0" smtClean="0"/>
               <a:t>15</a:t>
             </a:fld>
             <a:endParaRPr lang="en-US" noProof="0" dirty="0"/>
@@ -2299,7 +1549,7 @@
 </p:notes>
 </file>
 
-<file path=ppt/notesSlides/notesSlide14.xml><?xml version="1.0" encoding="utf-8"?>
+<file path=ppt/notesSlides/notesSlide15.xml><?xml version="1.0" encoding="utf-8"?>
 <p:notes xmlns:a="http://schemas.openxmlformats.org/drawingml/2006/main" xmlns:r="http://schemas.openxmlformats.org/officeDocument/2006/relationships" xmlns:p="http://schemas.openxmlformats.org/presentationml/2006/main">
   <p:cSld>
     <p:spTree>
@@ -2592,7 +1842,7 @@
             </a:pPr>
             <a:r>
               <a:rPr lang="en-US" dirty="0"/>
-              <a:t>Who here knows what AutoHotkey is?</a:t>
+              <a:t>Poll: AutoHotkey</a:t>
             </a:r>
           </a:p>
           <a:p>
@@ -2654,6 +1904,48 @@
             <a:r>
               <a:rPr lang="en-US" dirty="0"/>
               <a:t> extension uses PowerShell, and started off as PowerShell scripts</a:t>
+            </a:r>
+          </a:p>
+          <a:p>
+            <a:pPr marL="171450" indent="-171450">
+              <a:buFontTx/>
+              <a:buChar char="-"/>
+            </a:pPr>
+            <a:endParaRPr lang="en-US" dirty="0"/>
+          </a:p>
+          <a:p>
+            <a:pPr marL="171450" indent="-171450">
+              <a:buFontTx/>
+              <a:buChar char="-"/>
+            </a:pPr>
+            <a:r>
+              <a:rPr lang="en-US" dirty="0"/>
+              <a:t>Poll: Modules in Azure Artifacts</a:t>
+            </a:r>
+          </a:p>
+          <a:p>
+            <a:pPr marL="171450" indent="-171450">
+              <a:buFontTx/>
+              <a:buChar char="-"/>
+            </a:pPr>
+            <a:endParaRPr lang="en-US" dirty="0"/>
+          </a:p>
+          <a:p>
+            <a:pPr marL="171450" indent="-171450">
+              <a:buFontTx/>
+              <a:buChar char="-"/>
+            </a:pPr>
+            <a:r>
+              <a:rPr lang="en-US" dirty="0"/>
+              <a:t>Poll: Heard of </a:t>
+            </a:r>
+            <a:r>
+              <a:rPr lang="en-US" dirty="0" err="1"/>
+              <a:t>tiPS</a:t>
+            </a:r>
+            <a:r>
+              <a:rPr lang="en-US" dirty="0"/>
+              <a:t> before?</a:t>
             </a:r>
           </a:p>
         </p:txBody>
@@ -3892,61 +3184,9 @@
           <a:bodyPr/>
           <a:lstStyle/>
           <a:p>
-            <a:pPr marL="171450" indent="-171450">
-              <a:buFontTx/>
-              <a:buChar char="-"/>
-            </a:pPr>
             <a:r>
               <a:rPr lang="en-US" dirty="0"/>
-              <a:t>Had a 7-week sabbatical in the summer of 2023 and was walking my dogs every day while listening to the PowerShell podcast</a:t>
-            </a:r>
-          </a:p>
-          <a:p>
-            <a:pPr marL="171450" indent="-171450">
-              <a:buFontTx/>
-              <a:buChar char="-"/>
-            </a:pPr>
-            <a:r>
-              <a:rPr lang="en-US" dirty="0"/>
-              <a:t>Jordan Hammond and Andrew Pla were always talking about the community and giving back, and I was looking for a side project</a:t>
-            </a:r>
-          </a:p>
-          <a:p>
-            <a:pPr marL="171450" indent="-171450">
-              <a:buFontTx/>
-              <a:buChar char="-"/>
-            </a:pPr>
-            <a:r>
-              <a:rPr lang="en-US" dirty="0"/>
-              <a:t>They also called out people to submit talks for PowerShell Summit</a:t>
-            </a:r>
-          </a:p>
-          <a:p>
-            <a:pPr marL="171450" indent="-171450">
-              <a:buFontTx/>
-              <a:buChar char="-"/>
-            </a:pPr>
-            <a:r>
-              <a:rPr lang="en-US" dirty="0"/>
-              <a:t>Andrew wore the </a:t>
-            </a:r>
-            <a:r>
-              <a:rPr lang="en-US" dirty="0" err="1"/>
-              <a:t>tiPS</a:t>
-            </a:r>
-            <a:r>
-              <a:rPr lang="en-US" dirty="0"/>
-              <a:t> t-shirt on his talk with Justin Grote a couple weeks back</a:t>
-            </a:r>
-          </a:p>
-          <a:p>
-            <a:pPr marL="171450" indent="-171450">
-              <a:buFontTx/>
-              <a:buChar char="-"/>
-            </a:pPr>
-            <a:r>
-              <a:rPr lang="en-US" dirty="0"/>
-              <a:t>James Brundage was just on the PowerShell Podcast as well</a:t>
+              <a:t>- Poll: Adding a tip</a:t>
             </a:r>
           </a:p>
         </p:txBody>
@@ -3968,7 +3208,7 @@
           <a:p>
             <a:fld id="{1734D747-9380-41EE-9946-EC9EC0CA5D1E}" type="slidenum">
               <a:rPr lang="en-US" noProof="0" smtClean="0"/>
-              <a:t>9</a:t>
+              <a:t>8</a:t>
             </a:fld>
             <a:endParaRPr lang="en-US" noProof="0" dirty="0"/>
           </a:p>
@@ -3977,7 +3217,7 @@
     </p:spTree>
     <p:extLst>
       <p:ext uri="{BB962C8B-B14F-4D97-AF65-F5344CB8AC3E}">
-        <p14:creationId xmlns:p14="http://schemas.microsoft.com/office/powerpoint/2010/main" val="3559046720"/>
+        <p14:creationId xmlns:p14="http://schemas.microsoft.com/office/powerpoint/2010/main" val="103221736"/>
       </p:ext>
     </p:extLst>
   </p:cSld>
@@ -4037,7 +3277,7 @@
             </a:pPr>
             <a:r>
               <a:rPr lang="en-US" dirty="0"/>
-              <a:t>Merge in PR</a:t>
+              <a:t>Had a 7-week sabbatical in the summer of 2023 and was walking my dogs every day while listening to the PowerShell podcast</a:t>
             </a:r>
           </a:p>
           <a:p>
@@ -4047,7 +3287,7 @@
             </a:pPr>
             <a:r>
               <a:rPr lang="en-US" dirty="0"/>
-              <a:t>Walk through each of the ADRs and explain them a bit</a:t>
+              <a:t>Jordan Hammond and Andrew Pla were always talking about the community and giving back, and I was looking for a side project</a:t>
             </a:r>
           </a:p>
           <a:p>
@@ -4055,211 +3295,38 @@
               <a:buFontTx/>
               <a:buChar char="-"/>
             </a:pPr>
-            <a:endParaRPr lang="en-US" dirty="0"/>
-          </a:p>
-          <a:p>
-            <a:pPr marL="171450" marR="0" lvl="0" indent="-171450" algn="l" defTabSz="914400" rtl="0" eaLnBrk="1" fontAlgn="auto" latinLnBrk="0" hangingPunct="1">
-              <a:lnSpc>
-                <a:spcPct val="100000"/>
-              </a:lnSpc>
-              <a:spcBef>
-                <a:spcPts val="0"/>
-              </a:spcBef>
-              <a:spcAft>
-                <a:spcPts val="0"/>
-              </a:spcAft>
-              <a:buClrTx/>
-              <a:buSzTx/>
-              <a:buFontTx/>
-              <a:buChar char="-"/>
-              <a:tabLst/>
-              <a:defRPr/>
-            </a:pPr>
-            <a:r>
-              <a:rPr lang="en-US" sz="1200" b="0" i="0" dirty="0">
-                <a:solidFill>
-                  <a:srgbClr val="000000"/>
-                </a:solidFill>
-                <a:effectLst/>
-                <a:highlight>
-                  <a:srgbClr val="FFFFFF"/>
-                </a:highlight>
-                <a:latin typeface="Calibri" panose="020F0502020204030204" pitchFamily="34" charset="0"/>
-              </a:rPr>
-              <a:t>C# project vs. PowerShell project </a:t>
-            </a:r>
-            <a:endParaRPr lang="en-US" sz="1200" b="0" i="0" dirty="0">
-              <a:solidFill>
-                <a:srgbClr val="000000"/>
-              </a:solidFill>
-              <a:effectLst/>
-              <a:highlight>
-                <a:srgbClr val="FFFFFF"/>
-              </a:highlight>
-              <a:latin typeface="Segoe UI" panose="020B0502040204020203" pitchFamily="34" charset="0"/>
-            </a:endParaRPr>
-          </a:p>
-          <a:p>
-            <a:pPr marL="171450" marR="0" lvl="0" indent="-171450" algn="l" defTabSz="914400" rtl="0" eaLnBrk="1" fontAlgn="auto" latinLnBrk="0" hangingPunct="1">
-              <a:lnSpc>
-                <a:spcPct val="100000"/>
-              </a:lnSpc>
-              <a:spcBef>
-                <a:spcPts val="0"/>
-              </a:spcBef>
-              <a:spcAft>
-                <a:spcPts val="0"/>
-              </a:spcAft>
-              <a:buClrTx/>
-              <a:buSzTx/>
-              <a:buFontTx/>
-              <a:buChar char="-"/>
-              <a:tabLst/>
-              <a:defRPr/>
-            </a:pPr>
-            <a:r>
-              <a:rPr lang="en-US" sz="1800" b="0" i="0" dirty="0">
-                <a:solidFill>
-                  <a:srgbClr val="000000"/>
-                </a:solidFill>
-                <a:effectLst/>
-                <a:highlight>
-                  <a:srgbClr val="FFFFFF"/>
-                </a:highlight>
-                <a:latin typeface="Calibri" panose="020F0502020204030204" pitchFamily="34" charset="0"/>
-              </a:rPr>
-              <a:t>Combining all files into a single .psm1 file for load speed </a:t>
-            </a:r>
-          </a:p>
-          <a:p>
-            <a:pPr marL="628650" marR="0" lvl="1" indent="-171450" algn="l" defTabSz="914400" rtl="0" eaLnBrk="1" fontAlgn="auto" latinLnBrk="0" hangingPunct="1">
-              <a:lnSpc>
-                <a:spcPct val="100000"/>
-              </a:lnSpc>
-              <a:spcBef>
-                <a:spcPts val="0"/>
-              </a:spcBef>
-              <a:spcAft>
-                <a:spcPts val="0"/>
-              </a:spcAft>
-              <a:buClrTx/>
-              <a:buSzTx/>
-              <a:buFontTx/>
-              <a:buChar char="-"/>
-              <a:tabLst/>
-              <a:defRPr/>
-            </a:pPr>
-            <a:r>
-              <a:rPr lang="en-US" sz="1800" b="0" i="0" u="none" strike="noStrike" dirty="0">
-                <a:solidFill>
-                  <a:srgbClr val="000000"/>
-                </a:solidFill>
-                <a:effectLst/>
-                <a:highlight>
-                  <a:srgbClr val="FFFFFF"/>
-                </a:highlight>
-                <a:latin typeface="Calibri" panose="020F0502020204030204" pitchFamily="34" charset="0"/>
-              </a:rPr>
-              <a:t>Test.ps1 in </a:t>
-            </a:r>
-            <a:r>
-              <a:rPr lang="en-US" sz="1800" b="0" i="0" u="none" strike="noStrike" dirty="0" err="1">
-                <a:solidFill>
-                  <a:srgbClr val="000000"/>
-                </a:solidFill>
-                <a:effectLst/>
-                <a:highlight>
-                  <a:srgbClr val="FFFFFF"/>
-                </a:highlight>
-                <a:latin typeface="Calibri" panose="020F0502020204030204" pitchFamily="34" charset="0"/>
-              </a:rPr>
-              <a:t>tiPS</a:t>
-            </a:r>
-            <a:r>
-              <a:rPr lang="en-US" sz="1800" b="0" i="0" u="none" strike="noStrike" dirty="0">
-                <a:solidFill>
-                  <a:srgbClr val="000000"/>
-                </a:solidFill>
-                <a:effectLst/>
-                <a:highlight>
-                  <a:srgbClr val="FFFFFF"/>
-                </a:highlight>
-                <a:latin typeface="Calibri" panose="020F0502020204030204" pitchFamily="34" charset="0"/>
-              </a:rPr>
-              <a:t> repo</a:t>
-            </a:r>
-            <a:endParaRPr lang="en-US" sz="1200" b="0" i="0" u="none" strike="noStrike" dirty="0">
-              <a:solidFill>
-                <a:srgbClr val="000000"/>
-              </a:solidFill>
-              <a:effectLst/>
-              <a:highlight>
-                <a:srgbClr val="FFFFFF"/>
-              </a:highlight>
-              <a:latin typeface="Segoe UI" panose="020B0502040204020203" pitchFamily="34" charset="0"/>
-            </a:endParaRPr>
-          </a:p>
-          <a:p>
-            <a:pPr marL="171450" marR="0" lvl="0" indent="-171450" algn="l" defTabSz="914400" rtl="0" eaLnBrk="1" fontAlgn="auto" latinLnBrk="0" hangingPunct="1">
-              <a:lnSpc>
-                <a:spcPct val="100000"/>
-              </a:lnSpc>
-              <a:spcBef>
-                <a:spcPts val="0"/>
-              </a:spcBef>
-              <a:spcAft>
-                <a:spcPts val="0"/>
-              </a:spcAft>
-              <a:buClrTx/>
-              <a:buSzTx/>
-              <a:buFontTx/>
-              <a:buChar char="-"/>
-              <a:tabLst/>
-              <a:defRPr/>
-            </a:pPr>
-            <a:r>
-              <a:rPr lang="en-US" sz="1800" b="0" i="0" u="none" strike="noStrike" dirty="0">
-                <a:solidFill>
-                  <a:srgbClr val="000000"/>
-                </a:solidFill>
-                <a:effectLst/>
-                <a:highlight>
-                  <a:srgbClr val="FFFFFF"/>
-                </a:highlight>
-                <a:latin typeface="Calibri" panose="020F0502020204030204" pitchFamily="34" charset="0"/>
-              </a:rPr>
-              <a:t>Different ways to load classes for performance (blog post link)</a:t>
-            </a:r>
-            <a:r>
-              <a:rPr lang="en-US" sz="1800" b="0" i="0" dirty="0">
-                <a:solidFill>
-                  <a:srgbClr val="000000"/>
-                </a:solidFill>
-                <a:effectLst/>
-                <a:highlight>
-                  <a:srgbClr val="FFFFFF"/>
-                </a:highlight>
-                <a:latin typeface="Calibri" panose="020F0502020204030204" pitchFamily="34" charset="0"/>
-              </a:rPr>
-              <a:t> </a:t>
-            </a:r>
-            <a:endParaRPr lang="en-US" b="0" i="0" dirty="0">
-              <a:solidFill>
-                <a:srgbClr val="000000"/>
-              </a:solidFill>
-              <a:effectLst/>
-              <a:highlight>
-                <a:srgbClr val="FFFFFF"/>
-              </a:highlight>
-              <a:latin typeface="Segoe UI" panose="020B0502040204020203" pitchFamily="34" charset="0"/>
-            </a:endParaRPr>
+            <a:r>
+              <a:rPr lang="en-US" dirty="0"/>
+              <a:t>They also called out people to submit talks for PowerShell Summit</a:t>
+            </a:r>
           </a:p>
           <a:p>
             <a:pPr marL="171450" indent="-171450">
               <a:buFontTx/>
               <a:buChar char="-"/>
             </a:pPr>
-            <a:endParaRPr lang="en-US" dirty="0"/>
+            <a:r>
+              <a:rPr lang="en-US" dirty="0"/>
+              <a:t>Andrew wore the </a:t>
+            </a:r>
+            <a:r>
+              <a:rPr lang="en-US" dirty="0" err="1"/>
+              <a:t>tiPS</a:t>
+            </a:r>
+            <a:r>
+              <a:rPr lang="en-US" dirty="0"/>
+              <a:t> t-shirt on his talk with Justin Grote a couple weeks back</a:t>
+            </a:r>
+          </a:p>
+          <a:p>
+            <a:pPr marL="171450" indent="-171450">
+              <a:buFontTx/>
+              <a:buChar char="-"/>
+            </a:pPr>
+            <a:r>
+              <a:rPr lang="en-US" dirty="0"/>
+              <a:t>James Brundage was just on the PowerShell Podcast as well</a:t>
+            </a:r>
           </a:p>
         </p:txBody>
       </p:sp>
@@ -4280,7 +3347,7 @@
           <a:p>
             <a:fld id="{1734D747-9380-41EE-9946-EC9EC0CA5D1E}" type="slidenum">
               <a:rPr lang="en-US" noProof="0" smtClean="0"/>
-              <a:t>10</a:t>
+              <a:t>9</a:t>
             </a:fld>
             <a:endParaRPr lang="en-US" noProof="0" dirty="0"/>
           </a:p>
@@ -4289,7 +3356,7 @@
     </p:spTree>
     <p:extLst>
       <p:ext uri="{BB962C8B-B14F-4D97-AF65-F5344CB8AC3E}">
-        <p14:creationId xmlns:p14="http://schemas.microsoft.com/office/powerpoint/2010/main" val="1565053882"/>
+        <p14:creationId xmlns:p14="http://schemas.microsoft.com/office/powerpoint/2010/main" val="3559046720"/>
       </p:ext>
     </p:extLst>
   </p:cSld>
@@ -4349,7 +3416,7 @@
             </a:pPr>
             <a:r>
               <a:rPr lang="en-US" dirty="0"/>
-              <a:t>3-ClassAndEnum.ps1</a:t>
+              <a:t>Merge in PR</a:t>
             </a:r>
           </a:p>
           <a:p>
@@ -4359,7 +3426,7 @@
             </a:pPr>
             <a:r>
               <a:rPr lang="en-US" dirty="0"/>
-              <a:t>Comment out Blond enum value and run to show it throws an error and lists possible valid enum values</a:t>
+              <a:t>Walk through each of the ADRs and explain them a bit</a:t>
             </a:r>
           </a:p>
           <a:p>
@@ -4370,38 +3437,253 @@
             <a:endParaRPr lang="en-US" dirty="0"/>
           </a:p>
           <a:p>
+            <a:pPr marL="171450" marR="0" lvl="0" indent="-171450" algn="l" defTabSz="914400" rtl="0" eaLnBrk="1" fontAlgn="auto" latinLnBrk="0" hangingPunct="1">
+              <a:lnSpc>
+                <a:spcPct val="100000"/>
+              </a:lnSpc>
+              <a:spcBef>
+                <a:spcPts val="0"/>
+              </a:spcBef>
+              <a:spcAft>
+                <a:spcPts val="0"/>
+              </a:spcAft>
+              <a:buClrTx/>
+              <a:buSzTx/>
+              <a:buFontTx/>
+              <a:buChar char="-"/>
+              <a:tabLst/>
+              <a:defRPr/>
+            </a:pPr>
+            <a:r>
+              <a:rPr lang="en-US" sz="1200" b="0" i="0" dirty="0">
+                <a:solidFill>
+                  <a:srgbClr val="000000"/>
+                </a:solidFill>
+                <a:effectLst/>
+                <a:highlight>
+                  <a:srgbClr val="FFFFFF"/>
+                </a:highlight>
+                <a:latin typeface="Calibri" panose="020F0502020204030204" pitchFamily="34" charset="0"/>
+              </a:rPr>
+              <a:t>C# project vs. PowerShell project </a:t>
+            </a:r>
+            <a:endParaRPr lang="en-US" sz="1200" b="0" i="0" dirty="0">
+              <a:solidFill>
+                <a:srgbClr val="000000"/>
+              </a:solidFill>
+              <a:effectLst/>
+              <a:highlight>
+                <a:srgbClr val="FFFFFF"/>
+              </a:highlight>
+              <a:latin typeface="Segoe UI" panose="020B0502040204020203" pitchFamily="34" charset="0"/>
+            </a:endParaRPr>
+          </a:p>
+          <a:p>
+            <a:pPr marL="171450" marR="0" lvl="0" indent="-171450" algn="l" defTabSz="914400" rtl="0" eaLnBrk="1" fontAlgn="auto" latinLnBrk="0" hangingPunct="1">
+              <a:lnSpc>
+                <a:spcPct val="100000"/>
+              </a:lnSpc>
+              <a:spcBef>
+                <a:spcPts val="0"/>
+              </a:spcBef>
+              <a:spcAft>
+                <a:spcPts val="0"/>
+              </a:spcAft>
+              <a:buClrTx/>
+              <a:buSzTx/>
+              <a:buFontTx/>
+              <a:buChar char="-"/>
+              <a:tabLst/>
+              <a:defRPr/>
+            </a:pPr>
+            <a:r>
+              <a:rPr lang="en-US" sz="1800" b="0" i="0" dirty="0">
+                <a:solidFill>
+                  <a:srgbClr val="000000"/>
+                </a:solidFill>
+                <a:effectLst/>
+                <a:highlight>
+                  <a:srgbClr val="FFFFFF"/>
+                </a:highlight>
+                <a:latin typeface="Calibri" panose="020F0502020204030204" pitchFamily="34" charset="0"/>
+              </a:rPr>
+              <a:t>Combining all files into a single .psm1 file for load speed </a:t>
+            </a:r>
+          </a:p>
+          <a:p>
+            <a:pPr marL="628650" marR="0" lvl="1" indent="-171450" algn="l" defTabSz="914400" rtl="0" eaLnBrk="1" fontAlgn="auto" latinLnBrk="0" hangingPunct="1">
+              <a:lnSpc>
+                <a:spcPct val="100000"/>
+              </a:lnSpc>
+              <a:spcBef>
+                <a:spcPts val="0"/>
+              </a:spcBef>
+              <a:spcAft>
+                <a:spcPts val="0"/>
+              </a:spcAft>
+              <a:buClrTx/>
+              <a:buSzTx/>
+              <a:buFontTx/>
+              <a:buChar char="-"/>
+              <a:tabLst/>
+              <a:defRPr/>
+            </a:pPr>
+            <a:r>
+              <a:rPr lang="en-US" sz="1800" b="0" i="0" u="none" strike="noStrike" dirty="0">
+                <a:solidFill>
+                  <a:srgbClr val="000000"/>
+                </a:solidFill>
+                <a:effectLst/>
+                <a:highlight>
+                  <a:srgbClr val="FFFFFF"/>
+                </a:highlight>
+                <a:latin typeface="Calibri" panose="020F0502020204030204" pitchFamily="34" charset="0"/>
+              </a:rPr>
+              <a:t>Test.ps1 in </a:t>
+            </a:r>
+            <a:r>
+              <a:rPr lang="en-US" sz="1800" b="0" i="0" u="none" strike="noStrike" dirty="0" err="1">
+                <a:solidFill>
+                  <a:srgbClr val="000000"/>
+                </a:solidFill>
+                <a:effectLst/>
+                <a:highlight>
+                  <a:srgbClr val="FFFFFF"/>
+                </a:highlight>
+                <a:latin typeface="Calibri" panose="020F0502020204030204" pitchFamily="34" charset="0"/>
+              </a:rPr>
+              <a:t>tiPS</a:t>
+            </a:r>
+            <a:r>
+              <a:rPr lang="en-US" sz="1800" b="0" i="0" u="none" strike="noStrike" dirty="0">
+                <a:solidFill>
+                  <a:srgbClr val="000000"/>
+                </a:solidFill>
+                <a:effectLst/>
+                <a:highlight>
+                  <a:srgbClr val="FFFFFF"/>
+                </a:highlight>
+                <a:latin typeface="Calibri" panose="020F0502020204030204" pitchFamily="34" charset="0"/>
+              </a:rPr>
+              <a:t> repo</a:t>
+            </a:r>
+          </a:p>
+          <a:p>
+            <a:pPr marL="628650" marR="0" lvl="1" indent="-171450" algn="l" defTabSz="914400" rtl="0" eaLnBrk="1" fontAlgn="auto" latinLnBrk="0" hangingPunct="1">
+              <a:lnSpc>
+                <a:spcPct val="100000"/>
+              </a:lnSpc>
+              <a:spcBef>
+                <a:spcPts val="0"/>
+              </a:spcBef>
+              <a:spcAft>
+                <a:spcPts val="0"/>
+              </a:spcAft>
+              <a:buClrTx/>
+              <a:buSzTx/>
+              <a:buFontTx/>
+              <a:buChar char="-"/>
+              <a:tabLst/>
+              <a:defRPr/>
+            </a:pPr>
+            <a:r>
+              <a:rPr lang="en-US" sz="1800" b="0" i="0" u="none" strike="noStrike" dirty="0" err="1">
+                <a:solidFill>
+                  <a:srgbClr val="000000"/>
+                </a:solidFill>
+                <a:effectLst/>
+                <a:highlight>
+                  <a:srgbClr val="FFFFFF"/>
+                </a:highlight>
+                <a:latin typeface="Calibri" panose="020F0502020204030204" pitchFamily="34" charset="0"/>
+              </a:rPr>
+              <a:t>PSModuleRoot</a:t>
+            </a:r>
+            <a:r>
+              <a:rPr lang="en-US" sz="1800" b="0" i="0" u="none" strike="noStrike" dirty="0">
+                <a:solidFill>
+                  <a:srgbClr val="000000"/>
+                </a:solidFill>
+                <a:effectLst/>
+                <a:highlight>
+                  <a:srgbClr val="FFFFFF"/>
+                </a:highlight>
+                <a:latin typeface="Calibri" panose="020F0502020204030204" pitchFamily="34" charset="0"/>
+              </a:rPr>
+              <a:t> variable in .psm1 file</a:t>
+            </a:r>
+            <a:endParaRPr lang="en-US" sz="1200" b="0" i="0" u="none" strike="noStrike" dirty="0">
+              <a:solidFill>
+                <a:srgbClr val="000000"/>
+              </a:solidFill>
+              <a:effectLst/>
+              <a:highlight>
+                <a:srgbClr val="FFFFFF"/>
+              </a:highlight>
+              <a:latin typeface="Segoe UI" panose="020B0502040204020203" pitchFamily="34" charset="0"/>
+            </a:endParaRPr>
+          </a:p>
+          <a:p>
+            <a:pPr marL="171450" marR="0" lvl="0" indent="-171450" algn="l" defTabSz="914400" rtl="0" eaLnBrk="1" fontAlgn="auto" latinLnBrk="0" hangingPunct="1">
+              <a:lnSpc>
+                <a:spcPct val="100000"/>
+              </a:lnSpc>
+              <a:spcBef>
+                <a:spcPts val="0"/>
+              </a:spcBef>
+              <a:spcAft>
+                <a:spcPts val="0"/>
+              </a:spcAft>
+              <a:buClrTx/>
+              <a:buSzTx/>
+              <a:buFontTx/>
+              <a:buChar char="-"/>
+              <a:tabLst/>
+              <a:defRPr/>
+            </a:pPr>
+            <a:r>
+              <a:rPr lang="en-US" sz="1800" b="0" i="0" u="none" strike="noStrike" dirty="0">
+                <a:solidFill>
+                  <a:srgbClr val="000000"/>
+                </a:solidFill>
+                <a:effectLst/>
+                <a:highlight>
+                  <a:srgbClr val="FFFFFF"/>
+                </a:highlight>
+                <a:latin typeface="Calibri" panose="020F0502020204030204" pitchFamily="34" charset="0"/>
+              </a:rPr>
+              <a:t>Different ways to load classes for performance (blog post link)</a:t>
+            </a:r>
+            <a:r>
+              <a:rPr lang="en-US" sz="1800" b="0" i="0" dirty="0">
+                <a:solidFill>
+                  <a:srgbClr val="000000"/>
+                </a:solidFill>
+                <a:effectLst/>
+                <a:highlight>
+                  <a:srgbClr val="FFFFFF"/>
+                </a:highlight>
+                <a:latin typeface="Calibri" panose="020F0502020204030204" pitchFamily="34" charset="0"/>
+              </a:rPr>
+              <a:t> </a:t>
+            </a:r>
+            <a:endParaRPr lang="en-US" b="0" i="0" dirty="0">
+              <a:solidFill>
+                <a:srgbClr val="000000"/>
+              </a:solidFill>
+              <a:effectLst/>
+              <a:highlight>
+                <a:srgbClr val="FFFFFF"/>
+              </a:highlight>
+              <a:latin typeface="Segoe UI" panose="020B0502040204020203" pitchFamily="34" charset="0"/>
+            </a:endParaRPr>
+          </a:p>
+          <a:p>
             <a:pPr marL="171450" indent="-171450">
               <a:buFontTx/>
               <a:buChar char="-"/>
             </a:pPr>
-            <a:r>
-              <a:rPr lang="en-US" dirty="0"/>
-              <a:t>Set-</a:t>
-            </a:r>
-            <a:r>
-              <a:rPr lang="en-US" dirty="0" err="1"/>
-              <a:t>TiPSConfiguration</a:t>
-            </a:r>
-            <a:r>
-              <a:rPr lang="en-US" dirty="0"/>
-              <a:t> -</a:t>
-            </a:r>
-            <a:r>
-              <a:rPr lang="en-US" dirty="0" err="1"/>
-              <a:t>AutomaticallyWritePowerShellTip</a:t>
-            </a:r>
-            <a:r>
-              <a:rPr lang="en-US" dirty="0"/>
-              <a:t> Daily (show enum autocomplete for free; no </a:t>
-            </a:r>
-            <a:r>
-              <a:rPr lang="en-US" dirty="0" err="1"/>
-              <a:t>ValidateSet</a:t>
-            </a:r>
-            <a:r>
-              <a:rPr lang="en-US" dirty="0"/>
-              <a:t> needed)</a:t>
-            </a:r>
+            <a:endParaRPr lang="en-US" dirty="0"/>
           </a:p>
         </p:txBody>
       </p:sp>
@@ -4422,7 +3704,7 @@
           <a:p>
             <a:fld id="{1734D747-9380-41EE-9946-EC9EC0CA5D1E}" type="slidenum">
               <a:rPr lang="en-US" noProof="0" smtClean="0"/>
-              <a:t>11</a:t>
+              <a:t>10</a:t>
             </a:fld>
             <a:endParaRPr lang="en-US" noProof="0" dirty="0"/>
           </a:p>
@@ -4431,7 +3713,7 @@
     </p:spTree>
     <p:extLst>
       <p:ext uri="{BB962C8B-B14F-4D97-AF65-F5344CB8AC3E}">
-        <p14:creationId xmlns:p14="http://schemas.microsoft.com/office/powerpoint/2010/main" val="2713588427"/>
+        <p14:creationId xmlns:p14="http://schemas.microsoft.com/office/powerpoint/2010/main" val="1565053882"/>
       </p:ext>
     </p:extLst>
   </p:cSld>
@@ -29857,33 +29139,15 @@
                                   </p:childTnLst>
                                 </p:cTn>
                               </p:par>
-                            </p:childTnLst>
-                          </p:cTn>
-                        </p:par>
-                      </p:childTnLst>
-                    </p:cTn>
-                  </p:par>
-                  <p:par>
-                    <p:cTn id="13" fill="hold">
-                      <p:stCondLst>
-                        <p:cond delay="indefinite"/>
-                      </p:stCondLst>
-                      <p:childTnLst>
-                        <p:par>
-                          <p:cTn id="14" fill="hold">
-                            <p:stCondLst>
-                              <p:cond delay="0"/>
-                            </p:stCondLst>
-                            <p:childTnLst>
                               <p:par>
-                                <p:cTn id="15" presetID="10" presetClass="entr" presetSubtype="0" fill="hold" grpId="0" nodeType="clickEffect">
+                                <p:cTn id="13" presetID="10" presetClass="entr" presetSubtype="0" fill="hold" grpId="0" nodeType="withEffect">
                                   <p:stCondLst>
                                     <p:cond delay="0"/>
                                   </p:stCondLst>
                                   <p:childTnLst>
                                     <p:set>
                                       <p:cBhvr>
-                                        <p:cTn id="16" dur="1" fill="hold">
+                                        <p:cTn id="14" dur="1" fill="hold">
                                           <p:stCondLst>
                                             <p:cond delay="0"/>
                                           </p:stCondLst>
@@ -29905,7 +29169,7 @@
                                     </p:set>
                                     <p:animEffect transition="in" filter="fade">
                                       <p:cBhvr>
-                                        <p:cTn id="17" dur="500"/>
+                                        <p:cTn id="15" dur="500"/>
                                         <p:tgtEl>
                                           <p:spTgt spid="10">
                                             <p:txEl>
@@ -29919,14 +29183,14 @@
                                 </p:cTn>
                               </p:par>
                               <p:par>
-                                <p:cTn id="18" presetID="10" presetClass="entr" presetSubtype="0" fill="hold" grpId="0" nodeType="withEffect">
+                                <p:cTn id="16" presetID="10" presetClass="entr" presetSubtype="0" fill="hold" grpId="0" nodeType="withEffect">
                                   <p:stCondLst>
                                     <p:cond delay="0"/>
                                   </p:stCondLst>
                                   <p:childTnLst>
                                     <p:set>
                                       <p:cBhvr>
-                                        <p:cTn id="19" dur="1" fill="hold">
+                                        <p:cTn id="17" dur="1" fill="hold">
                                           <p:stCondLst>
                                             <p:cond delay="0"/>
                                           </p:stCondLst>
@@ -29948,7 +29212,7 @@
                                     </p:set>
                                     <p:animEffect transition="in" filter="fade">
                                       <p:cBhvr>
-                                        <p:cTn id="20" dur="500"/>
+                                        <p:cTn id="18" dur="500"/>
                                         <p:tgtEl>
                                           <p:spTgt spid="10">
                                             <p:txEl>
@@ -29962,14 +29226,14 @@
                                 </p:cTn>
                               </p:par>
                               <p:par>
-                                <p:cTn id="21" presetID="10" presetClass="entr" presetSubtype="0" fill="hold" grpId="0" nodeType="withEffect">
+                                <p:cTn id="19" presetID="10" presetClass="entr" presetSubtype="0" fill="hold" grpId="0" nodeType="withEffect">
                                   <p:stCondLst>
                                     <p:cond delay="0"/>
                                   </p:stCondLst>
                                   <p:childTnLst>
                                     <p:set>
                                       <p:cBhvr>
-                                        <p:cTn id="22" dur="1" fill="hold">
+                                        <p:cTn id="20" dur="1" fill="hold">
                                           <p:stCondLst>
                                             <p:cond delay="0"/>
                                           </p:stCondLst>
@@ -29991,7 +29255,7 @@
                                     </p:set>
                                     <p:animEffect transition="in" filter="fade">
                                       <p:cBhvr>
-                                        <p:cTn id="23" dur="500"/>
+                                        <p:cTn id="21" dur="500"/>
                                         <p:tgtEl>
                                           <p:spTgt spid="10">
                                             <p:txEl>
@@ -30005,14 +29269,14 @@
                                 </p:cTn>
                               </p:par>
                               <p:par>
-                                <p:cTn id="24" presetID="10" presetClass="entr" presetSubtype="0" fill="hold" grpId="0" nodeType="withEffect">
+                                <p:cTn id="22" presetID="10" presetClass="entr" presetSubtype="0" fill="hold" grpId="0" nodeType="withEffect">
                                   <p:stCondLst>
                                     <p:cond delay="0"/>
                                   </p:stCondLst>
                                   <p:childTnLst>
                                     <p:set>
                                       <p:cBhvr>
-                                        <p:cTn id="25" dur="1" fill="hold">
+                                        <p:cTn id="23" dur="1" fill="hold">
                                           <p:stCondLst>
                                             <p:cond delay="0"/>
                                           </p:stCondLst>
@@ -30034,7 +29298,7 @@
                                     </p:set>
                                     <p:animEffect transition="in" filter="fade">
                                       <p:cBhvr>
-                                        <p:cTn id="26" dur="500"/>
+                                        <p:cTn id="24" dur="500"/>
                                         <p:tgtEl>
                                           <p:spTgt spid="10">
                                             <p:txEl>
@@ -30476,6 +29740,315 @@
       </p:transition>
     </mc:Fallback>
   </mc:AlternateContent>
+  <p:timing>
+    <p:tnLst>
+      <p:par>
+        <p:cTn id="1" dur="indefinite" restart="never" nodeType="tmRoot">
+          <p:childTnLst>
+            <p:seq concurrent="1" nextAc="seek">
+              <p:cTn id="2" dur="indefinite" nodeType="mainSeq">
+                <p:childTnLst>
+                  <p:par>
+                    <p:cTn id="3" fill="hold">
+                      <p:stCondLst>
+                        <p:cond delay="indefinite"/>
+                      </p:stCondLst>
+                      <p:childTnLst>
+                        <p:par>
+                          <p:cTn id="4" fill="hold">
+                            <p:stCondLst>
+                              <p:cond delay="0"/>
+                            </p:stCondLst>
+                            <p:childTnLst>
+                              <p:par>
+                                <p:cTn id="5" presetID="10" presetClass="entr" presetSubtype="0" fill="hold" grpId="0" nodeType="clickEffect">
+                                  <p:stCondLst>
+                                    <p:cond delay="0"/>
+                                  </p:stCondLst>
+                                  <p:childTnLst>
+                                    <p:set>
+                                      <p:cBhvr>
+                                        <p:cTn id="6" dur="1" fill="hold">
+                                          <p:stCondLst>
+                                            <p:cond delay="0"/>
+                                          </p:stCondLst>
+                                        </p:cTn>
+                                        <p:tgtEl>
+                                          <p:spTgt spid="10">
+                                            <p:txEl>
+                                              <p:pRg st="0" end="0"/>
+                                            </p:txEl>
+                                          </p:spTgt>
+                                        </p:tgtEl>
+                                        <p:attrNameLst>
+                                          <p:attrName>style.visibility</p:attrName>
+                                        </p:attrNameLst>
+                                      </p:cBhvr>
+                                      <p:to>
+                                        <p:strVal val="visible"/>
+                                      </p:to>
+                                    </p:set>
+                                    <p:animEffect transition="in" filter="fade">
+                                      <p:cBhvr>
+                                        <p:cTn id="7" dur="500"/>
+                                        <p:tgtEl>
+                                          <p:spTgt spid="10">
+                                            <p:txEl>
+                                              <p:pRg st="0" end="0"/>
+                                            </p:txEl>
+                                          </p:spTgt>
+                                        </p:tgtEl>
+                                      </p:cBhvr>
+                                    </p:animEffect>
+                                  </p:childTnLst>
+                                </p:cTn>
+                              </p:par>
+                              <p:par>
+                                <p:cTn id="8" presetID="10" presetClass="entr" presetSubtype="0" fill="hold" grpId="0" nodeType="withEffect">
+                                  <p:stCondLst>
+                                    <p:cond delay="0"/>
+                                  </p:stCondLst>
+                                  <p:childTnLst>
+                                    <p:set>
+                                      <p:cBhvr>
+                                        <p:cTn id="9" dur="1" fill="hold">
+                                          <p:stCondLst>
+                                            <p:cond delay="0"/>
+                                          </p:stCondLst>
+                                        </p:cTn>
+                                        <p:tgtEl>
+                                          <p:spTgt spid="10">
+                                            <p:txEl>
+                                              <p:pRg st="1" end="1"/>
+                                            </p:txEl>
+                                          </p:spTgt>
+                                        </p:tgtEl>
+                                        <p:attrNameLst>
+                                          <p:attrName>style.visibility</p:attrName>
+                                        </p:attrNameLst>
+                                      </p:cBhvr>
+                                      <p:to>
+                                        <p:strVal val="visible"/>
+                                      </p:to>
+                                    </p:set>
+                                    <p:animEffect transition="in" filter="fade">
+                                      <p:cBhvr>
+                                        <p:cTn id="10" dur="500"/>
+                                        <p:tgtEl>
+                                          <p:spTgt spid="10">
+                                            <p:txEl>
+                                              <p:pRg st="1" end="1"/>
+                                            </p:txEl>
+                                          </p:spTgt>
+                                        </p:tgtEl>
+                                      </p:cBhvr>
+                                    </p:animEffect>
+                                  </p:childTnLst>
+                                </p:cTn>
+                              </p:par>
+                              <p:par>
+                                <p:cTn id="11" presetID="10" presetClass="entr" presetSubtype="0" fill="hold" grpId="0" nodeType="withEffect">
+                                  <p:stCondLst>
+                                    <p:cond delay="0"/>
+                                  </p:stCondLst>
+                                  <p:childTnLst>
+                                    <p:set>
+                                      <p:cBhvr>
+                                        <p:cTn id="12" dur="1" fill="hold">
+                                          <p:stCondLst>
+                                            <p:cond delay="0"/>
+                                          </p:stCondLst>
+                                        </p:cTn>
+                                        <p:tgtEl>
+                                          <p:spTgt spid="10">
+                                            <p:txEl>
+                                              <p:pRg st="2" end="2"/>
+                                            </p:txEl>
+                                          </p:spTgt>
+                                        </p:tgtEl>
+                                        <p:attrNameLst>
+                                          <p:attrName>style.visibility</p:attrName>
+                                        </p:attrNameLst>
+                                      </p:cBhvr>
+                                      <p:to>
+                                        <p:strVal val="visible"/>
+                                      </p:to>
+                                    </p:set>
+                                    <p:animEffect transition="in" filter="fade">
+                                      <p:cBhvr>
+                                        <p:cTn id="13" dur="500"/>
+                                        <p:tgtEl>
+                                          <p:spTgt spid="10">
+                                            <p:txEl>
+                                              <p:pRg st="2" end="2"/>
+                                            </p:txEl>
+                                          </p:spTgt>
+                                        </p:tgtEl>
+                                      </p:cBhvr>
+                                    </p:animEffect>
+                                  </p:childTnLst>
+                                </p:cTn>
+                              </p:par>
+                              <p:par>
+                                <p:cTn id="14" presetID="10" presetClass="entr" presetSubtype="0" fill="hold" grpId="0" nodeType="withEffect">
+                                  <p:stCondLst>
+                                    <p:cond delay="0"/>
+                                  </p:stCondLst>
+                                  <p:childTnLst>
+                                    <p:set>
+                                      <p:cBhvr>
+                                        <p:cTn id="15" dur="1" fill="hold">
+                                          <p:stCondLst>
+                                            <p:cond delay="0"/>
+                                          </p:stCondLst>
+                                        </p:cTn>
+                                        <p:tgtEl>
+                                          <p:spTgt spid="10">
+                                            <p:txEl>
+                                              <p:pRg st="4" end="4"/>
+                                            </p:txEl>
+                                          </p:spTgt>
+                                        </p:tgtEl>
+                                        <p:attrNameLst>
+                                          <p:attrName>style.visibility</p:attrName>
+                                        </p:attrNameLst>
+                                      </p:cBhvr>
+                                      <p:to>
+                                        <p:strVal val="visible"/>
+                                      </p:to>
+                                    </p:set>
+                                    <p:animEffect transition="in" filter="fade">
+                                      <p:cBhvr>
+                                        <p:cTn id="16" dur="500"/>
+                                        <p:tgtEl>
+                                          <p:spTgt spid="10">
+                                            <p:txEl>
+                                              <p:pRg st="4" end="4"/>
+                                            </p:txEl>
+                                          </p:spTgt>
+                                        </p:tgtEl>
+                                      </p:cBhvr>
+                                    </p:animEffect>
+                                  </p:childTnLst>
+                                </p:cTn>
+                              </p:par>
+                              <p:par>
+                                <p:cTn id="17" presetID="10" presetClass="entr" presetSubtype="0" fill="hold" grpId="0" nodeType="withEffect">
+                                  <p:stCondLst>
+                                    <p:cond delay="0"/>
+                                  </p:stCondLst>
+                                  <p:childTnLst>
+                                    <p:set>
+                                      <p:cBhvr>
+                                        <p:cTn id="18" dur="1" fill="hold">
+                                          <p:stCondLst>
+                                            <p:cond delay="0"/>
+                                          </p:stCondLst>
+                                        </p:cTn>
+                                        <p:tgtEl>
+                                          <p:spTgt spid="10">
+                                            <p:txEl>
+                                              <p:pRg st="5" end="5"/>
+                                            </p:txEl>
+                                          </p:spTgt>
+                                        </p:tgtEl>
+                                        <p:attrNameLst>
+                                          <p:attrName>style.visibility</p:attrName>
+                                        </p:attrNameLst>
+                                      </p:cBhvr>
+                                      <p:to>
+                                        <p:strVal val="visible"/>
+                                      </p:to>
+                                    </p:set>
+                                    <p:animEffect transition="in" filter="fade">
+                                      <p:cBhvr>
+                                        <p:cTn id="19" dur="500"/>
+                                        <p:tgtEl>
+                                          <p:spTgt spid="10">
+                                            <p:txEl>
+                                              <p:pRg st="5" end="5"/>
+                                            </p:txEl>
+                                          </p:spTgt>
+                                        </p:tgtEl>
+                                      </p:cBhvr>
+                                    </p:animEffect>
+                                  </p:childTnLst>
+                                </p:cTn>
+                              </p:par>
+                              <p:par>
+                                <p:cTn id="20" presetID="10" presetClass="entr" presetSubtype="0" fill="hold" grpId="0" nodeType="withEffect">
+                                  <p:stCondLst>
+                                    <p:cond delay="0"/>
+                                  </p:stCondLst>
+                                  <p:childTnLst>
+                                    <p:set>
+                                      <p:cBhvr>
+                                        <p:cTn id="21" dur="1" fill="hold">
+                                          <p:stCondLst>
+                                            <p:cond delay="0"/>
+                                          </p:stCondLst>
+                                        </p:cTn>
+                                        <p:tgtEl>
+                                          <p:spTgt spid="10">
+                                            <p:txEl>
+                                              <p:pRg st="6" end="6"/>
+                                            </p:txEl>
+                                          </p:spTgt>
+                                        </p:tgtEl>
+                                        <p:attrNameLst>
+                                          <p:attrName>style.visibility</p:attrName>
+                                        </p:attrNameLst>
+                                      </p:cBhvr>
+                                      <p:to>
+                                        <p:strVal val="visible"/>
+                                      </p:to>
+                                    </p:set>
+                                    <p:animEffect transition="in" filter="fade">
+                                      <p:cBhvr>
+                                        <p:cTn id="22" dur="500"/>
+                                        <p:tgtEl>
+                                          <p:spTgt spid="10">
+                                            <p:txEl>
+                                              <p:pRg st="6" end="6"/>
+                                            </p:txEl>
+                                          </p:spTgt>
+                                        </p:tgtEl>
+                                      </p:cBhvr>
+                                    </p:animEffect>
+                                  </p:childTnLst>
+                                </p:cTn>
+                              </p:par>
+                            </p:childTnLst>
+                          </p:cTn>
+                        </p:par>
+                      </p:childTnLst>
+                    </p:cTn>
+                  </p:par>
+                </p:childTnLst>
+              </p:cTn>
+              <p:prevCondLst>
+                <p:cond evt="onPrev" delay="0">
+                  <p:tgtEl>
+                    <p:sldTgt/>
+                  </p:tgtEl>
+                </p:cond>
+              </p:prevCondLst>
+              <p:nextCondLst>
+                <p:cond evt="onNext" delay="0">
+                  <p:tgtEl>
+                    <p:sldTgt/>
+                  </p:tgtEl>
+                </p:cond>
+              </p:nextCondLst>
+            </p:seq>
+          </p:childTnLst>
+        </p:cTn>
+      </p:par>
+    </p:tnLst>
+    <p:bldLst>
+      <p:bldP spid="10" grpId="0" uiExpand="1" build="p"/>
+    </p:bldLst>
+  </p:timing>
 </p:sld>
 </file>
 
@@ -31202,6 +30775,9 @@
           <a:bodyPr/>
           <a:lstStyle/>
           <a:p>
+            <a:endParaRPr lang="en-US" sz="2800" dirty="0"/>
+          </a:p>
+          <a:p>
             <a:r>
               <a:rPr lang="en-US" sz="2800" dirty="0"/>
               <a:t>Anything you want to know more about?</a:t>
@@ -31212,9 +30788,6 @@
               <a:rPr lang="en-US" sz="2800" dirty="0"/>
               <a:t>What was your favourite thing you learned or saw?</a:t>
             </a:r>
-          </a:p>
-          <a:p>
-            <a:endParaRPr lang="en-US" sz="2800" dirty="0"/>
           </a:p>
           <a:p>
             <a:pPr marL="0" indent="0">
@@ -31727,405 +31300,6 @@
 </p:sld>
 </file>
 
-<file path=ppt/slides/slide17.xml><?xml version="1.0" encoding="utf-8"?>
-<p:sld xmlns:a="http://schemas.openxmlformats.org/drawingml/2006/main" xmlns:r="http://schemas.openxmlformats.org/officeDocument/2006/relationships" xmlns:p="http://schemas.openxmlformats.org/presentationml/2006/main">
-  <p:cSld>
-    <p:spTree>
-      <p:nvGrpSpPr>
-        <p:cNvPr id="1" name=""/>
-        <p:cNvGrpSpPr/>
-        <p:nvPr/>
-      </p:nvGrpSpPr>
-      <p:grpSpPr>
-        <a:xfrm>
-          <a:off x="0" y="0"/>
-          <a:ext cx="0" cy="0"/>
-          <a:chOff x="0" y="0"/>
-          <a:chExt cx="0" cy="0"/>
-        </a:xfrm>
-      </p:grpSpPr>
-      <p:sp>
-        <p:nvSpPr>
-          <p:cNvPr id="7" name="Title 6">
-            <a:extLst>
-              <a:ext uri="{FF2B5EF4-FFF2-40B4-BE49-F238E27FC236}">
-                <a16:creationId xmlns:a16="http://schemas.microsoft.com/office/drawing/2014/main" id="{7875C19A-1AAE-476A-A316-A2CF92D763D3}"/>
-              </a:ext>
-            </a:extLst>
-          </p:cNvPr>
-          <p:cNvSpPr>
-            <a:spLocks noGrp="1"/>
-          </p:cNvSpPr>
-          <p:nvPr>
-            <p:ph type="title"/>
-          </p:nvPr>
-        </p:nvSpPr>
-        <p:spPr/>
-        <p:txBody>
-          <a:bodyPr/>
-          <a:lstStyle/>
-          <a:p>
-            <a:r>
-              <a:rPr lang="en-US" dirty="0"/>
-              <a:t>Content Title</a:t>
-            </a:r>
-          </a:p>
-        </p:txBody>
-      </p:sp>
-      <p:sp>
-        <p:nvSpPr>
-          <p:cNvPr id="10" name="Text Placeholder 9">
-            <a:extLst>
-              <a:ext uri="{FF2B5EF4-FFF2-40B4-BE49-F238E27FC236}">
-                <a16:creationId xmlns:a16="http://schemas.microsoft.com/office/drawing/2014/main" id="{EF2BC084-E6DB-4DE7-B309-042A85EBA700}"/>
-              </a:ext>
-            </a:extLst>
-          </p:cNvPr>
-          <p:cNvSpPr>
-            <a:spLocks noGrp="1"/>
-          </p:cNvSpPr>
-          <p:nvPr>
-            <p:ph type="body" sz="quarter" idx="13"/>
-          </p:nvPr>
-        </p:nvSpPr>
-        <p:spPr>
-          <a:xfrm>
-            <a:off x="444500" y="1625385"/>
-            <a:ext cx="11214100" cy="4390951"/>
-          </a:xfrm>
-        </p:spPr>
-        <p:txBody>
-          <a:bodyPr/>
-          <a:lstStyle/>
-          <a:p>
-            <a:r>
-              <a:rPr lang="en-US" sz="2800" dirty="0"/>
-              <a:t>Lorem</a:t>
-            </a:r>
-          </a:p>
-        </p:txBody>
-      </p:sp>
-      <p:sp>
-        <p:nvSpPr>
-          <p:cNvPr id="2" name="Slide Number Placeholder 1">
-            <a:extLst>
-              <a:ext uri="{FF2B5EF4-FFF2-40B4-BE49-F238E27FC236}">
-                <a16:creationId xmlns:a16="http://schemas.microsoft.com/office/drawing/2014/main" id="{BE9800F6-D571-48C4-8466-12AA1ADB6599}"/>
-              </a:ext>
-            </a:extLst>
-          </p:cNvPr>
-          <p:cNvSpPr>
-            <a:spLocks noGrp="1"/>
-          </p:cNvSpPr>
-          <p:nvPr>
-            <p:ph type="sldNum" sz="quarter" idx="12"/>
-          </p:nvPr>
-        </p:nvSpPr>
-        <p:spPr/>
-        <p:txBody>
-          <a:bodyPr/>
-          <a:lstStyle/>
-          <a:p>
-            <a:fld id="{C263D6C4-4840-40CC-AC84-17E24B3B7BDE}" type="slidenum">
-              <a:rPr lang="en-US" smtClean="0"/>
-              <a:pPr/>
-              <a:t>17</a:t>
-            </a:fld>
-            <a:endParaRPr lang="en-US" dirty="0"/>
-          </a:p>
-        </p:txBody>
-      </p:sp>
-    </p:spTree>
-    <p:extLst>
-      <p:ext uri="{BB962C8B-B14F-4D97-AF65-F5344CB8AC3E}">
-        <p14:creationId xmlns:p14="http://schemas.microsoft.com/office/powerpoint/2010/main" val="1161962822"/>
-      </p:ext>
-    </p:extLst>
-  </p:cSld>
-  <p:clrMapOvr>
-    <a:masterClrMapping/>
-  </p:clrMapOvr>
-  <mc:AlternateContent xmlns:mc="http://schemas.openxmlformats.org/markup-compatibility/2006" xmlns:p14="http://schemas.microsoft.com/office/powerpoint/2010/main">
-    <mc:Choice Requires="p14">
-      <p:transition spd="med" p14:dur="700">
-        <p:fade/>
-      </p:transition>
-    </mc:Choice>
-    <mc:Fallback xmlns="">
-      <p:transition spd="med">
-        <p:fade/>
-      </p:transition>
-    </mc:Fallback>
-  </mc:AlternateContent>
-</p:sld>
-</file>
-
-<file path=ppt/slides/slide18.xml><?xml version="1.0" encoding="utf-8"?>
-<p:sld xmlns:a="http://schemas.openxmlformats.org/drawingml/2006/main" xmlns:r="http://schemas.openxmlformats.org/officeDocument/2006/relationships" xmlns:p="http://schemas.openxmlformats.org/presentationml/2006/main">
-  <p:cSld>
-    <p:spTree>
-      <p:nvGrpSpPr>
-        <p:cNvPr id="1" name=""/>
-        <p:cNvGrpSpPr/>
-        <p:nvPr/>
-      </p:nvGrpSpPr>
-      <p:grpSpPr>
-        <a:xfrm>
-          <a:off x="0" y="0"/>
-          <a:ext cx="0" cy="0"/>
-          <a:chOff x="0" y="0"/>
-          <a:chExt cx="0" cy="0"/>
-        </a:xfrm>
-      </p:grpSpPr>
-      <p:sp>
-        <p:nvSpPr>
-          <p:cNvPr id="7" name="Title 6">
-            <a:extLst>
-              <a:ext uri="{FF2B5EF4-FFF2-40B4-BE49-F238E27FC236}">
-                <a16:creationId xmlns:a16="http://schemas.microsoft.com/office/drawing/2014/main" id="{7875C19A-1AAE-476A-A316-A2CF92D763D3}"/>
-              </a:ext>
-            </a:extLst>
-          </p:cNvPr>
-          <p:cNvSpPr>
-            <a:spLocks noGrp="1"/>
-          </p:cNvSpPr>
-          <p:nvPr>
-            <p:ph type="title"/>
-          </p:nvPr>
-        </p:nvSpPr>
-        <p:spPr/>
-        <p:txBody>
-          <a:bodyPr/>
-          <a:lstStyle/>
-          <a:p>
-            <a:r>
-              <a:rPr lang="en-US" dirty="0"/>
-              <a:t>Content Title</a:t>
-            </a:r>
-          </a:p>
-        </p:txBody>
-      </p:sp>
-      <p:sp>
-        <p:nvSpPr>
-          <p:cNvPr id="10" name="Text Placeholder 9">
-            <a:extLst>
-              <a:ext uri="{FF2B5EF4-FFF2-40B4-BE49-F238E27FC236}">
-                <a16:creationId xmlns:a16="http://schemas.microsoft.com/office/drawing/2014/main" id="{EF2BC084-E6DB-4DE7-B309-042A85EBA700}"/>
-              </a:ext>
-            </a:extLst>
-          </p:cNvPr>
-          <p:cNvSpPr>
-            <a:spLocks noGrp="1"/>
-          </p:cNvSpPr>
-          <p:nvPr>
-            <p:ph type="body" sz="quarter" idx="13"/>
-          </p:nvPr>
-        </p:nvSpPr>
-        <p:spPr>
-          <a:xfrm>
-            <a:off x="444500" y="1625385"/>
-            <a:ext cx="11214100" cy="4390951"/>
-          </a:xfrm>
-        </p:spPr>
-        <p:txBody>
-          <a:bodyPr/>
-          <a:lstStyle/>
-          <a:p>
-            <a:r>
-              <a:rPr lang="en-US" sz="2800" dirty="0"/>
-              <a:t>Lorem</a:t>
-            </a:r>
-          </a:p>
-        </p:txBody>
-      </p:sp>
-      <p:sp>
-        <p:nvSpPr>
-          <p:cNvPr id="2" name="Slide Number Placeholder 1">
-            <a:extLst>
-              <a:ext uri="{FF2B5EF4-FFF2-40B4-BE49-F238E27FC236}">
-                <a16:creationId xmlns:a16="http://schemas.microsoft.com/office/drawing/2014/main" id="{BE9800F6-D571-48C4-8466-12AA1ADB6599}"/>
-              </a:ext>
-            </a:extLst>
-          </p:cNvPr>
-          <p:cNvSpPr>
-            <a:spLocks noGrp="1"/>
-          </p:cNvSpPr>
-          <p:nvPr>
-            <p:ph type="sldNum" sz="quarter" idx="12"/>
-          </p:nvPr>
-        </p:nvSpPr>
-        <p:spPr/>
-        <p:txBody>
-          <a:bodyPr/>
-          <a:lstStyle/>
-          <a:p>
-            <a:fld id="{C263D6C4-4840-40CC-AC84-17E24B3B7BDE}" type="slidenum">
-              <a:rPr lang="en-US" smtClean="0"/>
-              <a:pPr/>
-              <a:t>18</a:t>
-            </a:fld>
-            <a:endParaRPr lang="en-US" dirty="0"/>
-          </a:p>
-        </p:txBody>
-      </p:sp>
-    </p:spTree>
-    <p:extLst>
-      <p:ext uri="{BB962C8B-B14F-4D97-AF65-F5344CB8AC3E}">
-        <p14:creationId xmlns:p14="http://schemas.microsoft.com/office/powerpoint/2010/main" val="2688477632"/>
-      </p:ext>
-    </p:extLst>
-  </p:cSld>
-  <p:clrMapOvr>
-    <a:masterClrMapping/>
-  </p:clrMapOvr>
-  <mc:AlternateContent xmlns:mc="http://schemas.openxmlformats.org/markup-compatibility/2006" xmlns:p14="http://schemas.microsoft.com/office/powerpoint/2010/main">
-    <mc:Choice Requires="p14">
-      <p:transition spd="med" p14:dur="700">
-        <p:fade/>
-      </p:transition>
-    </mc:Choice>
-    <mc:Fallback xmlns="">
-      <p:transition spd="med">
-        <p:fade/>
-      </p:transition>
-    </mc:Fallback>
-  </mc:AlternateContent>
-</p:sld>
-</file>
-
-<file path=ppt/slides/slide19.xml><?xml version="1.0" encoding="utf-8"?>
-<p:sld xmlns:a="http://schemas.openxmlformats.org/drawingml/2006/main" xmlns:r="http://schemas.openxmlformats.org/officeDocument/2006/relationships" xmlns:p="http://schemas.openxmlformats.org/presentationml/2006/main">
-  <p:cSld>
-    <p:spTree>
-      <p:nvGrpSpPr>
-        <p:cNvPr id="1" name=""/>
-        <p:cNvGrpSpPr/>
-        <p:nvPr/>
-      </p:nvGrpSpPr>
-      <p:grpSpPr>
-        <a:xfrm>
-          <a:off x="0" y="0"/>
-          <a:ext cx="0" cy="0"/>
-          <a:chOff x="0" y="0"/>
-          <a:chExt cx="0" cy="0"/>
-        </a:xfrm>
-      </p:grpSpPr>
-      <p:sp>
-        <p:nvSpPr>
-          <p:cNvPr id="7" name="Title 6">
-            <a:extLst>
-              <a:ext uri="{FF2B5EF4-FFF2-40B4-BE49-F238E27FC236}">
-                <a16:creationId xmlns:a16="http://schemas.microsoft.com/office/drawing/2014/main" id="{7875C19A-1AAE-476A-A316-A2CF92D763D3}"/>
-              </a:ext>
-            </a:extLst>
-          </p:cNvPr>
-          <p:cNvSpPr>
-            <a:spLocks noGrp="1"/>
-          </p:cNvSpPr>
-          <p:nvPr>
-            <p:ph type="title"/>
-          </p:nvPr>
-        </p:nvSpPr>
-        <p:spPr/>
-        <p:txBody>
-          <a:bodyPr/>
-          <a:lstStyle/>
-          <a:p>
-            <a:r>
-              <a:rPr lang="en-US" dirty="0"/>
-              <a:t>Content Title</a:t>
-            </a:r>
-          </a:p>
-        </p:txBody>
-      </p:sp>
-      <p:sp>
-        <p:nvSpPr>
-          <p:cNvPr id="10" name="Text Placeholder 9">
-            <a:extLst>
-              <a:ext uri="{FF2B5EF4-FFF2-40B4-BE49-F238E27FC236}">
-                <a16:creationId xmlns:a16="http://schemas.microsoft.com/office/drawing/2014/main" id="{EF2BC084-E6DB-4DE7-B309-042A85EBA700}"/>
-              </a:ext>
-            </a:extLst>
-          </p:cNvPr>
-          <p:cNvSpPr>
-            <a:spLocks noGrp="1"/>
-          </p:cNvSpPr>
-          <p:nvPr>
-            <p:ph type="body" sz="quarter" idx="13"/>
-          </p:nvPr>
-        </p:nvSpPr>
-        <p:spPr>
-          <a:xfrm>
-            <a:off x="444500" y="1625385"/>
-            <a:ext cx="11214100" cy="4390951"/>
-          </a:xfrm>
-        </p:spPr>
-        <p:txBody>
-          <a:bodyPr/>
-          <a:lstStyle/>
-          <a:p>
-            <a:r>
-              <a:rPr lang="en-US" sz="2800" dirty="0"/>
-              <a:t>Lorem</a:t>
-            </a:r>
-          </a:p>
-        </p:txBody>
-      </p:sp>
-      <p:sp>
-        <p:nvSpPr>
-          <p:cNvPr id="2" name="Slide Number Placeholder 1">
-            <a:extLst>
-              <a:ext uri="{FF2B5EF4-FFF2-40B4-BE49-F238E27FC236}">
-                <a16:creationId xmlns:a16="http://schemas.microsoft.com/office/drawing/2014/main" id="{BE9800F6-D571-48C4-8466-12AA1ADB6599}"/>
-              </a:ext>
-            </a:extLst>
-          </p:cNvPr>
-          <p:cNvSpPr>
-            <a:spLocks noGrp="1"/>
-          </p:cNvSpPr>
-          <p:nvPr>
-            <p:ph type="sldNum" sz="quarter" idx="12"/>
-          </p:nvPr>
-        </p:nvSpPr>
-        <p:spPr/>
-        <p:txBody>
-          <a:bodyPr/>
-          <a:lstStyle/>
-          <a:p>
-            <a:fld id="{C263D6C4-4840-40CC-AC84-17E24B3B7BDE}" type="slidenum">
-              <a:rPr lang="en-US" smtClean="0"/>
-              <a:pPr/>
-              <a:t>19</a:t>
-            </a:fld>
-            <a:endParaRPr lang="en-US" dirty="0"/>
-          </a:p>
-        </p:txBody>
-      </p:sp>
-    </p:spTree>
-    <p:extLst>
-      <p:ext uri="{BB962C8B-B14F-4D97-AF65-F5344CB8AC3E}">
-        <p14:creationId xmlns:p14="http://schemas.microsoft.com/office/powerpoint/2010/main" val="761298797"/>
-      </p:ext>
-    </p:extLst>
-  </p:cSld>
-  <p:clrMapOvr>
-    <a:masterClrMapping/>
-  </p:clrMapOvr>
-  <mc:AlternateContent xmlns:mc="http://schemas.openxmlformats.org/markup-compatibility/2006" xmlns:p14="http://schemas.microsoft.com/office/powerpoint/2010/main">
-    <mc:Choice Requires="p14">
-      <p:transition spd="med" p14:dur="700">
-        <p:fade/>
-      </p:transition>
-    </mc:Choice>
-    <mc:Fallback xmlns="">
-      <p:transition spd="med">
-        <p:fade/>
-      </p:transition>
-    </mc:Fallback>
-  </mc:AlternateContent>
-</p:sld>
-</file>
-
 <file path=ppt/slides/slide2.xml><?xml version="1.0" encoding="utf-8"?>
 <p:sld xmlns:a="http://schemas.openxmlformats.org/drawingml/2006/main" xmlns:r="http://schemas.openxmlformats.org/officeDocument/2006/relationships" xmlns:p="http://schemas.openxmlformats.org/presentationml/2006/main">
   <p:cSld>
@@ -32291,3602 +31465,6 @@
     <p:extLst>
       <p:ext uri="{BB962C8B-B14F-4D97-AF65-F5344CB8AC3E}">
         <p14:creationId xmlns:p14="http://schemas.microsoft.com/office/powerpoint/2010/main" val="3256700306"/>
-      </p:ext>
-    </p:extLst>
-  </p:cSld>
-  <p:clrMapOvr>
-    <a:masterClrMapping/>
-  </p:clrMapOvr>
-  <mc:AlternateContent xmlns:mc="http://schemas.openxmlformats.org/markup-compatibility/2006" xmlns:p14="http://schemas.microsoft.com/office/powerpoint/2010/main">
-    <mc:Choice Requires="p14">
-      <p:transition spd="med" p14:dur="700">
-        <p:fade/>
-      </p:transition>
-    </mc:Choice>
-    <mc:Fallback xmlns="">
-      <p:transition spd="med">
-        <p:fade/>
-      </p:transition>
-    </mc:Fallback>
-  </mc:AlternateContent>
-</p:sld>
-</file>
-
-<file path=ppt/slides/slide20.xml><?xml version="1.0" encoding="utf-8"?>
-<p:sld xmlns:a="http://schemas.openxmlformats.org/drawingml/2006/main" xmlns:r="http://schemas.openxmlformats.org/officeDocument/2006/relationships" xmlns:p="http://schemas.openxmlformats.org/presentationml/2006/main">
-  <p:cSld>
-    <p:spTree>
-      <p:nvGrpSpPr>
-        <p:cNvPr id="1" name=""/>
-        <p:cNvGrpSpPr/>
-        <p:nvPr/>
-      </p:nvGrpSpPr>
-      <p:grpSpPr>
-        <a:xfrm>
-          <a:off x="0" y="0"/>
-          <a:ext cx="0" cy="0"/>
-          <a:chOff x="0" y="0"/>
-          <a:chExt cx="0" cy="0"/>
-        </a:xfrm>
-      </p:grpSpPr>
-      <p:sp>
-        <p:nvSpPr>
-          <p:cNvPr id="4" name="Title 3">
-            <a:extLst>
-              <a:ext uri="{FF2B5EF4-FFF2-40B4-BE49-F238E27FC236}">
-                <a16:creationId xmlns:a16="http://schemas.microsoft.com/office/drawing/2014/main" id="{E3BD8413-C238-49D7-A4E1-E8FEF1811A0E}"/>
-              </a:ext>
-            </a:extLst>
-          </p:cNvPr>
-          <p:cNvSpPr>
-            <a:spLocks noGrp="1"/>
-          </p:cNvSpPr>
-          <p:nvPr>
-            <p:ph type="title"/>
-          </p:nvPr>
-        </p:nvSpPr>
-        <p:spPr/>
-        <p:txBody>
-          <a:bodyPr/>
-          <a:lstStyle/>
-          <a:p>
-            <a:r>
-              <a:rPr lang="en-US" dirty="0"/>
-              <a:t>Section Header01</a:t>
-            </a:r>
-          </a:p>
-        </p:txBody>
-      </p:sp>
-      <p:sp>
-        <p:nvSpPr>
-          <p:cNvPr id="5" name="Text Placeholder 4">
-            <a:extLst>
-              <a:ext uri="{FF2B5EF4-FFF2-40B4-BE49-F238E27FC236}">
-                <a16:creationId xmlns:a16="http://schemas.microsoft.com/office/drawing/2014/main" id="{0A95F4DE-39B7-4CE2-BC1E-8B8AE662A895}"/>
-              </a:ext>
-            </a:extLst>
-          </p:cNvPr>
-          <p:cNvSpPr>
-            <a:spLocks noGrp="1"/>
-          </p:cNvSpPr>
-          <p:nvPr>
-            <p:ph type="body" idx="1"/>
-          </p:nvPr>
-        </p:nvSpPr>
-        <p:spPr/>
-        <p:txBody>
-          <a:bodyPr/>
-          <a:lstStyle/>
-          <a:p>
-            <a:r>
-              <a:rPr lang="en-US" dirty="0"/>
-              <a:t>Subtitle</a:t>
-            </a:r>
-          </a:p>
-        </p:txBody>
-      </p:sp>
-      <p:sp>
-        <p:nvSpPr>
-          <p:cNvPr id="2" name="Slide Number Placeholder 1">
-            <a:extLst>
-              <a:ext uri="{FF2B5EF4-FFF2-40B4-BE49-F238E27FC236}">
-                <a16:creationId xmlns:a16="http://schemas.microsoft.com/office/drawing/2014/main" id="{0B24BF10-2B55-43AB-9F77-F1A1410384A9}"/>
-              </a:ext>
-            </a:extLst>
-          </p:cNvPr>
-          <p:cNvSpPr>
-            <a:spLocks noGrp="1"/>
-          </p:cNvSpPr>
-          <p:nvPr>
-            <p:ph type="sldNum" sz="quarter" idx="12"/>
-          </p:nvPr>
-        </p:nvSpPr>
-        <p:spPr/>
-        <p:txBody>
-          <a:bodyPr/>
-          <a:lstStyle/>
-          <a:p>
-            <a:fld id="{C263D6C4-4840-40CC-AC84-17E24B3B7BDE}" type="slidenum">
-              <a:rPr lang="en-US" smtClean="0"/>
-              <a:pPr/>
-              <a:t>20</a:t>
-            </a:fld>
-            <a:endParaRPr lang="en-US" dirty="0"/>
-          </a:p>
-        </p:txBody>
-      </p:sp>
-    </p:spTree>
-    <p:extLst>
-      <p:ext uri="{BB962C8B-B14F-4D97-AF65-F5344CB8AC3E}">
-        <p14:creationId xmlns:p14="http://schemas.microsoft.com/office/powerpoint/2010/main" val="2902794312"/>
-      </p:ext>
-    </p:extLst>
-  </p:cSld>
-  <p:clrMapOvr>
-    <a:masterClrMapping/>
-  </p:clrMapOvr>
-  <mc:AlternateContent xmlns:mc="http://schemas.openxmlformats.org/markup-compatibility/2006" xmlns:p14="http://schemas.microsoft.com/office/powerpoint/2010/main">
-    <mc:Choice Requires="p14">
-      <p:transition spd="med" p14:dur="700">
-        <p:fade/>
-      </p:transition>
-    </mc:Choice>
-    <mc:Fallback xmlns="">
-      <p:transition spd="med">
-        <p:fade/>
-      </p:transition>
-    </mc:Fallback>
-  </mc:AlternateContent>
-</p:sld>
-</file>
-
-<file path=ppt/slides/slide21.xml><?xml version="1.0" encoding="utf-8"?>
-<p:sld xmlns:a="http://schemas.openxmlformats.org/drawingml/2006/main" xmlns:r="http://schemas.openxmlformats.org/officeDocument/2006/relationships" xmlns:p="http://schemas.openxmlformats.org/presentationml/2006/main">
-  <p:cSld>
-    <p:spTree>
-      <p:nvGrpSpPr>
-        <p:cNvPr id="1" name=""/>
-        <p:cNvGrpSpPr/>
-        <p:nvPr/>
-      </p:nvGrpSpPr>
-      <p:grpSpPr>
-        <a:xfrm>
-          <a:off x="0" y="0"/>
-          <a:ext cx="0" cy="0"/>
-          <a:chOff x="0" y="0"/>
-          <a:chExt cx="0" cy="0"/>
-        </a:xfrm>
-      </p:grpSpPr>
-      <p:sp>
-        <p:nvSpPr>
-          <p:cNvPr id="4" name="Title 3">
-            <a:extLst>
-              <a:ext uri="{FF2B5EF4-FFF2-40B4-BE49-F238E27FC236}">
-                <a16:creationId xmlns:a16="http://schemas.microsoft.com/office/drawing/2014/main" id="{BD179B88-D43C-4A31-9A52-3498E9430782}"/>
-              </a:ext>
-            </a:extLst>
-          </p:cNvPr>
-          <p:cNvSpPr>
-            <a:spLocks noGrp="1"/>
-          </p:cNvSpPr>
-          <p:nvPr>
-            <p:ph type="title"/>
-          </p:nvPr>
-        </p:nvSpPr>
-        <p:spPr/>
-        <p:txBody>
-          <a:bodyPr/>
-          <a:lstStyle/>
-          <a:p>
-            <a:r>
-              <a:rPr lang="en-US" dirty="0"/>
-              <a:t>Section Header02</a:t>
-            </a:r>
-          </a:p>
-        </p:txBody>
-      </p:sp>
-      <p:sp>
-        <p:nvSpPr>
-          <p:cNvPr id="5" name="Text Placeholder 4">
-            <a:extLst>
-              <a:ext uri="{FF2B5EF4-FFF2-40B4-BE49-F238E27FC236}">
-                <a16:creationId xmlns:a16="http://schemas.microsoft.com/office/drawing/2014/main" id="{DCDDBE65-9AB1-4989-AF86-726591A6A128}"/>
-              </a:ext>
-            </a:extLst>
-          </p:cNvPr>
-          <p:cNvSpPr>
-            <a:spLocks noGrp="1"/>
-          </p:cNvSpPr>
-          <p:nvPr>
-            <p:ph type="body" idx="1"/>
-          </p:nvPr>
-        </p:nvSpPr>
-        <p:spPr/>
-        <p:txBody>
-          <a:bodyPr/>
-          <a:lstStyle/>
-          <a:p>
-            <a:r>
-              <a:rPr lang="en-US" dirty="0"/>
-              <a:t>Subtitle</a:t>
-            </a:r>
-          </a:p>
-        </p:txBody>
-      </p:sp>
-      <p:sp>
-        <p:nvSpPr>
-          <p:cNvPr id="2" name="Slide Number Placeholder 1">
-            <a:extLst>
-              <a:ext uri="{FF2B5EF4-FFF2-40B4-BE49-F238E27FC236}">
-                <a16:creationId xmlns:a16="http://schemas.microsoft.com/office/drawing/2014/main" id="{8B065C75-272B-4BB5-BA23-D80E8654D621}"/>
-              </a:ext>
-            </a:extLst>
-          </p:cNvPr>
-          <p:cNvSpPr>
-            <a:spLocks noGrp="1"/>
-          </p:cNvSpPr>
-          <p:nvPr>
-            <p:ph type="sldNum" sz="quarter" idx="12"/>
-          </p:nvPr>
-        </p:nvSpPr>
-        <p:spPr/>
-        <p:txBody>
-          <a:bodyPr/>
-          <a:lstStyle/>
-          <a:p>
-            <a:fld id="{C263D6C4-4840-40CC-AC84-17E24B3B7BDE}" type="slidenum">
-              <a:rPr lang="en-US" smtClean="0"/>
-              <a:pPr/>
-              <a:t>21</a:t>
-            </a:fld>
-            <a:endParaRPr lang="en-US" dirty="0"/>
-          </a:p>
-        </p:txBody>
-      </p:sp>
-    </p:spTree>
-    <p:extLst>
-      <p:ext uri="{BB962C8B-B14F-4D97-AF65-F5344CB8AC3E}">
-        <p14:creationId xmlns:p14="http://schemas.microsoft.com/office/powerpoint/2010/main" val="709828751"/>
-      </p:ext>
-    </p:extLst>
-  </p:cSld>
-  <p:clrMapOvr>
-    <a:masterClrMapping/>
-  </p:clrMapOvr>
-  <mc:AlternateContent xmlns:mc="http://schemas.openxmlformats.org/markup-compatibility/2006" xmlns:p14="http://schemas.microsoft.com/office/powerpoint/2010/main">
-    <mc:Choice Requires="p14">
-      <p:transition spd="med" p14:dur="700">
-        <p:fade/>
-      </p:transition>
-    </mc:Choice>
-    <mc:Fallback xmlns="">
-      <p:transition spd="med">
-        <p:fade/>
-      </p:transition>
-    </mc:Fallback>
-  </mc:AlternateContent>
-</p:sld>
-</file>
-
-<file path=ppt/slides/slide22.xml><?xml version="1.0" encoding="utf-8"?>
-<p:sld xmlns:a="http://schemas.openxmlformats.org/drawingml/2006/main" xmlns:r="http://schemas.openxmlformats.org/officeDocument/2006/relationships" xmlns:p="http://schemas.openxmlformats.org/presentationml/2006/main">
-  <p:cSld>
-    <p:spTree>
-      <p:nvGrpSpPr>
-        <p:cNvPr id="1" name=""/>
-        <p:cNvGrpSpPr/>
-        <p:nvPr/>
-      </p:nvGrpSpPr>
-      <p:grpSpPr>
-        <a:xfrm>
-          <a:off x="0" y="0"/>
-          <a:ext cx="0" cy="0"/>
-          <a:chOff x="0" y="0"/>
-          <a:chExt cx="0" cy="0"/>
-        </a:xfrm>
-      </p:grpSpPr>
-      <p:sp>
-        <p:nvSpPr>
-          <p:cNvPr id="7" name="Title 6">
-            <a:extLst>
-              <a:ext uri="{FF2B5EF4-FFF2-40B4-BE49-F238E27FC236}">
-                <a16:creationId xmlns:a16="http://schemas.microsoft.com/office/drawing/2014/main" id="{7875C19A-1AAE-476A-A316-A2CF92D763D3}"/>
-              </a:ext>
-            </a:extLst>
-          </p:cNvPr>
-          <p:cNvSpPr>
-            <a:spLocks noGrp="1"/>
-          </p:cNvSpPr>
-          <p:nvPr>
-            <p:ph type="title"/>
-          </p:nvPr>
-        </p:nvSpPr>
-        <p:spPr/>
-        <p:txBody>
-          <a:bodyPr/>
-          <a:lstStyle/>
-          <a:p>
-            <a:r>
-              <a:rPr lang="en-US" dirty="0"/>
-              <a:t>Content Title 01</a:t>
-            </a:r>
-          </a:p>
-        </p:txBody>
-      </p:sp>
-      <p:sp>
-        <p:nvSpPr>
-          <p:cNvPr id="10" name="Text Placeholder 9">
-            <a:extLst>
-              <a:ext uri="{FF2B5EF4-FFF2-40B4-BE49-F238E27FC236}">
-                <a16:creationId xmlns:a16="http://schemas.microsoft.com/office/drawing/2014/main" id="{EF2BC084-E6DB-4DE7-B309-042A85EBA700}"/>
-              </a:ext>
-            </a:extLst>
-          </p:cNvPr>
-          <p:cNvSpPr>
-            <a:spLocks noGrp="1"/>
-          </p:cNvSpPr>
-          <p:nvPr>
-            <p:ph type="body" sz="quarter" idx="13"/>
-          </p:nvPr>
-        </p:nvSpPr>
-        <p:spPr/>
-        <p:txBody>
-          <a:bodyPr/>
-          <a:lstStyle/>
-          <a:p>
-            <a:r>
-              <a:rPr lang="en-US" dirty="0"/>
-              <a:t>Lorem ipsum dolor sit amet, consectetuer adipiscing elit. Maecenas porttitor congue massa. Fusce posuere, magna sed pulvinar ultricies, purus lectus malesuada libero, sit amet commodo magna eros quis urna.</a:t>
-            </a:r>
-          </a:p>
-          <a:p>
-            <a:r>
-              <a:rPr lang="en-US" dirty="0"/>
-              <a:t>Nunc viverra imperdiet enim. Fusce est. Vivamus a tellus.</a:t>
-            </a:r>
-          </a:p>
-          <a:p>
-            <a:r>
-              <a:rPr lang="en-US" dirty="0"/>
-              <a:t>Pellentesque habitant morbi tristique senectus et netus et malesuada fames ac turpis egestas. Proin pharetra nonummy pede. Mauris et orci.</a:t>
-            </a:r>
-          </a:p>
-        </p:txBody>
-      </p:sp>
-      <p:sp>
-        <p:nvSpPr>
-          <p:cNvPr id="2" name="Slide Number Placeholder 1">
-            <a:extLst>
-              <a:ext uri="{FF2B5EF4-FFF2-40B4-BE49-F238E27FC236}">
-                <a16:creationId xmlns:a16="http://schemas.microsoft.com/office/drawing/2014/main" id="{BE9800F6-D571-48C4-8466-12AA1ADB6599}"/>
-              </a:ext>
-            </a:extLst>
-          </p:cNvPr>
-          <p:cNvSpPr>
-            <a:spLocks noGrp="1"/>
-          </p:cNvSpPr>
-          <p:nvPr>
-            <p:ph type="sldNum" sz="quarter" idx="12"/>
-          </p:nvPr>
-        </p:nvSpPr>
-        <p:spPr/>
-        <p:txBody>
-          <a:bodyPr/>
-          <a:lstStyle/>
-          <a:p>
-            <a:fld id="{C263D6C4-4840-40CC-AC84-17E24B3B7BDE}" type="slidenum">
-              <a:rPr lang="en-US" smtClean="0"/>
-              <a:pPr/>
-              <a:t>22</a:t>
-            </a:fld>
-            <a:endParaRPr lang="en-US" dirty="0"/>
-          </a:p>
-        </p:txBody>
-      </p:sp>
-    </p:spTree>
-    <p:extLst>
-      <p:ext uri="{BB962C8B-B14F-4D97-AF65-F5344CB8AC3E}">
-        <p14:creationId xmlns:p14="http://schemas.microsoft.com/office/powerpoint/2010/main" val="1788966512"/>
-      </p:ext>
-    </p:extLst>
-  </p:cSld>
-  <p:clrMapOvr>
-    <a:masterClrMapping/>
-  </p:clrMapOvr>
-  <mc:AlternateContent xmlns:mc="http://schemas.openxmlformats.org/markup-compatibility/2006" xmlns:p14="http://schemas.microsoft.com/office/powerpoint/2010/main">
-    <mc:Choice Requires="p14">
-      <p:transition spd="med" p14:dur="700">
-        <p:fade/>
-      </p:transition>
-    </mc:Choice>
-    <mc:Fallback xmlns="">
-      <p:transition spd="med">
-        <p:fade/>
-      </p:transition>
-    </mc:Fallback>
-  </mc:AlternateContent>
-</p:sld>
-</file>
-
-<file path=ppt/slides/slide23.xml><?xml version="1.0" encoding="utf-8"?>
-<p:sld xmlns:a="http://schemas.openxmlformats.org/drawingml/2006/main" xmlns:r="http://schemas.openxmlformats.org/officeDocument/2006/relationships" xmlns:p="http://schemas.openxmlformats.org/presentationml/2006/main">
-  <p:cSld>
-    <p:spTree>
-      <p:nvGrpSpPr>
-        <p:cNvPr id="1" name=""/>
-        <p:cNvGrpSpPr/>
-        <p:nvPr/>
-      </p:nvGrpSpPr>
-      <p:grpSpPr>
-        <a:xfrm>
-          <a:off x="0" y="0"/>
-          <a:ext cx="0" cy="0"/>
-          <a:chOff x="0" y="0"/>
-          <a:chExt cx="0" cy="0"/>
-        </a:xfrm>
-      </p:grpSpPr>
-      <p:sp>
-        <p:nvSpPr>
-          <p:cNvPr id="4" name="Title 3">
-            <a:extLst>
-              <a:ext uri="{FF2B5EF4-FFF2-40B4-BE49-F238E27FC236}">
-                <a16:creationId xmlns:a16="http://schemas.microsoft.com/office/drawing/2014/main" id="{315E3981-F0D7-482C-A8E0-6A57700BECA7}"/>
-              </a:ext>
-            </a:extLst>
-          </p:cNvPr>
-          <p:cNvSpPr>
-            <a:spLocks noGrp="1"/>
-          </p:cNvSpPr>
-          <p:nvPr>
-            <p:ph type="title"/>
-          </p:nvPr>
-        </p:nvSpPr>
-        <p:spPr/>
-        <p:txBody>
-          <a:bodyPr/>
-          <a:lstStyle/>
-          <a:p>
-            <a:r>
-              <a:rPr lang="en-US" dirty="0"/>
-              <a:t>Content Title 02</a:t>
-            </a:r>
-          </a:p>
-        </p:txBody>
-      </p:sp>
-      <p:sp>
-        <p:nvSpPr>
-          <p:cNvPr id="2" name="Slide Number Placeholder 1">
-            <a:extLst>
-              <a:ext uri="{FF2B5EF4-FFF2-40B4-BE49-F238E27FC236}">
-                <a16:creationId xmlns:a16="http://schemas.microsoft.com/office/drawing/2014/main" id="{520FC4EE-F318-4344-9E3C-B950ADB63865}"/>
-              </a:ext>
-            </a:extLst>
-          </p:cNvPr>
-          <p:cNvSpPr>
-            <a:spLocks noGrp="1"/>
-          </p:cNvSpPr>
-          <p:nvPr>
-            <p:ph type="sldNum" sz="quarter" idx="12"/>
-          </p:nvPr>
-        </p:nvSpPr>
-        <p:spPr/>
-        <p:txBody>
-          <a:bodyPr/>
-          <a:lstStyle/>
-          <a:p>
-            <a:fld id="{C263D6C4-4840-40CC-AC84-17E24B3B7BDE}" type="slidenum">
-              <a:rPr lang="en-US" smtClean="0"/>
-              <a:pPr/>
-              <a:t>23</a:t>
-            </a:fld>
-            <a:endParaRPr lang="en-US" dirty="0"/>
-          </a:p>
-        </p:txBody>
-      </p:sp>
-      <p:sp>
-        <p:nvSpPr>
-          <p:cNvPr id="7" name="Text Placeholder 6">
-            <a:extLst>
-              <a:ext uri="{FF2B5EF4-FFF2-40B4-BE49-F238E27FC236}">
-                <a16:creationId xmlns:a16="http://schemas.microsoft.com/office/drawing/2014/main" id="{B74126B4-1E6C-4FFF-9282-40E18A85A07F}"/>
-              </a:ext>
-            </a:extLst>
-          </p:cNvPr>
-          <p:cNvSpPr>
-            <a:spLocks noGrp="1"/>
-          </p:cNvSpPr>
-          <p:nvPr>
-            <p:ph type="body" sz="quarter" idx="1"/>
-          </p:nvPr>
-        </p:nvSpPr>
-        <p:spPr/>
-        <p:txBody>
-          <a:bodyPr/>
-          <a:lstStyle/>
-          <a:p>
-            <a:r>
-              <a:rPr lang="en-US" dirty="0"/>
-              <a:t>Lorem ipsum dolor sit amet</a:t>
-            </a:r>
-          </a:p>
-        </p:txBody>
-      </p:sp>
-      <p:sp>
-        <p:nvSpPr>
-          <p:cNvPr id="5" name="Text Placeholder 4">
-            <a:extLst>
-              <a:ext uri="{FF2B5EF4-FFF2-40B4-BE49-F238E27FC236}">
-                <a16:creationId xmlns:a16="http://schemas.microsoft.com/office/drawing/2014/main" id="{E0C87788-476B-4620-8002-A5C1177AD6C1}"/>
-              </a:ext>
-            </a:extLst>
-          </p:cNvPr>
-          <p:cNvSpPr>
-            <a:spLocks noGrp="1"/>
-          </p:cNvSpPr>
-          <p:nvPr>
-            <p:ph type="body" sz="quarter" idx="3"/>
-          </p:nvPr>
-        </p:nvSpPr>
-        <p:spPr/>
-        <p:txBody>
-          <a:bodyPr/>
-          <a:lstStyle/>
-          <a:p>
-            <a:r>
-              <a:rPr lang="en-US" dirty="0"/>
-              <a:t>Lorem ipsum dolor sit amet</a:t>
-            </a:r>
-          </a:p>
-        </p:txBody>
-      </p:sp>
-      <p:sp>
-        <p:nvSpPr>
-          <p:cNvPr id="8" name="Text Placeholder 7">
-            <a:extLst>
-              <a:ext uri="{FF2B5EF4-FFF2-40B4-BE49-F238E27FC236}">
-                <a16:creationId xmlns:a16="http://schemas.microsoft.com/office/drawing/2014/main" id="{47DC4E62-1A34-4F98-A451-214F1808519C}"/>
-              </a:ext>
-            </a:extLst>
-          </p:cNvPr>
-          <p:cNvSpPr>
-            <a:spLocks noGrp="1"/>
-          </p:cNvSpPr>
-          <p:nvPr>
-            <p:ph type="body" sz="quarter" idx="2"/>
-          </p:nvPr>
-        </p:nvSpPr>
-        <p:spPr/>
-        <p:txBody>
-          <a:bodyPr/>
-          <a:lstStyle/>
-          <a:p>
-            <a:r>
-              <a:rPr lang="en-US" dirty="0"/>
-              <a:t>Lorem ipsum dolor sit amet, consectetuer adipiscing elit. Maecenas porttitor congue massa. Fusce posuere, magna sed pulvinar ultricies, purus lectus malesuada libero, sit amet commodo magna eros quis urna. Nunc viverra imperdiet enim. Fusce est. Vivamus a tellus.</a:t>
-            </a:r>
-          </a:p>
-          <a:p>
-            <a:r>
-              <a:rPr lang="en-US" dirty="0"/>
-              <a:t>Pellentesque habitant morbi tristique senectus et netus et malesuada fames ac turpis egestas. Proin pharetra nonummy pede. Mauris et orci.</a:t>
-            </a:r>
-          </a:p>
-          <a:p>
-            <a:endParaRPr lang="en-US" dirty="0"/>
-          </a:p>
-          <a:p>
-            <a:endParaRPr lang="en-US" dirty="0"/>
-          </a:p>
-        </p:txBody>
-      </p:sp>
-      <p:sp>
-        <p:nvSpPr>
-          <p:cNvPr id="6" name="Text Placeholder 5">
-            <a:extLst>
-              <a:ext uri="{FF2B5EF4-FFF2-40B4-BE49-F238E27FC236}">
-                <a16:creationId xmlns:a16="http://schemas.microsoft.com/office/drawing/2014/main" id="{000A9570-5EF6-4AFB-9FCA-7C8998E3FEB1}"/>
-              </a:ext>
-            </a:extLst>
-          </p:cNvPr>
-          <p:cNvSpPr>
-            <a:spLocks noGrp="1"/>
-          </p:cNvSpPr>
-          <p:nvPr>
-            <p:ph type="body" sz="quarter" idx="4"/>
-          </p:nvPr>
-        </p:nvSpPr>
-        <p:spPr/>
-        <p:txBody>
-          <a:bodyPr/>
-          <a:lstStyle/>
-          <a:p>
-            <a:r>
-              <a:rPr lang="en-US" dirty="0"/>
-              <a:t>Lorem ipsum dolor sit amet, consectetuer adipiscing elit. Maecenas porttitor congue massa. Fusce posuere, magna sed pulvinar ultricies, purus lectus malesuada libero, sit amet commodo magna eros quis urna. Nunc viverra imperdiet enim. Fusce est. Vivamus a tellus.</a:t>
-            </a:r>
-          </a:p>
-          <a:p>
-            <a:r>
-              <a:rPr lang="en-US" dirty="0"/>
-              <a:t>Pellentesque habitant morbi tristique senectus et netus et malesuada fames ac turpis egestas. Proin pharetra nonummy pede. Mauris et orci.</a:t>
-            </a:r>
-          </a:p>
-          <a:p>
-            <a:endParaRPr lang="en-US" dirty="0"/>
-          </a:p>
-        </p:txBody>
-      </p:sp>
-    </p:spTree>
-    <p:extLst>
-      <p:ext uri="{BB962C8B-B14F-4D97-AF65-F5344CB8AC3E}">
-        <p14:creationId xmlns:p14="http://schemas.microsoft.com/office/powerpoint/2010/main" val="3607270498"/>
-      </p:ext>
-    </p:extLst>
-  </p:cSld>
-  <p:clrMapOvr>
-    <a:masterClrMapping/>
-  </p:clrMapOvr>
-  <mc:AlternateContent xmlns:mc="http://schemas.openxmlformats.org/markup-compatibility/2006" xmlns:p14="http://schemas.microsoft.com/office/powerpoint/2010/main">
-    <mc:Choice Requires="p14">
-      <p:transition spd="med" p14:dur="700">
-        <p:fade/>
-      </p:transition>
-    </mc:Choice>
-    <mc:Fallback xmlns="">
-      <p:transition spd="med">
-        <p:fade/>
-      </p:transition>
-    </mc:Fallback>
-  </mc:AlternateContent>
-</p:sld>
-</file>
-
-<file path=ppt/slides/slide24.xml><?xml version="1.0" encoding="utf-8"?>
-<p:sld xmlns:a="http://schemas.openxmlformats.org/drawingml/2006/main" xmlns:r="http://schemas.openxmlformats.org/officeDocument/2006/relationships" xmlns:p="http://schemas.openxmlformats.org/presentationml/2006/main">
-  <p:cSld>
-    <p:spTree>
-      <p:nvGrpSpPr>
-        <p:cNvPr id="1" name=""/>
-        <p:cNvGrpSpPr/>
-        <p:nvPr/>
-      </p:nvGrpSpPr>
-      <p:grpSpPr>
-        <a:xfrm>
-          <a:off x="0" y="0"/>
-          <a:ext cx="0" cy="0"/>
-          <a:chOff x="0" y="0"/>
-          <a:chExt cx="0" cy="0"/>
-        </a:xfrm>
-      </p:grpSpPr>
-      <p:sp>
-        <p:nvSpPr>
-          <p:cNvPr id="4" name="Title 3">
-            <a:extLst>
-              <a:ext uri="{FF2B5EF4-FFF2-40B4-BE49-F238E27FC236}">
-                <a16:creationId xmlns:a16="http://schemas.microsoft.com/office/drawing/2014/main" id="{315E3981-F0D7-482C-A8E0-6A57700BECA7}"/>
-              </a:ext>
-            </a:extLst>
-          </p:cNvPr>
-          <p:cNvSpPr>
-            <a:spLocks noGrp="1"/>
-          </p:cNvSpPr>
-          <p:nvPr>
-            <p:ph type="title"/>
-          </p:nvPr>
-        </p:nvSpPr>
-        <p:spPr/>
-        <p:txBody>
-          <a:bodyPr/>
-          <a:lstStyle/>
-          <a:p>
-            <a:r>
-              <a:rPr lang="en-US" dirty="0"/>
-              <a:t>Content Title</a:t>
-            </a:r>
-          </a:p>
-        </p:txBody>
-      </p:sp>
-      <p:pic>
-        <p:nvPicPr>
-          <p:cNvPr id="25" name="Picture Placeholder 24" descr="Bar chart">
-            <a:extLst>
-              <a:ext uri="{FF2B5EF4-FFF2-40B4-BE49-F238E27FC236}">
-                <a16:creationId xmlns:a16="http://schemas.microsoft.com/office/drawing/2014/main" id="{C03AAFA7-022A-47F8-9DA1-7DC3897D1E52}"/>
-              </a:ext>
-            </a:extLst>
-          </p:cNvPr>
-          <p:cNvPicPr>
-            <a:picLocks noGrp="1" noChangeAspect="1"/>
-          </p:cNvPicPr>
-          <p:nvPr>
-            <p:ph type="pic" sz="quarter" idx="13"/>
-          </p:nvPr>
-        </p:nvPicPr>
-        <p:blipFill>
-          <a:blip r:embed="rId2">
-            <a:extLst>
-              <a:ext uri="{28A0092B-C50C-407E-A947-70E740481C1C}">
-                <a14:useLocalDpi xmlns:a14="http://schemas.microsoft.com/office/drawing/2010/main"/>
-              </a:ext>
-              <a:ext uri="{96DAC541-7B7A-43D3-8B79-37D633B846F1}">
-                <asvg:svgBlip xmlns:asvg="http://schemas.microsoft.com/office/drawing/2016/SVG/main" r:embed="rId3"/>
-              </a:ext>
-            </a:extLst>
-          </a:blip>
-          <a:srcRect t="63" b="63"/>
-          <a:stretch>
-            <a:fillRect/>
-          </a:stretch>
-        </p:blipFill>
-        <p:spPr>
-          <a:xfrm>
-            <a:off x="978212" y="2096716"/>
-            <a:ext cx="1259505" cy="1259505"/>
-          </a:xfrm>
-        </p:spPr>
-      </p:pic>
-      <p:sp>
-        <p:nvSpPr>
-          <p:cNvPr id="19" name="Text Placeholder 18">
-            <a:extLst>
-              <a:ext uri="{FF2B5EF4-FFF2-40B4-BE49-F238E27FC236}">
-                <a16:creationId xmlns:a16="http://schemas.microsoft.com/office/drawing/2014/main" id="{782206B1-586F-4254-9B36-D06C4E294ACF}"/>
-              </a:ext>
-            </a:extLst>
-          </p:cNvPr>
-          <p:cNvSpPr>
-            <a:spLocks noGrp="1"/>
-          </p:cNvSpPr>
-          <p:nvPr>
-            <p:ph type="body" sz="quarter" idx="18"/>
-          </p:nvPr>
-        </p:nvSpPr>
-        <p:spPr/>
-        <p:txBody>
-          <a:bodyPr/>
-          <a:lstStyle/>
-          <a:p>
-            <a:r>
-              <a:rPr lang="en-US" dirty="0"/>
-              <a:t>Caption01 appears here</a:t>
-            </a:r>
-          </a:p>
-        </p:txBody>
-      </p:sp>
-      <p:pic>
-        <p:nvPicPr>
-          <p:cNvPr id="27" name="Picture Placeholder 26" descr="Clock">
-            <a:extLst>
-              <a:ext uri="{FF2B5EF4-FFF2-40B4-BE49-F238E27FC236}">
-                <a16:creationId xmlns:a16="http://schemas.microsoft.com/office/drawing/2014/main" id="{6F737161-FE67-434D-A781-59EDB9EDCB23}"/>
-              </a:ext>
-            </a:extLst>
-          </p:cNvPr>
-          <p:cNvPicPr>
-            <a:picLocks noGrp="1" noChangeAspect="1"/>
-          </p:cNvPicPr>
-          <p:nvPr>
-            <p:ph type="pic" sz="quarter" idx="14"/>
-          </p:nvPr>
-        </p:nvPicPr>
-        <p:blipFill>
-          <a:blip r:embed="rId4">
-            <a:extLst>
-              <a:ext uri="{28A0092B-C50C-407E-A947-70E740481C1C}">
-                <a14:useLocalDpi xmlns:a14="http://schemas.microsoft.com/office/drawing/2010/main"/>
-              </a:ext>
-              <a:ext uri="{96DAC541-7B7A-43D3-8B79-37D633B846F1}">
-                <asvg:svgBlip xmlns:asvg="http://schemas.microsoft.com/office/drawing/2016/SVG/main" r:embed="rId5"/>
-              </a:ext>
-            </a:extLst>
-          </a:blip>
-          <a:srcRect/>
-          <a:stretch>
-            <a:fillRect/>
-          </a:stretch>
-        </p:blipFill>
-        <p:spPr/>
-      </p:pic>
-      <p:sp>
-        <p:nvSpPr>
-          <p:cNvPr id="20" name="Text Placeholder 19">
-            <a:extLst>
-              <a:ext uri="{FF2B5EF4-FFF2-40B4-BE49-F238E27FC236}">
-                <a16:creationId xmlns:a16="http://schemas.microsoft.com/office/drawing/2014/main" id="{CB924A29-3538-4A3F-82A6-D2A7538C2111}"/>
-              </a:ext>
-            </a:extLst>
-          </p:cNvPr>
-          <p:cNvSpPr>
-            <a:spLocks noGrp="1"/>
-          </p:cNvSpPr>
-          <p:nvPr>
-            <p:ph type="body" sz="quarter" idx="19"/>
-          </p:nvPr>
-        </p:nvSpPr>
-        <p:spPr/>
-        <p:txBody>
-          <a:bodyPr/>
-          <a:lstStyle/>
-          <a:p>
-            <a:r>
-              <a:rPr lang="en-US" dirty="0"/>
-              <a:t>Caption02 appears here</a:t>
-            </a:r>
-          </a:p>
-        </p:txBody>
-      </p:sp>
-      <p:pic>
-        <p:nvPicPr>
-          <p:cNvPr id="29" name="Picture Placeholder 28" descr="Microscope">
-            <a:extLst>
-              <a:ext uri="{FF2B5EF4-FFF2-40B4-BE49-F238E27FC236}">
-                <a16:creationId xmlns:a16="http://schemas.microsoft.com/office/drawing/2014/main" id="{9E5BF01B-21D6-4D43-9CAE-0298685C1A7B}"/>
-              </a:ext>
-            </a:extLst>
-          </p:cNvPr>
-          <p:cNvPicPr>
-            <a:picLocks noGrp="1" noChangeAspect="1"/>
-          </p:cNvPicPr>
-          <p:nvPr>
-            <p:ph type="pic" sz="quarter" idx="15"/>
-          </p:nvPr>
-        </p:nvPicPr>
-        <p:blipFill>
-          <a:blip r:embed="rId6">
-            <a:extLst>
-              <a:ext uri="{28A0092B-C50C-407E-A947-70E740481C1C}">
-                <a14:useLocalDpi xmlns:a14="http://schemas.microsoft.com/office/drawing/2010/main"/>
-              </a:ext>
-              <a:ext uri="{96DAC541-7B7A-43D3-8B79-37D633B846F1}">
-                <asvg:svgBlip xmlns:asvg="http://schemas.microsoft.com/office/drawing/2016/SVG/main" r:embed="rId7"/>
-              </a:ext>
-            </a:extLst>
-          </a:blip>
-          <a:srcRect t="63" b="63"/>
-          <a:stretch>
-            <a:fillRect/>
-          </a:stretch>
-        </p:blipFill>
-        <p:spPr/>
-      </p:pic>
-      <p:sp>
-        <p:nvSpPr>
-          <p:cNvPr id="21" name="Text Placeholder 20">
-            <a:extLst>
-              <a:ext uri="{FF2B5EF4-FFF2-40B4-BE49-F238E27FC236}">
-                <a16:creationId xmlns:a16="http://schemas.microsoft.com/office/drawing/2014/main" id="{1B8F0371-4F69-4131-91BF-9AB99E6EE89B}"/>
-              </a:ext>
-            </a:extLst>
-          </p:cNvPr>
-          <p:cNvSpPr>
-            <a:spLocks noGrp="1"/>
-          </p:cNvSpPr>
-          <p:nvPr>
-            <p:ph type="body" sz="quarter" idx="20"/>
-          </p:nvPr>
-        </p:nvSpPr>
-        <p:spPr/>
-        <p:txBody>
-          <a:bodyPr/>
-          <a:lstStyle/>
-          <a:p>
-            <a:r>
-              <a:rPr lang="en-US" dirty="0"/>
-              <a:t>Caption03 appears here</a:t>
-            </a:r>
-          </a:p>
-        </p:txBody>
-      </p:sp>
-      <p:pic>
-        <p:nvPicPr>
-          <p:cNvPr id="31" name="Picture Placeholder 30" descr="Magnifying glass">
-            <a:extLst>
-              <a:ext uri="{FF2B5EF4-FFF2-40B4-BE49-F238E27FC236}">
-                <a16:creationId xmlns:a16="http://schemas.microsoft.com/office/drawing/2014/main" id="{089E8AB6-C16E-4752-810F-8F98DB929DB5}"/>
-              </a:ext>
-            </a:extLst>
-          </p:cNvPr>
-          <p:cNvPicPr>
-            <a:picLocks noGrp="1" noChangeAspect="1"/>
-          </p:cNvPicPr>
-          <p:nvPr>
-            <p:ph type="pic" sz="quarter" idx="16"/>
-          </p:nvPr>
-        </p:nvPicPr>
-        <p:blipFill>
-          <a:blip r:embed="rId8">
-            <a:extLst>
-              <a:ext uri="{28A0092B-C50C-407E-A947-70E740481C1C}">
-                <a14:useLocalDpi xmlns:a14="http://schemas.microsoft.com/office/drawing/2010/main"/>
-              </a:ext>
-              <a:ext uri="{96DAC541-7B7A-43D3-8B79-37D633B846F1}">
-                <asvg:svgBlip xmlns:asvg="http://schemas.microsoft.com/office/drawing/2016/SVG/main" r:embed="rId9"/>
-              </a:ext>
-            </a:extLst>
-          </a:blip>
-          <a:srcRect/>
-          <a:stretch>
-            <a:fillRect/>
-          </a:stretch>
-        </p:blipFill>
-        <p:spPr/>
-      </p:pic>
-      <p:sp>
-        <p:nvSpPr>
-          <p:cNvPr id="22" name="Text Placeholder 21">
-            <a:extLst>
-              <a:ext uri="{FF2B5EF4-FFF2-40B4-BE49-F238E27FC236}">
-                <a16:creationId xmlns:a16="http://schemas.microsoft.com/office/drawing/2014/main" id="{78CACAF1-61EA-4605-A8FE-2EEE752B49FF}"/>
-              </a:ext>
-            </a:extLst>
-          </p:cNvPr>
-          <p:cNvSpPr>
-            <a:spLocks noGrp="1"/>
-          </p:cNvSpPr>
-          <p:nvPr>
-            <p:ph type="body" sz="quarter" idx="21"/>
-          </p:nvPr>
-        </p:nvSpPr>
-        <p:spPr/>
-        <p:txBody>
-          <a:bodyPr/>
-          <a:lstStyle/>
-          <a:p>
-            <a:r>
-              <a:rPr lang="en-US" dirty="0"/>
-              <a:t>Caption04 appears here</a:t>
-            </a:r>
-          </a:p>
-        </p:txBody>
-      </p:sp>
-      <p:pic>
-        <p:nvPicPr>
-          <p:cNvPr id="33" name="Picture Placeholder 32" descr="Head with Gears">
-            <a:extLst>
-              <a:ext uri="{FF2B5EF4-FFF2-40B4-BE49-F238E27FC236}">
-                <a16:creationId xmlns:a16="http://schemas.microsoft.com/office/drawing/2014/main" id="{CC9DBBE5-5AD0-41E8-A719-84509E5D9F9E}"/>
-              </a:ext>
-            </a:extLst>
-          </p:cNvPr>
-          <p:cNvPicPr>
-            <a:picLocks noGrp="1" noChangeAspect="1"/>
-          </p:cNvPicPr>
-          <p:nvPr>
-            <p:ph type="pic" sz="quarter" idx="17"/>
-          </p:nvPr>
-        </p:nvPicPr>
-        <p:blipFill>
-          <a:blip r:embed="rId10">
-            <a:extLst>
-              <a:ext uri="{28A0092B-C50C-407E-A947-70E740481C1C}">
-                <a14:useLocalDpi xmlns:a14="http://schemas.microsoft.com/office/drawing/2010/main"/>
-              </a:ext>
-              <a:ext uri="{96DAC541-7B7A-43D3-8B79-37D633B846F1}">
-                <asvg:svgBlip xmlns:asvg="http://schemas.microsoft.com/office/drawing/2016/SVG/main" r:embed="rId11"/>
-              </a:ext>
-            </a:extLst>
-          </a:blip>
-          <a:srcRect t="63" b="63"/>
-          <a:stretch>
-            <a:fillRect/>
-          </a:stretch>
-        </p:blipFill>
-        <p:spPr/>
-      </p:pic>
-      <p:sp>
-        <p:nvSpPr>
-          <p:cNvPr id="23" name="Text Placeholder 22">
-            <a:extLst>
-              <a:ext uri="{FF2B5EF4-FFF2-40B4-BE49-F238E27FC236}">
-                <a16:creationId xmlns:a16="http://schemas.microsoft.com/office/drawing/2014/main" id="{8D05A34F-7712-46DB-AB5B-272E294B62EE}"/>
-              </a:ext>
-            </a:extLst>
-          </p:cNvPr>
-          <p:cNvSpPr>
-            <a:spLocks noGrp="1"/>
-          </p:cNvSpPr>
-          <p:nvPr>
-            <p:ph type="body" sz="quarter" idx="22"/>
-          </p:nvPr>
-        </p:nvSpPr>
-        <p:spPr/>
-        <p:txBody>
-          <a:bodyPr/>
-          <a:lstStyle/>
-          <a:p>
-            <a:r>
-              <a:rPr lang="en-US" dirty="0"/>
-              <a:t>Caption05 appears here</a:t>
-            </a:r>
-          </a:p>
-        </p:txBody>
-      </p:sp>
-      <p:sp>
-        <p:nvSpPr>
-          <p:cNvPr id="2" name="Slide Number Placeholder 1">
-            <a:extLst>
-              <a:ext uri="{FF2B5EF4-FFF2-40B4-BE49-F238E27FC236}">
-                <a16:creationId xmlns:a16="http://schemas.microsoft.com/office/drawing/2014/main" id="{CC1F11E7-EDE5-4119-BA64-4FC57C285D19}"/>
-              </a:ext>
-            </a:extLst>
-          </p:cNvPr>
-          <p:cNvSpPr>
-            <a:spLocks noGrp="1"/>
-          </p:cNvSpPr>
-          <p:nvPr>
-            <p:ph type="sldNum" sz="quarter" idx="12"/>
-          </p:nvPr>
-        </p:nvSpPr>
-        <p:spPr/>
-        <p:txBody>
-          <a:bodyPr/>
-          <a:lstStyle/>
-          <a:p>
-            <a:fld id="{C263D6C4-4840-40CC-AC84-17E24B3B7BDE}" type="slidenum">
-              <a:rPr lang="en-US" smtClean="0"/>
-              <a:pPr/>
-              <a:t>24</a:t>
-            </a:fld>
-            <a:endParaRPr lang="en-US" dirty="0"/>
-          </a:p>
-        </p:txBody>
-      </p:sp>
-    </p:spTree>
-    <p:extLst>
-      <p:ext uri="{BB962C8B-B14F-4D97-AF65-F5344CB8AC3E}">
-        <p14:creationId xmlns:p14="http://schemas.microsoft.com/office/powerpoint/2010/main" val="3892131414"/>
-      </p:ext>
-    </p:extLst>
-  </p:cSld>
-  <p:clrMapOvr>
-    <a:masterClrMapping/>
-  </p:clrMapOvr>
-  <mc:AlternateContent xmlns:mc="http://schemas.openxmlformats.org/markup-compatibility/2006" xmlns:p14="http://schemas.microsoft.com/office/powerpoint/2010/main">
-    <mc:Choice Requires="p14">
-      <p:transition spd="med" p14:dur="700">
-        <p:fade/>
-      </p:transition>
-    </mc:Choice>
-    <mc:Fallback xmlns="">
-      <p:transition spd="med">
-        <p:fade/>
-      </p:transition>
-    </mc:Fallback>
-  </mc:AlternateContent>
-</p:sld>
-</file>
-
-<file path=ppt/slides/slide25.xml><?xml version="1.0" encoding="utf-8"?>
-<p:sld xmlns:a="http://schemas.openxmlformats.org/drawingml/2006/main" xmlns:r="http://schemas.openxmlformats.org/officeDocument/2006/relationships" xmlns:p="http://schemas.openxmlformats.org/presentationml/2006/main">
-  <p:cSld>
-    <p:spTree>
-      <p:nvGrpSpPr>
-        <p:cNvPr id="1" name=""/>
-        <p:cNvGrpSpPr/>
-        <p:nvPr/>
-      </p:nvGrpSpPr>
-      <p:grpSpPr>
-        <a:xfrm>
-          <a:off x="0" y="0"/>
-          <a:ext cx="0" cy="0"/>
-          <a:chOff x="0" y="0"/>
-          <a:chExt cx="0" cy="0"/>
-        </a:xfrm>
-      </p:grpSpPr>
-      <p:sp>
-        <p:nvSpPr>
-          <p:cNvPr id="4" name="Title 3">
-            <a:extLst>
-              <a:ext uri="{FF2B5EF4-FFF2-40B4-BE49-F238E27FC236}">
-                <a16:creationId xmlns:a16="http://schemas.microsoft.com/office/drawing/2014/main" id="{315E3981-F0D7-482C-A8E0-6A57700BECA7}"/>
-              </a:ext>
-            </a:extLst>
-          </p:cNvPr>
-          <p:cNvSpPr>
-            <a:spLocks noGrp="1"/>
-          </p:cNvSpPr>
-          <p:nvPr>
-            <p:ph type="title"/>
-          </p:nvPr>
-        </p:nvSpPr>
-        <p:spPr/>
-        <p:txBody>
-          <a:bodyPr/>
-          <a:lstStyle/>
-          <a:p>
-            <a:r>
-              <a:rPr lang="en-US" dirty="0"/>
-              <a:t>Content Title 03</a:t>
-            </a:r>
-          </a:p>
-        </p:txBody>
-      </p:sp>
-      <p:pic>
-        <p:nvPicPr>
-          <p:cNvPr id="20" name="Picture Placeholder 19" descr="Triangular pattern design with dimension">
-            <a:extLst>
-              <a:ext uri="{FF2B5EF4-FFF2-40B4-BE49-F238E27FC236}">
-                <a16:creationId xmlns:a16="http://schemas.microsoft.com/office/drawing/2014/main" id="{3DCA2B8E-64D3-7645-8DEB-688ED5756F52}"/>
-              </a:ext>
-            </a:extLst>
-          </p:cNvPr>
-          <p:cNvPicPr>
-            <a:picLocks noGrp="1" noChangeAspect="1"/>
-          </p:cNvPicPr>
-          <p:nvPr>
-            <p:ph type="pic" sz="quarter" idx="19"/>
-          </p:nvPr>
-        </p:nvPicPr>
-        <p:blipFill>
-          <a:blip r:embed="rId2">
-            <a:extLst>
-              <a:ext uri="{28A0092B-C50C-407E-A947-70E740481C1C}">
-                <a14:useLocalDpi xmlns:a14="http://schemas.microsoft.com/office/drawing/2010/main" val="0"/>
-              </a:ext>
-            </a:extLst>
-          </a:blip>
-          <a:srcRect/>
-          <a:stretch>
-            <a:fillRect/>
-          </a:stretch>
-        </p:blipFill>
-        <p:spPr/>
-      </p:pic>
-      <p:sp>
-        <p:nvSpPr>
-          <p:cNvPr id="19" name="Text Placeholder 18">
-            <a:extLst>
-              <a:ext uri="{FF2B5EF4-FFF2-40B4-BE49-F238E27FC236}">
-                <a16:creationId xmlns:a16="http://schemas.microsoft.com/office/drawing/2014/main" id="{782206B1-586F-4254-9B36-D06C4E294ACF}"/>
-              </a:ext>
-            </a:extLst>
-          </p:cNvPr>
-          <p:cNvSpPr>
-            <a:spLocks noGrp="1"/>
-          </p:cNvSpPr>
-          <p:nvPr>
-            <p:ph type="body" sz="quarter" idx="18"/>
-          </p:nvPr>
-        </p:nvSpPr>
-        <p:spPr/>
-        <p:txBody>
-          <a:bodyPr/>
-          <a:lstStyle/>
-          <a:p>
-            <a:r>
-              <a:rPr lang="en-US" dirty="0"/>
-              <a:t>Caption01 appears here</a:t>
-            </a:r>
-          </a:p>
-        </p:txBody>
-      </p:sp>
-      <p:sp>
-        <p:nvSpPr>
-          <p:cNvPr id="21" name="Text Placeholder 20">
-            <a:extLst>
-              <a:ext uri="{FF2B5EF4-FFF2-40B4-BE49-F238E27FC236}">
-                <a16:creationId xmlns:a16="http://schemas.microsoft.com/office/drawing/2014/main" id="{1B8F0371-4F69-4131-91BF-9AB99E6EE89B}"/>
-              </a:ext>
-            </a:extLst>
-          </p:cNvPr>
-          <p:cNvSpPr>
-            <a:spLocks noGrp="1"/>
-          </p:cNvSpPr>
-          <p:nvPr>
-            <p:ph type="body" sz="quarter" idx="20"/>
-          </p:nvPr>
-        </p:nvSpPr>
-        <p:spPr/>
-        <p:txBody>
-          <a:bodyPr/>
-          <a:lstStyle/>
-          <a:p>
-            <a:r>
-              <a:rPr lang="en-US" dirty="0"/>
-              <a:t>Caption03 appears here</a:t>
-            </a:r>
-          </a:p>
-        </p:txBody>
-      </p:sp>
-      <p:sp>
-        <p:nvSpPr>
-          <p:cNvPr id="22" name="Text Placeholder 21">
-            <a:extLst>
-              <a:ext uri="{FF2B5EF4-FFF2-40B4-BE49-F238E27FC236}">
-                <a16:creationId xmlns:a16="http://schemas.microsoft.com/office/drawing/2014/main" id="{78CACAF1-61EA-4605-A8FE-2EEE752B49FF}"/>
-              </a:ext>
-            </a:extLst>
-          </p:cNvPr>
-          <p:cNvSpPr>
-            <a:spLocks noGrp="1"/>
-          </p:cNvSpPr>
-          <p:nvPr>
-            <p:ph type="body" sz="quarter" idx="21"/>
-          </p:nvPr>
-        </p:nvSpPr>
-        <p:spPr/>
-        <p:txBody>
-          <a:bodyPr/>
-          <a:lstStyle/>
-          <a:p>
-            <a:r>
-              <a:rPr lang="en-US" dirty="0"/>
-              <a:t>Caption04 appears here</a:t>
-            </a:r>
-          </a:p>
-        </p:txBody>
-      </p:sp>
-      <p:sp>
-        <p:nvSpPr>
-          <p:cNvPr id="2" name="Slide Number Placeholder 1">
-            <a:extLst>
-              <a:ext uri="{FF2B5EF4-FFF2-40B4-BE49-F238E27FC236}">
-                <a16:creationId xmlns:a16="http://schemas.microsoft.com/office/drawing/2014/main" id="{2F478C69-0A1D-45FF-8600-ED903803FFE1}"/>
-              </a:ext>
-            </a:extLst>
-          </p:cNvPr>
-          <p:cNvSpPr>
-            <a:spLocks noGrp="1"/>
-          </p:cNvSpPr>
-          <p:nvPr>
-            <p:ph type="sldNum" sz="quarter" idx="12"/>
-          </p:nvPr>
-        </p:nvSpPr>
-        <p:spPr/>
-        <p:txBody>
-          <a:bodyPr/>
-          <a:lstStyle/>
-          <a:p>
-            <a:fld id="{C263D6C4-4840-40CC-AC84-17E24B3B7BDE}" type="slidenum">
-              <a:rPr lang="en-US" smtClean="0"/>
-              <a:pPr/>
-              <a:t>25</a:t>
-            </a:fld>
-            <a:endParaRPr lang="en-US" dirty="0"/>
-          </a:p>
-        </p:txBody>
-      </p:sp>
-    </p:spTree>
-    <p:extLst>
-      <p:ext uri="{BB962C8B-B14F-4D97-AF65-F5344CB8AC3E}">
-        <p14:creationId xmlns:p14="http://schemas.microsoft.com/office/powerpoint/2010/main" val="451187730"/>
-      </p:ext>
-    </p:extLst>
-  </p:cSld>
-  <p:clrMapOvr>
-    <a:masterClrMapping/>
-  </p:clrMapOvr>
-  <mc:AlternateContent xmlns:mc="http://schemas.openxmlformats.org/markup-compatibility/2006" xmlns:p14="http://schemas.microsoft.com/office/powerpoint/2010/main">
-    <mc:Choice Requires="p14">
-      <p:transition spd="med" p14:dur="700">
-        <p:fade/>
-      </p:transition>
-    </mc:Choice>
-    <mc:Fallback xmlns="">
-      <p:transition spd="med">
-        <p:fade/>
-      </p:transition>
-    </mc:Fallback>
-  </mc:AlternateContent>
-</p:sld>
-</file>
-
-<file path=ppt/slides/slide26.xml><?xml version="1.0" encoding="utf-8"?>
-<p:sld xmlns:a="http://schemas.openxmlformats.org/drawingml/2006/main" xmlns:r="http://schemas.openxmlformats.org/officeDocument/2006/relationships" xmlns:p="http://schemas.openxmlformats.org/presentationml/2006/main">
-  <p:cSld>
-    <p:spTree>
-      <p:nvGrpSpPr>
-        <p:cNvPr id="1" name=""/>
-        <p:cNvGrpSpPr/>
-        <p:nvPr/>
-      </p:nvGrpSpPr>
-      <p:grpSpPr>
-        <a:xfrm>
-          <a:off x="0" y="0"/>
-          <a:ext cx="0" cy="0"/>
-          <a:chOff x="0" y="0"/>
-          <a:chExt cx="0" cy="0"/>
-        </a:xfrm>
-      </p:grpSpPr>
-      <p:sp>
-        <p:nvSpPr>
-          <p:cNvPr id="4" name="Title 3">
-            <a:extLst>
-              <a:ext uri="{FF2B5EF4-FFF2-40B4-BE49-F238E27FC236}">
-                <a16:creationId xmlns:a16="http://schemas.microsoft.com/office/drawing/2014/main" id="{315E3981-F0D7-482C-A8E0-6A57700BECA7}"/>
-              </a:ext>
-            </a:extLst>
-          </p:cNvPr>
-          <p:cNvSpPr>
-            <a:spLocks noGrp="1"/>
-          </p:cNvSpPr>
-          <p:nvPr>
-            <p:ph type="title"/>
-          </p:nvPr>
-        </p:nvSpPr>
-        <p:spPr/>
-        <p:txBody>
-          <a:bodyPr/>
-          <a:lstStyle/>
-          <a:p>
-            <a:r>
-              <a:rPr lang="en-US" dirty="0"/>
-              <a:t>Content Title 04</a:t>
-            </a:r>
-          </a:p>
-        </p:txBody>
-      </p:sp>
-      <p:pic>
-        <p:nvPicPr>
-          <p:cNvPr id="8" name="Picture Placeholder 7" descr="Triangular pattern design with dimension">
-            <a:extLst>
-              <a:ext uri="{FF2B5EF4-FFF2-40B4-BE49-F238E27FC236}">
-                <a16:creationId xmlns:a16="http://schemas.microsoft.com/office/drawing/2014/main" id="{2301248D-7370-7643-9BE6-F8CDCFF4D460}"/>
-              </a:ext>
-            </a:extLst>
-          </p:cNvPr>
-          <p:cNvPicPr>
-            <a:picLocks noGrp="1" noChangeAspect="1"/>
-          </p:cNvPicPr>
-          <p:nvPr>
-            <p:ph type="pic" sz="quarter" idx="19"/>
-          </p:nvPr>
-        </p:nvPicPr>
-        <p:blipFill rotWithShape="1">
-          <a:blip r:embed="rId2">
-            <a:extLst>
-              <a:ext uri="{28A0092B-C50C-407E-A947-70E740481C1C}">
-                <a14:useLocalDpi xmlns:a14="http://schemas.microsoft.com/office/drawing/2010/main" val="0"/>
-              </a:ext>
-            </a:extLst>
-          </a:blip>
-          <a:srcRect/>
-          <a:stretch/>
-        </p:blipFill>
-        <p:spPr>
-          <a:xfrm>
-            <a:off x="-2" y="1352575"/>
-            <a:ext cx="12192002" cy="2289897"/>
-          </a:xfrm>
-        </p:spPr>
-      </p:pic>
-      <p:sp>
-        <p:nvSpPr>
-          <p:cNvPr id="19" name="Text Placeholder 18">
-            <a:extLst>
-              <a:ext uri="{FF2B5EF4-FFF2-40B4-BE49-F238E27FC236}">
-                <a16:creationId xmlns:a16="http://schemas.microsoft.com/office/drawing/2014/main" id="{782206B1-586F-4254-9B36-D06C4E294ACF}"/>
-              </a:ext>
-            </a:extLst>
-          </p:cNvPr>
-          <p:cNvSpPr>
-            <a:spLocks noGrp="1"/>
-          </p:cNvSpPr>
-          <p:nvPr>
-            <p:ph type="body" sz="quarter" idx="18"/>
-          </p:nvPr>
-        </p:nvSpPr>
-        <p:spPr/>
-        <p:txBody>
-          <a:bodyPr/>
-          <a:lstStyle/>
-          <a:p>
-            <a:r>
-              <a:rPr lang="en-US" dirty="0"/>
-              <a:t>Lorem ipsum dolor sit amet, consectetuer adipiscing elit. Maecenas porttitor congue massa. Fusce posuere, magna sed pulvinar ultricies, purus lectus malesuada libero, sit amet commodo magna eros quis urna. Nunc viverra imperdiet enim. Fusce est. Vivamus a tellus.</a:t>
-            </a:r>
-          </a:p>
-          <a:p>
-            <a:r>
-              <a:rPr lang="en-US" dirty="0"/>
-              <a:t>Pellentesque habitant morbi tristique senectus et netus et malesuada fames ac turpis egestas. Proin pharetra nonummy pede. Mauris et orci.</a:t>
-            </a:r>
-          </a:p>
-        </p:txBody>
-      </p:sp>
-      <p:sp>
-        <p:nvSpPr>
-          <p:cNvPr id="2" name="Slide Number Placeholder 1">
-            <a:extLst>
-              <a:ext uri="{FF2B5EF4-FFF2-40B4-BE49-F238E27FC236}">
-                <a16:creationId xmlns:a16="http://schemas.microsoft.com/office/drawing/2014/main" id="{FAC2D367-2A6E-41FE-A9EA-24FF17BCAA97}"/>
-              </a:ext>
-            </a:extLst>
-          </p:cNvPr>
-          <p:cNvSpPr>
-            <a:spLocks noGrp="1"/>
-          </p:cNvSpPr>
-          <p:nvPr>
-            <p:ph type="sldNum" sz="quarter" idx="12"/>
-          </p:nvPr>
-        </p:nvSpPr>
-        <p:spPr/>
-        <p:txBody>
-          <a:bodyPr/>
-          <a:lstStyle/>
-          <a:p>
-            <a:fld id="{C263D6C4-4840-40CC-AC84-17E24B3B7BDE}" type="slidenum">
-              <a:rPr lang="en-US" smtClean="0"/>
-              <a:pPr/>
-              <a:t>26</a:t>
-            </a:fld>
-            <a:endParaRPr lang="en-US" dirty="0"/>
-          </a:p>
-        </p:txBody>
-      </p:sp>
-    </p:spTree>
-    <p:extLst>
-      <p:ext uri="{BB962C8B-B14F-4D97-AF65-F5344CB8AC3E}">
-        <p14:creationId xmlns:p14="http://schemas.microsoft.com/office/powerpoint/2010/main" val="663103393"/>
-      </p:ext>
-    </p:extLst>
-  </p:cSld>
-  <p:clrMapOvr>
-    <a:masterClrMapping/>
-  </p:clrMapOvr>
-  <mc:AlternateContent xmlns:mc="http://schemas.openxmlformats.org/markup-compatibility/2006" xmlns:p14="http://schemas.microsoft.com/office/powerpoint/2010/main">
-    <mc:Choice Requires="p14">
-      <p:transition spd="med" p14:dur="700">
-        <p:fade/>
-      </p:transition>
-    </mc:Choice>
-    <mc:Fallback xmlns="">
-      <p:transition spd="med">
-        <p:fade/>
-      </p:transition>
-    </mc:Fallback>
-  </mc:AlternateContent>
-</p:sld>
-</file>
-
-<file path=ppt/slides/slide27.xml><?xml version="1.0" encoding="utf-8"?>
-<p:sld xmlns:a="http://schemas.openxmlformats.org/drawingml/2006/main" xmlns:r="http://schemas.openxmlformats.org/officeDocument/2006/relationships" xmlns:p="http://schemas.openxmlformats.org/presentationml/2006/main">
-  <p:cSld>
-    <p:spTree>
-      <p:nvGrpSpPr>
-        <p:cNvPr id="1" name=""/>
-        <p:cNvGrpSpPr/>
-        <p:nvPr/>
-      </p:nvGrpSpPr>
-      <p:grpSpPr>
-        <a:xfrm>
-          <a:off x="0" y="0"/>
-          <a:ext cx="0" cy="0"/>
-          <a:chOff x="0" y="0"/>
-          <a:chExt cx="0" cy="0"/>
-        </a:xfrm>
-      </p:grpSpPr>
-      <p:sp>
-        <p:nvSpPr>
-          <p:cNvPr id="5" name="Title 4">
-            <a:extLst>
-              <a:ext uri="{FF2B5EF4-FFF2-40B4-BE49-F238E27FC236}">
-                <a16:creationId xmlns:a16="http://schemas.microsoft.com/office/drawing/2014/main" id="{201323FB-427E-4A8D-B473-AB0657D8D23B}"/>
-              </a:ext>
-            </a:extLst>
-          </p:cNvPr>
-          <p:cNvSpPr>
-            <a:spLocks noGrp="1"/>
-          </p:cNvSpPr>
-          <p:nvPr>
-            <p:ph type="title"/>
-          </p:nvPr>
-        </p:nvSpPr>
-        <p:spPr/>
-        <p:txBody>
-          <a:bodyPr/>
-          <a:lstStyle/>
-          <a:p>
-            <a:r>
-              <a:rPr lang="en-US" dirty="0"/>
-              <a:t>Table</a:t>
-            </a:r>
-          </a:p>
-        </p:txBody>
-      </p:sp>
-      <p:graphicFrame>
-        <p:nvGraphicFramePr>
-          <p:cNvPr id="6" name="Table 5">
-            <a:extLst>
-              <a:ext uri="{FF2B5EF4-FFF2-40B4-BE49-F238E27FC236}">
-                <a16:creationId xmlns:a16="http://schemas.microsoft.com/office/drawing/2014/main" id="{E8EEB296-8554-4D20-B3B8-C0BBC380A58D}"/>
-              </a:ext>
-            </a:extLst>
-          </p:cNvPr>
-          <p:cNvGraphicFramePr>
-            <a:graphicFrameLocks noGrp="1"/>
-          </p:cNvGraphicFramePr>
-          <p:nvPr>
-            <p:extLst>
-              <p:ext uri="{D42A27DB-BD31-4B8C-83A1-F6EECF244321}">
-                <p14:modId xmlns:p14="http://schemas.microsoft.com/office/powerpoint/2010/main" val="2357960289"/>
-              </p:ext>
-            </p:extLst>
-          </p:nvPr>
-        </p:nvGraphicFramePr>
-        <p:xfrm>
-          <a:off x="1130300" y="1856740"/>
-          <a:ext cx="9931400" cy="3931920"/>
-        </p:xfrm>
-        <a:graphic>
-          <a:graphicData uri="http://schemas.openxmlformats.org/drawingml/2006/table">
-            <a:tbl>
-              <a:tblPr firstRow="1" bandRow="1">
-                <a:tableStyleId>{5C22544A-7EE6-4342-B048-85BDC9FD1C3A}</a:tableStyleId>
-              </a:tblPr>
-              <a:tblGrid>
-                <a:gridCol w="2482850">
-                  <a:extLst>
-                    <a:ext uri="{9D8B030D-6E8A-4147-A177-3AD203B41FA5}">
-                      <a16:colId xmlns:a16="http://schemas.microsoft.com/office/drawing/2014/main" val="3559833401"/>
-                    </a:ext>
-                  </a:extLst>
-                </a:gridCol>
-                <a:gridCol w="2482850">
-                  <a:extLst>
-                    <a:ext uri="{9D8B030D-6E8A-4147-A177-3AD203B41FA5}">
-                      <a16:colId xmlns:a16="http://schemas.microsoft.com/office/drawing/2014/main" val="82523989"/>
-                    </a:ext>
-                  </a:extLst>
-                </a:gridCol>
-                <a:gridCol w="2482850">
-                  <a:extLst>
-                    <a:ext uri="{9D8B030D-6E8A-4147-A177-3AD203B41FA5}">
-                      <a16:colId xmlns:a16="http://schemas.microsoft.com/office/drawing/2014/main" val="3211310719"/>
-                    </a:ext>
-                  </a:extLst>
-                </a:gridCol>
-                <a:gridCol w="2482850">
-                  <a:extLst>
-                    <a:ext uri="{9D8B030D-6E8A-4147-A177-3AD203B41FA5}">
-                      <a16:colId xmlns:a16="http://schemas.microsoft.com/office/drawing/2014/main" val="4160613981"/>
-                    </a:ext>
-                  </a:extLst>
-                </a:gridCol>
-              </a:tblGrid>
-              <a:tr h="640080">
-                <a:tc>
-                  <a:txBody>
-                    <a:bodyPr/>
-                    <a:lstStyle/>
-                    <a:p>
-                      <a:pPr algn="ctr"/>
-                      <a:r>
-                        <a:rPr lang="en-US" sz="1600" b="0" dirty="0">
-                          <a:latin typeface="+mn-lt"/>
-                          <a:cs typeface="Arial" panose="020B0604020202020204" pitchFamily="34" charset="0"/>
-                        </a:rPr>
-                        <a:t>Title</a:t>
-                      </a:r>
-                      <a:endParaRPr lang="en-GB" sz="1600" b="0" dirty="0">
-                        <a:latin typeface="+mn-lt"/>
-                        <a:cs typeface="Arial" panose="020B0604020202020204" pitchFamily="34" charset="0"/>
-                      </a:endParaRPr>
-                    </a:p>
-                  </a:txBody>
-                  <a:tcPr anchor="ctr">
-                    <a:lnL w="12700" cap="flat" cmpd="sng" algn="ctr">
-                      <a:noFill/>
-                      <a:prstDash val="solid"/>
-                      <a:round/>
-                      <a:headEnd type="none" w="med" len="med"/>
-                      <a:tailEnd type="none" w="med" len="med"/>
-                    </a:lnL>
-                    <a:lnR w="12700" cap="flat" cmpd="sng" algn="ctr">
-                      <a:solidFill>
-                        <a:schemeClr val="accent2">
-                          <a:lumMod val="75000"/>
-                        </a:schemeClr>
-                      </a:solidFill>
-                      <a:prstDash val="solid"/>
-                      <a:round/>
-                      <a:headEnd type="none" w="med" len="med"/>
-                      <a:tailEnd type="none" w="med" len="med"/>
-                    </a:lnR>
-                    <a:lnT w="38100" cap="flat" cmpd="sng" algn="ctr">
-                      <a:solidFill>
-                        <a:schemeClr val="accent2">
-                          <a:lumMod val="75000"/>
-                        </a:schemeClr>
-                      </a:solidFill>
-                      <a:prstDash val="solid"/>
-                      <a:round/>
-                      <a:headEnd type="none" w="med" len="med"/>
-                      <a:tailEnd type="none" w="med" len="med"/>
-                    </a:lnT>
-                    <a:lnB w="38100" cap="flat" cmpd="sng" algn="ctr">
-                      <a:solidFill>
-                        <a:schemeClr val="accent2">
-                          <a:lumMod val="75000"/>
-                        </a:schemeClr>
-                      </a:solidFill>
-                      <a:prstDash val="solid"/>
-                      <a:round/>
-                      <a:headEnd type="none" w="med" len="med"/>
-                      <a:tailEnd type="none" w="med" len="med"/>
-                    </a:lnB>
-                    <a:lnTlToBr w="12700" cmpd="sng">
-                      <a:noFill/>
-                      <a:prstDash val="solid"/>
-                    </a:lnTlToBr>
-                    <a:lnBlToTr w="12700" cmpd="sng">
-                      <a:noFill/>
-                      <a:prstDash val="solid"/>
-                    </a:lnBlToTr>
-                    <a:noFill/>
-                  </a:tcPr>
-                </a:tc>
-                <a:tc>
-                  <a:txBody>
-                    <a:bodyPr/>
-                    <a:lstStyle/>
-                    <a:p>
-                      <a:pPr marL="0" marR="0" lvl="0" indent="0" algn="ctr" defTabSz="914400" rtl="0" eaLnBrk="1" fontAlgn="auto" latinLnBrk="0" hangingPunct="1">
-                        <a:lnSpc>
-                          <a:spcPct val="100000"/>
-                        </a:lnSpc>
-                        <a:spcBef>
-                          <a:spcPts val="0"/>
-                        </a:spcBef>
-                        <a:spcAft>
-                          <a:spcPts val="0"/>
-                        </a:spcAft>
-                        <a:buClrTx/>
-                        <a:buSzTx/>
-                        <a:buFontTx/>
-                        <a:buNone/>
-                        <a:tabLst/>
-                        <a:defRPr/>
-                      </a:pPr>
-                      <a:r>
-                        <a:rPr lang="en-US" sz="1600" b="0" dirty="0">
-                          <a:latin typeface="+mn-lt"/>
-                          <a:cs typeface="Arial" panose="020B0604020202020204" pitchFamily="34" charset="0"/>
-                        </a:rPr>
-                        <a:t>Title</a:t>
-                      </a:r>
-                      <a:endParaRPr lang="en-GB" sz="1600" b="0" dirty="0">
-                        <a:latin typeface="+mn-lt"/>
-                        <a:cs typeface="Arial" panose="020B0604020202020204" pitchFamily="34" charset="0"/>
-                      </a:endParaRPr>
-                    </a:p>
-                  </a:txBody>
-                  <a:tcPr anchor="ctr">
-                    <a:lnL w="12700" cap="flat" cmpd="sng" algn="ctr">
-                      <a:solidFill>
-                        <a:schemeClr val="accent2">
-                          <a:lumMod val="75000"/>
-                        </a:schemeClr>
-                      </a:solidFill>
-                      <a:prstDash val="solid"/>
-                      <a:round/>
-                      <a:headEnd type="none" w="med" len="med"/>
-                      <a:tailEnd type="none" w="med" len="med"/>
-                    </a:lnL>
-                    <a:lnR w="12700" cap="flat" cmpd="sng" algn="ctr">
-                      <a:solidFill>
-                        <a:schemeClr val="accent2">
-                          <a:lumMod val="75000"/>
-                        </a:schemeClr>
-                      </a:solidFill>
-                      <a:prstDash val="solid"/>
-                      <a:round/>
-                      <a:headEnd type="none" w="med" len="med"/>
-                      <a:tailEnd type="none" w="med" len="med"/>
-                    </a:lnR>
-                    <a:lnT w="38100" cap="flat" cmpd="sng" algn="ctr">
-                      <a:solidFill>
-                        <a:schemeClr val="accent2">
-                          <a:lumMod val="75000"/>
-                        </a:schemeClr>
-                      </a:solidFill>
-                      <a:prstDash val="solid"/>
-                      <a:round/>
-                      <a:headEnd type="none" w="med" len="med"/>
-                      <a:tailEnd type="none" w="med" len="med"/>
-                    </a:lnT>
-                    <a:lnB w="38100" cap="flat" cmpd="sng" algn="ctr">
-                      <a:solidFill>
-                        <a:schemeClr val="accent2">
-                          <a:lumMod val="75000"/>
-                        </a:schemeClr>
-                      </a:solidFill>
-                      <a:prstDash val="solid"/>
-                      <a:round/>
-                      <a:headEnd type="none" w="med" len="med"/>
-                      <a:tailEnd type="none" w="med" len="med"/>
-                    </a:lnB>
-                    <a:lnTlToBr w="12700" cmpd="sng">
-                      <a:noFill/>
-                      <a:prstDash val="solid"/>
-                    </a:lnTlToBr>
-                    <a:lnBlToTr w="12700" cmpd="sng">
-                      <a:noFill/>
-                      <a:prstDash val="solid"/>
-                    </a:lnBlToTr>
-                    <a:noFill/>
-                  </a:tcPr>
-                </a:tc>
-                <a:tc>
-                  <a:txBody>
-                    <a:bodyPr/>
-                    <a:lstStyle/>
-                    <a:p>
-                      <a:pPr marL="0" marR="0" lvl="0" indent="0" algn="ctr" defTabSz="914400" rtl="0" eaLnBrk="1" fontAlgn="auto" latinLnBrk="0" hangingPunct="1">
-                        <a:lnSpc>
-                          <a:spcPct val="100000"/>
-                        </a:lnSpc>
-                        <a:spcBef>
-                          <a:spcPts val="0"/>
-                        </a:spcBef>
-                        <a:spcAft>
-                          <a:spcPts val="0"/>
-                        </a:spcAft>
-                        <a:buClrTx/>
-                        <a:buSzTx/>
-                        <a:buFontTx/>
-                        <a:buNone/>
-                        <a:tabLst/>
-                        <a:defRPr/>
-                      </a:pPr>
-                      <a:r>
-                        <a:rPr lang="en-US" sz="1600" b="0" dirty="0">
-                          <a:latin typeface="+mn-lt"/>
-                          <a:cs typeface="Arial" panose="020B0604020202020204" pitchFamily="34" charset="0"/>
-                        </a:rPr>
-                        <a:t>Title</a:t>
-                      </a:r>
-                      <a:endParaRPr lang="en-GB" sz="1600" b="0" dirty="0">
-                        <a:latin typeface="+mn-lt"/>
-                        <a:cs typeface="Arial" panose="020B0604020202020204" pitchFamily="34" charset="0"/>
-                      </a:endParaRPr>
-                    </a:p>
-                  </a:txBody>
-                  <a:tcPr anchor="ctr">
-                    <a:lnL w="12700" cap="flat" cmpd="sng" algn="ctr">
-                      <a:solidFill>
-                        <a:schemeClr val="accent2">
-                          <a:lumMod val="75000"/>
-                        </a:schemeClr>
-                      </a:solidFill>
-                      <a:prstDash val="solid"/>
-                      <a:round/>
-                      <a:headEnd type="none" w="med" len="med"/>
-                      <a:tailEnd type="none" w="med" len="med"/>
-                    </a:lnL>
-                    <a:lnR w="12700" cap="flat" cmpd="sng" algn="ctr">
-                      <a:solidFill>
-                        <a:schemeClr val="accent2">
-                          <a:lumMod val="75000"/>
-                        </a:schemeClr>
-                      </a:solidFill>
-                      <a:prstDash val="solid"/>
-                      <a:round/>
-                      <a:headEnd type="none" w="med" len="med"/>
-                      <a:tailEnd type="none" w="med" len="med"/>
-                    </a:lnR>
-                    <a:lnT w="38100" cap="flat" cmpd="sng" algn="ctr">
-                      <a:solidFill>
-                        <a:schemeClr val="accent2">
-                          <a:lumMod val="75000"/>
-                        </a:schemeClr>
-                      </a:solidFill>
-                      <a:prstDash val="solid"/>
-                      <a:round/>
-                      <a:headEnd type="none" w="med" len="med"/>
-                      <a:tailEnd type="none" w="med" len="med"/>
-                    </a:lnT>
-                    <a:lnB w="38100" cap="flat" cmpd="sng" algn="ctr">
-                      <a:solidFill>
-                        <a:schemeClr val="accent2">
-                          <a:lumMod val="75000"/>
-                        </a:schemeClr>
-                      </a:solidFill>
-                      <a:prstDash val="solid"/>
-                      <a:round/>
-                      <a:headEnd type="none" w="med" len="med"/>
-                      <a:tailEnd type="none" w="med" len="med"/>
-                    </a:lnB>
-                    <a:lnTlToBr w="12700" cmpd="sng">
-                      <a:noFill/>
-                      <a:prstDash val="solid"/>
-                    </a:lnTlToBr>
-                    <a:lnBlToTr w="12700" cmpd="sng">
-                      <a:noFill/>
-                      <a:prstDash val="solid"/>
-                    </a:lnBlToTr>
-                    <a:noFill/>
-                  </a:tcPr>
-                </a:tc>
-                <a:tc>
-                  <a:txBody>
-                    <a:bodyPr/>
-                    <a:lstStyle/>
-                    <a:p>
-                      <a:pPr marL="0" marR="0" lvl="0" indent="0" algn="ctr" defTabSz="914400" rtl="0" eaLnBrk="1" fontAlgn="auto" latinLnBrk="0" hangingPunct="1">
-                        <a:lnSpc>
-                          <a:spcPct val="100000"/>
-                        </a:lnSpc>
-                        <a:spcBef>
-                          <a:spcPts val="0"/>
-                        </a:spcBef>
-                        <a:spcAft>
-                          <a:spcPts val="0"/>
-                        </a:spcAft>
-                        <a:buClrTx/>
-                        <a:buSzTx/>
-                        <a:buFontTx/>
-                        <a:buNone/>
-                        <a:tabLst/>
-                        <a:defRPr/>
-                      </a:pPr>
-                      <a:r>
-                        <a:rPr lang="en-US" sz="1600" b="0" dirty="0">
-                          <a:latin typeface="+mn-lt"/>
-                          <a:cs typeface="Arial" panose="020B0604020202020204" pitchFamily="34" charset="0"/>
-                        </a:rPr>
-                        <a:t>Title</a:t>
-                      </a:r>
-                      <a:endParaRPr lang="en-GB" sz="1600" b="0" dirty="0">
-                        <a:latin typeface="+mn-lt"/>
-                        <a:cs typeface="Arial" panose="020B0604020202020204" pitchFamily="34" charset="0"/>
-                      </a:endParaRPr>
-                    </a:p>
-                  </a:txBody>
-                  <a:tcPr anchor="ctr">
-                    <a:lnL w="12700" cap="flat" cmpd="sng" algn="ctr">
-                      <a:solidFill>
-                        <a:schemeClr val="accent2">
-                          <a:lumMod val="75000"/>
-                        </a:schemeClr>
-                      </a:solidFill>
-                      <a:prstDash val="solid"/>
-                      <a:round/>
-                      <a:headEnd type="none" w="med" len="med"/>
-                      <a:tailEnd type="none" w="med" len="med"/>
-                    </a:lnL>
-                    <a:lnR w="12700" cap="flat" cmpd="sng" algn="ctr">
-                      <a:noFill/>
-                      <a:prstDash val="solid"/>
-                      <a:round/>
-                      <a:headEnd type="none" w="med" len="med"/>
-                      <a:tailEnd type="none" w="med" len="med"/>
-                    </a:lnR>
-                    <a:lnT w="38100" cap="flat" cmpd="sng" algn="ctr">
-                      <a:solidFill>
-                        <a:schemeClr val="accent2">
-                          <a:lumMod val="75000"/>
-                        </a:schemeClr>
-                      </a:solidFill>
-                      <a:prstDash val="solid"/>
-                      <a:round/>
-                      <a:headEnd type="none" w="med" len="med"/>
-                      <a:tailEnd type="none" w="med" len="med"/>
-                    </a:lnT>
-                    <a:lnB w="38100" cap="flat" cmpd="sng" algn="ctr">
-                      <a:solidFill>
-                        <a:schemeClr val="accent2">
-                          <a:lumMod val="75000"/>
-                        </a:schemeClr>
-                      </a:solidFill>
-                      <a:prstDash val="solid"/>
-                      <a:round/>
-                      <a:headEnd type="none" w="med" len="med"/>
-                      <a:tailEnd type="none" w="med" len="med"/>
-                    </a:lnB>
-                    <a:lnTlToBr w="12700" cmpd="sng">
-                      <a:noFill/>
-                      <a:prstDash val="solid"/>
-                    </a:lnTlToBr>
-                    <a:lnBlToTr w="12700" cmpd="sng">
-                      <a:noFill/>
-                      <a:prstDash val="solid"/>
-                    </a:lnBlToTr>
-                    <a:noFill/>
-                  </a:tcPr>
-                </a:tc>
-                <a:extLst>
-                  <a:ext uri="{0D108BD9-81ED-4DB2-BD59-A6C34878D82A}">
-                    <a16:rowId xmlns:a16="http://schemas.microsoft.com/office/drawing/2014/main" val="3766630617"/>
-                  </a:ext>
-                </a:extLst>
-              </a:tr>
-              <a:tr h="548640">
-                <a:tc>
-                  <a:txBody>
-                    <a:bodyPr/>
-                    <a:lstStyle/>
-                    <a:p>
-                      <a:endParaRPr lang="en-GB" sz="1400" dirty="0">
-                        <a:latin typeface="+mn-lt"/>
-                      </a:endParaRPr>
-                    </a:p>
-                  </a:txBody>
-                  <a:tcPr anchor="ctr">
-                    <a:lnL w="38100" cap="flat" cmpd="sng" algn="ctr">
-                      <a:noFill/>
-                      <a:prstDash val="solid"/>
-                      <a:round/>
-                      <a:headEnd type="none" w="med" len="med"/>
-                      <a:tailEnd type="none" w="med" len="med"/>
-                    </a:lnL>
-                    <a:lnR w="12700" cap="flat" cmpd="sng" algn="ctr">
-                      <a:solidFill>
-                        <a:schemeClr val="accent2">
-                          <a:lumMod val="75000"/>
-                        </a:schemeClr>
-                      </a:solidFill>
-                      <a:prstDash val="solid"/>
-                      <a:round/>
-                      <a:headEnd type="none" w="med" len="med"/>
-                      <a:tailEnd type="none" w="med" len="med"/>
-                    </a:lnR>
-                    <a:lnT w="38100" cap="flat" cmpd="sng" algn="ctr">
-                      <a:solidFill>
-                        <a:schemeClr val="accent2">
-                          <a:lumMod val="75000"/>
-                        </a:schemeClr>
-                      </a:solidFill>
-                      <a:prstDash val="solid"/>
-                      <a:round/>
-                      <a:headEnd type="none" w="med" len="med"/>
-                      <a:tailEnd type="none" w="med" len="med"/>
-                    </a:lnT>
-                    <a:lnB w="12700" cap="flat" cmpd="sng" algn="ctr">
-                      <a:solidFill>
-                        <a:schemeClr val="accent2">
-                          <a:lumMod val="75000"/>
-                        </a:schemeClr>
-                      </a:solidFill>
-                      <a:prstDash val="solid"/>
-                      <a:round/>
-                      <a:headEnd type="none" w="med" len="med"/>
-                      <a:tailEnd type="none" w="med" len="med"/>
-                    </a:lnB>
-                    <a:noFill/>
-                  </a:tcPr>
-                </a:tc>
-                <a:tc>
-                  <a:txBody>
-                    <a:bodyPr/>
-                    <a:lstStyle/>
-                    <a:p>
-                      <a:endParaRPr lang="en-GB" sz="1400" dirty="0">
-                        <a:latin typeface="+mn-lt"/>
-                      </a:endParaRPr>
-                    </a:p>
-                  </a:txBody>
-                  <a:tcPr anchor="ctr">
-                    <a:lnL w="12700" cap="flat" cmpd="sng" algn="ctr">
-                      <a:solidFill>
-                        <a:schemeClr val="accent2">
-                          <a:lumMod val="75000"/>
-                        </a:schemeClr>
-                      </a:solidFill>
-                      <a:prstDash val="solid"/>
-                      <a:round/>
-                      <a:headEnd type="none" w="med" len="med"/>
-                      <a:tailEnd type="none" w="med" len="med"/>
-                    </a:lnL>
-                    <a:lnR w="12700" cap="flat" cmpd="sng" algn="ctr">
-                      <a:solidFill>
-                        <a:schemeClr val="accent2">
-                          <a:lumMod val="75000"/>
-                        </a:schemeClr>
-                      </a:solidFill>
-                      <a:prstDash val="solid"/>
-                      <a:round/>
-                      <a:headEnd type="none" w="med" len="med"/>
-                      <a:tailEnd type="none" w="med" len="med"/>
-                    </a:lnR>
-                    <a:lnT w="38100" cap="flat" cmpd="sng" algn="ctr">
-                      <a:solidFill>
-                        <a:schemeClr val="accent2">
-                          <a:lumMod val="75000"/>
-                        </a:schemeClr>
-                      </a:solidFill>
-                      <a:prstDash val="solid"/>
-                      <a:round/>
-                      <a:headEnd type="none" w="med" len="med"/>
-                      <a:tailEnd type="none" w="med" len="med"/>
-                    </a:lnT>
-                    <a:lnB w="12700" cap="flat" cmpd="sng" algn="ctr">
-                      <a:solidFill>
-                        <a:schemeClr val="accent2">
-                          <a:lumMod val="75000"/>
-                        </a:schemeClr>
-                      </a:solidFill>
-                      <a:prstDash val="solid"/>
-                      <a:round/>
-                      <a:headEnd type="none" w="med" len="med"/>
-                      <a:tailEnd type="none" w="med" len="med"/>
-                    </a:lnB>
-                    <a:noFill/>
-                  </a:tcPr>
-                </a:tc>
-                <a:tc>
-                  <a:txBody>
-                    <a:bodyPr/>
-                    <a:lstStyle/>
-                    <a:p>
-                      <a:endParaRPr lang="en-GB" sz="1400" dirty="0">
-                        <a:latin typeface="+mn-lt"/>
-                      </a:endParaRPr>
-                    </a:p>
-                  </a:txBody>
-                  <a:tcPr anchor="ctr">
-                    <a:lnL w="12700" cap="flat" cmpd="sng" algn="ctr">
-                      <a:solidFill>
-                        <a:schemeClr val="accent2">
-                          <a:lumMod val="75000"/>
-                        </a:schemeClr>
-                      </a:solidFill>
-                      <a:prstDash val="solid"/>
-                      <a:round/>
-                      <a:headEnd type="none" w="med" len="med"/>
-                      <a:tailEnd type="none" w="med" len="med"/>
-                    </a:lnL>
-                    <a:lnR w="12700" cap="flat" cmpd="sng" algn="ctr">
-                      <a:solidFill>
-                        <a:schemeClr val="accent2">
-                          <a:lumMod val="75000"/>
-                        </a:schemeClr>
-                      </a:solidFill>
-                      <a:prstDash val="solid"/>
-                      <a:round/>
-                      <a:headEnd type="none" w="med" len="med"/>
-                      <a:tailEnd type="none" w="med" len="med"/>
-                    </a:lnR>
-                    <a:lnT w="38100" cap="flat" cmpd="sng" algn="ctr">
-                      <a:solidFill>
-                        <a:schemeClr val="accent2">
-                          <a:lumMod val="75000"/>
-                        </a:schemeClr>
-                      </a:solidFill>
-                      <a:prstDash val="solid"/>
-                      <a:round/>
-                      <a:headEnd type="none" w="med" len="med"/>
-                      <a:tailEnd type="none" w="med" len="med"/>
-                    </a:lnT>
-                    <a:lnB w="12700" cap="flat" cmpd="sng" algn="ctr">
-                      <a:solidFill>
-                        <a:schemeClr val="accent2">
-                          <a:lumMod val="75000"/>
-                        </a:schemeClr>
-                      </a:solidFill>
-                      <a:prstDash val="solid"/>
-                      <a:round/>
-                      <a:headEnd type="none" w="med" len="med"/>
-                      <a:tailEnd type="none" w="med" len="med"/>
-                    </a:lnB>
-                    <a:noFill/>
-                  </a:tcPr>
-                </a:tc>
-                <a:tc>
-                  <a:txBody>
-                    <a:bodyPr/>
-                    <a:lstStyle/>
-                    <a:p>
-                      <a:endParaRPr lang="en-GB" sz="1400" dirty="0">
-                        <a:latin typeface="+mn-lt"/>
-                      </a:endParaRPr>
-                    </a:p>
-                  </a:txBody>
-                  <a:tcPr anchor="ctr">
-                    <a:lnL w="12700" cap="flat" cmpd="sng" algn="ctr">
-                      <a:solidFill>
-                        <a:schemeClr val="accent2">
-                          <a:lumMod val="75000"/>
-                        </a:schemeClr>
-                      </a:solidFill>
-                      <a:prstDash val="solid"/>
-                      <a:round/>
-                      <a:headEnd type="none" w="med" len="med"/>
-                      <a:tailEnd type="none" w="med" len="med"/>
-                    </a:lnL>
-                    <a:lnR w="38100" cap="flat" cmpd="sng" algn="ctr">
-                      <a:noFill/>
-                      <a:prstDash val="solid"/>
-                      <a:round/>
-                      <a:headEnd type="none" w="med" len="med"/>
-                      <a:tailEnd type="none" w="med" len="med"/>
-                    </a:lnR>
-                    <a:lnT w="38100" cap="flat" cmpd="sng" algn="ctr">
-                      <a:solidFill>
-                        <a:schemeClr val="accent2">
-                          <a:lumMod val="75000"/>
-                        </a:schemeClr>
-                      </a:solidFill>
-                      <a:prstDash val="solid"/>
-                      <a:round/>
-                      <a:headEnd type="none" w="med" len="med"/>
-                      <a:tailEnd type="none" w="med" len="med"/>
-                    </a:lnT>
-                    <a:lnB w="12700" cap="flat" cmpd="sng" algn="ctr">
-                      <a:solidFill>
-                        <a:schemeClr val="accent2">
-                          <a:lumMod val="75000"/>
-                        </a:schemeClr>
-                      </a:solidFill>
-                      <a:prstDash val="solid"/>
-                      <a:round/>
-                      <a:headEnd type="none" w="med" len="med"/>
-                      <a:tailEnd type="none" w="med" len="med"/>
-                    </a:lnB>
-                    <a:noFill/>
-                  </a:tcPr>
-                </a:tc>
-                <a:extLst>
-                  <a:ext uri="{0D108BD9-81ED-4DB2-BD59-A6C34878D82A}">
-                    <a16:rowId xmlns:a16="http://schemas.microsoft.com/office/drawing/2014/main" val="3446274366"/>
-                  </a:ext>
-                </a:extLst>
-              </a:tr>
-              <a:tr h="548640">
-                <a:tc>
-                  <a:txBody>
-                    <a:bodyPr/>
-                    <a:lstStyle/>
-                    <a:p>
-                      <a:endParaRPr lang="en-GB" sz="1400" dirty="0">
-                        <a:latin typeface="+mn-lt"/>
-                      </a:endParaRPr>
-                    </a:p>
-                  </a:txBody>
-                  <a:tcPr anchor="ctr">
-                    <a:lnL w="38100" cap="flat" cmpd="sng" algn="ctr">
-                      <a:noFill/>
-                      <a:prstDash val="solid"/>
-                      <a:round/>
-                      <a:headEnd type="none" w="med" len="med"/>
-                      <a:tailEnd type="none" w="med" len="med"/>
-                    </a:lnL>
-                    <a:lnR w="12700" cap="flat" cmpd="sng" algn="ctr">
-                      <a:solidFill>
-                        <a:schemeClr val="accent2">
-                          <a:lumMod val="75000"/>
-                        </a:schemeClr>
-                      </a:solidFill>
-                      <a:prstDash val="solid"/>
-                      <a:round/>
-                      <a:headEnd type="none" w="med" len="med"/>
-                      <a:tailEnd type="none" w="med" len="med"/>
-                    </a:lnR>
-                    <a:lnT w="12700" cap="flat" cmpd="sng" algn="ctr">
-                      <a:solidFill>
-                        <a:schemeClr val="accent2">
-                          <a:lumMod val="75000"/>
-                        </a:schemeClr>
-                      </a:solidFill>
-                      <a:prstDash val="solid"/>
-                      <a:round/>
-                      <a:headEnd type="none" w="med" len="med"/>
-                      <a:tailEnd type="none" w="med" len="med"/>
-                    </a:lnT>
-                    <a:lnB w="12700" cap="flat" cmpd="sng" algn="ctr">
-                      <a:solidFill>
-                        <a:schemeClr val="accent2">
-                          <a:lumMod val="75000"/>
-                        </a:schemeClr>
-                      </a:solidFill>
-                      <a:prstDash val="solid"/>
-                      <a:round/>
-                      <a:headEnd type="none" w="med" len="med"/>
-                      <a:tailEnd type="none" w="med" len="med"/>
-                    </a:lnB>
-                    <a:solidFill>
-                      <a:schemeClr val="accent5"/>
-                    </a:solidFill>
-                  </a:tcPr>
-                </a:tc>
-                <a:tc>
-                  <a:txBody>
-                    <a:bodyPr/>
-                    <a:lstStyle/>
-                    <a:p>
-                      <a:endParaRPr lang="en-GB" sz="1400" dirty="0">
-                        <a:latin typeface="+mn-lt"/>
-                      </a:endParaRPr>
-                    </a:p>
-                  </a:txBody>
-                  <a:tcPr anchor="ctr">
-                    <a:lnL w="12700" cap="flat" cmpd="sng" algn="ctr">
-                      <a:solidFill>
-                        <a:schemeClr val="accent2">
-                          <a:lumMod val="75000"/>
-                        </a:schemeClr>
-                      </a:solidFill>
-                      <a:prstDash val="solid"/>
-                      <a:round/>
-                      <a:headEnd type="none" w="med" len="med"/>
-                      <a:tailEnd type="none" w="med" len="med"/>
-                    </a:lnL>
-                    <a:lnR w="12700" cap="flat" cmpd="sng" algn="ctr">
-                      <a:solidFill>
-                        <a:schemeClr val="accent2">
-                          <a:lumMod val="75000"/>
-                        </a:schemeClr>
-                      </a:solidFill>
-                      <a:prstDash val="solid"/>
-                      <a:round/>
-                      <a:headEnd type="none" w="med" len="med"/>
-                      <a:tailEnd type="none" w="med" len="med"/>
-                    </a:lnR>
-                    <a:lnT w="12700" cap="flat" cmpd="sng" algn="ctr">
-                      <a:solidFill>
-                        <a:schemeClr val="accent2">
-                          <a:lumMod val="75000"/>
-                        </a:schemeClr>
-                      </a:solidFill>
-                      <a:prstDash val="solid"/>
-                      <a:round/>
-                      <a:headEnd type="none" w="med" len="med"/>
-                      <a:tailEnd type="none" w="med" len="med"/>
-                    </a:lnT>
-                    <a:lnB w="12700" cap="flat" cmpd="sng" algn="ctr">
-                      <a:solidFill>
-                        <a:schemeClr val="accent2">
-                          <a:lumMod val="75000"/>
-                        </a:schemeClr>
-                      </a:solidFill>
-                      <a:prstDash val="solid"/>
-                      <a:round/>
-                      <a:headEnd type="none" w="med" len="med"/>
-                      <a:tailEnd type="none" w="med" len="med"/>
-                    </a:lnB>
-                    <a:solidFill>
-                      <a:schemeClr val="accent5"/>
-                    </a:solidFill>
-                  </a:tcPr>
-                </a:tc>
-                <a:tc>
-                  <a:txBody>
-                    <a:bodyPr/>
-                    <a:lstStyle/>
-                    <a:p>
-                      <a:endParaRPr lang="en-GB" sz="1400" dirty="0">
-                        <a:latin typeface="+mn-lt"/>
-                      </a:endParaRPr>
-                    </a:p>
-                  </a:txBody>
-                  <a:tcPr anchor="ctr">
-                    <a:lnL w="12700" cap="flat" cmpd="sng" algn="ctr">
-                      <a:solidFill>
-                        <a:schemeClr val="accent2">
-                          <a:lumMod val="75000"/>
-                        </a:schemeClr>
-                      </a:solidFill>
-                      <a:prstDash val="solid"/>
-                      <a:round/>
-                      <a:headEnd type="none" w="med" len="med"/>
-                      <a:tailEnd type="none" w="med" len="med"/>
-                    </a:lnL>
-                    <a:lnR w="12700" cap="flat" cmpd="sng" algn="ctr">
-                      <a:solidFill>
-                        <a:schemeClr val="accent2">
-                          <a:lumMod val="75000"/>
-                        </a:schemeClr>
-                      </a:solidFill>
-                      <a:prstDash val="solid"/>
-                      <a:round/>
-                      <a:headEnd type="none" w="med" len="med"/>
-                      <a:tailEnd type="none" w="med" len="med"/>
-                    </a:lnR>
-                    <a:lnT w="12700" cap="flat" cmpd="sng" algn="ctr">
-                      <a:solidFill>
-                        <a:schemeClr val="accent2">
-                          <a:lumMod val="75000"/>
-                        </a:schemeClr>
-                      </a:solidFill>
-                      <a:prstDash val="solid"/>
-                      <a:round/>
-                      <a:headEnd type="none" w="med" len="med"/>
-                      <a:tailEnd type="none" w="med" len="med"/>
-                    </a:lnT>
-                    <a:lnB w="12700" cap="flat" cmpd="sng" algn="ctr">
-                      <a:solidFill>
-                        <a:schemeClr val="accent2">
-                          <a:lumMod val="75000"/>
-                        </a:schemeClr>
-                      </a:solidFill>
-                      <a:prstDash val="solid"/>
-                      <a:round/>
-                      <a:headEnd type="none" w="med" len="med"/>
-                      <a:tailEnd type="none" w="med" len="med"/>
-                    </a:lnB>
-                    <a:solidFill>
-                      <a:schemeClr val="accent5"/>
-                    </a:solidFill>
-                  </a:tcPr>
-                </a:tc>
-                <a:tc>
-                  <a:txBody>
-                    <a:bodyPr/>
-                    <a:lstStyle/>
-                    <a:p>
-                      <a:endParaRPr lang="en-GB" sz="1400" dirty="0">
-                        <a:latin typeface="+mn-lt"/>
-                      </a:endParaRPr>
-                    </a:p>
-                  </a:txBody>
-                  <a:tcPr anchor="ctr">
-                    <a:lnL w="12700" cap="flat" cmpd="sng" algn="ctr">
-                      <a:solidFill>
-                        <a:schemeClr val="accent2">
-                          <a:lumMod val="75000"/>
-                        </a:schemeClr>
-                      </a:solidFill>
-                      <a:prstDash val="solid"/>
-                      <a:round/>
-                      <a:headEnd type="none" w="med" len="med"/>
-                      <a:tailEnd type="none" w="med" len="med"/>
-                    </a:lnL>
-                    <a:lnR w="38100" cap="flat" cmpd="sng" algn="ctr">
-                      <a:noFill/>
-                      <a:prstDash val="solid"/>
-                      <a:round/>
-                      <a:headEnd type="none" w="med" len="med"/>
-                      <a:tailEnd type="none" w="med" len="med"/>
-                    </a:lnR>
-                    <a:lnT w="12700" cap="flat" cmpd="sng" algn="ctr">
-                      <a:solidFill>
-                        <a:schemeClr val="accent2">
-                          <a:lumMod val="75000"/>
-                        </a:schemeClr>
-                      </a:solidFill>
-                      <a:prstDash val="solid"/>
-                      <a:round/>
-                      <a:headEnd type="none" w="med" len="med"/>
-                      <a:tailEnd type="none" w="med" len="med"/>
-                    </a:lnT>
-                    <a:lnB w="12700" cap="flat" cmpd="sng" algn="ctr">
-                      <a:solidFill>
-                        <a:schemeClr val="accent2">
-                          <a:lumMod val="75000"/>
-                        </a:schemeClr>
-                      </a:solidFill>
-                      <a:prstDash val="solid"/>
-                      <a:round/>
-                      <a:headEnd type="none" w="med" len="med"/>
-                      <a:tailEnd type="none" w="med" len="med"/>
-                    </a:lnB>
-                    <a:solidFill>
-                      <a:schemeClr val="accent5"/>
-                    </a:solidFill>
-                  </a:tcPr>
-                </a:tc>
-                <a:extLst>
-                  <a:ext uri="{0D108BD9-81ED-4DB2-BD59-A6C34878D82A}">
-                    <a16:rowId xmlns:a16="http://schemas.microsoft.com/office/drawing/2014/main" val="1758271508"/>
-                  </a:ext>
-                </a:extLst>
-              </a:tr>
-              <a:tr h="548640">
-                <a:tc>
-                  <a:txBody>
-                    <a:bodyPr/>
-                    <a:lstStyle/>
-                    <a:p>
-                      <a:endParaRPr lang="en-GB" sz="1400" dirty="0">
-                        <a:latin typeface="+mn-lt"/>
-                      </a:endParaRPr>
-                    </a:p>
-                  </a:txBody>
-                  <a:tcPr anchor="ctr">
-                    <a:lnL w="38100" cap="flat" cmpd="sng" algn="ctr">
-                      <a:noFill/>
-                      <a:prstDash val="solid"/>
-                      <a:round/>
-                      <a:headEnd type="none" w="med" len="med"/>
-                      <a:tailEnd type="none" w="med" len="med"/>
-                    </a:lnL>
-                    <a:lnR w="12700" cap="flat" cmpd="sng" algn="ctr">
-                      <a:solidFill>
-                        <a:schemeClr val="accent2">
-                          <a:lumMod val="75000"/>
-                        </a:schemeClr>
-                      </a:solidFill>
-                      <a:prstDash val="solid"/>
-                      <a:round/>
-                      <a:headEnd type="none" w="med" len="med"/>
-                      <a:tailEnd type="none" w="med" len="med"/>
-                    </a:lnR>
-                    <a:lnT w="12700" cap="flat" cmpd="sng" algn="ctr">
-                      <a:solidFill>
-                        <a:schemeClr val="accent2">
-                          <a:lumMod val="75000"/>
-                        </a:schemeClr>
-                      </a:solidFill>
-                      <a:prstDash val="solid"/>
-                      <a:round/>
-                      <a:headEnd type="none" w="med" len="med"/>
-                      <a:tailEnd type="none" w="med" len="med"/>
-                    </a:lnT>
-                    <a:lnB w="12700" cap="flat" cmpd="sng" algn="ctr">
-                      <a:solidFill>
-                        <a:schemeClr val="accent2">
-                          <a:lumMod val="75000"/>
-                        </a:schemeClr>
-                      </a:solidFill>
-                      <a:prstDash val="solid"/>
-                      <a:round/>
-                      <a:headEnd type="none" w="med" len="med"/>
-                      <a:tailEnd type="none" w="med" len="med"/>
-                    </a:lnB>
-                    <a:noFill/>
-                  </a:tcPr>
-                </a:tc>
-                <a:tc>
-                  <a:txBody>
-                    <a:bodyPr/>
-                    <a:lstStyle/>
-                    <a:p>
-                      <a:endParaRPr lang="en-GB" sz="1400" dirty="0">
-                        <a:latin typeface="+mn-lt"/>
-                      </a:endParaRPr>
-                    </a:p>
-                  </a:txBody>
-                  <a:tcPr anchor="ctr">
-                    <a:lnL w="12700" cap="flat" cmpd="sng" algn="ctr">
-                      <a:solidFill>
-                        <a:schemeClr val="accent2">
-                          <a:lumMod val="75000"/>
-                        </a:schemeClr>
-                      </a:solidFill>
-                      <a:prstDash val="solid"/>
-                      <a:round/>
-                      <a:headEnd type="none" w="med" len="med"/>
-                      <a:tailEnd type="none" w="med" len="med"/>
-                    </a:lnL>
-                    <a:lnR w="12700" cap="flat" cmpd="sng" algn="ctr">
-                      <a:solidFill>
-                        <a:schemeClr val="accent2">
-                          <a:lumMod val="75000"/>
-                        </a:schemeClr>
-                      </a:solidFill>
-                      <a:prstDash val="solid"/>
-                      <a:round/>
-                      <a:headEnd type="none" w="med" len="med"/>
-                      <a:tailEnd type="none" w="med" len="med"/>
-                    </a:lnR>
-                    <a:lnT w="12700" cap="flat" cmpd="sng" algn="ctr">
-                      <a:solidFill>
-                        <a:schemeClr val="accent2">
-                          <a:lumMod val="75000"/>
-                        </a:schemeClr>
-                      </a:solidFill>
-                      <a:prstDash val="solid"/>
-                      <a:round/>
-                      <a:headEnd type="none" w="med" len="med"/>
-                      <a:tailEnd type="none" w="med" len="med"/>
-                    </a:lnT>
-                    <a:lnB w="12700" cap="flat" cmpd="sng" algn="ctr">
-                      <a:solidFill>
-                        <a:schemeClr val="accent2">
-                          <a:lumMod val="75000"/>
-                        </a:schemeClr>
-                      </a:solidFill>
-                      <a:prstDash val="solid"/>
-                      <a:round/>
-                      <a:headEnd type="none" w="med" len="med"/>
-                      <a:tailEnd type="none" w="med" len="med"/>
-                    </a:lnB>
-                    <a:noFill/>
-                  </a:tcPr>
-                </a:tc>
-                <a:tc>
-                  <a:txBody>
-                    <a:bodyPr/>
-                    <a:lstStyle/>
-                    <a:p>
-                      <a:endParaRPr lang="en-GB" sz="1400" dirty="0">
-                        <a:latin typeface="+mn-lt"/>
-                      </a:endParaRPr>
-                    </a:p>
-                  </a:txBody>
-                  <a:tcPr anchor="ctr">
-                    <a:lnL w="12700" cap="flat" cmpd="sng" algn="ctr">
-                      <a:solidFill>
-                        <a:schemeClr val="accent2">
-                          <a:lumMod val="75000"/>
-                        </a:schemeClr>
-                      </a:solidFill>
-                      <a:prstDash val="solid"/>
-                      <a:round/>
-                      <a:headEnd type="none" w="med" len="med"/>
-                      <a:tailEnd type="none" w="med" len="med"/>
-                    </a:lnL>
-                    <a:lnR w="12700" cap="flat" cmpd="sng" algn="ctr">
-                      <a:solidFill>
-                        <a:schemeClr val="accent2">
-                          <a:lumMod val="75000"/>
-                        </a:schemeClr>
-                      </a:solidFill>
-                      <a:prstDash val="solid"/>
-                      <a:round/>
-                      <a:headEnd type="none" w="med" len="med"/>
-                      <a:tailEnd type="none" w="med" len="med"/>
-                    </a:lnR>
-                    <a:lnT w="12700" cap="flat" cmpd="sng" algn="ctr">
-                      <a:solidFill>
-                        <a:schemeClr val="accent2">
-                          <a:lumMod val="75000"/>
-                        </a:schemeClr>
-                      </a:solidFill>
-                      <a:prstDash val="solid"/>
-                      <a:round/>
-                      <a:headEnd type="none" w="med" len="med"/>
-                      <a:tailEnd type="none" w="med" len="med"/>
-                    </a:lnT>
-                    <a:lnB w="12700" cap="flat" cmpd="sng" algn="ctr">
-                      <a:solidFill>
-                        <a:schemeClr val="accent2">
-                          <a:lumMod val="75000"/>
-                        </a:schemeClr>
-                      </a:solidFill>
-                      <a:prstDash val="solid"/>
-                      <a:round/>
-                      <a:headEnd type="none" w="med" len="med"/>
-                      <a:tailEnd type="none" w="med" len="med"/>
-                    </a:lnB>
-                    <a:noFill/>
-                  </a:tcPr>
-                </a:tc>
-                <a:tc>
-                  <a:txBody>
-                    <a:bodyPr/>
-                    <a:lstStyle/>
-                    <a:p>
-                      <a:endParaRPr lang="en-GB" sz="1400" dirty="0">
-                        <a:latin typeface="+mn-lt"/>
-                      </a:endParaRPr>
-                    </a:p>
-                  </a:txBody>
-                  <a:tcPr anchor="ctr">
-                    <a:lnL w="12700" cap="flat" cmpd="sng" algn="ctr">
-                      <a:solidFill>
-                        <a:schemeClr val="accent2">
-                          <a:lumMod val="75000"/>
-                        </a:schemeClr>
-                      </a:solidFill>
-                      <a:prstDash val="solid"/>
-                      <a:round/>
-                      <a:headEnd type="none" w="med" len="med"/>
-                      <a:tailEnd type="none" w="med" len="med"/>
-                    </a:lnL>
-                    <a:lnR w="38100" cap="flat" cmpd="sng" algn="ctr">
-                      <a:noFill/>
-                      <a:prstDash val="solid"/>
-                      <a:round/>
-                      <a:headEnd type="none" w="med" len="med"/>
-                      <a:tailEnd type="none" w="med" len="med"/>
-                    </a:lnR>
-                    <a:lnT w="12700" cap="flat" cmpd="sng" algn="ctr">
-                      <a:solidFill>
-                        <a:schemeClr val="accent2">
-                          <a:lumMod val="75000"/>
-                        </a:schemeClr>
-                      </a:solidFill>
-                      <a:prstDash val="solid"/>
-                      <a:round/>
-                      <a:headEnd type="none" w="med" len="med"/>
-                      <a:tailEnd type="none" w="med" len="med"/>
-                    </a:lnT>
-                    <a:lnB w="12700" cap="flat" cmpd="sng" algn="ctr">
-                      <a:solidFill>
-                        <a:schemeClr val="accent2">
-                          <a:lumMod val="75000"/>
-                        </a:schemeClr>
-                      </a:solidFill>
-                      <a:prstDash val="solid"/>
-                      <a:round/>
-                      <a:headEnd type="none" w="med" len="med"/>
-                      <a:tailEnd type="none" w="med" len="med"/>
-                    </a:lnB>
-                    <a:noFill/>
-                  </a:tcPr>
-                </a:tc>
-                <a:extLst>
-                  <a:ext uri="{0D108BD9-81ED-4DB2-BD59-A6C34878D82A}">
-                    <a16:rowId xmlns:a16="http://schemas.microsoft.com/office/drawing/2014/main" val="3736384641"/>
-                  </a:ext>
-                </a:extLst>
-              </a:tr>
-              <a:tr h="548640">
-                <a:tc>
-                  <a:txBody>
-                    <a:bodyPr/>
-                    <a:lstStyle/>
-                    <a:p>
-                      <a:endParaRPr lang="en-GB" sz="1400" dirty="0">
-                        <a:latin typeface="+mn-lt"/>
-                      </a:endParaRPr>
-                    </a:p>
-                  </a:txBody>
-                  <a:tcPr anchor="ctr">
-                    <a:lnL w="38100" cap="flat" cmpd="sng" algn="ctr">
-                      <a:noFill/>
-                      <a:prstDash val="solid"/>
-                      <a:round/>
-                      <a:headEnd type="none" w="med" len="med"/>
-                      <a:tailEnd type="none" w="med" len="med"/>
-                    </a:lnL>
-                    <a:lnR w="12700" cap="flat" cmpd="sng" algn="ctr">
-                      <a:solidFill>
-                        <a:schemeClr val="accent2">
-                          <a:lumMod val="75000"/>
-                        </a:schemeClr>
-                      </a:solidFill>
-                      <a:prstDash val="solid"/>
-                      <a:round/>
-                      <a:headEnd type="none" w="med" len="med"/>
-                      <a:tailEnd type="none" w="med" len="med"/>
-                    </a:lnR>
-                    <a:lnT w="12700" cap="flat" cmpd="sng" algn="ctr">
-                      <a:solidFill>
-                        <a:schemeClr val="accent2">
-                          <a:lumMod val="75000"/>
-                        </a:schemeClr>
-                      </a:solidFill>
-                      <a:prstDash val="solid"/>
-                      <a:round/>
-                      <a:headEnd type="none" w="med" len="med"/>
-                      <a:tailEnd type="none" w="med" len="med"/>
-                    </a:lnT>
-                    <a:lnB w="12700" cap="flat" cmpd="sng" algn="ctr">
-                      <a:solidFill>
-                        <a:schemeClr val="accent2">
-                          <a:lumMod val="75000"/>
-                        </a:schemeClr>
-                      </a:solidFill>
-                      <a:prstDash val="solid"/>
-                      <a:round/>
-                      <a:headEnd type="none" w="med" len="med"/>
-                      <a:tailEnd type="none" w="med" len="med"/>
-                    </a:lnB>
-                    <a:solidFill>
-                      <a:schemeClr val="accent5"/>
-                    </a:solidFill>
-                  </a:tcPr>
-                </a:tc>
-                <a:tc>
-                  <a:txBody>
-                    <a:bodyPr/>
-                    <a:lstStyle/>
-                    <a:p>
-                      <a:endParaRPr lang="en-GB" sz="1400" dirty="0">
-                        <a:latin typeface="+mn-lt"/>
-                      </a:endParaRPr>
-                    </a:p>
-                  </a:txBody>
-                  <a:tcPr anchor="ctr">
-                    <a:lnL w="12700" cap="flat" cmpd="sng" algn="ctr">
-                      <a:solidFill>
-                        <a:schemeClr val="accent2">
-                          <a:lumMod val="75000"/>
-                        </a:schemeClr>
-                      </a:solidFill>
-                      <a:prstDash val="solid"/>
-                      <a:round/>
-                      <a:headEnd type="none" w="med" len="med"/>
-                      <a:tailEnd type="none" w="med" len="med"/>
-                    </a:lnL>
-                    <a:lnR w="12700" cap="flat" cmpd="sng" algn="ctr">
-                      <a:solidFill>
-                        <a:schemeClr val="accent2">
-                          <a:lumMod val="75000"/>
-                        </a:schemeClr>
-                      </a:solidFill>
-                      <a:prstDash val="solid"/>
-                      <a:round/>
-                      <a:headEnd type="none" w="med" len="med"/>
-                      <a:tailEnd type="none" w="med" len="med"/>
-                    </a:lnR>
-                    <a:lnT w="12700" cap="flat" cmpd="sng" algn="ctr">
-                      <a:solidFill>
-                        <a:schemeClr val="accent2">
-                          <a:lumMod val="75000"/>
-                        </a:schemeClr>
-                      </a:solidFill>
-                      <a:prstDash val="solid"/>
-                      <a:round/>
-                      <a:headEnd type="none" w="med" len="med"/>
-                      <a:tailEnd type="none" w="med" len="med"/>
-                    </a:lnT>
-                    <a:lnB w="12700" cap="flat" cmpd="sng" algn="ctr">
-                      <a:solidFill>
-                        <a:schemeClr val="accent2">
-                          <a:lumMod val="75000"/>
-                        </a:schemeClr>
-                      </a:solidFill>
-                      <a:prstDash val="solid"/>
-                      <a:round/>
-                      <a:headEnd type="none" w="med" len="med"/>
-                      <a:tailEnd type="none" w="med" len="med"/>
-                    </a:lnB>
-                    <a:solidFill>
-                      <a:schemeClr val="accent5"/>
-                    </a:solidFill>
-                  </a:tcPr>
-                </a:tc>
-                <a:tc>
-                  <a:txBody>
-                    <a:bodyPr/>
-                    <a:lstStyle/>
-                    <a:p>
-                      <a:endParaRPr lang="en-GB" sz="1400" dirty="0">
-                        <a:latin typeface="+mn-lt"/>
-                      </a:endParaRPr>
-                    </a:p>
-                  </a:txBody>
-                  <a:tcPr anchor="ctr">
-                    <a:lnL w="12700" cap="flat" cmpd="sng" algn="ctr">
-                      <a:solidFill>
-                        <a:schemeClr val="accent2">
-                          <a:lumMod val="75000"/>
-                        </a:schemeClr>
-                      </a:solidFill>
-                      <a:prstDash val="solid"/>
-                      <a:round/>
-                      <a:headEnd type="none" w="med" len="med"/>
-                      <a:tailEnd type="none" w="med" len="med"/>
-                    </a:lnL>
-                    <a:lnR w="12700" cap="flat" cmpd="sng" algn="ctr">
-                      <a:solidFill>
-                        <a:schemeClr val="accent2">
-                          <a:lumMod val="75000"/>
-                        </a:schemeClr>
-                      </a:solidFill>
-                      <a:prstDash val="solid"/>
-                      <a:round/>
-                      <a:headEnd type="none" w="med" len="med"/>
-                      <a:tailEnd type="none" w="med" len="med"/>
-                    </a:lnR>
-                    <a:lnT w="12700" cap="flat" cmpd="sng" algn="ctr">
-                      <a:solidFill>
-                        <a:schemeClr val="accent2">
-                          <a:lumMod val="75000"/>
-                        </a:schemeClr>
-                      </a:solidFill>
-                      <a:prstDash val="solid"/>
-                      <a:round/>
-                      <a:headEnd type="none" w="med" len="med"/>
-                      <a:tailEnd type="none" w="med" len="med"/>
-                    </a:lnT>
-                    <a:lnB w="12700" cap="flat" cmpd="sng" algn="ctr">
-                      <a:solidFill>
-                        <a:schemeClr val="accent2">
-                          <a:lumMod val="75000"/>
-                        </a:schemeClr>
-                      </a:solidFill>
-                      <a:prstDash val="solid"/>
-                      <a:round/>
-                      <a:headEnd type="none" w="med" len="med"/>
-                      <a:tailEnd type="none" w="med" len="med"/>
-                    </a:lnB>
-                    <a:solidFill>
-                      <a:schemeClr val="accent5"/>
-                    </a:solidFill>
-                  </a:tcPr>
-                </a:tc>
-                <a:tc>
-                  <a:txBody>
-                    <a:bodyPr/>
-                    <a:lstStyle/>
-                    <a:p>
-                      <a:endParaRPr lang="en-GB" sz="1400" dirty="0">
-                        <a:latin typeface="+mn-lt"/>
-                      </a:endParaRPr>
-                    </a:p>
-                  </a:txBody>
-                  <a:tcPr anchor="ctr">
-                    <a:lnL w="12700" cap="flat" cmpd="sng" algn="ctr">
-                      <a:solidFill>
-                        <a:schemeClr val="accent2">
-                          <a:lumMod val="75000"/>
-                        </a:schemeClr>
-                      </a:solidFill>
-                      <a:prstDash val="solid"/>
-                      <a:round/>
-                      <a:headEnd type="none" w="med" len="med"/>
-                      <a:tailEnd type="none" w="med" len="med"/>
-                    </a:lnL>
-                    <a:lnR w="38100" cap="flat" cmpd="sng" algn="ctr">
-                      <a:noFill/>
-                      <a:prstDash val="solid"/>
-                      <a:round/>
-                      <a:headEnd type="none" w="med" len="med"/>
-                      <a:tailEnd type="none" w="med" len="med"/>
-                    </a:lnR>
-                    <a:lnT w="12700" cap="flat" cmpd="sng" algn="ctr">
-                      <a:solidFill>
-                        <a:schemeClr val="accent2">
-                          <a:lumMod val="75000"/>
-                        </a:schemeClr>
-                      </a:solidFill>
-                      <a:prstDash val="solid"/>
-                      <a:round/>
-                      <a:headEnd type="none" w="med" len="med"/>
-                      <a:tailEnd type="none" w="med" len="med"/>
-                    </a:lnT>
-                    <a:lnB w="12700" cap="flat" cmpd="sng" algn="ctr">
-                      <a:solidFill>
-                        <a:schemeClr val="accent2">
-                          <a:lumMod val="75000"/>
-                        </a:schemeClr>
-                      </a:solidFill>
-                      <a:prstDash val="solid"/>
-                      <a:round/>
-                      <a:headEnd type="none" w="med" len="med"/>
-                      <a:tailEnd type="none" w="med" len="med"/>
-                    </a:lnB>
-                    <a:solidFill>
-                      <a:schemeClr val="accent5"/>
-                    </a:solidFill>
-                  </a:tcPr>
-                </a:tc>
-                <a:extLst>
-                  <a:ext uri="{0D108BD9-81ED-4DB2-BD59-A6C34878D82A}">
-                    <a16:rowId xmlns:a16="http://schemas.microsoft.com/office/drawing/2014/main" val="3090935587"/>
-                  </a:ext>
-                </a:extLst>
-              </a:tr>
-              <a:tr h="548640">
-                <a:tc>
-                  <a:txBody>
-                    <a:bodyPr/>
-                    <a:lstStyle/>
-                    <a:p>
-                      <a:endParaRPr lang="en-GB" sz="1400" dirty="0">
-                        <a:latin typeface="+mn-lt"/>
-                      </a:endParaRPr>
-                    </a:p>
-                  </a:txBody>
-                  <a:tcPr anchor="ctr">
-                    <a:lnL w="38100" cap="flat" cmpd="sng" algn="ctr">
-                      <a:noFill/>
-                      <a:prstDash val="solid"/>
-                      <a:round/>
-                      <a:headEnd type="none" w="med" len="med"/>
-                      <a:tailEnd type="none" w="med" len="med"/>
-                    </a:lnL>
-                    <a:lnR w="12700" cap="flat" cmpd="sng" algn="ctr">
-                      <a:solidFill>
-                        <a:schemeClr val="accent2">
-                          <a:lumMod val="75000"/>
-                        </a:schemeClr>
-                      </a:solidFill>
-                      <a:prstDash val="solid"/>
-                      <a:round/>
-                      <a:headEnd type="none" w="med" len="med"/>
-                      <a:tailEnd type="none" w="med" len="med"/>
-                    </a:lnR>
-                    <a:lnT w="12700" cap="flat" cmpd="sng" algn="ctr">
-                      <a:solidFill>
-                        <a:schemeClr val="accent2">
-                          <a:lumMod val="75000"/>
-                        </a:schemeClr>
-                      </a:solidFill>
-                      <a:prstDash val="solid"/>
-                      <a:round/>
-                      <a:headEnd type="none" w="med" len="med"/>
-                      <a:tailEnd type="none" w="med" len="med"/>
-                    </a:lnT>
-                    <a:lnB w="12700" cap="flat" cmpd="sng" algn="ctr">
-                      <a:solidFill>
-                        <a:schemeClr val="accent2">
-                          <a:lumMod val="75000"/>
-                        </a:schemeClr>
-                      </a:solidFill>
-                      <a:prstDash val="solid"/>
-                      <a:round/>
-                      <a:headEnd type="none" w="med" len="med"/>
-                      <a:tailEnd type="none" w="med" len="med"/>
-                    </a:lnB>
-                    <a:noFill/>
-                  </a:tcPr>
-                </a:tc>
-                <a:tc>
-                  <a:txBody>
-                    <a:bodyPr/>
-                    <a:lstStyle/>
-                    <a:p>
-                      <a:endParaRPr lang="en-GB" sz="1400" dirty="0">
-                        <a:latin typeface="+mn-lt"/>
-                      </a:endParaRPr>
-                    </a:p>
-                  </a:txBody>
-                  <a:tcPr anchor="ctr">
-                    <a:lnL w="12700" cap="flat" cmpd="sng" algn="ctr">
-                      <a:solidFill>
-                        <a:schemeClr val="accent2">
-                          <a:lumMod val="75000"/>
-                        </a:schemeClr>
-                      </a:solidFill>
-                      <a:prstDash val="solid"/>
-                      <a:round/>
-                      <a:headEnd type="none" w="med" len="med"/>
-                      <a:tailEnd type="none" w="med" len="med"/>
-                    </a:lnL>
-                    <a:lnR w="12700" cap="flat" cmpd="sng" algn="ctr">
-                      <a:solidFill>
-                        <a:schemeClr val="accent2">
-                          <a:lumMod val="75000"/>
-                        </a:schemeClr>
-                      </a:solidFill>
-                      <a:prstDash val="solid"/>
-                      <a:round/>
-                      <a:headEnd type="none" w="med" len="med"/>
-                      <a:tailEnd type="none" w="med" len="med"/>
-                    </a:lnR>
-                    <a:lnT w="12700" cap="flat" cmpd="sng" algn="ctr">
-                      <a:solidFill>
-                        <a:schemeClr val="accent2">
-                          <a:lumMod val="75000"/>
-                        </a:schemeClr>
-                      </a:solidFill>
-                      <a:prstDash val="solid"/>
-                      <a:round/>
-                      <a:headEnd type="none" w="med" len="med"/>
-                      <a:tailEnd type="none" w="med" len="med"/>
-                    </a:lnT>
-                    <a:lnB w="12700" cap="flat" cmpd="sng" algn="ctr">
-                      <a:solidFill>
-                        <a:schemeClr val="accent2">
-                          <a:lumMod val="75000"/>
-                        </a:schemeClr>
-                      </a:solidFill>
-                      <a:prstDash val="solid"/>
-                      <a:round/>
-                      <a:headEnd type="none" w="med" len="med"/>
-                      <a:tailEnd type="none" w="med" len="med"/>
-                    </a:lnB>
-                    <a:noFill/>
-                  </a:tcPr>
-                </a:tc>
-                <a:tc>
-                  <a:txBody>
-                    <a:bodyPr/>
-                    <a:lstStyle/>
-                    <a:p>
-                      <a:endParaRPr lang="en-GB" sz="1400" dirty="0">
-                        <a:latin typeface="+mn-lt"/>
-                      </a:endParaRPr>
-                    </a:p>
-                  </a:txBody>
-                  <a:tcPr anchor="ctr">
-                    <a:lnL w="12700" cap="flat" cmpd="sng" algn="ctr">
-                      <a:solidFill>
-                        <a:schemeClr val="accent2">
-                          <a:lumMod val="75000"/>
-                        </a:schemeClr>
-                      </a:solidFill>
-                      <a:prstDash val="solid"/>
-                      <a:round/>
-                      <a:headEnd type="none" w="med" len="med"/>
-                      <a:tailEnd type="none" w="med" len="med"/>
-                    </a:lnL>
-                    <a:lnR w="12700" cap="flat" cmpd="sng" algn="ctr">
-                      <a:solidFill>
-                        <a:schemeClr val="accent2">
-                          <a:lumMod val="75000"/>
-                        </a:schemeClr>
-                      </a:solidFill>
-                      <a:prstDash val="solid"/>
-                      <a:round/>
-                      <a:headEnd type="none" w="med" len="med"/>
-                      <a:tailEnd type="none" w="med" len="med"/>
-                    </a:lnR>
-                    <a:lnT w="12700" cap="flat" cmpd="sng" algn="ctr">
-                      <a:solidFill>
-                        <a:schemeClr val="accent2">
-                          <a:lumMod val="75000"/>
-                        </a:schemeClr>
-                      </a:solidFill>
-                      <a:prstDash val="solid"/>
-                      <a:round/>
-                      <a:headEnd type="none" w="med" len="med"/>
-                      <a:tailEnd type="none" w="med" len="med"/>
-                    </a:lnT>
-                    <a:lnB w="12700" cap="flat" cmpd="sng" algn="ctr">
-                      <a:solidFill>
-                        <a:schemeClr val="accent2">
-                          <a:lumMod val="75000"/>
-                        </a:schemeClr>
-                      </a:solidFill>
-                      <a:prstDash val="solid"/>
-                      <a:round/>
-                      <a:headEnd type="none" w="med" len="med"/>
-                      <a:tailEnd type="none" w="med" len="med"/>
-                    </a:lnB>
-                    <a:noFill/>
-                  </a:tcPr>
-                </a:tc>
-                <a:tc>
-                  <a:txBody>
-                    <a:bodyPr/>
-                    <a:lstStyle/>
-                    <a:p>
-                      <a:endParaRPr lang="en-GB" sz="1400" dirty="0">
-                        <a:latin typeface="+mn-lt"/>
-                      </a:endParaRPr>
-                    </a:p>
-                  </a:txBody>
-                  <a:tcPr anchor="ctr">
-                    <a:lnL w="12700" cap="flat" cmpd="sng" algn="ctr">
-                      <a:solidFill>
-                        <a:schemeClr val="accent2">
-                          <a:lumMod val="75000"/>
-                        </a:schemeClr>
-                      </a:solidFill>
-                      <a:prstDash val="solid"/>
-                      <a:round/>
-                      <a:headEnd type="none" w="med" len="med"/>
-                      <a:tailEnd type="none" w="med" len="med"/>
-                    </a:lnL>
-                    <a:lnR w="38100" cap="flat" cmpd="sng" algn="ctr">
-                      <a:noFill/>
-                      <a:prstDash val="solid"/>
-                      <a:round/>
-                      <a:headEnd type="none" w="med" len="med"/>
-                      <a:tailEnd type="none" w="med" len="med"/>
-                    </a:lnR>
-                    <a:lnT w="12700" cap="flat" cmpd="sng" algn="ctr">
-                      <a:solidFill>
-                        <a:schemeClr val="accent2">
-                          <a:lumMod val="75000"/>
-                        </a:schemeClr>
-                      </a:solidFill>
-                      <a:prstDash val="solid"/>
-                      <a:round/>
-                      <a:headEnd type="none" w="med" len="med"/>
-                      <a:tailEnd type="none" w="med" len="med"/>
-                    </a:lnT>
-                    <a:lnB w="12700" cap="flat" cmpd="sng" algn="ctr">
-                      <a:solidFill>
-                        <a:schemeClr val="accent2">
-                          <a:lumMod val="75000"/>
-                        </a:schemeClr>
-                      </a:solidFill>
-                      <a:prstDash val="solid"/>
-                      <a:round/>
-                      <a:headEnd type="none" w="med" len="med"/>
-                      <a:tailEnd type="none" w="med" len="med"/>
-                    </a:lnB>
-                    <a:noFill/>
-                  </a:tcPr>
-                </a:tc>
-                <a:extLst>
-                  <a:ext uri="{0D108BD9-81ED-4DB2-BD59-A6C34878D82A}">
-                    <a16:rowId xmlns:a16="http://schemas.microsoft.com/office/drawing/2014/main" val="446909641"/>
-                  </a:ext>
-                </a:extLst>
-              </a:tr>
-              <a:tr h="548640">
-                <a:tc>
-                  <a:txBody>
-                    <a:bodyPr/>
-                    <a:lstStyle/>
-                    <a:p>
-                      <a:endParaRPr lang="en-GB" sz="1400" dirty="0">
-                        <a:latin typeface="+mn-lt"/>
-                      </a:endParaRPr>
-                    </a:p>
-                  </a:txBody>
-                  <a:tcPr anchor="ctr">
-                    <a:lnL w="38100" cap="flat" cmpd="sng" algn="ctr">
-                      <a:noFill/>
-                      <a:prstDash val="solid"/>
-                      <a:round/>
-                      <a:headEnd type="none" w="med" len="med"/>
-                      <a:tailEnd type="none" w="med" len="med"/>
-                    </a:lnL>
-                    <a:lnR w="12700" cap="flat" cmpd="sng" algn="ctr">
-                      <a:solidFill>
-                        <a:schemeClr val="accent2">
-                          <a:lumMod val="75000"/>
-                        </a:schemeClr>
-                      </a:solidFill>
-                      <a:prstDash val="solid"/>
-                      <a:round/>
-                      <a:headEnd type="none" w="med" len="med"/>
-                      <a:tailEnd type="none" w="med" len="med"/>
-                    </a:lnR>
-                    <a:lnT w="12700" cap="flat" cmpd="sng" algn="ctr">
-                      <a:solidFill>
-                        <a:schemeClr val="accent2">
-                          <a:lumMod val="75000"/>
-                        </a:schemeClr>
-                      </a:solidFill>
-                      <a:prstDash val="solid"/>
-                      <a:round/>
-                      <a:headEnd type="none" w="med" len="med"/>
-                      <a:tailEnd type="none" w="med" len="med"/>
-                    </a:lnT>
-                    <a:lnB w="12700" cap="flat" cmpd="sng" algn="ctr">
-                      <a:solidFill>
-                        <a:schemeClr val="accent2">
-                          <a:lumMod val="75000"/>
-                        </a:schemeClr>
-                      </a:solidFill>
-                      <a:prstDash val="solid"/>
-                      <a:round/>
-                      <a:headEnd type="none" w="med" len="med"/>
-                      <a:tailEnd type="none" w="med" len="med"/>
-                    </a:lnB>
-                    <a:solidFill>
-                      <a:schemeClr val="accent5"/>
-                    </a:solidFill>
-                  </a:tcPr>
-                </a:tc>
-                <a:tc>
-                  <a:txBody>
-                    <a:bodyPr/>
-                    <a:lstStyle/>
-                    <a:p>
-                      <a:endParaRPr lang="en-GB" sz="1400" dirty="0">
-                        <a:latin typeface="+mn-lt"/>
-                      </a:endParaRPr>
-                    </a:p>
-                  </a:txBody>
-                  <a:tcPr anchor="ctr">
-                    <a:lnL w="12700" cap="flat" cmpd="sng" algn="ctr">
-                      <a:solidFill>
-                        <a:schemeClr val="accent2">
-                          <a:lumMod val="75000"/>
-                        </a:schemeClr>
-                      </a:solidFill>
-                      <a:prstDash val="solid"/>
-                      <a:round/>
-                      <a:headEnd type="none" w="med" len="med"/>
-                      <a:tailEnd type="none" w="med" len="med"/>
-                    </a:lnL>
-                    <a:lnR w="12700" cap="flat" cmpd="sng" algn="ctr">
-                      <a:solidFill>
-                        <a:schemeClr val="accent2">
-                          <a:lumMod val="75000"/>
-                        </a:schemeClr>
-                      </a:solidFill>
-                      <a:prstDash val="solid"/>
-                      <a:round/>
-                      <a:headEnd type="none" w="med" len="med"/>
-                      <a:tailEnd type="none" w="med" len="med"/>
-                    </a:lnR>
-                    <a:lnT w="12700" cap="flat" cmpd="sng" algn="ctr">
-                      <a:solidFill>
-                        <a:schemeClr val="accent2">
-                          <a:lumMod val="75000"/>
-                        </a:schemeClr>
-                      </a:solidFill>
-                      <a:prstDash val="solid"/>
-                      <a:round/>
-                      <a:headEnd type="none" w="med" len="med"/>
-                      <a:tailEnd type="none" w="med" len="med"/>
-                    </a:lnT>
-                    <a:lnB w="12700" cap="flat" cmpd="sng" algn="ctr">
-                      <a:solidFill>
-                        <a:schemeClr val="accent2">
-                          <a:lumMod val="75000"/>
-                        </a:schemeClr>
-                      </a:solidFill>
-                      <a:prstDash val="solid"/>
-                      <a:round/>
-                      <a:headEnd type="none" w="med" len="med"/>
-                      <a:tailEnd type="none" w="med" len="med"/>
-                    </a:lnB>
-                    <a:solidFill>
-                      <a:schemeClr val="accent5"/>
-                    </a:solidFill>
-                  </a:tcPr>
-                </a:tc>
-                <a:tc>
-                  <a:txBody>
-                    <a:bodyPr/>
-                    <a:lstStyle/>
-                    <a:p>
-                      <a:endParaRPr lang="en-GB" sz="1400" dirty="0">
-                        <a:latin typeface="+mn-lt"/>
-                      </a:endParaRPr>
-                    </a:p>
-                  </a:txBody>
-                  <a:tcPr anchor="ctr">
-                    <a:lnL w="12700" cap="flat" cmpd="sng" algn="ctr">
-                      <a:solidFill>
-                        <a:schemeClr val="accent2">
-                          <a:lumMod val="75000"/>
-                        </a:schemeClr>
-                      </a:solidFill>
-                      <a:prstDash val="solid"/>
-                      <a:round/>
-                      <a:headEnd type="none" w="med" len="med"/>
-                      <a:tailEnd type="none" w="med" len="med"/>
-                    </a:lnL>
-                    <a:lnR w="12700" cap="flat" cmpd="sng" algn="ctr">
-                      <a:solidFill>
-                        <a:schemeClr val="accent2">
-                          <a:lumMod val="75000"/>
-                        </a:schemeClr>
-                      </a:solidFill>
-                      <a:prstDash val="solid"/>
-                      <a:round/>
-                      <a:headEnd type="none" w="med" len="med"/>
-                      <a:tailEnd type="none" w="med" len="med"/>
-                    </a:lnR>
-                    <a:lnT w="12700" cap="flat" cmpd="sng" algn="ctr">
-                      <a:solidFill>
-                        <a:schemeClr val="accent2">
-                          <a:lumMod val="75000"/>
-                        </a:schemeClr>
-                      </a:solidFill>
-                      <a:prstDash val="solid"/>
-                      <a:round/>
-                      <a:headEnd type="none" w="med" len="med"/>
-                      <a:tailEnd type="none" w="med" len="med"/>
-                    </a:lnT>
-                    <a:lnB w="12700" cap="flat" cmpd="sng" algn="ctr">
-                      <a:solidFill>
-                        <a:schemeClr val="accent2">
-                          <a:lumMod val="75000"/>
-                        </a:schemeClr>
-                      </a:solidFill>
-                      <a:prstDash val="solid"/>
-                      <a:round/>
-                      <a:headEnd type="none" w="med" len="med"/>
-                      <a:tailEnd type="none" w="med" len="med"/>
-                    </a:lnB>
-                    <a:solidFill>
-                      <a:schemeClr val="accent5"/>
-                    </a:solidFill>
-                  </a:tcPr>
-                </a:tc>
-                <a:tc>
-                  <a:txBody>
-                    <a:bodyPr/>
-                    <a:lstStyle/>
-                    <a:p>
-                      <a:endParaRPr lang="en-GB" sz="1400" dirty="0">
-                        <a:latin typeface="+mn-lt"/>
-                      </a:endParaRPr>
-                    </a:p>
-                  </a:txBody>
-                  <a:tcPr anchor="ctr">
-                    <a:lnL w="12700" cap="flat" cmpd="sng" algn="ctr">
-                      <a:solidFill>
-                        <a:schemeClr val="accent2">
-                          <a:lumMod val="75000"/>
-                        </a:schemeClr>
-                      </a:solidFill>
-                      <a:prstDash val="solid"/>
-                      <a:round/>
-                      <a:headEnd type="none" w="med" len="med"/>
-                      <a:tailEnd type="none" w="med" len="med"/>
-                    </a:lnL>
-                    <a:lnR w="38100" cap="flat" cmpd="sng" algn="ctr">
-                      <a:noFill/>
-                      <a:prstDash val="solid"/>
-                      <a:round/>
-                      <a:headEnd type="none" w="med" len="med"/>
-                      <a:tailEnd type="none" w="med" len="med"/>
-                    </a:lnR>
-                    <a:lnT w="12700" cap="flat" cmpd="sng" algn="ctr">
-                      <a:solidFill>
-                        <a:schemeClr val="accent2">
-                          <a:lumMod val="75000"/>
-                        </a:schemeClr>
-                      </a:solidFill>
-                      <a:prstDash val="solid"/>
-                      <a:round/>
-                      <a:headEnd type="none" w="med" len="med"/>
-                      <a:tailEnd type="none" w="med" len="med"/>
-                    </a:lnT>
-                    <a:lnB w="12700" cap="flat" cmpd="sng" algn="ctr">
-                      <a:solidFill>
-                        <a:schemeClr val="accent2">
-                          <a:lumMod val="75000"/>
-                        </a:schemeClr>
-                      </a:solidFill>
-                      <a:prstDash val="solid"/>
-                      <a:round/>
-                      <a:headEnd type="none" w="med" len="med"/>
-                      <a:tailEnd type="none" w="med" len="med"/>
-                    </a:lnB>
-                    <a:solidFill>
-                      <a:schemeClr val="accent5"/>
-                    </a:solidFill>
-                  </a:tcPr>
-                </a:tc>
-                <a:extLst>
-                  <a:ext uri="{0D108BD9-81ED-4DB2-BD59-A6C34878D82A}">
-                    <a16:rowId xmlns:a16="http://schemas.microsoft.com/office/drawing/2014/main" val="3472044516"/>
-                  </a:ext>
-                </a:extLst>
-              </a:tr>
-            </a:tbl>
-          </a:graphicData>
-        </a:graphic>
-      </p:graphicFrame>
-      <p:sp>
-        <p:nvSpPr>
-          <p:cNvPr id="2" name="Slide Number Placeholder 1">
-            <a:extLst>
-              <a:ext uri="{FF2B5EF4-FFF2-40B4-BE49-F238E27FC236}">
-                <a16:creationId xmlns:a16="http://schemas.microsoft.com/office/drawing/2014/main" id="{E4398C1C-6656-4A73-A680-62A81CDC27FD}"/>
-              </a:ext>
-            </a:extLst>
-          </p:cNvPr>
-          <p:cNvSpPr>
-            <a:spLocks noGrp="1"/>
-          </p:cNvSpPr>
-          <p:nvPr>
-            <p:ph type="sldNum" sz="quarter" idx="12"/>
-          </p:nvPr>
-        </p:nvSpPr>
-        <p:spPr/>
-        <p:txBody>
-          <a:bodyPr/>
-          <a:lstStyle/>
-          <a:p>
-            <a:fld id="{C263D6C4-4840-40CC-AC84-17E24B3B7BDE}" type="slidenum">
-              <a:rPr lang="en-US" smtClean="0"/>
-              <a:pPr/>
-              <a:t>27</a:t>
-            </a:fld>
-            <a:endParaRPr lang="en-US" dirty="0"/>
-          </a:p>
-        </p:txBody>
-      </p:sp>
-    </p:spTree>
-    <p:extLst>
-      <p:ext uri="{BB962C8B-B14F-4D97-AF65-F5344CB8AC3E}">
-        <p14:creationId xmlns:p14="http://schemas.microsoft.com/office/powerpoint/2010/main" val="1065425595"/>
-      </p:ext>
-    </p:extLst>
-  </p:cSld>
-  <p:clrMapOvr>
-    <a:masterClrMapping/>
-  </p:clrMapOvr>
-  <mc:AlternateContent xmlns:mc="http://schemas.openxmlformats.org/markup-compatibility/2006" xmlns:p14="http://schemas.microsoft.com/office/powerpoint/2010/main">
-    <mc:Choice Requires="p14">
-      <p:transition spd="med" p14:dur="700">
-        <p:fade/>
-      </p:transition>
-    </mc:Choice>
-    <mc:Fallback xmlns="">
-      <p:transition spd="med">
-        <p:fade/>
-      </p:transition>
-    </mc:Fallback>
-  </mc:AlternateContent>
-</p:sld>
-</file>
-
-<file path=ppt/slides/slide28.xml><?xml version="1.0" encoding="utf-8"?>
-<p:sld xmlns:a="http://schemas.openxmlformats.org/drawingml/2006/main" xmlns:r="http://schemas.openxmlformats.org/officeDocument/2006/relationships" xmlns:p="http://schemas.openxmlformats.org/presentationml/2006/main">
-  <p:cSld>
-    <p:spTree>
-      <p:nvGrpSpPr>
-        <p:cNvPr id="1" name=""/>
-        <p:cNvGrpSpPr/>
-        <p:nvPr/>
-      </p:nvGrpSpPr>
-      <p:grpSpPr>
-        <a:xfrm>
-          <a:off x="0" y="0"/>
-          <a:ext cx="0" cy="0"/>
-          <a:chOff x="0" y="0"/>
-          <a:chExt cx="0" cy="0"/>
-        </a:xfrm>
-      </p:grpSpPr>
-      <p:sp>
-        <p:nvSpPr>
-          <p:cNvPr id="5" name="Title 4">
-            <a:extLst>
-              <a:ext uri="{FF2B5EF4-FFF2-40B4-BE49-F238E27FC236}">
-                <a16:creationId xmlns:a16="http://schemas.microsoft.com/office/drawing/2014/main" id="{201323FB-427E-4A8D-B473-AB0657D8D23B}"/>
-              </a:ext>
-            </a:extLst>
-          </p:cNvPr>
-          <p:cNvSpPr>
-            <a:spLocks noGrp="1"/>
-          </p:cNvSpPr>
-          <p:nvPr>
-            <p:ph type="title"/>
-          </p:nvPr>
-        </p:nvSpPr>
-        <p:spPr/>
-        <p:txBody>
-          <a:bodyPr/>
-          <a:lstStyle/>
-          <a:p>
-            <a:r>
-              <a:rPr lang="en-US" dirty="0"/>
-              <a:t>Chart</a:t>
-            </a:r>
-          </a:p>
-        </p:txBody>
-      </p:sp>
-      <p:graphicFrame>
-        <p:nvGraphicFramePr>
-          <p:cNvPr id="7" name="Chart 6" title="Gross Revenue Placeholder Chart">
-            <a:extLst>
-              <a:ext uri="{FF2B5EF4-FFF2-40B4-BE49-F238E27FC236}">
-                <a16:creationId xmlns:a16="http://schemas.microsoft.com/office/drawing/2014/main" id="{19AEAA04-4840-FB41-B910-5F3570D85F0A}"/>
-              </a:ext>
-            </a:extLst>
-          </p:cNvPr>
-          <p:cNvGraphicFramePr/>
-          <p:nvPr>
-            <p:extLst>
-              <p:ext uri="{D42A27DB-BD31-4B8C-83A1-F6EECF244321}">
-                <p14:modId xmlns:p14="http://schemas.microsoft.com/office/powerpoint/2010/main" val="654825679"/>
-              </p:ext>
-            </p:extLst>
-          </p:nvPr>
-        </p:nvGraphicFramePr>
-        <p:xfrm>
-          <a:off x="1250950" y="1712075"/>
-          <a:ext cx="9690100" cy="4444199"/>
-        </p:xfrm>
-        <a:graphic>
-          <a:graphicData uri="http://schemas.openxmlformats.org/drawingml/2006/chart">
-            <c:chart xmlns:c="http://schemas.openxmlformats.org/drawingml/2006/chart" xmlns:r="http://schemas.openxmlformats.org/officeDocument/2006/relationships" r:id="rId2"/>
-          </a:graphicData>
-        </a:graphic>
-      </p:graphicFrame>
-      <p:sp>
-        <p:nvSpPr>
-          <p:cNvPr id="2" name="Slide Number Placeholder 1">
-            <a:extLst>
-              <a:ext uri="{FF2B5EF4-FFF2-40B4-BE49-F238E27FC236}">
-                <a16:creationId xmlns:a16="http://schemas.microsoft.com/office/drawing/2014/main" id="{E4398C1C-6656-4A73-A680-62A81CDC27FD}"/>
-              </a:ext>
-            </a:extLst>
-          </p:cNvPr>
-          <p:cNvSpPr>
-            <a:spLocks noGrp="1"/>
-          </p:cNvSpPr>
-          <p:nvPr>
-            <p:ph type="sldNum" sz="quarter" idx="12"/>
-          </p:nvPr>
-        </p:nvSpPr>
-        <p:spPr/>
-        <p:txBody>
-          <a:bodyPr/>
-          <a:lstStyle/>
-          <a:p>
-            <a:fld id="{C263D6C4-4840-40CC-AC84-17E24B3B7BDE}" type="slidenum">
-              <a:rPr lang="en-US" smtClean="0"/>
-              <a:pPr/>
-              <a:t>28</a:t>
-            </a:fld>
-            <a:endParaRPr lang="en-US" dirty="0"/>
-          </a:p>
-        </p:txBody>
-      </p:sp>
-    </p:spTree>
-    <p:extLst>
-      <p:ext uri="{BB962C8B-B14F-4D97-AF65-F5344CB8AC3E}">
-        <p14:creationId xmlns:p14="http://schemas.microsoft.com/office/powerpoint/2010/main" val="3322300142"/>
-      </p:ext>
-    </p:extLst>
-  </p:cSld>
-  <p:clrMapOvr>
-    <a:masterClrMapping/>
-  </p:clrMapOvr>
-  <mc:AlternateContent xmlns:mc="http://schemas.openxmlformats.org/markup-compatibility/2006" xmlns:p14="http://schemas.microsoft.com/office/powerpoint/2010/main">
-    <mc:Choice Requires="p14">
-      <p:transition spd="med" p14:dur="700">
-        <p:fade/>
-      </p:transition>
-    </mc:Choice>
-    <mc:Fallback xmlns="">
-      <p:transition spd="med">
-        <p:fade/>
-      </p:transition>
-    </mc:Fallback>
-  </mc:AlternateContent>
-</p:sld>
-</file>
-
-<file path=ppt/slides/slide29.xml><?xml version="1.0" encoding="utf-8"?>
-<p:sld xmlns:a="http://schemas.openxmlformats.org/drawingml/2006/main" xmlns:r="http://schemas.openxmlformats.org/officeDocument/2006/relationships" xmlns:p="http://schemas.openxmlformats.org/presentationml/2006/main">
-  <p:cSld>
-    <p:spTree>
-      <p:nvGrpSpPr>
-        <p:cNvPr id="1" name=""/>
-        <p:cNvGrpSpPr/>
-        <p:nvPr/>
-      </p:nvGrpSpPr>
-      <p:grpSpPr>
-        <a:xfrm>
-          <a:off x="0" y="0"/>
-          <a:ext cx="0" cy="0"/>
-          <a:chOff x="0" y="0"/>
-          <a:chExt cx="0" cy="0"/>
-        </a:xfrm>
-      </p:grpSpPr>
-      <p:sp>
-        <p:nvSpPr>
-          <p:cNvPr id="6" name="Title 5">
-            <a:extLst>
-              <a:ext uri="{FF2B5EF4-FFF2-40B4-BE49-F238E27FC236}">
-                <a16:creationId xmlns:a16="http://schemas.microsoft.com/office/drawing/2014/main" id="{A4CD37D6-FE32-48E3-A3AD-F07BE6A19FA1}"/>
-              </a:ext>
-            </a:extLst>
-          </p:cNvPr>
-          <p:cNvSpPr>
-            <a:spLocks noGrp="1"/>
-          </p:cNvSpPr>
-          <p:nvPr>
-            <p:ph type="title"/>
-          </p:nvPr>
-        </p:nvSpPr>
-        <p:spPr>
-          <a:xfrm>
-            <a:off x="533399" y="3200400"/>
-            <a:ext cx="7551057" cy="2859313"/>
-          </a:xfrm>
-        </p:spPr>
-        <p:txBody>
-          <a:bodyPr/>
-          <a:lstStyle/>
-          <a:p>
-            <a:r>
-              <a:rPr lang="en-US" dirty="0"/>
-              <a:t>Quote appears here </a:t>
-            </a:r>
-            <a:br>
-              <a:rPr lang="en-US" dirty="0"/>
-            </a:br>
-            <a:r>
-              <a:rPr lang="en-US" dirty="0"/>
-              <a:t>Lorem ipsum dolor sit amet, consectetuer adipiscing elit.” </a:t>
-            </a:r>
-            <a:br>
-              <a:rPr lang="en-US" dirty="0"/>
-            </a:br>
-            <a:r>
-              <a:rPr lang="en-US" sz="2400" dirty="0"/>
-              <a:t>- Author</a:t>
-            </a:r>
-            <a:endParaRPr lang="en-US" dirty="0"/>
-          </a:p>
-        </p:txBody>
-      </p:sp>
-      <p:sp>
-        <p:nvSpPr>
-          <p:cNvPr id="2" name="Slide Number Placeholder 1">
-            <a:extLst>
-              <a:ext uri="{FF2B5EF4-FFF2-40B4-BE49-F238E27FC236}">
-                <a16:creationId xmlns:a16="http://schemas.microsoft.com/office/drawing/2014/main" id="{8EDC7217-2779-44E0-9E6D-3B3879516A1D}"/>
-              </a:ext>
-            </a:extLst>
-          </p:cNvPr>
-          <p:cNvSpPr>
-            <a:spLocks noGrp="1"/>
-          </p:cNvSpPr>
-          <p:nvPr>
-            <p:ph type="sldNum" sz="quarter" idx="12"/>
-          </p:nvPr>
-        </p:nvSpPr>
-        <p:spPr/>
-        <p:txBody>
-          <a:bodyPr/>
-          <a:lstStyle/>
-          <a:p>
-            <a:fld id="{C263D6C4-4840-40CC-AC84-17E24B3B7BDE}" type="slidenum">
-              <a:rPr lang="en-US" smtClean="0"/>
-              <a:pPr/>
-              <a:t>29</a:t>
-            </a:fld>
-            <a:endParaRPr lang="en-US" dirty="0"/>
-          </a:p>
-        </p:txBody>
-      </p:sp>
-    </p:spTree>
-    <p:extLst>
-      <p:ext uri="{BB962C8B-B14F-4D97-AF65-F5344CB8AC3E}">
-        <p14:creationId xmlns:p14="http://schemas.microsoft.com/office/powerpoint/2010/main" val="914134537"/>
       </p:ext>
     </p:extLst>
   </p:cSld>
@@ -36092,255 +31670,6 @@
 </p:sld>
 </file>
 
-<file path=ppt/slides/slide30.xml><?xml version="1.0" encoding="utf-8"?>
-<p:sld xmlns:a="http://schemas.openxmlformats.org/drawingml/2006/main" xmlns:r="http://schemas.openxmlformats.org/officeDocument/2006/relationships" xmlns:p="http://schemas.openxmlformats.org/presentationml/2006/main">
-  <p:cSld>
-    <p:spTree>
-      <p:nvGrpSpPr>
-        <p:cNvPr id="1" name=""/>
-        <p:cNvGrpSpPr/>
-        <p:nvPr/>
-      </p:nvGrpSpPr>
-      <p:grpSpPr>
-        <a:xfrm>
-          <a:off x="0" y="0"/>
-          <a:ext cx="0" cy="0"/>
-          <a:chOff x="0" y="0"/>
-          <a:chExt cx="0" cy="0"/>
-        </a:xfrm>
-      </p:grpSpPr>
-      <p:sp>
-        <p:nvSpPr>
-          <p:cNvPr id="2" name="Title 1">
-            <a:extLst>
-              <a:ext uri="{FF2B5EF4-FFF2-40B4-BE49-F238E27FC236}">
-                <a16:creationId xmlns:a16="http://schemas.microsoft.com/office/drawing/2014/main" id="{632BE5BF-9922-45FB-8F3F-4446D40A051B}"/>
-              </a:ext>
-            </a:extLst>
-          </p:cNvPr>
-          <p:cNvSpPr>
-            <a:spLocks noGrp="1"/>
-          </p:cNvSpPr>
-          <p:nvPr>
-            <p:ph type="ctrTitle"/>
-          </p:nvPr>
-        </p:nvSpPr>
-        <p:spPr/>
-        <p:txBody>
-          <a:bodyPr/>
-          <a:lstStyle/>
-          <a:p>
-            <a:r>
-              <a:rPr lang="en-US" dirty="0"/>
-              <a:t>Thank You 1</a:t>
-            </a:r>
-            <a:endParaRPr lang="en-GB" dirty="0"/>
-          </a:p>
-        </p:txBody>
-      </p:sp>
-    </p:spTree>
-    <p:extLst>
-      <p:ext uri="{BB962C8B-B14F-4D97-AF65-F5344CB8AC3E}">
-        <p14:creationId xmlns:p14="http://schemas.microsoft.com/office/powerpoint/2010/main" val="429771863"/>
-      </p:ext>
-    </p:extLst>
-  </p:cSld>
-  <p:clrMapOvr>
-    <a:masterClrMapping/>
-  </p:clrMapOvr>
-  <p:transition spd="slow">
-    <p:wipe/>
-  </p:transition>
-</p:sld>
-</file>
-
-<file path=ppt/slides/slide31.xml><?xml version="1.0" encoding="utf-8"?>
-<p:sld xmlns:a="http://schemas.openxmlformats.org/drawingml/2006/main" xmlns:r="http://schemas.openxmlformats.org/officeDocument/2006/relationships" xmlns:p="http://schemas.openxmlformats.org/presentationml/2006/main">
-  <p:cSld>
-    <p:spTree>
-      <p:nvGrpSpPr>
-        <p:cNvPr id="1" name=""/>
-        <p:cNvGrpSpPr/>
-        <p:nvPr/>
-      </p:nvGrpSpPr>
-      <p:grpSpPr>
-        <a:xfrm>
-          <a:off x="0" y="0"/>
-          <a:ext cx="0" cy="0"/>
-          <a:chOff x="0" y="0"/>
-          <a:chExt cx="0" cy="0"/>
-        </a:xfrm>
-      </p:grpSpPr>
-      <p:sp>
-        <p:nvSpPr>
-          <p:cNvPr id="2" name="Title 1">
-            <a:extLst>
-              <a:ext uri="{FF2B5EF4-FFF2-40B4-BE49-F238E27FC236}">
-                <a16:creationId xmlns:a16="http://schemas.microsoft.com/office/drawing/2014/main" id="{632BE5BF-9922-45FB-8F3F-4446D40A051B}"/>
-              </a:ext>
-            </a:extLst>
-          </p:cNvPr>
-          <p:cNvSpPr>
-            <a:spLocks noGrp="1"/>
-          </p:cNvSpPr>
-          <p:nvPr>
-            <p:ph type="ctrTitle"/>
-          </p:nvPr>
-        </p:nvSpPr>
-        <p:spPr/>
-        <p:txBody>
-          <a:bodyPr/>
-          <a:lstStyle/>
-          <a:p>
-            <a:r>
-              <a:rPr lang="en-US" dirty="0"/>
-              <a:t>Thank You 2</a:t>
-            </a:r>
-            <a:endParaRPr lang="en-GB" dirty="0"/>
-          </a:p>
-        </p:txBody>
-      </p:sp>
-    </p:spTree>
-    <p:extLst>
-      <p:ext uri="{BB962C8B-B14F-4D97-AF65-F5344CB8AC3E}">
-        <p14:creationId xmlns:p14="http://schemas.microsoft.com/office/powerpoint/2010/main" val="44069682"/>
-      </p:ext>
-    </p:extLst>
-  </p:cSld>
-  <p:clrMapOvr>
-    <a:masterClrMapping/>
-  </p:clrMapOvr>
-  <p:transition spd="slow">
-    <p:wipe/>
-  </p:transition>
-</p:sld>
-</file>
-
-<file path=ppt/slides/slide32.xml><?xml version="1.0" encoding="utf-8"?>
-<p:sld xmlns:a="http://schemas.openxmlformats.org/drawingml/2006/main" xmlns:r="http://schemas.openxmlformats.org/officeDocument/2006/relationships" xmlns:p="http://schemas.openxmlformats.org/presentationml/2006/main">
-  <p:cSld>
-    <p:spTree>
-      <p:nvGrpSpPr>
-        <p:cNvPr id="1" name=""/>
-        <p:cNvGrpSpPr/>
-        <p:nvPr/>
-      </p:nvGrpSpPr>
-      <p:grpSpPr>
-        <a:xfrm>
-          <a:off x="0" y="0"/>
-          <a:ext cx="0" cy="0"/>
-          <a:chOff x="0" y="0"/>
-          <a:chExt cx="0" cy="0"/>
-        </a:xfrm>
-      </p:grpSpPr>
-      <p:sp>
-        <p:nvSpPr>
-          <p:cNvPr id="4" name="Title 3">
-            <a:extLst>
-              <a:ext uri="{FF2B5EF4-FFF2-40B4-BE49-F238E27FC236}">
-                <a16:creationId xmlns:a16="http://schemas.microsoft.com/office/drawing/2014/main" id="{E98DCA46-603B-4178-8707-30E192CE6B8D}"/>
-              </a:ext>
-            </a:extLst>
-          </p:cNvPr>
-          <p:cNvSpPr>
-            <a:spLocks noGrp="1"/>
-          </p:cNvSpPr>
-          <p:nvPr>
-            <p:ph type="title"/>
-          </p:nvPr>
-        </p:nvSpPr>
-        <p:spPr/>
-        <p:txBody>
-          <a:bodyPr/>
-          <a:lstStyle/>
-          <a:p>
-            <a:r>
-              <a:rPr lang="en-US" dirty="0"/>
-              <a:t>Customize this Template</a:t>
-            </a:r>
-          </a:p>
-        </p:txBody>
-      </p:sp>
-      <p:sp>
-        <p:nvSpPr>
-          <p:cNvPr id="2" name="Slide Number Placeholder 1">
-            <a:extLst>
-              <a:ext uri="{FF2B5EF4-FFF2-40B4-BE49-F238E27FC236}">
-                <a16:creationId xmlns:a16="http://schemas.microsoft.com/office/drawing/2014/main" id="{6D90B5C6-1CB0-445E-99D1-8E2FE8C59B50}"/>
-              </a:ext>
-            </a:extLst>
-          </p:cNvPr>
-          <p:cNvSpPr>
-            <a:spLocks noGrp="1"/>
-          </p:cNvSpPr>
-          <p:nvPr>
-            <p:ph type="sldNum" sz="quarter" idx="12"/>
-          </p:nvPr>
-        </p:nvSpPr>
-        <p:spPr/>
-        <p:txBody>
-          <a:bodyPr/>
-          <a:lstStyle/>
-          <a:p>
-            <a:fld id="{C263D6C4-4840-40CC-AC84-17E24B3B7BDE}" type="slidenum">
-              <a:rPr lang="en-US" smtClean="0"/>
-              <a:pPr/>
-              <a:t>32</a:t>
-            </a:fld>
-            <a:endParaRPr lang="en-US" dirty="0"/>
-          </a:p>
-        </p:txBody>
-      </p:sp>
-      <p:sp>
-        <p:nvSpPr>
-          <p:cNvPr id="3" name="Text Placeholder 2">
-            <a:extLst>
-              <a:ext uri="{FF2B5EF4-FFF2-40B4-BE49-F238E27FC236}">
-                <a16:creationId xmlns:a16="http://schemas.microsoft.com/office/drawing/2014/main" id="{06554A61-D199-469B-AB0C-B68F82B5059F}"/>
-              </a:ext>
-            </a:extLst>
-          </p:cNvPr>
-          <p:cNvSpPr>
-            <a:spLocks noGrp="1"/>
-          </p:cNvSpPr>
-          <p:nvPr>
-            <p:ph type="body" sz="quarter" idx="13"/>
-          </p:nvPr>
-        </p:nvSpPr>
-        <p:spPr/>
-        <p:txBody>
-          <a:bodyPr/>
-          <a:lstStyle/>
-          <a:p>
-            <a:r>
-              <a:rPr lang="en-US" u="sng" dirty="0">
-                <a:hlinkClick r:id="rId2">
-                  <a:extLst>
-                    <a:ext uri="{A12FA001-AC4F-418D-AE19-62706E023703}">
-                      <ahyp:hlinkClr xmlns:ahyp="http://schemas.microsoft.com/office/drawing/2018/hyperlinkcolor" val="tx"/>
-                    </a:ext>
-                  </a:extLst>
-                </a:hlinkClick>
-              </a:rPr>
-              <a:t>Template Editing Instructions and Feedback</a:t>
-            </a:r>
-            <a:endParaRPr lang="en-US" u="sng" dirty="0"/>
-          </a:p>
-        </p:txBody>
-      </p:sp>
-    </p:spTree>
-    <p:extLst>
-      <p:ext uri="{BB962C8B-B14F-4D97-AF65-F5344CB8AC3E}">
-        <p14:creationId xmlns:p14="http://schemas.microsoft.com/office/powerpoint/2010/main" val="59582380"/>
-      </p:ext>
-    </p:extLst>
-  </p:cSld>
-  <p:clrMapOvr>
-    <a:masterClrMapping/>
-  </p:clrMapOvr>
-</p:sld>
-</file>
-
 <file path=ppt/slides/slide4.xml><?xml version="1.0" encoding="utf-8"?>
 <p:sld xmlns:a="http://schemas.openxmlformats.org/drawingml/2006/main" xmlns:r="http://schemas.openxmlformats.org/officeDocument/2006/relationships" xmlns:p="http://schemas.openxmlformats.org/presentationml/2006/main">
   <p:cSld>
@@ -36450,7 +31779,7 @@
                   </a:extLst>
                 </a:hlinkClick>
               </a:rPr>
-              <a:t>post</a:t>
+              <a:t>popular post</a:t>
             </a:r>
             <a:endParaRPr lang="en-US" sz="2400" dirty="0">
               <a:solidFill>
@@ -37882,8 +33211,8 @@
         </p:nvSpPr>
         <p:spPr>
           <a:xfrm>
-            <a:off x="444499" y="1625385"/>
-            <a:ext cx="11467867" cy="4390951"/>
+            <a:off x="444499" y="1373137"/>
+            <a:ext cx="11467867" cy="5054815"/>
           </a:xfrm>
         </p:spPr>
         <p:txBody>
@@ -37916,6 +33245,15 @@
             <a:r>
               <a:rPr lang="en-US" sz="2800" dirty="0"/>
               <a:t>Blogged about something PowerShell related</a:t>
+            </a:r>
+          </a:p>
+          <a:p>
+            <a:endParaRPr lang="en-US" sz="2800" dirty="0"/>
+          </a:p>
+          <a:p>
+            <a:r>
+              <a:rPr lang="en-US" sz="2800" dirty="0"/>
+              <a:t>Why? Help others in the community and get your name known</a:t>
             </a:r>
           </a:p>
           <a:p>

--- a/src/tiPS Welcome.pptx
+++ b/src/tiPS Welcome.pptx
@@ -1509,6 +1509,14 @@
               <a:buFontTx/>
               <a:buChar char="-"/>
             </a:pPr>
+            <a:r>
+              <a:rPr lang="en-US" dirty="0"/>
+              <a:t>Poll: Did you </a:t>
+            </a:r>
+            <a:r>
+              <a:rPr lang="en-US"/>
+              <a:t>learn something?</a:t>
+            </a:r>
             <a:endParaRPr lang="en-US" dirty="0"/>
           </a:p>
         </p:txBody>

--- a/src/tiPS Welcome.pptx
+++ b/src/tiPS Welcome.pptx
@@ -21,12 +21,12 @@
     <p:sldId id="304" r:id="rId12"/>
     <p:sldId id="295" r:id="rId13"/>
     <p:sldId id="296" r:id="rId14"/>
-    <p:sldId id="298" r:id="rId15"/>
-    <p:sldId id="301" r:id="rId16"/>
-    <p:sldId id="303" r:id="rId17"/>
-    <p:sldId id="302" r:id="rId18"/>
-    <p:sldId id="305" r:id="rId19"/>
-    <p:sldId id="299" r:id="rId20"/>
+    <p:sldId id="305" r:id="rId15"/>
+    <p:sldId id="299" r:id="rId16"/>
+    <p:sldId id="298" r:id="rId17"/>
+    <p:sldId id="301" r:id="rId18"/>
+    <p:sldId id="303" r:id="rId19"/>
+    <p:sldId id="302" r:id="rId20"/>
   </p:sldIdLst>
   <p:sldSz cx="12192000" cy="6858000"/>
   <p:notesSz cx="6858000" cy="9144000"/>
@@ -241,7 +241,7 @@
           <a:p>
             <a:fld id="{1CA5457B-CDAE-4DEB-AEC8-C82DE2312E37}" type="datetimeFigureOut">
               <a:rPr lang="en-US" smtClean="0"/>
-              <a:t>6/11/2024</a:t>
+              <a:t>11/5/2024</a:t>
             </a:fld>
             <a:endParaRPr lang="en-US" dirty="0"/>
           </a:p>
@@ -418,7 +418,7 @@
           <a:p>
             <a:fld id="{090B78EA-28CE-41D8-9043-90E391E5F567}" type="datetimeFigureOut">
               <a:rPr lang="en-US" noProof="0" smtClean="0"/>
-              <a:t>6/11/2024</a:t>
+              <a:t>11/5/2024</a:t>
             </a:fld>
             <a:endParaRPr lang="en-US" noProof="0" dirty="0"/>
           </a:p>
@@ -918,7 +918,7 @@
             </a:pPr>
             <a:r>
               <a:rPr lang="en-US" dirty="0"/>
-              <a:t>3-ClassAndEnum.ps1</a:t>
+              <a:t>Merge in PR</a:t>
             </a:r>
           </a:p>
           <a:p>
@@ -928,7 +928,7 @@
             </a:pPr>
             <a:r>
               <a:rPr lang="en-US" dirty="0"/>
-              <a:t>Comment out Blond enum value and run to show it throws an error and lists possible valid enum values</a:t>
+              <a:t>Walk through each of the ADRs and explain them a bit</a:t>
             </a:r>
           </a:p>
           <a:p>
@@ -939,38 +939,253 @@
             <a:endParaRPr lang="en-US" dirty="0"/>
           </a:p>
           <a:p>
+            <a:pPr marL="171450" marR="0" lvl="0" indent="-171450" algn="l" defTabSz="914400" rtl="0" eaLnBrk="1" fontAlgn="auto" latinLnBrk="0" hangingPunct="1">
+              <a:lnSpc>
+                <a:spcPct val="100000"/>
+              </a:lnSpc>
+              <a:spcBef>
+                <a:spcPts val="0"/>
+              </a:spcBef>
+              <a:spcAft>
+                <a:spcPts val="0"/>
+              </a:spcAft>
+              <a:buClrTx/>
+              <a:buSzTx/>
+              <a:buFontTx/>
+              <a:buChar char="-"/>
+              <a:tabLst/>
+              <a:defRPr/>
+            </a:pPr>
+            <a:r>
+              <a:rPr lang="en-US" sz="1200" b="0" i="0" dirty="0">
+                <a:solidFill>
+                  <a:srgbClr val="000000"/>
+                </a:solidFill>
+                <a:effectLst/>
+                <a:highlight>
+                  <a:srgbClr val="FFFFFF"/>
+                </a:highlight>
+                <a:latin typeface="Calibri" panose="020F0502020204030204" pitchFamily="34" charset="0"/>
+              </a:rPr>
+              <a:t>C# project vs. PowerShell project </a:t>
+            </a:r>
+            <a:endParaRPr lang="en-US" sz="1200" b="0" i="0" dirty="0">
+              <a:solidFill>
+                <a:srgbClr val="000000"/>
+              </a:solidFill>
+              <a:effectLst/>
+              <a:highlight>
+                <a:srgbClr val="FFFFFF"/>
+              </a:highlight>
+              <a:latin typeface="Segoe UI" panose="020B0502040204020203" pitchFamily="34" charset="0"/>
+            </a:endParaRPr>
+          </a:p>
+          <a:p>
+            <a:pPr marL="171450" marR="0" lvl="0" indent="-171450" algn="l" defTabSz="914400" rtl="0" eaLnBrk="1" fontAlgn="auto" latinLnBrk="0" hangingPunct="1">
+              <a:lnSpc>
+                <a:spcPct val="100000"/>
+              </a:lnSpc>
+              <a:spcBef>
+                <a:spcPts val="0"/>
+              </a:spcBef>
+              <a:spcAft>
+                <a:spcPts val="0"/>
+              </a:spcAft>
+              <a:buClrTx/>
+              <a:buSzTx/>
+              <a:buFontTx/>
+              <a:buChar char="-"/>
+              <a:tabLst/>
+              <a:defRPr/>
+            </a:pPr>
+            <a:r>
+              <a:rPr lang="en-US" sz="1800" b="0" i="0" dirty="0">
+                <a:solidFill>
+                  <a:srgbClr val="000000"/>
+                </a:solidFill>
+                <a:effectLst/>
+                <a:highlight>
+                  <a:srgbClr val="FFFFFF"/>
+                </a:highlight>
+                <a:latin typeface="Calibri" panose="020F0502020204030204" pitchFamily="34" charset="0"/>
+              </a:rPr>
+              <a:t>Combining all files into a single .psm1 file for load speed </a:t>
+            </a:r>
+          </a:p>
+          <a:p>
+            <a:pPr marL="628650" marR="0" lvl="1" indent="-171450" algn="l" defTabSz="914400" rtl="0" eaLnBrk="1" fontAlgn="auto" latinLnBrk="0" hangingPunct="1">
+              <a:lnSpc>
+                <a:spcPct val="100000"/>
+              </a:lnSpc>
+              <a:spcBef>
+                <a:spcPts val="0"/>
+              </a:spcBef>
+              <a:spcAft>
+                <a:spcPts val="0"/>
+              </a:spcAft>
+              <a:buClrTx/>
+              <a:buSzTx/>
+              <a:buFontTx/>
+              <a:buChar char="-"/>
+              <a:tabLst/>
+              <a:defRPr/>
+            </a:pPr>
+            <a:r>
+              <a:rPr lang="en-US" sz="1800" b="0" i="0" u="none" strike="noStrike" dirty="0">
+                <a:solidFill>
+                  <a:srgbClr val="000000"/>
+                </a:solidFill>
+                <a:effectLst/>
+                <a:highlight>
+                  <a:srgbClr val="FFFFFF"/>
+                </a:highlight>
+                <a:latin typeface="Calibri" panose="020F0502020204030204" pitchFamily="34" charset="0"/>
+              </a:rPr>
+              <a:t>Test.ps1 in </a:t>
+            </a:r>
+            <a:r>
+              <a:rPr lang="en-US" sz="1800" b="0" i="0" u="none" strike="noStrike" dirty="0" err="1">
+                <a:solidFill>
+                  <a:srgbClr val="000000"/>
+                </a:solidFill>
+                <a:effectLst/>
+                <a:highlight>
+                  <a:srgbClr val="FFFFFF"/>
+                </a:highlight>
+                <a:latin typeface="Calibri" panose="020F0502020204030204" pitchFamily="34" charset="0"/>
+              </a:rPr>
+              <a:t>tiPS</a:t>
+            </a:r>
+            <a:r>
+              <a:rPr lang="en-US" sz="1800" b="0" i="0" u="none" strike="noStrike" dirty="0">
+                <a:solidFill>
+                  <a:srgbClr val="000000"/>
+                </a:solidFill>
+                <a:effectLst/>
+                <a:highlight>
+                  <a:srgbClr val="FFFFFF"/>
+                </a:highlight>
+                <a:latin typeface="Calibri" panose="020F0502020204030204" pitchFamily="34" charset="0"/>
+              </a:rPr>
+              <a:t> repo</a:t>
+            </a:r>
+          </a:p>
+          <a:p>
+            <a:pPr marL="628650" marR="0" lvl="1" indent="-171450" algn="l" defTabSz="914400" rtl="0" eaLnBrk="1" fontAlgn="auto" latinLnBrk="0" hangingPunct="1">
+              <a:lnSpc>
+                <a:spcPct val="100000"/>
+              </a:lnSpc>
+              <a:spcBef>
+                <a:spcPts val="0"/>
+              </a:spcBef>
+              <a:spcAft>
+                <a:spcPts val="0"/>
+              </a:spcAft>
+              <a:buClrTx/>
+              <a:buSzTx/>
+              <a:buFontTx/>
+              <a:buChar char="-"/>
+              <a:tabLst/>
+              <a:defRPr/>
+            </a:pPr>
+            <a:r>
+              <a:rPr lang="en-US" sz="1800" b="0" i="0" u="none" strike="noStrike" dirty="0" err="1">
+                <a:solidFill>
+                  <a:srgbClr val="000000"/>
+                </a:solidFill>
+                <a:effectLst/>
+                <a:highlight>
+                  <a:srgbClr val="FFFFFF"/>
+                </a:highlight>
+                <a:latin typeface="Calibri" panose="020F0502020204030204" pitchFamily="34" charset="0"/>
+              </a:rPr>
+              <a:t>PSModuleRoot</a:t>
+            </a:r>
+            <a:r>
+              <a:rPr lang="en-US" sz="1800" b="0" i="0" u="none" strike="noStrike" dirty="0">
+                <a:solidFill>
+                  <a:srgbClr val="000000"/>
+                </a:solidFill>
+                <a:effectLst/>
+                <a:highlight>
+                  <a:srgbClr val="FFFFFF"/>
+                </a:highlight>
+                <a:latin typeface="Calibri" panose="020F0502020204030204" pitchFamily="34" charset="0"/>
+              </a:rPr>
+              <a:t> variable in .psm1 file</a:t>
+            </a:r>
+            <a:endParaRPr lang="en-US" sz="1200" b="0" i="0" u="none" strike="noStrike" dirty="0">
+              <a:solidFill>
+                <a:srgbClr val="000000"/>
+              </a:solidFill>
+              <a:effectLst/>
+              <a:highlight>
+                <a:srgbClr val="FFFFFF"/>
+              </a:highlight>
+              <a:latin typeface="Segoe UI" panose="020B0502040204020203" pitchFamily="34" charset="0"/>
+            </a:endParaRPr>
+          </a:p>
+          <a:p>
+            <a:pPr marL="171450" marR="0" lvl="0" indent="-171450" algn="l" defTabSz="914400" rtl="0" eaLnBrk="1" fontAlgn="auto" latinLnBrk="0" hangingPunct="1">
+              <a:lnSpc>
+                <a:spcPct val="100000"/>
+              </a:lnSpc>
+              <a:spcBef>
+                <a:spcPts val="0"/>
+              </a:spcBef>
+              <a:spcAft>
+                <a:spcPts val="0"/>
+              </a:spcAft>
+              <a:buClrTx/>
+              <a:buSzTx/>
+              <a:buFontTx/>
+              <a:buChar char="-"/>
+              <a:tabLst/>
+              <a:defRPr/>
+            </a:pPr>
+            <a:r>
+              <a:rPr lang="en-US" sz="1800" b="0" i="0" u="none" strike="noStrike" dirty="0">
+                <a:solidFill>
+                  <a:srgbClr val="000000"/>
+                </a:solidFill>
+                <a:effectLst/>
+                <a:highlight>
+                  <a:srgbClr val="FFFFFF"/>
+                </a:highlight>
+                <a:latin typeface="Calibri" panose="020F0502020204030204" pitchFamily="34" charset="0"/>
+              </a:rPr>
+              <a:t>Different ways to load classes for performance (blog post link)</a:t>
+            </a:r>
+            <a:r>
+              <a:rPr lang="en-US" sz="1800" b="0" i="0" dirty="0">
+                <a:solidFill>
+                  <a:srgbClr val="000000"/>
+                </a:solidFill>
+                <a:effectLst/>
+                <a:highlight>
+                  <a:srgbClr val="FFFFFF"/>
+                </a:highlight>
+                <a:latin typeface="Calibri" panose="020F0502020204030204" pitchFamily="34" charset="0"/>
+              </a:rPr>
+              <a:t> </a:t>
+            </a:r>
+            <a:endParaRPr lang="en-US" b="0" i="0" dirty="0">
+              <a:solidFill>
+                <a:srgbClr val="000000"/>
+              </a:solidFill>
+              <a:effectLst/>
+              <a:highlight>
+                <a:srgbClr val="FFFFFF"/>
+              </a:highlight>
+              <a:latin typeface="Segoe UI" panose="020B0502040204020203" pitchFamily="34" charset="0"/>
+            </a:endParaRPr>
+          </a:p>
+          <a:p>
             <a:pPr marL="171450" indent="-171450">
               <a:buFontTx/>
               <a:buChar char="-"/>
             </a:pPr>
-            <a:r>
-              <a:rPr lang="en-US" dirty="0"/>
-              <a:t>Set-</a:t>
-            </a:r>
-            <a:r>
-              <a:rPr lang="en-US" dirty="0" err="1"/>
-              <a:t>TiPSConfiguration</a:t>
-            </a:r>
-            <a:r>
-              <a:rPr lang="en-US" dirty="0"/>
-              <a:t> -</a:t>
-            </a:r>
-            <a:r>
-              <a:rPr lang="en-US" dirty="0" err="1"/>
-              <a:t>AutomaticallyWritePowerShellTip</a:t>
-            </a:r>
-            <a:r>
-              <a:rPr lang="en-US" dirty="0"/>
-              <a:t> Daily (show enum autocomplete for free; no </a:t>
-            </a:r>
-            <a:r>
-              <a:rPr lang="en-US" dirty="0" err="1"/>
-              <a:t>ValidateSet</a:t>
-            </a:r>
-            <a:r>
-              <a:rPr lang="en-US" dirty="0"/>
-              <a:t> needed)</a:t>
-            </a:r>
+            <a:endParaRPr lang="en-US" dirty="0"/>
           </a:p>
         </p:txBody>
       </p:sp>
@@ -991,7 +1206,7 @@
           <a:p>
             <a:fld id="{1734D747-9380-41EE-9946-EC9EC0CA5D1E}" type="slidenum">
               <a:rPr lang="en-US" noProof="0" smtClean="0"/>
-              <a:t>11</a:t>
+              <a:t>10</a:t>
             </a:fld>
             <a:endParaRPr lang="en-US" noProof="0" dirty="0"/>
           </a:p>
@@ -1000,7 +1215,7 @@
     </p:spTree>
     <p:extLst>
       <p:ext uri="{BB962C8B-B14F-4D97-AF65-F5344CB8AC3E}">
-        <p14:creationId xmlns:p14="http://schemas.microsoft.com/office/powerpoint/2010/main" val="2713588427"/>
+        <p14:creationId xmlns:p14="http://schemas.microsoft.com/office/powerpoint/2010/main" val="1565053882"/>
       </p:ext>
     </p:extLst>
   </p:cSld>
@@ -1060,103 +1275,12 @@
             </a:pPr>
             <a:r>
               <a:rPr lang="en-US" dirty="0"/>
-              <a:t>4-NewSessionEveryTime.ps1</a:t>
-            </a:r>
-          </a:p>
-          <a:p>
-            <a:pPr marL="171450" indent="-171450">
-              <a:buFontTx/>
-              <a:buChar char="-"/>
-            </a:pPr>
-            <a:r>
-              <a:rPr lang="en-US" dirty="0"/>
-              <a:t>Disable temporary console. Search settings for “</a:t>
-            </a:r>
-            <a:r>
-              <a:rPr lang="en-US" dirty="0" err="1"/>
-              <a:t>powershell</a:t>
-            </a:r>
-            <a:r>
-              <a:rPr lang="en-US" dirty="0"/>
-              <a:t> temporary”</a:t>
-            </a:r>
-          </a:p>
-          <a:p>
-            <a:pPr marL="171450" indent="-171450">
-              <a:buFontTx/>
-              <a:buChar char="-"/>
-            </a:pPr>
-            <a:r>
-              <a:rPr lang="en-US" dirty="0"/>
-              <a:t>Run script</a:t>
-            </a:r>
-          </a:p>
-          <a:p>
-            <a:pPr marL="171450" indent="-171450">
-              <a:buFontTx/>
-              <a:buChar char="-"/>
-            </a:pPr>
-            <a:r>
-              <a:rPr lang="en-US" dirty="0"/>
-              <a:t>Change $</a:t>
-            </a:r>
-            <a:r>
-              <a:rPr lang="en-US" dirty="0" err="1"/>
-              <a:t>lastName</a:t>
-            </a:r>
-            <a:r>
-              <a:rPr lang="en-US" dirty="0"/>
-              <a:t> to $</a:t>
-            </a:r>
-            <a:r>
-              <a:rPr lang="en-US" dirty="0" err="1"/>
-              <a:t>sirName</a:t>
-            </a:r>
-            <a:endParaRPr lang="en-US" dirty="0"/>
-          </a:p>
-          <a:p>
-            <a:pPr marL="171450" indent="-171450">
-              <a:buFontTx/>
-              <a:buChar char="-"/>
-            </a:pPr>
-            <a:r>
-              <a:rPr lang="en-US" dirty="0"/>
-              <a:t>Run script (notice it spit out the old name)</a:t>
-            </a:r>
-          </a:p>
-          <a:p>
-            <a:pPr marL="171450" indent="-171450">
-              <a:buFontTx/>
-              <a:buChar char="-"/>
-            </a:pPr>
-            <a:r>
-              <a:rPr lang="en-US" dirty="0"/>
-              <a:t>Re-enable temporary console and run script (now has modified blank name)</a:t>
-            </a:r>
-          </a:p>
-          <a:p>
-            <a:pPr marL="171450" indent="-171450">
-              <a:buFontTx/>
-              <a:buChar char="-"/>
-            </a:pPr>
-            <a:r>
-              <a:rPr lang="en-US" dirty="0"/>
-              <a:t>Uncomment Set-</a:t>
-            </a:r>
-            <a:r>
-              <a:rPr lang="en-US" dirty="0" err="1"/>
-              <a:t>StrictMode</a:t>
-            </a:r>
-            <a:r>
-              <a:rPr lang="en-US" dirty="0"/>
-              <a:t> and run to show it creates an error</a:t>
-            </a:r>
-          </a:p>
-          <a:p>
-            <a:pPr marL="171450" indent="-171450">
-              <a:buFontTx/>
-              <a:buChar char="-"/>
-            </a:pPr>
+              <a:t>Poll: Did you </a:t>
+            </a:r>
+            <a:r>
+              <a:rPr lang="en-US"/>
+              <a:t>learn something?</a:t>
+            </a:r>
             <a:endParaRPr lang="en-US" dirty="0"/>
           </a:p>
         </p:txBody>
@@ -1178,7 +1302,7 @@
           <a:p>
             <a:fld id="{1734D747-9380-41EE-9946-EC9EC0CA5D1E}" type="slidenum">
               <a:rPr lang="en-US" noProof="0" smtClean="0"/>
-              <a:t>12</a:t>
+              <a:t>11</a:t>
             </a:fld>
             <a:endParaRPr lang="en-US" noProof="0" dirty="0"/>
           </a:p>
@@ -1187,7 +1311,7 @@
     </p:spTree>
     <p:extLst>
       <p:ext uri="{BB962C8B-B14F-4D97-AF65-F5344CB8AC3E}">
-        <p14:creationId xmlns:p14="http://schemas.microsoft.com/office/powerpoint/2010/main" val="68410691"/>
+        <p14:creationId xmlns:p14="http://schemas.microsoft.com/office/powerpoint/2010/main" val="4133105507"/>
       </p:ext>
     </p:extLst>
   </p:cSld>
@@ -1247,7 +1371,7 @@
             </a:pPr>
             <a:r>
               <a:rPr lang="en-US" dirty="0"/>
-              <a:t>AutomaticModuleUpdateFunctions.Tests.ps1</a:t>
+              <a:t>Please consider contributing your own tips</a:t>
             </a:r>
           </a:p>
           <a:p>
@@ -1255,54 +1379,7 @@
               <a:buFontTx/>
               <a:buChar char="-"/>
             </a:pPr>
-            <a:r>
-              <a:rPr lang="en-US" dirty="0"/>
-              <a:t>Use $</a:t>
-            </a:r>
-            <a:r>
-              <a:rPr lang="en-US" dirty="0" err="1"/>
-              <a:t>TestDrive</a:t>
-            </a:r>
-            <a:r>
-              <a:rPr lang="en-US" dirty="0"/>
-              <a:t> instead of </a:t>
-            </a:r>
-            <a:r>
-              <a:rPr lang="en-US" dirty="0" err="1"/>
-              <a:t>TestDrive</a:t>
-            </a:r>
-            <a:r>
-              <a:rPr lang="en-US" dirty="0"/>
-              <a:t>: so .NET methods can resolve the path</a:t>
-            </a:r>
-          </a:p>
-          <a:p>
-            <a:pPr marL="171450" indent="-171450">
-              <a:buFontTx/>
-              <a:buChar char="-"/>
-            </a:pPr>
-            <a:r>
-              <a:rPr lang="en-US" dirty="0"/>
-              <a:t>We use .NET methods for performance reasons</a:t>
-            </a:r>
-          </a:p>
-          <a:p>
-            <a:pPr marL="171450" indent="-171450">
-              <a:buFontTx/>
-              <a:buChar char="-"/>
-            </a:pPr>
-            <a:r>
-              <a:rPr lang="en-US" dirty="0"/>
-              <a:t>Use </a:t>
-            </a:r>
-            <a:r>
-              <a:rPr lang="en-US" dirty="0" err="1"/>
-              <a:t>InModuleScope</a:t>
-            </a:r>
-            <a:r>
-              <a:rPr lang="en-US" dirty="0"/>
-              <a:t> to be able to access private module functions</a:t>
-            </a:r>
+            <a:endParaRPr lang="en-US" dirty="0"/>
           </a:p>
         </p:txBody>
       </p:sp>
@@ -1323,7 +1400,7 @@
           <a:p>
             <a:fld id="{1734D747-9380-41EE-9946-EC9EC0CA5D1E}" type="slidenum">
               <a:rPr lang="en-US" noProof="0" smtClean="0"/>
-              <a:t>13</a:t>
+              <a:t>12</a:t>
             </a:fld>
             <a:endParaRPr lang="en-US" noProof="0" dirty="0"/>
           </a:p>
@@ -1332,7 +1409,7 @@
     </p:spTree>
     <p:extLst>
       <p:ext uri="{BB962C8B-B14F-4D97-AF65-F5344CB8AC3E}">
-        <p14:creationId xmlns:p14="http://schemas.microsoft.com/office/powerpoint/2010/main" val="3042024888"/>
+        <p14:creationId xmlns:p14="http://schemas.microsoft.com/office/powerpoint/2010/main" val="2087113364"/>
       </p:ext>
     </p:extLst>
   </p:cSld>
@@ -1392,7 +1469,7 @@
             </a:pPr>
             <a:r>
               <a:rPr lang="en-US" dirty="0"/>
-              <a:t>Show pipeline for PR we merged in earlier</a:t>
+              <a:t>3-ClassAndEnum.ps1</a:t>
             </a:r>
           </a:p>
           <a:p>
@@ -1402,7 +1479,7 @@
             </a:pPr>
             <a:r>
               <a:rPr lang="en-US" dirty="0"/>
-              <a:t>Caught a Windows PowerShell issue when installing the module with an emoji in the module manifest description</a:t>
+              <a:t>Comment out Blond enum value and run to show it throws an error and lists possible valid enum values</a:t>
             </a:r>
           </a:p>
           <a:p>
@@ -1410,17 +1487,40 @@
               <a:buFontTx/>
               <a:buChar char="-"/>
             </a:pPr>
+            <a:endParaRPr lang="en-US" dirty="0"/>
+          </a:p>
+          <a:p>
+            <a:pPr marL="171450" indent="-171450">
+              <a:buFontTx/>
+              <a:buChar char="-"/>
+            </a:pPr>
             <a:r>
               <a:rPr lang="en-US" dirty="0"/>
-              <a:t>Caught a cross-platform bug when saving the module settings to the local user’s directory (I think I was using $</a:t>
+              <a:t>Set-</a:t>
             </a:r>
             <a:r>
               <a:rPr lang="en-US" dirty="0" err="1"/>
-              <a:t>Env:AppData</a:t>
+              <a:t>TiPSConfiguration</a:t>
             </a:r>
             <a:r>
               <a:rPr lang="en-US" dirty="0"/>
-              <a:t>)</a:t>
+              <a:t> -</a:t>
+            </a:r>
+            <a:r>
+              <a:rPr lang="en-US" dirty="0" err="1"/>
+              <a:t>AutomaticallyWritePowerShellTip</a:t>
+            </a:r>
+            <a:r>
+              <a:rPr lang="en-US" dirty="0"/>
+              <a:t> Daily (show enum autocomplete for free; no </a:t>
+            </a:r>
+            <a:r>
+              <a:rPr lang="en-US" dirty="0" err="1"/>
+              <a:t>ValidateSet</a:t>
+            </a:r>
+            <a:r>
+              <a:rPr lang="en-US" dirty="0"/>
+              <a:t> needed)</a:t>
             </a:r>
           </a:p>
         </p:txBody>
@@ -1442,7 +1542,7 @@
           <a:p>
             <a:fld id="{1734D747-9380-41EE-9946-EC9EC0CA5D1E}" type="slidenum">
               <a:rPr lang="en-US" noProof="0" smtClean="0"/>
-              <a:t>14</a:t>
+              <a:t>13</a:t>
             </a:fld>
             <a:endParaRPr lang="en-US" noProof="0" dirty="0"/>
           </a:p>
@@ -1451,7 +1551,7 @@
     </p:spTree>
     <p:extLst>
       <p:ext uri="{BB962C8B-B14F-4D97-AF65-F5344CB8AC3E}">
-        <p14:creationId xmlns:p14="http://schemas.microsoft.com/office/powerpoint/2010/main" val="2210032523"/>
+        <p14:creationId xmlns:p14="http://schemas.microsoft.com/office/powerpoint/2010/main" val="2713588427"/>
       </p:ext>
     </p:extLst>
   </p:cSld>
@@ -1511,12 +1611,103 @@
             </a:pPr>
             <a:r>
               <a:rPr lang="en-US" dirty="0"/>
-              <a:t>Poll: Did you </a:t>
-            </a:r>
-            <a:r>
-              <a:rPr lang="en-US"/>
-              <a:t>learn something?</a:t>
-            </a:r>
+              <a:t>4-NewSessionEveryTime.ps1</a:t>
+            </a:r>
+          </a:p>
+          <a:p>
+            <a:pPr marL="171450" indent="-171450">
+              <a:buFontTx/>
+              <a:buChar char="-"/>
+            </a:pPr>
+            <a:r>
+              <a:rPr lang="en-US" dirty="0"/>
+              <a:t>Disable temporary console. Search settings for “</a:t>
+            </a:r>
+            <a:r>
+              <a:rPr lang="en-US" dirty="0" err="1"/>
+              <a:t>powershell</a:t>
+            </a:r>
+            <a:r>
+              <a:rPr lang="en-US" dirty="0"/>
+              <a:t> temporary”</a:t>
+            </a:r>
+          </a:p>
+          <a:p>
+            <a:pPr marL="171450" indent="-171450">
+              <a:buFontTx/>
+              <a:buChar char="-"/>
+            </a:pPr>
+            <a:r>
+              <a:rPr lang="en-US" dirty="0"/>
+              <a:t>Run script</a:t>
+            </a:r>
+          </a:p>
+          <a:p>
+            <a:pPr marL="171450" indent="-171450">
+              <a:buFontTx/>
+              <a:buChar char="-"/>
+            </a:pPr>
+            <a:r>
+              <a:rPr lang="en-US" dirty="0"/>
+              <a:t>Change $</a:t>
+            </a:r>
+            <a:r>
+              <a:rPr lang="en-US" dirty="0" err="1"/>
+              <a:t>lastName</a:t>
+            </a:r>
+            <a:r>
+              <a:rPr lang="en-US" dirty="0"/>
+              <a:t> to $</a:t>
+            </a:r>
+            <a:r>
+              <a:rPr lang="en-US" dirty="0" err="1"/>
+              <a:t>sirName</a:t>
+            </a:r>
+            <a:endParaRPr lang="en-US" dirty="0"/>
+          </a:p>
+          <a:p>
+            <a:pPr marL="171450" indent="-171450">
+              <a:buFontTx/>
+              <a:buChar char="-"/>
+            </a:pPr>
+            <a:r>
+              <a:rPr lang="en-US" dirty="0"/>
+              <a:t>Run script (notice it spit out the old name)</a:t>
+            </a:r>
+          </a:p>
+          <a:p>
+            <a:pPr marL="171450" indent="-171450">
+              <a:buFontTx/>
+              <a:buChar char="-"/>
+            </a:pPr>
+            <a:r>
+              <a:rPr lang="en-US" dirty="0"/>
+              <a:t>Re-enable temporary console and run script (now has modified blank name)</a:t>
+            </a:r>
+          </a:p>
+          <a:p>
+            <a:pPr marL="171450" indent="-171450">
+              <a:buFontTx/>
+              <a:buChar char="-"/>
+            </a:pPr>
+            <a:r>
+              <a:rPr lang="en-US" dirty="0"/>
+              <a:t>Uncomment Set-</a:t>
+            </a:r>
+            <a:r>
+              <a:rPr lang="en-US" dirty="0" err="1"/>
+              <a:t>StrictMode</a:t>
+            </a:r>
+            <a:r>
+              <a:rPr lang="en-US" dirty="0"/>
+              <a:t> and run to show it creates an error</a:t>
+            </a:r>
+          </a:p>
+          <a:p>
+            <a:pPr marL="171450" indent="-171450">
+              <a:buFontTx/>
+              <a:buChar char="-"/>
+            </a:pPr>
             <a:endParaRPr lang="en-US" dirty="0"/>
           </a:p>
         </p:txBody>
@@ -1538,7 +1729,7 @@
           <a:p>
             <a:fld id="{1734D747-9380-41EE-9946-EC9EC0CA5D1E}" type="slidenum">
               <a:rPr lang="en-US" noProof="0" smtClean="0"/>
-              <a:t>15</a:t>
+              <a:t>14</a:t>
             </a:fld>
             <a:endParaRPr lang="en-US" noProof="0" dirty="0"/>
           </a:p>
@@ -1547,7 +1738,7 @@
     </p:spTree>
     <p:extLst>
       <p:ext uri="{BB962C8B-B14F-4D97-AF65-F5344CB8AC3E}">
-        <p14:creationId xmlns:p14="http://schemas.microsoft.com/office/powerpoint/2010/main" val="4133105507"/>
+        <p14:creationId xmlns:p14="http://schemas.microsoft.com/office/powerpoint/2010/main" val="68410691"/>
       </p:ext>
     </p:extLst>
   </p:cSld>
@@ -1607,7 +1798,7 @@
             </a:pPr>
             <a:r>
               <a:rPr lang="en-US" dirty="0"/>
-              <a:t>Please consider contributing your own tips</a:t>
+              <a:t>AutomaticModuleUpdateFunctions.Tests.ps1</a:t>
             </a:r>
           </a:p>
           <a:p>
@@ -1615,7 +1806,54 @@
               <a:buFontTx/>
               <a:buChar char="-"/>
             </a:pPr>
-            <a:endParaRPr lang="en-US" dirty="0"/>
+            <a:r>
+              <a:rPr lang="en-US" dirty="0"/>
+              <a:t>Use $</a:t>
+            </a:r>
+            <a:r>
+              <a:rPr lang="en-US" dirty="0" err="1"/>
+              <a:t>TestDrive</a:t>
+            </a:r>
+            <a:r>
+              <a:rPr lang="en-US" dirty="0"/>
+              <a:t> instead of </a:t>
+            </a:r>
+            <a:r>
+              <a:rPr lang="en-US" dirty="0" err="1"/>
+              <a:t>TestDrive</a:t>
+            </a:r>
+            <a:r>
+              <a:rPr lang="en-US" dirty="0"/>
+              <a:t>: so .NET methods can resolve the path</a:t>
+            </a:r>
+          </a:p>
+          <a:p>
+            <a:pPr marL="171450" indent="-171450">
+              <a:buFontTx/>
+              <a:buChar char="-"/>
+            </a:pPr>
+            <a:r>
+              <a:rPr lang="en-US" dirty="0"/>
+              <a:t>We use .NET methods for performance reasons</a:t>
+            </a:r>
+          </a:p>
+          <a:p>
+            <a:pPr marL="171450" indent="-171450">
+              <a:buFontTx/>
+              <a:buChar char="-"/>
+            </a:pPr>
+            <a:r>
+              <a:rPr lang="en-US" dirty="0"/>
+              <a:t>Use </a:t>
+            </a:r>
+            <a:r>
+              <a:rPr lang="en-US" dirty="0" err="1"/>
+              <a:t>InModuleScope</a:t>
+            </a:r>
+            <a:r>
+              <a:rPr lang="en-US" dirty="0"/>
+              <a:t> to be able to access private module functions</a:t>
+            </a:r>
           </a:p>
         </p:txBody>
       </p:sp>
@@ -1636,7 +1874,7 @@
           <a:p>
             <a:fld id="{1734D747-9380-41EE-9946-EC9EC0CA5D1E}" type="slidenum">
               <a:rPr lang="en-US" noProof="0" smtClean="0"/>
-              <a:t>16</a:t>
+              <a:t>15</a:t>
             </a:fld>
             <a:endParaRPr lang="en-US" noProof="0" dirty="0"/>
           </a:p>
@@ -1645,7 +1883,126 @@
     </p:spTree>
     <p:extLst>
       <p:ext uri="{BB962C8B-B14F-4D97-AF65-F5344CB8AC3E}">
-        <p14:creationId xmlns:p14="http://schemas.microsoft.com/office/powerpoint/2010/main" val="2087113364"/>
+        <p14:creationId xmlns:p14="http://schemas.microsoft.com/office/powerpoint/2010/main" val="3042024888"/>
+      </p:ext>
+    </p:extLst>
+  </p:cSld>
+  <p:clrMapOvr>
+    <a:masterClrMapping/>
+  </p:clrMapOvr>
+</p:notes>
+</file>
+
+<file path=ppt/notesSlides/notesSlide16.xml><?xml version="1.0" encoding="utf-8"?>
+<p:notes xmlns:a="http://schemas.openxmlformats.org/drawingml/2006/main" xmlns:r="http://schemas.openxmlformats.org/officeDocument/2006/relationships" xmlns:p="http://schemas.openxmlformats.org/presentationml/2006/main">
+  <p:cSld>
+    <p:spTree>
+      <p:nvGrpSpPr>
+        <p:cNvPr id="1" name=""/>
+        <p:cNvGrpSpPr/>
+        <p:nvPr/>
+      </p:nvGrpSpPr>
+      <p:grpSpPr>
+        <a:xfrm>
+          <a:off x="0" y="0"/>
+          <a:ext cx="0" cy="0"/>
+          <a:chOff x="0" y="0"/>
+          <a:chExt cx="0" cy="0"/>
+        </a:xfrm>
+      </p:grpSpPr>
+      <p:sp>
+        <p:nvSpPr>
+          <p:cNvPr id="2" name="Slide Image Placeholder 1"/>
+          <p:cNvSpPr>
+            <a:spLocks noGrp="1" noRot="1" noChangeAspect="1"/>
+          </p:cNvSpPr>
+          <p:nvPr>
+            <p:ph type="sldImg"/>
+          </p:nvPr>
+        </p:nvSpPr>
+        <p:spPr/>
+      </p:sp>
+      <p:sp>
+        <p:nvSpPr>
+          <p:cNvPr id="3" name="Notes Placeholder 2"/>
+          <p:cNvSpPr>
+            <a:spLocks noGrp="1"/>
+          </p:cNvSpPr>
+          <p:nvPr>
+            <p:ph type="body" idx="1"/>
+          </p:nvPr>
+        </p:nvSpPr>
+        <p:spPr/>
+        <p:txBody>
+          <a:bodyPr/>
+          <a:lstStyle/>
+          <a:p>
+            <a:pPr marL="171450" indent="-171450">
+              <a:buFontTx/>
+              <a:buChar char="-"/>
+            </a:pPr>
+            <a:r>
+              <a:rPr lang="en-US" dirty="0"/>
+              <a:t>Show pipeline for PR we merged in earlier</a:t>
+            </a:r>
+          </a:p>
+          <a:p>
+            <a:pPr marL="171450" indent="-171450">
+              <a:buFontTx/>
+              <a:buChar char="-"/>
+            </a:pPr>
+            <a:r>
+              <a:rPr lang="en-US" dirty="0"/>
+              <a:t>Caught a Windows PowerShell issue when installing the module with an emoji in the module manifest description</a:t>
+            </a:r>
+          </a:p>
+          <a:p>
+            <a:pPr marL="171450" indent="-171450">
+              <a:buFontTx/>
+              <a:buChar char="-"/>
+            </a:pPr>
+            <a:r>
+              <a:rPr lang="en-US" dirty="0"/>
+              <a:t>Caught a cross-platform bug when saving the module settings to the local user’s directory (I think I was using $</a:t>
+            </a:r>
+            <a:r>
+              <a:rPr lang="en-US" dirty="0" err="1"/>
+              <a:t>Env:AppData</a:t>
+            </a:r>
+            <a:r>
+              <a:rPr lang="en-US" dirty="0"/>
+              <a:t>)</a:t>
+            </a:r>
+          </a:p>
+        </p:txBody>
+      </p:sp>
+      <p:sp>
+        <p:nvSpPr>
+          <p:cNvPr id="4" name="Slide Number Placeholder 3"/>
+          <p:cNvSpPr>
+            <a:spLocks noGrp="1"/>
+          </p:cNvSpPr>
+          <p:nvPr>
+            <p:ph type="sldNum" sz="quarter" idx="5"/>
+          </p:nvPr>
+        </p:nvSpPr>
+        <p:spPr/>
+        <p:txBody>
+          <a:bodyPr/>
+          <a:lstStyle/>
+          <a:p>
+            <a:fld id="{1734D747-9380-41EE-9946-EC9EC0CA5D1E}" type="slidenum">
+              <a:rPr lang="en-US" noProof="0" smtClean="0"/>
+              <a:t>16</a:t>
+            </a:fld>
+            <a:endParaRPr lang="en-US" noProof="0" dirty="0"/>
+          </a:p>
+        </p:txBody>
+      </p:sp>
+    </p:spTree>
+    <p:extLst>
+      <p:ext uri="{BB962C8B-B14F-4D97-AF65-F5344CB8AC3E}">
+        <p14:creationId xmlns:p14="http://schemas.microsoft.com/office/powerpoint/2010/main" val="2210032523"/>
       </p:ext>
     </p:extLst>
   </p:cSld>
@@ -1792,8 +2149,16 @@
               <a:buChar char="-"/>
             </a:pPr>
             <a:r>
+              <a:rPr lang="en-US"/>
+              <a:t>Also </a:t>
+            </a:r>
+            <a:r>
               <a:rPr lang="en-US" dirty="0"/>
-              <a:t>1-RunHellow.cmd</a:t>
+              <a:t>now a PowerShell and DevOps </a:t>
+            </a:r>
+            <a:r>
+              <a:rPr lang="en-US"/>
+              <a:t>MS MVP.</a:t>
             </a:r>
           </a:p>
           <a:p>
@@ -1801,160 +2166,11 @@
               <a:buFontTx/>
               <a:buChar char="-"/>
             </a:pPr>
+            <a:r>
+              <a:rPr lang="en-US"/>
+              <a:t>Shout out to James Brundage for nominating me!</a:t>
+            </a:r>
             <a:endParaRPr lang="en-US" dirty="0"/>
-          </a:p>
-          <a:p>
-            <a:pPr marL="171450" indent="-171450">
-              <a:buFontTx/>
-              <a:buChar char="-"/>
-            </a:pPr>
-            <a:r>
-              <a:rPr lang="en-US" dirty="0"/>
-              <a:t>Basic PowerShell post was one of my most popular for years</a:t>
-            </a:r>
-          </a:p>
-          <a:p>
-            <a:pPr marL="171450" indent="-171450">
-              <a:buFontTx/>
-              <a:buChar char="-"/>
-            </a:pPr>
-            <a:r>
-              <a:rPr lang="en-US" dirty="0"/>
-              <a:t>Got into programming because I wanted to make video games</a:t>
-            </a:r>
-          </a:p>
-          <a:p>
-            <a:pPr marL="171450" indent="-171450">
-              <a:buFontTx/>
-              <a:buChar char="-"/>
-            </a:pPr>
-            <a:endParaRPr lang="en-US" dirty="0"/>
-          </a:p>
-          <a:p>
-            <a:pPr marL="171450" marR="0" lvl="0" indent="-171450" algn="l" defTabSz="914400" rtl="0" eaLnBrk="1" fontAlgn="auto" latinLnBrk="0" hangingPunct="1">
-              <a:lnSpc>
-                <a:spcPct val="100000"/>
-              </a:lnSpc>
-              <a:spcBef>
-                <a:spcPts val="0"/>
-              </a:spcBef>
-              <a:spcAft>
-                <a:spcPts val="0"/>
-              </a:spcAft>
-              <a:buClrTx/>
-              <a:buSzTx/>
-              <a:buFontTx/>
-              <a:buChar char="-"/>
-              <a:tabLst/>
-              <a:defRPr/>
-            </a:pPr>
-            <a:r>
-              <a:rPr lang="en-US" dirty="0"/>
-              <a:t>Poll: AutoHotkey</a:t>
-            </a:r>
-          </a:p>
-          <a:p>
-            <a:pPr marL="171450" marR="0" lvl="0" indent="-171450" algn="l" defTabSz="914400" rtl="0" eaLnBrk="1" fontAlgn="auto" latinLnBrk="0" hangingPunct="1">
-              <a:lnSpc>
-                <a:spcPct val="100000"/>
-              </a:lnSpc>
-              <a:spcBef>
-                <a:spcPts val="0"/>
-              </a:spcBef>
-              <a:spcAft>
-                <a:spcPts val="0"/>
-              </a:spcAft>
-              <a:buClrTx/>
-              <a:buSzTx/>
-              <a:buFontTx/>
-              <a:buChar char="-"/>
-              <a:tabLst/>
-              <a:defRPr/>
-            </a:pPr>
-            <a:r>
-              <a:rPr lang="en-US" dirty="0"/>
-              <a:t>2-AutoHotkey.ahk</a:t>
-            </a:r>
-          </a:p>
-          <a:p>
-            <a:pPr marL="171450" marR="0" lvl="0" indent="-171450" algn="l" defTabSz="914400" rtl="0" eaLnBrk="1" fontAlgn="auto" latinLnBrk="0" hangingPunct="1">
-              <a:lnSpc>
-                <a:spcPct val="100000"/>
-              </a:lnSpc>
-              <a:spcBef>
-                <a:spcPts val="0"/>
-              </a:spcBef>
-              <a:spcAft>
-                <a:spcPts val="0"/>
-              </a:spcAft>
-              <a:buClrTx/>
-              <a:buSzTx/>
-              <a:buFontTx/>
-              <a:buChar char="-"/>
-              <a:tabLst/>
-              <a:defRPr/>
-            </a:pPr>
-            <a:endParaRPr lang="en-US" dirty="0"/>
-          </a:p>
-          <a:p>
-            <a:pPr marL="171450" indent="-171450">
-              <a:buFontTx/>
-              <a:buChar char="-"/>
-            </a:pPr>
-            <a:r>
-              <a:rPr lang="en-US" dirty="0"/>
-              <a:t>Windows Scheduled Task </a:t>
-            </a:r>
-            <a:r>
-              <a:rPr lang="en-US" dirty="0" err="1"/>
-              <a:t>AzDO</a:t>
-            </a:r>
-            <a:r>
-              <a:rPr lang="en-US" dirty="0"/>
-              <a:t> extension uses PowerShell, and started off as PowerShell scripts</a:t>
-            </a:r>
-          </a:p>
-          <a:p>
-            <a:pPr marL="171450" indent="-171450">
-              <a:buFontTx/>
-              <a:buChar char="-"/>
-            </a:pPr>
-            <a:endParaRPr lang="en-US" dirty="0"/>
-          </a:p>
-          <a:p>
-            <a:pPr marL="171450" indent="-171450">
-              <a:buFontTx/>
-              <a:buChar char="-"/>
-            </a:pPr>
-            <a:r>
-              <a:rPr lang="en-US" dirty="0"/>
-              <a:t>Poll: Modules in Azure Artifacts</a:t>
-            </a:r>
-          </a:p>
-          <a:p>
-            <a:pPr marL="171450" indent="-171450">
-              <a:buFontTx/>
-              <a:buChar char="-"/>
-            </a:pPr>
-            <a:endParaRPr lang="en-US" dirty="0"/>
-          </a:p>
-          <a:p>
-            <a:pPr marL="171450" indent="-171450">
-              <a:buFontTx/>
-              <a:buChar char="-"/>
-            </a:pPr>
-            <a:r>
-              <a:rPr lang="en-US" dirty="0"/>
-              <a:t>Poll: Heard of </a:t>
-            </a:r>
-            <a:r>
-              <a:rPr lang="en-US" dirty="0" err="1"/>
-              <a:t>tiPS</a:t>
-            </a:r>
-            <a:r>
-              <a:rPr lang="en-US" dirty="0"/>
-              <a:t> before?</a:t>
-            </a:r>
           </a:p>
         </p:txBody>
       </p:sp>
@@ -1975,7 +2191,7 @@
           <a:p>
             <a:fld id="{1734D747-9380-41EE-9946-EC9EC0CA5D1E}" type="slidenum">
               <a:rPr lang="en-US" noProof="0" smtClean="0"/>
-              <a:t>4</a:t>
+              <a:t>3</a:t>
             </a:fld>
             <a:endParaRPr lang="en-US" noProof="0" dirty="0"/>
           </a:p>
@@ -1984,7 +2200,7 @@
     </p:spTree>
     <p:extLst>
       <p:ext uri="{BB962C8B-B14F-4D97-AF65-F5344CB8AC3E}">
-        <p14:creationId xmlns:p14="http://schemas.microsoft.com/office/powerpoint/2010/main" val="3485468125"/>
+        <p14:creationId xmlns:p14="http://schemas.microsoft.com/office/powerpoint/2010/main" val="4081484666"/>
       </p:ext>
     </p:extLst>
   </p:cSld>
@@ -2038,235 +2254,55 @@
           <a:bodyPr/>
           <a:lstStyle/>
           <a:p>
-            <a:pPr marL="0" indent="0">
+            <a:pPr marL="171450" indent="-171450">
               <a:buFontTx/>
-              <a:buNone/>
+              <a:buChar char="-"/>
             </a:pPr>
             <a:r>
+              <a:rPr lang="en-US"/>
+              <a:t>1-RunHello.</a:t>
+            </a:r>
+            <a:r>
               <a:rPr lang="en-US" dirty="0"/>
-              <a:t>1. Install-Module -Name </a:t>
-            </a:r>
-            <a:r>
-              <a:rPr lang="en-US" dirty="0" err="1"/>
-              <a:t>tiPS</a:t>
-            </a:r>
+              <a:t>cmd</a:t>
+            </a:r>
+          </a:p>
+          <a:p>
+            <a:pPr marL="171450" indent="-171450">
+              <a:buFontTx/>
+              <a:buChar char="-"/>
+            </a:pPr>
+            <a:endParaRPr lang="en-US" dirty="0"/>
+          </a:p>
+          <a:p>
+            <a:pPr marL="171450" indent="-171450">
+              <a:buFontTx/>
+              <a:buChar char="-"/>
+            </a:pPr>
             <a:r>
               <a:rPr lang="en-US" dirty="0"/>
-              <a:t> -Scope </a:t>
-            </a:r>
-            <a:r>
-              <a:rPr lang="en-US" dirty="0" err="1"/>
-              <a:t>CurrentUser</a:t>
-            </a:r>
+              <a:t>Basic PowerShell post was one of my most popular for years</a:t>
+            </a:r>
+          </a:p>
+          <a:p>
+            <a:pPr marL="171450" indent="-171450">
+              <a:buFontTx/>
+              <a:buChar char="-"/>
+            </a:pPr>
             <a:r>
               <a:rPr lang="en-US" dirty="0"/>
-              <a:t> (don’t actually run it, since it’s already installed)</a:t>
-            </a:r>
-          </a:p>
-          <a:p>
-            <a:pPr marL="0" indent="0">
+              <a:t>Got into programming because I wanted to make video games</a:t>
+            </a:r>
+          </a:p>
+          <a:p>
+            <a:pPr marL="171450" indent="-171450">
               <a:buFontTx/>
-              <a:buNone/>
+              <a:buChar char="-"/>
             </a:pPr>
-            <a:r>
-              <a:rPr lang="en-US" dirty="0"/>
-              <a:t>2. Get-</a:t>
-            </a:r>
-            <a:r>
-              <a:rPr lang="en-US" dirty="0" err="1"/>
-              <a:t>PowerShellTip</a:t>
-            </a:r>
-            <a:r>
-              <a:rPr lang="en-US" dirty="0"/>
-              <a:t> (has all the info, but kind of ugly to read)</a:t>
-            </a:r>
-          </a:p>
-          <a:p>
-            <a:pPr marL="0" indent="0">
-              <a:buFontTx/>
-              <a:buNone/>
-            </a:pPr>
-            <a:r>
-              <a:rPr lang="en-US" dirty="0"/>
-              <a:t>3. Write-</a:t>
-            </a:r>
-            <a:r>
-              <a:rPr lang="en-US" dirty="0" err="1"/>
-              <a:t>PowerShellTip</a:t>
-            </a:r>
             <a:endParaRPr lang="en-US" dirty="0"/>
           </a:p>
           <a:p>
-            <a:pPr marL="0" indent="0">
-              <a:buFontTx/>
-              <a:buNone/>
-            </a:pPr>
-            <a:r>
-              <a:rPr lang="en-US" dirty="0"/>
-              <a:t>4. tips</a:t>
-            </a:r>
-          </a:p>
-          <a:p>
-            <a:pPr marL="0" indent="0">
-              <a:buFontTx/>
-              <a:buNone/>
-            </a:pPr>
-            <a:r>
-              <a:rPr lang="en-US" dirty="0"/>
-              <a:t>5. Get-</a:t>
-            </a:r>
-            <a:r>
-              <a:rPr lang="en-US" dirty="0" err="1"/>
-              <a:t>PowerShellTip</a:t>
-            </a:r>
-            <a:r>
-              <a:rPr lang="en-US" dirty="0"/>
-              <a:t> –</a:t>
-            </a:r>
-            <a:r>
-              <a:rPr lang="en-US" dirty="0" err="1"/>
-              <a:t>AllTips</a:t>
-            </a:r>
-            <a:endParaRPr lang="en-US" dirty="0"/>
-          </a:p>
-          <a:p>
-            <a:pPr marL="0" indent="0">
-              <a:buFontTx/>
-              <a:buNone/>
-            </a:pPr>
-            <a:r>
-              <a:rPr lang="en-US" dirty="0"/>
-              <a:t>6. Get-</a:t>
-            </a:r>
-            <a:r>
-              <a:rPr lang="en-US" dirty="0" err="1"/>
-              <a:t>PowerShellTip</a:t>
-            </a:r>
-            <a:r>
-              <a:rPr lang="en-US" dirty="0"/>
-              <a:t> –</a:t>
-            </a:r>
-            <a:r>
-              <a:rPr lang="en-US" dirty="0" err="1"/>
-              <a:t>AllTips</a:t>
-            </a:r>
-            <a:r>
-              <a:rPr lang="en-US" dirty="0"/>
-              <a:t> | gm (shows us it’s an ordered dictionary)</a:t>
-            </a:r>
-          </a:p>
-          <a:p>
-            <a:pPr marL="0" indent="0">
-              <a:buFontTx/>
-              <a:buNone/>
-            </a:pPr>
-            <a:r>
-              <a:rPr lang="en-US" dirty="0"/>
-              <a:t>7. (Get-</a:t>
-            </a:r>
-            <a:r>
-              <a:rPr lang="en-US" dirty="0" err="1"/>
-              <a:t>PowerShellTip</a:t>
-            </a:r>
-            <a:r>
-              <a:rPr lang="en-US" dirty="0"/>
-              <a:t> -</a:t>
-            </a:r>
-            <a:r>
-              <a:rPr lang="en-US" dirty="0" err="1"/>
-              <a:t>AllTips</a:t>
-            </a:r>
-            <a:r>
-              <a:rPr lang="en-US" dirty="0"/>
-              <a:t>).Count</a:t>
-            </a:r>
-          </a:p>
-          <a:p>
-            <a:pPr marL="0" indent="0">
-              <a:buFontTx/>
-              <a:buNone/>
-            </a:pPr>
-            <a:r>
-              <a:rPr lang="en-US" dirty="0"/>
-              <a:t>8. Set-</a:t>
-            </a:r>
-            <a:r>
-              <a:rPr lang="en-US" dirty="0" err="1"/>
-              <a:t>TiPSConfiguration</a:t>
-            </a:r>
-            <a:r>
-              <a:rPr lang="en-US" dirty="0"/>
-              <a:t> -</a:t>
-            </a:r>
-            <a:r>
-              <a:rPr lang="en-US" dirty="0" err="1"/>
-              <a:t>AutomaticallyWritePowerShellTip</a:t>
-            </a:r>
-            <a:r>
-              <a:rPr lang="en-US" dirty="0"/>
-              <a:t> Daily -</a:t>
-            </a:r>
-            <a:r>
-              <a:rPr lang="en-US" dirty="0" err="1"/>
-              <a:t>AutomaticallyUpdateModule</a:t>
-            </a:r>
-            <a:r>
-              <a:rPr lang="en-US" dirty="0"/>
-              <a:t> Weekly (gets warning)</a:t>
-            </a:r>
-          </a:p>
-          <a:p>
-            <a:pPr marL="0" indent="0">
-              <a:buFontTx/>
-              <a:buNone/>
-            </a:pPr>
-            <a:r>
-              <a:rPr lang="en-US" dirty="0"/>
-              <a:t>9. $Profile</a:t>
-            </a:r>
-          </a:p>
-          <a:p>
-            <a:pPr marL="0" indent="0">
-              <a:buFontTx/>
-              <a:buNone/>
-            </a:pPr>
-            <a:r>
-              <a:rPr lang="en-US" dirty="0"/>
-              <a:t>10. $Profile | gm</a:t>
-            </a:r>
-          </a:p>
-          <a:p>
-            <a:pPr marL="0" indent="0">
-              <a:buFontTx/>
-              <a:buNone/>
-            </a:pPr>
-            <a:r>
-              <a:rPr lang="en-US" dirty="0"/>
-              <a:t>11. code $</a:t>
-            </a:r>
-            <a:r>
-              <a:rPr lang="en-US" dirty="0" err="1"/>
-              <a:t>Profile.CurrentUserAllHosts</a:t>
-            </a:r>
-            <a:endParaRPr lang="en-US" dirty="0"/>
-          </a:p>
-          <a:p>
-            <a:pPr marL="0" indent="0">
-              <a:buFontTx/>
-              <a:buNone/>
-            </a:pPr>
-            <a:r>
-              <a:rPr lang="en-US" dirty="0"/>
-              <a:t>12. Add-</a:t>
-            </a:r>
-            <a:r>
-              <a:rPr lang="en-US" dirty="0" err="1"/>
-              <a:t>TiPSImportToPowerShellProfile</a:t>
-            </a:r>
-            <a:endParaRPr lang="en-US" dirty="0"/>
-          </a:p>
-          <a:p>
-            <a:pPr marL="0" marR="0" lvl="0" indent="0" algn="l" defTabSz="914400" rtl="0" eaLnBrk="1" fontAlgn="auto" latinLnBrk="0" hangingPunct="1">
+            <a:pPr marL="171450" marR="0" lvl="0" indent="-171450" algn="l" defTabSz="914400" rtl="0" eaLnBrk="1" fontAlgn="auto" latinLnBrk="0" hangingPunct="1">
               <a:lnSpc>
                 <a:spcPct val="100000"/>
               </a:lnSpc>
@@ -2279,41 +2315,17 @@
               <a:buClrTx/>
               <a:buSzTx/>
               <a:buFontTx/>
-              <a:buNone/>
+              <a:buChar char="-"/>
               <a:tabLst/>
               <a:defRPr/>
             </a:pPr>
             <a:r>
               <a:rPr lang="en-US" dirty="0"/>
-              <a:t>13. Set-</a:t>
-            </a:r>
-            <a:r>
-              <a:rPr lang="en-US" dirty="0" err="1"/>
-              <a:t>TiPSConfiguration</a:t>
-            </a:r>
-            <a:r>
-              <a:rPr lang="en-US" dirty="0"/>
-              <a:t> -</a:t>
-            </a:r>
-            <a:r>
-              <a:rPr lang="en-US" dirty="0" err="1"/>
-              <a:t>AutomaticallyWritePowerShellTip</a:t>
-            </a:r>
-            <a:r>
-              <a:rPr lang="en-US" dirty="0"/>
-              <a:t> Daily -</a:t>
-            </a:r>
-            <a:r>
-              <a:rPr lang="en-US" dirty="0" err="1"/>
-              <a:t>AutomaticallyUpdateModule</a:t>
-            </a:r>
-            <a:r>
-              <a:rPr lang="en-US" dirty="0"/>
-              <a:t> Weekly (no more warning)</a:t>
-            </a:r>
-          </a:p>
-          <a:p>
-            <a:pPr marL="0" marR="0" lvl="0" indent="0" algn="l" defTabSz="914400" rtl="0" eaLnBrk="1" fontAlgn="auto" latinLnBrk="0" hangingPunct="1">
+              <a:t>Poll: AutoHotkey</a:t>
+            </a:r>
+          </a:p>
+          <a:p>
+            <a:pPr marL="171450" marR="0" lvl="0" indent="-171450" algn="l" defTabSz="914400" rtl="0" eaLnBrk="1" fontAlgn="auto" latinLnBrk="0" hangingPunct="1">
               <a:lnSpc>
                 <a:spcPct val="100000"/>
               </a:lnSpc>
@@ -2326,38 +2338,17 @@
               <a:buClrTx/>
               <a:buSzTx/>
               <a:buFontTx/>
-              <a:buNone/>
+              <a:buChar char="-"/>
               <a:tabLst/>
               <a:defRPr/>
             </a:pPr>
             <a:r>
               <a:rPr lang="en-US" dirty="0"/>
-              <a:t>14. Set-</a:t>
-            </a:r>
-            <a:r>
-              <a:rPr lang="en-US" dirty="0" err="1"/>
-              <a:t>TiPSConfiguration</a:t>
-            </a:r>
-            <a:r>
-              <a:rPr lang="en-US" dirty="0"/>
-              <a:t> -</a:t>
-            </a:r>
-            <a:r>
-              <a:rPr lang="en-US" dirty="0" err="1"/>
-              <a:t>AutomaticallyWritePowerShellTip</a:t>
-            </a:r>
-            <a:r>
-              <a:rPr lang="en-US" dirty="0"/>
-              <a:t> </a:t>
-            </a:r>
-            <a:r>
-              <a:rPr lang="en-US" dirty="0" err="1"/>
-              <a:t>EverySession</a:t>
-            </a:r>
-            <a:endParaRPr lang="en-US" dirty="0"/>
-          </a:p>
-          <a:p>
-            <a:pPr marL="0" marR="0" lvl="0" indent="0" algn="l" defTabSz="914400" rtl="0" eaLnBrk="1" fontAlgn="auto" latinLnBrk="0" hangingPunct="1">
+              <a:t>2-AutoHotkey.ahk</a:t>
+            </a:r>
+          </a:p>
+          <a:p>
+            <a:pPr marL="171450" marR="0" lvl="0" indent="-171450" algn="l" defTabSz="914400" rtl="0" eaLnBrk="1" fontAlgn="auto" latinLnBrk="0" hangingPunct="1">
               <a:lnSpc>
                 <a:spcPct val="100000"/>
               </a:lnSpc>
@@ -2370,75 +2361,62 @@
               <a:buClrTx/>
               <a:buSzTx/>
               <a:buFontTx/>
-              <a:buNone/>
+              <a:buChar char="-"/>
               <a:tabLst/>
               <a:defRPr/>
             </a:pPr>
+            <a:endParaRPr lang="en-US" dirty="0"/>
+          </a:p>
+          <a:p>
+            <a:pPr marL="171450" indent="-171450">
+              <a:buFontTx/>
+              <a:buChar char="-"/>
+            </a:pPr>
             <a:r>
               <a:rPr lang="en-US" dirty="0"/>
-              <a:t>15. Open new PowerShell tabs and show tips auto-loading</a:t>
-            </a:r>
-          </a:p>
-          <a:p>
-            <a:pPr marL="0" marR="0" lvl="0" indent="0" algn="l" defTabSz="914400" rtl="0" eaLnBrk="1" fontAlgn="auto" latinLnBrk="0" hangingPunct="1">
-              <a:lnSpc>
-                <a:spcPct val="100000"/>
-              </a:lnSpc>
-              <a:spcBef>
-                <a:spcPts val="0"/>
-              </a:spcBef>
-              <a:spcAft>
-                <a:spcPts val="0"/>
-              </a:spcAft>
-              <a:buClrTx/>
-              <a:buSzTx/>
+              <a:t>Windows Scheduled Task </a:t>
+            </a:r>
+            <a:r>
+              <a:rPr lang="en-US" dirty="0" err="1"/>
+              <a:t>AzDO</a:t>
+            </a:r>
+            <a:r>
+              <a:rPr lang="en-US" dirty="0"/>
+              <a:t> extension uses PowerShell, and started off as PowerShell scripts</a:t>
+            </a:r>
+          </a:p>
+          <a:p>
+            <a:pPr marL="171450" indent="-171450">
               <a:buFontTx/>
-              <a:buNone/>
-              <a:tabLst/>
-              <a:defRPr/>
+              <a:buChar char="-"/>
             </a:pPr>
+            <a:endParaRPr lang="en-US" dirty="0"/>
+          </a:p>
+          <a:p>
+            <a:pPr marL="171450" indent="-171450">
+              <a:buFontTx/>
+              <a:buChar char="-"/>
+            </a:pPr>
             <a:r>
               <a:rPr lang="en-US" dirty="0"/>
-              <a:t>16. Set-</a:t>
-            </a:r>
-            <a:r>
-              <a:rPr lang="en-US" dirty="0" err="1"/>
-              <a:t>TiPSConfiguration</a:t>
-            </a:r>
+              <a:t>Poll: Modules in Azure Artifacts</a:t>
+            </a:r>
+          </a:p>
+          <a:p>
+            <a:pPr marL="171450" indent="-171450">
+              <a:buFontTx/>
+              <a:buChar char="-"/>
+            </a:pPr>
+            <a:endParaRPr lang="en-US" dirty="0"/>
+          </a:p>
+          <a:p>
+            <a:pPr marL="171450" indent="-171450">
+              <a:buFontTx/>
+              <a:buChar char="-"/>
+            </a:pPr>
             <a:r>
               <a:rPr lang="en-US" dirty="0"/>
-              <a:t> -</a:t>
-            </a:r>
-            <a:r>
-              <a:rPr lang="en-US" dirty="0" err="1"/>
-              <a:t>AutomaticallyWritePowerShellTip</a:t>
-            </a:r>
-            <a:r>
-              <a:rPr lang="en-US" dirty="0"/>
-              <a:t> Daily</a:t>
-            </a:r>
-          </a:p>
-          <a:p>
-            <a:pPr marL="0" marR="0" lvl="0" indent="0" algn="l" defTabSz="914400" rtl="0" eaLnBrk="1" fontAlgn="auto" latinLnBrk="0" hangingPunct="1">
-              <a:lnSpc>
-                <a:spcPct val="100000"/>
-              </a:lnSpc>
-              <a:spcBef>
-                <a:spcPts val="0"/>
-              </a:spcBef>
-              <a:spcAft>
-                <a:spcPts val="0"/>
-              </a:spcAft>
-              <a:buClrTx/>
-              <a:buSzTx/>
-              <a:buFontTx/>
-              <a:buNone/>
-              <a:tabLst/>
-              <a:defRPr/>
-            </a:pPr>
-            <a:r>
-              <a:rPr lang="en-US" dirty="0"/>
-              <a:t>17. Get-Command -Module </a:t>
+              <a:t>Poll: Heard of </a:t>
             </a:r>
             <a:r>
               <a:rPr lang="en-US" dirty="0" err="1"/>
@@ -2446,115 +2424,8 @@
             </a:r>
             <a:r>
               <a:rPr lang="en-US" dirty="0"/>
-              <a:t> –All</a:t>
-            </a:r>
-          </a:p>
-          <a:p>
-            <a:pPr marL="0" marR="0" lvl="0" indent="0" algn="l" defTabSz="914400" rtl="0" eaLnBrk="1" fontAlgn="auto" latinLnBrk="0" hangingPunct="1">
-              <a:lnSpc>
-                <a:spcPct val="100000"/>
-              </a:lnSpc>
-              <a:spcBef>
-                <a:spcPts val="0"/>
-              </a:spcBef>
-              <a:spcAft>
-                <a:spcPts val="0"/>
-              </a:spcAft>
-              <a:buClrTx/>
-              <a:buSzTx/>
-              <a:buFontTx/>
-              <a:buNone/>
-              <a:tabLst/>
-              <a:defRPr/>
-            </a:pPr>
-            <a:r>
-              <a:rPr lang="en-US" dirty="0"/>
-              <a:t>18. Test-</a:t>
-            </a:r>
-            <a:r>
-              <a:rPr lang="en-US" dirty="0" err="1"/>
-              <a:t>PowerShellProfileImportsTiPS</a:t>
-            </a:r>
-            <a:endParaRPr lang="en-US" dirty="0"/>
-          </a:p>
-          <a:p>
-            <a:pPr marL="0" marR="0" lvl="0" indent="0" algn="l" defTabSz="914400" rtl="0" eaLnBrk="1" fontAlgn="auto" latinLnBrk="0" hangingPunct="1">
-              <a:lnSpc>
-                <a:spcPct val="100000"/>
-              </a:lnSpc>
-              <a:spcBef>
-                <a:spcPts val="0"/>
-              </a:spcBef>
-              <a:spcAft>
-                <a:spcPts val="0"/>
-              </a:spcAft>
-              <a:buClrTx/>
-              <a:buSzTx/>
-              <a:buFontTx/>
-              <a:buNone/>
-              <a:tabLst/>
-              <a:defRPr/>
-            </a:pPr>
-            <a:r>
-              <a:rPr lang="en-US" dirty="0"/>
-              <a:t>19. Get-</a:t>
-            </a:r>
-            <a:r>
-              <a:rPr lang="en-US" dirty="0" err="1"/>
-              <a:t>TiPSConfiguration</a:t>
-            </a:r>
-            <a:endParaRPr lang="en-US" dirty="0"/>
-          </a:p>
-          <a:p>
-            <a:pPr marL="0" marR="0" lvl="0" indent="0" algn="l" defTabSz="914400" rtl="0" eaLnBrk="1" fontAlgn="auto" latinLnBrk="0" hangingPunct="1">
-              <a:lnSpc>
-                <a:spcPct val="100000"/>
-              </a:lnSpc>
-              <a:spcBef>
-                <a:spcPts val="0"/>
-              </a:spcBef>
-              <a:spcAft>
-                <a:spcPts val="0"/>
-              </a:spcAft>
-              <a:buClrTx/>
-              <a:buSzTx/>
-              <a:buFontTx/>
-              <a:buNone/>
-              <a:tabLst/>
-              <a:defRPr/>
-            </a:pPr>
-            <a:r>
-              <a:rPr lang="en-US" dirty="0"/>
-              <a:t>20. Show all of the text files</a:t>
-            </a:r>
-          </a:p>
-          <a:p>
-            <a:pPr marL="0" marR="0" lvl="0" indent="0" algn="l" defTabSz="914400" rtl="0" eaLnBrk="1" fontAlgn="auto" latinLnBrk="0" hangingPunct="1">
-              <a:lnSpc>
-                <a:spcPct val="100000"/>
-              </a:lnSpc>
-              <a:spcBef>
-                <a:spcPts val="0"/>
-              </a:spcBef>
-              <a:spcAft>
-                <a:spcPts val="0"/>
-              </a:spcAft>
-              <a:buClrTx/>
-              <a:buSzTx/>
-              <a:buFontTx/>
-              <a:buNone/>
-              <a:tabLst/>
-              <a:defRPr/>
-            </a:pPr>
-            <a:r>
-              <a:rPr lang="en-US" dirty="0"/>
-              <a:t>21. Remove-</a:t>
-            </a:r>
-            <a:r>
-              <a:rPr lang="en-US" dirty="0" err="1"/>
-              <a:t>TiPSImportFromPowerShellProfile</a:t>
-            </a:r>
-            <a:endParaRPr lang="en-US" dirty="0"/>
+              <a:t> before?</a:t>
+            </a:r>
           </a:p>
         </p:txBody>
       </p:sp>
@@ -2575,7 +2446,7 @@
           <a:p>
             <a:fld id="{1734D747-9380-41EE-9946-EC9EC0CA5D1E}" type="slidenum">
               <a:rPr lang="en-US" noProof="0" smtClean="0"/>
-              <a:t>5</a:t>
+              <a:t>4</a:t>
             </a:fld>
             <a:endParaRPr lang="en-US" noProof="0" dirty="0"/>
           </a:p>
@@ -2584,7 +2455,7 @@
     </p:spTree>
     <p:extLst>
       <p:ext uri="{BB962C8B-B14F-4D97-AF65-F5344CB8AC3E}">
-        <p14:creationId xmlns:p14="http://schemas.microsoft.com/office/powerpoint/2010/main" val="515091263"/>
+        <p14:creationId xmlns:p14="http://schemas.microsoft.com/office/powerpoint/2010/main" val="3485468125"/>
       </p:ext>
     </p:extLst>
   </p:cSld>
@@ -2638,18 +2509,554 @@
           <a:bodyPr/>
           <a:lstStyle/>
           <a:p>
+            <a:pPr marL="0" indent="0">
+              <a:buFontTx/>
+              <a:buNone/>
+            </a:pPr>
             <a:r>
               <a:rPr lang="en-US" dirty="0"/>
-              <a:t>- Thinking of adding a Write-</a:t>
+              <a:t>1. Install-Module -Name </a:t>
+            </a:r>
+            <a:r>
+              <a:rPr lang="en-US" dirty="0" err="1"/>
+              <a:t>tiPS</a:t>
+            </a:r>
+            <a:r>
+              <a:rPr lang="en-US" dirty="0"/>
+              <a:t> -Scope </a:t>
+            </a:r>
+            <a:r>
+              <a:rPr lang="en-US" dirty="0" err="1"/>
+              <a:t>CurrentUser</a:t>
+            </a:r>
+            <a:r>
+              <a:rPr lang="en-US" dirty="0"/>
+              <a:t> (don’t actually run it, since it’s already installed)</a:t>
+            </a:r>
+          </a:p>
+          <a:p>
+            <a:pPr marL="0" indent="0">
+              <a:buFontTx/>
+              <a:buNone/>
+            </a:pPr>
+            <a:r>
+              <a:rPr lang="en-US" dirty="0"/>
+              <a:t>2. Get-Command -Module </a:t>
+            </a:r>
+            <a:r>
+              <a:rPr lang="en-US" dirty="0" err="1"/>
+              <a:t>tiPS</a:t>
+            </a:r>
+            <a:r>
+              <a:rPr lang="en-US" dirty="0"/>
+              <a:t> -All</a:t>
+            </a:r>
+          </a:p>
+          <a:p>
+            <a:pPr marL="0" indent="0">
+              <a:buFontTx/>
+              <a:buNone/>
+            </a:pPr>
+            <a:r>
+              <a:rPr lang="en-US" dirty="0"/>
+              <a:t>3. Write-</a:t>
             </a:r>
             <a:r>
               <a:rPr lang="en-US" dirty="0" err="1"/>
               <a:t>PowerShellTip</a:t>
             </a:r>
+            <a:endParaRPr lang="en-US" dirty="0"/>
+          </a:p>
+          <a:p>
+            <a:pPr marL="0" indent="0">
+              <a:buFontTx/>
+              <a:buNone/>
+            </a:pPr>
             <a:r>
               <a:rPr lang="en-US" dirty="0"/>
-              <a:t> –Previous switch to output the previous tip</a:t>
-            </a:r>
+              <a:t>4. tips</a:t>
+            </a:r>
+          </a:p>
+          <a:p>
+            <a:pPr marL="0" marR="0" lvl="0" indent="0" algn="l" defTabSz="914400" rtl="0" eaLnBrk="1" fontAlgn="auto" latinLnBrk="0" hangingPunct="1">
+              <a:lnSpc>
+                <a:spcPct val="100000"/>
+              </a:lnSpc>
+              <a:spcBef>
+                <a:spcPts val="0"/>
+              </a:spcBef>
+              <a:spcAft>
+                <a:spcPts val="0"/>
+              </a:spcAft>
+              <a:buClrTx/>
+              <a:buSzTx/>
+              <a:buFontTx/>
+              <a:buNone/>
+              <a:tabLst/>
+              <a:defRPr/>
+            </a:pPr>
+            <a:r>
+              <a:rPr lang="en-US" dirty="0"/>
+              <a:t>5. Get-</a:t>
+            </a:r>
+            <a:r>
+              <a:rPr lang="en-US" dirty="0" err="1"/>
+              <a:t>PowerShellTip</a:t>
+            </a:r>
+            <a:r>
+              <a:rPr lang="en-US" dirty="0"/>
+              <a:t> (has all the info, but kind of ugly to read)</a:t>
+            </a:r>
+          </a:p>
+          <a:p>
+            <a:pPr marL="0" indent="0">
+              <a:buFontTx/>
+              <a:buNone/>
+            </a:pPr>
+            <a:r>
+              <a:rPr lang="en-US" dirty="0"/>
+              <a:t>6. Get-</a:t>
+            </a:r>
+            <a:r>
+              <a:rPr lang="en-US" dirty="0" err="1"/>
+              <a:t>PowerShellTip</a:t>
+            </a:r>
+            <a:r>
+              <a:rPr lang="en-US" dirty="0"/>
+              <a:t> –</a:t>
+            </a:r>
+            <a:r>
+              <a:rPr lang="en-US" dirty="0" err="1"/>
+              <a:t>AllTips</a:t>
+            </a:r>
+            <a:endParaRPr lang="en-US" dirty="0"/>
+          </a:p>
+          <a:p>
+            <a:pPr marL="0" indent="0">
+              <a:buFontTx/>
+              <a:buNone/>
+            </a:pPr>
+            <a:r>
+              <a:rPr lang="en-US" dirty="0"/>
+              <a:t>7. Get-</a:t>
+            </a:r>
+            <a:r>
+              <a:rPr lang="en-US" dirty="0" err="1"/>
+              <a:t>PowerShellTip</a:t>
+            </a:r>
+            <a:r>
+              <a:rPr lang="en-US" dirty="0"/>
+              <a:t> –</a:t>
+            </a:r>
+            <a:r>
+              <a:rPr lang="en-US" dirty="0" err="1"/>
+              <a:t>AllTips</a:t>
+            </a:r>
+            <a:r>
+              <a:rPr lang="en-US" dirty="0"/>
+              <a:t> | gm (shows us it’s an ordered dictionary)</a:t>
+            </a:r>
+          </a:p>
+          <a:p>
+            <a:pPr marL="0" indent="0">
+              <a:buFontTx/>
+              <a:buNone/>
+            </a:pPr>
+            <a:r>
+              <a:rPr lang="en-US" dirty="0"/>
+              <a:t>8. (Get-</a:t>
+            </a:r>
+            <a:r>
+              <a:rPr lang="en-US" dirty="0" err="1"/>
+              <a:t>PowerShellTip</a:t>
+            </a:r>
+            <a:r>
+              <a:rPr lang="en-US" dirty="0"/>
+              <a:t> -</a:t>
+            </a:r>
+            <a:r>
+              <a:rPr lang="en-US" dirty="0" err="1"/>
+              <a:t>AllTips</a:t>
+            </a:r>
+            <a:r>
+              <a:rPr lang="en-US" dirty="0"/>
+              <a:t>).Count</a:t>
+            </a:r>
+          </a:p>
+          <a:p>
+            <a:pPr marL="0" indent="0">
+              <a:buFontTx/>
+              <a:buNone/>
+            </a:pPr>
+            <a:r>
+              <a:rPr lang="en-US" dirty="0"/>
+              <a:t>9. Set-</a:t>
+            </a:r>
+            <a:r>
+              <a:rPr lang="en-US" dirty="0" err="1"/>
+              <a:t>TiPSConfiguration</a:t>
+            </a:r>
+            <a:r>
+              <a:rPr lang="en-US" dirty="0"/>
+              <a:t> -</a:t>
+            </a:r>
+            <a:r>
+              <a:rPr lang="en-US" dirty="0" err="1"/>
+              <a:t>AutomaticallyWritePowerShellTip</a:t>
+            </a:r>
+            <a:r>
+              <a:rPr lang="en-US" dirty="0"/>
+              <a:t> Daily -</a:t>
+            </a:r>
+            <a:r>
+              <a:rPr lang="en-US" dirty="0" err="1"/>
+              <a:t>AutomaticallyUpdateModule</a:t>
+            </a:r>
+            <a:r>
+              <a:rPr lang="en-US" dirty="0"/>
+              <a:t> Weekly (gets warning)</a:t>
+            </a:r>
+          </a:p>
+          <a:p>
+            <a:pPr marL="0" indent="0">
+              <a:buFontTx/>
+              <a:buNone/>
+            </a:pPr>
+            <a:r>
+              <a:rPr lang="en-US" dirty="0"/>
+              <a:t>10. $Profile</a:t>
+            </a:r>
+          </a:p>
+          <a:p>
+            <a:pPr marL="0" indent="0">
+              <a:buFontTx/>
+              <a:buNone/>
+            </a:pPr>
+            <a:r>
+              <a:rPr lang="en-US" dirty="0"/>
+              <a:t>11. $Profile | gm</a:t>
+            </a:r>
+          </a:p>
+          <a:p>
+            <a:pPr marL="0" indent="0">
+              <a:buFontTx/>
+              <a:buNone/>
+            </a:pPr>
+            <a:r>
+              <a:rPr lang="en-US" dirty="0"/>
+              <a:t>12. code $</a:t>
+            </a:r>
+            <a:r>
+              <a:rPr lang="en-US" dirty="0" err="1"/>
+              <a:t>Profile.CurrentUserAllHosts</a:t>
+            </a:r>
+            <a:endParaRPr lang="en-US" dirty="0"/>
+          </a:p>
+          <a:p>
+            <a:pPr marL="0" indent="0">
+              <a:buFontTx/>
+              <a:buNone/>
+            </a:pPr>
+            <a:r>
+              <a:rPr lang="en-US" dirty="0"/>
+              <a:t>13. Add-</a:t>
+            </a:r>
+            <a:r>
+              <a:rPr lang="en-US" dirty="0" err="1"/>
+              <a:t>TiPSImportToPowerShellProfile</a:t>
+            </a:r>
+            <a:endParaRPr lang="en-US" dirty="0"/>
+          </a:p>
+          <a:p>
+            <a:pPr marL="0" marR="0" lvl="0" indent="0" algn="l" defTabSz="914400" rtl="0" eaLnBrk="1" fontAlgn="auto" latinLnBrk="0" hangingPunct="1">
+              <a:lnSpc>
+                <a:spcPct val="100000"/>
+              </a:lnSpc>
+              <a:spcBef>
+                <a:spcPts val="0"/>
+              </a:spcBef>
+              <a:spcAft>
+                <a:spcPts val="0"/>
+              </a:spcAft>
+              <a:buClrTx/>
+              <a:buSzTx/>
+              <a:buFontTx/>
+              <a:buNone/>
+              <a:tabLst/>
+              <a:defRPr/>
+            </a:pPr>
+            <a:r>
+              <a:rPr lang="en-US" dirty="0"/>
+              <a:t>14. Set-</a:t>
+            </a:r>
+            <a:r>
+              <a:rPr lang="en-US" dirty="0" err="1"/>
+              <a:t>TiPSConfiguration</a:t>
+            </a:r>
+            <a:r>
+              <a:rPr lang="en-US" dirty="0"/>
+              <a:t> -</a:t>
+            </a:r>
+            <a:r>
+              <a:rPr lang="en-US" dirty="0" err="1"/>
+              <a:t>AutomaticallyWritePowerShellTip</a:t>
+            </a:r>
+            <a:r>
+              <a:rPr lang="en-US" dirty="0"/>
+              <a:t> Daily -</a:t>
+            </a:r>
+            <a:r>
+              <a:rPr lang="en-US" dirty="0" err="1"/>
+              <a:t>AutomaticallyUpdateModule</a:t>
+            </a:r>
+            <a:r>
+              <a:rPr lang="en-US" dirty="0"/>
+              <a:t> Weekly (no more warning)</a:t>
+            </a:r>
+          </a:p>
+          <a:p>
+            <a:pPr marL="0" marR="0" lvl="0" indent="0" algn="l" defTabSz="914400" rtl="0" eaLnBrk="1" fontAlgn="auto" latinLnBrk="0" hangingPunct="1">
+              <a:lnSpc>
+                <a:spcPct val="100000"/>
+              </a:lnSpc>
+              <a:spcBef>
+                <a:spcPts val="0"/>
+              </a:spcBef>
+              <a:spcAft>
+                <a:spcPts val="0"/>
+              </a:spcAft>
+              <a:buClrTx/>
+              <a:buSzTx/>
+              <a:buFontTx/>
+              <a:buNone/>
+              <a:tabLst/>
+              <a:defRPr/>
+            </a:pPr>
+            <a:r>
+              <a:rPr lang="en-US" dirty="0"/>
+              <a:t>15. Set-</a:t>
+            </a:r>
+            <a:r>
+              <a:rPr lang="en-US" dirty="0" err="1"/>
+              <a:t>TiPSConfiguration</a:t>
+            </a:r>
+            <a:r>
+              <a:rPr lang="en-US" dirty="0"/>
+              <a:t> -</a:t>
+            </a:r>
+            <a:r>
+              <a:rPr lang="en-US" dirty="0" err="1"/>
+              <a:t>AutomaticallyWritePowerShellTip</a:t>
+            </a:r>
+            <a:r>
+              <a:rPr lang="en-US" dirty="0"/>
+              <a:t> </a:t>
+            </a:r>
+            <a:r>
+              <a:rPr lang="en-US" dirty="0" err="1"/>
+              <a:t>EverySession</a:t>
+            </a:r>
+            <a:endParaRPr lang="en-US" dirty="0"/>
+          </a:p>
+          <a:p>
+            <a:pPr marL="0" marR="0" lvl="0" indent="0" algn="l" defTabSz="914400" rtl="0" eaLnBrk="1" fontAlgn="auto" latinLnBrk="0" hangingPunct="1">
+              <a:lnSpc>
+                <a:spcPct val="100000"/>
+              </a:lnSpc>
+              <a:spcBef>
+                <a:spcPts val="0"/>
+              </a:spcBef>
+              <a:spcAft>
+                <a:spcPts val="0"/>
+              </a:spcAft>
+              <a:buClrTx/>
+              <a:buSzTx/>
+              <a:buFontTx/>
+              <a:buNone/>
+              <a:tabLst/>
+              <a:defRPr/>
+            </a:pPr>
+            <a:r>
+              <a:rPr lang="en-US" dirty="0"/>
+              <a:t>16. Open new PowerShell tabs and show tips auto-loading</a:t>
+            </a:r>
+          </a:p>
+          <a:p>
+            <a:pPr marL="0" marR="0" lvl="0" indent="0" algn="l" defTabSz="914400" rtl="0" eaLnBrk="1" fontAlgn="auto" latinLnBrk="0" hangingPunct="1">
+              <a:lnSpc>
+                <a:spcPct val="100000"/>
+              </a:lnSpc>
+              <a:spcBef>
+                <a:spcPts val="0"/>
+              </a:spcBef>
+              <a:spcAft>
+                <a:spcPts val="0"/>
+              </a:spcAft>
+              <a:buClrTx/>
+              <a:buSzTx/>
+              <a:buFontTx/>
+              <a:buNone/>
+              <a:tabLst/>
+              <a:defRPr/>
+            </a:pPr>
+            <a:r>
+              <a:rPr lang="en-US" dirty="0"/>
+              <a:t>17. Set-</a:t>
+            </a:r>
+            <a:r>
+              <a:rPr lang="en-US" dirty="0" err="1"/>
+              <a:t>TiPSConfiguration</a:t>
+            </a:r>
+            <a:r>
+              <a:rPr lang="en-US" dirty="0"/>
+              <a:t> -</a:t>
+            </a:r>
+            <a:r>
+              <a:rPr lang="en-US" dirty="0" err="1"/>
+              <a:t>AutomaticallyWritePowerShellTip</a:t>
+            </a:r>
+            <a:r>
+              <a:rPr lang="en-US" dirty="0"/>
+              <a:t> Daily</a:t>
+            </a:r>
+          </a:p>
+          <a:p>
+            <a:pPr marL="0" marR="0" lvl="0" indent="0" algn="l" defTabSz="914400" rtl="0" eaLnBrk="1" fontAlgn="auto" latinLnBrk="0" hangingPunct="1">
+              <a:lnSpc>
+                <a:spcPct val="100000"/>
+              </a:lnSpc>
+              <a:spcBef>
+                <a:spcPts val="0"/>
+              </a:spcBef>
+              <a:spcAft>
+                <a:spcPts val="0"/>
+              </a:spcAft>
+              <a:buClrTx/>
+              <a:buSzTx/>
+              <a:buFontTx/>
+              <a:buNone/>
+              <a:tabLst/>
+              <a:defRPr/>
+            </a:pPr>
+            <a:r>
+              <a:rPr lang="en-US" dirty="0"/>
+              <a:t>18. Get-Command -Module </a:t>
+            </a:r>
+            <a:r>
+              <a:rPr lang="en-US" dirty="0" err="1"/>
+              <a:t>tiPS</a:t>
+            </a:r>
+            <a:r>
+              <a:rPr lang="en-US" dirty="0"/>
+              <a:t> –All</a:t>
+            </a:r>
+          </a:p>
+          <a:p>
+            <a:pPr marL="0" marR="0" lvl="0" indent="0" algn="l" defTabSz="914400" rtl="0" eaLnBrk="1" fontAlgn="auto" latinLnBrk="0" hangingPunct="1">
+              <a:lnSpc>
+                <a:spcPct val="100000"/>
+              </a:lnSpc>
+              <a:spcBef>
+                <a:spcPts val="0"/>
+              </a:spcBef>
+              <a:spcAft>
+                <a:spcPts val="0"/>
+              </a:spcAft>
+              <a:buClrTx/>
+              <a:buSzTx/>
+              <a:buFontTx/>
+              <a:buNone/>
+              <a:tabLst/>
+              <a:defRPr/>
+            </a:pPr>
+            <a:r>
+              <a:rPr lang="en-US" dirty="0"/>
+              <a:t>19. Test-</a:t>
+            </a:r>
+            <a:r>
+              <a:rPr lang="en-US" dirty="0" err="1"/>
+              <a:t>PowerShellProfileImportsTiPS</a:t>
+            </a:r>
+            <a:endParaRPr lang="en-US" dirty="0"/>
+          </a:p>
+          <a:p>
+            <a:pPr marL="0" marR="0" lvl="0" indent="0" algn="l" defTabSz="914400" rtl="0" eaLnBrk="1" fontAlgn="auto" latinLnBrk="0" hangingPunct="1">
+              <a:lnSpc>
+                <a:spcPct val="100000"/>
+              </a:lnSpc>
+              <a:spcBef>
+                <a:spcPts val="0"/>
+              </a:spcBef>
+              <a:spcAft>
+                <a:spcPts val="0"/>
+              </a:spcAft>
+              <a:buClrTx/>
+              <a:buSzTx/>
+              <a:buFontTx/>
+              <a:buNone/>
+              <a:tabLst/>
+              <a:defRPr/>
+            </a:pPr>
+            <a:r>
+              <a:rPr lang="en-US" dirty="0"/>
+              <a:t>20. Get-</a:t>
+            </a:r>
+            <a:r>
+              <a:rPr lang="en-US" dirty="0" err="1"/>
+              <a:t>TiPSConfiguration</a:t>
+            </a:r>
+            <a:endParaRPr lang="en-US" dirty="0"/>
+          </a:p>
+          <a:p>
+            <a:pPr marL="0" marR="0" lvl="0" indent="0" algn="l" defTabSz="914400" rtl="0" eaLnBrk="1" fontAlgn="auto" latinLnBrk="0" hangingPunct="1">
+              <a:lnSpc>
+                <a:spcPct val="100000"/>
+              </a:lnSpc>
+              <a:spcBef>
+                <a:spcPts val="0"/>
+              </a:spcBef>
+              <a:spcAft>
+                <a:spcPts val="0"/>
+              </a:spcAft>
+              <a:buClrTx/>
+              <a:buSzTx/>
+              <a:buFontTx/>
+              <a:buNone/>
+              <a:tabLst/>
+              <a:defRPr/>
+            </a:pPr>
+            <a:r>
+              <a:rPr lang="en-US" dirty="0"/>
+              <a:t>21. Show all of the text files</a:t>
+            </a:r>
+          </a:p>
+          <a:p>
+            <a:pPr marL="0" marR="0" lvl="0" indent="0" algn="l" defTabSz="914400" rtl="0" eaLnBrk="1" fontAlgn="auto" latinLnBrk="0" hangingPunct="1">
+              <a:lnSpc>
+                <a:spcPct val="100000"/>
+              </a:lnSpc>
+              <a:spcBef>
+                <a:spcPts val="0"/>
+              </a:spcBef>
+              <a:spcAft>
+                <a:spcPts val="0"/>
+              </a:spcAft>
+              <a:buClrTx/>
+              <a:buSzTx/>
+              <a:buFontTx/>
+              <a:buNone/>
+              <a:tabLst/>
+              <a:defRPr/>
+            </a:pPr>
+            <a:r>
+              <a:rPr lang="en-US" dirty="0"/>
+              <a:t>22. Remove-</a:t>
+            </a:r>
+            <a:r>
+              <a:rPr lang="en-US" dirty="0" err="1"/>
+              <a:t>TiPSImportFromPowerShellProfile</a:t>
+            </a:r>
+            <a:endParaRPr lang="en-US" dirty="0"/>
           </a:p>
         </p:txBody>
       </p:sp>
@@ -2670,7 +3077,7 @@
           <a:p>
             <a:fld id="{1734D747-9380-41EE-9946-EC9EC0CA5D1E}" type="slidenum">
               <a:rPr lang="en-US" noProof="0" smtClean="0"/>
-              <a:t>6</a:t>
+              <a:t>5</a:t>
             </a:fld>
             <a:endParaRPr lang="en-US" noProof="0" dirty="0"/>
           </a:p>
@@ -2679,7 +3086,7 @@
     </p:spTree>
     <p:extLst>
       <p:ext uri="{BB962C8B-B14F-4D97-AF65-F5344CB8AC3E}">
-        <p14:creationId xmlns:p14="http://schemas.microsoft.com/office/powerpoint/2010/main" val="3664700608"/>
+        <p14:creationId xmlns:p14="http://schemas.microsoft.com/office/powerpoint/2010/main" val="515091263"/>
       </p:ext>
     </p:extLst>
   </p:cSld>
@@ -2733,382 +3140,7 @@
           <a:bodyPr/>
           <a:lstStyle/>
           <a:p>
-            <a:pPr marL="0" marR="0" lvl="0" indent="0" algn="l" defTabSz="914400" rtl="0" eaLnBrk="1" fontAlgn="auto" latinLnBrk="0" hangingPunct="1">
-              <a:lnSpc>
-                <a:spcPct val="100000"/>
-              </a:lnSpc>
-              <a:spcBef>
-                <a:spcPts val="0"/>
-              </a:spcBef>
-              <a:spcAft>
-                <a:spcPts val="0"/>
-              </a:spcAft>
-              <a:buClrTx/>
-              <a:buSzTx/>
-              <a:buFontTx/>
-              <a:buNone/>
-              <a:tabLst/>
-              <a:defRPr/>
-            </a:pPr>
-            <a:r>
-              <a:rPr lang="en-US" dirty="0"/>
-              <a:t>- Create a new branch first so we can create a PR and show the flow.</a:t>
-            </a:r>
-          </a:p>
-          <a:p>
-            <a:pPr marL="0" marR="0" lvl="0" indent="0" algn="l" defTabSz="914400" rtl="0" eaLnBrk="1" fontAlgn="auto" latinLnBrk="0" hangingPunct="1">
-              <a:lnSpc>
-                <a:spcPct val="100000"/>
-              </a:lnSpc>
-              <a:spcBef>
-                <a:spcPts val="0"/>
-              </a:spcBef>
-              <a:spcAft>
-                <a:spcPts val="0"/>
-              </a:spcAft>
-              <a:buClrTx/>
-              <a:buSzTx/>
-              <a:buFontTx/>
-              <a:buNone/>
-              <a:tabLst/>
-              <a:defRPr/>
-            </a:pPr>
             <a:endParaRPr lang="en-US" dirty="0"/>
-          </a:p>
-          <a:p>
-            <a:pPr marL="0" marR="0" lvl="0" indent="0" algn="l" defTabSz="914400" rtl="0" eaLnBrk="1" fontAlgn="auto" latinLnBrk="0" hangingPunct="1">
-              <a:lnSpc>
-                <a:spcPct val="100000"/>
-              </a:lnSpc>
-              <a:spcBef>
-                <a:spcPts val="0"/>
-              </a:spcBef>
-              <a:spcAft>
-                <a:spcPts val="0"/>
-              </a:spcAft>
-              <a:buClrTx/>
-              <a:buSzTx/>
-              <a:buFontTx/>
-              <a:buNone/>
-              <a:tabLst/>
-              <a:defRPr/>
-            </a:pPr>
-            <a:r>
-              <a:rPr lang="en-US" dirty="0"/>
-              <a:t>Title: </a:t>
-            </a:r>
-            <a:r>
-              <a:rPr lang="en-US" b="0" dirty="0">
-                <a:solidFill>
-                  <a:srgbClr val="CE9178"/>
-                </a:solidFill>
-                <a:effectLst/>
-                <a:highlight>
-                  <a:srgbClr val="1E1E1E"/>
-                </a:highlight>
-                <a:latin typeface="CaskaydiaCove Nerd Font Mono" panose="020B0509020204030204" pitchFamily="49" charset="0"/>
-              </a:rPr>
-              <a:t>Join the Pacific PowerShell User Group!</a:t>
-            </a:r>
-            <a:endParaRPr lang="en-US" b="0" dirty="0">
-              <a:solidFill>
-                <a:srgbClr val="D4D4D4"/>
-              </a:solidFill>
-              <a:effectLst/>
-              <a:highlight>
-                <a:srgbClr val="1E1E1E"/>
-              </a:highlight>
-              <a:latin typeface="CaskaydiaCove Nerd Font Mono" panose="020B0509020204030204" pitchFamily="49" charset="0"/>
-            </a:endParaRPr>
-          </a:p>
-          <a:p>
-            <a:pPr marL="0" indent="0">
-              <a:buFontTx/>
-              <a:buNone/>
-            </a:pPr>
-            <a:r>
-              <a:rPr lang="en-US" dirty="0" err="1"/>
-              <a:t>TipText</a:t>
-            </a:r>
-            <a:r>
-              <a:rPr lang="en-US" dirty="0"/>
-              <a:t>: The Pacific PowerShell User Group meets virtually once a month to share ideas and discuss all things PowerShell. This is a casual meetup where everyone is welcome, from seasoned professionals to complete PowerShell newbies. Feel free </a:t>
-            </a:r>
-          </a:p>
-          <a:p>
-            <a:pPr marL="0" indent="0">
-              <a:buFontTx/>
-              <a:buNone/>
-            </a:pPr>
-            <a:r>
-              <a:rPr lang="en-US" dirty="0"/>
-              <a:t>Url: https://www.meetup.com/pacific-powershell-user-group/</a:t>
-            </a:r>
-          </a:p>
-          <a:p>
-            <a:pPr marL="0" indent="0">
-              <a:buFontTx/>
-              <a:buNone/>
-            </a:pPr>
-            <a:r>
-              <a:rPr lang="en-US" dirty="0"/>
-              <a:t>Category: Community</a:t>
-            </a:r>
-          </a:p>
-          <a:p>
-            <a:pPr marL="0" marR="0" lvl="0" indent="0" algn="l" defTabSz="914400" rtl="0" eaLnBrk="1" fontAlgn="auto" latinLnBrk="0" hangingPunct="1">
-              <a:lnSpc>
-                <a:spcPct val="100000"/>
-              </a:lnSpc>
-              <a:spcBef>
-                <a:spcPts val="0"/>
-              </a:spcBef>
-              <a:spcAft>
-                <a:spcPts val="0"/>
-              </a:spcAft>
-              <a:buClrTx/>
-              <a:buSzTx/>
-              <a:buFontTx/>
-              <a:buNone/>
-              <a:tabLst/>
-              <a:defRPr/>
-            </a:pPr>
-            <a:r>
-              <a:rPr lang="en-US" dirty="0"/>
-              <a:t>Author: </a:t>
-            </a:r>
-            <a:r>
-              <a:rPr lang="en-US" b="0" dirty="0">
-                <a:solidFill>
-                  <a:srgbClr val="CE9178"/>
-                </a:solidFill>
-                <a:effectLst/>
-                <a:highlight>
-                  <a:srgbClr val="1E1E1E"/>
-                </a:highlight>
-                <a:latin typeface="CaskaydiaCove Nerd Font Mono" panose="020B0509020204030204" pitchFamily="49" charset="0"/>
-              </a:rPr>
-              <a:t>Daniel Schroeder (</a:t>
-            </a:r>
-            <a:r>
-              <a:rPr lang="en-US" b="0" dirty="0" err="1">
-                <a:solidFill>
-                  <a:srgbClr val="CE9178"/>
-                </a:solidFill>
-                <a:effectLst/>
-                <a:highlight>
-                  <a:srgbClr val="1E1E1E"/>
-                </a:highlight>
-                <a:latin typeface="CaskaydiaCove Nerd Font Mono" panose="020B0509020204030204" pitchFamily="49" charset="0"/>
-              </a:rPr>
-              <a:t>deadlydog</a:t>
-            </a:r>
-            <a:r>
-              <a:rPr lang="en-US" b="0" dirty="0">
-                <a:solidFill>
-                  <a:srgbClr val="CE9178"/>
-                </a:solidFill>
-                <a:effectLst/>
-                <a:highlight>
-                  <a:srgbClr val="1E1E1E"/>
-                </a:highlight>
-                <a:latin typeface="CaskaydiaCove Nerd Font Mono" panose="020B0509020204030204" pitchFamily="49" charset="0"/>
-              </a:rPr>
-              <a:t>)</a:t>
-            </a:r>
-          </a:p>
-          <a:p>
-            <a:pPr marL="0" marR="0" lvl="0" indent="0" algn="l" defTabSz="914400" rtl="0" eaLnBrk="1" fontAlgn="auto" latinLnBrk="0" hangingPunct="1">
-              <a:lnSpc>
-                <a:spcPct val="100000"/>
-              </a:lnSpc>
-              <a:spcBef>
-                <a:spcPts val="0"/>
-              </a:spcBef>
-              <a:spcAft>
-                <a:spcPts val="0"/>
-              </a:spcAft>
-              <a:buClrTx/>
-              <a:buSzTx/>
-              <a:buFontTx/>
-              <a:buNone/>
-              <a:tabLst/>
-              <a:defRPr/>
-            </a:pPr>
-            <a:endParaRPr lang="en-US" b="0" dirty="0">
-              <a:solidFill>
-                <a:srgbClr val="CE9178"/>
-              </a:solidFill>
-              <a:effectLst/>
-              <a:highlight>
-                <a:srgbClr val="1E1E1E"/>
-              </a:highlight>
-              <a:latin typeface="CaskaydiaCove Nerd Font Mono" panose="020B0509020204030204" pitchFamily="49" charset="0"/>
-            </a:endParaRPr>
-          </a:p>
-          <a:p>
-            <a:pPr marL="171450" marR="0" lvl="0" indent="-171450" algn="l" defTabSz="914400" rtl="0" eaLnBrk="1" fontAlgn="auto" latinLnBrk="0" hangingPunct="1">
-              <a:lnSpc>
-                <a:spcPct val="100000"/>
-              </a:lnSpc>
-              <a:spcBef>
-                <a:spcPts val="0"/>
-              </a:spcBef>
-              <a:spcAft>
-                <a:spcPts val="0"/>
-              </a:spcAft>
-              <a:buClrTx/>
-              <a:buSzTx/>
-              <a:buFontTx/>
-              <a:buChar char="-"/>
-              <a:tabLst/>
-              <a:defRPr/>
-            </a:pPr>
-            <a:r>
-              <a:rPr lang="en-US" b="0" dirty="0">
-                <a:solidFill>
-                  <a:srgbClr val="CE9178"/>
-                </a:solidFill>
-                <a:effectLst/>
-                <a:highlight>
-                  <a:srgbClr val="1E1E1E"/>
-                </a:highlight>
-                <a:latin typeface="CaskaydiaCove Nerd Font Mono" panose="020B0509020204030204" pitchFamily="49" charset="0"/>
-              </a:rPr>
-              <a:t>Build locally so it generates </a:t>
-            </a:r>
-            <a:r>
-              <a:rPr lang="en-US" b="0" dirty="0" err="1">
-                <a:solidFill>
-                  <a:srgbClr val="CE9178"/>
-                </a:solidFill>
-                <a:effectLst/>
-                <a:highlight>
-                  <a:srgbClr val="1E1E1E"/>
-                </a:highlight>
-                <a:latin typeface="CaskaydiaCove Nerd Font Mono" panose="020B0509020204030204" pitchFamily="49" charset="0"/>
-              </a:rPr>
-              <a:t>PowerShellTips.json</a:t>
-            </a:r>
-            <a:r>
-              <a:rPr lang="en-US" b="0" dirty="0">
-                <a:solidFill>
-                  <a:srgbClr val="CE9178"/>
-                </a:solidFill>
-                <a:effectLst/>
-                <a:highlight>
-                  <a:srgbClr val="1E1E1E"/>
-                </a:highlight>
-                <a:latin typeface="CaskaydiaCove Nerd Font Mono" panose="020B0509020204030204" pitchFamily="49" charset="0"/>
-              </a:rPr>
-              <a:t> file and commit it.</a:t>
-            </a:r>
-          </a:p>
-          <a:p>
-            <a:pPr marL="171450" marR="0" lvl="0" indent="-171450" algn="l" defTabSz="914400" rtl="0" eaLnBrk="1" fontAlgn="auto" latinLnBrk="0" hangingPunct="1">
-              <a:lnSpc>
-                <a:spcPct val="100000"/>
-              </a:lnSpc>
-              <a:spcBef>
-                <a:spcPts val="0"/>
-              </a:spcBef>
-              <a:spcAft>
-                <a:spcPts val="0"/>
-              </a:spcAft>
-              <a:buClrTx/>
-              <a:buSzTx/>
-              <a:buFontTx/>
-              <a:buChar char="-"/>
-              <a:tabLst/>
-              <a:defRPr/>
-            </a:pPr>
-            <a:r>
-              <a:rPr lang="en-US" b="0" dirty="0">
-                <a:solidFill>
-                  <a:srgbClr val="CE9178"/>
-                </a:solidFill>
-                <a:effectLst/>
-                <a:highlight>
-                  <a:srgbClr val="1E1E1E"/>
-                </a:highlight>
-                <a:latin typeface="CaskaydiaCove Nerd Font Mono" panose="020B0509020204030204" pitchFamily="49" charset="0"/>
-              </a:rPr>
-              <a:t>Note that there are 2 files and that we’ll come back to that (in the ADRs).</a:t>
-            </a:r>
-          </a:p>
-          <a:p>
-            <a:pPr marL="171450" marR="0" lvl="0" indent="-171450" algn="l" defTabSz="914400" rtl="0" eaLnBrk="1" fontAlgn="auto" latinLnBrk="0" hangingPunct="1">
-              <a:lnSpc>
-                <a:spcPct val="100000"/>
-              </a:lnSpc>
-              <a:spcBef>
-                <a:spcPts val="0"/>
-              </a:spcBef>
-              <a:spcAft>
-                <a:spcPts val="0"/>
-              </a:spcAft>
-              <a:buClrTx/>
-              <a:buSzTx/>
-              <a:buFontTx/>
-              <a:buChar char="-"/>
-              <a:tabLst/>
-              <a:defRPr/>
-            </a:pPr>
-            <a:r>
-              <a:rPr lang="en-US" b="0" dirty="0">
-                <a:solidFill>
-                  <a:srgbClr val="CE9178"/>
-                </a:solidFill>
-                <a:effectLst/>
-                <a:highlight>
-                  <a:srgbClr val="1E1E1E"/>
-                </a:highlight>
-                <a:latin typeface="CaskaydiaCove Nerd Font Mono" panose="020B0509020204030204" pitchFamily="49" charset="0"/>
-              </a:rPr>
-              <a:t>Commit change and open a PR.</a:t>
-            </a:r>
-          </a:p>
-          <a:p>
-            <a:pPr marL="171450" marR="0" lvl="0" indent="-171450" algn="l" defTabSz="914400" rtl="0" eaLnBrk="1" fontAlgn="auto" latinLnBrk="0" hangingPunct="1">
-              <a:lnSpc>
-                <a:spcPct val="100000"/>
-              </a:lnSpc>
-              <a:spcBef>
-                <a:spcPts val="0"/>
-              </a:spcBef>
-              <a:spcAft>
-                <a:spcPts val="0"/>
-              </a:spcAft>
-              <a:buClrTx/>
-              <a:buSzTx/>
-              <a:buFontTx/>
-              <a:buChar char="-"/>
-              <a:tabLst/>
-              <a:defRPr/>
-            </a:pPr>
-            <a:r>
-              <a:rPr lang="en-US" b="0" dirty="0">
-                <a:solidFill>
-                  <a:srgbClr val="CE9178"/>
-                </a:solidFill>
-                <a:effectLst/>
-                <a:highlight>
-                  <a:srgbClr val="1E1E1E"/>
-                </a:highlight>
-                <a:latin typeface="CaskaydiaCove Nerd Font Mono" panose="020B0509020204030204" pitchFamily="49" charset="0"/>
-              </a:rPr>
-              <a:t>Merge the PR when it’s done building.</a:t>
-            </a:r>
-            <a:endParaRPr lang="en-US" b="0" dirty="0">
-              <a:solidFill>
-                <a:srgbClr val="D4D4D4"/>
-              </a:solidFill>
-              <a:effectLst/>
-              <a:highlight>
-                <a:srgbClr val="1E1E1E"/>
-              </a:highlight>
-              <a:latin typeface="CaskaydiaCove Nerd Font Mono" panose="020B0509020204030204" pitchFamily="49" charset="0"/>
-            </a:endParaRPr>
           </a:p>
         </p:txBody>
       </p:sp>
@@ -3129,7 +3161,7 @@
           <a:p>
             <a:fld id="{1734D747-9380-41EE-9946-EC9EC0CA5D1E}" type="slidenum">
               <a:rPr lang="en-US" noProof="0" smtClean="0"/>
-              <a:t>7</a:t>
+              <a:t>6</a:t>
             </a:fld>
             <a:endParaRPr lang="en-US" noProof="0" dirty="0"/>
           </a:p>
@@ -3138,7 +3170,7 @@
     </p:spTree>
     <p:extLst>
       <p:ext uri="{BB962C8B-B14F-4D97-AF65-F5344CB8AC3E}">
-        <p14:creationId xmlns:p14="http://schemas.microsoft.com/office/powerpoint/2010/main" val="2012329538"/>
+        <p14:creationId xmlns:p14="http://schemas.microsoft.com/office/powerpoint/2010/main" val="3664700608"/>
       </p:ext>
     </p:extLst>
   </p:cSld>
@@ -3192,10 +3224,419 @@
           <a:bodyPr/>
           <a:lstStyle/>
           <a:p>
+            <a:pPr marL="0" marR="0" lvl="0" indent="0" algn="l" defTabSz="914400" rtl="0" eaLnBrk="1" fontAlgn="auto" latinLnBrk="0" hangingPunct="1">
+              <a:lnSpc>
+                <a:spcPct val="100000"/>
+              </a:lnSpc>
+              <a:spcBef>
+                <a:spcPts val="0"/>
+              </a:spcBef>
+              <a:spcAft>
+                <a:spcPts val="0"/>
+              </a:spcAft>
+              <a:buClrTx/>
+              <a:buSzTx/>
+              <a:buFontTx/>
+              <a:buNone/>
+              <a:tabLst/>
+              <a:defRPr/>
+            </a:pPr>
             <a:r>
               <a:rPr lang="en-US" dirty="0"/>
-              <a:t>- Poll: Adding a tip</a:t>
-            </a:r>
+              <a:t>- Create a new branch first so we can create a PR and show the flow.</a:t>
+            </a:r>
+          </a:p>
+          <a:p>
+            <a:pPr marL="0" marR="0" lvl="0" indent="0" algn="l" defTabSz="914400" rtl="0" eaLnBrk="1" fontAlgn="auto" latinLnBrk="0" hangingPunct="1">
+              <a:lnSpc>
+                <a:spcPct val="100000"/>
+              </a:lnSpc>
+              <a:spcBef>
+                <a:spcPts val="0"/>
+              </a:spcBef>
+              <a:spcAft>
+                <a:spcPts val="0"/>
+              </a:spcAft>
+              <a:buClrTx/>
+              <a:buSzTx/>
+              <a:buFontTx/>
+              <a:buNone/>
+              <a:tabLst/>
+              <a:defRPr/>
+            </a:pPr>
+            <a:endParaRPr lang="en-US" dirty="0"/>
+          </a:p>
+          <a:p>
+            <a:pPr marL="0" marR="0" lvl="0" indent="0" algn="l" defTabSz="914400" rtl="0" eaLnBrk="1" fontAlgn="auto" latinLnBrk="0" hangingPunct="1">
+              <a:lnSpc>
+                <a:spcPct val="100000"/>
+              </a:lnSpc>
+              <a:spcBef>
+                <a:spcPts val="0"/>
+              </a:spcBef>
+              <a:spcAft>
+                <a:spcPts val="0"/>
+              </a:spcAft>
+              <a:buClrTx/>
+              <a:buSzTx/>
+              <a:buFontTx/>
+              <a:buNone/>
+              <a:tabLst/>
+              <a:defRPr/>
+            </a:pPr>
+            <a:r>
+              <a:rPr lang="en-US" dirty="0"/>
+              <a:t>Title: </a:t>
+            </a:r>
+            <a:r>
+              <a:rPr lang="en-US" b="0" dirty="0">
+                <a:solidFill>
+                  <a:srgbClr val="CE9178"/>
+                </a:solidFill>
+                <a:effectLst/>
+                <a:highlight>
+                  <a:srgbClr val="1E1E1E"/>
+                </a:highlight>
+                <a:latin typeface="CaskaydiaCove Nerd Font Mono" panose="020B0509020204030204" pitchFamily="49" charset="0"/>
+              </a:rPr>
+              <a:t>Join the Research Triangle PowerShell User Group!</a:t>
+            </a:r>
+            <a:endParaRPr lang="en-US" b="0" dirty="0">
+              <a:solidFill>
+                <a:srgbClr val="D4D4D4"/>
+              </a:solidFill>
+              <a:effectLst/>
+              <a:highlight>
+                <a:srgbClr val="1E1E1E"/>
+              </a:highlight>
+              <a:latin typeface="CaskaydiaCove Nerd Font Mono" panose="020B0509020204030204" pitchFamily="49" charset="0"/>
+            </a:endParaRPr>
+          </a:p>
+          <a:p>
+            <a:pPr marL="0" indent="0">
+              <a:buFontTx/>
+              <a:buNone/>
+            </a:pPr>
+            <a:r>
+              <a:rPr lang="en-US" dirty="0" err="1"/>
+              <a:t>TipText</a:t>
+            </a:r>
+            <a:r>
+              <a:rPr lang="en-US" dirty="0"/>
+              <a:t>: The </a:t>
+            </a:r>
+            <a:r>
+              <a:rPr lang="en-US" b="0" dirty="0">
+                <a:solidFill>
+                  <a:srgbClr val="CE9178"/>
+                </a:solidFill>
+                <a:effectLst/>
+                <a:highlight>
+                  <a:srgbClr val="1E1E1E"/>
+                </a:highlight>
+                <a:latin typeface="CaskaydiaCove Nerd Font Mono" panose="020B0509020204030204" pitchFamily="49" charset="0"/>
+              </a:rPr>
+              <a:t>Research Triangle </a:t>
+            </a:r>
+            <a:r>
+              <a:rPr lang="en-US" dirty="0"/>
+              <a:t>User Group (RTPSUG) meets virtually, typically twice a month, to share ideas and discuss all things PowerShell. Community members often demo modules they’ve built or PowerShell things they have learned. It’s free to attend and everyone is welcome. You can even reach out to the organizers to present something you’ve built or learned. Presentations are often uploaded to YouTube, allowing you to catch up on sessions you’ve missed. RTPSUG is an excellent way to stay up to date with both PowerShell technology and the PowerShell community.</a:t>
+            </a:r>
+          </a:p>
+          <a:p>
+            <a:pPr marL="0" indent="0">
+              <a:buFontTx/>
+              <a:buNone/>
+            </a:pPr>
+            <a:r>
+              <a:rPr lang="en-US" dirty="0"/>
+              <a:t>Url: https://www.meetup.com/research-triangle-powershell-users-group/</a:t>
+            </a:r>
+          </a:p>
+          <a:p>
+            <a:pPr marL="0" indent="0">
+              <a:buFontTx/>
+              <a:buNone/>
+            </a:pPr>
+            <a:r>
+              <a:rPr lang="en-US" dirty="0"/>
+              <a:t>Url2: https://www.youtube.com/c/RTPSUG/ </a:t>
+            </a:r>
+          </a:p>
+          <a:p>
+            <a:pPr marL="0" indent="0">
+              <a:buFontTx/>
+              <a:buNone/>
+            </a:pPr>
+            <a:r>
+              <a:rPr lang="en-US" dirty="0"/>
+              <a:t>Url3: https://x.com/rtpsug</a:t>
+            </a:r>
+          </a:p>
+          <a:p>
+            <a:pPr marL="0" indent="0">
+              <a:buFontTx/>
+              <a:buNone/>
+            </a:pPr>
+            <a:r>
+              <a:rPr lang="en-US" dirty="0"/>
+              <a:t>Category: Community</a:t>
+            </a:r>
+          </a:p>
+          <a:p>
+            <a:pPr marL="0" marR="0" lvl="0" indent="0" algn="l" defTabSz="914400" rtl="0" eaLnBrk="1" fontAlgn="auto" latinLnBrk="0" hangingPunct="1">
+              <a:lnSpc>
+                <a:spcPct val="100000"/>
+              </a:lnSpc>
+              <a:spcBef>
+                <a:spcPts val="0"/>
+              </a:spcBef>
+              <a:spcAft>
+                <a:spcPts val="0"/>
+              </a:spcAft>
+              <a:buClrTx/>
+              <a:buSzTx/>
+              <a:buFontTx/>
+              <a:buNone/>
+              <a:tabLst/>
+              <a:defRPr/>
+            </a:pPr>
+            <a:r>
+              <a:rPr lang="en-US" dirty="0"/>
+              <a:t>Author: </a:t>
+            </a:r>
+            <a:r>
+              <a:rPr lang="en-US" b="0" dirty="0">
+                <a:solidFill>
+                  <a:srgbClr val="CE9178"/>
+                </a:solidFill>
+                <a:effectLst/>
+                <a:highlight>
+                  <a:srgbClr val="1E1E1E"/>
+                </a:highlight>
+                <a:latin typeface="CaskaydiaCove Nerd Font Mono" panose="020B0509020204030204" pitchFamily="49" charset="0"/>
+              </a:rPr>
+              <a:t>Daniel Schroeder (</a:t>
+            </a:r>
+            <a:r>
+              <a:rPr lang="en-US" b="0" dirty="0" err="1">
+                <a:solidFill>
+                  <a:srgbClr val="CE9178"/>
+                </a:solidFill>
+                <a:effectLst/>
+                <a:highlight>
+                  <a:srgbClr val="1E1E1E"/>
+                </a:highlight>
+                <a:latin typeface="CaskaydiaCove Nerd Font Mono" panose="020B0509020204030204" pitchFamily="49" charset="0"/>
+              </a:rPr>
+              <a:t>deadlydog</a:t>
+            </a:r>
+            <a:r>
+              <a:rPr lang="en-US" b="0" dirty="0">
+                <a:solidFill>
+                  <a:srgbClr val="CE9178"/>
+                </a:solidFill>
+                <a:effectLst/>
+                <a:highlight>
+                  <a:srgbClr val="1E1E1E"/>
+                </a:highlight>
+                <a:latin typeface="CaskaydiaCove Nerd Font Mono" panose="020B0509020204030204" pitchFamily="49" charset="0"/>
+              </a:rPr>
+              <a:t>)</a:t>
+            </a:r>
+          </a:p>
+          <a:p>
+            <a:pPr marL="0" marR="0" lvl="0" indent="0" algn="l" defTabSz="914400" rtl="0" eaLnBrk="1" fontAlgn="auto" latinLnBrk="0" hangingPunct="1">
+              <a:lnSpc>
+                <a:spcPct val="100000"/>
+              </a:lnSpc>
+              <a:spcBef>
+                <a:spcPts val="0"/>
+              </a:spcBef>
+              <a:spcAft>
+                <a:spcPts val="0"/>
+              </a:spcAft>
+              <a:buClrTx/>
+              <a:buSzTx/>
+              <a:buFontTx/>
+              <a:buNone/>
+              <a:tabLst/>
+              <a:defRPr/>
+            </a:pPr>
+            <a:endParaRPr lang="en-US" b="0" dirty="0">
+              <a:solidFill>
+                <a:srgbClr val="CE9178"/>
+              </a:solidFill>
+              <a:effectLst/>
+              <a:highlight>
+                <a:srgbClr val="1E1E1E"/>
+              </a:highlight>
+              <a:latin typeface="CaskaydiaCove Nerd Font Mono" panose="020B0509020204030204" pitchFamily="49" charset="0"/>
+            </a:endParaRPr>
+          </a:p>
+          <a:p>
+            <a:pPr marL="171450" marR="0" lvl="0" indent="-171450" algn="l" defTabSz="914400" rtl="0" eaLnBrk="1" fontAlgn="auto" latinLnBrk="0" hangingPunct="1">
+              <a:lnSpc>
+                <a:spcPct val="100000"/>
+              </a:lnSpc>
+              <a:spcBef>
+                <a:spcPts val="0"/>
+              </a:spcBef>
+              <a:spcAft>
+                <a:spcPts val="0"/>
+              </a:spcAft>
+              <a:buClrTx/>
+              <a:buSzTx/>
+              <a:buFontTx/>
+              <a:buChar char="-"/>
+              <a:tabLst/>
+              <a:defRPr/>
+            </a:pPr>
+            <a:r>
+              <a:rPr lang="en-US" b="0" dirty="0">
+                <a:solidFill>
+                  <a:srgbClr val="CE9178"/>
+                </a:solidFill>
+                <a:effectLst/>
+                <a:highlight>
+                  <a:srgbClr val="1E1E1E"/>
+                </a:highlight>
+                <a:latin typeface="CaskaydiaCove Nerd Font Mono" panose="020B0509020204030204" pitchFamily="49" charset="0"/>
+              </a:rPr>
+              <a:t>Build locally so it generates </a:t>
+            </a:r>
+            <a:r>
+              <a:rPr lang="en-US" b="0" dirty="0" err="1">
+                <a:solidFill>
+                  <a:srgbClr val="CE9178"/>
+                </a:solidFill>
+                <a:effectLst/>
+                <a:highlight>
+                  <a:srgbClr val="1E1E1E"/>
+                </a:highlight>
+                <a:latin typeface="CaskaydiaCove Nerd Font Mono" panose="020B0509020204030204" pitchFamily="49" charset="0"/>
+              </a:rPr>
+              <a:t>PowerShellTips.json</a:t>
+            </a:r>
+            <a:r>
+              <a:rPr lang="en-US" b="0" dirty="0">
+                <a:solidFill>
+                  <a:srgbClr val="CE9178"/>
+                </a:solidFill>
+                <a:effectLst/>
+                <a:highlight>
+                  <a:srgbClr val="1E1E1E"/>
+                </a:highlight>
+                <a:latin typeface="CaskaydiaCove Nerd Font Mono" panose="020B0509020204030204" pitchFamily="49" charset="0"/>
+              </a:rPr>
+              <a:t> file and commit it.</a:t>
+            </a:r>
+          </a:p>
+          <a:p>
+            <a:pPr marL="171450" marR="0" lvl="0" indent="-171450" algn="l" defTabSz="914400" rtl="0" eaLnBrk="1" fontAlgn="auto" latinLnBrk="0" hangingPunct="1">
+              <a:lnSpc>
+                <a:spcPct val="100000"/>
+              </a:lnSpc>
+              <a:spcBef>
+                <a:spcPts val="0"/>
+              </a:spcBef>
+              <a:spcAft>
+                <a:spcPts val="0"/>
+              </a:spcAft>
+              <a:buClrTx/>
+              <a:buSzTx/>
+              <a:buFontTx/>
+              <a:buChar char="-"/>
+              <a:tabLst/>
+              <a:defRPr/>
+            </a:pPr>
+            <a:r>
+              <a:rPr lang="en-US" b="0" dirty="0">
+                <a:solidFill>
+                  <a:srgbClr val="CE9178"/>
+                </a:solidFill>
+                <a:effectLst/>
+                <a:highlight>
+                  <a:srgbClr val="1E1E1E"/>
+                </a:highlight>
+                <a:latin typeface="CaskaydiaCove Nerd Font Mono" panose="020B0509020204030204" pitchFamily="49" charset="0"/>
+              </a:rPr>
+              <a:t>Note that there are 2 files and that we’ll come back to that (in the ADRs).</a:t>
+            </a:r>
+          </a:p>
+          <a:p>
+            <a:pPr marL="171450" marR="0" lvl="0" indent="-171450" algn="l" defTabSz="914400" rtl="0" eaLnBrk="1" fontAlgn="auto" latinLnBrk="0" hangingPunct="1">
+              <a:lnSpc>
+                <a:spcPct val="100000"/>
+              </a:lnSpc>
+              <a:spcBef>
+                <a:spcPts val="0"/>
+              </a:spcBef>
+              <a:spcAft>
+                <a:spcPts val="0"/>
+              </a:spcAft>
+              <a:buClrTx/>
+              <a:buSzTx/>
+              <a:buFontTx/>
+              <a:buChar char="-"/>
+              <a:tabLst/>
+              <a:defRPr/>
+            </a:pPr>
+            <a:r>
+              <a:rPr lang="en-US" b="0" dirty="0">
+                <a:solidFill>
+                  <a:srgbClr val="CE9178"/>
+                </a:solidFill>
+                <a:effectLst/>
+                <a:highlight>
+                  <a:srgbClr val="1E1E1E"/>
+                </a:highlight>
+                <a:latin typeface="CaskaydiaCove Nerd Font Mono" panose="020B0509020204030204" pitchFamily="49" charset="0"/>
+              </a:rPr>
+              <a:t>Commit change and open a PR.</a:t>
+            </a:r>
+          </a:p>
+          <a:p>
+            <a:pPr marL="171450" marR="0" lvl="0" indent="-171450" algn="l" defTabSz="914400" rtl="0" eaLnBrk="1" fontAlgn="auto" latinLnBrk="0" hangingPunct="1">
+              <a:lnSpc>
+                <a:spcPct val="100000"/>
+              </a:lnSpc>
+              <a:spcBef>
+                <a:spcPts val="0"/>
+              </a:spcBef>
+              <a:spcAft>
+                <a:spcPts val="0"/>
+              </a:spcAft>
+              <a:buClrTx/>
+              <a:buSzTx/>
+              <a:buFontTx/>
+              <a:buChar char="-"/>
+              <a:tabLst/>
+              <a:defRPr/>
+            </a:pPr>
+            <a:r>
+              <a:rPr lang="en-US" b="0" dirty="0">
+                <a:solidFill>
+                  <a:srgbClr val="CE9178"/>
+                </a:solidFill>
+                <a:effectLst/>
+                <a:highlight>
+                  <a:srgbClr val="1E1E1E"/>
+                </a:highlight>
+                <a:latin typeface="CaskaydiaCove Nerd Font Mono" panose="020B0509020204030204" pitchFamily="49" charset="0"/>
+              </a:rPr>
+              <a:t>Merge the PR when it’s done building.</a:t>
+            </a:r>
+            <a:endParaRPr lang="en-US" b="0" dirty="0">
+              <a:solidFill>
+                <a:srgbClr val="D4D4D4"/>
+              </a:solidFill>
+              <a:effectLst/>
+              <a:highlight>
+                <a:srgbClr val="1E1E1E"/>
+              </a:highlight>
+              <a:latin typeface="CaskaydiaCove Nerd Font Mono" panose="020B0509020204030204" pitchFamily="49" charset="0"/>
+            </a:endParaRPr>
           </a:p>
         </p:txBody>
       </p:sp>
@@ -3216,7 +3657,7 @@
           <a:p>
             <a:fld id="{1734D747-9380-41EE-9946-EC9EC0CA5D1E}" type="slidenum">
               <a:rPr lang="en-US" noProof="0" smtClean="0"/>
-              <a:t>8</a:t>
+              <a:t>7</a:t>
             </a:fld>
             <a:endParaRPr lang="en-US" noProof="0" dirty="0"/>
           </a:p>
@@ -3225,7 +3666,7 @@
     </p:spTree>
     <p:extLst>
       <p:ext uri="{BB962C8B-B14F-4D97-AF65-F5344CB8AC3E}">
-        <p14:creationId xmlns:p14="http://schemas.microsoft.com/office/powerpoint/2010/main" val="103221736"/>
+        <p14:creationId xmlns:p14="http://schemas.microsoft.com/office/powerpoint/2010/main" val="2012329538"/>
       </p:ext>
     </p:extLst>
   </p:cSld>
@@ -3279,61 +3720,9 @@
           <a:bodyPr/>
           <a:lstStyle/>
           <a:p>
-            <a:pPr marL="171450" indent="-171450">
-              <a:buFontTx/>
-              <a:buChar char="-"/>
-            </a:pPr>
             <a:r>
               <a:rPr lang="en-US" dirty="0"/>
-              <a:t>Had a 7-week sabbatical in the summer of 2023 and was walking my dogs every day while listening to the PowerShell podcast</a:t>
-            </a:r>
-          </a:p>
-          <a:p>
-            <a:pPr marL="171450" indent="-171450">
-              <a:buFontTx/>
-              <a:buChar char="-"/>
-            </a:pPr>
-            <a:r>
-              <a:rPr lang="en-US" dirty="0"/>
-              <a:t>Jordan Hammond and Andrew Pla were always talking about the community and giving back, and I was looking for a side project</a:t>
-            </a:r>
-          </a:p>
-          <a:p>
-            <a:pPr marL="171450" indent="-171450">
-              <a:buFontTx/>
-              <a:buChar char="-"/>
-            </a:pPr>
-            <a:r>
-              <a:rPr lang="en-US" dirty="0"/>
-              <a:t>They also called out people to submit talks for PowerShell Summit</a:t>
-            </a:r>
-          </a:p>
-          <a:p>
-            <a:pPr marL="171450" indent="-171450">
-              <a:buFontTx/>
-              <a:buChar char="-"/>
-            </a:pPr>
-            <a:r>
-              <a:rPr lang="en-US" dirty="0"/>
-              <a:t>Andrew wore the </a:t>
-            </a:r>
-            <a:r>
-              <a:rPr lang="en-US" dirty="0" err="1"/>
-              <a:t>tiPS</a:t>
-            </a:r>
-            <a:r>
-              <a:rPr lang="en-US" dirty="0"/>
-              <a:t> t-shirt on his talk with Justin Grote a couple weeks back</a:t>
-            </a:r>
-          </a:p>
-          <a:p>
-            <a:pPr marL="171450" indent="-171450">
-              <a:buFontTx/>
-              <a:buChar char="-"/>
-            </a:pPr>
-            <a:r>
-              <a:rPr lang="en-US" dirty="0"/>
-              <a:t>James Brundage was just on the PowerShell Podcast as well</a:t>
+              <a:t>- Poll: Adding a tip</a:t>
             </a:r>
           </a:p>
         </p:txBody>
@@ -3355,7 +3744,7 @@
           <a:p>
             <a:fld id="{1734D747-9380-41EE-9946-EC9EC0CA5D1E}" type="slidenum">
               <a:rPr lang="en-US" noProof="0" smtClean="0"/>
-              <a:t>9</a:t>
+              <a:t>8</a:t>
             </a:fld>
             <a:endParaRPr lang="en-US" noProof="0" dirty="0"/>
           </a:p>
@@ -3364,7 +3753,7 @@
     </p:spTree>
     <p:extLst>
       <p:ext uri="{BB962C8B-B14F-4D97-AF65-F5344CB8AC3E}">
-        <p14:creationId xmlns:p14="http://schemas.microsoft.com/office/powerpoint/2010/main" val="3559046720"/>
+        <p14:creationId xmlns:p14="http://schemas.microsoft.com/office/powerpoint/2010/main" val="103221736"/>
       </p:ext>
     </p:extLst>
   </p:cSld>
@@ -3424,7 +3813,7 @@
             </a:pPr>
             <a:r>
               <a:rPr lang="en-US" dirty="0"/>
-              <a:t>Merge in PR</a:t>
+              <a:t>Had a 7-week sabbatical in the summer of 2023 and was walking my dogs every day while listening to the PowerShell podcast</a:t>
             </a:r>
           </a:p>
           <a:p>
@@ -3434,7 +3823,7 @@
             </a:pPr>
             <a:r>
               <a:rPr lang="en-US" dirty="0"/>
-              <a:t>Walk through each of the ADRs and explain them a bit</a:t>
+              <a:t>Jordan Hammond and Andrew Pla were always talking about the community and giving back, and I was looking for a side project</a:t>
             </a:r>
           </a:p>
           <a:p>
@@ -3442,256 +3831,38 @@
               <a:buFontTx/>
               <a:buChar char="-"/>
             </a:pPr>
-            <a:endParaRPr lang="en-US" dirty="0"/>
-          </a:p>
-          <a:p>
-            <a:pPr marL="171450" marR="0" lvl="0" indent="-171450" algn="l" defTabSz="914400" rtl="0" eaLnBrk="1" fontAlgn="auto" latinLnBrk="0" hangingPunct="1">
-              <a:lnSpc>
-                <a:spcPct val="100000"/>
-              </a:lnSpc>
-              <a:spcBef>
-                <a:spcPts val="0"/>
-              </a:spcBef>
-              <a:spcAft>
-                <a:spcPts val="0"/>
-              </a:spcAft>
-              <a:buClrTx/>
-              <a:buSzTx/>
-              <a:buFontTx/>
-              <a:buChar char="-"/>
-              <a:tabLst/>
-              <a:defRPr/>
-            </a:pPr>
-            <a:r>
-              <a:rPr lang="en-US" sz="1200" b="0" i="0" dirty="0">
-                <a:solidFill>
-                  <a:srgbClr val="000000"/>
-                </a:solidFill>
-                <a:effectLst/>
-                <a:highlight>
-                  <a:srgbClr val="FFFFFF"/>
-                </a:highlight>
-                <a:latin typeface="Calibri" panose="020F0502020204030204" pitchFamily="34" charset="0"/>
-              </a:rPr>
-              <a:t>C# project vs. PowerShell project </a:t>
-            </a:r>
-            <a:endParaRPr lang="en-US" sz="1200" b="0" i="0" dirty="0">
-              <a:solidFill>
-                <a:srgbClr val="000000"/>
-              </a:solidFill>
-              <a:effectLst/>
-              <a:highlight>
-                <a:srgbClr val="FFFFFF"/>
-              </a:highlight>
-              <a:latin typeface="Segoe UI" panose="020B0502040204020203" pitchFamily="34" charset="0"/>
-            </a:endParaRPr>
-          </a:p>
-          <a:p>
-            <a:pPr marL="171450" marR="0" lvl="0" indent="-171450" algn="l" defTabSz="914400" rtl="0" eaLnBrk="1" fontAlgn="auto" latinLnBrk="0" hangingPunct="1">
-              <a:lnSpc>
-                <a:spcPct val="100000"/>
-              </a:lnSpc>
-              <a:spcBef>
-                <a:spcPts val="0"/>
-              </a:spcBef>
-              <a:spcAft>
-                <a:spcPts val="0"/>
-              </a:spcAft>
-              <a:buClrTx/>
-              <a:buSzTx/>
-              <a:buFontTx/>
-              <a:buChar char="-"/>
-              <a:tabLst/>
-              <a:defRPr/>
-            </a:pPr>
-            <a:r>
-              <a:rPr lang="en-US" sz="1800" b="0" i="0" dirty="0">
-                <a:solidFill>
-                  <a:srgbClr val="000000"/>
-                </a:solidFill>
-                <a:effectLst/>
-                <a:highlight>
-                  <a:srgbClr val="FFFFFF"/>
-                </a:highlight>
-                <a:latin typeface="Calibri" panose="020F0502020204030204" pitchFamily="34" charset="0"/>
-              </a:rPr>
-              <a:t>Combining all files into a single .psm1 file for load speed </a:t>
-            </a:r>
-          </a:p>
-          <a:p>
-            <a:pPr marL="628650" marR="0" lvl="1" indent="-171450" algn="l" defTabSz="914400" rtl="0" eaLnBrk="1" fontAlgn="auto" latinLnBrk="0" hangingPunct="1">
-              <a:lnSpc>
-                <a:spcPct val="100000"/>
-              </a:lnSpc>
-              <a:spcBef>
-                <a:spcPts val="0"/>
-              </a:spcBef>
-              <a:spcAft>
-                <a:spcPts val="0"/>
-              </a:spcAft>
-              <a:buClrTx/>
-              <a:buSzTx/>
-              <a:buFontTx/>
-              <a:buChar char="-"/>
-              <a:tabLst/>
-              <a:defRPr/>
-            </a:pPr>
-            <a:r>
-              <a:rPr lang="en-US" sz="1800" b="0" i="0" u="none" strike="noStrike" dirty="0">
-                <a:solidFill>
-                  <a:srgbClr val="000000"/>
-                </a:solidFill>
-                <a:effectLst/>
-                <a:highlight>
-                  <a:srgbClr val="FFFFFF"/>
-                </a:highlight>
-                <a:latin typeface="Calibri" panose="020F0502020204030204" pitchFamily="34" charset="0"/>
-              </a:rPr>
-              <a:t>Test.ps1 in </a:t>
-            </a:r>
-            <a:r>
-              <a:rPr lang="en-US" sz="1800" b="0" i="0" u="none" strike="noStrike" dirty="0" err="1">
-                <a:solidFill>
-                  <a:srgbClr val="000000"/>
-                </a:solidFill>
-                <a:effectLst/>
-                <a:highlight>
-                  <a:srgbClr val="FFFFFF"/>
-                </a:highlight>
-                <a:latin typeface="Calibri" panose="020F0502020204030204" pitchFamily="34" charset="0"/>
-              </a:rPr>
-              <a:t>tiPS</a:t>
-            </a:r>
-            <a:r>
-              <a:rPr lang="en-US" sz="1800" b="0" i="0" u="none" strike="noStrike" dirty="0">
-                <a:solidFill>
-                  <a:srgbClr val="000000"/>
-                </a:solidFill>
-                <a:effectLst/>
-                <a:highlight>
-                  <a:srgbClr val="FFFFFF"/>
-                </a:highlight>
-                <a:latin typeface="Calibri" panose="020F0502020204030204" pitchFamily="34" charset="0"/>
-              </a:rPr>
-              <a:t> repo</a:t>
-            </a:r>
-          </a:p>
-          <a:p>
-            <a:pPr marL="628650" marR="0" lvl="1" indent="-171450" algn="l" defTabSz="914400" rtl="0" eaLnBrk="1" fontAlgn="auto" latinLnBrk="0" hangingPunct="1">
-              <a:lnSpc>
-                <a:spcPct val="100000"/>
-              </a:lnSpc>
-              <a:spcBef>
-                <a:spcPts val="0"/>
-              </a:spcBef>
-              <a:spcAft>
-                <a:spcPts val="0"/>
-              </a:spcAft>
-              <a:buClrTx/>
-              <a:buSzTx/>
-              <a:buFontTx/>
-              <a:buChar char="-"/>
-              <a:tabLst/>
-              <a:defRPr/>
-            </a:pPr>
-            <a:r>
-              <a:rPr lang="en-US" sz="1800" b="0" i="0" u="none" strike="noStrike" dirty="0" err="1">
-                <a:solidFill>
-                  <a:srgbClr val="000000"/>
-                </a:solidFill>
-                <a:effectLst/>
-                <a:highlight>
-                  <a:srgbClr val="FFFFFF"/>
-                </a:highlight>
-                <a:latin typeface="Calibri" panose="020F0502020204030204" pitchFamily="34" charset="0"/>
-              </a:rPr>
-              <a:t>PSModuleRoot</a:t>
-            </a:r>
-            <a:r>
-              <a:rPr lang="en-US" sz="1800" b="0" i="0" u="none" strike="noStrike" dirty="0">
-                <a:solidFill>
-                  <a:srgbClr val="000000"/>
-                </a:solidFill>
-                <a:effectLst/>
-                <a:highlight>
-                  <a:srgbClr val="FFFFFF"/>
-                </a:highlight>
-                <a:latin typeface="Calibri" panose="020F0502020204030204" pitchFamily="34" charset="0"/>
-              </a:rPr>
-              <a:t> variable in .psm1 file</a:t>
-            </a:r>
-            <a:endParaRPr lang="en-US" sz="1200" b="0" i="0" u="none" strike="noStrike" dirty="0">
-              <a:solidFill>
-                <a:srgbClr val="000000"/>
-              </a:solidFill>
-              <a:effectLst/>
-              <a:highlight>
-                <a:srgbClr val="FFFFFF"/>
-              </a:highlight>
-              <a:latin typeface="Segoe UI" panose="020B0502040204020203" pitchFamily="34" charset="0"/>
-            </a:endParaRPr>
-          </a:p>
-          <a:p>
-            <a:pPr marL="171450" marR="0" lvl="0" indent="-171450" algn="l" defTabSz="914400" rtl="0" eaLnBrk="1" fontAlgn="auto" latinLnBrk="0" hangingPunct="1">
-              <a:lnSpc>
-                <a:spcPct val="100000"/>
-              </a:lnSpc>
-              <a:spcBef>
-                <a:spcPts val="0"/>
-              </a:spcBef>
-              <a:spcAft>
-                <a:spcPts val="0"/>
-              </a:spcAft>
-              <a:buClrTx/>
-              <a:buSzTx/>
-              <a:buFontTx/>
-              <a:buChar char="-"/>
-              <a:tabLst/>
-              <a:defRPr/>
-            </a:pPr>
-            <a:r>
-              <a:rPr lang="en-US" sz="1800" b="0" i="0" u="none" strike="noStrike" dirty="0">
-                <a:solidFill>
-                  <a:srgbClr val="000000"/>
-                </a:solidFill>
-                <a:effectLst/>
-                <a:highlight>
-                  <a:srgbClr val="FFFFFF"/>
-                </a:highlight>
-                <a:latin typeface="Calibri" panose="020F0502020204030204" pitchFamily="34" charset="0"/>
-              </a:rPr>
-              <a:t>Different ways to load classes for performance (blog post link)</a:t>
-            </a:r>
-            <a:r>
-              <a:rPr lang="en-US" sz="1800" b="0" i="0" dirty="0">
-                <a:solidFill>
-                  <a:srgbClr val="000000"/>
-                </a:solidFill>
-                <a:effectLst/>
-                <a:highlight>
-                  <a:srgbClr val="FFFFFF"/>
-                </a:highlight>
-                <a:latin typeface="Calibri" panose="020F0502020204030204" pitchFamily="34" charset="0"/>
-              </a:rPr>
-              <a:t> </a:t>
-            </a:r>
-            <a:endParaRPr lang="en-US" b="0" i="0" dirty="0">
-              <a:solidFill>
-                <a:srgbClr val="000000"/>
-              </a:solidFill>
-              <a:effectLst/>
-              <a:highlight>
-                <a:srgbClr val="FFFFFF"/>
-              </a:highlight>
-              <a:latin typeface="Segoe UI" panose="020B0502040204020203" pitchFamily="34" charset="0"/>
-            </a:endParaRPr>
+            <a:r>
+              <a:rPr lang="en-US" dirty="0"/>
+              <a:t>They also called out people to submit talks for PowerShell Summit</a:t>
+            </a:r>
           </a:p>
           <a:p>
             <a:pPr marL="171450" indent="-171450">
               <a:buFontTx/>
               <a:buChar char="-"/>
             </a:pPr>
-            <a:endParaRPr lang="en-US" dirty="0"/>
+            <a:r>
+              <a:rPr lang="en-US" dirty="0"/>
+              <a:t>Andrew wore the </a:t>
+            </a:r>
+            <a:r>
+              <a:rPr lang="en-US" dirty="0" err="1"/>
+              <a:t>tiPS</a:t>
+            </a:r>
+            <a:r>
+              <a:rPr lang="en-US" dirty="0"/>
+              <a:t> t-shirt on his talk with Justin Grote a couple weeks back</a:t>
+            </a:r>
+          </a:p>
+          <a:p>
+            <a:pPr marL="171450" indent="-171450">
+              <a:buFontTx/>
+              <a:buChar char="-"/>
+            </a:pPr>
+            <a:r>
+              <a:rPr lang="en-US" dirty="0"/>
+              <a:t>James Brundage was just on the PowerShell Podcast as well</a:t>
+            </a:r>
           </a:p>
         </p:txBody>
       </p:sp>
@@ -3712,7 +3883,7 @@
           <a:p>
             <a:fld id="{1734D747-9380-41EE-9946-EC9EC0CA5D1E}" type="slidenum">
               <a:rPr lang="en-US" noProof="0" smtClean="0"/>
-              <a:t>10</a:t>
+              <a:t>9</a:t>
             </a:fld>
             <a:endParaRPr lang="en-US" noProof="0" dirty="0"/>
           </a:p>
@@ -3721,7 +3892,7 @@
     </p:spTree>
     <p:extLst>
       <p:ext uri="{BB962C8B-B14F-4D97-AF65-F5344CB8AC3E}">
-        <p14:creationId xmlns:p14="http://schemas.microsoft.com/office/powerpoint/2010/main" val="1565053882"/>
+        <p14:creationId xmlns:p14="http://schemas.microsoft.com/office/powerpoint/2010/main" val="3559046720"/>
       </p:ext>
     </p:extLst>
   </p:cSld>
@@ -29393,7 +29564,7 @@
           <a:p>
             <a:r>
               <a:rPr lang="en-US" dirty="0"/>
-              <a:t>Classes and Enums</a:t>
+              <a:t>Questions and Discussion</a:t>
             </a:r>
           </a:p>
         </p:txBody>
@@ -29416,66 +29587,42 @@
         </p:nvSpPr>
         <p:spPr>
           <a:xfrm>
-            <a:off x="444499" y="1195755"/>
-            <a:ext cx="11467867" cy="5373858"/>
+            <a:off x="444499" y="1625385"/>
+            <a:ext cx="11467867" cy="4390951"/>
           </a:xfrm>
         </p:spPr>
         <p:txBody>
           <a:bodyPr/>
           <a:lstStyle/>
           <a:p>
+            <a:endParaRPr lang="en-US" sz="2800" dirty="0"/>
+          </a:p>
+          <a:p>
             <a:r>
               <a:rPr lang="en-US" sz="2800" dirty="0"/>
-              <a:t>Enum</a:t>
-            </a:r>
-          </a:p>
-          <a:p>
-            <a:pPr lvl="1"/>
-            <a:r>
-              <a:rPr lang="en-US" sz="2600" dirty="0"/>
-              <a:t>Predefined set of values to choose from</a:t>
-            </a:r>
-          </a:p>
-          <a:p>
-            <a:pPr lvl="1"/>
-            <a:r>
-              <a:rPr lang="en-US" sz="2600" dirty="0"/>
-              <a:t>Automatic validations and autocomplete</a:t>
+              <a:t>Anything you want to know more about?</a:t>
             </a:r>
           </a:p>
           <a:p>
             <a:r>
               <a:rPr lang="en-US" sz="2800" dirty="0"/>
-              <a:t>Class</a:t>
-            </a:r>
-          </a:p>
-          <a:p>
-            <a:pPr lvl="1"/>
-            <a:r>
-              <a:rPr lang="en-US" sz="2600" dirty="0"/>
-              <a:t>Strongly typed object with data + functions</a:t>
-            </a:r>
-          </a:p>
-          <a:p>
-            <a:pPr lvl="1"/>
-            <a:r>
-              <a:rPr lang="en-US" sz="2600" dirty="0"/>
-              <a:t>All objects guaranteed to have the same properties and functions</a:t>
-            </a:r>
-          </a:p>
-          <a:p>
-            <a:pPr marL="457200" lvl="1" indent="0">
+              <a:t>What was your favourite thing you learned or saw?</a:t>
+            </a:r>
+          </a:p>
+          <a:p>
+            <a:pPr marL="0" indent="0">
               <a:buNone/>
             </a:pPr>
             <a:endParaRPr lang="en-US" sz="2800" dirty="0"/>
           </a:p>
           <a:p>
-            <a:pPr marL="457200" lvl="1" indent="0">
-              <a:buNone/>
-            </a:pPr>
             <a:endParaRPr lang="en-US" sz="2800" dirty="0"/>
           </a:p>
           <a:p>
+            <a:r>
+              <a:rPr lang="en-US" sz="2800" dirty="0"/>
+              <a:t>Shout out to the Profiler module for finding perf issues:</a:t>
+            </a:r>
             <a:r>
               <a:rPr lang="en-US" sz="2800" dirty="0">
                 <a:solidFill>
@@ -29492,17 +29639,10 @@
                   </a:extLst>
                 </a:hlinkClick>
               </a:rPr>
-              <a:t>https://github.com/deadlydog/PowerShell.Experiment.ClassInModule</a:t>
-            </a:r>
-            <a:r>
-              <a:rPr lang="en-US" sz="2800" dirty="0">
-                <a:solidFill>
-                  <a:schemeClr val="accent1">
-                    <a:lumMod val="60000"/>
-                    <a:lumOff val="40000"/>
-                  </a:schemeClr>
-                </a:solidFill>
-              </a:rPr>
+              <a:t> https://blog.danskingdom.com/Easily-profile-your-PowerShell-code-with-the-Profiler-module/</a:t>
+            </a:r>
+            <a:r>
+              <a:rPr lang="en-US" sz="2800" dirty="0"/>
               <a:t> </a:t>
             </a:r>
           </a:p>
@@ -29541,7 +29681,7 @@
     </p:spTree>
     <p:extLst>
       <p:ext uri="{BB962C8B-B14F-4D97-AF65-F5344CB8AC3E}">
-        <p14:creationId xmlns:p14="http://schemas.microsoft.com/office/powerpoint/2010/main" val="1089435659"/>
+        <p14:creationId xmlns:p14="http://schemas.microsoft.com/office/powerpoint/2010/main" val="3946810922"/>
       </p:ext>
     </p:extLst>
   </p:cSld>
@@ -29582,6 +29722,633 @@
       </p:grpSpPr>
       <p:sp>
         <p:nvSpPr>
+          <p:cNvPr id="2" name="Title 1">
+            <a:extLst>
+              <a:ext uri="{FF2B5EF4-FFF2-40B4-BE49-F238E27FC236}">
+                <a16:creationId xmlns:a16="http://schemas.microsoft.com/office/drawing/2014/main" id="{632BE5BF-9922-45FB-8F3F-4446D40A051B}"/>
+              </a:ext>
+            </a:extLst>
+          </p:cNvPr>
+          <p:cNvSpPr>
+            <a:spLocks noGrp="1"/>
+          </p:cNvSpPr>
+          <p:nvPr>
+            <p:ph type="ctrTitle"/>
+          </p:nvPr>
+        </p:nvSpPr>
+        <p:spPr>
+          <a:xfrm>
+            <a:off x="6096000" y="1682846"/>
+            <a:ext cx="4945598" cy="1243584"/>
+          </a:xfrm>
+        </p:spPr>
+        <p:txBody>
+          <a:bodyPr/>
+          <a:lstStyle/>
+          <a:p>
+            <a:r>
+              <a:rPr lang="en-US" sz="7200" dirty="0"/>
+              <a:t>Thank You!</a:t>
+            </a:r>
+            <a:endParaRPr lang="en-GB" sz="7200" dirty="0"/>
+          </a:p>
+        </p:txBody>
+      </p:sp>
+      <p:sp>
+        <p:nvSpPr>
+          <p:cNvPr id="3" name="Title 1">
+            <a:extLst>
+              <a:ext uri="{FF2B5EF4-FFF2-40B4-BE49-F238E27FC236}">
+                <a16:creationId xmlns:a16="http://schemas.microsoft.com/office/drawing/2014/main" id="{0AB9C4BC-1D53-4A50-18E2-39D67A5E28A6}"/>
+              </a:ext>
+            </a:extLst>
+          </p:cNvPr>
+          <p:cNvSpPr txBox="1">
+            <a:spLocks/>
+          </p:cNvSpPr>
+          <p:nvPr/>
+        </p:nvSpPr>
+        <p:spPr>
+          <a:xfrm>
+            <a:off x="1483441" y="5548356"/>
+            <a:ext cx="9892131" cy="1059268"/>
+          </a:xfrm>
+          <a:prstGeom prst="rect">
+            <a:avLst/>
+          </a:prstGeom>
+        </p:spPr>
+        <p:txBody>
+          <a:bodyPr vert="horz" lIns="91440" tIns="45720" rIns="91440" bIns="45720" rtlCol="0" anchor="ctr">
+            <a:noAutofit/>
+          </a:bodyPr>
+          <a:lstStyle>
+            <a:lvl1pPr algn="l" defTabSz="914400" rtl="0" eaLnBrk="1" latinLnBrk="0" hangingPunct="1">
+              <a:lnSpc>
+                <a:spcPct val="90000"/>
+              </a:lnSpc>
+              <a:spcBef>
+                <a:spcPct val="0"/>
+              </a:spcBef>
+              <a:buNone/>
+              <a:defRPr lang="en-GB" sz="5400" b="1" kern="1200" dirty="0">
+                <a:solidFill>
+                  <a:schemeClr val="bg1"/>
+                </a:solidFill>
+                <a:latin typeface="+mj-lt"/>
+                <a:ea typeface="Tahoma" panose="020B0604030504040204" pitchFamily="34" charset="0"/>
+                <a:cs typeface="Tahoma" panose="020B0604030504040204" pitchFamily="34" charset="0"/>
+              </a:defRPr>
+            </a:lvl1pPr>
+          </a:lstStyle>
+          <a:p>
+            <a:r>
+              <a:rPr lang="en-US" sz="2800" dirty="0">
+                <a:latin typeface="+mn-lt"/>
+              </a:rPr>
+              <a:t>Slide Deck:</a:t>
+            </a:r>
+          </a:p>
+          <a:p>
+            <a:r>
+              <a:rPr lang="en-US" sz="2800" dirty="0">
+                <a:solidFill>
+                  <a:schemeClr val="accent1">
+                    <a:lumMod val="60000"/>
+                    <a:lumOff val="40000"/>
+                  </a:schemeClr>
+                </a:solidFill>
+                <a:latin typeface="+mn-lt"/>
+                <a:hlinkClick r:id="rId3">
+                  <a:extLst>
+                    <a:ext uri="{A12FA001-AC4F-418D-AE19-62706E023703}">
+                      <ahyp:hlinkClr xmlns:ahyp="http://schemas.microsoft.com/office/drawing/2018/hyperlinkcolor" val="tx"/>
+                    </a:ext>
+                  </a:extLst>
+                </a:hlinkClick>
+              </a:rPr>
+              <a:t>https://github.com/deadlydog/Presentation.tiPSWelcome</a:t>
+            </a:r>
+            <a:r>
+              <a:rPr lang="en-US" sz="2800" dirty="0">
+                <a:solidFill>
+                  <a:schemeClr val="accent1">
+                    <a:lumMod val="60000"/>
+                    <a:lumOff val="40000"/>
+                  </a:schemeClr>
+                </a:solidFill>
+                <a:latin typeface="+mn-lt"/>
+              </a:rPr>
+              <a:t> </a:t>
+            </a:r>
+          </a:p>
+        </p:txBody>
+      </p:sp>
+      <p:sp>
+        <p:nvSpPr>
+          <p:cNvPr id="6" name="Title 1">
+            <a:extLst>
+              <a:ext uri="{FF2B5EF4-FFF2-40B4-BE49-F238E27FC236}">
+                <a16:creationId xmlns:a16="http://schemas.microsoft.com/office/drawing/2014/main" id="{ACE1F121-6324-786E-E2AF-49301B095864}"/>
+              </a:ext>
+            </a:extLst>
+          </p:cNvPr>
+          <p:cNvSpPr txBox="1">
+            <a:spLocks/>
+          </p:cNvSpPr>
+          <p:nvPr/>
+        </p:nvSpPr>
+        <p:spPr>
+          <a:xfrm>
+            <a:off x="3200203" y="3599775"/>
+            <a:ext cx="6633116" cy="570239"/>
+          </a:xfrm>
+          <a:prstGeom prst="rect">
+            <a:avLst/>
+          </a:prstGeom>
+        </p:spPr>
+        <p:txBody>
+          <a:bodyPr vert="horz" lIns="91440" tIns="45720" rIns="91440" bIns="45720" rtlCol="0" anchor="ctr">
+            <a:noAutofit/>
+          </a:bodyPr>
+          <a:lstStyle>
+            <a:lvl1pPr algn="l" defTabSz="914400" rtl="0" eaLnBrk="1" latinLnBrk="0" hangingPunct="1">
+              <a:lnSpc>
+                <a:spcPct val="90000"/>
+              </a:lnSpc>
+              <a:spcBef>
+                <a:spcPct val="0"/>
+              </a:spcBef>
+              <a:buNone/>
+              <a:defRPr lang="en-GB" sz="5400" b="1" kern="1200" dirty="0">
+                <a:solidFill>
+                  <a:schemeClr val="bg1"/>
+                </a:solidFill>
+                <a:latin typeface="+mj-lt"/>
+                <a:ea typeface="Tahoma" panose="020B0604030504040204" pitchFamily="34" charset="0"/>
+                <a:cs typeface="Tahoma" panose="020B0604030504040204" pitchFamily="34" charset="0"/>
+              </a:defRPr>
+            </a:lvl1pPr>
+          </a:lstStyle>
+          <a:p>
+            <a:r>
+              <a:rPr lang="en-US" sz="2800" dirty="0">
+                <a:latin typeface="+mn-lt"/>
+              </a:rPr>
+              <a:t>Blog: </a:t>
+            </a:r>
+            <a:r>
+              <a:rPr lang="en-US" sz="2800" dirty="0">
+                <a:solidFill>
+                  <a:schemeClr val="accent1">
+                    <a:lumMod val="60000"/>
+                    <a:lumOff val="40000"/>
+                  </a:schemeClr>
+                </a:solidFill>
+                <a:latin typeface="+mn-lt"/>
+                <a:hlinkClick r:id="rId4">
+                  <a:extLst>
+                    <a:ext uri="{A12FA001-AC4F-418D-AE19-62706E023703}">
+                      <ahyp:hlinkClr xmlns:ahyp="http://schemas.microsoft.com/office/drawing/2018/hyperlinkcolor" val="tx"/>
+                    </a:ext>
+                  </a:extLst>
+                </a:hlinkClick>
+              </a:rPr>
+              <a:t>https://blog.danskingdom.com</a:t>
+            </a:r>
+            <a:r>
+              <a:rPr lang="en-US" sz="2800" dirty="0">
+                <a:solidFill>
+                  <a:schemeClr val="accent1">
+                    <a:lumMod val="60000"/>
+                    <a:lumOff val="40000"/>
+                  </a:schemeClr>
+                </a:solidFill>
+                <a:latin typeface="+mn-lt"/>
+              </a:rPr>
+              <a:t> </a:t>
+            </a:r>
+          </a:p>
+        </p:txBody>
+      </p:sp>
+      <p:sp>
+        <p:nvSpPr>
+          <p:cNvPr id="7" name="Title 1">
+            <a:extLst>
+              <a:ext uri="{FF2B5EF4-FFF2-40B4-BE49-F238E27FC236}">
+                <a16:creationId xmlns:a16="http://schemas.microsoft.com/office/drawing/2014/main" id="{10A4B1F2-FFBD-884F-C20F-B41E9211B235}"/>
+              </a:ext>
+            </a:extLst>
+          </p:cNvPr>
+          <p:cNvSpPr txBox="1">
+            <a:spLocks/>
+          </p:cNvSpPr>
+          <p:nvPr/>
+        </p:nvSpPr>
+        <p:spPr>
+          <a:xfrm>
+            <a:off x="2542643" y="4273120"/>
+            <a:ext cx="7290676" cy="570239"/>
+          </a:xfrm>
+          <a:prstGeom prst="rect">
+            <a:avLst/>
+          </a:prstGeom>
+        </p:spPr>
+        <p:txBody>
+          <a:bodyPr vert="horz" lIns="91440" tIns="45720" rIns="91440" bIns="45720" rtlCol="0" anchor="ctr">
+            <a:noAutofit/>
+          </a:bodyPr>
+          <a:lstStyle>
+            <a:lvl1pPr algn="l" defTabSz="914400" rtl="0" eaLnBrk="1" latinLnBrk="0" hangingPunct="1">
+              <a:lnSpc>
+                <a:spcPct val="90000"/>
+              </a:lnSpc>
+              <a:spcBef>
+                <a:spcPct val="0"/>
+              </a:spcBef>
+              <a:buNone/>
+              <a:defRPr lang="en-GB" sz="5400" b="1" kern="1200" dirty="0">
+                <a:solidFill>
+                  <a:schemeClr val="bg1"/>
+                </a:solidFill>
+                <a:latin typeface="+mj-lt"/>
+                <a:ea typeface="Tahoma" panose="020B0604030504040204" pitchFamily="34" charset="0"/>
+                <a:cs typeface="Tahoma" panose="020B0604030504040204" pitchFamily="34" charset="0"/>
+              </a:defRPr>
+            </a:lvl1pPr>
+          </a:lstStyle>
+          <a:p>
+            <a:r>
+              <a:rPr lang="en-US" sz="2800" dirty="0">
+                <a:latin typeface="+mn-lt"/>
+              </a:rPr>
+              <a:t>GitHub: </a:t>
+            </a:r>
+            <a:r>
+              <a:rPr lang="en-US" sz="2800" dirty="0">
+                <a:solidFill>
+                  <a:schemeClr val="accent1">
+                    <a:lumMod val="60000"/>
+                    <a:lumOff val="40000"/>
+                  </a:schemeClr>
+                </a:solidFill>
+                <a:latin typeface="+mn-lt"/>
+                <a:hlinkClick r:id="rId5">
+                  <a:extLst>
+                    <a:ext uri="{A12FA001-AC4F-418D-AE19-62706E023703}">
+                      <ahyp:hlinkClr xmlns:ahyp="http://schemas.microsoft.com/office/drawing/2018/hyperlinkcolor" val="tx"/>
+                    </a:ext>
+                  </a:extLst>
+                </a:hlinkClick>
+              </a:rPr>
+              <a:t>https://github.com/deadlydog</a:t>
+            </a:r>
+            <a:r>
+              <a:rPr lang="en-US" sz="2800" dirty="0">
+                <a:solidFill>
+                  <a:schemeClr val="accent1">
+                    <a:lumMod val="60000"/>
+                    <a:lumOff val="40000"/>
+                  </a:schemeClr>
+                </a:solidFill>
+                <a:latin typeface="+mn-lt"/>
+              </a:rPr>
+              <a:t>  </a:t>
+            </a:r>
+          </a:p>
+        </p:txBody>
+      </p:sp>
+      <p:sp>
+        <p:nvSpPr>
+          <p:cNvPr id="8" name="Title 1">
+            <a:extLst>
+              <a:ext uri="{FF2B5EF4-FFF2-40B4-BE49-F238E27FC236}">
+                <a16:creationId xmlns:a16="http://schemas.microsoft.com/office/drawing/2014/main" id="{A929F614-BEFE-67F2-00AC-464F14B947DC}"/>
+              </a:ext>
+            </a:extLst>
+          </p:cNvPr>
+          <p:cNvSpPr txBox="1">
+            <a:spLocks/>
+          </p:cNvSpPr>
+          <p:nvPr/>
+        </p:nvSpPr>
+        <p:spPr>
+          <a:xfrm>
+            <a:off x="1993395" y="4946465"/>
+            <a:ext cx="8337650" cy="570239"/>
+          </a:xfrm>
+          <a:prstGeom prst="rect">
+            <a:avLst/>
+          </a:prstGeom>
+        </p:spPr>
+        <p:txBody>
+          <a:bodyPr vert="horz" lIns="91440" tIns="45720" rIns="91440" bIns="45720" rtlCol="0" anchor="ctr">
+            <a:noAutofit/>
+          </a:bodyPr>
+          <a:lstStyle>
+            <a:lvl1pPr algn="l" defTabSz="914400" rtl="0" eaLnBrk="1" latinLnBrk="0" hangingPunct="1">
+              <a:lnSpc>
+                <a:spcPct val="90000"/>
+              </a:lnSpc>
+              <a:spcBef>
+                <a:spcPct val="0"/>
+              </a:spcBef>
+              <a:buNone/>
+              <a:defRPr lang="en-GB" sz="5400" b="1" kern="1200" dirty="0">
+                <a:solidFill>
+                  <a:schemeClr val="bg1"/>
+                </a:solidFill>
+                <a:latin typeface="+mj-lt"/>
+                <a:ea typeface="Tahoma" panose="020B0604030504040204" pitchFamily="34" charset="0"/>
+                <a:cs typeface="Tahoma" panose="020B0604030504040204" pitchFamily="34" charset="0"/>
+              </a:defRPr>
+            </a:lvl1pPr>
+          </a:lstStyle>
+          <a:p>
+            <a:r>
+              <a:rPr lang="en-US" sz="2800" dirty="0">
+                <a:latin typeface="+mn-lt"/>
+              </a:rPr>
+              <a:t>X / Twitter: </a:t>
+            </a:r>
+            <a:r>
+              <a:rPr lang="en-US" sz="2800" dirty="0">
+                <a:solidFill>
+                  <a:schemeClr val="accent1">
+                    <a:lumMod val="60000"/>
+                    <a:lumOff val="40000"/>
+                  </a:schemeClr>
+                </a:solidFill>
+                <a:latin typeface="+mn-lt"/>
+                <a:hlinkClick r:id="rId6">
+                  <a:extLst>
+                    <a:ext uri="{A12FA001-AC4F-418D-AE19-62706E023703}">
+                      <ahyp:hlinkClr xmlns:ahyp="http://schemas.microsoft.com/office/drawing/2018/hyperlinkcolor" val="tx"/>
+                    </a:ext>
+                  </a:extLst>
+                </a:hlinkClick>
+              </a:rPr>
+              <a:t>https://x.com/deadlydog</a:t>
+            </a:r>
+            <a:r>
+              <a:rPr lang="en-US" sz="2800" dirty="0">
+                <a:solidFill>
+                  <a:schemeClr val="accent1">
+                    <a:lumMod val="60000"/>
+                    <a:lumOff val="40000"/>
+                  </a:schemeClr>
+                </a:solidFill>
+                <a:latin typeface="+mn-lt"/>
+              </a:rPr>
+              <a:t>   </a:t>
+            </a:r>
+          </a:p>
+        </p:txBody>
+      </p:sp>
+    </p:spTree>
+    <p:extLst>
+      <p:ext uri="{BB962C8B-B14F-4D97-AF65-F5344CB8AC3E}">
+        <p14:creationId xmlns:p14="http://schemas.microsoft.com/office/powerpoint/2010/main" val="2977205056"/>
+      </p:ext>
+    </p:extLst>
+  </p:cSld>
+  <p:clrMapOvr>
+    <a:masterClrMapping/>
+  </p:clrMapOvr>
+  <p:transition spd="slow">
+    <p:wipe/>
+  </p:transition>
+</p:sld>
+</file>
+
+<file path=ppt/slides/slide13.xml><?xml version="1.0" encoding="utf-8"?>
+<p:sld xmlns:a="http://schemas.openxmlformats.org/drawingml/2006/main" xmlns:r="http://schemas.openxmlformats.org/officeDocument/2006/relationships" xmlns:p="http://schemas.openxmlformats.org/presentationml/2006/main">
+  <p:cSld>
+    <p:spTree>
+      <p:nvGrpSpPr>
+        <p:cNvPr id="1" name=""/>
+        <p:cNvGrpSpPr/>
+        <p:nvPr/>
+      </p:nvGrpSpPr>
+      <p:grpSpPr>
+        <a:xfrm>
+          <a:off x="0" y="0"/>
+          <a:ext cx="0" cy="0"/>
+          <a:chOff x="0" y="0"/>
+          <a:chExt cx="0" cy="0"/>
+        </a:xfrm>
+      </p:grpSpPr>
+      <p:sp>
+        <p:nvSpPr>
+          <p:cNvPr id="7" name="Title 6">
+            <a:extLst>
+              <a:ext uri="{FF2B5EF4-FFF2-40B4-BE49-F238E27FC236}">
+                <a16:creationId xmlns:a16="http://schemas.microsoft.com/office/drawing/2014/main" id="{7875C19A-1AAE-476A-A316-A2CF92D763D3}"/>
+              </a:ext>
+            </a:extLst>
+          </p:cNvPr>
+          <p:cNvSpPr>
+            <a:spLocks noGrp="1"/>
+          </p:cNvSpPr>
+          <p:nvPr>
+            <p:ph type="title"/>
+          </p:nvPr>
+        </p:nvSpPr>
+        <p:spPr/>
+        <p:txBody>
+          <a:bodyPr/>
+          <a:lstStyle/>
+          <a:p>
+            <a:r>
+              <a:rPr lang="en-US" dirty="0"/>
+              <a:t>Classes and Enums</a:t>
+            </a:r>
+          </a:p>
+        </p:txBody>
+      </p:sp>
+      <p:sp>
+        <p:nvSpPr>
+          <p:cNvPr id="10" name="Text Placeholder 9">
+            <a:extLst>
+              <a:ext uri="{FF2B5EF4-FFF2-40B4-BE49-F238E27FC236}">
+                <a16:creationId xmlns:a16="http://schemas.microsoft.com/office/drawing/2014/main" id="{EF2BC084-E6DB-4DE7-B309-042A85EBA700}"/>
+              </a:ext>
+            </a:extLst>
+          </p:cNvPr>
+          <p:cNvSpPr>
+            <a:spLocks noGrp="1"/>
+          </p:cNvSpPr>
+          <p:nvPr>
+            <p:ph type="body" sz="quarter" idx="13"/>
+          </p:nvPr>
+        </p:nvSpPr>
+        <p:spPr>
+          <a:xfrm>
+            <a:off x="444499" y="1195755"/>
+            <a:ext cx="11467867" cy="5373858"/>
+          </a:xfrm>
+        </p:spPr>
+        <p:txBody>
+          <a:bodyPr/>
+          <a:lstStyle/>
+          <a:p>
+            <a:r>
+              <a:rPr lang="en-US" sz="2800" dirty="0"/>
+              <a:t>Enum</a:t>
+            </a:r>
+          </a:p>
+          <a:p>
+            <a:pPr lvl="1"/>
+            <a:r>
+              <a:rPr lang="en-US" sz="2600" dirty="0"/>
+              <a:t>Predefined set of values to choose from</a:t>
+            </a:r>
+          </a:p>
+          <a:p>
+            <a:pPr lvl="1"/>
+            <a:r>
+              <a:rPr lang="en-US" sz="2600" dirty="0"/>
+              <a:t>Automatic validations and autocomplete</a:t>
+            </a:r>
+          </a:p>
+          <a:p>
+            <a:r>
+              <a:rPr lang="en-US" sz="2800" dirty="0"/>
+              <a:t>Class</a:t>
+            </a:r>
+          </a:p>
+          <a:p>
+            <a:pPr lvl="1"/>
+            <a:r>
+              <a:rPr lang="en-US" sz="2600" dirty="0"/>
+              <a:t>Strongly typed object with data + functions</a:t>
+            </a:r>
+          </a:p>
+          <a:p>
+            <a:pPr lvl="1"/>
+            <a:r>
+              <a:rPr lang="en-US" sz="2600" dirty="0"/>
+              <a:t>All objects guaranteed to have the same properties and functions</a:t>
+            </a:r>
+          </a:p>
+          <a:p>
+            <a:pPr marL="457200" lvl="1" indent="0">
+              <a:buNone/>
+            </a:pPr>
+            <a:endParaRPr lang="en-US" sz="2800" dirty="0"/>
+          </a:p>
+          <a:p>
+            <a:pPr marL="457200" lvl="1" indent="0">
+              <a:buNone/>
+            </a:pPr>
+            <a:endParaRPr lang="en-US" sz="2800" dirty="0"/>
+          </a:p>
+          <a:p>
+            <a:r>
+              <a:rPr lang="en-US" sz="2800" dirty="0">
+                <a:solidFill>
+                  <a:schemeClr val="accent1">
+                    <a:lumMod val="60000"/>
+                    <a:lumOff val="40000"/>
+                  </a:schemeClr>
+                </a:solidFill>
+                <a:hlinkClick r:id="rId3">
+                  <a:extLst>
+                    <a:ext uri="{A12FA001-AC4F-418D-AE19-62706E023703}">
+                      <ahyp:hlinkClr xmlns:ahyp="http://schemas.microsoft.com/office/drawing/2018/hyperlinkcolor" val="tx"/>
+                    </a:ext>
+                  </a:extLst>
+                </a:hlinkClick>
+              </a:rPr>
+              <a:t>https://github.com/deadlydog/PowerShell.Experiment.ClassInModule</a:t>
+            </a:r>
+            <a:r>
+              <a:rPr lang="en-US" sz="2800" dirty="0">
+                <a:solidFill>
+                  <a:schemeClr val="accent1">
+                    <a:lumMod val="60000"/>
+                    <a:lumOff val="40000"/>
+                  </a:schemeClr>
+                </a:solidFill>
+              </a:rPr>
+              <a:t> </a:t>
+            </a:r>
+          </a:p>
+        </p:txBody>
+      </p:sp>
+      <p:sp>
+        <p:nvSpPr>
+          <p:cNvPr id="2" name="Slide Number Placeholder 1">
+            <a:extLst>
+              <a:ext uri="{FF2B5EF4-FFF2-40B4-BE49-F238E27FC236}">
+                <a16:creationId xmlns:a16="http://schemas.microsoft.com/office/drawing/2014/main" id="{BE9800F6-D571-48C4-8466-12AA1ADB6599}"/>
+              </a:ext>
+            </a:extLst>
+          </p:cNvPr>
+          <p:cNvSpPr>
+            <a:spLocks noGrp="1"/>
+          </p:cNvSpPr>
+          <p:nvPr>
+            <p:ph type="sldNum" sz="quarter" idx="12"/>
+          </p:nvPr>
+        </p:nvSpPr>
+        <p:spPr/>
+        <p:txBody>
+          <a:bodyPr/>
+          <a:lstStyle/>
+          <a:p>
+            <a:fld id="{C263D6C4-4840-40CC-AC84-17E24B3B7BDE}" type="slidenum">
+              <a:rPr lang="en-US" smtClean="0"/>
+              <a:pPr/>
+              <a:t>13</a:t>
+            </a:fld>
+            <a:endParaRPr lang="en-US" dirty="0"/>
+          </a:p>
+        </p:txBody>
+      </p:sp>
+    </p:spTree>
+    <p:extLst>
+      <p:ext uri="{BB962C8B-B14F-4D97-AF65-F5344CB8AC3E}">
+        <p14:creationId xmlns:p14="http://schemas.microsoft.com/office/powerpoint/2010/main" val="1089435659"/>
+      </p:ext>
+    </p:extLst>
+  </p:cSld>
+  <p:clrMapOvr>
+    <a:masterClrMapping/>
+  </p:clrMapOvr>
+  <mc:AlternateContent xmlns:mc="http://schemas.openxmlformats.org/markup-compatibility/2006" xmlns:p14="http://schemas.microsoft.com/office/powerpoint/2010/main">
+    <mc:Choice Requires="p14">
+      <p:transition spd="med" p14:dur="700">
+        <p:fade/>
+      </p:transition>
+    </mc:Choice>
+    <mc:Fallback xmlns="">
+      <p:transition spd="med">
+        <p:fade/>
+      </p:transition>
+    </mc:Fallback>
+  </mc:AlternateContent>
+</p:sld>
+</file>
+
+<file path=ppt/slides/slide14.xml><?xml version="1.0" encoding="utf-8"?>
+<p:sld xmlns:a="http://schemas.openxmlformats.org/drawingml/2006/main" xmlns:r="http://schemas.openxmlformats.org/officeDocument/2006/relationships" xmlns:p="http://schemas.openxmlformats.org/presentationml/2006/main">
+  <p:cSld>
+    <p:spTree>
+      <p:nvGrpSpPr>
+        <p:cNvPr id="1" name=""/>
+        <p:cNvGrpSpPr/>
+        <p:nvPr/>
+      </p:nvGrpSpPr>
+      <p:grpSpPr>
+        <a:xfrm>
+          <a:off x="0" y="0"/>
+          <a:ext cx="0" cy="0"/>
+          <a:chOff x="0" y="0"/>
+          <a:chExt cx="0" cy="0"/>
+        </a:xfrm>
+      </p:grpSpPr>
+      <p:sp>
+        <p:nvSpPr>
           <p:cNvPr id="7" name="Title 6">
             <a:extLst>
               <a:ext uri="{FF2B5EF4-FFF2-40B4-BE49-F238E27FC236}">
@@ -29720,7 +30487,7 @@
             <a:fld id="{C263D6C4-4840-40CC-AC84-17E24B3B7BDE}" type="slidenum">
               <a:rPr lang="en-US" smtClean="0"/>
               <a:pPr/>
-              <a:t>12</a:t>
+              <a:t>14</a:t>
             </a:fld>
             <a:endParaRPr lang="en-US" dirty="0"/>
           </a:p>
@@ -30060,7 +30827,7 @@
 </p:sld>
 </file>
 
-<file path=ppt/slides/slide13.xml><?xml version="1.0" encoding="utf-8"?>
+<file path=ppt/slides/slide15.xml><?xml version="1.0" encoding="utf-8"?>
 <p:sld xmlns:a="http://schemas.openxmlformats.org/drawingml/2006/main" xmlns:r="http://schemas.openxmlformats.org/officeDocument/2006/relationships" xmlns:p="http://schemas.openxmlformats.org/presentationml/2006/main">
   <p:cSld>
     <p:spTree>
@@ -30243,7 +31010,7 @@
             <a:fld id="{C263D6C4-4840-40CC-AC84-17E24B3B7BDE}" type="slidenum">
               <a:rPr lang="en-US" smtClean="0"/>
               <a:pPr/>
-              <a:t>13</a:t>
+              <a:t>15</a:t>
             </a:fld>
             <a:endParaRPr lang="en-US" dirty="0"/>
           </a:p>
@@ -30558,7 +31325,7 @@
 </p:sld>
 </file>
 
-<file path=ppt/slides/slide14.xml><?xml version="1.0" encoding="utf-8"?>
+<file path=ppt/slides/slide16.xml><?xml version="1.0" encoding="utf-8"?>
 <p:sld xmlns:a="http://schemas.openxmlformats.org/drawingml/2006/main" xmlns:r="http://schemas.openxmlformats.org/officeDocument/2006/relationships" xmlns:p="http://schemas.openxmlformats.org/presentationml/2006/main">
   <p:cSld>
     <p:spTree>
@@ -30681,7 +31448,7 @@
             <a:fld id="{C263D6C4-4840-40CC-AC84-17E24B3B7BDE}" type="slidenum">
               <a:rPr lang="en-US" smtClean="0"/>
               <a:pPr/>
-              <a:t>14</a:t>
+              <a:t>16</a:t>
             </a:fld>
             <a:endParaRPr lang="en-US" dirty="0"/>
           </a:p>
@@ -30709,602 +31476,6 @@
       </p:transition>
     </mc:Fallback>
   </mc:AlternateContent>
-</p:sld>
-</file>
-
-<file path=ppt/slides/slide15.xml><?xml version="1.0" encoding="utf-8"?>
-<p:sld xmlns:a="http://schemas.openxmlformats.org/drawingml/2006/main" xmlns:r="http://schemas.openxmlformats.org/officeDocument/2006/relationships" xmlns:p="http://schemas.openxmlformats.org/presentationml/2006/main">
-  <p:cSld>
-    <p:spTree>
-      <p:nvGrpSpPr>
-        <p:cNvPr id="1" name=""/>
-        <p:cNvGrpSpPr/>
-        <p:nvPr/>
-      </p:nvGrpSpPr>
-      <p:grpSpPr>
-        <a:xfrm>
-          <a:off x="0" y="0"/>
-          <a:ext cx="0" cy="0"/>
-          <a:chOff x="0" y="0"/>
-          <a:chExt cx="0" cy="0"/>
-        </a:xfrm>
-      </p:grpSpPr>
-      <p:sp>
-        <p:nvSpPr>
-          <p:cNvPr id="7" name="Title 6">
-            <a:extLst>
-              <a:ext uri="{FF2B5EF4-FFF2-40B4-BE49-F238E27FC236}">
-                <a16:creationId xmlns:a16="http://schemas.microsoft.com/office/drawing/2014/main" id="{7875C19A-1AAE-476A-A316-A2CF92D763D3}"/>
-              </a:ext>
-            </a:extLst>
-          </p:cNvPr>
-          <p:cNvSpPr>
-            <a:spLocks noGrp="1"/>
-          </p:cNvSpPr>
-          <p:nvPr>
-            <p:ph type="title"/>
-          </p:nvPr>
-        </p:nvSpPr>
-        <p:spPr/>
-        <p:txBody>
-          <a:bodyPr/>
-          <a:lstStyle/>
-          <a:p>
-            <a:r>
-              <a:rPr lang="en-US" dirty="0"/>
-              <a:t>Questions and Discussion</a:t>
-            </a:r>
-          </a:p>
-        </p:txBody>
-      </p:sp>
-      <p:sp>
-        <p:nvSpPr>
-          <p:cNvPr id="10" name="Text Placeholder 9">
-            <a:extLst>
-              <a:ext uri="{FF2B5EF4-FFF2-40B4-BE49-F238E27FC236}">
-                <a16:creationId xmlns:a16="http://schemas.microsoft.com/office/drawing/2014/main" id="{EF2BC084-E6DB-4DE7-B309-042A85EBA700}"/>
-              </a:ext>
-            </a:extLst>
-          </p:cNvPr>
-          <p:cNvSpPr>
-            <a:spLocks noGrp="1"/>
-          </p:cNvSpPr>
-          <p:nvPr>
-            <p:ph type="body" sz="quarter" idx="13"/>
-          </p:nvPr>
-        </p:nvSpPr>
-        <p:spPr>
-          <a:xfrm>
-            <a:off x="444499" y="1625385"/>
-            <a:ext cx="11467867" cy="4390951"/>
-          </a:xfrm>
-        </p:spPr>
-        <p:txBody>
-          <a:bodyPr/>
-          <a:lstStyle/>
-          <a:p>
-            <a:endParaRPr lang="en-US" sz="2800" dirty="0"/>
-          </a:p>
-          <a:p>
-            <a:r>
-              <a:rPr lang="en-US" sz="2800" dirty="0"/>
-              <a:t>Anything you want to know more about?</a:t>
-            </a:r>
-          </a:p>
-          <a:p>
-            <a:r>
-              <a:rPr lang="en-US" sz="2800" dirty="0"/>
-              <a:t>What was your favourite thing you learned or saw?</a:t>
-            </a:r>
-          </a:p>
-          <a:p>
-            <a:pPr marL="0" indent="0">
-              <a:buNone/>
-            </a:pPr>
-            <a:endParaRPr lang="en-US" sz="2800" dirty="0"/>
-          </a:p>
-          <a:p>
-            <a:endParaRPr lang="en-US" sz="2800" dirty="0"/>
-          </a:p>
-          <a:p>
-            <a:r>
-              <a:rPr lang="en-US" sz="2800" dirty="0"/>
-              <a:t>Shout out to the Profiler module for finding perf issues:</a:t>
-            </a:r>
-            <a:r>
-              <a:rPr lang="en-US" sz="2800" dirty="0">
-                <a:solidFill>
-                  <a:schemeClr val="accent1">
-                    <a:lumMod val="60000"/>
-                    <a:lumOff val="40000"/>
-                  </a:schemeClr>
-                </a:solidFill>
-                <a:hlinkClick r:id="rId3">
-                  <a:extLst>
-                    <a:ext uri="{A12FA001-AC4F-418D-AE19-62706E023703}">
-                      <ahyp:hlinkClr xmlns:ahyp="http://schemas.microsoft.com/office/drawing/2018/hyperlinkcolor" val="tx"/>
-                    </a:ext>
-                  </a:extLst>
-                </a:hlinkClick>
-              </a:rPr>
-              <a:t> https://blog.danskingdom.com/Easily-profile-your-PowerShell-code-with-the-Profiler-module/</a:t>
-            </a:r>
-            <a:r>
-              <a:rPr lang="en-US" sz="2800" dirty="0"/>
-              <a:t> </a:t>
-            </a:r>
-          </a:p>
-        </p:txBody>
-      </p:sp>
-      <p:sp>
-        <p:nvSpPr>
-          <p:cNvPr id="2" name="Slide Number Placeholder 1">
-            <a:extLst>
-              <a:ext uri="{FF2B5EF4-FFF2-40B4-BE49-F238E27FC236}">
-                <a16:creationId xmlns:a16="http://schemas.microsoft.com/office/drawing/2014/main" id="{BE9800F6-D571-48C4-8466-12AA1ADB6599}"/>
-              </a:ext>
-            </a:extLst>
-          </p:cNvPr>
-          <p:cNvSpPr>
-            <a:spLocks noGrp="1"/>
-          </p:cNvSpPr>
-          <p:nvPr>
-            <p:ph type="sldNum" sz="quarter" idx="12"/>
-          </p:nvPr>
-        </p:nvSpPr>
-        <p:spPr/>
-        <p:txBody>
-          <a:bodyPr/>
-          <a:lstStyle/>
-          <a:p>
-            <a:fld id="{C263D6C4-4840-40CC-AC84-17E24B3B7BDE}" type="slidenum">
-              <a:rPr lang="en-US" smtClean="0"/>
-              <a:pPr/>
-              <a:t>15</a:t>
-            </a:fld>
-            <a:endParaRPr lang="en-US" dirty="0"/>
-          </a:p>
-        </p:txBody>
-      </p:sp>
-    </p:spTree>
-    <p:extLst>
-      <p:ext uri="{BB962C8B-B14F-4D97-AF65-F5344CB8AC3E}">
-        <p14:creationId xmlns:p14="http://schemas.microsoft.com/office/powerpoint/2010/main" val="3946810922"/>
-      </p:ext>
-    </p:extLst>
-  </p:cSld>
-  <p:clrMapOvr>
-    <a:masterClrMapping/>
-  </p:clrMapOvr>
-  <mc:AlternateContent xmlns:mc="http://schemas.openxmlformats.org/markup-compatibility/2006" xmlns:p14="http://schemas.microsoft.com/office/powerpoint/2010/main">
-    <mc:Choice Requires="p14">
-      <p:transition spd="med" p14:dur="700">
-        <p:fade/>
-      </p:transition>
-    </mc:Choice>
-    <mc:Fallback xmlns="">
-      <p:transition spd="med">
-        <p:fade/>
-      </p:transition>
-    </mc:Fallback>
-  </mc:AlternateContent>
-</p:sld>
-</file>
-
-<file path=ppt/slides/slide16.xml><?xml version="1.0" encoding="utf-8"?>
-<p:sld xmlns:a="http://schemas.openxmlformats.org/drawingml/2006/main" xmlns:r="http://schemas.openxmlformats.org/officeDocument/2006/relationships" xmlns:p="http://schemas.openxmlformats.org/presentationml/2006/main">
-  <p:cSld>
-    <p:spTree>
-      <p:nvGrpSpPr>
-        <p:cNvPr id="1" name=""/>
-        <p:cNvGrpSpPr/>
-        <p:nvPr/>
-      </p:nvGrpSpPr>
-      <p:grpSpPr>
-        <a:xfrm>
-          <a:off x="0" y="0"/>
-          <a:ext cx="0" cy="0"/>
-          <a:chOff x="0" y="0"/>
-          <a:chExt cx="0" cy="0"/>
-        </a:xfrm>
-      </p:grpSpPr>
-      <p:sp>
-        <p:nvSpPr>
-          <p:cNvPr id="2" name="Title 1">
-            <a:extLst>
-              <a:ext uri="{FF2B5EF4-FFF2-40B4-BE49-F238E27FC236}">
-                <a16:creationId xmlns:a16="http://schemas.microsoft.com/office/drawing/2014/main" id="{632BE5BF-9922-45FB-8F3F-4446D40A051B}"/>
-              </a:ext>
-            </a:extLst>
-          </p:cNvPr>
-          <p:cNvSpPr>
-            <a:spLocks noGrp="1"/>
-          </p:cNvSpPr>
-          <p:nvPr>
-            <p:ph type="ctrTitle"/>
-          </p:nvPr>
-        </p:nvSpPr>
-        <p:spPr>
-          <a:xfrm>
-            <a:off x="6096000" y="1682846"/>
-            <a:ext cx="4945598" cy="1243584"/>
-          </a:xfrm>
-        </p:spPr>
-        <p:txBody>
-          <a:bodyPr/>
-          <a:lstStyle/>
-          <a:p>
-            <a:r>
-              <a:rPr lang="en-US" sz="7200" dirty="0"/>
-              <a:t>Thank You!</a:t>
-            </a:r>
-            <a:endParaRPr lang="en-GB" sz="7200" dirty="0"/>
-          </a:p>
-        </p:txBody>
-      </p:sp>
-      <p:sp>
-        <p:nvSpPr>
-          <p:cNvPr id="3" name="Title 1">
-            <a:extLst>
-              <a:ext uri="{FF2B5EF4-FFF2-40B4-BE49-F238E27FC236}">
-                <a16:creationId xmlns:a16="http://schemas.microsoft.com/office/drawing/2014/main" id="{0AB9C4BC-1D53-4A50-18E2-39D67A5E28A6}"/>
-              </a:ext>
-            </a:extLst>
-          </p:cNvPr>
-          <p:cNvSpPr txBox="1">
-            <a:spLocks/>
-          </p:cNvSpPr>
-          <p:nvPr/>
-        </p:nvSpPr>
-        <p:spPr>
-          <a:xfrm>
-            <a:off x="1483441" y="5548356"/>
-            <a:ext cx="9892131" cy="1059268"/>
-          </a:xfrm>
-          <a:prstGeom prst="rect">
-            <a:avLst/>
-          </a:prstGeom>
-        </p:spPr>
-        <p:txBody>
-          <a:bodyPr vert="horz" lIns="91440" tIns="45720" rIns="91440" bIns="45720" rtlCol="0" anchor="ctr">
-            <a:noAutofit/>
-          </a:bodyPr>
-          <a:lstStyle>
-            <a:lvl1pPr algn="l" defTabSz="914400" rtl="0" eaLnBrk="1" latinLnBrk="0" hangingPunct="1">
-              <a:lnSpc>
-                <a:spcPct val="90000"/>
-              </a:lnSpc>
-              <a:spcBef>
-                <a:spcPct val="0"/>
-              </a:spcBef>
-              <a:buNone/>
-              <a:defRPr lang="en-GB" sz="5400" b="1" kern="1200" dirty="0">
-                <a:solidFill>
-                  <a:schemeClr val="bg1"/>
-                </a:solidFill>
-                <a:latin typeface="+mj-lt"/>
-                <a:ea typeface="Tahoma" panose="020B0604030504040204" pitchFamily="34" charset="0"/>
-                <a:cs typeface="Tahoma" panose="020B0604030504040204" pitchFamily="34" charset="0"/>
-              </a:defRPr>
-            </a:lvl1pPr>
-          </a:lstStyle>
-          <a:p>
-            <a:r>
-              <a:rPr lang="en-US" sz="2800" dirty="0">
-                <a:latin typeface="+mn-lt"/>
-              </a:rPr>
-              <a:t>Slide Deck:</a:t>
-            </a:r>
-          </a:p>
-          <a:p>
-            <a:r>
-              <a:rPr lang="en-US" sz="2800" dirty="0">
-                <a:solidFill>
-                  <a:schemeClr val="accent1">
-                    <a:lumMod val="60000"/>
-                    <a:lumOff val="40000"/>
-                  </a:schemeClr>
-                </a:solidFill>
-                <a:latin typeface="+mn-lt"/>
-                <a:hlinkClick r:id="rId3">
-                  <a:extLst>
-                    <a:ext uri="{A12FA001-AC4F-418D-AE19-62706E023703}">
-                      <ahyp:hlinkClr xmlns:ahyp="http://schemas.microsoft.com/office/drawing/2018/hyperlinkcolor" val="tx"/>
-                    </a:ext>
-                  </a:extLst>
-                </a:hlinkClick>
-              </a:rPr>
-              <a:t>https://github.com/deadlydog/Presentation.tiPSWelcome</a:t>
-            </a:r>
-            <a:r>
-              <a:rPr lang="en-US" sz="2800" dirty="0">
-                <a:solidFill>
-                  <a:schemeClr val="accent1">
-                    <a:lumMod val="60000"/>
-                    <a:lumOff val="40000"/>
-                  </a:schemeClr>
-                </a:solidFill>
-                <a:latin typeface="+mn-lt"/>
-              </a:rPr>
-              <a:t> </a:t>
-            </a:r>
-          </a:p>
-        </p:txBody>
-      </p:sp>
-      <p:sp>
-        <p:nvSpPr>
-          <p:cNvPr id="6" name="Title 1">
-            <a:extLst>
-              <a:ext uri="{FF2B5EF4-FFF2-40B4-BE49-F238E27FC236}">
-                <a16:creationId xmlns:a16="http://schemas.microsoft.com/office/drawing/2014/main" id="{ACE1F121-6324-786E-E2AF-49301B095864}"/>
-              </a:ext>
-            </a:extLst>
-          </p:cNvPr>
-          <p:cNvSpPr txBox="1">
-            <a:spLocks/>
-          </p:cNvSpPr>
-          <p:nvPr/>
-        </p:nvSpPr>
-        <p:spPr>
-          <a:xfrm>
-            <a:off x="3200203" y="3599775"/>
-            <a:ext cx="6633116" cy="570239"/>
-          </a:xfrm>
-          <a:prstGeom prst="rect">
-            <a:avLst/>
-          </a:prstGeom>
-        </p:spPr>
-        <p:txBody>
-          <a:bodyPr vert="horz" lIns="91440" tIns="45720" rIns="91440" bIns="45720" rtlCol="0" anchor="ctr">
-            <a:noAutofit/>
-          </a:bodyPr>
-          <a:lstStyle>
-            <a:lvl1pPr algn="l" defTabSz="914400" rtl="0" eaLnBrk="1" latinLnBrk="0" hangingPunct="1">
-              <a:lnSpc>
-                <a:spcPct val="90000"/>
-              </a:lnSpc>
-              <a:spcBef>
-                <a:spcPct val="0"/>
-              </a:spcBef>
-              <a:buNone/>
-              <a:defRPr lang="en-GB" sz="5400" b="1" kern="1200" dirty="0">
-                <a:solidFill>
-                  <a:schemeClr val="bg1"/>
-                </a:solidFill>
-                <a:latin typeface="+mj-lt"/>
-                <a:ea typeface="Tahoma" panose="020B0604030504040204" pitchFamily="34" charset="0"/>
-                <a:cs typeface="Tahoma" panose="020B0604030504040204" pitchFamily="34" charset="0"/>
-              </a:defRPr>
-            </a:lvl1pPr>
-          </a:lstStyle>
-          <a:p>
-            <a:r>
-              <a:rPr lang="en-US" sz="2800" dirty="0">
-                <a:latin typeface="+mn-lt"/>
-              </a:rPr>
-              <a:t>Blog: </a:t>
-            </a:r>
-            <a:r>
-              <a:rPr lang="en-US" sz="2800" dirty="0">
-                <a:solidFill>
-                  <a:schemeClr val="accent1">
-                    <a:lumMod val="60000"/>
-                    <a:lumOff val="40000"/>
-                  </a:schemeClr>
-                </a:solidFill>
-                <a:latin typeface="+mn-lt"/>
-                <a:hlinkClick r:id="rId4">
-                  <a:extLst>
-                    <a:ext uri="{A12FA001-AC4F-418D-AE19-62706E023703}">
-                      <ahyp:hlinkClr xmlns:ahyp="http://schemas.microsoft.com/office/drawing/2018/hyperlinkcolor" val="tx"/>
-                    </a:ext>
-                  </a:extLst>
-                </a:hlinkClick>
-              </a:rPr>
-              <a:t>https://blog.danskingdom.com</a:t>
-            </a:r>
-            <a:r>
-              <a:rPr lang="en-US" sz="2800" dirty="0">
-                <a:solidFill>
-                  <a:schemeClr val="accent1">
-                    <a:lumMod val="60000"/>
-                    <a:lumOff val="40000"/>
-                  </a:schemeClr>
-                </a:solidFill>
-                <a:latin typeface="+mn-lt"/>
-              </a:rPr>
-              <a:t> </a:t>
-            </a:r>
-          </a:p>
-        </p:txBody>
-      </p:sp>
-      <p:sp>
-        <p:nvSpPr>
-          <p:cNvPr id="7" name="Title 1">
-            <a:extLst>
-              <a:ext uri="{FF2B5EF4-FFF2-40B4-BE49-F238E27FC236}">
-                <a16:creationId xmlns:a16="http://schemas.microsoft.com/office/drawing/2014/main" id="{10A4B1F2-FFBD-884F-C20F-B41E9211B235}"/>
-              </a:ext>
-            </a:extLst>
-          </p:cNvPr>
-          <p:cNvSpPr txBox="1">
-            <a:spLocks/>
-          </p:cNvSpPr>
-          <p:nvPr/>
-        </p:nvSpPr>
-        <p:spPr>
-          <a:xfrm>
-            <a:off x="2542643" y="4273120"/>
-            <a:ext cx="7290676" cy="570239"/>
-          </a:xfrm>
-          <a:prstGeom prst="rect">
-            <a:avLst/>
-          </a:prstGeom>
-        </p:spPr>
-        <p:txBody>
-          <a:bodyPr vert="horz" lIns="91440" tIns="45720" rIns="91440" bIns="45720" rtlCol="0" anchor="ctr">
-            <a:noAutofit/>
-          </a:bodyPr>
-          <a:lstStyle>
-            <a:lvl1pPr algn="l" defTabSz="914400" rtl="0" eaLnBrk="1" latinLnBrk="0" hangingPunct="1">
-              <a:lnSpc>
-                <a:spcPct val="90000"/>
-              </a:lnSpc>
-              <a:spcBef>
-                <a:spcPct val="0"/>
-              </a:spcBef>
-              <a:buNone/>
-              <a:defRPr lang="en-GB" sz="5400" b="1" kern="1200" dirty="0">
-                <a:solidFill>
-                  <a:schemeClr val="bg1"/>
-                </a:solidFill>
-                <a:latin typeface="+mj-lt"/>
-                <a:ea typeface="Tahoma" panose="020B0604030504040204" pitchFamily="34" charset="0"/>
-                <a:cs typeface="Tahoma" panose="020B0604030504040204" pitchFamily="34" charset="0"/>
-              </a:defRPr>
-            </a:lvl1pPr>
-          </a:lstStyle>
-          <a:p>
-            <a:r>
-              <a:rPr lang="en-US" sz="2800" dirty="0">
-                <a:latin typeface="+mn-lt"/>
-              </a:rPr>
-              <a:t>GitHub: </a:t>
-            </a:r>
-            <a:r>
-              <a:rPr lang="en-US" sz="2800" dirty="0">
-                <a:solidFill>
-                  <a:schemeClr val="accent1">
-                    <a:lumMod val="60000"/>
-                    <a:lumOff val="40000"/>
-                  </a:schemeClr>
-                </a:solidFill>
-                <a:latin typeface="+mn-lt"/>
-                <a:hlinkClick r:id="rId5">
-                  <a:extLst>
-                    <a:ext uri="{A12FA001-AC4F-418D-AE19-62706E023703}">
-                      <ahyp:hlinkClr xmlns:ahyp="http://schemas.microsoft.com/office/drawing/2018/hyperlinkcolor" val="tx"/>
-                    </a:ext>
-                  </a:extLst>
-                </a:hlinkClick>
-              </a:rPr>
-              <a:t>https://github.com/deadlydog</a:t>
-            </a:r>
-            <a:r>
-              <a:rPr lang="en-US" sz="2800" dirty="0">
-                <a:solidFill>
-                  <a:schemeClr val="accent1">
-                    <a:lumMod val="60000"/>
-                    <a:lumOff val="40000"/>
-                  </a:schemeClr>
-                </a:solidFill>
-                <a:latin typeface="+mn-lt"/>
-              </a:rPr>
-              <a:t>  </a:t>
-            </a:r>
-          </a:p>
-        </p:txBody>
-      </p:sp>
-      <p:sp>
-        <p:nvSpPr>
-          <p:cNvPr id="8" name="Title 1">
-            <a:extLst>
-              <a:ext uri="{FF2B5EF4-FFF2-40B4-BE49-F238E27FC236}">
-                <a16:creationId xmlns:a16="http://schemas.microsoft.com/office/drawing/2014/main" id="{A929F614-BEFE-67F2-00AC-464F14B947DC}"/>
-              </a:ext>
-            </a:extLst>
-          </p:cNvPr>
-          <p:cNvSpPr txBox="1">
-            <a:spLocks/>
-          </p:cNvSpPr>
-          <p:nvPr/>
-        </p:nvSpPr>
-        <p:spPr>
-          <a:xfrm>
-            <a:off x="1993395" y="4946465"/>
-            <a:ext cx="8337650" cy="570239"/>
-          </a:xfrm>
-          <a:prstGeom prst="rect">
-            <a:avLst/>
-          </a:prstGeom>
-        </p:spPr>
-        <p:txBody>
-          <a:bodyPr vert="horz" lIns="91440" tIns="45720" rIns="91440" bIns="45720" rtlCol="0" anchor="ctr">
-            <a:noAutofit/>
-          </a:bodyPr>
-          <a:lstStyle>
-            <a:lvl1pPr algn="l" defTabSz="914400" rtl="0" eaLnBrk="1" latinLnBrk="0" hangingPunct="1">
-              <a:lnSpc>
-                <a:spcPct val="90000"/>
-              </a:lnSpc>
-              <a:spcBef>
-                <a:spcPct val="0"/>
-              </a:spcBef>
-              <a:buNone/>
-              <a:defRPr lang="en-GB" sz="5400" b="1" kern="1200" dirty="0">
-                <a:solidFill>
-                  <a:schemeClr val="bg1"/>
-                </a:solidFill>
-                <a:latin typeface="+mj-lt"/>
-                <a:ea typeface="Tahoma" panose="020B0604030504040204" pitchFamily="34" charset="0"/>
-                <a:cs typeface="Tahoma" panose="020B0604030504040204" pitchFamily="34" charset="0"/>
-              </a:defRPr>
-            </a:lvl1pPr>
-          </a:lstStyle>
-          <a:p>
-            <a:r>
-              <a:rPr lang="en-US" sz="2800" dirty="0">
-                <a:latin typeface="+mn-lt"/>
-              </a:rPr>
-              <a:t>Twitter / X: </a:t>
-            </a:r>
-            <a:r>
-              <a:rPr lang="en-US" sz="2800" dirty="0">
-                <a:solidFill>
-                  <a:schemeClr val="accent1">
-                    <a:lumMod val="60000"/>
-                    <a:lumOff val="40000"/>
-                  </a:schemeClr>
-                </a:solidFill>
-                <a:latin typeface="+mn-lt"/>
-                <a:hlinkClick r:id="rId6">
-                  <a:extLst>
-                    <a:ext uri="{A12FA001-AC4F-418D-AE19-62706E023703}">
-                      <ahyp:hlinkClr xmlns:ahyp="http://schemas.microsoft.com/office/drawing/2018/hyperlinkcolor" val="tx"/>
-                    </a:ext>
-                  </a:extLst>
-                </a:hlinkClick>
-              </a:rPr>
-              <a:t>https://x.com/deadlydog</a:t>
-            </a:r>
-            <a:r>
-              <a:rPr lang="en-US" sz="2800" dirty="0">
-                <a:solidFill>
-                  <a:schemeClr val="accent1">
-                    <a:lumMod val="60000"/>
-                    <a:lumOff val="40000"/>
-                  </a:schemeClr>
-                </a:solidFill>
-                <a:latin typeface="+mn-lt"/>
-              </a:rPr>
-              <a:t>   </a:t>
-            </a:r>
-          </a:p>
-        </p:txBody>
-      </p:sp>
-    </p:spTree>
-    <p:extLst>
-      <p:ext uri="{BB962C8B-B14F-4D97-AF65-F5344CB8AC3E}">
-        <p14:creationId xmlns:p14="http://schemas.microsoft.com/office/powerpoint/2010/main" val="2977205056"/>
-      </p:ext>
-    </p:extLst>
-  </p:cSld>
-  <p:clrMapOvr>
-    <a:masterClrMapping/>
-  </p:clrMapOvr>
-  <p:transition spd="slow">
-    <p:wipe/>
-  </p:transition>
 </p:sld>
 </file>
 
@@ -31584,7 +31755,7 @@
           <p:nvPr/>
         </p:nvPicPr>
         <p:blipFill>
-          <a:blip r:embed="rId2"/>
+          <a:blip r:embed="rId3"/>
           <a:stretch>
             <a:fillRect/>
           </a:stretch>
@@ -31614,7 +31785,7 @@
           <p:nvPr/>
         </p:nvPicPr>
         <p:blipFill>
-          <a:blip r:embed="rId3"/>
+          <a:blip r:embed="rId4"/>
           <a:stretch>
             <a:fillRect/>
           </a:stretch>
@@ -31877,35 +32048,16 @@
                   </a:extLst>
                 </a:hlinkClick>
               </a:rPr>
-              <a:t>https://github.com/deadlydog/NotifyWhenMicrosoftOutlookReminderWindow</a:t>
-            </a:r>
-            <a:r>
-              <a:rPr lang="en-US" sz="2400" dirty="0">
-                <a:solidFill>
-                  <a:schemeClr val="accent1">
-                    <a:lumMod val="50000"/>
-                  </a:schemeClr>
-                </a:solidFill>
-                <a:hlinkClick r:id="rId7">
-                  <a:extLst>
-                    <a:ext uri="{A12FA001-AC4F-418D-AE19-62706E023703}">
-                      <ahyp:hlinkClr xmlns:ahyp="http://schemas.microsoft.com/office/drawing/2018/hyperlinkcolor" val="tx"/>
-                    </a:ext>
-                  </a:extLst>
-                </a:hlinkClick>
-              </a:rPr>
-              <a:t>IsOpen</a:t>
-            </a:r>
-            <a:r>
-              <a:rPr lang="en-US" sz="2400" dirty="0">
-                <a:solidFill>
-                  <a:schemeClr val="accent1">
-                    <a:lumMod val="50000"/>
-                  </a:schemeClr>
-                </a:solidFill>
-              </a:rPr>
-              <a:t> </a:t>
-            </a:r>
+              <a:t>https://github.com/deadlydog/AzureDevOps.WindowsScheduledTasks</a:t>
+            </a:r>
+            <a:endParaRPr lang="en-US" sz="2400" dirty="0">
+              <a:solidFill>
+                <a:schemeClr val="accent1">
+                  <a:lumMod val="60000"/>
+                  <a:lumOff val="40000"/>
+                </a:schemeClr>
+              </a:solidFill>
+            </a:endParaRPr>
           </a:p>
           <a:p>
             <a:r>
@@ -31924,16 +32076,12 @@
                   </a:extLst>
                 </a:hlinkClick>
               </a:rPr>
-              <a:t>https://github.com/deadlydog/AzureDevOps.WindowsScheduledTasks</a:t>
-            </a:r>
-            <a:endParaRPr lang="en-US" sz="2400" dirty="0">
-              <a:solidFill>
-                <a:schemeClr val="accent1">
-                  <a:lumMod val="60000"/>
-                  <a:lumOff val="40000"/>
-                </a:schemeClr>
-              </a:solidFill>
-            </a:endParaRPr>
+              <a:t>https://github.com/deadlydog/PathLengthChecker</a:t>
+            </a:r>
+            <a:r>
+              <a:rPr lang="en-US" sz="2400" dirty="0"/>
+              <a:t> - Started as a PS script 🙂</a:t>
+            </a:r>
           </a:p>
           <a:p>
             <a:r>
@@ -31952,11 +32100,18 @@
                   </a:extLst>
                 </a:hlinkClick>
               </a:rPr>
-              <a:t>https://github.com/deadlydog/PathLengthChecker</a:t>
-            </a:r>
-            <a:r>
-              <a:rPr lang="en-US" sz="2400" dirty="0"/>
-              <a:t> - Started as a PS script 🙂</a:t>
+              <a:t>https://github.com/deadlydog/Invoke-MsBuild</a:t>
+            </a:r>
+            <a:r>
+              <a:rPr lang="en-US" sz="2400" dirty="0">
+                <a:solidFill>
+                  <a:schemeClr val="accent1">
+                    <a:lumMod val="60000"/>
+                    <a:lumOff val="40000"/>
+                  </a:schemeClr>
+                </a:solidFill>
+              </a:rPr>
+              <a:t> </a:t>
             </a:r>
           </a:p>
           <a:p>
@@ -31976,7 +32131,7 @@
                   </a:extLst>
                 </a:hlinkClick>
               </a:rPr>
-              <a:t>https://github.com/deadlydog/Invoke-MsBuild</a:t>
+              <a:t>https://github.com/deadlydog/New-NuGetPackage</a:t>
             </a:r>
             <a:r>
               <a:rPr lang="en-US" sz="2400" dirty="0">
@@ -32007,7 +32162,7 @@
                   </a:extLst>
                 </a:hlinkClick>
               </a:rPr>
-              <a:t>https://github.com/deadlydog/New-NuGetPackage</a:t>
+              <a:t>https://github.com/deadlydog/AzureArtifactsPowerShellModuleHelper</a:t>
             </a:r>
             <a:r>
               <a:rPr lang="en-US" sz="2400" dirty="0">
@@ -32031,37 +32186,6 @@
                   </a:schemeClr>
                 </a:solidFill>
                 <a:hlinkClick r:id="rId12">
-                  <a:extLst>
-                    <a:ext uri="{A12FA001-AC4F-418D-AE19-62706E023703}">
-                      <ahyp:hlinkClr xmlns:ahyp="http://schemas.microsoft.com/office/drawing/2018/hyperlinkcolor" val="tx"/>
-                    </a:ext>
-                  </a:extLst>
-                </a:hlinkClick>
-              </a:rPr>
-              <a:t>https://github.com/deadlydog/AzureArtifactsPowerShellModuleHelper</a:t>
-            </a:r>
-            <a:r>
-              <a:rPr lang="en-US" sz="2400" dirty="0">
-                <a:solidFill>
-                  <a:schemeClr val="accent1">
-                    <a:lumMod val="60000"/>
-                    <a:lumOff val="40000"/>
-                  </a:schemeClr>
-                </a:solidFill>
-              </a:rPr>
-              <a:t> </a:t>
-            </a:r>
-          </a:p>
-          <a:p>
-            <a:r>
-              <a:rPr lang="en-US" sz="2400" dirty="0">
-                <a:solidFill>
-                  <a:schemeClr val="accent1">
-                    <a:lumMod val="60000"/>
-                    <a:lumOff val="40000"/>
-                  </a:schemeClr>
-                </a:solidFill>
-                <a:hlinkClick r:id="rId13">
                   <a:extLst>
                     <a:ext uri="{A12FA001-AC4F-418D-AE19-62706E023703}">
                       <ahyp:hlinkClr xmlns:ahyp="http://schemas.microsoft.com/office/drawing/2018/hyperlinkcolor" val="tx"/>

--- a/src/tiPS Welcome.pptx
+++ b/src/tiPS Welcome.pptx
@@ -19,8 +19,8 @@
     <p:sldId id="294" r:id="rId10"/>
     <p:sldId id="300" r:id="rId11"/>
     <p:sldId id="304" r:id="rId12"/>
-    <p:sldId id="295" r:id="rId13"/>
-    <p:sldId id="296" r:id="rId14"/>
+    <p:sldId id="296" r:id="rId13"/>
+    <p:sldId id="295" r:id="rId14"/>
     <p:sldId id="305" r:id="rId15"/>
     <p:sldId id="299" r:id="rId16"/>
     <p:sldId id="298" r:id="rId17"/>
@@ -918,7 +918,7 @@
             </a:pPr>
             <a:r>
               <a:rPr lang="en-US" dirty="0"/>
-              <a:t>Merge in PR</a:t>
+              <a:t>Had a 7-week sabbatical in the summer of 2023 and was walking my dogs every day while listening to the PowerShell podcast</a:t>
             </a:r>
           </a:p>
           <a:p>
@@ -928,7 +928,7 @@
             </a:pPr>
             <a:r>
               <a:rPr lang="en-US" dirty="0"/>
-              <a:t>Walk through each of the ADRs and explain them a bit</a:t>
+              <a:t>Jordan Hammond and Andrew Pla were always talking about the community and giving back, and I was looking for a side project</a:t>
             </a:r>
           </a:p>
           <a:p>
@@ -936,256 +936,38 @@
               <a:buFontTx/>
               <a:buChar char="-"/>
             </a:pPr>
-            <a:endParaRPr lang="en-US" dirty="0"/>
-          </a:p>
-          <a:p>
-            <a:pPr marL="171450" marR="0" lvl="0" indent="-171450" algn="l" defTabSz="914400" rtl="0" eaLnBrk="1" fontAlgn="auto" latinLnBrk="0" hangingPunct="1">
-              <a:lnSpc>
-                <a:spcPct val="100000"/>
-              </a:lnSpc>
-              <a:spcBef>
-                <a:spcPts val="0"/>
-              </a:spcBef>
-              <a:spcAft>
-                <a:spcPts val="0"/>
-              </a:spcAft>
-              <a:buClrTx/>
-              <a:buSzTx/>
-              <a:buFontTx/>
-              <a:buChar char="-"/>
-              <a:tabLst/>
-              <a:defRPr/>
-            </a:pPr>
-            <a:r>
-              <a:rPr lang="en-US" sz="1200" b="0" i="0" dirty="0">
-                <a:solidFill>
-                  <a:srgbClr val="000000"/>
-                </a:solidFill>
-                <a:effectLst/>
-                <a:highlight>
-                  <a:srgbClr val="FFFFFF"/>
-                </a:highlight>
-                <a:latin typeface="Calibri" panose="020F0502020204030204" pitchFamily="34" charset="0"/>
-              </a:rPr>
-              <a:t>C# project vs. PowerShell project </a:t>
-            </a:r>
-            <a:endParaRPr lang="en-US" sz="1200" b="0" i="0" dirty="0">
-              <a:solidFill>
-                <a:srgbClr val="000000"/>
-              </a:solidFill>
-              <a:effectLst/>
-              <a:highlight>
-                <a:srgbClr val="FFFFFF"/>
-              </a:highlight>
-              <a:latin typeface="Segoe UI" panose="020B0502040204020203" pitchFamily="34" charset="0"/>
-            </a:endParaRPr>
-          </a:p>
-          <a:p>
-            <a:pPr marL="171450" marR="0" lvl="0" indent="-171450" algn="l" defTabSz="914400" rtl="0" eaLnBrk="1" fontAlgn="auto" latinLnBrk="0" hangingPunct="1">
-              <a:lnSpc>
-                <a:spcPct val="100000"/>
-              </a:lnSpc>
-              <a:spcBef>
-                <a:spcPts val="0"/>
-              </a:spcBef>
-              <a:spcAft>
-                <a:spcPts val="0"/>
-              </a:spcAft>
-              <a:buClrTx/>
-              <a:buSzTx/>
-              <a:buFontTx/>
-              <a:buChar char="-"/>
-              <a:tabLst/>
-              <a:defRPr/>
-            </a:pPr>
-            <a:r>
-              <a:rPr lang="en-US" sz="1800" b="0" i="0" dirty="0">
-                <a:solidFill>
-                  <a:srgbClr val="000000"/>
-                </a:solidFill>
-                <a:effectLst/>
-                <a:highlight>
-                  <a:srgbClr val="FFFFFF"/>
-                </a:highlight>
-                <a:latin typeface="Calibri" panose="020F0502020204030204" pitchFamily="34" charset="0"/>
-              </a:rPr>
-              <a:t>Combining all files into a single .psm1 file for load speed </a:t>
-            </a:r>
-          </a:p>
-          <a:p>
-            <a:pPr marL="628650" marR="0" lvl="1" indent="-171450" algn="l" defTabSz="914400" rtl="0" eaLnBrk="1" fontAlgn="auto" latinLnBrk="0" hangingPunct="1">
-              <a:lnSpc>
-                <a:spcPct val="100000"/>
-              </a:lnSpc>
-              <a:spcBef>
-                <a:spcPts val="0"/>
-              </a:spcBef>
-              <a:spcAft>
-                <a:spcPts val="0"/>
-              </a:spcAft>
-              <a:buClrTx/>
-              <a:buSzTx/>
-              <a:buFontTx/>
-              <a:buChar char="-"/>
-              <a:tabLst/>
-              <a:defRPr/>
-            </a:pPr>
-            <a:r>
-              <a:rPr lang="en-US" sz="1800" b="0" i="0" u="none" strike="noStrike" dirty="0">
-                <a:solidFill>
-                  <a:srgbClr val="000000"/>
-                </a:solidFill>
-                <a:effectLst/>
-                <a:highlight>
-                  <a:srgbClr val="FFFFFF"/>
-                </a:highlight>
-                <a:latin typeface="Calibri" panose="020F0502020204030204" pitchFamily="34" charset="0"/>
-              </a:rPr>
-              <a:t>Test.ps1 in </a:t>
-            </a:r>
-            <a:r>
-              <a:rPr lang="en-US" sz="1800" b="0" i="0" u="none" strike="noStrike" dirty="0" err="1">
-                <a:solidFill>
-                  <a:srgbClr val="000000"/>
-                </a:solidFill>
-                <a:effectLst/>
-                <a:highlight>
-                  <a:srgbClr val="FFFFFF"/>
-                </a:highlight>
-                <a:latin typeface="Calibri" panose="020F0502020204030204" pitchFamily="34" charset="0"/>
-              </a:rPr>
-              <a:t>tiPS</a:t>
-            </a:r>
-            <a:r>
-              <a:rPr lang="en-US" sz="1800" b="0" i="0" u="none" strike="noStrike" dirty="0">
-                <a:solidFill>
-                  <a:srgbClr val="000000"/>
-                </a:solidFill>
-                <a:effectLst/>
-                <a:highlight>
-                  <a:srgbClr val="FFFFFF"/>
-                </a:highlight>
-                <a:latin typeface="Calibri" panose="020F0502020204030204" pitchFamily="34" charset="0"/>
-              </a:rPr>
-              <a:t> repo</a:t>
-            </a:r>
-          </a:p>
-          <a:p>
-            <a:pPr marL="628650" marR="0" lvl="1" indent="-171450" algn="l" defTabSz="914400" rtl="0" eaLnBrk="1" fontAlgn="auto" latinLnBrk="0" hangingPunct="1">
-              <a:lnSpc>
-                <a:spcPct val="100000"/>
-              </a:lnSpc>
-              <a:spcBef>
-                <a:spcPts val="0"/>
-              </a:spcBef>
-              <a:spcAft>
-                <a:spcPts val="0"/>
-              </a:spcAft>
-              <a:buClrTx/>
-              <a:buSzTx/>
-              <a:buFontTx/>
-              <a:buChar char="-"/>
-              <a:tabLst/>
-              <a:defRPr/>
-            </a:pPr>
-            <a:r>
-              <a:rPr lang="en-US" sz="1800" b="0" i="0" u="none" strike="noStrike" dirty="0" err="1">
-                <a:solidFill>
-                  <a:srgbClr val="000000"/>
-                </a:solidFill>
-                <a:effectLst/>
-                <a:highlight>
-                  <a:srgbClr val="FFFFFF"/>
-                </a:highlight>
-                <a:latin typeface="Calibri" panose="020F0502020204030204" pitchFamily="34" charset="0"/>
-              </a:rPr>
-              <a:t>PSModuleRoot</a:t>
-            </a:r>
-            <a:r>
-              <a:rPr lang="en-US" sz="1800" b="0" i="0" u="none" strike="noStrike" dirty="0">
-                <a:solidFill>
-                  <a:srgbClr val="000000"/>
-                </a:solidFill>
-                <a:effectLst/>
-                <a:highlight>
-                  <a:srgbClr val="FFFFFF"/>
-                </a:highlight>
-                <a:latin typeface="Calibri" panose="020F0502020204030204" pitchFamily="34" charset="0"/>
-              </a:rPr>
-              <a:t> variable in .psm1 file</a:t>
-            </a:r>
-            <a:endParaRPr lang="en-US" sz="1200" b="0" i="0" u="none" strike="noStrike" dirty="0">
-              <a:solidFill>
-                <a:srgbClr val="000000"/>
-              </a:solidFill>
-              <a:effectLst/>
-              <a:highlight>
-                <a:srgbClr val="FFFFFF"/>
-              </a:highlight>
-              <a:latin typeface="Segoe UI" panose="020B0502040204020203" pitchFamily="34" charset="0"/>
-            </a:endParaRPr>
-          </a:p>
-          <a:p>
-            <a:pPr marL="171450" marR="0" lvl="0" indent="-171450" algn="l" defTabSz="914400" rtl="0" eaLnBrk="1" fontAlgn="auto" latinLnBrk="0" hangingPunct="1">
-              <a:lnSpc>
-                <a:spcPct val="100000"/>
-              </a:lnSpc>
-              <a:spcBef>
-                <a:spcPts val="0"/>
-              </a:spcBef>
-              <a:spcAft>
-                <a:spcPts val="0"/>
-              </a:spcAft>
-              <a:buClrTx/>
-              <a:buSzTx/>
-              <a:buFontTx/>
-              <a:buChar char="-"/>
-              <a:tabLst/>
-              <a:defRPr/>
-            </a:pPr>
-            <a:r>
-              <a:rPr lang="en-US" sz="1800" b="0" i="0" u="none" strike="noStrike" dirty="0">
-                <a:solidFill>
-                  <a:srgbClr val="000000"/>
-                </a:solidFill>
-                <a:effectLst/>
-                <a:highlight>
-                  <a:srgbClr val="FFFFFF"/>
-                </a:highlight>
-                <a:latin typeface="Calibri" panose="020F0502020204030204" pitchFamily="34" charset="0"/>
-              </a:rPr>
-              <a:t>Different ways to load classes for performance (blog post link)</a:t>
-            </a:r>
-            <a:r>
-              <a:rPr lang="en-US" sz="1800" b="0" i="0" dirty="0">
-                <a:solidFill>
-                  <a:srgbClr val="000000"/>
-                </a:solidFill>
-                <a:effectLst/>
-                <a:highlight>
-                  <a:srgbClr val="FFFFFF"/>
-                </a:highlight>
-                <a:latin typeface="Calibri" panose="020F0502020204030204" pitchFamily="34" charset="0"/>
-              </a:rPr>
-              <a:t> </a:t>
-            </a:r>
-            <a:endParaRPr lang="en-US" b="0" i="0" dirty="0">
-              <a:solidFill>
-                <a:srgbClr val="000000"/>
-              </a:solidFill>
-              <a:effectLst/>
-              <a:highlight>
-                <a:srgbClr val="FFFFFF"/>
-              </a:highlight>
-              <a:latin typeface="Segoe UI" panose="020B0502040204020203" pitchFamily="34" charset="0"/>
-            </a:endParaRPr>
+            <a:r>
+              <a:rPr lang="en-US" dirty="0"/>
+              <a:t>They also called out people to submit talks for PowerShell Summit</a:t>
+            </a:r>
           </a:p>
           <a:p>
             <a:pPr marL="171450" indent="-171450">
               <a:buFontTx/>
               <a:buChar char="-"/>
             </a:pPr>
-            <a:endParaRPr lang="en-US" dirty="0"/>
+            <a:r>
+              <a:rPr lang="en-US" dirty="0"/>
+              <a:t>Andrew wore the </a:t>
+            </a:r>
+            <a:r>
+              <a:rPr lang="en-US" dirty="0" err="1"/>
+              <a:t>tiPS</a:t>
+            </a:r>
+            <a:r>
+              <a:rPr lang="en-US" dirty="0"/>
+              <a:t> t-shirt on his talk with Justin Grote a couple weeks back</a:t>
+            </a:r>
+          </a:p>
+          <a:p>
+            <a:pPr marL="171450" indent="-171450">
+              <a:buFontTx/>
+              <a:buChar char="-"/>
+            </a:pPr>
+            <a:r>
+              <a:rPr lang="en-US" dirty="0"/>
+              <a:t>James Brundage was just on the PowerShell Podcast as well</a:t>
+            </a:r>
           </a:p>
         </p:txBody>
       </p:sp>
@@ -1215,7 +997,7 @@
     </p:spTree>
     <p:extLst>
       <p:ext uri="{BB962C8B-B14F-4D97-AF65-F5344CB8AC3E}">
-        <p14:creationId xmlns:p14="http://schemas.microsoft.com/office/powerpoint/2010/main" val="1565053882"/>
+        <p14:creationId xmlns:p14="http://schemas.microsoft.com/office/powerpoint/2010/main" val="3559046720"/>
       </p:ext>
     </p:extLst>
   </p:cSld>
@@ -2149,16 +1931,8 @@
               <a:buChar char="-"/>
             </a:pPr>
             <a:r>
-              <a:rPr lang="en-US"/>
-              <a:t>Also </a:t>
-            </a:r>
-            <a:r>
               <a:rPr lang="en-US" dirty="0"/>
-              <a:t>now a PowerShell and DevOps </a:t>
-            </a:r>
-            <a:r>
-              <a:rPr lang="en-US"/>
-              <a:t>MS MVP.</a:t>
+              <a:t>Also now a PowerShell and DevOps MS MVP.</a:t>
             </a:r>
           </a:p>
           <a:p>
@@ -2167,10 +1941,9 @@
               <a:buChar char="-"/>
             </a:pPr>
             <a:r>
-              <a:rPr lang="en-US"/>
+              <a:rPr lang="en-US" dirty="0"/>
               <a:t>Shout out to James Brundage for nominating me!</a:t>
             </a:r>
-            <a:endParaRPr lang="en-US" dirty="0"/>
           </a:p>
         </p:txBody>
       </p:sp>
@@ -2259,12 +2032,8 @@
               <a:buChar char="-"/>
             </a:pPr>
             <a:r>
-              <a:rPr lang="en-US"/>
-              <a:t>1-RunHello.</a:t>
-            </a:r>
-            <a:r>
               <a:rPr lang="en-US" dirty="0"/>
-              <a:t>cmd</a:t>
+              <a:t>1-RunHello.cmd</a:t>
             </a:r>
           </a:p>
           <a:p>
@@ -3340,7 +3109,7 @@
             </a:r>
             <a:r>
               <a:rPr lang="en-US" dirty="0"/>
-              <a:t>User Group (RTPSUG) meets virtually, typically twice a month, to share ideas and discuss all things PowerShell. Community members often demo modules they’ve built or PowerShell things they have learned. It’s free to attend and everyone is welcome. You can even reach out to the organizers to present something you’ve built or learned. Presentations are often uploaded to YouTube, allowing you to catch up on sessions you’ve missed. RTPSUG is an excellent way to stay up to date with both PowerShell technology and the PowerShell community.</a:t>
+              <a:t>User Group (RTPSUG) meets virtually, typically once or twice a month, to share ideas and discuss all things PowerShell. Community members often demo modules they’ve built or PowerShell things they have learned. It’s free to attend and everyone is welcome. You can even reach out to the organizers to present something you’ve built or learned. Presentations are often uploaded to YouTube, allowing you to catch up on sessions you’ve missed. RTPSUG is an excellent way to stay up to date with both PowerShell technology and the PowerShell community.</a:t>
             </a:r>
           </a:p>
           <a:p>
@@ -3813,7 +3582,7 @@
             </a:pPr>
             <a:r>
               <a:rPr lang="en-US" dirty="0"/>
-              <a:t>Had a 7-week sabbatical in the summer of 2023 and was walking my dogs every day while listening to the PowerShell podcast</a:t>
+              <a:t>Merge in PR</a:t>
             </a:r>
           </a:p>
           <a:p>
@@ -3823,7 +3592,7 @@
             </a:pPr>
             <a:r>
               <a:rPr lang="en-US" dirty="0"/>
-              <a:t>Jordan Hammond and Andrew Pla were always talking about the community and giving back, and I was looking for a side project</a:t>
+              <a:t>Walk through each of the ADRs and explain them a bit</a:t>
             </a:r>
           </a:p>
           <a:p>
@@ -3831,38 +3600,256 @@
               <a:buFontTx/>
               <a:buChar char="-"/>
             </a:pPr>
-            <a:r>
-              <a:rPr lang="en-US" dirty="0"/>
-              <a:t>They also called out people to submit talks for PowerShell Summit</a:t>
-            </a:r>
+            <a:endParaRPr lang="en-US" dirty="0"/>
+          </a:p>
+          <a:p>
+            <a:pPr marL="171450" marR="0" lvl="0" indent="-171450" algn="l" defTabSz="914400" rtl="0" eaLnBrk="1" fontAlgn="auto" latinLnBrk="0" hangingPunct="1">
+              <a:lnSpc>
+                <a:spcPct val="100000"/>
+              </a:lnSpc>
+              <a:spcBef>
+                <a:spcPts val="0"/>
+              </a:spcBef>
+              <a:spcAft>
+                <a:spcPts val="0"/>
+              </a:spcAft>
+              <a:buClrTx/>
+              <a:buSzTx/>
+              <a:buFontTx/>
+              <a:buChar char="-"/>
+              <a:tabLst/>
+              <a:defRPr/>
+            </a:pPr>
+            <a:r>
+              <a:rPr lang="en-US" sz="1200" b="0" i="0" dirty="0">
+                <a:solidFill>
+                  <a:srgbClr val="000000"/>
+                </a:solidFill>
+                <a:effectLst/>
+                <a:highlight>
+                  <a:srgbClr val="FFFFFF"/>
+                </a:highlight>
+                <a:latin typeface="Calibri" panose="020F0502020204030204" pitchFamily="34" charset="0"/>
+              </a:rPr>
+              <a:t>C# project vs. PowerShell project </a:t>
+            </a:r>
+            <a:endParaRPr lang="en-US" sz="1200" b="0" i="0" dirty="0">
+              <a:solidFill>
+                <a:srgbClr val="000000"/>
+              </a:solidFill>
+              <a:effectLst/>
+              <a:highlight>
+                <a:srgbClr val="FFFFFF"/>
+              </a:highlight>
+              <a:latin typeface="Segoe UI" panose="020B0502040204020203" pitchFamily="34" charset="0"/>
+            </a:endParaRPr>
+          </a:p>
+          <a:p>
+            <a:pPr marL="171450" marR="0" lvl="0" indent="-171450" algn="l" defTabSz="914400" rtl="0" eaLnBrk="1" fontAlgn="auto" latinLnBrk="0" hangingPunct="1">
+              <a:lnSpc>
+                <a:spcPct val="100000"/>
+              </a:lnSpc>
+              <a:spcBef>
+                <a:spcPts val="0"/>
+              </a:spcBef>
+              <a:spcAft>
+                <a:spcPts val="0"/>
+              </a:spcAft>
+              <a:buClrTx/>
+              <a:buSzTx/>
+              <a:buFontTx/>
+              <a:buChar char="-"/>
+              <a:tabLst/>
+              <a:defRPr/>
+            </a:pPr>
+            <a:r>
+              <a:rPr lang="en-US" sz="1800" b="0" i="0" dirty="0">
+                <a:solidFill>
+                  <a:srgbClr val="000000"/>
+                </a:solidFill>
+                <a:effectLst/>
+                <a:highlight>
+                  <a:srgbClr val="FFFFFF"/>
+                </a:highlight>
+                <a:latin typeface="Calibri" panose="020F0502020204030204" pitchFamily="34" charset="0"/>
+              </a:rPr>
+              <a:t>Combining all files into a single .psm1 file for load speed </a:t>
+            </a:r>
+          </a:p>
+          <a:p>
+            <a:pPr marL="628650" marR="0" lvl="1" indent="-171450" algn="l" defTabSz="914400" rtl="0" eaLnBrk="1" fontAlgn="auto" latinLnBrk="0" hangingPunct="1">
+              <a:lnSpc>
+                <a:spcPct val="100000"/>
+              </a:lnSpc>
+              <a:spcBef>
+                <a:spcPts val="0"/>
+              </a:spcBef>
+              <a:spcAft>
+                <a:spcPts val="0"/>
+              </a:spcAft>
+              <a:buClrTx/>
+              <a:buSzTx/>
+              <a:buFontTx/>
+              <a:buChar char="-"/>
+              <a:tabLst/>
+              <a:defRPr/>
+            </a:pPr>
+            <a:r>
+              <a:rPr lang="en-US" sz="1800" b="0" i="0" u="none" strike="noStrike" dirty="0">
+                <a:solidFill>
+                  <a:srgbClr val="000000"/>
+                </a:solidFill>
+                <a:effectLst/>
+                <a:highlight>
+                  <a:srgbClr val="FFFFFF"/>
+                </a:highlight>
+                <a:latin typeface="Calibri" panose="020F0502020204030204" pitchFamily="34" charset="0"/>
+              </a:rPr>
+              <a:t>Test.ps1 in </a:t>
+            </a:r>
+            <a:r>
+              <a:rPr lang="en-US" sz="1800" b="0" i="0" u="none" strike="noStrike" dirty="0" err="1">
+                <a:solidFill>
+                  <a:srgbClr val="000000"/>
+                </a:solidFill>
+                <a:effectLst/>
+                <a:highlight>
+                  <a:srgbClr val="FFFFFF"/>
+                </a:highlight>
+                <a:latin typeface="Calibri" panose="020F0502020204030204" pitchFamily="34" charset="0"/>
+              </a:rPr>
+              <a:t>tiPS</a:t>
+            </a:r>
+            <a:r>
+              <a:rPr lang="en-US" sz="1800" b="0" i="0" u="none" strike="noStrike" dirty="0">
+                <a:solidFill>
+                  <a:srgbClr val="000000"/>
+                </a:solidFill>
+                <a:effectLst/>
+                <a:highlight>
+                  <a:srgbClr val="FFFFFF"/>
+                </a:highlight>
+                <a:latin typeface="Calibri" panose="020F0502020204030204" pitchFamily="34" charset="0"/>
+              </a:rPr>
+              <a:t> repo</a:t>
+            </a:r>
+          </a:p>
+          <a:p>
+            <a:pPr marL="628650" marR="0" lvl="1" indent="-171450" algn="l" defTabSz="914400" rtl="0" eaLnBrk="1" fontAlgn="auto" latinLnBrk="0" hangingPunct="1">
+              <a:lnSpc>
+                <a:spcPct val="100000"/>
+              </a:lnSpc>
+              <a:spcBef>
+                <a:spcPts val="0"/>
+              </a:spcBef>
+              <a:spcAft>
+                <a:spcPts val="0"/>
+              </a:spcAft>
+              <a:buClrTx/>
+              <a:buSzTx/>
+              <a:buFontTx/>
+              <a:buChar char="-"/>
+              <a:tabLst/>
+              <a:defRPr/>
+            </a:pPr>
+            <a:r>
+              <a:rPr lang="en-US" sz="1800" b="0" i="0" u="none" strike="noStrike" dirty="0" err="1">
+                <a:solidFill>
+                  <a:srgbClr val="000000"/>
+                </a:solidFill>
+                <a:effectLst/>
+                <a:highlight>
+                  <a:srgbClr val="FFFFFF"/>
+                </a:highlight>
+                <a:latin typeface="Calibri" panose="020F0502020204030204" pitchFamily="34" charset="0"/>
+              </a:rPr>
+              <a:t>PSModuleRoot</a:t>
+            </a:r>
+            <a:r>
+              <a:rPr lang="en-US" sz="1800" b="0" i="0" u="none" strike="noStrike" dirty="0">
+                <a:solidFill>
+                  <a:srgbClr val="000000"/>
+                </a:solidFill>
+                <a:effectLst/>
+                <a:highlight>
+                  <a:srgbClr val="FFFFFF"/>
+                </a:highlight>
+                <a:latin typeface="Calibri" panose="020F0502020204030204" pitchFamily="34" charset="0"/>
+              </a:rPr>
+              <a:t> variable in .psm1 file</a:t>
+            </a:r>
+            <a:endParaRPr lang="en-US" sz="1200" b="0" i="0" u="none" strike="noStrike" dirty="0">
+              <a:solidFill>
+                <a:srgbClr val="000000"/>
+              </a:solidFill>
+              <a:effectLst/>
+              <a:highlight>
+                <a:srgbClr val="FFFFFF"/>
+              </a:highlight>
+              <a:latin typeface="Segoe UI" panose="020B0502040204020203" pitchFamily="34" charset="0"/>
+            </a:endParaRPr>
+          </a:p>
+          <a:p>
+            <a:pPr marL="171450" marR="0" lvl="0" indent="-171450" algn="l" defTabSz="914400" rtl="0" eaLnBrk="1" fontAlgn="auto" latinLnBrk="0" hangingPunct="1">
+              <a:lnSpc>
+                <a:spcPct val="100000"/>
+              </a:lnSpc>
+              <a:spcBef>
+                <a:spcPts val="0"/>
+              </a:spcBef>
+              <a:spcAft>
+                <a:spcPts val="0"/>
+              </a:spcAft>
+              <a:buClrTx/>
+              <a:buSzTx/>
+              <a:buFontTx/>
+              <a:buChar char="-"/>
+              <a:tabLst/>
+              <a:defRPr/>
+            </a:pPr>
+            <a:r>
+              <a:rPr lang="en-US" sz="1800" b="0" i="0" u="none" strike="noStrike" dirty="0">
+                <a:solidFill>
+                  <a:srgbClr val="000000"/>
+                </a:solidFill>
+                <a:effectLst/>
+                <a:highlight>
+                  <a:srgbClr val="FFFFFF"/>
+                </a:highlight>
+                <a:latin typeface="Calibri" panose="020F0502020204030204" pitchFamily="34" charset="0"/>
+              </a:rPr>
+              <a:t>Different ways to load classes for performance (blog post link)</a:t>
+            </a:r>
+            <a:r>
+              <a:rPr lang="en-US" sz="1800" b="0" i="0" dirty="0">
+                <a:solidFill>
+                  <a:srgbClr val="000000"/>
+                </a:solidFill>
+                <a:effectLst/>
+                <a:highlight>
+                  <a:srgbClr val="FFFFFF"/>
+                </a:highlight>
+                <a:latin typeface="Calibri" panose="020F0502020204030204" pitchFamily="34" charset="0"/>
+              </a:rPr>
+              <a:t> </a:t>
+            </a:r>
+            <a:endParaRPr lang="en-US" b="0" i="0" dirty="0">
+              <a:solidFill>
+                <a:srgbClr val="000000"/>
+              </a:solidFill>
+              <a:effectLst/>
+              <a:highlight>
+                <a:srgbClr val="FFFFFF"/>
+              </a:highlight>
+              <a:latin typeface="Segoe UI" panose="020B0502040204020203" pitchFamily="34" charset="0"/>
+            </a:endParaRPr>
           </a:p>
           <a:p>
             <a:pPr marL="171450" indent="-171450">
               <a:buFontTx/>
               <a:buChar char="-"/>
             </a:pPr>
-            <a:r>
-              <a:rPr lang="en-US" dirty="0"/>
-              <a:t>Andrew wore the </a:t>
-            </a:r>
-            <a:r>
-              <a:rPr lang="en-US" dirty="0" err="1"/>
-              <a:t>tiPS</a:t>
-            </a:r>
-            <a:r>
-              <a:rPr lang="en-US" dirty="0"/>
-              <a:t> t-shirt on his talk with Justin Grote a couple weeks back</a:t>
-            </a:r>
-          </a:p>
-          <a:p>
-            <a:pPr marL="171450" indent="-171450">
-              <a:buFontTx/>
-              <a:buChar char="-"/>
-            </a:pPr>
-            <a:r>
-              <a:rPr lang="en-US" dirty="0"/>
-              <a:t>James Brundage was just on the PowerShell Podcast as well</a:t>
-            </a:r>
+            <a:endParaRPr lang="en-US" dirty="0"/>
           </a:p>
         </p:txBody>
       </p:sp>
@@ -3892,7 +3879,7 @@
     </p:spTree>
     <p:extLst>
       <p:ext uri="{BB962C8B-B14F-4D97-AF65-F5344CB8AC3E}">
-        <p14:creationId xmlns:p14="http://schemas.microsoft.com/office/powerpoint/2010/main" val="3559046720"/>
+        <p14:creationId xmlns:p14="http://schemas.microsoft.com/office/powerpoint/2010/main" val="1565053882"/>
       </p:ext>
     </p:extLst>
   </p:cSld>
@@ -29037,4485 +29024,6 @@
             </a:r>
             <a:r>
               <a:rPr lang="en-US" dirty="0"/>
-              <a:t> Decisions</a:t>
-            </a:r>
-          </a:p>
-        </p:txBody>
-      </p:sp>
-      <p:sp>
-        <p:nvSpPr>
-          <p:cNvPr id="10" name="Text Placeholder 9">
-            <a:extLst>
-              <a:ext uri="{FF2B5EF4-FFF2-40B4-BE49-F238E27FC236}">
-                <a16:creationId xmlns:a16="http://schemas.microsoft.com/office/drawing/2014/main" id="{EF2BC084-E6DB-4DE7-B309-042A85EBA700}"/>
-              </a:ext>
-            </a:extLst>
-          </p:cNvPr>
-          <p:cNvSpPr>
-            <a:spLocks noGrp="1"/>
-          </p:cNvSpPr>
-          <p:nvPr>
-            <p:ph type="body" sz="quarter" idx="13"/>
-          </p:nvPr>
-        </p:nvSpPr>
-        <p:spPr>
-          <a:xfrm>
-            <a:off x="444499" y="1625385"/>
-            <a:ext cx="11467867" cy="4390951"/>
-          </a:xfrm>
-        </p:spPr>
-        <p:txBody>
-          <a:bodyPr/>
-          <a:lstStyle/>
-          <a:p>
-            <a:r>
-              <a:rPr lang="en-US" sz="2800" dirty="0"/>
-              <a:t>Architecture Decision Records (ADRs)</a:t>
-            </a:r>
-          </a:p>
-          <a:p>
-            <a:endParaRPr lang="en-US" sz="2800" dirty="0"/>
-          </a:p>
-          <a:p>
-            <a:r>
-              <a:rPr lang="en-US" sz="2800" dirty="0"/>
-              <a:t>Written in PowerShell instead of C# for community support</a:t>
-            </a:r>
-          </a:p>
-          <a:p>
-            <a:r>
-              <a:rPr lang="en-US" sz="2800" dirty="0"/>
-              <a:t>Combine tips files into a single </a:t>
-            </a:r>
-            <a:r>
-              <a:rPr lang="en-US" sz="2800" dirty="0" err="1"/>
-              <a:t>json</a:t>
-            </a:r>
-            <a:r>
-              <a:rPr lang="en-US" sz="2800" dirty="0"/>
-              <a:t> file for performance</a:t>
-            </a:r>
-          </a:p>
-          <a:p>
-            <a:r>
-              <a:rPr lang="en-US" sz="2800" dirty="0"/>
-              <a:t>Combine module files into a single .psm1 file during build for performance</a:t>
-            </a:r>
-          </a:p>
-          <a:p>
-            <a:r>
-              <a:rPr lang="en-US" sz="2800" dirty="0"/>
-              <a:t>Compile classes to C# assembly for performance</a:t>
-            </a:r>
-          </a:p>
-          <a:p>
-            <a:pPr lvl="1"/>
-            <a:r>
-              <a:rPr lang="en-US" sz="2600" dirty="0">
-                <a:solidFill>
-                  <a:schemeClr val="accent1">
-                    <a:lumMod val="60000"/>
-                    <a:lumOff val="40000"/>
-                  </a:schemeClr>
-                </a:solidFill>
-                <a:hlinkClick r:id="rId3">
-                  <a:extLst>
-                    <a:ext uri="{A12FA001-AC4F-418D-AE19-62706E023703}">
-                      <ahyp:hlinkClr xmlns:ahyp="http://schemas.microsoft.com/office/drawing/2018/hyperlinkcolor" val="tx"/>
-                    </a:ext>
-                  </a:extLst>
-                </a:hlinkClick>
-              </a:rPr>
-              <a:t>https://github.com/deadlydog/PowerShell.Experiment.ClassPerformanceComparison</a:t>
-            </a:r>
-            <a:r>
-              <a:rPr lang="en-US" sz="2600" dirty="0">
-                <a:solidFill>
-                  <a:schemeClr val="accent1">
-                    <a:lumMod val="60000"/>
-                    <a:lumOff val="40000"/>
-                  </a:schemeClr>
-                </a:solidFill>
-              </a:rPr>
-              <a:t> </a:t>
-            </a:r>
-          </a:p>
-        </p:txBody>
-      </p:sp>
-      <p:sp>
-        <p:nvSpPr>
-          <p:cNvPr id="2" name="Slide Number Placeholder 1">
-            <a:extLst>
-              <a:ext uri="{FF2B5EF4-FFF2-40B4-BE49-F238E27FC236}">
-                <a16:creationId xmlns:a16="http://schemas.microsoft.com/office/drawing/2014/main" id="{BE9800F6-D571-48C4-8466-12AA1ADB6599}"/>
-              </a:ext>
-            </a:extLst>
-          </p:cNvPr>
-          <p:cNvSpPr>
-            <a:spLocks noGrp="1"/>
-          </p:cNvSpPr>
-          <p:nvPr>
-            <p:ph type="sldNum" sz="quarter" idx="12"/>
-          </p:nvPr>
-        </p:nvSpPr>
-        <p:spPr/>
-        <p:txBody>
-          <a:bodyPr/>
-          <a:lstStyle/>
-          <a:p>
-            <a:fld id="{C263D6C4-4840-40CC-AC84-17E24B3B7BDE}" type="slidenum">
-              <a:rPr lang="en-US" smtClean="0"/>
-              <a:pPr/>
-              <a:t>10</a:t>
-            </a:fld>
-            <a:endParaRPr lang="en-US" dirty="0"/>
-          </a:p>
-        </p:txBody>
-      </p:sp>
-    </p:spTree>
-    <p:extLst>
-      <p:ext uri="{BB962C8B-B14F-4D97-AF65-F5344CB8AC3E}">
-        <p14:creationId xmlns:p14="http://schemas.microsoft.com/office/powerpoint/2010/main" val="430754784"/>
-      </p:ext>
-    </p:extLst>
-  </p:cSld>
-  <p:clrMapOvr>
-    <a:masterClrMapping/>
-  </p:clrMapOvr>
-  <mc:AlternateContent xmlns:mc="http://schemas.openxmlformats.org/markup-compatibility/2006" xmlns:p14="http://schemas.microsoft.com/office/powerpoint/2010/main">
-    <mc:Choice Requires="p14">
-      <p:transition spd="med" p14:dur="700">
-        <p:fade/>
-      </p:transition>
-    </mc:Choice>
-    <mc:Fallback xmlns="">
-      <p:transition spd="med">
-        <p:fade/>
-      </p:transition>
-    </mc:Fallback>
-  </mc:AlternateContent>
-  <p:timing>
-    <p:tnLst>
-      <p:par>
-        <p:cTn id="1" dur="indefinite" restart="never" nodeType="tmRoot">
-          <p:childTnLst>
-            <p:seq concurrent="1" nextAc="seek">
-              <p:cTn id="2" dur="indefinite" nodeType="mainSeq">
-                <p:childTnLst>
-                  <p:par>
-                    <p:cTn id="3" fill="hold">
-                      <p:stCondLst>
-                        <p:cond delay="indefinite"/>
-                      </p:stCondLst>
-                      <p:childTnLst>
-                        <p:par>
-                          <p:cTn id="4" fill="hold">
-                            <p:stCondLst>
-                              <p:cond delay="0"/>
-                            </p:stCondLst>
-                            <p:childTnLst>
-                              <p:par>
-                                <p:cTn id="5" presetID="10" presetClass="entr" presetSubtype="0" fill="hold" grpId="0" nodeType="clickEffect">
-                                  <p:stCondLst>
-                                    <p:cond delay="0"/>
-                                  </p:stCondLst>
-                                  <p:childTnLst>
-                                    <p:set>
-                                      <p:cBhvr>
-                                        <p:cTn id="6" dur="1" fill="hold">
-                                          <p:stCondLst>
-                                            <p:cond delay="0"/>
-                                          </p:stCondLst>
-                                        </p:cTn>
-                                        <p:tgtEl>
-                                          <p:spTgt spid="10">
-                                            <p:txEl>
-                                              <p:pRg st="0" end="0"/>
-                                            </p:txEl>
-                                          </p:spTgt>
-                                        </p:tgtEl>
-                                        <p:attrNameLst>
-                                          <p:attrName>style.visibility</p:attrName>
-                                        </p:attrNameLst>
-                                      </p:cBhvr>
-                                      <p:to>
-                                        <p:strVal val="visible"/>
-                                      </p:to>
-                                    </p:set>
-                                    <p:animEffect transition="in" filter="fade">
-                                      <p:cBhvr>
-                                        <p:cTn id="7" dur="500"/>
-                                        <p:tgtEl>
-                                          <p:spTgt spid="10">
-                                            <p:txEl>
-                                              <p:pRg st="0" end="0"/>
-                                            </p:txEl>
-                                          </p:spTgt>
-                                        </p:tgtEl>
-                                      </p:cBhvr>
-                                    </p:animEffect>
-                                  </p:childTnLst>
-                                </p:cTn>
-                              </p:par>
-                            </p:childTnLst>
-                          </p:cTn>
-                        </p:par>
-                      </p:childTnLst>
-                    </p:cTn>
-                  </p:par>
-                  <p:par>
-                    <p:cTn id="8" fill="hold">
-                      <p:stCondLst>
-                        <p:cond delay="indefinite"/>
-                      </p:stCondLst>
-                      <p:childTnLst>
-                        <p:par>
-                          <p:cTn id="9" fill="hold">
-                            <p:stCondLst>
-                              <p:cond delay="0"/>
-                            </p:stCondLst>
-                            <p:childTnLst>
-                              <p:par>
-                                <p:cTn id="10" presetID="10" presetClass="entr" presetSubtype="0" fill="hold" grpId="0" nodeType="clickEffect">
-                                  <p:stCondLst>
-                                    <p:cond delay="0"/>
-                                  </p:stCondLst>
-                                  <p:childTnLst>
-                                    <p:set>
-                                      <p:cBhvr>
-                                        <p:cTn id="11" dur="1" fill="hold">
-                                          <p:stCondLst>
-                                            <p:cond delay="0"/>
-                                          </p:stCondLst>
-                                        </p:cTn>
-                                        <p:tgtEl>
-                                          <p:spTgt spid="10">
-                                            <p:txEl>
-                                              <p:pRg st="2" end="2"/>
-                                            </p:txEl>
-                                          </p:spTgt>
-                                        </p:tgtEl>
-                                        <p:attrNameLst>
-                                          <p:attrName>style.visibility</p:attrName>
-                                        </p:attrNameLst>
-                                      </p:cBhvr>
-                                      <p:to>
-                                        <p:strVal val="visible"/>
-                                      </p:to>
-                                    </p:set>
-                                    <p:animEffect transition="in" filter="fade">
-                                      <p:cBhvr>
-                                        <p:cTn id="12" dur="500"/>
-                                        <p:tgtEl>
-                                          <p:spTgt spid="10">
-                                            <p:txEl>
-                                              <p:pRg st="2" end="2"/>
-                                            </p:txEl>
-                                          </p:spTgt>
-                                        </p:tgtEl>
-                                      </p:cBhvr>
-                                    </p:animEffect>
-                                  </p:childTnLst>
-                                </p:cTn>
-                              </p:par>
-                              <p:par>
-                                <p:cTn id="13" presetID="10" presetClass="entr" presetSubtype="0" fill="hold" grpId="0" nodeType="withEffect">
-                                  <p:stCondLst>
-                                    <p:cond delay="0"/>
-                                  </p:stCondLst>
-                                  <p:childTnLst>
-                                    <p:set>
-                                      <p:cBhvr>
-                                        <p:cTn id="14" dur="1" fill="hold">
-                                          <p:stCondLst>
-                                            <p:cond delay="0"/>
-                                          </p:stCondLst>
-                                        </p:cTn>
-                                        <p:tgtEl>
-                                          <p:spTgt spid="10">
-                                            <p:txEl>
-                                              <p:pRg st="3" end="3"/>
-                                            </p:txEl>
-                                          </p:spTgt>
-                                        </p:tgtEl>
-                                        <p:attrNameLst>
-                                          <p:attrName>style.visibility</p:attrName>
-                                        </p:attrNameLst>
-                                      </p:cBhvr>
-                                      <p:to>
-                                        <p:strVal val="visible"/>
-                                      </p:to>
-                                    </p:set>
-                                    <p:animEffect transition="in" filter="fade">
-                                      <p:cBhvr>
-                                        <p:cTn id="15" dur="500"/>
-                                        <p:tgtEl>
-                                          <p:spTgt spid="10">
-                                            <p:txEl>
-                                              <p:pRg st="3" end="3"/>
-                                            </p:txEl>
-                                          </p:spTgt>
-                                        </p:tgtEl>
-                                      </p:cBhvr>
-                                    </p:animEffect>
-                                  </p:childTnLst>
-                                </p:cTn>
-                              </p:par>
-                              <p:par>
-                                <p:cTn id="16" presetID="10" presetClass="entr" presetSubtype="0" fill="hold" grpId="0" nodeType="withEffect">
-                                  <p:stCondLst>
-                                    <p:cond delay="0"/>
-                                  </p:stCondLst>
-                                  <p:childTnLst>
-                                    <p:set>
-                                      <p:cBhvr>
-                                        <p:cTn id="17" dur="1" fill="hold">
-                                          <p:stCondLst>
-                                            <p:cond delay="0"/>
-                                          </p:stCondLst>
-                                        </p:cTn>
-                                        <p:tgtEl>
-                                          <p:spTgt spid="10">
-                                            <p:txEl>
-                                              <p:pRg st="4" end="4"/>
-                                            </p:txEl>
-                                          </p:spTgt>
-                                        </p:tgtEl>
-                                        <p:attrNameLst>
-                                          <p:attrName>style.visibility</p:attrName>
-                                        </p:attrNameLst>
-                                      </p:cBhvr>
-                                      <p:to>
-                                        <p:strVal val="visible"/>
-                                      </p:to>
-                                    </p:set>
-                                    <p:animEffect transition="in" filter="fade">
-                                      <p:cBhvr>
-                                        <p:cTn id="18" dur="500"/>
-                                        <p:tgtEl>
-                                          <p:spTgt spid="10">
-                                            <p:txEl>
-                                              <p:pRg st="4" end="4"/>
-                                            </p:txEl>
-                                          </p:spTgt>
-                                        </p:tgtEl>
-                                      </p:cBhvr>
-                                    </p:animEffect>
-                                  </p:childTnLst>
-                                </p:cTn>
-                              </p:par>
-                              <p:par>
-                                <p:cTn id="19" presetID="10" presetClass="entr" presetSubtype="0" fill="hold" grpId="0" nodeType="withEffect">
-                                  <p:stCondLst>
-                                    <p:cond delay="0"/>
-                                  </p:stCondLst>
-                                  <p:childTnLst>
-                                    <p:set>
-                                      <p:cBhvr>
-                                        <p:cTn id="20" dur="1" fill="hold">
-                                          <p:stCondLst>
-                                            <p:cond delay="0"/>
-                                          </p:stCondLst>
-                                        </p:cTn>
-                                        <p:tgtEl>
-                                          <p:spTgt spid="10">
-                                            <p:txEl>
-                                              <p:pRg st="5" end="5"/>
-                                            </p:txEl>
-                                          </p:spTgt>
-                                        </p:tgtEl>
-                                        <p:attrNameLst>
-                                          <p:attrName>style.visibility</p:attrName>
-                                        </p:attrNameLst>
-                                      </p:cBhvr>
-                                      <p:to>
-                                        <p:strVal val="visible"/>
-                                      </p:to>
-                                    </p:set>
-                                    <p:animEffect transition="in" filter="fade">
-                                      <p:cBhvr>
-                                        <p:cTn id="21" dur="500"/>
-                                        <p:tgtEl>
-                                          <p:spTgt spid="10">
-                                            <p:txEl>
-                                              <p:pRg st="5" end="5"/>
-                                            </p:txEl>
-                                          </p:spTgt>
-                                        </p:tgtEl>
-                                      </p:cBhvr>
-                                    </p:animEffect>
-                                  </p:childTnLst>
-                                </p:cTn>
-                              </p:par>
-                              <p:par>
-                                <p:cTn id="22" presetID="10" presetClass="entr" presetSubtype="0" fill="hold" grpId="0" nodeType="withEffect">
-                                  <p:stCondLst>
-                                    <p:cond delay="0"/>
-                                  </p:stCondLst>
-                                  <p:childTnLst>
-                                    <p:set>
-                                      <p:cBhvr>
-                                        <p:cTn id="23" dur="1" fill="hold">
-                                          <p:stCondLst>
-                                            <p:cond delay="0"/>
-                                          </p:stCondLst>
-                                        </p:cTn>
-                                        <p:tgtEl>
-                                          <p:spTgt spid="10">
-                                            <p:txEl>
-                                              <p:pRg st="6" end="6"/>
-                                            </p:txEl>
-                                          </p:spTgt>
-                                        </p:tgtEl>
-                                        <p:attrNameLst>
-                                          <p:attrName>style.visibility</p:attrName>
-                                        </p:attrNameLst>
-                                      </p:cBhvr>
-                                      <p:to>
-                                        <p:strVal val="visible"/>
-                                      </p:to>
-                                    </p:set>
-                                    <p:animEffect transition="in" filter="fade">
-                                      <p:cBhvr>
-                                        <p:cTn id="24" dur="500"/>
-                                        <p:tgtEl>
-                                          <p:spTgt spid="10">
-                                            <p:txEl>
-                                              <p:pRg st="6" end="6"/>
-                                            </p:txEl>
-                                          </p:spTgt>
-                                        </p:tgtEl>
-                                      </p:cBhvr>
-                                    </p:animEffect>
-                                  </p:childTnLst>
-                                </p:cTn>
-                              </p:par>
-                            </p:childTnLst>
-                          </p:cTn>
-                        </p:par>
-                      </p:childTnLst>
-                    </p:cTn>
-                  </p:par>
-                </p:childTnLst>
-              </p:cTn>
-              <p:prevCondLst>
-                <p:cond evt="onPrev" delay="0">
-                  <p:tgtEl>
-                    <p:sldTgt/>
-                  </p:tgtEl>
-                </p:cond>
-              </p:prevCondLst>
-              <p:nextCondLst>
-                <p:cond evt="onNext" delay="0">
-                  <p:tgtEl>
-                    <p:sldTgt/>
-                  </p:tgtEl>
-                </p:cond>
-              </p:nextCondLst>
-            </p:seq>
-          </p:childTnLst>
-        </p:cTn>
-      </p:par>
-    </p:tnLst>
-    <p:bldLst>
-      <p:bldP spid="10" grpId="0" uiExpand="1" build="p"/>
-    </p:bldLst>
-  </p:timing>
-</p:sld>
-</file>
-
-<file path=ppt/slides/slide11.xml><?xml version="1.0" encoding="utf-8"?>
-<p:sld xmlns:a="http://schemas.openxmlformats.org/drawingml/2006/main" xmlns:r="http://schemas.openxmlformats.org/officeDocument/2006/relationships" xmlns:p="http://schemas.openxmlformats.org/presentationml/2006/main">
-  <p:cSld>
-    <p:spTree>
-      <p:nvGrpSpPr>
-        <p:cNvPr id="1" name=""/>
-        <p:cNvGrpSpPr/>
-        <p:nvPr/>
-      </p:nvGrpSpPr>
-      <p:grpSpPr>
-        <a:xfrm>
-          <a:off x="0" y="0"/>
-          <a:ext cx="0" cy="0"/>
-          <a:chOff x="0" y="0"/>
-          <a:chExt cx="0" cy="0"/>
-        </a:xfrm>
-      </p:grpSpPr>
-      <p:sp>
-        <p:nvSpPr>
-          <p:cNvPr id="7" name="Title 6">
-            <a:extLst>
-              <a:ext uri="{FF2B5EF4-FFF2-40B4-BE49-F238E27FC236}">
-                <a16:creationId xmlns:a16="http://schemas.microsoft.com/office/drawing/2014/main" id="{7875C19A-1AAE-476A-A316-A2CF92D763D3}"/>
-              </a:ext>
-            </a:extLst>
-          </p:cNvPr>
-          <p:cNvSpPr>
-            <a:spLocks noGrp="1"/>
-          </p:cNvSpPr>
-          <p:nvPr>
-            <p:ph type="title"/>
-          </p:nvPr>
-        </p:nvSpPr>
-        <p:spPr/>
-        <p:txBody>
-          <a:bodyPr/>
-          <a:lstStyle/>
-          <a:p>
-            <a:r>
-              <a:rPr lang="en-US" dirty="0"/>
-              <a:t>Questions and Discussion</a:t>
-            </a:r>
-          </a:p>
-        </p:txBody>
-      </p:sp>
-      <p:sp>
-        <p:nvSpPr>
-          <p:cNvPr id="10" name="Text Placeholder 9">
-            <a:extLst>
-              <a:ext uri="{FF2B5EF4-FFF2-40B4-BE49-F238E27FC236}">
-                <a16:creationId xmlns:a16="http://schemas.microsoft.com/office/drawing/2014/main" id="{EF2BC084-E6DB-4DE7-B309-042A85EBA700}"/>
-              </a:ext>
-            </a:extLst>
-          </p:cNvPr>
-          <p:cNvSpPr>
-            <a:spLocks noGrp="1"/>
-          </p:cNvSpPr>
-          <p:nvPr>
-            <p:ph type="body" sz="quarter" idx="13"/>
-          </p:nvPr>
-        </p:nvSpPr>
-        <p:spPr>
-          <a:xfrm>
-            <a:off x="444499" y="1625385"/>
-            <a:ext cx="11467867" cy="4390951"/>
-          </a:xfrm>
-        </p:spPr>
-        <p:txBody>
-          <a:bodyPr/>
-          <a:lstStyle/>
-          <a:p>
-            <a:endParaRPr lang="en-US" sz="2800" dirty="0"/>
-          </a:p>
-          <a:p>
-            <a:r>
-              <a:rPr lang="en-US" sz="2800" dirty="0"/>
-              <a:t>Anything you want to know more about?</a:t>
-            </a:r>
-          </a:p>
-          <a:p>
-            <a:r>
-              <a:rPr lang="en-US" sz="2800" dirty="0"/>
-              <a:t>What was your favourite thing you learned or saw?</a:t>
-            </a:r>
-          </a:p>
-          <a:p>
-            <a:pPr marL="0" indent="0">
-              <a:buNone/>
-            </a:pPr>
-            <a:endParaRPr lang="en-US" sz="2800" dirty="0"/>
-          </a:p>
-          <a:p>
-            <a:endParaRPr lang="en-US" sz="2800" dirty="0"/>
-          </a:p>
-          <a:p>
-            <a:r>
-              <a:rPr lang="en-US" sz="2800" dirty="0"/>
-              <a:t>Shout out to the Profiler module for finding perf issues:</a:t>
-            </a:r>
-            <a:r>
-              <a:rPr lang="en-US" sz="2800" dirty="0">
-                <a:solidFill>
-                  <a:schemeClr val="accent1">
-                    <a:lumMod val="60000"/>
-                    <a:lumOff val="40000"/>
-                  </a:schemeClr>
-                </a:solidFill>
-                <a:hlinkClick r:id="rId3">
-                  <a:extLst>
-                    <a:ext uri="{A12FA001-AC4F-418D-AE19-62706E023703}">
-                      <ahyp:hlinkClr xmlns:ahyp="http://schemas.microsoft.com/office/drawing/2018/hyperlinkcolor" val="tx"/>
-                    </a:ext>
-                  </a:extLst>
-                </a:hlinkClick>
-              </a:rPr>
-              <a:t> https://blog.danskingdom.com/Easily-profile-your-PowerShell-code-with-the-Profiler-module/</a:t>
-            </a:r>
-            <a:r>
-              <a:rPr lang="en-US" sz="2800" dirty="0"/>
-              <a:t> </a:t>
-            </a:r>
-          </a:p>
-        </p:txBody>
-      </p:sp>
-      <p:sp>
-        <p:nvSpPr>
-          <p:cNvPr id="2" name="Slide Number Placeholder 1">
-            <a:extLst>
-              <a:ext uri="{FF2B5EF4-FFF2-40B4-BE49-F238E27FC236}">
-                <a16:creationId xmlns:a16="http://schemas.microsoft.com/office/drawing/2014/main" id="{BE9800F6-D571-48C4-8466-12AA1ADB6599}"/>
-              </a:ext>
-            </a:extLst>
-          </p:cNvPr>
-          <p:cNvSpPr>
-            <a:spLocks noGrp="1"/>
-          </p:cNvSpPr>
-          <p:nvPr>
-            <p:ph type="sldNum" sz="quarter" idx="12"/>
-          </p:nvPr>
-        </p:nvSpPr>
-        <p:spPr/>
-        <p:txBody>
-          <a:bodyPr/>
-          <a:lstStyle/>
-          <a:p>
-            <a:fld id="{C263D6C4-4840-40CC-AC84-17E24B3B7BDE}" type="slidenum">
-              <a:rPr lang="en-US" smtClean="0"/>
-              <a:pPr/>
-              <a:t>11</a:t>
-            </a:fld>
-            <a:endParaRPr lang="en-US" dirty="0"/>
-          </a:p>
-        </p:txBody>
-      </p:sp>
-    </p:spTree>
-    <p:extLst>
-      <p:ext uri="{BB962C8B-B14F-4D97-AF65-F5344CB8AC3E}">
-        <p14:creationId xmlns:p14="http://schemas.microsoft.com/office/powerpoint/2010/main" val="3946810922"/>
-      </p:ext>
-    </p:extLst>
-  </p:cSld>
-  <p:clrMapOvr>
-    <a:masterClrMapping/>
-  </p:clrMapOvr>
-  <mc:AlternateContent xmlns:mc="http://schemas.openxmlformats.org/markup-compatibility/2006" xmlns:p14="http://schemas.microsoft.com/office/powerpoint/2010/main">
-    <mc:Choice Requires="p14">
-      <p:transition spd="med" p14:dur="700">
-        <p:fade/>
-      </p:transition>
-    </mc:Choice>
-    <mc:Fallback xmlns="">
-      <p:transition spd="med">
-        <p:fade/>
-      </p:transition>
-    </mc:Fallback>
-  </mc:AlternateContent>
-</p:sld>
-</file>
-
-<file path=ppt/slides/slide12.xml><?xml version="1.0" encoding="utf-8"?>
-<p:sld xmlns:a="http://schemas.openxmlformats.org/drawingml/2006/main" xmlns:r="http://schemas.openxmlformats.org/officeDocument/2006/relationships" xmlns:p="http://schemas.openxmlformats.org/presentationml/2006/main">
-  <p:cSld>
-    <p:spTree>
-      <p:nvGrpSpPr>
-        <p:cNvPr id="1" name=""/>
-        <p:cNvGrpSpPr/>
-        <p:nvPr/>
-      </p:nvGrpSpPr>
-      <p:grpSpPr>
-        <a:xfrm>
-          <a:off x="0" y="0"/>
-          <a:ext cx="0" cy="0"/>
-          <a:chOff x="0" y="0"/>
-          <a:chExt cx="0" cy="0"/>
-        </a:xfrm>
-      </p:grpSpPr>
-      <p:sp>
-        <p:nvSpPr>
-          <p:cNvPr id="2" name="Title 1">
-            <a:extLst>
-              <a:ext uri="{FF2B5EF4-FFF2-40B4-BE49-F238E27FC236}">
-                <a16:creationId xmlns:a16="http://schemas.microsoft.com/office/drawing/2014/main" id="{632BE5BF-9922-45FB-8F3F-4446D40A051B}"/>
-              </a:ext>
-            </a:extLst>
-          </p:cNvPr>
-          <p:cNvSpPr>
-            <a:spLocks noGrp="1"/>
-          </p:cNvSpPr>
-          <p:nvPr>
-            <p:ph type="ctrTitle"/>
-          </p:nvPr>
-        </p:nvSpPr>
-        <p:spPr>
-          <a:xfrm>
-            <a:off x="6096000" y="1682846"/>
-            <a:ext cx="4945598" cy="1243584"/>
-          </a:xfrm>
-        </p:spPr>
-        <p:txBody>
-          <a:bodyPr/>
-          <a:lstStyle/>
-          <a:p>
-            <a:r>
-              <a:rPr lang="en-US" sz="7200" dirty="0"/>
-              <a:t>Thank You!</a:t>
-            </a:r>
-            <a:endParaRPr lang="en-GB" sz="7200" dirty="0"/>
-          </a:p>
-        </p:txBody>
-      </p:sp>
-      <p:sp>
-        <p:nvSpPr>
-          <p:cNvPr id="3" name="Title 1">
-            <a:extLst>
-              <a:ext uri="{FF2B5EF4-FFF2-40B4-BE49-F238E27FC236}">
-                <a16:creationId xmlns:a16="http://schemas.microsoft.com/office/drawing/2014/main" id="{0AB9C4BC-1D53-4A50-18E2-39D67A5E28A6}"/>
-              </a:ext>
-            </a:extLst>
-          </p:cNvPr>
-          <p:cNvSpPr txBox="1">
-            <a:spLocks/>
-          </p:cNvSpPr>
-          <p:nvPr/>
-        </p:nvSpPr>
-        <p:spPr>
-          <a:xfrm>
-            <a:off x="1483441" y="5548356"/>
-            <a:ext cx="9892131" cy="1059268"/>
-          </a:xfrm>
-          <a:prstGeom prst="rect">
-            <a:avLst/>
-          </a:prstGeom>
-        </p:spPr>
-        <p:txBody>
-          <a:bodyPr vert="horz" lIns="91440" tIns="45720" rIns="91440" bIns="45720" rtlCol="0" anchor="ctr">
-            <a:noAutofit/>
-          </a:bodyPr>
-          <a:lstStyle>
-            <a:lvl1pPr algn="l" defTabSz="914400" rtl="0" eaLnBrk="1" latinLnBrk="0" hangingPunct="1">
-              <a:lnSpc>
-                <a:spcPct val="90000"/>
-              </a:lnSpc>
-              <a:spcBef>
-                <a:spcPct val="0"/>
-              </a:spcBef>
-              <a:buNone/>
-              <a:defRPr lang="en-GB" sz="5400" b="1" kern="1200" dirty="0">
-                <a:solidFill>
-                  <a:schemeClr val="bg1"/>
-                </a:solidFill>
-                <a:latin typeface="+mj-lt"/>
-                <a:ea typeface="Tahoma" panose="020B0604030504040204" pitchFamily="34" charset="0"/>
-                <a:cs typeface="Tahoma" panose="020B0604030504040204" pitchFamily="34" charset="0"/>
-              </a:defRPr>
-            </a:lvl1pPr>
-          </a:lstStyle>
-          <a:p>
-            <a:r>
-              <a:rPr lang="en-US" sz="2800" dirty="0">
-                <a:latin typeface="+mn-lt"/>
-              </a:rPr>
-              <a:t>Slide Deck:</a:t>
-            </a:r>
-          </a:p>
-          <a:p>
-            <a:r>
-              <a:rPr lang="en-US" sz="2800" dirty="0">
-                <a:solidFill>
-                  <a:schemeClr val="accent1">
-                    <a:lumMod val="60000"/>
-                    <a:lumOff val="40000"/>
-                  </a:schemeClr>
-                </a:solidFill>
-                <a:latin typeface="+mn-lt"/>
-                <a:hlinkClick r:id="rId3">
-                  <a:extLst>
-                    <a:ext uri="{A12FA001-AC4F-418D-AE19-62706E023703}">
-                      <ahyp:hlinkClr xmlns:ahyp="http://schemas.microsoft.com/office/drawing/2018/hyperlinkcolor" val="tx"/>
-                    </a:ext>
-                  </a:extLst>
-                </a:hlinkClick>
-              </a:rPr>
-              <a:t>https://github.com/deadlydog/Presentation.tiPSWelcome</a:t>
-            </a:r>
-            <a:r>
-              <a:rPr lang="en-US" sz="2800" dirty="0">
-                <a:solidFill>
-                  <a:schemeClr val="accent1">
-                    <a:lumMod val="60000"/>
-                    <a:lumOff val="40000"/>
-                  </a:schemeClr>
-                </a:solidFill>
-                <a:latin typeface="+mn-lt"/>
-              </a:rPr>
-              <a:t> </a:t>
-            </a:r>
-          </a:p>
-        </p:txBody>
-      </p:sp>
-      <p:sp>
-        <p:nvSpPr>
-          <p:cNvPr id="6" name="Title 1">
-            <a:extLst>
-              <a:ext uri="{FF2B5EF4-FFF2-40B4-BE49-F238E27FC236}">
-                <a16:creationId xmlns:a16="http://schemas.microsoft.com/office/drawing/2014/main" id="{ACE1F121-6324-786E-E2AF-49301B095864}"/>
-              </a:ext>
-            </a:extLst>
-          </p:cNvPr>
-          <p:cNvSpPr txBox="1">
-            <a:spLocks/>
-          </p:cNvSpPr>
-          <p:nvPr/>
-        </p:nvSpPr>
-        <p:spPr>
-          <a:xfrm>
-            <a:off x="3200203" y="3599775"/>
-            <a:ext cx="6633116" cy="570239"/>
-          </a:xfrm>
-          <a:prstGeom prst="rect">
-            <a:avLst/>
-          </a:prstGeom>
-        </p:spPr>
-        <p:txBody>
-          <a:bodyPr vert="horz" lIns="91440" tIns="45720" rIns="91440" bIns="45720" rtlCol="0" anchor="ctr">
-            <a:noAutofit/>
-          </a:bodyPr>
-          <a:lstStyle>
-            <a:lvl1pPr algn="l" defTabSz="914400" rtl="0" eaLnBrk="1" latinLnBrk="0" hangingPunct="1">
-              <a:lnSpc>
-                <a:spcPct val="90000"/>
-              </a:lnSpc>
-              <a:spcBef>
-                <a:spcPct val="0"/>
-              </a:spcBef>
-              <a:buNone/>
-              <a:defRPr lang="en-GB" sz="5400" b="1" kern="1200" dirty="0">
-                <a:solidFill>
-                  <a:schemeClr val="bg1"/>
-                </a:solidFill>
-                <a:latin typeface="+mj-lt"/>
-                <a:ea typeface="Tahoma" panose="020B0604030504040204" pitchFamily="34" charset="0"/>
-                <a:cs typeface="Tahoma" panose="020B0604030504040204" pitchFamily="34" charset="0"/>
-              </a:defRPr>
-            </a:lvl1pPr>
-          </a:lstStyle>
-          <a:p>
-            <a:r>
-              <a:rPr lang="en-US" sz="2800" dirty="0">
-                <a:latin typeface="+mn-lt"/>
-              </a:rPr>
-              <a:t>Blog: </a:t>
-            </a:r>
-            <a:r>
-              <a:rPr lang="en-US" sz="2800" dirty="0">
-                <a:solidFill>
-                  <a:schemeClr val="accent1">
-                    <a:lumMod val="60000"/>
-                    <a:lumOff val="40000"/>
-                  </a:schemeClr>
-                </a:solidFill>
-                <a:latin typeface="+mn-lt"/>
-                <a:hlinkClick r:id="rId4">
-                  <a:extLst>
-                    <a:ext uri="{A12FA001-AC4F-418D-AE19-62706E023703}">
-                      <ahyp:hlinkClr xmlns:ahyp="http://schemas.microsoft.com/office/drawing/2018/hyperlinkcolor" val="tx"/>
-                    </a:ext>
-                  </a:extLst>
-                </a:hlinkClick>
-              </a:rPr>
-              <a:t>https://blog.danskingdom.com</a:t>
-            </a:r>
-            <a:r>
-              <a:rPr lang="en-US" sz="2800" dirty="0">
-                <a:solidFill>
-                  <a:schemeClr val="accent1">
-                    <a:lumMod val="60000"/>
-                    <a:lumOff val="40000"/>
-                  </a:schemeClr>
-                </a:solidFill>
-                <a:latin typeface="+mn-lt"/>
-              </a:rPr>
-              <a:t> </a:t>
-            </a:r>
-          </a:p>
-        </p:txBody>
-      </p:sp>
-      <p:sp>
-        <p:nvSpPr>
-          <p:cNvPr id="7" name="Title 1">
-            <a:extLst>
-              <a:ext uri="{FF2B5EF4-FFF2-40B4-BE49-F238E27FC236}">
-                <a16:creationId xmlns:a16="http://schemas.microsoft.com/office/drawing/2014/main" id="{10A4B1F2-FFBD-884F-C20F-B41E9211B235}"/>
-              </a:ext>
-            </a:extLst>
-          </p:cNvPr>
-          <p:cNvSpPr txBox="1">
-            <a:spLocks/>
-          </p:cNvSpPr>
-          <p:nvPr/>
-        </p:nvSpPr>
-        <p:spPr>
-          <a:xfrm>
-            <a:off x="2542643" y="4273120"/>
-            <a:ext cx="7290676" cy="570239"/>
-          </a:xfrm>
-          <a:prstGeom prst="rect">
-            <a:avLst/>
-          </a:prstGeom>
-        </p:spPr>
-        <p:txBody>
-          <a:bodyPr vert="horz" lIns="91440" tIns="45720" rIns="91440" bIns="45720" rtlCol="0" anchor="ctr">
-            <a:noAutofit/>
-          </a:bodyPr>
-          <a:lstStyle>
-            <a:lvl1pPr algn="l" defTabSz="914400" rtl="0" eaLnBrk="1" latinLnBrk="0" hangingPunct="1">
-              <a:lnSpc>
-                <a:spcPct val="90000"/>
-              </a:lnSpc>
-              <a:spcBef>
-                <a:spcPct val="0"/>
-              </a:spcBef>
-              <a:buNone/>
-              <a:defRPr lang="en-GB" sz="5400" b="1" kern="1200" dirty="0">
-                <a:solidFill>
-                  <a:schemeClr val="bg1"/>
-                </a:solidFill>
-                <a:latin typeface="+mj-lt"/>
-                <a:ea typeface="Tahoma" panose="020B0604030504040204" pitchFamily="34" charset="0"/>
-                <a:cs typeface="Tahoma" panose="020B0604030504040204" pitchFamily="34" charset="0"/>
-              </a:defRPr>
-            </a:lvl1pPr>
-          </a:lstStyle>
-          <a:p>
-            <a:r>
-              <a:rPr lang="en-US" sz="2800" dirty="0">
-                <a:latin typeface="+mn-lt"/>
-              </a:rPr>
-              <a:t>GitHub: </a:t>
-            </a:r>
-            <a:r>
-              <a:rPr lang="en-US" sz="2800" dirty="0">
-                <a:solidFill>
-                  <a:schemeClr val="accent1">
-                    <a:lumMod val="60000"/>
-                    <a:lumOff val="40000"/>
-                  </a:schemeClr>
-                </a:solidFill>
-                <a:latin typeface="+mn-lt"/>
-                <a:hlinkClick r:id="rId5">
-                  <a:extLst>
-                    <a:ext uri="{A12FA001-AC4F-418D-AE19-62706E023703}">
-                      <ahyp:hlinkClr xmlns:ahyp="http://schemas.microsoft.com/office/drawing/2018/hyperlinkcolor" val="tx"/>
-                    </a:ext>
-                  </a:extLst>
-                </a:hlinkClick>
-              </a:rPr>
-              <a:t>https://github.com/deadlydog</a:t>
-            </a:r>
-            <a:r>
-              <a:rPr lang="en-US" sz="2800" dirty="0">
-                <a:solidFill>
-                  <a:schemeClr val="accent1">
-                    <a:lumMod val="60000"/>
-                    <a:lumOff val="40000"/>
-                  </a:schemeClr>
-                </a:solidFill>
-                <a:latin typeface="+mn-lt"/>
-              </a:rPr>
-              <a:t>  </a:t>
-            </a:r>
-          </a:p>
-        </p:txBody>
-      </p:sp>
-      <p:sp>
-        <p:nvSpPr>
-          <p:cNvPr id="8" name="Title 1">
-            <a:extLst>
-              <a:ext uri="{FF2B5EF4-FFF2-40B4-BE49-F238E27FC236}">
-                <a16:creationId xmlns:a16="http://schemas.microsoft.com/office/drawing/2014/main" id="{A929F614-BEFE-67F2-00AC-464F14B947DC}"/>
-              </a:ext>
-            </a:extLst>
-          </p:cNvPr>
-          <p:cNvSpPr txBox="1">
-            <a:spLocks/>
-          </p:cNvSpPr>
-          <p:nvPr/>
-        </p:nvSpPr>
-        <p:spPr>
-          <a:xfrm>
-            <a:off x="1993395" y="4946465"/>
-            <a:ext cx="8337650" cy="570239"/>
-          </a:xfrm>
-          <a:prstGeom prst="rect">
-            <a:avLst/>
-          </a:prstGeom>
-        </p:spPr>
-        <p:txBody>
-          <a:bodyPr vert="horz" lIns="91440" tIns="45720" rIns="91440" bIns="45720" rtlCol="0" anchor="ctr">
-            <a:noAutofit/>
-          </a:bodyPr>
-          <a:lstStyle>
-            <a:lvl1pPr algn="l" defTabSz="914400" rtl="0" eaLnBrk="1" latinLnBrk="0" hangingPunct="1">
-              <a:lnSpc>
-                <a:spcPct val="90000"/>
-              </a:lnSpc>
-              <a:spcBef>
-                <a:spcPct val="0"/>
-              </a:spcBef>
-              <a:buNone/>
-              <a:defRPr lang="en-GB" sz="5400" b="1" kern="1200" dirty="0">
-                <a:solidFill>
-                  <a:schemeClr val="bg1"/>
-                </a:solidFill>
-                <a:latin typeface="+mj-lt"/>
-                <a:ea typeface="Tahoma" panose="020B0604030504040204" pitchFamily="34" charset="0"/>
-                <a:cs typeface="Tahoma" panose="020B0604030504040204" pitchFamily="34" charset="0"/>
-              </a:defRPr>
-            </a:lvl1pPr>
-          </a:lstStyle>
-          <a:p>
-            <a:r>
-              <a:rPr lang="en-US" sz="2800" dirty="0">
-                <a:latin typeface="+mn-lt"/>
-              </a:rPr>
-              <a:t>X / Twitter: </a:t>
-            </a:r>
-            <a:r>
-              <a:rPr lang="en-US" sz="2800" dirty="0">
-                <a:solidFill>
-                  <a:schemeClr val="accent1">
-                    <a:lumMod val="60000"/>
-                    <a:lumOff val="40000"/>
-                  </a:schemeClr>
-                </a:solidFill>
-                <a:latin typeface="+mn-lt"/>
-                <a:hlinkClick r:id="rId6">
-                  <a:extLst>
-                    <a:ext uri="{A12FA001-AC4F-418D-AE19-62706E023703}">
-                      <ahyp:hlinkClr xmlns:ahyp="http://schemas.microsoft.com/office/drawing/2018/hyperlinkcolor" val="tx"/>
-                    </a:ext>
-                  </a:extLst>
-                </a:hlinkClick>
-              </a:rPr>
-              <a:t>https://x.com/deadlydog</a:t>
-            </a:r>
-            <a:r>
-              <a:rPr lang="en-US" sz="2800" dirty="0">
-                <a:solidFill>
-                  <a:schemeClr val="accent1">
-                    <a:lumMod val="60000"/>
-                    <a:lumOff val="40000"/>
-                  </a:schemeClr>
-                </a:solidFill>
-                <a:latin typeface="+mn-lt"/>
-              </a:rPr>
-              <a:t>   </a:t>
-            </a:r>
-          </a:p>
-        </p:txBody>
-      </p:sp>
-    </p:spTree>
-    <p:extLst>
-      <p:ext uri="{BB962C8B-B14F-4D97-AF65-F5344CB8AC3E}">
-        <p14:creationId xmlns:p14="http://schemas.microsoft.com/office/powerpoint/2010/main" val="2977205056"/>
-      </p:ext>
-    </p:extLst>
-  </p:cSld>
-  <p:clrMapOvr>
-    <a:masterClrMapping/>
-  </p:clrMapOvr>
-  <p:transition spd="slow">
-    <p:wipe/>
-  </p:transition>
-</p:sld>
-</file>
-
-<file path=ppt/slides/slide13.xml><?xml version="1.0" encoding="utf-8"?>
-<p:sld xmlns:a="http://schemas.openxmlformats.org/drawingml/2006/main" xmlns:r="http://schemas.openxmlformats.org/officeDocument/2006/relationships" xmlns:p="http://schemas.openxmlformats.org/presentationml/2006/main">
-  <p:cSld>
-    <p:spTree>
-      <p:nvGrpSpPr>
-        <p:cNvPr id="1" name=""/>
-        <p:cNvGrpSpPr/>
-        <p:nvPr/>
-      </p:nvGrpSpPr>
-      <p:grpSpPr>
-        <a:xfrm>
-          <a:off x="0" y="0"/>
-          <a:ext cx="0" cy="0"/>
-          <a:chOff x="0" y="0"/>
-          <a:chExt cx="0" cy="0"/>
-        </a:xfrm>
-      </p:grpSpPr>
-      <p:sp>
-        <p:nvSpPr>
-          <p:cNvPr id="7" name="Title 6">
-            <a:extLst>
-              <a:ext uri="{FF2B5EF4-FFF2-40B4-BE49-F238E27FC236}">
-                <a16:creationId xmlns:a16="http://schemas.microsoft.com/office/drawing/2014/main" id="{7875C19A-1AAE-476A-A316-A2CF92D763D3}"/>
-              </a:ext>
-            </a:extLst>
-          </p:cNvPr>
-          <p:cNvSpPr>
-            <a:spLocks noGrp="1"/>
-          </p:cNvSpPr>
-          <p:nvPr>
-            <p:ph type="title"/>
-          </p:nvPr>
-        </p:nvSpPr>
-        <p:spPr/>
-        <p:txBody>
-          <a:bodyPr/>
-          <a:lstStyle/>
-          <a:p>
-            <a:r>
-              <a:rPr lang="en-US" dirty="0"/>
-              <a:t>Classes and Enums</a:t>
-            </a:r>
-          </a:p>
-        </p:txBody>
-      </p:sp>
-      <p:sp>
-        <p:nvSpPr>
-          <p:cNvPr id="10" name="Text Placeholder 9">
-            <a:extLst>
-              <a:ext uri="{FF2B5EF4-FFF2-40B4-BE49-F238E27FC236}">
-                <a16:creationId xmlns:a16="http://schemas.microsoft.com/office/drawing/2014/main" id="{EF2BC084-E6DB-4DE7-B309-042A85EBA700}"/>
-              </a:ext>
-            </a:extLst>
-          </p:cNvPr>
-          <p:cNvSpPr>
-            <a:spLocks noGrp="1"/>
-          </p:cNvSpPr>
-          <p:nvPr>
-            <p:ph type="body" sz="quarter" idx="13"/>
-          </p:nvPr>
-        </p:nvSpPr>
-        <p:spPr>
-          <a:xfrm>
-            <a:off x="444499" y="1195755"/>
-            <a:ext cx="11467867" cy="5373858"/>
-          </a:xfrm>
-        </p:spPr>
-        <p:txBody>
-          <a:bodyPr/>
-          <a:lstStyle/>
-          <a:p>
-            <a:r>
-              <a:rPr lang="en-US" sz="2800" dirty="0"/>
-              <a:t>Enum</a:t>
-            </a:r>
-          </a:p>
-          <a:p>
-            <a:pPr lvl="1"/>
-            <a:r>
-              <a:rPr lang="en-US" sz="2600" dirty="0"/>
-              <a:t>Predefined set of values to choose from</a:t>
-            </a:r>
-          </a:p>
-          <a:p>
-            <a:pPr lvl="1"/>
-            <a:r>
-              <a:rPr lang="en-US" sz="2600" dirty="0"/>
-              <a:t>Automatic validations and autocomplete</a:t>
-            </a:r>
-          </a:p>
-          <a:p>
-            <a:r>
-              <a:rPr lang="en-US" sz="2800" dirty="0"/>
-              <a:t>Class</a:t>
-            </a:r>
-          </a:p>
-          <a:p>
-            <a:pPr lvl="1"/>
-            <a:r>
-              <a:rPr lang="en-US" sz="2600" dirty="0"/>
-              <a:t>Strongly typed object with data + functions</a:t>
-            </a:r>
-          </a:p>
-          <a:p>
-            <a:pPr lvl="1"/>
-            <a:r>
-              <a:rPr lang="en-US" sz="2600" dirty="0"/>
-              <a:t>All objects guaranteed to have the same properties and functions</a:t>
-            </a:r>
-          </a:p>
-          <a:p>
-            <a:pPr marL="457200" lvl="1" indent="0">
-              <a:buNone/>
-            </a:pPr>
-            <a:endParaRPr lang="en-US" sz="2800" dirty="0"/>
-          </a:p>
-          <a:p>
-            <a:pPr marL="457200" lvl="1" indent="0">
-              <a:buNone/>
-            </a:pPr>
-            <a:endParaRPr lang="en-US" sz="2800" dirty="0"/>
-          </a:p>
-          <a:p>
-            <a:r>
-              <a:rPr lang="en-US" sz="2800" dirty="0">
-                <a:solidFill>
-                  <a:schemeClr val="accent1">
-                    <a:lumMod val="60000"/>
-                    <a:lumOff val="40000"/>
-                  </a:schemeClr>
-                </a:solidFill>
-                <a:hlinkClick r:id="rId3">
-                  <a:extLst>
-                    <a:ext uri="{A12FA001-AC4F-418D-AE19-62706E023703}">
-                      <ahyp:hlinkClr xmlns:ahyp="http://schemas.microsoft.com/office/drawing/2018/hyperlinkcolor" val="tx"/>
-                    </a:ext>
-                  </a:extLst>
-                </a:hlinkClick>
-              </a:rPr>
-              <a:t>https://github.com/deadlydog/PowerShell.Experiment.ClassInModule</a:t>
-            </a:r>
-            <a:r>
-              <a:rPr lang="en-US" sz="2800" dirty="0">
-                <a:solidFill>
-                  <a:schemeClr val="accent1">
-                    <a:lumMod val="60000"/>
-                    <a:lumOff val="40000"/>
-                  </a:schemeClr>
-                </a:solidFill>
-              </a:rPr>
-              <a:t> </a:t>
-            </a:r>
-          </a:p>
-        </p:txBody>
-      </p:sp>
-      <p:sp>
-        <p:nvSpPr>
-          <p:cNvPr id="2" name="Slide Number Placeholder 1">
-            <a:extLst>
-              <a:ext uri="{FF2B5EF4-FFF2-40B4-BE49-F238E27FC236}">
-                <a16:creationId xmlns:a16="http://schemas.microsoft.com/office/drawing/2014/main" id="{BE9800F6-D571-48C4-8466-12AA1ADB6599}"/>
-              </a:ext>
-            </a:extLst>
-          </p:cNvPr>
-          <p:cNvSpPr>
-            <a:spLocks noGrp="1"/>
-          </p:cNvSpPr>
-          <p:nvPr>
-            <p:ph type="sldNum" sz="quarter" idx="12"/>
-          </p:nvPr>
-        </p:nvSpPr>
-        <p:spPr/>
-        <p:txBody>
-          <a:bodyPr/>
-          <a:lstStyle/>
-          <a:p>
-            <a:fld id="{C263D6C4-4840-40CC-AC84-17E24B3B7BDE}" type="slidenum">
-              <a:rPr lang="en-US" smtClean="0"/>
-              <a:pPr/>
-              <a:t>13</a:t>
-            </a:fld>
-            <a:endParaRPr lang="en-US" dirty="0"/>
-          </a:p>
-        </p:txBody>
-      </p:sp>
-    </p:spTree>
-    <p:extLst>
-      <p:ext uri="{BB962C8B-B14F-4D97-AF65-F5344CB8AC3E}">
-        <p14:creationId xmlns:p14="http://schemas.microsoft.com/office/powerpoint/2010/main" val="1089435659"/>
-      </p:ext>
-    </p:extLst>
-  </p:cSld>
-  <p:clrMapOvr>
-    <a:masterClrMapping/>
-  </p:clrMapOvr>
-  <mc:AlternateContent xmlns:mc="http://schemas.openxmlformats.org/markup-compatibility/2006" xmlns:p14="http://schemas.microsoft.com/office/powerpoint/2010/main">
-    <mc:Choice Requires="p14">
-      <p:transition spd="med" p14:dur="700">
-        <p:fade/>
-      </p:transition>
-    </mc:Choice>
-    <mc:Fallback xmlns="">
-      <p:transition spd="med">
-        <p:fade/>
-      </p:transition>
-    </mc:Fallback>
-  </mc:AlternateContent>
-</p:sld>
-</file>
-
-<file path=ppt/slides/slide14.xml><?xml version="1.0" encoding="utf-8"?>
-<p:sld xmlns:a="http://schemas.openxmlformats.org/drawingml/2006/main" xmlns:r="http://schemas.openxmlformats.org/officeDocument/2006/relationships" xmlns:p="http://schemas.openxmlformats.org/presentationml/2006/main">
-  <p:cSld>
-    <p:spTree>
-      <p:nvGrpSpPr>
-        <p:cNvPr id="1" name=""/>
-        <p:cNvGrpSpPr/>
-        <p:nvPr/>
-      </p:nvGrpSpPr>
-      <p:grpSpPr>
-        <a:xfrm>
-          <a:off x="0" y="0"/>
-          <a:ext cx="0" cy="0"/>
-          <a:chOff x="0" y="0"/>
-          <a:chExt cx="0" cy="0"/>
-        </a:xfrm>
-      </p:grpSpPr>
-      <p:sp>
-        <p:nvSpPr>
-          <p:cNvPr id="7" name="Title 6">
-            <a:extLst>
-              <a:ext uri="{FF2B5EF4-FFF2-40B4-BE49-F238E27FC236}">
-                <a16:creationId xmlns:a16="http://schemas.microsoft.com/office/drawing/2014/main" id="{7875C19A-1AAE-476A-A316-A2CF92D763D3}"/>
-              </a:ext>
-            </a:extLst>
-          </p:cNvPr>
-          <p:cNvSpPr>
-            <a:spLocks noGrp="1"/>
-          </p:cNvSpPr>
-          <p:nvPr>
-            <p:ph type="title"/>
-          </p:nvPr>
-        </p:nvSpPr>
-        <p:spPr/>
-        <p:txBody>
-          <a:bodyPr/>
-          <a:lstStyle/>
-          <a:p>
-            <a:r>
-              <a:rPr lang="en-US" dirty="0"/>
-              <a:t>Tips: Use Temporary Console and </a:t>
-            </a:r>
-            <a:r>
-              <a:rPr lang="en-US" dirty="0" err="1"/>
-              <a:t>StrictMode</a:t>
-            </a:r>
-            <a:endParaRPr lang="en-US" dirty="0"/>
-          </a:p>
-        </p:txBody>
-      </p:sp>
-      <p:sp>
-        <p:nvSpPr>
-          <p:cNvPr id="10" name="Text Placeholder 9">
-            <a:extLst>
-              <a:ext uri="{FF2B5EF4-FFF2-40B4-BE49-F238E27FC236}">
-                <a16:creationId xmlns:a16="http://schemas.microsoft.com/office/drawing/2014/main" id="{EF2BC084-E6DB-4DE7-B309-042A85EBA700}"/>
-              </a:ext>
-            </a:extLst>
-          </p:cNvPr>
-          <p:cNvSpPr>
-            <a:spLocks noGrp="1"/>
-          </p:cNvSpPr>
-          <p:nvPr>
-            <p:ph type="body" sz="quarter" idx="13"/>
-          </p:nvPr>
-        </p:nvSpPr>
-        <p:spPr>
-          <a:xfrm>
-            <a:off x="444499" y="1625384"/>
-            <a:ext cx="11467867" cy="5054815"/>
-          </a:xfrm>
-        </p:spPr>
-        <p:txBody>
-          <a:bodyPr/>
-          <a:lstStyle/>
-          <a:p>
-            <a:r>
-              <a:rPr lang="en-US" sz="2800" dirty="0"/>
-              <a:t>VS Code Setting: Create Temporary Integrated Console</a:t>
-            </a:r>
-          </a:p>
-          <a:p>
-            <a:pPr lvl="1"/>
-            <a:r>
-              <a:rPr lang="en-US" sz="2600" dirty="0"/>
-              <a:t>Helps surface errors, especially during refactoring </a:t>
-            </a:r>
-          </a:p>
-          <a:p>
-            <a:pPr lvl="1"/>
-            <a:r>
-              <a:rPr lang="en-US" sz="2600" dirty="0"/>
-              <a:t>Avoid reloading VS Code when using Add-Type to import assemblies and working with classes / </a:t>
-            </a:r>
-            <a:r>
-              <a:rPr lang="en-US" sz="2600" dirty="0" err="1"/>
-              <a:t>enums</a:t>
-            </a:r>
-            <a:endParaRPr lang="en-US" sz="2600" dirty="0"/>
-          </a:p>
-          <a:p>
-            <a:endParaRPr lang="en-US" sz="2800" dirty="0"/>
-          </a:p>
-          <a:p>
-            <a:r>
-              <a:rPr lang="en-US" sz="2800" dirty="0"/>
-              <a:t>Set-</a:t>
-            </a:r>
-            <a:r>
-              <a:rPr lang="en-US" sz="2800" dirty="0" err="1"/>
-              <a:t>StrictMode</a:t>
-            </a:r>
-            <a:r>
-              <a:rPr lang="en-US" sz="2800" dirty="0"/>
-              <a:t> -Version Latest</a:t>
-            </a:r>
-          </a:p>
-          <a:p>
-            <a:pPr lvl="1"/>
-            <a:r>
-              <a:rPr lang="en-US" sz="2600" dirty="0"/>
-              <a:t>Helps catch errors that might otherwise go unnoticed</a:t>
-            </a:r>
-          </a:p>
-          <a:p>
-            <a:pPr lvl="1"/>
-            <a:r>
-              <a:rPr lang="en-US" sz="2600" dirty="0"/>
-              <a:t>Caveat: Be careful introducing this into existing scripts, or scripts that are dot-sourced into other scripts, as it applies to the current scope and all child scopes</a:t>
-            </a:r>
-          </a:p>
-        </p:txBody>
-      </p:sp>
-      <p:sp>
-        <p:nvSpPr>
-          <p:cNvPr id="2" name="Slide Number Placeholder 1">
-            <a:extLst>
-              <a:ext uri="{FF2B5EF4-FFF2-40B4-BE49-F238E27FC236}">
-                <a16:creationId xmlns:a16="http://schemas.microsoft.com/office/drawing/2014/main" id="{BE9800F6-D571-48C4-8466-12AA1ADB6599}"/>
-              </a:ext>
-            </a:extLst>
-          </p:cNvPr>
-          <p:cNvSpPr>
-            <a:spLocks noGrp="1"/>
-          </p:cNvSpPr>
-          <p:nvPr>
-            <p:ph type="sldNum" sz="quarter" idx="12"/>
-          </p:nvPr>
-        </p:nvSpPr>
-        <p:spPr/>
-        <p:txBody>
-          <a:bodyPr/>
-          <a:lstStyle/>
-          <a:p>
-            <a:fld id="{C263D6C4-4840-40CC-AC84-17E24B3B7BDE}" type="slidenum">
-              <a:rPr lang="en-US" smtClean="0"/>
-              <a:pPr/>
-              <a:t>14</a:t>
-            </a:fld>
-            <a:endParaRPr lang="en-US" dirty="0"/>
-          </a:p>
-        </p:txBody>
-      </p:sp>
-    </p:spTree>
-    <p:extLst>
-      <p:ext uri="{BB962C8B-B14F-4D97-AF65-F5344CB8AC3E}">
-        <p14:creationId xmlns:p14="http://schemas.microsoft.com/office/powerpoint/2010/main" val="670609937"/>
-      </p:ext>
-    </p:extLst>
-  </p:cSld>
-  <p:clrMapOvr>
-    <a:masterClrMapping/>
-  </p:clrMapOvr>
-  <mc:AlternateContent xmlns:mc="http://schemas.openxmlformats.org/markup-compatibility/2006" xmlns:p14="http://schemas.microsoft.com/office/powerpoint/2010/main">
-    <mc:Choice Requires="p14">
-      <p:transition spd="med" p14:dur="700">
-        <p:fade/>
-      </p:transition>
-    </mc:Choice>
-    <mc:Fallback xmlns="">
-      <p:transition spd="med">
-        <p:fade/>
-      </p:transition>
-    </mc:Fallback>
-  </mc:AlternateContent>
-  <p:timing>
-    <p:tnLst>
-      <p:par>
-        <p:cTn id="1" dur="indefinite" restart="never" nodeType="tmRoot">
-          <p:childTnLst>
-            <p:seq concurrent="1" nextAc="seek">
-              <p:cTn id="2" dur="indefinite" nodeType="mainSeq">
-                <p:childTnLst>
-                  <p:par>
-                    <p:cTn id="3" fill="hold">
-                      <p:stCondLst>
-                        <p:cond delay="indefinite"/>
-                      </p:stCondLst>
-                      <p:childTnLst>
-                        <p:par>
-                          <p:cTn id="4" fill="hold">
-                            <p:stCondLst>
-                              <p:cond delay="0"/>
-                            </p:stCondLst>
-                            <p:childTnLst>
-                              <p:par>
-                                <p:cTn id="5" presetID="10" presetClass="entr" presetSubtype="0" fill="hold" grpId="0" nodeType="clickEffect">
-                                  <p:stCondLst>
-                                    <p:cond delay="0"/>
-                                  </p:stCondLst>
-                                  <p:childTnLst>
-                                    <p:set>
-                                      <p:cBhvr>
-                                        <p:cTn id="6" dur="1" fill="hold">
-                                          <p:stCondLst>
-                                            <p:cond delay="0"/>
-                                          </p:stCondLst>
-                                        </p:cTn>
-                                        <p:tgtEl>
-                                          <p:spTgt spid="10">
-                                            <p:txEl>
-                                              <p:pRg st="0" end="0"/>
-                                            </p:txEl>
-                                          </p:spTgt>
-                                        </p:tgtEl>
-                                        <p:attrNameLst>
-                                          <p:attrName>style.visibility</p:attrName>
-                                        </p:attrNameLst>
-                                      </p:cBhvr>
-                                      <p:to>
-                                        <p:strVal val="visible"/>
-                                      </p:to>
-                                    </p:set>
-                                    <p:animEffect transition="in" filter="fade">
-                                      <p:cBhvr>
-                                        <p:cTn id="7" dur="500"/>
-                                        <p:tgtEl>
-                                          <p:spTgt spid="10">
-                                            <p:txEl>
-                                              <p:pRg st="0" end="0"/>
-                                            </p:txEl>
-                                          </p:spTgt>
-                                        </p:tgtEl>
-                                      </p:cBhvr>
-                                    </p:animEffect>
-                                  </p:childTnLst>
-                                </p:cTn>
-                              </p:par>
-                              <p:par>
-                                <p:cTn id="8" presetID="10" presetClass="entr" presetSubtype="0" fill="hold" grpId="0" nodeType="withEffect">
-                                  <p:stCondLst>
-                                    <p:cond delay="0"/>
-                                  </p:stCondLst>
-                                  <p:childTnLst>
-                                    <p:set>
-                                      <p:cBhvr>
-                                        <p:cTn id="9" dur="1" fill="hold">
-                                          <p:stCondLst>
-                                            <p:cond delay="0"/>
-                                          </p:stCondLst>
-                                        </p:cTn>
-                                        <p:tgtEl>
-                                          <p:spTgt spid="10">
-                                            <p:txEl>
-                                              <p:pRg st="1" end="1"/>
-                                            </p:txEl>
-                                          </p:spTgt>
-                                        </p:tgtEl>
-                                        <p:attrNameLst>
-                                          <p:attrName>style.visibility</p:attrName>
-                                        </p:attrNameLst>
-                                      </p:cBhvr>
-                                      <p:to>
-                                        <p:strVal val="visible"/>
-                                      </p:to>
-                                    </p:set>
-                                    <p:animEffect transition="in" filter="fade">
-                                      <p:cBhvr>
-                                        <p:cTn id="10" dur="500"/>
-                                        <p:tgtEl>
-                                          <p:spTgt spid="10">
-                                            <p:txEl>
-                                              <p:pRg st="1" end="1"/>
-                                            </p:txEl>
-                                          </p:spTgt>
-                                        </p:tgtEl>
-                                      </p:cBhvr>
-                                    </p:animEffect>
-                                  </p:childTnLst>
-                                </p:cTn>
-                              </p:par>
-                              <p:par>
-                                <p:cTn id="11" presetID="10" presetClass="entr" presetSubtype="0" fill="hold" grpId="0" nodeType="withEffect">
-                                  <p:stCondLst>
-                                    <p:cond delay="0"/>
-                                  </p:stCondLst>
-                                  <p:childTnLst>
-                                    <p:set>
-                                      <p:cBhvr>
-                                        <p:cTn id="12" dur="1" fill="hold">
-                                          <p:stCondLst>
-                                            <p:cond delay="0"/>
-                                          </p:stCondLst>
-                                        </p:cTn>
-                                        <p:tgtEl>
-                                          <p:spTgt spid="10">
-                                            <p:txEl>
-                                              <p:pRg st="2" end="2"/>
-                                            </p:txEl>
-                                          </p:spTgt>
-                                        </p:tgtEl>
-                                        <p:attrNameLst>
-                                          <p:attrName>style.visibility</p:attrName>
-                                        </p:attrNameLst>
-                                      </p:cBhvr>
-                                      <p:to>
-                                        <p:strVal val="visible"/>
-                                      </p:to>
-                                    </p:set>
-                                    <p:animEffect transition="in" filter="fade">
-                                      <p:cBhvr>
-                                        <p:cTn id="13" dur="500"/>
-                                        <p:tgtEl>
-                                          <p:spTgt spid="10">
-                                            <p:txEl>
-                                              <p:pRg st="2" end="2"/>
-                                            </p:txEl>
-                                          </p:spTgt>
-                                        </p:tgtEl>
-                                      </p:cBhvr>
-                                    </p:animEffect>
-                                  </p:childTnLst>
-                                </p:cTn>
-                              </p:par>
-                              <p:par>
-                                <p:cTn id="14" presetID="10" presetClass="entr" presetSubtype="0" fill="hold" grpId="0" nodeType="withEffect">
-                                  <p:stCondLst>
-                                    <p:cond delay="0"/>
-                                  </p:stCondLst>
-                                  <p:childTnLst>
-                                    <p:set>
-                                      <p:cBhvr>
-                                        <p:cTn id="15" dur="1" fill="hold">
-                                          <p:stCondLst>
-                                            <p:cond delay="0"/>
-                                          </p:stCondLst>
-                                        </p:cTn>
-                                        <p:tgtEl>
-                                          <p:spTgt spid="10">
-                                            <p:txEl>
-                                              <p:pRg st="4" end="4"/>
-                                            </p:txEl>
-                                          </p:spTgt>
-                                        </p:tgtEl>
-                                        <p:attrNameLst>
-                                          <p:attrName>style.visibility</p:attrName>
-                                        </p:attrNameLst>
-                                      </p:cBhvr>
-                                      <p:to>
-                                        <p:strVal val="visible"/>
-                                      </p:to>
-                                    </p:set>
-                                    <p:animEffect transition="in" filter="fade">
-                                      <p:cBhvr>
-                                        <p:cTn id="16" dur="500"/>
-                                        <p:tgtEl>
-                                          <p:spTgt spid="10">
-                                            <p:txEl>
-                                              <p:pRg st="4" end="4"/>
-                                            </p:txEl>
-                                          </p:spTgt>
-                                        </p:tgtEl>
-                                      </p:cBhvr>
-                                    </p:animEffect>
-                                  </p:childTnLst>
-                                </p:cTn>
-                              </p:par>
-                              <p:par>
-                                <p:cTn id="17" presetID="10" presetClass="entr" presetSubtype="0" fill="hold" grpId="0" nodeType="withEffect">
-                                  <p:stCondLst>
-                                    <p:cond delay="0"/>
-                                  </p:stCondLst>
-                                  <p:childTnLst>
-                                    <p:set>
-                                      <p:cBhvr>
-                                        <p:cTn id="18" dur="1" fill="hold">
-                                          <p:stCondLst>
-                                            <p:cond delay="0"/>
-                                          </p:stCondLst>
-                                        </p:cTn>
-                                        <p:tgtEl>
-                                          <p:spTgt spid="10">
-                                            <p:txEl>
-                                              <p:pRg st="5" end="5"/>
-                                            </p:txEl>
-                                          </p:spTgt>
-                                        </p:tgtEl>
-                                        <p:attrNameLst>
-                                          <p:attrName>style.visibility</p:attrName>
-                                        </p:attrNameLst>
-                                      </p:cBhvr>
-                                      <p:to>
-                                        <p:strVal val="visible"/>
-                                      </p:to>
-                                    </p:set>
-                                    <p:animEffect transition="in" filter="fade">
-                                      <p:cBhvr>
-                                        <p:cTn id="19" dur="500"/>
-                                        <p:tgtEl>
-                                          <p:spTgt spid="10">
-                                            <p:txEl>
-                                              <p:pRg st="5" end="5"/>
-                                            </p:txEl>
-                                          </p:spTgt>
-                                        </p:tgtEl>
-                                      </p:cBhvr>
-                                    </p:animEffect>
-                                  </p:childTnLst>
-                                </p:cTn>
-                              </p:par>
-                              <p:par>
-                                <p:cTn id="20" presetID="10" presetClass="entr" presetSubtype="0" fill="hold" grpId="0" nodeType="withEffect">
-                                  <p:stCondLst>
-                                    <p:cond delay="0"/>
-                                  </p:stCondLst>
-                                  <p:childTnLst>
-                                    <p:set>
-                                      <p:cBhvr>
-                                        <p:cTn id="21" dur="1" fill="hold">
-                                          <p:stCondLst>
-                                            <p:cond delay="0"/>
-                                          </p:stCondLst>
-                                        </p:cTn>
-                                        <p:tgtEl>
-                                          <p:spTgt spid="10">
-                                            <p:txEl>
-                                              <p:pRg st="6" end="6"/>
-                                            </p:txEl>
-                                          </p:spTgt>
-                                        </p:tgtEl>
-                                        <p:attrNameLst>
-                                          <p:attrName>style.visibility</p:attrName>
-                                        </p:attrNameLst>
-                                      </p:cBhvr>
-                                      <p:to>
-                                        <p:strVal val="visible"/>
-                                      </p:to>
-                                    </p:set>
-                                    <p:animEffect transition="in" filter="fade">
-                                      <p:cBhvr>
-                                        <p:cTn id="22" dur="500"/>
-                                        <p:tgtEl>
-                                          <p:spTgt spid="10">
-                                            <p:txEl>
-                                              <p:pRg st="6" end="6"/>
-                                            </p:txEl>
-                                          </p:spTgt>
-                                        </p:tgtEl>
-                                      </p:cBhvr>
-                                    </p:animEffect>
-                                  </p:childTnLst>
-                                </p:cTn>
-                              </p:par>
-                            </p:childTnLst>
-                          </p:cTn>
-                        </p:par>
-                      </p:childTnLst>
-                    </p:cTn>
-                  </p:par>
-                </p:childTnLst>
-              </p:cTn>
-              <p:prevCondLst>
-                <p:cond evt="onPrev" delay="0">
-                  <p:tgtEl>
-                    <p:sldTgt/>
-                  </p:tgtEl>
-                </p:cond>
-              </p:prevCondLst>
-              <p:nextCondLst>
-                <p:cond evt="onNext" delay="0">
-                  <p:tgtEl>
-                    <p:sldTgt/>
-                  </p:tgtEl>
-                </p:cond>
-              </p:nextCondLst>
-            </p:seq>
-          </p:childTnLst>
-        </p:cTn>
-      </p:par>
-    </p:tnLst>
-    <p:bldLst>
-      <p:bldP spid="10" grpId="0" uiExpand="1" build="p"/>
-    </p:bldLst>
-  </p:timing>
-</p:sld>
-</file>
-
-<file path=ppt/slides/slide15.xml><?xml version="1.0" encoding="utf-8"?>
-<p:sld xmlns:a="http://schemas.openxmlformats.org/drawingml/2006/main" xmlns:r="http://schemas.openxmlformats.org/officeDocument/2006/relationships" xmlns:p="http://schemas.openxmlformats.org/presentationml/2006/main">
-  <p:cSld>
-    <p:spTree>
-      <p:nvGrpSpPr>
-        <p:cNvPr id="1" name=""/>
-        <p:cNvGrpSpPr/>
-        <p:nvPr/>
-      </p:nvGrpSpPr>
-      <p:grpSpPr>
-        <a:xfrm>
-          <a:off x="0" y="0"/>
-          <a:ext cx="0" cy="0"/>
-          <a:chOff x="0" y="0"/>
-          <a:chExt cx="0" cy="0"/>
-        </a:xfrm>
-      </p:grpSpPr>
-      <p:sp>
-        <p:nvSpPr>
-          <p:cNvPr id="7" name="Title 6">
-            <a:extLst>
-              <a:ext uri="{FF2B5EF4-FFF2-40B4-BE49-F238E27FC236}">
-                <a16:creationId xmlns:a16="http://schemas.microsoft.com/office/drawing/2014/main" id="{7875C19A-1AAE-476A-A316-A2CF92D763D3}"/>
-              </a:ext>
-            </a:extLst>
-          </p:cNvPr>
-          <p:cNvSpPr>
-            <a:spLocks noGrp="1"/>
-          </p:cNvSpPr>
-          <p:nvPr>
-            <p:ph type="title"/>
-          </p:nvPr>
-        </p:nvSpPr>
-        <p:spPr/>
-        <p:txBody>
-          <a:bodyPr/>
-          <a:lstStyle/>
-          <a:p>
-            <a:r>
-              <a:rPr lang="en-US" dirty="0"/>
-              <a:t>Pester Tests</a:t>
-            </a:r>
-          </a:p>
-        </p:txBody>
-      </p:sp>
-      <p:sp>
-        <p:nvSpPr>
-          <p:cNvPr id="10" name="Text Placeholder 9">
-            <a:extLst>
-              <a:ext uri="{FF2B5EF4-FFF2-40B4-BE49-F238E27FC236}">
-                <a16:creationId xmlns:a16="http://schemas.microsoft.com/office/drawing/2014/main" id="{EF2BC084-E6DB-4DE7-B309-042A85EBA700}"/>
-              </a:ext>
-            </a:extLst>
-          </p:cNvPr>
-          <p:cNvSpPr>
-            <a:spLocks noGrp="1"/>
-          </p:cNvSpPr>
-          <p:nvPr>
-            <p:ph type="body" sz="quarter" idx="13"/>
-          </p:nvPr>
-        </p:nvSpPr>
-        <p:spPr>
-          <a:xfrm>
-            <a:off x="444499" y="1625385"/>
-            <a:ext cx="11467867" cy="4390951"/>
-          </a:xfrm>
-        </p:spPr>
-        <p:txBody>
-          <a:bodyPr/>
-          <a:lstStyle/>
-          <a:p>
-            <a:r>
-              <a:rPr lang="en-US" sz="2800" dirty="0"/>
-              <a:t>Use $</a:t>
-            </a:r>
-            <a:r>
-              <a:rPr lang="en-US" sz="2800" dirty="0" err="1"/>
-              <a:t>TestDrive</a:t>
-            </a:r>
-            <a:r>
-              <a:rPr lang="en-US" sz="2800" dirty="0"/>
-              <a:t> to write files to a temp directory</a:t>
-            </a:r>
-          </a:p>
-          <a:p>
-            <a:pPr lvl="1"/>
-            <a:r>
-              <a:rPr lang="en-US" sz="2600" dirty="0" err="1"/>
-              <a:t>TestDrive</a:t>
-            </a:r>
-            <a:r>
-              <a:rPr lang="en-US" sz="2600" dirty="0"/>
-              <a:t>: cannot be resolved in .NET methods</a:t>
-            </a:r>
-          </a:p>
-          <a:p>
-            <a:pPr lvl="1"/>
-            <a:r>
-              <a:rPr lang="en-US" sz="2600" dirty="0"/>
-              <a:t>E.g. use “$</a:t>
-            </a:r>
-            <a:r>
-              <a:rPr lang="en-US" sz="2600" dirty="0" err="1"/>
-              <a:t>TestDrive</a:t>
-            </a:r>
-            <a:r>
-              <a:rPr lang="en-US" sz="2600" dirty="0"/>
-              <a:t>\test.txt” instead of “</a:t>
-            </a:r>
-            <a:r>
-              <a:rPr lang="en-US" sz="2600" dirty="0" err="1"/>
-              <a:t>TestDrive</a:t>
-            </a:r>
-            <a:r>
-              <a:rPr lang="en-US" sz="2600" dirty="0"/>
-              <a:t>:\test.txt”</a:t>
-            </a:r>
-          </a:p>
-          <a:p>
-            <a:pPr lvl="1"/>
-            <a:r>
-              <a:rPr lang="en-US" sz="2600" dirty="0">
-                <a:solidFill>
-                  <a:schemeClr val="accent1">
-                    <a:lumMod val="60000"/>
-                    <a:lumOff val="40000"/>
-                  </a:schemeClr>
-                </a:solidFill>
-                <a:hlinkClick r:id="rId3">
-                  <a:extLst>
-                    <a:ext uri="{A12FA001-AC4F-418D-AE19-62706E023703}">
-                      <ahyp:hlinkClr xmlns:ahyp="http://schemas.microsoft.com/office/drawing/2018/hyperlinkcolor" val="tx"/>
-                    </a:ext>
-                  </a:extLst>
-                </a:hlinkClick>
-              </a:rPr>
-              <a:t>https://pester.dev/docs/usage/testdrive</a:t>
-            </a:r>
-            <a:r>
-              <a:rPr lang="en-US" sz="2600" dirty="0"/>
-              <a:t> </a:t>
-            </a:r>
-          </a:p>
-          <a:p>
-            <a:r>
-              <a:rPr lang="en-US" sz="2800" dirty="0"/>
-              <a:t>Use </a:t>
-            </a:r>
-            <a:r>
-              <a:rPr lang="en-US" sz="2800" dirty="0" err="1"/>
-              <a:t>InModuleScope</a:t>
-            </a:r>
-            <a:r>
-              <a:rPr lang="en-US" sz="2800" dirty="0"/>
-              <a:t> to access private module functions</a:t>
-            </a:r>
-          </a:p>
-        </p:txBody>
-      </p:sp>
-      <p:sp>
-        <p:nvSpPr>
-          <p:cNvPr id="2" name="Slide Number Placeholder 1">
-            <a:extLst>
-              <a:ext uri="{FF2B5EF4-FFF2-40B4-BE49-F238E27FC236}">
-                <a16:creationId xmlns:a16="http://schemas.microsoft.com/office/drawing/2014/main" id="{BE9800F6-D571-48C4-8466-12AA1ADB6599}"/>
-              </a:ext>
-            </a:extLst>
-          </p:cNvPr>
-          <p:cNvSpPr>
-            <a:spLocks noGrp="1"/>
-          </p:cNvSpPr>
-          <p:nvPr>
-            <p:ph type="sldNum" sz="quarter" idx="12"/>
-          </p:nvPr>
-        </p:nvSpPr>
-        <p:spPr/>
-        <p:txBody>
-          <a:bodyPr/>
-          <a:lstStyle/>
-          <a:p>
-            <a:fld id="{C263D6C4-4840-40CC-AC84-17E24B3B7BDE}" type="slidenum">
-              <a:rPr lang="en-US" smtClean="0"/>
-              <a:pPr/>
-              <a:t>15</a:t>
-            </a:fld>
-            <a:endParaRPr lang="en-US" dirty="0"/>
-          </a:p>
-        </p:txBody>
-      </p:sp>
-    </p:spTree>
-    <p:extLst>
-      <p:ext uri="{BB962C8B-B14F-4D97-AF65-F5344CB8AC3E}">
-        <p14:creationId xmlns:p14="http://schemas.microsoft.com/office/powerpoint/2010/main" val="289517584"/>
-      </p:ext>
-    </p:extLst>
-  </p:cSld>
-  <p:clrMapOvr>
-    <a:masterClrMapping/>
-  </p:clrMapOvr>
-  <mc:AlternateContent xmlns:mc="http://schemas.openxmlformats.org/markup-compatibility/2006" xmlns:p14="http://schemas.microsoft.com/office/powerpoint/2010/main">
-    <mc:Choice Requires="p14">
-      <p:transition spd="med" p14:dur="700">
-        <p:fade/>
-      </p:transition>
-    </mc:Choice>
-    <mc:Fallback xmlns="">
-      <p:transition spd="med">
-        <p:fade/>
-      </p:transition>
-    </mc:Fallback>
-  </mc:AlternateContent>
-  <p:timing>
-    <p:tnLst>
-      <p:par>
-        <p:cTn id="1" dur="indefinite" restart="never" nodeType="tmRoot">
-          <p:childTnLst>
-            <p:seq concurrent="1" nextAc="seek">
-              <p:cTn id="2" dur="indefinite" nodeType="mainSeq">
-                <p:childTnLst>
-                  <p:par>
-                    <p:cTn id="3" fill="hold">
-                      <p:stCondLst>
-                        <p:cond delay="indefinite"/>
-                      </p:stCondLst>
-                      <p:childTnLst>
-                        <p:par>
-                          <p:cTn id="4" fill="hold">
-                            <p:stCondLst>
-                              <p:cond delay="0"/>
-                            </p:stCondLst>
-                            <p:childTnLst>
-                              <p:par>
-                                <p:cTn id="5" presetID="10" presetClass="entr" presetSubtype="0" fill="hold" grpId="0" nodeType="clickEffect">
-                                  <p:stCondLst>
-                                    <p:cond delay="0"/>
-                                  </p:stCondLst>
-                                  <p:childTnLst>
-                                    <p:set>
-                                      <p:cBhvr>
-                                        <p:cTn id="6" dur="1" fill="hold">
-                                          <p:stCondLst>
-                                            <p:cond delay="0"/>
-                                          </p:stCondLst>
-                                        </p:cTn>
-                                        <p:tgtEl>
-                                          <p:spTgt spid="10">
-                                            <p:txEl>
-                                              <p:pRg st="0" end="0"/>
-                                            </p:txEl>
-                                          </p:spTgt>
-                                        </p:tgtEl>
-                                        <p:attrNameLst>
-                                          <p:attrName>style.visibility</p:attrName>
-                                        </p:attrNameLst>
-                                      </p:cBhvr>
-                                      <p:to>
-                                        <p:strVal val="visible"/>
-                                      </p:to>
-                                    </p:set>
-                                    <p:animEffect transition="in" filter="fade">
-                                      <p:cBhvr>
-                                        <p:cTn id="7" dur="500"/>
-                                        <p:tgtEl>
-                                          <p:spTgt spid="10">
-                                            <p:txEl>
-                                              <p:pRg st="0" end="0"/>
-                                            </p:txEl>
-                                          </p:spTgt>
-                                        </p:tgtEl>
-                                      </p:cBhvr>
-                                    </p:animEffect>
-                                  </p:childTnLst>
-                                </p:cTn>
-                              </p:par>
-                              <p:par>
-                                <p:cTn id="8" presetID="10" presetClass="entr" presetSubtype="0" fill="hold" grpId="0" nodeType="withEffect">
-                                  <p:stCondLst>
-                                    <p:cond delay="0"/>
-                                  </p:stCondLst>
-                                  <p:childTnLst>
-                                    <p:set>
-                                      <p:cBhvr>
-                                        <p:cTn id="9" dur="1" fill="hold">
-                                          <p:stCondLst>
-                                            <p:cond delay="0"/>
-                                          </p:stCondLst>
-                                        </p:cTn>
-                                        <p:tgtEl>
-                                          <p:spTgt spid="10">
-                                            <p:txEl>
-                                              <p:pRg st="1" end="1"/>
-                                            </p:txEl>
-                                          </p:spTgt>
-                                        </p:tgtEl>
-                                        <p:attrNameLst>
-                                          <p:attrName>style.visibility</p:attrName>
-                                        </p:attrNameLst>
-                                      </p:cBhvr>
-                                      <p:to>
-                                        <p:strVal val="visible"/>
-                                      </p:to>
-                                    </p:set>
-                                    <p:animEffect transition="in" filter="fade">
-                                      <p:cBhvr>
-                                        <p:cTn id="10" dur="500"/>
-                                        <p:tgtEl>
-                                          <p:spTgt spid="10">
-                                            <p:txEl>
-                                              <p:pRg st="1" end="1"/>
-                                            </p:txEl>
-                                          </p:spTgt>
-                                        </p:tgtEl>
-                                      </p:cBhvr>
-                                    </p:animEffect>
-                                  </p:childTnLst>
-                                </p:cTn>
-                              </p:par>
-                              <p:par>
-                                <p:cTn id="11" presetID="10" presetClass="entr" presetSubtype="0" fill="hold" grpId="0" nodeType="withEffect">
-                                  <p:stCondLst>
-                                    <p:cond delay="0"/>
-                                  </p:stCondLst>
-                                  <p:childTnLst>
-                                    <p:set>
-                                      <p:cBhvr>
-                                        <p:cTn id="12" dur="1" fill="hold">
-                                          <p:stCondLst>
-                                            <p:cond delay="0"/>
-                                          </p:stCondLst>
-                                        </p:cTn>
-                                        <p:tgtEl>
-                                          <p:spTgt spid="10">
-                                            <p:txEl>
-                                              <p:pRg st="2" end="2"/>
-                                            </p:txEl>
-                                          </p:spTgt>
-                                        </p:tgtEl>
-                                        <p:attrNameLst>
-                                          <p:attrName>style.visibility</p:attrName>
-                                        </p:attrNameLst>
-                                      </p:cBhvr>
-                                      <p:to>
-                                        <p:strVal val="visible"/>
-                                      </p:to>
-                                    </p:set>
-                                    <p:animEffect transition="in" filter="fade">
-                                      <p:cBhvr>
-                                        <p:cTn id="13" dur="500"/>
-                                        <p:tgtEl>
-                                          <p:spTgt spid="10">
-                                            <p:txEl>
-                                              <p:pRg st="2" end="2"/>
-                                            </p:txEl>
-                                          </p:spTgt>
-                                        </p:tgtEl>
-                                      </p:cBhvr>
-                                    </p:animEffect>
-                                  </p:childTnLst>
-                                </p:cTn>
-                              </p:par>
-                              <p:par>
-                                <p:cTn id="14" presetID="10" presetClass="entr" presetSubtype="0" fill="hold" grpId="0" nodeType="withEffect">
-                                  <p:stCondLst>
-                                    <p:cond delay="0"/>
-                                  </p:stCondLst>
-                                  <p:childTnLst>
-                                    <p:set>
-                                      <p:cBhvr>
-                                        <p:cTn id="15" dur="1" fill="hold">
-                                          <p:stCondLst>
-                                            <p:cond delay="0"/>
-                                          </p:stCondLst>
-                                        </p:cTn>
-                                        <p:tgtEl>
-                                          <p:spTgt spid="10">
-                                            <p:txEl>
-                                              <p:pRg st="3" end="3"/>
-                                            </p:txEl>
-                                          </p:spTgt>
-                                        </p:tgtEl>
-                                        <p:attrNameLst>
-                                          <p:attrName>style.visibility</p:attrName>
-                                        </p:attrNameLst>
-                                      </p:cBhvr>
-                                      <p:to>
-                                        <p:strVal val="visible"/>
-                                      </p:to>
-                                    </p:set>
-                                    <p:animEffect transition="in" filter="fade">
-                                      <p:cBhvr>
-                                        <p:cTn id="16" dur="500"/>
-                                        <p:tgtEl>
-                                          <p:spTgt spid="10">
-                                            <p:txEl>
-                                              <p:pRg st="3" end="3"/>
-                                            </p:txEl>
-                                          </p:spTgt>
-                                        </p:tgtEl>
-                                      </p:cBhvr>
-                                    </p:animEffect>
-                                  </p:childTnLst>
-                                </p:cTn>
-                              </p:par>
-                            </p:childTnLst>
-                          </p:cTn>
-                        </p:par>
-                      </p:childTnLst>
-                    </p:cTn>
-                  </p:par>
-                  <p:par>
-                    <p:cTn id="17" fill="hold">
-                      <p:stCondLst>
-                        <p:cond delay="indefinite"/>
-                      </p:stCondLst>
-                      <p:childTnLst>
-                        <p:par>
-                          <p:cTn id="18" fill="hold">
-                            <p:stCondLst>
-                              <p:cond delay="0"/>
-                            </p:stCondLst>
-                            <p:childTnLst>
-                              <p:par>
-                                <p:cTn id="19" presetID="10" presetClass="entr" presetSubtype="0" fill="hold" grpId="0" nodeType="clickEffect">
-                                  <p:stCondLst>
-                                    <p:cond delay="0"/>
-                                  </p:stCondLst>
-                                  <p:childTnLst>
-                                    <p:set>
-                                      <p:cBhvr>
-                                        <p:cTn id="20" dur="1" fill="hold">
-                                          <p:stCondLst>
-                                            <p:cond delay="0"/>
-                                          </p:stCondLst>
-                                        </p:cTn>
-                                        <p:tgtEl>
-                                          <p:spTgt spid="10">
-                                            <p:txEl>
-                                              <p:pRg st="4" end="4"/>
-                                            </p:txEl>
-                                          </p:spTgt>
-                                        </p:tgtEl>
-                                        <p:attrNameLst>
-                                          <p:attrName>style.visibility</p:attrName>
-                                        </p:attrNameLst>
-                                      </p:cBhvr>
-                                      <p:to>
-                                        <p:strVal val="visible"/>
-                                      </p:to>
-                                    </p:set>
-                                    <p:animEffect transition="in" filter="fade">
-                                      <p:cBhvr>
-                                        <p:cTn id="21" dur="500"/>
-                                        <p:tgtEl>
-                                          <p:spTgt spid="10">
-                                            <p:txEl>
-                                              <p:pRg st="4" end="4"/>
-                                            </p:txEl>
-                                          </p:spTgt>
-                                        </p:tgtEl>
-                                      </p:cBhvr>
-                                    </p:animEffect>
-                                  </p:childTnLst>
-                                </p:cTn>
-                              </p:par>
-                            </p:childTnLst>
-                          </p:cTn>
-                        </p:par>
-                      </p:childTnLst>
-                    </p:cTn>
-                  </p:par>
-                </p:childTnLst>
-              </p:cTn>
-              <p:prevCondLst>
-                <p:cond evt="onPrev" delay="0">
-                  <p:tgtEl>
-                    <p:sldTgt/>
-                  </p:tgtEl>
-                </p:cond>
-              </p:prevCondLst>
-              <p:nextCondLst>
-                <p:cond evt="onNext" delay="0">
-                  <p:tgtEl>
-                    <p:sldTgt/>
-                  </p:tgtEl>
-                </p:cond>
-              </p:nextCondLst>
-            </p:seq>
-          </p:childTnLst>
-        </p:cTn>
-      </p:par>
-    </p:tnLst>
-    <p:bldLst>
-      <p:bldP spid="10" grpId="0" build="p"/>
-    </p:bldLst>
-  </p:timing>
-</p:sld>
-</file>
-
-<file path=ppt/slides/slide16.xml><?xml version="1.0" encoding="utf-8"?>
-<p:sld xmlns:a="http://schemas.openxmlformats.org/drawingml/2006/main" xmlns:r="http://schemas.openxmlformats.org/officeDocument/2006/relationships" xmlns:p="http://schemas.openxmlformats.org/presentationml/2006/main">
-  <p:cSld>
-    <p:spTree>
-      <p:nvGrpSpPr>
-        <p:cNvPr id="1" name=""/>
-        <p:cNvGrpSpPr/>
-        <p:nvPr/>
-      </p:nvGrpSpPr>
-      <p:grpSpPr>
-        <a:xfrm>
-          <a:off x="0" y="0"/>
-          <a:ext cx="0" cy="0"/>
-          <a:chOff x="0" y="0"/>
-          <a:chExt cx="0" cy="0"/>
-        </a:xfrm>
-      </p:grpSpPr>
-      <p:sp>
-        <p:nvSpPr>
-          <p:cNvPr id="7" name="Title 6">
-            <a:extLst>
-              <a:ext uri="{FF2B5EF4-FFF2-40B4-BE49-F238E27FC236}">
-                <a16:creationId xmlns:a16="http://schemas.microsoft.com/office/drawing/2014/main" id="{7875C19A-1AAE-476A-A316-A2CF92D763D3}"/>
-              </a:ext>
-            </a:extLst>
-          </p:cNvPr>
-          <p:cNvSpPr>
-            <a:spLocks noGrp="1"/>
-          </p:cNvSpPr>
-          <p:nvPr>
-            <p:ph type="title"/>
-          </p:nvPr>
-        </p:nvSpPr>
-        <p:spPr/>
-        <p:txBody>
-          <a:bodyPr/>
-          <a:lstStyle/>
-          <a:p>
-            <a:r>
-              <a:rPr lang="en-US" dirty="0"/>
-              <a:t>Smoke Tests</a:t>
-            </a:r>
-          </a:p>
-        </p:txBody>
-      </p:sp>
-      <p:sp>
-        <p:nvSpPr>
-          <p:cNvPr id="10" name="Text Placeholder 9">
-            <a:extLst>
-              <a:ext uri="{FF2B5EF4-FFF2-40B4-BE49-F238E27FC236}">
-                <a16:creationId xmlns:a16="http://schemas.microsoft.com/office/drawing/2014/main" id="{EF2BC084-E6DB-4DE7-B309-042A85EBA700}"/>
-              </a:ext>
-            </a:extLst>
-          </p:cNvPr>
-          <p:cNvSpPr>
-            <a:spLocks noGrp="1"/>
-          </p:cNvSpPr>
-          <p:nvPr>
-            <p:ph type="body" sz="quarter" idx="13"/>
-          </p:nvPr>
-        </p:nvSpPr>
-        <p:spPr>
-          <a:xfrm>
-            <a:off x="444499" y="1625385"/>
-            <a:ext cx="11467867" cy="4390951"/>
-          </a:xfrm>
-        </p:spPr>
-        <p:txBody>
-          <a:bodyPr/>
-          <a:lstStyle/>
-          <a:p>
-            <a:r>
-              <a:rPr lang="en-US" sz="2800" dirty="0"/>
-              <a:t>Tests the module/app after it has been deployed to ensure it works correctly</a:t>
-            </a:r>
-          </a:p>
-          <a:p>
-            <a:endParaRPr lang="en-US" sz="2800" dirty="0"/>
-          </a:p>
-          <a:p>
-            <a:r>
-              <a:rPr lang="en-US" sz="2800" dirty="0"/>
-              <a:t>Test the real end-user experience</a:t>
-            </a:r>
-          </a:p>
-          <a:p>
-            <a:r>
-              <a:rPr lang="en-US" sz="2800" dirty="0"/>
-              <a:t>Test backward compatibility</a:t>
-            </a:r>
-          </a:p>
-          <a:p>
-            <a:r>
-              <a:rPr lang="en-US" sz="2800" dirty="0"/>
-              <a:t>Test cross-platform compatibility</a:t>
-            </a:r>
-          </a:p>
-        </p:txBody>
-      </p:sp>
-      <p:sp>
-        <p:nvSpPr>
-          <p:cNvPr id="2" name="Slide Number Placeholder 1">
-            <a:extLst>
-              <a:ext uri="{FF2B5EF4-FFF2-40B4-BE49-F238E27FC236}">
-                <a16:creationId xmlns:a16="http://schemas.microsoft.com/office/drawing/2014/main" id="{BE9800F6-D571-48C4-8466-12AA1ADB6599}"/>
-              </a:ext>
-            </a:extLst>
-          </p:cNvPr>
-          <p:cNvSpPr>
-            <a:spLocks noGrp="1"/>
-          </p:cNvSpPr>
-          <p:nvPr>
-            <p:ph type="sldNum" sz="quarter" idx="12"/>
-          </p:nvPr>
-        </p:nvSpPr>
-        <p:spPr/>
-        <p:txBody>
-          <a:bodyPr/>
-          <a:lstStyle/>
-          <a:p>
-            <a:fld id="{C263D6C4-4840-40CC-AC84-17E24B3B7BDE}" type="slidenum">
-              <a:rPr lang="en-US" smtClean="0"/>
-              <a:pPr/>
-              <a:t>16</a:t>
-            </a:fld>
-            <a:endParaRPr lang="en-US" dirty="0"/>
-          </a:p>
-        </p:txBody>
-      </p:sp>
-    </p:spTree>
-    <p:extLst>
-      <p:ext uri="{BB962C8B-B14F-4D97-AF65-F5344CB8AC3E}">
-        <p14:creationId xmlns:p14="http://schemas.microsoft.com/office/powerpoint/2010/main" val="3371413876"/>
-      </p:ext>
-    </p:extLst>
-  </p:cSld>
-  <p:clrMapOvr>
-    <a:masterClrMapping/>
-  </p:clrMapOvr>
-  <mc:AlternateContent xmlns:mc="http://schemas.openxmlformats.org/markup-compatibility/2006" xmlns:p14="http://schemas.microsoft.com/office/powerpoint/2010/main">
-    <mc:Choice Requires="p14">
-      <p:transition spd="med" p14:dur="700">
-        <p:fade/>
-      </p:transition>
-    </mc:Choice>
-    <mc:Fallback xmlns="">
-      <p:transition spd="med">
-        <p:fade/>
-      </p:transition>
-    </mc:Fallback>
-  </mc:AlternateContent>
-</p:sld>
-</file>
-
-<file path=ppt/slides/slide2.xml><?xml version="1.0" encoding="utf-8"?>
-<p:sld xmlns:a="http://schemas.openxmlformats.org/drawingml/2006/main" xmlns:r="http://schemas.openxmlformats.org/officeDocument/2006/relationships" xmlns:p="http://schemas.openxmlformats.org/presentationml/2006/main">
-  <p:cSld>
-    <p:spTree>
-      <p:nvGrpSpPr>
-        <p:cNvPr id="1" name=""/>
-        <p:cNvGrpSpPr/>
-        <p:nvPr/>
-      </p:nvGrpSpPr>
-      <p:grpSpPr>
-        <a:xfrm>
-          <a:off x="0" y="0"/>
-          <a:ext cx="0" cy="0"/>
-          <a:chOff x="0" y="0"/>
-          <a:chExt cx="0" cy="0"/>
-        </a:xfrm>
-      </p:grpSpPr>
-      <p:sp>
-        <p:nvSpPr>
-          <p:cNvPr id="7" name="Title 6">
-            <a:extLst>
-              <a:ext uri="{FF2B5EF4-FFF2-40B4-BE49-F238E27FC236}">
-                <a16:creationId xmlns:a16="http://schemas.microsoft.com/office/drawing/2014/main" id="{7875C19A-1AAE-476A-A316-A2CF92D763D3}"/>
-              </a:ext>
-            </a:extLst>
-          </p:cNvPr>
-          <p:cNvSpPr>
-            <a:spLocks noGrp="1"/>
-          </p:cNvSpPr>
-          <p:nvPr>
-            <p:ph type="title"/>
-          </p:nvPr>
-        </p:nvSpPr>
-        <p:spPr/>
-        <p:txBody>
-          <a:bodyPr/>
-          <a:lstStyle/>
-          <a:p>
-            <a:r>
-              <a:rPr lang="en-US" dirty="0"/>
-              <a:t>Agenda</a:t>
-            </a:r>
-          </a:p>
-        </p:txBody>
-      </p:sp>
-      <p:sp>
-        <p:nvSpPr>
-          <p:cNvPr id="10" name="Text Placeholder 9">
-            <a:extLst>
-              <a:ext uri="{FF2B5EF4-FFF2-40B4-BE49-F238E27FC236}">
-                <a16:creationId xmlns:a16="http://schemas.microsoft.com/office/drawing/2014/main" id="{EF2BC084-E6DB-4DE7-B309-042A85EBA700}"/>
-              </a:ext>
-            </a:extLst>
-          </p:cNvPr>
-          <p:cNvSpPr>
-            <a:spLocks noGrp="1"/>
-          </p:cNvSpPr>
-          <p:nvPr>
-            <p:ph type="body" sz="quarter" idx="13"/>
-          </p:nvPr>
-        </p:nvSpPr>
-        <p:spPr>
-          <a:xfrm>
-            <a:off x="444500" y="1625385"/>
-            <a:ext cx="11214100" cy="4390951"/>
-          </a:xfrm>
-        </p:spPr>
-        <p:txBody>
-          <a:bodyPr/>
-          <a:lstStyle/>
-          <a:p>
-            <a:r>
-              <a:rPr lang="en-US" sz="2800" dirty="0"/>
-              <a:t>Who is this guy and what stuff has he made?</a:t>
-            </a:r>
-          </a:p>
-          <a:p>
-            <a:r>
-              <a:rPr lang="en-US" sz="2800" dirty="0"/>
-              <a:t>What is </a:t>
-            </a:r>
-            <a:r>
-              <a:rPr lang="en-US" sz="2800" dirty="0" err="1"/>
-              <a:t>tiPS</a:t>
-            </a:r>
-            <a:r>
-              <a:rPr lang="en-US" sz="2800" dirty="0"/>
-              <a:t>?</a:t>
-            </a:r>
-          </a:p>
-          <a:p>
-            <a:r>
-              <a:rPr lang="en-US" sz="2800" dirty="0"/>
-              <a:t>Discussion</a:t>
-            </a:r>
-          </a:p>
-          <a:p>
-            <a:r>
-              <a:rPr lang="en-US" sz="2800" dirty="0"/>
-              <a:t>How to add a tip</a:t>
-            </a:r>
-          </a:p>
-          <a:p>
-            <a:r>
-              <a:rPr lang="en-US" sz="2800" dirty="0" err="1"/>
-              <a:t>tiPS</a:t>
-            </a:r>
-            <a:r>
-              <a:rPr lang="en-US" sz="2800" dirty="0"/>
-              <a:t> origin story</a:t>
-            </a:r>
-          </a:p>
-          <a:p>
-            <a:r>
-              <a:rPr lang="en-US" sz="2800" dirty="0"/>
-              <a:t>Lessons learned while building </a:t>
-            </a:r>
-            <a:r>
-              <a:rPr lang="en-US" sz="2800" dirty="0" err="1"/>
-              <a:t>tiPS</a:t>
-            </a:r>
-            <a:endParaRPr lang="en-US" sz="2800" dirty="0"/>
-          </a:p>
-          <a:p>
-            <a:r>
-              <a:rPr lang="en-US" sz="2800" dirty="0"/>
-              <a:t>Discussion</a:t>
-            </a:r>
-          </a:p>
-        </p:txBody>
-      </p:sp>
-      <p:sp>
-        <p:nvSpPr>
-          <p:cNvPr id="2" name="Slide Number Placeholder 1">
-            <a:extLst>
-              <a:ext uri="{FF2B5EF4-FFF2-40B4-BE49-F238E27FC236}">
-                <a16:creationId xmlns:a16="http://schemas.microsoft.com/office/drawing/2014/main" id="{BE9800F6-D571-48C4-8466-12AA1ADB6599}"/>
-              </a:ext>
-            </a:extLst>
-          </p:cNvPr>
-          <p:cNvSpPr>
-            <a:spLocks noGrp="1"/>
-          </p:cNvSpPr>
-          <p:nvPr>
-            <p:ph type="sldNum" sz="quarter" idx="12"/>
-          </p:nvPr>
-        </p:nvSpPr>
-        <p:spPr/>
-        <p:txBody>
-          <a:bodyPr/>
-          <a:lstStyle/>
-          <a:p>
-            <a:fld id="{C263D6C4-4840-40CC-AC84-17E24B3B7BDE}" type="slidenum">
-              <a:rPr lang="en-US" smtClean="0"/>
-              <a:pPr/>
-              <a:t>2</a:t>
-            </a:fld>
-            <a:endParaRPr lang="en-US" dirty="0"/>
-          </a:p>
-        </p:txBody>
-      </p:sp>
-    </p:spTree>
-    <p:extLst>
-      <p:ext uri="{BB962C8B-B14F-4D97-AF65-F5344CB8AC3E}">
-        <p14:creationId xmlns:p14="http://schemas.microsoft.com/office/powerpoint/2010/main" val="3256700306"/>
-      </p:ext>
-    </p:extLst>
-  </p:cSld>
-  <p:clrMapOvr>
-    <a:masterClrMapping/>
-  </p:clrMapOvr>
-  <mc:AlternateContent xmlns:mc="http://schemas.openxmlformats.org/markup-compatibility/2006" xmlns:p14="http://schemas.microsoft.com/office/powerpoint/2010/main">
-    <mc:Choice Requires="p14">
-      <p:transition spd="med" p14:dur="700">
-        <p:fade/>
-      </p:transition>
-    </mc:Choice>
-    <mc:Fallback xmlns="">
-      <p:transition spd="med">
-        <p:fade/>
-      </p:transition>
-    </mc:Fallback>
-  </mc:AlternateContent>
-</p:sld>
-</file>
-
-<file path=ppt/slides/slide3.xml><?xml version="1.0" encoding="utf-8"?>
-<p:sld xmlns:a="http://schemas.openxmlformats.org/drawingml/2006/main" xmlns:r="http://schemas.openxmlformats.org/officeDocument/2006/relationships" xmlns:p="http://schemas.openxmlformats.org/presentationml/2006/main">
-  <p:cSld>
-    <p:spTree>
-      <p:nvGrpSpPr>
-        <p:cNvPr id="1" name=""/>
-        <p:cNvGrpSpPr/>
-        <p:nvPr/>
-      </p:nvGrpSpPr>
-      <p:grpSpPr>
-        <a:xfrm>
-          <a:off x="0" y="0"/>
-          <a:ext cx="0" cy="0"/>
-          <a:chOff x="0" y="0"/>
-          <a:chExt cx="0" cy="0"/>
-        </a:xfrm>
-      </p:grpSpPr>
-      <p:sp>
-        <p:nvSpPr>
-          <p:cNvPr id="7" name="Title 6">
-            <a:extLst>
-              <a:ext uri="{FF2B5EF4-FFF2-40B4-BE49-F238E27FC236}">
-                <a16:creationId xmlns:a16="http://schemas.microsoft.com/office/drawing/2014/main" id="{7875C19A-1AAE-476A-A316-A2CF92D763D3}"/>
-              </a:ext>
-            </a:extLst>
-          </p:cNvPr>
-          <p:cNvSpPr>
-            <a:spLocks noGrp="1"/>
-          </p:cNvSpPr>
-          <p:nvPr>
-            <p:ph type="title"/>
-          </p:nvPr>
-        </p:nvSpPr>
-        <p:spPr/>
-        <p:txBody>
-          <a:bodyPr/>
-          <a:lstStyle/>
-          <a:p>
-            <a:r>
-              <a:rPr lang="en-US" dirty="0"/>
-              <a:t>Who am I?</a:t>
-            </a:r>
-          </a:p>
-        </p:txBody>
-      </p:sp>
-      <p:sp>
-        <p:nvSpPr>
-          <p:cNvPr id="2" name="Slide Number Placeholder 1">
-            <a:extLst>
-              <a:ext uri="{FF2B5EF4-FFF2-40B4-BE49-F238E27FC236}">
-                <a16:creationId xmlns:a16="http://schemas.microsoft.com/office/drawing/2014/main" id="{BE9800F6-D571-48C4-8466-12AA1ADB6599}"/>
-              </a:ext>
-            </a:extLst>
-          </p:cNvPr>
-          <p:cNvSpPr>
-            <a:spLocks noGrp="1"/>
-          </p:cNvSpPr>
-          <p:nvPr>
-            <p:ph type="sldNum" sz="quarter" idx="12"/>
-          </p:nvPr>
-        </p:nvSpPr>
-        <p:spPr/>
-        <p:txBody>
-          <a:bodyPr/>
-          <a:lstStyle/>
-          <a:p>
-            <a:fld id="{C263D6C4-4840-40CC-AC84-17E24B3B7BDE}" type="slidenum">
-              <a:rPr lang="en-US" smtClean="0"/>
-              <a:pPr/>
-              <a:t>3</a:t>
-            </a:fld>
-            <a:endParaRPr lang="en-US" dirty="0"/>
-          </a:p>
-        </p:txBody>
-      </p:sp>
-      <p:pic>
-        <p:nvPicPr>
-          <p:cNvPr id="5" name="Picture 4">
-            <a:extLst>
-              <a:ext uri="{FF2B5EF4-FFF2-40B4-BE49-F238E27FC236}">
-                <a16:creationId xmlns:a16="http://schemas.microsoft.com/office/drawing/2014/main" id="{26B971D5-1962-EB2D-3994-F3D18167C6A7}"/>
-              </a:ext>
-            </a:extLst>
-          </p:cNvPr>
-          <p:cNvPicPr>
-            <a:picLocks noChangeAspect="1"/>
-          </p:cNvPicPr>
-          <p:nvPr/>
-        </p:nvPicPr>
-        <p:blipFill>
-          <a:blip r:embed="rId3"/>
-          <a:stretch>
-            <a:fillRect/>
-          </a:stretch>
-        </p:blipFill>
-        <p:spPr>
-          <a:xfrm>
-            <a:off x="106564" y="1710227"/>
-            <a:ext cx="11749814" cy="5064085"/>
-          </a:xfrm>
-          <a:prstGeom prst="rect">
-            <a:avLst/>
-          </a:prstGeom>
-        </p:spPr>
-      </p:pic>
-      <p:pic>
-        <p:nvPicPr>
-          <p:cNvPr id="6" name="Picture 5" descr="A person holding a bunch of bread&#10;&#10;Description automatically generated">
-            <a:extLst>
-              <a:ext uri="{FF2B5EF4-FFF2-40B4-BE49-F238E27FC236}">
-                <a16:creationId xmlns:a16="http://schemas.microsoft.com/office/drawing/2014/main" id="{253BCBE6-9948-7B4C-CA08-4EBAF16A96AC}"/>
-              </a:ext>
-            </a:extLst>
-          </p:cNvPr>
-          <p:cNvPicPr>
-            <a:picLocks noChangeAspect="1"/>
-          </p:cNvPicPr>
-          <p:nvPr/>
-        </p:nvPicPr>
-        <p:blipFill>
-          <a:blip r:embed="rId4"/>
-          <a:stretch>
-            <a:fillRect/>
-          </a:stretch>
-        </p:blipFill>
-        <p:spPr>
-          <a:xfrm>
-            <a:off x="5971291" y="454217"/>
-            <a:ext cx="4261769" cy="3196327"/>
-          </a:xfrm>
-          <a:prstGeom prst="ellipse">
-            <a:avLst/>
-          </a:prstGeom>
-          <a:ln w="63500" cap="rnd">
-            <a:solidFill>
-              <a:srgbClr val="333333"/>
-            </a:solidFill>
-          </a:ln>
-          <a:effectLst>
-            <a:outerShdw blurRad="381000" dist="292100" dir="5400000" sx="-80000" sy="-18000" rotWithShape="0">
-              <a:srgbClr val="000000">
-                <a:alpha val="22000"/>
-              </a:srgbClr>
-            </a:outerShdw>
-          </a:effectLst>
-          <a:scene3d>
-            <a:camera prst="orthographicFront"/>
-            <a:lightRig rig="contrasting" dir="t">
-              <a:rot lat="0" lon="0" rev="3000000"/>
-            </a:lightRig>
-          </a:scene3d>
-          <a:sp3d contourW="7620">
-            <a:bevelT w="95250" h="31750"/>
-            <a:contourClr>
-              <a:srgbClr val="333333"/>
-            </a:contourClr>
-          </a:sp3d>
-        </p:spPr>
-      </p:pic>
-    </p:spTree>
-    <p:extLst>
-      <p:ext uri="{BB962C8B-B14F-4D97-AF65-F5344CB8AC3E}">
-        <p14:creationId xmlns:p14="http://schemas.microsoft.com/office/powerpoint/2010/main" val="3733486012"/>
-      </p:ext>
-    </p:extLst>
-  </p:cSld>
-  <p:clrMapOvr>
-    <a:masterClrMapping/>
-  </p:clrMapOvr>
-  <mc:AlternateContent xmlns:mc="http://schemas.openxmlformats.org/markup-compatibility/2006" xmlns:p14="http://schemas.microsoft.com/office/powerpoint/2010/main">
-    <mc:Choice Requires="p14">
-      <p:transition spd="med" p14:dur="700">
-        <p:fade/>
-      </p:transition>
-    </mc:Choice>
-    <mc:Fallback xmlns="">
-      <p:transition spd="med">
-        <p:fade/>
-      </p:transition>
-    </mc:Fallback>
-  </mc:AlternateContent>
-</p:sld>
-</file>
-
-<file path=ppt/slides/slide4.xml><?xml version="1.0" encoding="utf-8"?>
-<p:sld xmlns:a="http://schemas.openxmlformats.org/drawingml/2006/main" xmlns:r="http://schemas.openxmlformats.org/officeDocument/2006/relationships" xmlns:p="http://schemas.openxmlformats.org/presentationml/2006/main">
-  <p:cSld>
-    <p:spTree>
-      <p:nvGrpSpPr>
-        <p:cNvPr id="1" name=""/>
-        <p:cNvGrpSpPr/>
-        <p:nvPr/>
-      </p:nvGrpSpPr>
-      <p:grpSpPr>
-        <a:xfrm>
-          <a:off x="0" y="0"/>
-          <a:ext cx="0" cy="0"/>
-          <a:chOff x="0" y="0"/>
-          <a:chExt cx="0" cy="0"/>
-        </a:xfrm>
-      </p:grpSpPr>
-      <p:sp>
-        <p:nvSpPr>
-          <p:cNvPr id="7" name="Title 6">
-            <a:extLst>
-              <a:ext uri="{FF2B5EF4-FFF2-40B4-BE49-F238E27FC236}">
-                <a16:creationId xmlns:a16="http://schemas.microsoft.com/office/drawing/2014/main" id="{7875C19A-1AAE-476A-A316-A2CF92D763D3}"/>
-              </a:ext>
-            </a:extLst>
-          </p:cNvPr>
-          <p:cNvSpPr>
-            <a:spLocks noGrp="1"/>
-          </p:cNvSpPr>
-          <p:nvPr>
-            <p:ph type="title"/>
-          </p:nvPr>
-        </p:nvSpPr>
-        <p:spPr/>
-        <p:txBody>
-          <a:bodyPr/>
-          <a:lstStyle/>
-          <a:p>
-            <a:r>
-              <a:rPr lang="en-US" dirty="0"/>
-              <a:t>Some things I’ve made</a:t>
-            </a:r>
-          </a:p>
-        </p:txBody>
-      </p:sp>
-      <p:sp>
-        <p:nvSpPr>
-          <p:cNvPr id="10" name="Text Placeholder 9">
-            <a:extLst>
-              <a:ext uri="{FF2B5EF4-FFF2-40B4-BE49-F238E27FC236}">
-                <a16:creationId xmlns:a16="http://schemas.microsoft.com/office/drawing/2014/main" id="{EF2BC084-E6DB-4DE7-B309-042A85EBA700}"/>
-              </a:ext>
-            </a:extLst>
-          </p:cNvPr>
-          <p:cNvSpPr>
-            <a:spLocks noGrp="1"/>
-          </p:cNvSpPr>
-          <p:nvPr>
-            <p:ph type="body" sz="quarter" idx="13"/>
-          </p:nvPr>
-        </p:nvSpPr>
-        <p:spPr>
-          <a:xfrm>
-            <a:off x="215896" y="1578428"/>
-            <a:ext cx="11747501" cy="4562599"/>
-          </a:xfrm>
-        </p:spPr>
-        <p:txBody>
-          <a:bodyPr/>
-          <a:lstStyle/>
-          <a:p>
-            <a:r>
-              <a:rPr lang="en-US" sz="2400" dirty="0">
-                <a:solidFill>
-                  <a:schemeClr val="accent1">
-                    <a:lumMod val="60000"/>
-                    <a:lumOff val="40000"/>
-                  </a:schemeClr>
-                </a:solidFill>
-                <a:hlinkClick r:id="rId3">
-                  <a:extLst>
-                    <a:ext uri="{A12FA001-AC4F-418D-AE19-62706E023703}">
-                      <ahyp:hlinkClr xmlns:ahyp="http://schemas.microsoft.com/office/drawing/2018/hyperlinkcolor" val="tx"/>
-                    </a:ext>
-                  </a:extLst>
-                </a:hlinkClick>
-              </a:rPr>
-              <a:t>https://blog.danskingdom.com/about/</a:t>
-            </a:r>
-            <a:r>
-              <a:rPr lang="en-US" sz="2400" dirty="0"/>
-              <a:t> - </a:t>
-            </a:r>
-            <a:r>
-              <a:rPr lang="en-US" sz="2400" dirty="0">
-                <a:solidFill>
-                  <a:schemeClr val="accent1">
-                    <a:lumMod val="60000"/>
-                    <a:lumOff val="40000"/>
-                  </a:schemeClr>
-                </a:solidFill>
-                <a:hlinkClick r:id="rId4">
-                  <a:extLst>
-                    <a:ext uri="{A12FA001-AC4F-418D-AE19-62706E023703}">
-                      <ahyp:hlinkClr xmlns:ahyp="http://schemas.microsoft.com/office/drawing/2018/hyperlinkcolor" val="tx"/>
-                    </a:ext>
-                  </a:extLst>
-                </a:hlinkClick>
-              </a:rPr>
-              <a:t>popular post</a:t>
-            </a:r>
-            <a:endParaRPr lang="en-US" sz="2400" dirty="0">
-              <a:solidFill>
-                <a:schemeClr val="accent1">
-                  <a:lumMod val="60000"/>
-                  <a:lumOff val="40000"/>
-                </a:schemeClr>
-              </a:solidFill>
-            </a:endParaRPr>
-          </a:p>
-          <a:p>
-            <a:r>
-              <a:rPr lang="en-US" sz="2400" dirty="0">
-                <a:solidFill>
-                  <a:schemeClr val="accent1">
-                    <a:lumMod val="60000"/>
-                    <a:lumOff val="40000"/>
-                  </a:schemeClr>
-                </a:solidFill>
-                <a:hlinkClick r:id="rId5">
-                  <a:extLst>
-                    <a:ext uri="{A12FA001-AC4F-418D-AE19-62706E023703}">
-                      <ahyp:hlinkClr xmlns:ahyp="http://schemas.microsoft.com/office/drawing/2018/hyperlinkcolor" val="tx"/>
-                    </a:ext>
-                  </a:extLst>
-                </a:hlinkClick>
-              </a:rPr>
-              <a:t>http://xnaparticles.com/DemoVideos.php</a:t>
-            </a:r>
-            <a:r>
-              <a:rPr lang="en-US" sz="2400" dirty="0">
-                <a:solidFill>
-                  <a:schemeClr val="accent1">
-                    <a:lumMod val="60000"/>
-                    <a:lumOff val="40000"/>
-                  </a:schemeClr>
-                </a:solidFill>
-              </a:rPr>
-              <a:t>  </a:t>
-            </a:r>
-          </a:p>
-          <a:p>
-            <a:r>
-              <a:rPr lang="en-US" sz="2400" dirty="0">
-                <a:solidFill>
-                  <a:schemeClr val="accent1">
-                    <a:lumMod val="60000"/>
-                    <a:lumOff val="40000"/>
-                  </a:schemeClr>
-                </a:solidFill>
-                <a:hlinkClick r:id="rId6">
-                  <a:extLst>
-                    <a:ext uri="{A12FA001-AC4F-418D-AE19-62706E023703}">
-                      <ahyp:hlinkClr xmlns:ahyp="http://schemas.microsoft.com/office/drawing/2018/hyperlinkcolor" val="tx"/>
-                    </a:ext>
-                  </a:extLst>
-                </a:hlinkClick>
-              </a:rPr>
-              <a:t>https://github.com/deadlydog/AHKCommandPicker</a:t>
-            </a:r>
-            <a:r>
-              <a:rPr lang="en-US" sz="2400" dirty="0">
-                <a:solidFill>
-                  <a:schemeClr val="accent1">
-                    <a:lumMod val="60000"/>
-                    <a:lumOff val="40000"/>
-                  </a:schemeClr>
-                </a:solidFill>
-              </a:rPr>
-              <a:t> </a:t>
-            </a:r>
-          </a:p>
-          <a:p>
-            <a:r>
-              <a:rPr lang="en-US" sz="2400" dirty="0">
-                <a:solidFill>
-                  <a:schemeClr val="accent1">
-                    <a:lumMod val="60000"/>
-                    <a:lumOff val="40000"/>
-                  </a:schemeClr>
-                </a:solidFill>
-                <a:hlinkClick r:id="rId7">
-                  <a:extLst>
-                    <a:ext uri="{A12FA001-AC4F-418D-AE19-62706E023703}">
-                      <ahyp:hlinkClr xmlns:ahyp="http://schemas.microsoft.com/office/drawing/2018/hyperlinkcolor" val="tx"/>
-                    </a:ext>
-                  </a:extLst>
-                </a:hlinkClick>
-              </a:rPr>
-              <a:t>https://github.com/deadlydog/AzureDevOps.WindowsScheduledTasks</a:t>
-            </a:r>
-            <a:endParaRPr lang="en-US" sz="2400" dirty="0">
-              <a:solidFill>
-                <a:schemeClr val="accent1">
-                  <a:lumMod val="60000"/>
-                  <a:lumOff val="40000"/>
-                </a:schemeClr>
-              </a:solidFill>
-            </a:endParaRPr>
-          </a:p>
-          <a:p>
-            <a:r>
-              <a:rPr lang="en-US" sz="2400" dirty="0">
-                <a:solidFill>
-                  <a:schemeClr val="accent1">
-                    <a:lumMod val="60000"/>
-                    <a:lumOff val="40000"/>
-                  </a:schemeClr>
-                </a:solidFill>
-                <a:hlinkClick r:id="rId8">
-                  <a:extLst>
-                    <a:ext uri="{A12FA001-AC4F-418D-AE19-62706E023703}">
-                      <ahyp:hlinkClr xmlns:ahyp="http://schemas.microsoft.com/office/drawing/2018/hyperlinkcolor" val="tx"/>
-                    </a:ext>
-                  </a:extLst>
-                </a:hlinkClick>
-              </a:rPr>
-              <a:t>https://github.com/deadlydog/PathLengthChecker</a:t>
-            </a:r>
-            <a:r>
-              <a:rPr lang="en-US" sz="2400" dirty="0"/>
-              <a:t> - Started as a PS script 🙂</a:t>
-            </a:r>
-          </a:p>
-          <a:p>
-            <a:r>
-              <a:rPr lang="en-US" sz="2400" dirty="0">
-                <a:solidFill>
-                  <a:schemeClr val="accent1">
-                    <a:lumMod val="60000"/>
-                    <a:lumOff val="40000"/>
-                  </a:schemeClr>
-                </a:solidFill>
-                <a:hlinkClick r:id="rId9">
-                  <a:extLst>
-                    <a:ext uri="{A12FA001-AC4F-418D-AE19-62706E023703}">
-                      <ahyp:hlinkClr xmlns:ahyp="http://schemas.microsoft.com/office/drawing/2018/hyperlinkcolor" val="tx"/>
-                    </a:ext>
-                  </a:extLst>
-                </a:hlinkClick>
-              </a:rPr>
-              <a:t>https://github.com/deadlydog/Invoke-MsBuild</a:t>
-            </a:r>
-            <a:r>
-              <a:rPr lang="en-US" sz="2400" dirty="0">
-                <a:solidFill>
-                  <a:schemeClr val="accent1">
-                    <a:lumMod val="60000"/>
-                    <a:lumOff val="40000"/>
-                  </a:schemeClr>
-                </a:solidFill>
-              </a:rPr>
-              <a:t> </a:t>
-            </a:r>
-          </a:p>
-          <a:p>
-            <a:r>
-              <a:rPr lang="en-US" sz="2400" dirty="0">
-                <a:solidFill>
-                  <a:schemeClr val="accent1">
-                    <a:lumMod val="60000"/>
-                    <a:lumOff val="40000"/>
-                  </a:schemeClr>
-                </a:solidFill>
-                <a:hlinkClick r:id="rId10">
-                  <a:extLst>
-                    <a:ext uri="{A12FA001-AC4F-418D-AE19-62706E023703}">
-                      <ahyp:hlinkClr xmlns:ahyp="http://schemas.microsoft.com/office/drawing/2018/hyperlinkcolor" val="tx"/>
-                    </a:ext>
-                  </a:extLst>
-                </a:hlinkClick>
-              </a:rPr>
-              <a:t>https://github.com/deadlydog/New-NuGetPackage</a:t>
-            </a:r>
-            <a:r>
-              <a:rPr lang="en-US" sz="2400" dirty="0">
-                <a:solidFill>
-                  <a:schemeClr val="accent1">
-                    <a:lumMod val="60000"/>
-                    <a:lumOff val="40000"/>
-                  </a:schemeClr>
-                </a:solidFill>
-              </a:rPr>
-              <a:t> </a:t>
-            </a:r>
-          </a:p>
-          <a:p>
-            <a:r>
-              <a:rPr lang="en-US" sz="2400" dirty="0">
-                <a:solidFill>
-                  <a:schemeClr val="accent1">
-                    <a:lumMod val="60000"/>
-                    <a:lumOff val="40000"/>
-                  </a:schemeClr>
-                </a:solidFill>
-                <a:hlinkClick r:id="rId11">
-                  <a:extLst>
-                    <a:ext uri="{A12FA001-AC4F-418D-AE19-62706E023703}">
-                      <ahyp:hlinkClr xmlns:ahyp="http://schemas.microsoft.com/office/drawing/2018/hyperlinkcolor" val="tx"/>
-                    </a:ext>
-                  </a:extLst>
-                </a:hlinkClick>
-              </a:rPr>
-              <a:t>https://github.com/deadlydog/AzureArtifactsPowerShellModuleHelper</a:t>
-            </a:r>
-            <a:r>
-              <a:rPr lang="en-US" sz="2400" dirty="0">
-                <a:solidFill>
-                  <a:schemeClr val="accent1">
-                    <a:lumMod val="60000"/>
-                    <a:lumOff val="40000"/>
-                  </a:schemeClr>
-                </a:solidFill>
-              </a:rPr>
-              <a:t> </a:t>
-            </a:r>
-          </a:p>
-          <a:p>
-            <a:r>
-              <a:rPr lang="en-US" sz="2400" dirty="0">
-                <a:solidFill>
-                  <a:schemeClr val="accent1">
-                    <a:lumMod val="60000"/>
-                    <a:lumOff val="40000"/>
-                  </a:schemeClr>
-                </a:solidFill>
-                <a:hlinkClick r:id="rId12">
-                  <a:extLst>
-                    <a:ext uri="{A12FA001-AC4F-418D-AE19-62706E023703}">
-                      <ahyp:hlinkClr xmlns:ahyp="http://schemas.microsoft.com/office/drawing/2018/hyperlinkcolor" val="tx"/>
-                    </a:ext>
-                  </a:extLst>
-                </a:hlinkClick>
-              </a:rPr>
-              <a:t>https://github.com/deadlydog/PowerShell.ScriptModuleRepositoryTemplate</a:t>
-            </a:r>
-            <a:r>
-              <a:rPr lang="en-US" sz="2400" dirty="0">
-                <a:solidFill>
-                  <a:schemeClr val="accent1">
-                    <a:lumMod val="60000"/>
-                    <a:lumOff val="40000"/>
-                  </a:schemeClr>
-                </a:solidFill>
-              </a:rPr>
-              <a:t> </a:t>
-            </a:r>
-          </a:p>
-        </p:txBody>
-      </p:sp>
-      <p:sp>
-        <p:nvSpPr>
-          <p:cNvPr id="2" name="Slide Number Placeholder 1">
-            <a:extLst>
-              <a:ext uri="{FF2B5EF4-FFF2-40B4-BE49-F238E27FC236}">
-                <a16:creationId xmlns:a16="http://schemas.microsoft.com/office/drawing/2014/main" id="{BE9800F6-D571-48C4-8466-12AA1ADB6599}"/>
-              </a:ext>
-            </a:extLst>
-          </p:cNvPr>
-          <p:cNvSpPr>
-            <a:spLocks noGrp="1"/>
-          </p:cNvSpPr>
-          <p:nvPr>
-            <p:ph type="sldNum" sz="quarter" idx="12"/>
-          </p:nvPr>
-        </p:nvSpPr>
-        <p:spPr/>
-        <p:txBody>
-          <a:bodyPr/>
-          <a:lstStyle/>
-          <a:p>
-            <a:fld id="{C263D6C4-4840-40CC-AC84-17E24B3B7BDE}" type="slidenum">
-              <a:rPr lang="en-US" smtClean="0"/>
-              <a:pPr/>
-              <a:t>4</a:t>
-            </a:fld>
-            <a:endParaRPr lang="en-US" dirty="0"/>
-          </a:p>
-        </p:txBody>
-      </p:sp>
-    </p:spTree>
-    <p:extLst>
-      <p:ext uri="{BB962C8B-B14F-4D97-AF65-F5344CB8AC3E}">
-        <p14:creationId xmlns:p14="http://schemas.microsoft.com/office/powerpoint/2010/main" val="3624905518"/>
-      </p:ext>
-    </p:extLst>
-  </p:cSld>
-  <p:clrMapOvr>
-    <a:masterClrMapping/>
-  </p:clrMapOvr>
-  <mc:AlternateContent xmlns:mc="http://schemas.openxmlformats.org/markup-compatibility/2006" xmlns:p14="http://schemas.microsoft.com/office/powerpoint/2010/main">
-    <mc:Choice Requires="p14">
-      <p:transition spd="med" p14:dur="700">
-        <p:fade/>
-      </p:transition>
-    </mc:Choice>
-    <mc:Fallback xmlns="">
-      <p:transition spd="med">
-        <p:fade/>
-      </p:transition>
-    </mc:Fallback>
-  </mc:AlternateContent>
-</p:sld>
-</file>
-
-<file path=ppt/slides/slide5.xml><?xml version="1.0" encoding="utf-8"?>
-<p:sld xmlns:a="http://schemas.openxmlformats.org/drawingml/2006/main" xmlns:r="http://schemas.openxmlformats.org/officeDocument/2006/relationships" xmlns:p="http://schemas.openxmlformats.org/presentationml/2006/main">
-  <p:cSld>
-    <p:spTree>
-      <p:nvGrpSpPr>
-        <p:cNvPr id="1" name=""/>
-        <p:cNvGrpSpPr/>
-        <p:nvPr/>
-      </p:nvGrpSpPr>
-      <p:grpSpPr>
-        <a:xfrm>
-          <a:off x="0" y="0"/>
-          <a:ext cx="0" cy="0"/>
-          <a:chOff x="0" y="0"/>
-          <a:chExt cx="0" cy="0"/>
-        </a:xfrm>
-      </p:grpSpPr>
-      <p:sp>
-        <p:nvSpPr>
-          <p:cNvPr id="7" name="Title 6">
-            <a:extLst>
-              <a:ext uri="{FF2B5EF4-FFF2-40B4-BE49-F238E27FC236}">
-                <a16:creationId xmlns:a16="http://schemas.microsoft.com/office/drawing/2014/main" id="{7875C19A-1AAE-476A-A316-A2CF92D763D3}"/>
-              </a:ext>
-            </a:extLst>
-          </p:cNvPr>
-          <p:cNvSpPr>
-            <a:spLocks noGrp="1"/>
-          </p:cNvSpPr>
-          <p:nvPr>
-            <p:ph type="title"/>
-          </p:nvPr>
-        </p:nvSpPr>
-        <p:spPr/>
-        <p:txBody>
-          <a:bodyPr/>
-          <a:lstStyle/>
-          <a:p>
-            <a:r>
-              <a:rPr lang="en-US" dirty="0" err="1"/>
-              <a:t>tiPS</a:t>
-            </a:r>
-            <a:r>
-              <a:rPr lang="en-US" dirty="0"/>
-              <a:t> PowerShell Module Demo</a:t>
-            </a:r>
-          </a:p>
-        </p:txBody>
-      </p:sp>
-      <p:sp>
-        <p:nvSpPr>
-          <p:cNvPr id="10" name="Text Placeholder 9">
-            <a:extLst>
-              <a:ext uri="{FF2B5EF4-FFF2-40B4-BE49-F238E27FC236}">
-                <a16:creationId xmlns:a16="http://schemas.microsoft.com/office/drawing/2014/main" id="{EF2BC084-E6DB-4DE7-B309-042A85EBA700}"/>
-              </a:ext>
-            </a:extLst>
-          </p:cNvPr>
-          <p:cNvSpPr>
-            <a:spLocks noGrp="1"/>
-          </p:cNvSpPr>
-          <p:nvPr>
-            <p:ph type="body" sz="quarter" idx="13"/>
-          </p:nvPr>
-        </p:nvSpPr>
-        <p:spPr>
-          <a:xfrm>
-            <a:off x="444500" y="1625385"/>
-            <a:ext cx="10807700" cy="967690"/>
-          </a:xfrm>
-        </p:spPr>
-        <p:txBody>
-          <a:bodyPr/>
-          <a:lstStyle/>
-          <a:p>
-            <a:pPr marL="0" indent="0">
-              <a:buNone/>
-            </a:pPr>
-            <a:r>
-              <a:rPr lang="en-US" sz="2800" kern="1200" dirty="0">
-                <a:solidFill>
-                  <a:schemeClr val="accent1">
-                    <a:lumMod val="60000"/>
-                    <a:lumOff val="40000"/>
-                  </a:schemeClr>
-                </a:solidFill>
-                <a:effectLst/>
-                <a:ea typeface="+mn-ea"/>
-                <a:cs typeface="Arial" panose="020B0604020202020204" pitchFamily="34" charset="0"/>
-                <a:hlinkClick r:id="rId3">
-                  <a:extLst>
-                    <a:ext uri="{A12FA001-AC4F-418D-AE19-62706E023703}">
-                      <ahyp:hlinkClr xmlns:ahyp="http://schemas.microsoft.com/office/drawing/2018/hyperlinkcolor" val="tx"/>
-                    </a:ext>
-                  </a:extLst>
-                </a:hlinkClick>
-              </a:rPr>
-              <a:t>https://github.com/deadlydog/PowerShell.tiPS</a:t>
-            </a:r>
-            <a:r>
-              <a:rPr lang="en-US" sz="2800" dirty="0">
-                <a:solidFill>
-                  <a:schemeClr val="accent1">
-                    <a:lumMod val="60000"/>
-                    <a:lumOff val="40000"/>
-                  </a:schemeClr>
-                </a:solidFill>
-              </a:rPr>
-              <a:t> </a:t>
-            </a:r>
-          </a:p>
-        </p:txBody>
-      </p:sp>
-      <p:sp>
-        <p:nvSpPr>
-          <p:cNvPr id="2" name="Slide Number Placeholder 1">
-            <a:extLst>
-              <a:ext uri="{FF2B5EF4-FFF2-40B4-BE49-F238E27FC236}">
-                <a16:creationId xmlns:a16="http://schemas.microsoft.com/office/drawing/2014/main" id="{BE9800F6-D571-48C4-8466-12AA1ADB6599}"/>
-              </a:ext>
-            </a:extLst>
-          </p:cNvPr>
-          <p:cNvSpPr>
-            <a:spLocks noGrp="1"/>
-          </p:cNvSpPr>
-          <p:nvPr>
-            <p:ph type="sldNum" sz="quarter" idx="12"/>
-          </p:nvPr>
-        </p:nvSpPr>
-        <p:spPr/>
-        <p:txBody>
-          <a:bodyPr/>
-          <a:lstStyle/>
-          <a:p>
-            <a:fld id="{C263D6C4-4840-40CC-AC84-17E24B3B7BDE}" type="slidenum">
-              <a:rPr lang="en-US" smtClean="0"/>
-              <a:pPr/>
-              <a:t>5</a:t>
-            </a:fld>
-            <a:endParaRPr lang="en-US" dirty="0"/>
-          </a:p>
-        </p:txBody>
-      </p:sp>
-      <p:sp>
-        <p:nvSpPr>
-          <p:cNvPr id="3" name="Text Placeholder 9">
-            <a:extLst>
-              <a:ext uri="{FF2B5EF4-FFF2-40B4-BE49-F238E27FC236}">
-                <a16:creationId xmlns:a16="http://schemas.microsoft.com/office/drawing/2014/main" id="{EB116BF4-0934-F72C-F3B6-77B163806CCC}"/>
-              </a:ext>
-            </a:extLst>
-          </p:cNvPr>
-          <p:cNvSpPr txBox="1">
-            <a:spLocks/>
-          </p:cNvSpPr>
-          <p:nvPr/>
-        </p:nvSpPr>
-        <p:spPr>
-          <a:xfrm>
-            <a:off x="444500" y="3429000"/>
-            <a:ext cx="11214100" cy="967690"/>
-          </a:xfrm>
-          <a:prstGeom prst="rect">
-            <a:avLst/>
-          </a:prstGeom>
-        </p:spPr>
-        <p:txBody>
-          <a:bodyPr vert="horz" lIns="91440" tIns="45720" rIns="91440" bIns="45720" rtlCol="0">
-            <a:noAutofit/>
-          </a:bodyPr>
-          <a:lstStyle>
-            <a:lvl1pPr marL="228600" indent="-228600" algn="l" defTabSz="914400" rtl="0" eaLnBrk="1" latinLnBrk="0" hangingPunct="1">
-              <a:lnSpc>
-                <a:spcPct val="100000"/>
-              </a:lnSpc>
-              <a:spcBef>
-                <a:spcPts val="600"/>
-              </a:spcBef>
-              <a:spcAft>
-                <a:spcPts val="400"/>
-              </a:spcAft>
-              <a:buClr>
-                <a:schemeClr val="accent2"/>
-              </a:buClr>
-              <a:buFont typeface="Arial" panose="020B0604020202020204" pitchFamily="34" charset="0"/>
-              <a:buChar char="•"/>
-              <a:defRPr sz="1600" kern="1200">
-                <a:solidFill>
-                  <a:schemeClr val="bg1"/>
-                </a:solidFill>
-                <a:latin typeface="+mn-lt"/>
-                <a:ea typeface="+mn-ea"/>
-                <a:cs typeface="Arial" panose="020B0604020202020204" pitchFamily="34" charset="0"/>
-              </a:defRPr>
-            </a:lvl1pPr>
-            <a:lvl2pPr marL="685800" indent="-228600" algn="l" defTabSz="914400" rtl="0" eaLnBrk="1" latinLnBrk="0" hangingPunct="1">
-              <a:lnSpc>
-                <a:spcPct val="100000"/>
-              </a:lnSpc>
-              <a:spcBef>
-                <a:spcPts val="600"/>
-              </a:spcBef>
-              <a:spcAft>
-                <a:spcPts val="400"/>
-              </a:spcAft>
-              <a:buClr>
-                <a:schemeClr val="accent2"/>
-              </a:buClr>
-              <a:buFont typeface="Arial" panose="020B0604020202020204" pitchFamily="34" charset="0"/>
-              <a:buChar char="•"/>
-              <a:defRPr sz="1400" kern="1200">
-                <a:solidFill>
-                  <a:schemeClr val="bg1"/>
-                </a:solidFill>
-                <a:latin typeface="+mn-lt"/>
-                <a:ea typeface="+mn-ea"/>
-                <a:cs typeface="Arial" panose="020B0604020202020204" pitchFamily="34" charset="0"/>
-              </a:defRPr>
-            </a:lvl2pPr>
-            <a:lvl3pPr marL="1143000" indent="-228600" algn="l" defTabSz="914400" rtl="0" eaLnBrk="1" latinLnBrk="0" hangingPunct="1">
-              <a:lnSpc>
-                <a:spcPct val="100000"/>
-              </a:lnSpc>
-              <a:spcBef>
-                <a:spcPts val="600"/>
-              </a:spcBef>
-              <a:spcAft>
-                <a:spcPts val="400"/>
-              </a:spcAft>
-              <a:buClr>
-                <a:schemeClr val="accent2"/>
-              </a:buClr>
-              <a:buFont typeface="Arial" panose="020B0604020202020204" pitchFamily="34" charset="0"/>
-              <a:buChar char="•"/>
-              <a:defRPr sz="1200" kern="1200">
-                <a:solidFill>
-                  <a:schemeClr val="bg1"/>
-                </a:solidFill>
-                <a:latin typeface="+mn-lt"/>
-                <a:ea typeface="+mn-ea"/>
-                <a:cs typeface="Arial" panose="020B0604020202020204" pitchFamily="34" charset="0"/>
-              </a:defRPr>
-            </a:lvl3pPr>
-            <a:lvl4pPr marL="1600200" indent="-228600" algn="l" defTabSz="914400" rtl="0" eaLnBrk="1" latinLnBrk="0" hangingPunct="1">
-              <a:lnSpc>
-                <a:spcPct val="90000"/>
-              </a:lnSpc>
-              <a:spcBef>
-                <a:spcPts val="500"/>
-              </a:spcBef>
-              <a:buClr>
-                <a:schemeClr val="accent2"/>
-              </a:buClr>
-              <a:buFont typeface="Arial" panose="020B0604020202020204" pitchFamily="34" charset="0"/>
-              <a:buChar char="•"/>
-              <a:defRPr sz="1400" kern="1200">
-                <a:solidFill>
-                  <a:schemeClr val="bg1"/>
-                </a:solidFill>
-                <a:latin typeface="Arial" panose="020B0604020202020204" pitchFamily="34" charset="0"/>
-                <a:ea typeface="+mn-ea"/>
-                <a:cs typeface="Arial" panose="020B0604020202020204" pitchFamily="34" charset="0"/>
-              </a:defRPr>
-            </a:lvl4pPr>
-            <a:lvl5pPr marL="2057400" indent="-228600" algn="l" defTabSz="914400" rtl="0" eaLnBrk="1" latinLnBrk="0" hangingPunct="1">
-              <a:lnSpc>
-                <a:spcPct val="90000"/>
-              </a:lnSpc>
-              <a:spcBef>
-                <a:spcPts val="500"/>
-              </a:spcBef>
-              <a:buClr>
-                <a:schemeClr val="accent2"/>
-              </a:buClr>
-              <a:buFont typeface="Arial" panose="020B0604020202020204" pitchFamily="34" charset="0"/>
-              <a:buChar char="•"/>
-              <a:defRPr sz="1400" kern="1200">
-                <a:solidFill>
-                  <a:schemeClr val="bg1"/>
-                </a:solidFill>
-                <a:latin typeface="Arial" panose="020B0604020202020204" pitchFamily="34" charset="0"/>
-                <a:ea typeface="+mn-ea"/>
-                <a:cs typeface="Arial" panose="020B0604020202020204" pitchFamily="34" charset="0"/>
-              </a:defRPr>
-            </a:lvl5pPr>
-            <a:lvl6pPr marL="2514600" indent="-228600" algn="l" defTabSz="914400" rtl="0" eaLnBrk="1" latinLnBrk="0" hangingPunct="1">
-              <a:lnSpc>
-                <a:spcPct val="90000"/>
-              </a:lnSpc>
-              <a:spcBef>
-                <a:spcPts val="500"/>
-              </a:spcBef>
-              <a:buFont typeface="Arial" panose="020B0604020202020204" pitchFamily="34" charset="0"/>
-              <a:buChar char="•"/>
-              <a:defRPr sz="1800" kern="1200">
-                <a:solidFill>
-                  <a:schemeClr val="tx1"/>
-                </a:solidFill>
-                <a:latin typeface="+mn-lt"/>
-                <a:ea typeface="+mn-ea"/>
-                <a:cs typeface="+mn-cs"/>
-              </a:defRPr>
-            </a:lvl6pPr>
-            <a:lvl7pPr marL="2971800" indent="-228600" algn="l" defTabSz="914400" rtl="0" eaLnBrk="1" latinLnBrk="0" hangingPunct="1">
-              <a:lnSpc>
-                <a:spcPct val="90000"/>
-              </a:lnSpc>
-              <a:spcBef>
-                <a:spcPts val="500"/>
-              </a:spcBef>
-              <a:buFont typeface="Arial" panose="020B0604020202020204" pitchFamily="34" charset="0"/>
-              <a:buChar char="•"/>
-              <a:defRPr sz="1800" kern="1200">
-                <a:solidFill>
-                  <a:schemeClr val="tx1"/>
-                </a:solidFill>
-                <a:latin typeface="+mn-lt"/>
-                <a:ea typeface="+mn-ea"/>
-                <a:cs typeface="+mn-cs"/>
-              </a:defRPr>
-            </a:lvl7pPr>
-            <a:lvl8pPr marL="3429000" indent="-228600" algn="l" defTabSz="914400" rtl="0" eaLnBrk="1" latinLnBrk="0" hangingPunct="1">
-              <a:lnSpc>
-                <a:spcPct val="90000"/>
-              </a:lnSpc>
-              <a:spcBef>
-                <a:spcPts val="500"/>
-              </a:spcBef>
-              <a:buFont typeface="Arial" panose="020B0604020202020204" pitchFamily="34" charset="0"/>
-              <a:buChar char="•"/>
-              <a:defRPr sz="1800" kern="1200">
-                <a:solidFill>
-                  <a:schemeClr val="tx1"/>
-                </a:solidFill>
-                <a:latin typeface="+mn-lt"/>
-                <a:ea typeface="+mn-ea"/>
-                <a:cs typeface="+mn-cs"/>
-              </a:defRPr>
-            </a:lvl8pPr>
-            <a:lvl9pPr marL="3886200" indent="-228600" algn="l" defTabSz="914400" rtl="0" eaLnBrk="1" latinLnBrk="0" hangingPunct="1">
-              <a:lnSpc>
-                <a:spcPct val="90000"/>
-              </a:lnSpc>
-              <a:spcBef>
-                <a:spcPts val="500"/>
-              </a:spcBef>
-              <a:buFont typeface="Arial" panose="020B0604020202020204" pitchFamily="34" charset="0"/>
-              <a:buChar char="•"/>
-              <a:defRPr sz="1800" kern="1200">
-                <a:solidFill>
-                  <a:schemeClr val="tx1"/>
-                </a:solidFill>
-                <a:latin typeface="+mn-lt"/>
-                <a:ea typeface="+mn-ea"/>
-                <a:cs typeface="+mn-cs"/>
-              </a:defRPr>
-            </a:lvl9pPr>
-          </a:lstStyle>
-          <a:p>
-            <a:pPr marL="0" indent="0" algn="ctr">
-              <a:buNone/>
-            </a:pPr>
-            <a:r>
-              <a:rPr lang="en-US" sz="4800" dirty="0"/>
-              <a:t>Let’s see </a:t>
-            </a:r>
-            <a:r>
-              <a:rPr lang="en-US" sz="4800" dirty="0" err="1"/>
-              <a:t>tiPS</a:t>
-            </a:r>
-            <a:r>
-              <a:rPr lang="en-US" sz="4800" dirty="0"/>
-              <a:t>!!!</a:t>
-            </a:r>
-          </a:p>
-        </p:txBody>
-      </p:sp>
-    </p:spTree>
-    <p:extLst>
-      <p:ext uri="{BB962C8B-B14F-4D97-AF65-F5344CB8AC3E}">
-        <p14:creationId xmlns:p14="http://schemas.microsoft.com/office/powerpoint/2010/main" val="1321653971"/>
-      </p:ext>
-    </p:extLst>
-  </p:cSld>
-  <p:clrMapOvr>
-    <a:masterClrMapping/>
-  </p:clrMapOvr>
-  <mc:AlternateContent xmlns:mc="http://schemas.openxmlformats.org/markup-compatibility/2006" xmlns:p14="http://schemas.microsoft.com/office/powerpoint/2010/main">
-    <mc:Choice Requires="p14">
-      <p:transition spd="med" p14:dur="700">
-        <p:fade/>
-      </p:transition>
-    </mc:Choice>
-    <mc:Fallback xmlns="">
-      <p:transition spd="med">
-        <p:fade/>
-      </p:transition>
-    </mc:Fallback>
-  </mc:AlternateContent>
-</p:sld>
-</file>
-
-<file path=ppt/slides/slide6.xml><?xml version="1.0" encoding="utf-8"?>
-<p:sld xmlns:a="http://schemas.openxmlformats.org/drawingml/2006/main" xmlns:r="http://schemas.openxmlformats.org/officeDocument/2006/relationships" xmlns:p="http://schemas.openxmlformats.org/presentationml/2006/main">
-  <p:cSld>
-    <p:spTree>
-      <p:nvGrpSpPr>
-        <p:cNvPr id="1" name=""/>
-        <p:cNvGrpSpPr/>
-        <p:nvPr/>
-      </p:nvGrpSpPr>
-      <p:grpSpPr>
-        <a:xfrm>
-          <a:off x="0" y="0"/>
-          <a:ext cx="0" cy="0"/>
-          <a:chOff x="0" y="0"/>
-          <a:chExt cx="0" cy="0"/>
-        </a:xfrm>
-      </p:grpSpPr>
-      <p:sp>
-        <p:nvSpPr>
-          <p:cNvPr id="7" name="Title 6">
-            <a:extLst>
-              <a:ext uri="{FF2B5EF4-FFF2-40B4-BE49-F238E27FC236}">
-                <a16:creationId xmlns:a16="http://schemas.microsoft.com/office/drawing/2014/main" id="{7875C19A-1AAE-476A-A316-A2CF92D763D3}"/>
-              </a:ext>
-            </a:extLst>
-          </p:cNvPr>
-          <p:cNvSpPr>
-            <a:spLocks noGrp="1"/>
-          </p:cNvSpPr>
-          <p:nvPr>
-            <p:ph type="title"/>
-          </p:nvPr>
-        </p:nvSpPr>
-        <p:spPr/>
-        <p:txBody>
-          <a:bodyPr/>
-          <a:lstStyle/>
-          <a:p>
-            <a:r>
-              <a:rPr lang="en-US" dirty="0" err="1"/>
-              <a:t>tiPS</a:t>
-            </a:r>
-            <a:r>
-              <a:rPr lang="en-US" dirty="0"/>
-              <a:t> Discussion</a:t>
-            </a:r>
-          </a:p>
-        </p:txBody>
-      </p:sp>
-      <p:sp>
-        <p:nvSpPr>
-          <p:cNvPr id="10" name="Text Placeholder 9">
-            <a:extLst>
-              <a:ext uri="{FF2B5EF4-FFF2-40B4-BE49-F238E27FC236}">
-                <a16:creationId xmlns:a16="http://schemas.microsoft.com/office/drawing/2014/main" id="{EF2BC084-E6DB-4DE7-B309-042A85EBA700}"/>
-              </a:ext>
-            </a:extLst>
-          </p:cNvPr>
-          <p:cNvSpPr>
-            <a:spLocks noGrp="1"/>
-          </p:cNvSpPr>
-          <p:nvPr>
-            <p:ph type="body" sz="quarter" idx="13"/>
-          </p:nvPr>
-        </p:nvSpPr>
-        <p:spPr>
-          <a:xfrm>
-            <a:off x="444500" y="1625385"/>
-            <a:ext cx="11214100" cy="4390951"/>
-          </a:xfrm>
-        </p:spPr>
-        <p:txBody>
-          <a:bodyPr/>
-          <a:lstStyle/>
-          <a:p>
-            <a:r>
-              <a:rPr lang="en-US" sz="2800" dirty="0"/>
-              <a:t>How many people use </a:t>
-            </a:r>
-            <a:r>
-              <a:rPr lang="en-US" sz="2800" dirty="0" err="1"/>
-              <a:t>tiPS</a:t>
-            </a:r>
-            <a:r>
-              <a:rPr lang="en-US" sz="2800" dirty="0"/>
-              <a:t> already?</a:t>
-            </a:r>
-          </a:p>
-          <a:p>
-            <a:r>
-              <a:rPr lang="en-US" sz="2800" dirty="0"/>
-              <a:t>Initial impressions?</a:t>
-            </a:r>
-          </a:p>
-          <a:p>
-            <a:r>
-              <a:rPr lang="en-US" sz="2800" dirty="0"/>
-              <a:t>Got any feature ideas?</a:t>
-            </a:r>
-          </a:p>
-          <a:p>
-            <a:endParaRPr lang="en-US" sz="2800" dirty="0">
-              <a:solidFill>
-                <a:schemeClr val="accent1">
-                  <a:lumMod val="60000"/>
-                  <a:lumOff val="40000"/>
-                </a:schemeClr>
-              </a:solidFill>
-              <a:hlinkClick r:id="rId3">
-                <a:extLst>
-                  <a:ext uri="{A12FA001-AC4F-418D-AE19-62706E023703}">
-                    <ahyp:hlinkClr xmlns:ahyp="http://schemas.microsoft.com/office/drawing/2018/hyperlinkcolor" val="tx"/>
-                  </a:ext>
-                </a:extLst>
-              </a:hlinkClick>
-            </a:endParaRPr>
-          </a:p>
-          <a:p>
-            <a:r>
-              <a:rPr lang="en-US" sz="2800" dirty="0" err="1">
-                <a:solidFill>
-                  <a:schemeClr val="accent1">
-                    <a:lumMod val="60000"/>
-                    <a:lumOff val="40000"/>
-                  </a:schemeClr>
-                </a:solidFill>
-                <a:hlinkClick r:id="rId3">
-                  <a:extLst>
-                    <a:ext uri="{A12FA001-AC4F-418D-AE19-62706E023703}">
-                      <ahyp:hlinkClr xmlns:ahyp="http://schemas.microsoft.com/office/drawing/2018/hyperlinkcolor" val="tx"/>
-                    </a:ext>
-                  </a:extLst>
-                </a:hlinkClick>
-              </a:rPr>
-              <a:t>tiPS</a:t>
-            </a:r>
-            <a:r>
-              <a:rPr lang="en-US" sz="2800" dirty="0">
-                <a:solidFill>
-                  <a:schemeClr val="accent1">
-                    <a:lumMod val="60000"/>
-                    <a:lumOff val="40000"/>
-                  </a:schemeClr>
-                </a:solidFill>
-                <a:hlinkClick r:id="rId3">
-                  <a:extLst>
-                    <a:ext uri="{A12FA001-AC4F-418D-AE19-62706E023703}">
-                      <ahyp:hlinkClr xmlns:ahyp="http://schemas.microsoft.com/office/drawing/2018/hyperlinkcolor" val="tx"/>
-                    </a:ext>
-                  </a:extLst>
-                </a:hlinkClick>
-              </a:rPr>
-              <a:t> Roadmap</a:t>
-            </a:r>
-            <a:endParaRPr lang="en-US" sz="2800" dirty="0">
-              <a:solidFill>
-                <a:schemeClr val="accent1">
-                  <a:lumMod val="60000"/>
-                  <a:lumOff val="40000"/>
-                </a:schemeClr>
-              </a:solidFill>
-            </a:endParaRPr>
-          </a:p>
-        </p:txBody>
-      </p:sp>
-      <p:sp>
-        <p:nvSpPr>
-          <p:cNvPr id="2" name="Slide Number Placeholder 1">
-            <a:extLst>
-              <a:ext uri="{FF2B5EF4-FFF2-40B4-BE49-F238E27FC236}">
-                <a16:creationId xmlns:a16="http://schemas.microsoft.com/office/drawing/2014/main" id="{BE9800F6-D571-48C4-8466-12AA1ADB6599}"/>
-              </a:ext>
-            </a:extLst>
-          </p:cNvPr>
-          <p:cNvSpPr>
-            <a:spLocks noGrp="1"/>
-          </p:cNvSpPr>
-          <p:nvPr>
-            <p:ph type="sldNum" sz="quarter" idx="12"/>
-          </p:nvPr>
-        </p:nvSpPr>
-        <p:spPr/>
-        <p:txBody>
-          <a:bodyPr/>
-          <a:lstStyle/>
-          <a:p>
-            <a:fld id="{C263D6C4-4840-40CC-AC84-17E24B3B7BDE}" type="slidenum">
-              <a:rPr lang="en-US" smtClean="0"/>
-              <a:pPr/>
-              <a:t>6</a:t>
-            </a:fld>
-            <a:endParaRPr lang="en-US" dirty="0"/>
-          </a:p>
-        </p:txBody>
-      </p:sp>
-    </p:spTree>
-    <p:extLst>
-      <p:ext uri="{BB962C8B-B14F-4D97-AF65-F5344CB8AC3E}">
-        <p14:creationId xmlns:p14="http://schemas.microsoft.com/office/powerpoint/2010/main" val="924286788"/>
-      </p:ext>
-    </p:extLst>
-  </p:cSld>
-  <p:clrMapOvr>
-    <a:masterClrMapping/>
-  </p:clrMapOvr>
-  <mc:AlternateContent xmlns:mc="http://schemas.openxmlformats.org/markup-compatibility/2006" xmlns:p14="http://schemas.microsoft.com/office/powerpoint/2010/main">
-    <mc:Choice Requires="p14">
-      <p:transition spd="med" p14:dur="700">
-        <p:fade/>
-      </p:transition>
-    </mc:Choice>
-    <mc:Fallback xmlns="">
-      <p:transition spd="med">
-        <p:fade/>
-      </p:transition>
-    </mc:Fallback>
-  </mc:AlternateContent>
-</p:sld>
-</file>
-
-<file path=ppt/slides/slide7.xml><?xml version="1.0" encoding="utf-8"?>
-<p:sld xmlns:a="http://schemas.openxmlformats.org/drawingml/2006/main" xmlns:r="http://schemas.openxmlformats.org/officeDocument/2006/relationships" xmlns:p="http://schemas.openxmlformats.org/presentationml/2006/main">
-  <p:cSld>
-    <p:spTree>
-      <p:nvGrpSpPr>
-        <p:cNvPr id="1" name=""/>
-        <p:cNvGrpSpPr/>
-        <p:nvPr/>
-      </p:nvGrpSpPr>
-      <p:grpSpPr>
-        <a:xfrm>
-          <a:off x="0" y="0"/>
-          <a:ext cx="0" cy="0"/>
-          <a:chOff x="0" y="0"/>
-          <a:chExt cx="0" cy="0"/>
-        </a:xfrm>
-      </p:grpSpPr>
-      <p:sp>
-        <p:nvSpPr>
-          <p:cNvPr id="7" name="Title 6">
-            <a:extLst>
-              <a:ext uri="{FF2B5EF4-FFF2-40B4-BE49-F238E27FC236}">
-                <a16:creationId xmlns:a16="http://schemas.microsoft.com/office/drawing/2014/main" id="{7875C19A-1AAE-476A-A316-A2CF92D763D3}"/>
-              </a:ext>
-            </a:extLst>
-          </p:cNvPr>
-          <p:cNvSpPr>
-            <a:spLocks noGrp="1"/>
-          </p:cNvSpPr>
-          <p:nvPr>
-            <p:ph type="title"/>
-          </p:nvPr>
-        </p:nvSpPr>
-        <p:spPr/>
-        <p:txBody>
-          <a:bodyPr/>
-          <a:lstStyle/>
-          <a:p>
-            <a:r>
-              <a:rPr lang="en-US" dirty="0" err="1"/>
-              <a:t>tiPS</a:t>
-            </a:r>
-            <a:r>
-              <a:rPr lang="en-US" dirty="0"/>
-              <a:t> Contributing Demo</a:t>
-            </a:r>
-          </a:p>
-        </p:txBody>
-      </p:sp>
-      <p:sp>
-        <p:nvSpPr>
-          <p:cNvPr id="10" name="Text Placeholder 9">
-            <a:extLst>
-              <a:ext uri="{FF2B5EF4-FFF2-40B4-BE49-F238E27FC236}">
-                <a16:creationId xmlns:a16="http://schemas.microsoft.com/office/drawing/2014/main" id="{EF2BC084-E6DB-4DE7-B309-042A85EBA700}"/>
-              </a:ext>
-            </a:extLst>
-          </p:cNvPr>
-          <p:cNvSpPr>
-            <a:spLocks noGrp="1"/>
-          </p:cNvSpPr>
-          <p:nvPr>
-            <p:ph type="body" sz="quarter" idx="13"/>
-          </p:nvPr>
-        </p:nvSpPr>
-        <p:spPr>
-          <a:xfrm>
-            <a:off x="444500" y="1625385"/>
-            <a:ext cx="10807700" cy="1267940"/>
-          </a:xfrm>
-        </p:spPr>
-        <p:txBody>
-          <a:bodyPr/>
-          <a:lstStyle/>
-          <a:p>
-            <a:pPr marL="0" indent="0">
-              <a:buNone/>
-            </a:pPr>
-            <a:r>
-              <a:rPr lang="en-US" sz="2800" kern="1200" dirty="0">
-                <a:solidFill>
-                  <a:schemeClr val="accent1">
-                    <a:lumMod val="60000"/>
-                    <a:lumOff val="40000"/>
-                  </a:schemeClr>
-                </a:solidFill>
-                <a:effectLst/>
-                <a:ea typeface="+mn-ea"/>
-                <a:cs typeface="Arial" panose="020B0604020202020204" pitchFamily="34" charset="0"/>
-                <a:hlinkClick r:id="rId3">
-                  <a:extLst>
-                    <a:ext uri="{A12FA001-AC4F-418D-AE19-62706E023703}">
-                      <ahyp:hlinkClr xmlns:ahyp="http://schemas.microsoft.com/office/drawing/2018/hyperlinkcolor" val="tx"/>
-                    </a:ext>
-                  </a:extLst>
-                </a:hlinkClick>
-              </a:rPr>
-              <a:t>https://github.com/deadlydog/PowerShell.tiPS</a:t>
-            </a:r>
-            <a:r>
-              <a:rPr lang="en-US" sz="2800" dirty="0">
-                <a:solidFill>
-                  <a:schemeClr val="accent1">
-                    <a:lumMod val="60000"/>
-                    <a:lumOff val="40000"/>
-                  </a:schemeClr>
-                </a:solidFill>
-              </a:rPr>
-              <a:t> </a:t>
-            </a:r>
-          </a:p>
-        </p:txBody>
-      </p:sp>
-      <p:sp>
-        <p:nvSpPr>
-          <p:cNvPr id="2" name="Slide Number Placeholder 1">
-            <a:extLst>
-              <a:ext uri="{FF2B5EF4-FFF2-40B4-BE49-F238E27FC236}">
-                <a16:creationId xmlns:a16="http://schemas.microsoft.com/office/drawing/2014/main" id="{BE9800F6-D571-48C4-8466-12AA1ADB6599}"/>
-              </a:ext>
-            </a:extLst>
-          </p:cNvPr>
-          <p:cNvSpPr>
-            <a:spLocks noGrp="1"/>
-          </p:cNvSpPr>
-          <p:nvPr>
-            <p:ph type="sldNum" sz="quarter" idx="12"/>
-          </p:nvPr>
-        </p:nvSpPr>
-        <p:spPr/>
-        <p:txBody>
-          <a:bodyPr/>
-          <a:lstStyle/>
-          <a:p>
-            <a:fld id="{C263D6C4-4840-40CC-AC84-17E24B3B7BDE}" type="slidenum">
-              <a:rPr lang="en-US" smtClean="0"/>
-              <a:pPr/>
-              <a:t>7</a:t>
-            </a:fld>
-            <a:endParaRPr lang="en-US" dirty="0"/>
-          </a:p>
-        </p:txBody>
-      </p:sp>
-      <p:sp>
-        <p:nvSpPr>
-          <p:cNvPr id="3" name="Text Placeholder 9">
-            <a:extLst>
-              <a:ext uri="{FF2B5EF4-FFF2-40B4-BE49-F238E27FC236}">
-                <a16:creationId xmlns:a16="http://schemas.microsoft.com/office/drawing/2014/main" id="{EB116BF4-0934-F72C-F3B6-77B163806CCC}"/>
-              </a:ext>
-            </a:extLst>
-          </p:cNvPr>
-          <p:cNvSpPr txBox="1">
-            <a:spLocks/>
-          </p:cNvSpPr>
-          <p:nvPr/>
-        </p:nvSpPr>
-        <p:spPr>
-          <a:xfrm>
-            <a:off x="444500" y="3429000"/>
-            <a:ext cx="11214100" cy="2587336"/>
-          </a:xfrm>
-          <a:prstGeom prst="rect">
-            <a:avLst/>
-          </a:prstGeom>
-        </p:spPr>
-        <p:txBody>
-          <a:bodyPr vert="horz" lIns="91440" tIns="45720" rIns="91440" bIns="45720" rtlCol="0">
-            <a:noAutofit/>
-          </a:bodyPr>
-          <a:lstStyle>
-            <a:lvl1pPr marL="228600" indent="-228600" algn="l" defTabSz="914400" rtl="0" eaLnBrk="1" latinLnBrk="0" hangingPunct="1">
-              <a:lnSpc>
-                <a:spcPct val="100000"/>
-              </a:lnSpc>
-              <a:spcBef>
-                <a:spcPts val="600"/>
-              </a:spcBef>
-              <a:spcAft>
-                <a:spcPts val="400"/>
-              </a:spcAft>
-              <a:buClr>
-                <a:schemeClr val="accent2"/>
-              </a:buClr>
-              <a:buFont typeface="Arial" panose="020B0604020202020204" pitchFamily="34" charset="0"/>
-              <a:buChar char="•"/>
-              <a:defRPr sz="1600" kern="1200">
-                <a:solidFill>
-                  <a:schemeClr val="bg1"/>
-                </a:solidFill>
-                <a:latin typeface="+mn-lt"/>
-                <a:ea typeface="+mn-ea"/>
-                <a:cs typeface="Arial" panose="020B0604020202020204" pitchFamily="34" charset="0"/>
-              </a:defRPr>
-            </a:lvl1pPr>
-            <a:lvl2pPr marL="685800" indent="-228600" algn="l" defTabSz="914400" rtl="0" eaLnBrk="1" latinLnBrk="0" hangingPunct="1">
-              <a:lnSpc>
-                <a:spcPct val="100000"/>
-              </a:lnSpc>
-              <a:spcBef>
-                <a:spcPts val="600"/>
-              </a:spcBef>
-              <a:spcAft>
-                <a:spcPts val="400"/>
-              </a:spcAft>
-              <a:buClr>
-                <a:schemeClr val="accent2"/>
-              </a:buClr>
-              <a:buFont typeface="Arial" panose="020B0604020202020204" pitchFamily="34" charset="0"/>
-              <a:buChar char="•"/>
-              <a:defRPr sz="1400" kern="1200">
-                <a:solidFill>
-                  <a:schemeClr val="bg1"/>
-                </a:solidFill>
-                <a:latin typeface="+mn-lt"/>
-                <a:ea typeface="+mn-ea"/>
-                <a:cs typeface="Arial" panose="020B0604020202020204" pitchFamily="34" charset="0"/>
-              </a:defRPr>
-            </a:lvl2pPr>
-            <a:lvl3pPr marL="1143000" indent="-228600" algn="l" defTabSz="914400" rtl="0" eaLnBrk="1" latinLnBrk="0" hangingPunct="1">
-              <a:lnSpc>
-                <a:spcPct val="100000"/>
-              </a:lnSpc>
-              <a:spcBef>
-                <a:spcPts val="600"/>
-              </a:spcBef>
-              <a:spcAft>
-                <a:spcPts val="400"/>
-              </a:spcAft>
-              <a:buClr>
-                <a:schemeClr val="accent2"/>
-              </a:buClr>
-              <a:buFont typeface="Arial" panose="020B0604020202020204" pitchFamily="34" charset="0"/>
-              <a:buChar char="•"/>
-              <a:defRPr sz="1200" kern="1200">
-                <a:solidFill>
-                  <a:schemeClr val="bg1"/>
-                </a:solidFill>
-                <a:latin typeface="+mn-lt"/>
-                <a:ea typeface="+mn-ea"/>
-                <a:cs typeface="Arial" panose="020B0604020202020204" pitchFamily="34" charset="0"/>
-              </a:defRPr>
-            </a:lvl3pPr>
-            <a:lvl4pPr marL="1600200" indent="-228600" algn="l" defTabSz="914400" rtl="0" eaLnBrk="1" latinLnBrk="0" hangingPunct="1">
-              <a:lnSpc>
-                <a:spcPct val="90000"/>
-              </a:lnSpc>
-              <a:spcBef>
-                <a:spcPts val="500"/>
-              </a:spcBef>
-              <a:buClr>
-                <a:schemeClr val="accent2"/>
-              </a:buClr>
-              <a:buFont typeface="Arial" panose="020B0604020202020204" pitchFamily="34" charset="0"/>
-              <a:buChar char="•"/>
-              <a:defRPr sz="1400" kern="1200">
-                <a:solidFill>
-                  <a:schemeClr val="bg1"/>
-                </a:solidFill>
-                <a:latin typeface="Arial" panose="020B0604020202020204" pitchFamily="34" charset="0"/>
-                <a:ea typeface="+mn-ea"/>
-                <a:cs typeface="Arial" panose="020B0604020202020204" pitchFamily="34" charset="0"/>
-              </a:defRPr>
-            </a:lvl4pPr>
-            <a:lvl5pPr marL="2057400" indent="-228600" algn="l" defTabSz="914400" rtl="0" eaLnBrk="1" latinLnBrk="0" hangingPunct="1">
-              <a:lnSpc>
-                <a:spcPct val="90000"/>
-              </a:lnSpc>
-              <a:spcBef>
-                <a:spcPts val="500"/>
-              </a:spcBef>
-              <a:buClr>
-                <a:schemeClr val="accent2"/>
-              </a:buClr>
-              <a:buFont typeface="Arial" panose="020B0604020202020204" pitchFamily="34" charset="0"/>
-              <a:buChar char="•"/>
-              <a:defRPr sz="1400" kern="1200">
-                <a:solidFill>
-                  <a:schemeClr val="bg1"/>
-                </a:solidFill>
-                <a:latin typeface="Arial" panose="020B0604020202020204" pitchFamily="34" charset="0"/>
-                <a:ea typeface="+mn-ea"/>
-                <a:cs typeface="Arial" panose="020B0604020202020204" pitchFamily="34" charset="0"/>
-              </a:defRPr>
-            </a:lvl5pPr>
-            <a:lvl6pPr marL="2514600" indent="-228600" algn="l" defTabSz="914400" rtl="0" eaLnBrk="1" latinLnBrk="0" hangingPunct="1">
-              <a:lnSpc>
-                <a:spcPct val="90000"/>
-              </a:lnSpc>
-              <a:spcBef>
-                <a:spcPts val="500"/>
-              </a:spcBef>
-              <a:buFont typeface="Arial" panose="020B0604020202020204" pitchFamily="34" charset="0"/>
-              <a:buChar char="•"/>
-              <a:defRPr sz="1800" kern="1200">
-                <a:solidFill>
-                  <a:schemeClr val="tx1"/>
-                </a:solidFill>
-                <a:latin typeface="+mn-lt"/>
-                <a:ea typeface="+mn-ea"/>
-                <a:cs typeface="+mn-cs"/>
-              </a:defRPr>
-            </a:lvl6pPr>
-            <a:lvl7pPr marL="2971800" indent="-228600" algn="l" defTabSz="914400" rtl="0" eaLnBrk="1" latinLnBrk="0" hangingPunct="1">
-              <a:lnSpc>
-                <a:spcPct val="90000"/>
-              </a:lnSpc>
-              <a:spcBef>
-                <a:spcPts val="500"/>
-              </a:spcBef>
-              <a:buFont typeface="Arial" panose="020B0604020202020204" pitchFamily="34" charset="0"/>
-              <a:buChar char="•"/>
-              <a:defRPr sz="1800" kern="1200">
-                <a:solidFill>
-                  <a:schemeClr val="tx1"/>
-                </a:solidFill>
-                <a:latin typeface="+mn-lt"/>
-                <a:ea typeface="+mn-ea"/>
-                <a:cs typeface="+mn-cs"/>
-              </a:defRPr>
-            </a:lvl7pPr>
-            <a:lvl8pPr marL="3429000" indent="-228600" algn="l" defTabSz="914400" rtl="0" eaLnBrk="1" latinLnBrk="0" hangingPunct="1">
-              <a:lnSpc>
-                <a:spcPct val="90000"/>
-              </a:lnSpc>
-              <a:spcBef>
-                <a:spcPts val="500"/>
-              </a:spcBef>
-              <a:buFont typeface="Arial" panose="020B0604020202020204" pitchFamily="34" charset="0"/>
-              <a:buChar char="•"/>
-              <a:defRPr sz="1800" kern="1200">
-                <a:solidFill>
-                  <a:schemeClr val="tx1"/>
-                </a:solidFill>
-                <a:latin typeface="+mn-lt"/>
-                <a:ea typeface="+mn-ea"/>
-                <a:cs typeface="+mn-cs"/>
-              </a:defRPr>
-            </a:lvl8pPr>
-            <a:lvl9pPr marL="3886200" indent="-228600" algn="l" defTabSz="914400" rtl="0" eaLnBrk="1" latinLnBrk="0" hangingPunct="1">
-              <a:lnSpc>
-                <a:spcPct val="90000"/>
-              </a:lnSpc>
-              <a:spcBef>
-                <a:spcPts val="500"/>
-              </a:spcBef>
-              <a:buFont typeface="Arial" panose="020B0604020202020204" pitchFamily="34" charset="0"/>
-              <a:buChar char="•"/>
-              <a:defRPr sz="1800" kern="1200">
-                <a:solidFill>
-                  <a:schemeClr val="tx1"/>
-                </a:solidFill>
-                <a:latin typeface="+mn-lt"/>
-                <a:ea typeface="+mn-ea"/>
-                <a:cs typeface="+mn-cs"/>
-              </a:defRPr>
-            </a:lvl9pPr>
-          </a:lstStyle>
-          <a:p>
-            <a:pPr marL="0" indent="0" algn="ctr">
-              <a:buNone/>
-            </a:pPr>
-            <a:r>
-              <a:rPr lang="en-US" sz="4800" dirty="0"/>
-              <a:t>Let’s add a tip!!!</a:t>
-            </a:r>
-          </a:p>
-        </p:txBody>
-      </p:sp>
-    </p:spTree>
-    <p:extLst>
-      <p:ext uri="{BB962C8B-B14F-4D97-AF65-F5344CB8AC3E}">
-        <p14:creationId xmlns:p14="http://schemas.microsoft.com/office/powerpoint/2010/main" val="2413629065"/>
-      </p:ext>
-    </p:extLst>
-  </p:cSld>
-  <p:clrMapOvr>
-    <a:masterClrMapping/>
-  </p:clrMapOvr>
-  <mc:AlternateContent xmlns:mc="http://schemas.openxmlformats.org/markup-compatibility/2006" xmlns:p14="http://schemas.microsoft.com/office/powerpoint/2010/main">
-    <mc:Choice Requires="p14">
-      <p:transition spd="med" p14:dur="700">
-        <p:fade/>
-      </p:transition>
-    </mc:Choice>
-    <mc:Fallback xmlns="">
-      <p:transition spd="med">
-        <p:fade/>
-      </p:transition>
-    </mc:Fallback>
-  </mc:AlternateContent>
-</p:sld>
-</file>
-
-<file path=ppt/slides/slide8.xml><?xml version="1.0" encoding="utf-8"?>
-<p:sld xmlns:a="http://schemas.openxmlformats.org/drawingml/2006/main" xmlns:r="http://schemas.openxmlformats.org/officeDocument/2006/relationships" xmlns:p="http://schemas.openxmlformats.org/presentationml/2006/main">
-  <p:cSld>
-    <p:spTree>
-      <p:nvGrpSpPr>
-        <p:cNvPr id="1" name=""/>
-        <p:cNvGrpSpPr/>
-        <p:nvPr/>
-      </p:nvGrpSpPr>
-      <p:grpSpPr>
-        <a:xfrm>
-          <a:off x="0" y="0"/>
-          <a:ext cx="0" cy="0"/>
-          <a:chOff x="0" y="0"/>
-          <a:chExt cx="0" cy="0"/>
-        </a:xfrm>
-      </p:grpSpPr>
-      <p:sp>
-        <p:nvSpPr>
-          <p:cNvPr id="7" name="Title 6">
-            <a:extLst>
-              <a:ext uri="{FF2B5EF4-FFF2-40B4-BE49-F238E27FC236}">
-                <a16:creationId xmlns:a16="http://schemas.microsoft.com/office/drawing/2014/main" id="{7875C19A-1AAE-476A-A316-A2CF92D763D3}"/>
-              </a:ext>
-            </a:extLst>
-          </p:cNvPr>
-          <p:cNvSpPr>
-            <a:spLocks noGrp="1"/>
-          </p:cNvSpPr>
-          <p:nvPr>
-            <p:ph type="title"/>
-          </p:nvPr>
-        </p:nvSpPr>
-        <p:spPr/>
-        <p:txBody>
-          <a:bodyPr/>
-          <a:lstStyle/>
-          <a:p>
-            <a:r>
-              <a:rPr lang="en-US" dirty="0"/>
-              <a:t>When should you contribute a tip?</a:t>
-            </a:r>
-          </a:p>
-        </p:txBody>
-      </p:sp>
-      <p:sp>
-        <p:nvSpPr>
-          <p:cNvPr id="10" name="Text Placeholder 9">
-            <a:extLst>
-              <a:ext uri="{FF2B5EF4-FFF2-40B4-BE49-F238E27FC236}">
-                <a16:creationId xmlns:a16="http://schemas.microsoft.com/office/drawing/2014/main" id="{EF2BC084-E6DB-4DE7-B309-042A85EBA700}"/>
-              </a:ext>
-            </a:extLst>
-          </p:cNvPr>
-          <p:cNvSpPr>
-            <a:spLocks noGrp="1"/>
-          </p:cNvSpPr>
-          <p:nvPr>
-            <p:ph type="body" sz="quarter" idx="13"/>
-          </p:nvPr>
-        </p:nvSpPr>
-        <p:spPr>
-          <a:xfrm>
-            <a:off x="444499" y="1373137"/>
-            <a:ext cx="11467867" cy="5054815"/>
-          </a:xfrm>
-        </p:spPr>
-        <p:txBody>
-          <a:bodyPr/>
-          <a:lstStyle/>
-          <a:p>
-            <a:r>
-              <a:rPr lang="en-US" sz="2800" dirty="0"/>
-              <a:t>Learned something new about PowerShell</a:t>
-            </a:r>
-          </a:p>
-          <a:p>
-            <a:r>
-              <a:rPr lang="en-US" sz="2800" dirty="0"/>
-              <a:t>Promote your own scripts, modules, and </a:t>
-            </a:r>
-            <a:r>
-              <a:rPr lang="en-US" sz="2800" dirty="0" err="1"/>
-              <a:t>gists</a:t>
-            </a:r>
-            <a:endParaRPr lang="en-US" sz="2800" dirty="0"/>
-          </a:p>
-          <a:p>
-            <a:r>
-              <a:rPr lang="en-US" sz="2800" dirty="0"/>
-              <a:t>See a cool PowerShell-related post on social media</a:t>
-            </a:r>
-          </a:p>
-          <a:p>
-            <a:r>
-              <a:rPr lang="en-US" sz="2800" dirty="0"/>
-              <a:t>Blogged about something PowerShell related</a:t>
-            </a:r>
-          </a:p>
-          <a:p>
-            <a:endParaRPr lang="en-US" sz="2800" dirty="0"/>
-          </a:p>
-          <a:p>
-            <a:r>
-              <a:rPr lang="en-US" sz="2800" dirty="0"/>
-              <a:t>Why? Help others in the community and get your name known</a:t>
-            </a:r>
-          </a:p>
-          <a:p>
-            <a:endParaRPr lang="en-US" sz="2800" dirty="0"/>
-          </a:p>
-          <a:p>
-            <a:r>
-              <a:rPr lang="en-US" sz="2800" dirty="0"/>
-              <a:t>Tip:</a:t>
-            </a:r>
-          </a:p>
-          <a:p>
-            <a:pPr lvl="1"/>
-            <a:r>
-              <a:rPr lang="en-US" sz="2600" dirty="0"/>
-              <a:t>Fork </a:t>
-            </a:r>
-            <a:r>
-              <a:rPr lang="en-US" sz="2600" dirty="0" err="1"/>
-              <a:t>tiPS</a:t>
-            </a:r>
-            <a:r>
-              <a:rPr lang="en-US" sz="2600" dirty="0"/>
-              <a:t> and leave it cloned on your machine for easy PR submissions</a:t>
-            </a:r>
-          </a:p>
-          <a:p>
-            <a:endParaRPr lang="en-US" sz="2800" dirty="0"/>
-          </a:p>
-        </p:txBody>
-      </p:sp>
-      <p:sp>
-        <p:nvSpPr>
-          <p:cNvPr id="2" name="Slide Number Placeholder 1">
-            <a:extLst>
-              <a:ext uri="{FF2B5EF4-FFF2-40B4-BE49-F238E27FC236}">
-                <a16:creationId xmlns:a16="http://schemas.microsoft.com/office/drawing/2014/main" id="{BE9800F6-D571-48C4-8466-12AA1ADB6599}"/>
-              </a:ext>
-            </a:extLst>
-          </p:cNvPr>
-          <p:cNvSpPr>
-            <a:spLocks noGrp="1"/>
-          </p:cNvSpPr>
-          <p:nvPr>
-            <p:ph type="sldNum" sz="quarter" idx="12"/>
-          </p:nvPr>
-        </p:nvSpPr>
-        <p:spPr/>
-        <p:txBody>
-          <a:bodyPr/>
-          <a:lstStyle/>
-          <a:p>
-            <a:fld id="{C263D6C4-4840-40CC-AC84-17E24B3B7BDE}" type="slidenum">
-              <a:rPr lang="en-US" smtClean="0"/>
-              <a:pPr/>
-              <a:t>8</a:t>
-            </a:fld>
-            <a:endParaRPr lang="en-US" dirty="0"/>
-          </a:p>
-        </p:txBody>
-      </p:sp>
-    </p:spTree>
-    <p:extLst>
-      <p:ext uri="{BB962C8B-B14F-4D97-AF65-F5344CB8AC3E}">
-        <p14:creationId xmlns:p14="http://schemas.microsoft.com/office/powerpoint/2010/main" val="3336940135"/>
-      </p:ext>
-    </p:extLst>
-  </p:cSld>
-  <p:clrMapOvr>
-    <a:masterClrMapping/>
-  </p:clrMapOvr>
-  <mc:AlternateContent xmlns:mc="http://schemas.openxmlformats.org/markup-compatibility/2006" xmlns:p14="http://schemas.microsoft.com/office/powerpoint/2010/main">
-    <mc:Choice Requires="p14">
-      <p:transition spd="med" p14:dur="700">
-        <p:fade/>
-      </p:transition>
-    </mc:Choice>
-    <mc:Fallback xmlns="">
-      <p:transition spd="med">
-        <p:fade/>
-      </p:transition>
-    </mc:Fallback>
-  </mc:AlternateContent>
-</p:sld>
-</file>
-
-<file path=ppt/slides/slide9.xml><?xml version="1.0" encoding="utf-8"?>
-<p:sld xmlns:a="http://schemas.openxmlformats.org/drawingml/2006/main" xmlns:r="http://schemas.openxmlformats.org/officeDocument/2006/relationships" xmlns:p="http://schemas.openxmlformats.org/presentationml/2006/main">
-  <p:cSld>
-    <p:spTree>
-      <p:nvGrpSpPr>
-        <p:cNvPr id="1" name=""/>
-        <p:cNvGrpSpPr/>
-        <p:nvPr/>
-      </p:nvGrpSpPr>
-      <p:grpSpPr>
-        <a:xfrm>
-          <a:off x="0" y="0"/>
-          <a:ext cx="0" cy="0"/>
-          <a:chOff x="0" y="0"/>
-          <a:chExt cx="0" cy="0"/>
-        </a:xfrm>
-      </p:grpSpPr>
-      <p:sp>
-        <p:nvSpPr>
-          <p:cNvPr id="7" name="Title 6">
-            <a:extLst>
-              <a:ext uri="{FF2B5EF4-FFF2-40B4-BE49-F238E27FC236}">
-                <a16:creationId xmlns:a16="http://schemas.microsoft.com/office/drawing/2014/main" id="{7875C19A-1AAE-476A-A316-A2CF92D763D3}"/>
-              </a:ext>
-            </a:extLst>
-          </p:cNvPr>
-          <p:cNvSpPr>
-            <a:spLocks noGrp="1"/>
-          </p:cNvSpPr>
-          <p:nvPr>
-            <p:ph type="title"/>
-          </p:nvPr>
-        </p:nvSpPr>
-        <p:spPr/>
-        <p:txBody>
-          <a:bodyPr/>
-          <a:lstStyle/>
-          <a:p>
-            <a:r>
-              <a:rPr lang="en-US" dirty="0" err="1"/>
-              <a:t>tiPS</a:t>
-            </a:r>
-            <a:r>
-              <a:rPr lang="en-US" dirty="0"/>
               <a:t> Origin Story</a:t>
             </a:r>
           </a:p>
@@ -33596,7 +29104,7 @@
             <a:fld id="{C263D6C4-4840-40CC-AC84-17E24B3B7BDE}" type="slidenum">
               <a:rPr lang="en-US" smtClean="0"/>
               <a:pPr/>
-              <a:t>9</a:t>
+              <a:t>10</a:t>
             </a:fld>
             <a:endParaRPr lang="en-US" dirty="0"/>
           </a:p>
@@ -33989,6 +29497,4485 @@
                                           <p:spTgt spid="10">
                                             <p:txEl>
                                               <p:pRg st="1" end="1"/>
+                                            </p:txEl>
+                                          </p:spTgt>
+                                        </p:tgtEl>
+                                      </p:cBhvr>
+                                    </p:animEffect>
+                                  </p:childTnLst>
+                                </p:cTn>
+                              </p:par>
+                            </p:childTnLst>
+                          </p:cTn>
+                        </p:par>
+                      </p:childTnLst>
+                    </p:cTn>
+                  </p:par>
+                </p:childTnLst>
+              </p:cTn>
+              <p:prevCondLst>
+                <p:cond evt="onPrev" delay="0">
+                  <p:tgtEl>
+                    <p:sldTgt/>
+                  </p:tgtEl>
+                </p:cond>
+              </p:prevCondLst>
+              <p:nextCondLst>
+                <p:cond evt="onNext" delay="0">
+                  <p:tgtEl>
+                    <p:sldTgt/>
+                  </p:tgtEl>
+                </p:cond>
+              </p:nextCondLst>
+            </p:seq>
+          </p:childTnLst>
+        </p:cTn>
+      </p:par>
+    </p:tnLst>
+    <p:bldLst>
+      <p:bldP spid="10" grpId="0" uiExpand="1" build="p"/>
+    </p:bldLst>
+  </p:timing>
+</p:sld>
+</file>
+
+<file path=ppt/slides/slide11.xml><?xml version="1.0" encoding="utf-8"?>
+<p:sld xmlns:a="http://schemas.openxmlformats.org/drawingml/2006/main" xmlns:r="http://schemas.openxmlformats.org/officeDocument/2006/relationships" xmlns:p="http://schemas.openxmlformats.org/presentationml/2006/main">
+  <p:cSld>
+    <p:spTree>
+      <p:nvGrpSpPr>
+        <p:cNvPr id="1" name=""/>
+        <p:cNvGrpSpPr/>
+        <p:nvPr/>
+      </p:nvGrpSpPr>
+      <p:grpSpPr>
+        <a:xfrm>
+          <a:off x="0" y="0"/>
+          <a:ext cx="0" cy="0"/>
+          <a:chOff x="0" y="0"/>
+          <a:chExt cx="0" cy="0"/>
+        </a:xfrm>
+      </p:grpSpPr>
+      <p:sp>
+        <p:nvSpPr>
+          <p:cNvPr id="7" name="Title 6">
+            <a:extLst>
+              <a:ext uri="{FF2B5EF4-FFF2-40B4-BE49-F238E27FC236}">
+                <a16:creationId xmlns:a16="http://schemas.microsoft.com/office/drawing/2014/main" id="{7875C19A-1AAE-476A-A316-A2CF92D763D3}"/>
+              </a:ext>
+            </a:extLst>
+          </p:cNvPr>
+          <p:cNvSpPr>
+            <a:spLocks noGrp="1"/>
+          </p:cNvSpPr>
+          <p:nvPr>
+            <p:ph type="title"/>
+          </p:nvPr>
+        </p:nvSpPr>
+        <p:spPr/>
+        <p:txBody>
+          <a:bodyPr/>
+          <a:lstStyle/>
+          <a:p>
+            <a:r>
+              <a:rPr lang="en-US" dirty="0"/>
+              <a:t>Questions and Discussion</a:t>
+            </a:r>
+          </a:p>
+        </p:txBody>
+      </p:sp>
+      <p:sp>
+        <p:nvSpPr>
+          <p:cNvPr id="10" name="Text Placeholder 9">
+            <a:extLst>
+              <a:ext uri="{FF2B5EF4-FFF2-40B4-BE49-F238E27FC236}">
+                <a16:creationId xmlns:a16="http://schemas.microsoft.com/office/drawing/2014/main" id="{EF2BC084-E6DB-4DE7-B309-042A85EBA700}"/>
+              </a:ext>
+            </a:extLst>
+          </p:cNvPr>
+          <p:cNvSpPr>
+            <a:spLocks noGrp="1"/>
+          </p:cNvSpPr>
+          <p:nvPr>
+            <p:ph type="body" sz="quarter" idx="13"/>
+          </p:nvPr>
+        </p:nvSpPr>
+        <p:spPr>
+          <a:xfrm>
+            <a:off x="444499" y="1625385"/>
+            <a:ext cx="11467867" cy="4390951"/>
+          </a:xfrm>
+        </p:spPr>
+        <p:txBody>
+          <a:bodyPr/>
+          <a:lstStyle/>
+          <a:p>
+            <a:endParaRPr lang="en-US" sz="2800" dirty="0"/>
+          </a:p>
+          <a:p>
+            <a:r>
+              <a:rPr lang="en-US" sz="2800" dirty="0"/>
+              <a:t>Anything you want to know more about?</a:t>
+            </a:r>
+          </a:p>
+          <a:p>
+            <a:r>
+              <a:rPr lang="en-US" sz="2800" dirty="0"/>
+              <a:t>What was your favourite thing you learned or saw?</a:t>
+            </a:r>
+          </a:p>
+          <a:p>
+            <a:pPr marL="0" indent="0">
+              <a:buNone/>
+            </a:pPr>
+            <a:endParaRPr lang="en-US" sz="2800" dirty="0"/>
+          </a:p>
+          <a:p>
+            <a:endParaRPr lang="en-US" sz="2800" dirty="0"/>
+          </a:p>
+          <a:p>
+            <a:r>
+              <a:rPr lang="en-US" sz="2800" dirty="0"/>
+              <a:t>Shout out to the Profiler module for finding perf issues:</a:t>
+            </a:r>
+            <a:r>
+              <a:rPr lang="en-US" sz="2800" dirty="0">
+                <a:solidFill>
+                  <a:schemeClr val="accent1">
+                    <a:lumMod val="60000"/>
+                    <a:lumOff val="40000"/>
+                  </a:schemeClr>
+                </a:solidFill>
+                <a:hlinkClick r:id="rId3">
+                  <a:extLst>
+                    <a:ext uri="{A12FA001-AC4F-418D-AE19-62706E023703}">
+                      <ahyp:hlinkClr xmlns:ahyp="http://schemas.microsoft.com/office/drawing/2018/hyperlinkcolor" val="tx"/>
+                    </a:ext>
+                  </a:extLst>
+                </a:hlinkClick>
+              </a:rPr>
+              <a:t> https://blog.danskingdom.com/Easily-profile-your-PowerShell-code-with-the-Profiler-module/</a:t>
+            </a:r>
+            <a:r>
+              <a:rPr lang="en-US" sz="2800" dirty="0"/>
+              <a:t> </a:t>
+            </a:r>
+          </a:p>
+        </p:txBody>
+      </p:sp>
+      <p:sp>
+        <p:nvSpPr>
+          <p:cNvPr id="2" name="Slide Number Placeholder 1">
+            <a:extLst>
+              <a:ext uri="{FF2B5EF4-FFF2-40B4-BE49-F238E27FC236}">
+                <a16:creationId xmlns:a16="http://schemas.microsoft.com/office/drawing/2014/main" id="{BE9800F6-D571-48C4-8466-12AA1ADB6599}"/>
+              </a:ext>
+            </a:extLst>
+          </p:cNvPr>
+          <p:cNvSpPr>
+            <a:spLocks noGrp="1"/>
+          </p:cNvSpPr>
+          <p:nvPr>
+            <p:ph type="sldNum" sz="quarter" idx="12"/>
+          </p:nvPr>
+        </p:nvSpPr>
+        <p:spPr/>
+        <p:txBody>
+          <a:bodyPr/>
+          <a:lstStyle/>
+          <a:p>
+            <a:fld id="{C263D6C4-4840-40CC-AC84-17E24B3B7BDE}" type="slidenum">
+              <a:rPr lang="en-US" smtClean="0"/>
+              <a:pPr/>
+              <a:t>11</a:t>
+            </a:fld>
+            <a:endParaRPr lang="en-US" dirty="0"/>
+          </a:p>
+        </p:txBody>
+      </p:sp>
+    </p:spTree>
+    <p:extLst>
+      <p:ext uri="{BB962C8B-B14F-4D97-AF65-F5344CB8AC3E}">
+        <p14:creationId xmlns:p14="http://schemas.microsoft.com/office/powerpoint/2010/main" val="3946810922"/>
+      </p:ext>
+    </p:extLst>
+  </p:cSld>
+  <p:clrMapOvr>
+    <a:masterClrMapping/>
+  </p:clrMapOvr>
+  <mc:AlternateContent xmlns:mc="http://schemas.openxmlformats.org/markup-compatibility/2006" xmlns:p14="http://schemas.microsoft.com/office/powerpoint/2010/main">
+    <mc:Choice Requires="p14">
+      <p:transition spd="med" p14:dur="700">
+        <p:fade/>
+      </p:transition>
+    </mc:Choice>
+    <mc:Fallback xmlns="">
+      <p:transition spd="med">
+        <p:fade/>
+      </p:transition>
+    </mc:Fallback>
+  </mc:AlternateContent>
+</p:sld>
+</file>
+
+<file path=ppt/slides/slide12.xml><?xml version="1.0" encoding="utf-8"?>
+<p:sld xmlns:a="http://schemas.openxmlformats.org/drawingml/2006/main" xmlns:r="http://schemas.openxmlformats.org/officeDocument/2006/relationships" xmlns:p="http://schemas.openxmlformats.org/presentationml/2006/main">
+  <p:cSld>
+    <p:spTree>
+      <p:nvGrpSpPr>
+        <p:cNvPr id="1" name=""/>
+        <p:cNvGrpSpPr/>
+        <p:nvPr/>
+      </p:nvGrpSpPr>
+      <p:grpSpPr>
+        <a:xfrm>
+          <a:off x="0" y="0"/>
+          <a:ext cx="0" cy="0"/>
+          <a:chOff x="0" y="0"/>
+          <a:chExt cx="0" cy="0"/>
+        </a:xfrm>
+      </p:grpSpPr>
+      <p:sp>
+        <p:nvSpPr>
+          <p:cNvPr id="2" name="Title 1">
+            <a:extLst>
+              <a:ext uri="{FF2B5EF4-FFF2-40B4-BE49-F238E27FC236}">
+                <a16:creationId xmlns:a16="http://schemas.microsoft.com/office/drawing/2014/main" id="{632BE5BF-9922-45FB-8F3F-4446D40A051B}"/>
+              </a:ext>
+            </a:extLst>
+          </p:cNvPr>
+          <p:cNvSpPr>
+            <a:spLocks noGrp="1"/>
+          </p:cNvSpPr>
+          <p:nvPr>
+            <p:ph type="ctrTitle"/>
+          </p:nvPr>
+        </p:nvSpPr>
+        <p:spPr>
+          <a:xfrm>
+            <a:off x="6096000" y="1682846"/>
+            <a:ext cx="4945598" cy="1243584"/>
+          </a:xfrm>
+        </p:spPr>
+        <p:txBody>
+          <a:bodyPr/>
+          <a:lstStyle/>
+          <a:p>
+            <a:r>
+              <a:rPr lang="en-US" sz="7200" dirty="0"/>
+              <a:t>Thank You!</a:t>
+            </a:r>
+            <a:endParaRPr lang="en-GB" sz="7200" dirty="0"/>
+          </a:p>
+        </p:txBody>
+      </p:sp>
+      <p:sp>
+        <p:nvSpPr>
+          <p:cNvPr id="3" name="Title 1">
+            <a:extLst>
+              <a:ext uri="{FF2B5EF4-FFF2-40B4-BE49-F238E27FC236}">
+                <a16:creationId xmlns:a16="http://schemas.microsoft.com/office/drawing/2014/main" id="{0AB9C4BC-1D53-4A50-18E2-39D67A5E28A6}"/>
+              </a:ext>
+            </a:extLst>
+          </p:cNvPr>
+          <p:cNvSpPr txBox="1">
+            <a:spLocks/>
+          </p:cNvSpPr>
+          <p:nvPr/>
+        </p:nvSpPr>
+        <p:spPr>
+          <a:xfrm>
+            <a:off x="1483441" y="5548356"/>
+            <a:ext cx="9892131" cy="1059268"/>
+          </a:xfrm>
+          <a:prstGeom prst="rect">
+            <a:avLst/>
+          </a:prstGeom>
+        </p:spPr>
+        <p:txBody>
+          <a:bodyPr vert="horz" lIns="91440" tIns="45720" rIns="91440" bIns="45720" rtlCol="0" anchor="ctr">
+            <a:noAutofit/>
+          </a:bodyPr>
+          <a:lstStyle>
+            <a:lvl1pPr algn="l" defTabSz="914400" rtl="0" eaLnBrk="1" latinLnBrk="0" hangingPunct="1">
+              <a:lnSpc>
+                <a:spcPct val="90000"/>
+              </a:lnSpc>
+              <a:spcBef>
+                <a:spcPct val="0"/>
+              </a:spcBef>
+              <a:buNone/>
+              <a:defRPr lang="en-GB" sz="5400" b="1" kern="1200" dirty="0">
+                <a:solidFill>
+                  <a:schemeClr val="bg1"/>
+                </a:solidFill>
+                <a:latin typeface="+mj-lt"/>
+                <a:ea typeface="Tahoma" panose="020B0604030504040204" pitchFamily="34" charset="0"/>
+                <a:cs typeface="Tahoma" panose="020B0604030504040204" pitchFamily="34" charset="0"/>
+              </a:defRPr>
+            </a:lvl1pPr>
+          </a:lstStyle>
+          <a:p>
+            <a:r>
+              <a:rPr lang="en-US" sz="2800" dirty="0">
+                <a:latin typeface="+mn-lt"/>
+              </a:rPr>
+              <a:t>Slide Deck:</a:t>
+            </a:r>
+          </a:p>
+          <a:p>
+            <a:r>
+              <a:rPr lang="en-US" sz="2800" dirty="0">
+                <a:solidFill>
+                  <a:schemeClr val="accent1">
+                    <a:lumMod val="60000"/>
+                    <a:lumOff val="40000"/>
+                  </a:schemeClr>
+                </a:solidFill>
+                <a:latin typeface="+mn-lt"/>
+                <a:hlinkClick r:id="rId3">
+                  <a:extLst>
+                    <a:ext uri="{A12FA001-AC4F-418D-AE19-62706E023703}">
+                      <ahyp:hlinkClr xmlns:ahyp="http://schemas.microsoft.com/office/drawing/2018/hyperlinkcolor" val="tx"/>
+                    </a:ext>
+                  </a:extLst>
+                </a:hlinkClick>
+              </a:rPr>
+              <a:t>https://github.com/deadlydog/Presentation.tiPSWelcome</a:t>
+            </a:r>
+            <a:r>
+              <a:rPr lang="en-US" sz="2800" dirty="0">
+                <a:solidFill>
+                  <a:schemeClr val="accent1">
+                    <a:lumMod val="60000"/>
+                    <a:lumOff val="40000"/>
+                  </a:schemeClr>
+                </a:solidFill>
+                <a:latin typeface="+mn-lt"/>
+              </a:rPr>
+              <a:t> </a:t>
+            </a:r>
+          </a:p>
+        </p:txBody>
+      </p:sp>
+      <p:sp>
+        <p:nvSpPr>
+          <p:cNvPr id="6" name="Title 1">
+            <a:extLst>
+              <a:ext uri="{FF2B5EF4-FFF2-40B4-BE49-F238E27FC236}">
+                <a16:creationId xmlns:a16="http://schemas.microsoft.com/office/drawing/2014/main" id="{ACE1F121-6324-786E-E2AF-49301B095864}"/>
+              </a:ext>
+            </a:extLst>
+          </p:cNvPr>
+          <p:cNvSpPr txBox="1">
+            <a:spLocks/>
+          </p:cNvSpPr>
+          <p:nvPr/>
+        </p:nvSpPr>
+        <p:spPr>
+          <a:xfrm>
+            <a:off x="3200203" y="3599775"/>
+            <a:ext cx="6633116" cy="570239"/>
+          </a:xfrm>
+          <a:prstGeom prst="rect">
+            <a:avLst/>
+          </a:prstGeom>
+        </p:spPr>
+        <p:txBody>
+          <a:bodyPr vert="horz" lIns="91440" tIns="45720" rIns="91440" bIns="45720" rtlCol="0" anchor="ctr">
+            <a:noAutofit/>
+          </a:bodyPr>
+          <a:lstStyle>
+            <a:lvl1pPr algn="l" defTabSz="914400" rtl="0" eaLnBrk="1" latinLnBrk="0" hangingPunct="1">
+              <a:lnSpc>
+                <a:spcPct val="90000"/>
+              </a:lnSpc>
+              <a:spcBef>
+                <a:spcPct val="0"/>
+              </a:spcBef>
+              <a:buNone/>
+              <a:defRPr lang="en-GB" sz="5400" b="1" kern="1200" dirty="0">
+                <a:solidFill>
+                  <a:schemeClr val="bg1"/>
+                </a:solidFill>
+                <a:latin typeface="+mj-lt"/>
+                <a:ea typeface="Tahoma" panose="020B0604030504040204" pitchFamily="34" charset="0"/>
+                <a:cs typeface="Tahoma" panose="020B0604030504040204" pitchFamily="34" charset="0"/>
+              </a:defRPr>
+            </a:lvl1pPr>
+          </a:lstStyle>
+          <a:p>
+            <a:r>
+              <a:rPr lang="en-US" sz="2800" dirty="0">
+                <a:latin typeface="+mn-lt"/>
+              </a:rPr>
+              <a:t>Blog: </a:t>
+            </a:r>
+            <a:r>
+              <a:rPr lang="en-US" sz="2800" dirty="0">
+                <a:solidFill>
+                  <a:schemeClr val="accent1">
+                    <a:lumMod val="60000"/>
+                    <a:lumOff val="40000"/>
+                  </a:schemeClr>
+                </a:solidFill>
+                <a:latin typeface="+mn-lt"/>
+                <a:hlinkClick r:id="rId4">
+                  <a:extLst>
+                    <a:ext uri="{A12FA001-AC4F-418D-AE19-62706E023703}">
+                      <ahyp:hlinkClr xmlns:ahyp="http://schemas.microsoft.com/office/drawing/2018/hyperlinkcolor" val="tx"/>
+                    </a:ext>
+                  </a:extLst>
+                </a:hlinkClick>
+              </a:rPr>
+              <a:t>https://blog.danskingdom.com</a:t>
+            </a:r>
+            <a:r>
+              <a:rPr lang="en-US" sz="2800" dirty="0">
+                <a:solidFill>
+                  <a:schemeClr val="accent1">
+                    <a:lumMod val="60000"/>
+                    <a:lumOff val="40000"/>
+                  </a:schemeClr>
+                </a:solidFill>
+                <a:latin typeface="+mn-lt"/>
+              </a:rPr>
+              <a:t> </a:t>
+            </a:r>
+          </a:p>
+        </p:txBody>
+      </p:sp>
+      <p:sp>
+        <p:nvSpPr>
+          <p:cNvPr id="7" name="Title 1">
+            <a:extLst>
+              <a:ext uri="{FF2B5EF4-FFF2-40B4-BE49-F238E27FC236}">
+                <a16:creationId xmlns:a16="http://schemas.microsoft.com/office/drawing/2014/main" id="{10A4B1F2-FFBD-884F-C20F-B41E9211B235}"/>
+              </a:ext>
+            </a:extLst>
+          </p:cNvPr>
+          <p:cNvSpPr txBox="1">
+            <a:spLocks/>
+          </p:cNvSpPr>
+          <p:nvPr/>
+        </p:nvSpPr>
+        <p:spPr>
+          <a:xfrm>
+            <a:off x="2542643" y="4273120"/>
+            <a:ext cx="7290676" cy="570239"/>
+          </a:xfrm>
+          <a:prstGeom prst="rect">
+            <a:avLst/>
+          </a:prstGeom>
+        </p:spPr>
+        <p:txBody>
+          <a:bodyPr vert="horz" lIns="91440" tIns="45720" rIns="91440" bIns="45720" rtlCol="0" anchor="ctr">
+            <a:noAutofit/>
+          </a:bodyPr>
+          <a:lstStyle>
+            <a:lvl1pPr algn="l" defTabSz="914400" rtl="0" eaLnBrk="1" latinLnBrk="0" hangingPunct="1">
+              <a:lnSpc>
+                <a:spcPct val="90000"/>
+              </a:lnSpc>
+              <a:spcBef>
+                <a:spcPct val="0"/>
+              </a:spcBef>
+              <a:buNone/>
+              <a:defRPr lang="en-GB" sz="5400" b="1" kern="1200" dirty="0">
+                <a:solidFill>
+                  <a:schemeClr val="bg1"/>
+                </a:solidFill>
+                <a:latin typeface="+mj-lt"/>
+                <a:ea typeface="Tahoma" panose="020B0604030504040204" pitchFamily="34" charset="0"/>
+                <a:cs typeface="Tahoma" panose="020B0604030504040204" pitchFamily="34" charset="0"/>
+              </a:defRPr>
+            </a:lvl1pPr>
+          </a:lstStyle>
+          <a:p>
+            <a:r>
+              <a:rPr lang="en-US" sz="2800" dirty="0">
+                <a:latin typeface="+mn-lt"/>
+              </a:rPr>
+              <a:t>GitHub: </a:t>
+            </a:r>
+            <a:r>
+              <a:rPr lang="en-US" sz="2800" dirty="0">
+                <a:solidFill>
+                  <a:schemeClr val="accent1">
+                    <a:lumMod val="60000"/>
+                    <a:lumOff val="40000"/>
+                  </a:schemeClr>
+                </a:solidFill>
+                <a:latin typeface="+mn-lt"/>
+                <a:hlinkClick r:id="rId5">
+                  <a:extLst>
+                    <a:ext uri="{A12FA001-AC4F-418D-AE19-62706E023703}">
+                      <ahyp:hlinkClr xmlns:ahyp="http://schemas.microsoft.com/office/drawing/2018/hyperlinkcolor" val="tx"/>
+                    </a:ext>
+                  </a:extLst>
+                </a:hlinkClick>
+              </a:rPr>
+              <a:t>https://github.com/deadlydog</a:t>
+            </a:r>
+            <a:r>
+              <a:rPr lang="en-US" sz="2800" dirty="0">
+                <a:solidFill>
+                  <a:schemeClr val="accent1">
+                    <a:lumMod val="60000"/>
+                    <a:lumOff val="40000"/>
+                  </a:schemeClr>
+                </a:solidFill>
+                <a:latin typeface="+mn-lt"/>
+              </a:rPr>
+              <a:t>  </a:t>
+            </a:r>
+          </a:p>
+        </p:txBody>
+      </p:sp>
+      <p:sp>
+        <p:nvSpPr>
+          <p:cNvPr id="8" name="Title 1">
+            <a:extLst>
+              <a:ext uri="{FF2B5EF4-FFF2-40B4-BE49-F238E27FC236}">
+                <a16:creationId xmlns:a16="http://schemas.microsoft.com/office/drawing/2014/main" id="{A929F614-BEFE-67F2-00AC-464F14B947DC}"/>
+              </a:ext>
+            </a:extLst>
+          </p:cNvPr>
+          <p:cNvSpPr txBox="1">
+            <a:spLocks/>
+          </p:cNvSpPr>
+          <p:nvPr/>
+        </p:nvSpPr>
+        <p:spPr>
+          <a:xfrm>
+            <a:off x="1993395" y="4946465"/>
+            <a:ext cx="8337650" cy="570239"/>
+          </a:xfrm>
+          <a:prstGeom prst="rect">
+            <a:avLst/>
+          </a:prstGeom>
+        </p:spPr>
+        <p:txBody>
+          <a:bodyPr vert="horz" lIns="91440" tIns="45720" rIns="91440" bIns="45720" rtlCol="0" anchor="ctr">
+            <a:noAutofit/>
+          </a:bodyPr>
+          <a:lstStyle>
+            <a:lvl1pPr algn="l" defTabSz="914400" rtl="0" eaLnBrk="1" latinLnBrk="0" hangingPunct="1">
+              <a:lnSpc>
+                <a:spcPct val="90000"/>
+              </a:lnSpc>
+              <a:spcBef>
+                <a:spcPct val="0"/>
+              </a:spcBef>
+              <a:buNone/>
+              <a:defRPr lang="en-GB" sz="5400" b="1" kern="1200" dirty="0">
+                <a:solidFill>
+                  <a:schemeClr val="bg1"/>
+                </a:solidFill>
+                <a:latin typeface="+mj-lt"/>
+                <a:ea typeface="Tahoma" panose="020B0604030504040204" pitchFamily="34" charset="0"/>
+                <a:cs typeface="Tahoma" panose="020B0604030504040204" pitchFamily="34" charset="0"/>
+              </a:defRPr>
+            </a:lvl1pPr>
+          </a:lstStyle>
+          <a:p>
+            <a:r>
+              <a:rPr lang="en-US" sz="2800" dirty="0">
+                <a:latin typeface="+mn-lt"/>
+              </a:rPr>
+              <a:t>X / Twitter: </a:t>
+            </a:r>
+            <a:r>
+              <a:rPr lang="en-US" sz="2800" dirty="0">
+                <a:solidFill>
+                  <a:schemeClr val="accent1">
+                    <a:lumMod val="60000"/>
+                    <a:lumOff val="40000"/>
+                  </a:schemeClr>
+                </a:solidFill>
+                <a:latin typeface="+mn-lt"/>
+                <a:hlinkClick r:id="rId6">
+                  <a:extLst>
+                    <a:ext uri="{A12FA001-AC4F-418D-AE19-62706E023703}">
+                      <ahyp:hlinkClr xmlns:ahyp="http://schemas.microsoft.com/office/drawing/2018/hyperlinkcolor" val="tx"/>
+                    </a:ext>
+                  </a:extLst>
+                </a:hlinkClick>
+              </a:rPr>
+              <a:t>https://x.com/deadlydog</a:t>
+            </a:r>
+            <a:r>
+              <a:rPr lang="en-US" sz="2800" dirty="0">
+                <a:solidFill>
+                  <a:schemeClr val="accent1">
+                    <a:lumMod val="60000"/>
+                    <a:lumOff val="40000"/>
+                  </a:schemeClr>
+                </a:solidFill>
+                <a:latin typeface="+mn-lt"/>
+              </a:rPr>
+              <a:t>   </a:t>
+            </a:r>
+          </a:p>
+        </p:txBody>
+      </p:sp>
+    </p:spTree>
+    <p:extLst>
+      <p:ext uri="{BB962C8B-B14F-4D97-AF65-F5344CB8AC3E}">
+        <p14:creationId xmlns:p14="http://schemas.microsoft.com/office/powerpoint/2010/main" val="2977205056"/>
+      </p:ext>
+    </p:extLst>
+  </p:cSld>
+  <p:clrMapOvr>
+    <a:masterClrMapping/>
+  </p:clrMapOvr>
+  <p:transition spd="slow">
+    <p:wipe/>
+  </p:transition>
+</p:sld>
+</file>
+
+<file path=ppt/slides/slide13.xml><?xml version="1.0" encoding="utf-8"?>
+<p:sld xmlns:a="http://schemas.openxmlformats.org/drawingml/2006/main" xmlns:r="http://schemas.openxmlformats.org/officeDocument/2006/relationships" xmlns:p="http://schemas.openxmlformats.org/presentationml/2006/main">
+  <p:cSld>
+    <p:spTree>
+      <p:nvGrpSpPr>
+        <p:cNvPr id="1" name=""/>
+        <p:cNvGrpSpPr/>
+        <p:nvPr/>
+      </p:nvGrpSpPr>
+      <p:grpSpPr>
+        <a:xfrm>
+          <a:off x="0" y="0"/>
+          <a:ext cx="0" cy="0"/>
+          <a:chOff x="0" y="0"/>
+          <a:chExt cx="0" cy="0"/>
+        </a:xfrm>
+      </p:grpSpPr>
+      <p:sp>
+        <p:nvSpPr>
+          <p:cNvPr id="7" name="Title 6">
+            <a:extLst>
+              <a:ext uri="{FF2B5EF4-FFF2-40B4-BE49-F238E27FC236}">
+                <a16:creationId xmlns:a16="http://schemas.microsoft.com/office/drawing/2014/main" id="{7875C19A-1AAE-476A-A316-A2CF92D763D3}"/>
+              </a:ext>
+            </a:extLst>
+          </p:cNvPr>
+          <p:cNvSpPr>
+            <a:spLocks noGrp="1"/>
+          </p:cNvSpPr>
+          <p:nvPr>
+            <p:ph type="title"/>
+          </p:nvPr>
+        </p:nvSpPr>
+        <p:spPr/>
+        <p:txBody>
+          <a:bodyPr/>
+          <a:lstStyle/>
+          <a:p>
+            <a:r>
+              <a:rPr lang="en-US" dirty="0"/>
+              <a:t>Classes and Enums</a:t>
+            </a:r>
+          </a:p>
+        </p:txBody>
+      </p:sp>
+      <p:sp>
+        <p:nvSpPr>
+          <p:cNvPr id="10" name="Text Placeholder 9">
+            <a:extLst>
+              <a:ext uri="{FF2B5EF4-FFF2-40B4-BE49-F238E27FC236}">
+                <a16:creationId xmlns:a16="http://schemas.microsoft.com/office/drawing/2014/main" id="{EF2BC084-E6DB-4DE7-B309-042A85EBA700}"/>
+              </a:ext>
+            </a:extLst>
+          </p:cNvPr>
+          <p:cNvSpPr>
+            <a:spLocks noGrp="1"/>
+          </p:cNvSpPr>
+          <p:nvPr>
+            <p:ph type="body" sz="quarter" idx="13"/>
+          </p:nvPr>
+        </p:nvSpPr>
+        <p:spPr>
+          <a:xfrm>
+            <a:off x="444499" y="1195755"/>
+            <a:ext cx="11467867" cy="5373858"/>
+          </a:xfrm>
+        </p:spPr>
+        <p:txBody>
+          <a:bodyPr/>
+          <a:lstStyle/>
+          <a:p>
+            <a:r>
+              <a:rPr lang="en-US" sz="2800" dirty="0"/>
+              <a:t>Enum</a:t>
+            </a:r>
+          </a:p>
+          <a:p>
+            <a:pPr lvl="1"/>
+            <a:r>
+              <a:rPr lang="en-US" sz="2600" dirty="0"/>
+              <a:t>Predefined set of values to choose from</a:t>
+            </a:r>
+          </a:p>
+          <a:p>
+            <a:pPr lvl="1"/>
+            <a:r>
+              <a:rPr lang="en-US" sz="2600" dirty="0"/>
+              <a:t>Automatic validations and autocomplete</a:t>
+            </a:r>
+          </a:p>
+          <a:p>
+            <a:r>
+              <a:rPr lang="en-US" sz="2800" dirty="0"/>
+              <a:t>Class</a:t>
+            </a:r>
+          </a:p>
+          <a:p>
+            <a:pPr lvl="1"/>
+            <a:r>
+              <a:rPr lang="en-US" sz="2600" dirty="0"/>
+              <a:t>Strongly typed object with data + functions</a:t>
+            </a:r>
+          </a:p>
+          <a:p>
+            <a:pPr lvl="1"/>
+            <a:r>
+              <a:rPr lang="en-US" sz="2600" dirty="0"/>
+              <a:t>All objects guaranteed to have the same properties and functions</a:t>
+            </a:r>
+          </a:p>
+          <a:p>
+            <a:pPr marL="457200" lvl="1" indent="0">
+              <a:buNone/>
+            </a:pPr>
+            <a:endParaRPr lang="en-US" sz="2800" dirty="0"/>
+          </a:p>
+          <a:p>
+            <a:pPr marL="457200" lvl="1" indent="0">
+              <a:buNone/>
+            </a:pPr>
+            <a:endParaRPr lang="en-US" sz="2800" dirty="0"/>
+          </a:p>
+          <a:p>
+            <a:r>
+              <a:rPr lang="en-US" sz="2800" dirty="0">
+                <a:solidFill>
+                  <a:schemeClr val="accent1">
+                    <a:lumMod val="60000"/>
+                    <a:lumOff val="40000"/>
+                  </a:schemeClr>
+                </a:solidFill>
+                <a:hlinkClick r:id="rId3">
+                  <a:extLst>
+                    <a:ext uri="{A12FA001-AC4F-418D-AE19-62706E023703}">
+                      <ahyp:hlinkClr xmlns:ahyp="http://schemas.microsoft.com/office/drawing/2018/hyperlinkcolor" val="tx"/>
+                    </a:ext>
+                  </a:extLst>
+                </a:hlinkClick>
+              </a:rPr>
+              <a:t>https://github.com/deadlydog/PowerShell.Experiment.ClassInModule</a:t>
+            </a:r>
+            <a:r>
+              <a:rPr lang="en-US" sz="2800" dirty="0">
+                <a:solidFill>
+                  <a:schemeClr val="accent1">
+                    <a:lumMod val="60000"/>
+                    <a:lumOff val="40000"/>
+                  </a:schemeClr>
+                </a:solidFill>
+              </a:rPr>
+              <a:t> </a:t>
+            </a:r>
+          </a:p>
+        </p:txBody>
+      </p:sp>
+      <p:sp>
+        <p:nvSpPr>
+          <p:cNvPr id="2" name="Slide Number Placeholder 1">
+            <a:extLst>
+              <a:ext uri="{FF2B5EF4-FFF2-40B4-BE49-F238E27FC236}">
+                <a16:creationId xmlns:a16="http://schemas.microsoft.com/office/drawing/2014/main" id="{BE9800F6-D571-48C4-8466-12AA1ADB6599}"/>
+              </a:ext>
+            </a:extLst>
+          </p:cNvPr>
+          <p:cNvSpPr>
+            <a:spLocks noGrp="1"/>
+          </p:cNvSpPr>
+          <p:nvPr>
+            <p:ph type="sldNum" sz="quarter" idx="12"/>
+          </p:nvPr>
+        </p:nvSpPr>
+        <p:spPr/>
+        <p:txBody>
+          <a:bodyPr/>
+          <a:lstStyle/>
+          <a:p>
+            <a:fld id="{C263D6C4-4840-40CC-AC84-17E24B3B7BDE}" type="slidenum">
+              <a:rPr lang="en-US" smtClean="0"/>
+              <a:pPr/>
+              <a:t>13</a:t>
+            </a:fld>
+            <a:endParaRPr lang="en-US" dirty="0"/>
+          </a:p>
+        </p:txBody>
+      </p:sp>
+    </p:spTree>
+    <p:extLst>
+      <p:ext uri="{BB962C8B-B14F-4D97-AF65-F5344CB8AC3E}">
+        <p14:creationId xmlns:p14="http://schemas.microsoft.com/office/powerpoint/2010/main" val="1089435659"/>
+      </p:ext>
+    </p:extLst>
+  </p:cSld>
+  <p:clrMapOvr>
+    <a:masterClrMapping/>
+  </p:clrMapOvr>
+  <mc:AlternateContent xmlns:mc="http://schemas.openxmlformats.org/markup-compatibility/2006" xmlns:p14="http://schemas.microsoft.com/office/powerpoint/2010/main">
+    <mc:Choice Requires="p14">
+      <p:transition spd="med" p14:dur="700">
+        <p:fade/>
+      </p:transition>
+    </mc:Choice>
+    <mc:Fallback xmlns="">
+      <p:transition spd="med">
+        <p:fade/>
+      </p:transition>
+    </mc:Fallback>
+  </mc:AlternateContent>
+</p:sld>
+</file>
+
+<file path=ppt/slides/slide14.xml><?xml version="1.0" encoding="utf-8"?>
+<p:sld xmlns:a="http://schemas.openxmlformats.org/drawingml/2006/main" xmlns:r="http://schemas.openxmlformats.org/officeDocument/2006/relationships" xmlns:p="http://schemas.openxmlformats.org/presentationml/2006/main">
+  <p:cSld>
+    <p:spTree>
+      <p:nvGrpSpPr>
+        <p:cNvPr id="1" name=""/>
+        <p:cNvGrpSpPr/>
+        <p:nvPr/>
+      </p:nvGrpSpPr>
+      <p:grpSpPr>
+        <a:xfrm>
+          <a:off x="0" y="0"/>
+          <a:ext cx="0" cy="0"/>
+          <a:chOff x="0" y="0"/>
+          <a:chExt cx="0" cy="0"/>
+        </a:xfrm>
+      </p:grpSpPr>
+      <p:sp>
+        <p:nvSpPr>
+          <p:cNvPr id="7" name="Title 6">
+            <a:extLst>
+              <a:ext uri="{FF2B5EF4-FFF2-40B4-BE49-F238E27FC236}">
+                <a16:creationId xmlns:a16="http://schemas.microsoft.com/office/drawing/2014/main" id="{7875C19A-1AAE-476A-A316-A2CF92D763D3}"/>
+              </a:ext>
+            </a:extLst>
+          </p:cNvPr>
+          <p:cNvSpPr>
+            <a:spLocks noGrp="1"/>
+          </p:cNvSpPr>
+          <p:nvPr>
+            <p:ph type="title"/>
+          </p:nvPr>
+        </p:nvSpPr>
+        <p:spPr/>
+        <p:txBody>
+          <a:bodyPr/>
+          <a:lstStyle/>
+          <a:p>
+            <a:r>
+              <a:rPr lang="en-US" dirty="0"/>
+              <a:t>Tips: Use Temporary Console and </a:t>
+            </a:r>
+            <a:r>
+              <a:rPr lang="en-US" dirty="0" err="1"/>
+              <a:t>StrictMode</a:t>
+            </a:r>
+            <a:endParaRPr lang="en-US" dirty="0"/>
+          </a:p>
+        </p:txBody>
+      </p:sp>
+      <p:sp>
+        <p:nvSpPr>
+          <p:cNvPr id="10" name="Text Placeholder 9">
+            <a:extLst>
+              <a:ext uri="{FF2B5EF4-FFF2-40B4-BE49-F238E27FC236}">
+                <a16:creationId xmlns:a16="http://schemas.microsoft.com/office/drawing/2014/main" id="{EF2BC084-E6DB-4DE7-B309-042A85EBA700}"/>
+              </a:ext>
+            </a:extLst>
+          </p:cNvPr>
+          <p:cNvSpPr>
+            <a:spLocks noGrp="1"/>
+          </p:cNvSpPr>
+          <p:nvPr>
+            <p:ph type="body" sz="quarter" idx="13"/>
+          </p:nvPr>
+        </p:nvSpPr>
+        <p:spPr>
+          <a:xfrm>
+            <a:off x="444499" y="1625384"/>
+            <a:ext cx="11467867" cy="5054815"/>
+          </a:xfrm>
+        </p:spPr>
+        <p:txBody>
+          <a:bodyPr/>
+          <a:lstStyle/>
+          <a:p>
+            <a:r>
+              <a:rPr lang="en-US" sz="2800" dirty="0"/>
+              <a:t>VS Code Setting: Create Temporary Integrated Console</a:t>
+            </a:r>
+          </a:p>
+          <a:p>
+            <a:pPr lvl="1"/>
+            <a:r>
+              <a:rPr lang="en-US" sz="2600" dirty="0"/>
+              <a:t>Helps surface errors, especially during refactoring </a:t>
+            </a:r>
+          </a:p>
+          <a:p>
+            <a:pPr lvl="1"/>
+            <a:r>
+              <a:rPr lang="en-US" sz="2600" dirty="0"/>
+              <a:t>Avoid reloading VS Code when using Add-Type to import assemblies and working with classes / </a:t>
+            </a:r>
+            <a:r>
+              <a:rPr lang="en-US" sz="2600" dirty="0" err="1"/>
+              <a:t>enums</a:t>
+            </a:r>
+            <a:endParaRPr lang="en-US" sz="2600" dirty="0"/>
+          </a:p>
+          <a:p>
+            <a:endParaRPr lang="en-US" sz="2800" dirty="0"/>
+          </a:p>
+          <a:p>
+            <a:r>
+              <a:rPr lang="en-US" sz="2800" dirty="0"/>
+              <a:t>Set-</a:t>
+            </a:r>
+            <a:r>
+              <a:rPr lang="en-US" sz="2800" dirty="0" err="1"/>
+              <a:t>StrictMode</a:t>
+            </a:r>
+            <a:r>
+              <a:rPr lang="en-US" sz="2800" dirty="0"/>
+              <a:t> -Version Latest</a:t>
+            </a:r>
+          </a:p>
+          <a:p>
+            <a:pPr lvl="1"/>
+            <a:r>
+              <a:rPr lang="en-US" sz="2600" dirty="0"/>
+              <a:t>Helps catch errors that might otherwise go unnoticed</a:t>
+            </a:r>
+          </a:p>
+          <a:p>
+            <a:pPr lvl="1"/>
+            <a:r>
+              <a:rPr lang="en-US" sz="2600" dirty="0"/>
+              <a:t>Caveat: Be careful introducing this into existing scripts, or scripts that are dot-sourced into other scripts, as it applies to the current scope and all child scopes</a:t>
+            </a:r>
+          </a:p>
+        </p:txBody>
+      </p:sp>
+      <p:sp>
+        <p:nvSpPr>
+          <p:cNvPr id="2" name="Slide Number Placeholder 1">
+            <a:extLst>
+              <a:ext uri="{FF2B5EF4-FFF2-40B4-BE49-F238E27FC236}">
+                <a16:creationId xmlns:a16="http://schemas.microsoft.com/office/drawing/2014/main" id="{BE9800F6-D571-48C4-8466-12AA1ADB6599}"/>
+              </a:ext>
+            </a:extLst>
+          </p:cNvPr>
+          <p:cNvSpPr>
+            <a:spLocks noGrp="1"/>
+          </p:cNvSpPr>
+          <p:nvPr>
+            <p:ph type="sldNum" sz="quarter" idx="12"/>
+          </p:nvPr>
+        </p:nvSpPr>
+        <p:spPr/>
+        <p:txBody>
+          <a:bodyPr/>
+          <a:lstStyle/>
+          <a:p>
+            <a:fld id="{C263D6C4-4840-40CC-AC84-17E24B3B7BDE}" type="slidenum">
+              <a:rPr lang="en-US" smtClean="0"/>
+              <a:pPr/>
+              <a:t>14</a:t>
+            </a:fld>
+            <a:endParaRPr lang="en-US" dirty="0"/>
+          </a:p>
+        </p:txBody>
+      </p:sp>
+    </p:spTree>
+    <p:extLst>
+      <p:ext uri="{BB962C8B-B14F-4D97-AF65-F5344CB8AC3E}">
+        <p14:creationId xmlns:p14="http://schemas.microsoft.com/office/powerpoint/2010/main" val="670609937"/>
+      </p:ext>
+    </p:extLst>
+  </p:cSld>
+  <p:clrMapOvr>
+    <a:masterClrMapping/>
+  </p:clrMapOvr>
+  <mc:AlternateContent xmlns:mc="http://schemas.openxmlformats.org/markup-compatibility/2006" xmlns:p14="http://schemas.microsoft.com/office/powerpoint/2010/main">
+    <mc:Choice Requires="p14">
+      <p:transition spd="med" p14:dur="700">
+        <p:fade/>
+      </p:transition>
+    </mc:Choice>
+    <mc:Fallback xmlns="">
+      <p:transition spd="med">
+        <p:fade/>
+      </p:transition>
+    </mc:Fallback>
+  </mc:AlternateContent>
+  <p:timing>
+    <p:tnLst>
+      <p:par>
+        <p:cTn id="1" dur="indefinite" restart="never" nodeType="tmRoot">
+          <p:childTnLst>
+            <p:seq concurrent="1" nextAc="seek">
+              <p:cTn id="2" dur="indefinite" nodeType="mainSeq">
+                <p:childTnLst>
+                  <p:par>
+                    <p:cTn id="3" fill="hold">
+                      <p:stCondLst>
+                        <p:cond delay="indefinite"/>
+                      </p:stCondLst>
+                      <p:childTnLst>
+                        <p:par>
+                          <p:cTn id="4" fill="hold">
+                            <p:stCondLst>
+                              <p:cond delay="0"/>
+                            </p:stCondLst>
+                            <p:childTnLst>
+                              <p:par>
+                                <p:cTn id="5" presetID="10" presetClass="entr" presetSubtype="0" fill="hold" grpId="0" nodeType="clickEffect">
+                                  <p:stCondLst>
+                                    <p:cond delay="0"/>
+                                  </p:stCondLst>
+                                  <p:childTnLst>
+                                    <p:set>
+                                      <p:cBhvr>
+                                        <p:cTn id="6" dur="1" fill="hold">
+                                          <p:stCondLst>
+                                            <p:cond delay="0"/>
+                                          </p:stCondLst>
+                                        </p:cTn>
+                                        <p:tgtEl>
+                                          <p:spTgt spid="10">
+                                            <p:txEl>
+                                              <p:pRg st="0" end="0"/>
+                                            </p:txEl>
+                                          </p:spTgt>
+                                        </p:tgtEl>
+                                        <p:attrNameLst>
+                                          <p:attrName>style.visibility</p:attrName>
+                                        </p:attrNameLst>
+                                      </p:cBhvr>
+                                      <p:to>
+                                        <p:strVal val="visible"/>
+                                      </p:to>
+                                    </p:set>
+                                    <p:animEffect transition="in" filter="fade">
+                                      <p:cBhvr>
+                                        <p:cTn id="7" dur="500"/>
+                                        <p:tgtEl>
+                                          <p:spTgt spid="10">
+                                            <p:txEl>
+                                              <p:pRg st="0" end="0"/>
+                                            </p:txEl>
+                                          </p:spTgt>
+                                        </p:tgtEl>
+                                      </p:cBhvr>
+                                    </p:animEffect>
+                                  </p:childTnLst>
+                                </p:cTn>
+                              </p:par>
+                              <p:par>
+                                <p:cTn id="8" presetID="10" presetClass="entr" presetSubtype="0" fill="hold" grpId="0" nodeType="withEffect">
+                                  <p:stCondLst>
+                                    <p:cond delay="0"/>
+                                  </p:stCondLst>
+                                  <p:childTnLst>
+                                    <p:set>
+                                      <p:cBhvr>
+                                        <p:cTn id="9" dur="1" fill="hold">
+                                          <p:stCondLst>
+                                            <p:cond delay="0"/>
+                                          </p:stCondLst>
+                                        </p:cTn>
+                                        <p:tgtEl>
+                                          <p:spTgt spid="10">
+                                            <p:txEl>
+                                              <p:pRg st="1" end="1"/>
+                                            </p:txEl>
+                                          </p:spTgt>
+                                        </p:tgtEl>
+                                        <p:attrNameLst>
+                                          <p:attrName>style.visibility</p:attrName>
+                                        </p:attrNameLst>
+                                      </p:cBhvr>
+                                      <p:to>
+                                        <p:strVal val="visible"/>
+                                      </p:to>
+                                    </p:set>
+                                    <p:animEffect transition="in" filter="fade">
+                                      <p:cBhvr>
+                                        <p:cTn id="10" dur="500"/>
+                                        <p:tgtEl>
+                                          <p:spTgt spid="10">
+                                            <p:txEl>
+                                              <p:pRg st="1" end="1"/>
+                                            </p:txEl>
+                                          </p:spTgt>
+                                        </p:tgtEl>
+                                      </p:cBhvr>
+                                    </p:animEffect>
+                                  </p:childTnLst>
+                                </p:cTn>
+                              </p:par>
+                              <p:par>
+                                <p:cTn id="11" presetID="10" presetClass="entr" presetSubtype="0" fill="hold" grpId="0" nodeType="withEffect">
+                                  <p:stCondLst>
+                                    <p:cond delay="0"/>
+                                  </p:stCondLst>
+                                  <p:childTnLst>
+                                    <p:set>
+                                      <p:cBhvr>
+                                        <p:cTn id="12" dur="1" fill="hold">
+                                          <p:stCondLst>
+                                            <p:cond delay="0"/>
+                                          </p:stCondLst>
+                                        </p:cTn>
+                                        <p:tgtEl>
+                                          <p:spTgt spid="10">
+                                            <p:txEl>
+                                              <p:pRg st="2" end="2"/>
+                                            </p:txEl>
+                                          </p:spTgt>
+                                        </p:tgtEl>
+                                        <p:attrNameLst>
+                                          <p:attrName>style.visibility</p:attrName>
+                                        </p:attrNameLst>
+                                      </p:cBhvr>
+                                      <p:to>
+                                        <p:strVal val="visible"/>
+                                      </p:to>
+                                    </p:set>
+                                    <p:animEffect transition="in" filter="fade">
+                                      <p:cBhvr>
+                                        <p:cTn id="13" dur="500"/>
+                                        <p:tgtEl>
+                                          <p:spTgt spid="10">
+                                            <p:txEl>
+                                              <p:pRg st="2" end="2"/>
+                                            </p:txEl>
+                                          </p:spTgt>
+                                        </p:tgtEl>
+                                      </p:cBhvr>
+                                    </p:animEffect>
+                                  </p:childTnLst>
+                                </p:cTn>
+                              </p:par>
+                              <p:par>
+                                <p:cTn id="14" presetID="10" presetClass="entr" presetSubtype="0" fill="hold" grpId="0" nodeType="withEffect">
+                                  <p:stCondLst>
+                                    <p:cond delay="0"/>
+                                  </p:stCondLst>
+                                  <p:childTnLst>
+                                    <p:set>
+                                      <p:cBhvr>
+                                        <p:cTn id="15" dur="1" fill="hold">
+                                          <p:stCondLst>
+                                            <p:cond delay="0"/>
+                                          </p:stCondLst>
+                                        </p:cTn>
+                                        <p:tgtEl>
+                                          <p:spTgt spid="10">
+                                            <p:txEl>
+                                              <p:pRg st="4" end="4"/>
+                                            </p:txEl>
+                                          </p:spTgt>
+                                        </p:tgtEl>
+                                        <p:attrNameLst>
+                                          <p:attrName>style.visibility</p:attrName>
+                                        </p:attrNameLst>
+                                      </p:cBhvr>
+                                      <p:to>
+                                        <p:strVal val="visible"/>
+                                      </p:to>
+                                    </p:set>
+                                    <p:animEffect transition="in" filter="fade">
+                                      <p:cBhvr>
+                                        <p:cTn id="16" dur="500"/>
+                                        <p:tgtEl>
+                                          <p:spTgt spid="10">
+                                            <p:txEl>
+                                              <p:pRg st="4" end="4"/>
+                                            </p:txEl>
+                                          </p:spTgt>
+                                        </p:tgtEl>
+                                      </p:cBhvr>
+                                    </p:animEffect>
+                                  </p:childTnLst>
+                                </p:cTn>
+                              </p:par>
+                              <p:par>
+                                <p:cTn id="17" presetID="10" presetClass="entr" presetSubtype="0" fill="hold" grpId="0" nodeType="withEffect">
+                                  <p:stCondLst>
+                                    <p:cond delay="0"/>
+                                  </p:stCondLst>
+                                  <p:childTnLst>
+                                    <p:set>
+                                      <p:cBhvr>
+                                        <p:cTn id="18" dur="1" fill="hold">
+                                          <p:stCondLst>
+                                            <p:cond delay="0"/>
+                                          </p:stCondLst>
+                                        </p:cTn>
+                                        <p:tgtEl>
+                                          <p:spTgt spid="10">
+                                            <p:txEl>
+                                              <p:pRg st="5" end="5"/>
+                                            </p:txEl>
+                                          </p:spTgt>
+                                        </p:tgtEl>
+                                        <p:attrNameLst>
+                                          <p:attrName>style.visibility</p:attrName>
+                                        </p:attrNameLst>
+                                      </p:cBhvr>
+                                      <p:to>
+                                        <p:strVal val="visible"/>
+                                      </p:to>
+                                    </p:set>
+                                    <p:animEffect transition="in" filter="fade">
+                                      <p:cBhvr>
+                                        <p:cTn id="19" dur="500"/>
+                                        <p:tgtEl>
+                                          <p:spTgt spid="10">
+                                            <p:txEl>
+                                              <p:pRg st="5" end="5"/>
+                                            </p:txEl>
+                                          </p:spTgt>
+                                        </p:tgtEl>
+                                      </p:cBhvr>
+                                    </p:animEffect>
+                                  </p:childTnLst>
+                                </p:cTn>
+                              </p:par>
+                              <p:par>
+                                <p:cTn id="20" presetID="10" presetClass="entr" presetSubtype="0" fill="hold" grpId="0" nodeType="withEffect">
+                                  <p:stCondLst>
+                                    <p:cond delay="0"/>
+                                  </p:stCondLst>
+                                  <p:childTnLst>
+                                    <p:set>
+                                      <p:cBhvr>
+                                        <p:cTn id="21" dur="1" fill="hold">
+                                          <p:stCondLst>
+                                            <p:cond delay="0"/>
+                                          </p:stCondLst>
+                                        </p:cTn>
+                                        <p:tgtEl>
+                                          <p:spTgt spid="10">
+                                            <p:txEl>
+                                              <p:pRg st="6" end="6"/>
+                                            </p:txEl>
+                                          </p:spTgt>
+                                        </p:tgtEl>
+                                        <p:attrNameLst>
+                                          <p:attrName>style.visibility</p:attrName>
+                                        </p:attrNameLst>
+                                      </p:cBhvr>
+                                      <p:to>
+                                        <p:strVal val="visible"/>
+                                      </p:to>
+                                    </p:set>
+                                    <p:animEffect transition="in" filter="fade">
+                                      <p:cBhvr>
+                                        <p:cTn id="22" dur="500"/>
+                                        <p:tgtEl>
+                                          <p:spTgt spid="10">
+                                            <p:txEl>
+                                              <p:pRg st="6" end="6"/>
+                                            </p:txEl>
+                                          </p:spTgt>
+                                        </p:tgtEl>
+                                      </p:cBhvr>
+                                    </p:animEffect>
+                                  </p:childTnLst>
+                                </p:cTn>
+                              </p:par>
+                            </p:childTnLst>
+                          </p:cTn>
+                        </p:par>
+                      </p:childTnLst>
+                    </p:cTn>
+                  </p:par>
+                </p:childTnLst>
+              </p:cTn>
+              <p:prevCondLst>
+                <p:cond evt="onPrev" delay="0">
+                  <p:tgtEl>
+                    <p:sldTgt/>
+                  </p:tgtEl>
+                </p:cond>
+              </p:prevCondLst>
+              <p:nextCondLst>
+                <p:cond evt="onNext" delay="0">
+                  <p:tgtEl>
+                    <p:sldTgt/>
+                  </p:tgtEl>
+                </p:cond>
+              </p:nextCondLst>
+            </p:seq>
+          </p:childTnLst>
+        </p:cTn>
+      </p:par>
+    </p:tnLst>
+    <p:bldLst>
+      <p:bldP spid="10" grpId="0" uiExpand="1" build="p"/>
+    </p:bldLst>
+  </p:timing>
+</p:sld>
+</file>
+
+<file path=ppt/slides/slide15.xml><?xml version="1.0" encoding="utf-8"?>
+<p:sld xmlns:a="http://schemas.openxmlformats.org/drawingml/2006/main" xmlns:r="http://schemas.openxmlformats.org/officeDocument/2006/relationships" xmlns:p="http://schemas.openxmlformats.org/presentationml/2006/main">
+  <p:cSld>
+    <p:spTree>
+      <p:nvGrpSpPr>
+        <p:cNvPr id="1" name=""/>
+        <p:cNvGrpSpPr/>
+        <p:nvPr/>
+      </p:nvGrpSpPr>
+      <p:grpSpPr>
+        <a:xfrm>
+          <a:off x="0" y="0"/>
+          <a:ext cx="0" cy="0"/>
+          <a:chOff x="0" y="0"/>
+          <a:chExt cx="0" cy="0"/>
+        </a:xfrm>
+      </p:grpSpPr>
+      <p:sp>
+        <p:nvSpPr>
+          <p:cNvPr id="7" name="Title 6">
+            <a:extLst>
+              <a:ext uri="{FF2B5EF4-FFF2-40B4-BE49-F238E27FC236}">
+                <a16:creationId xmlns:a16="http://schemas.microsoft.com/office/drawing/2014/main" id="{7875C19A-1AAE-476A-A316-A2CF92D763D3}"/>
+              </a:ext>
+            </a:extLst>
+          </p:cNvPr>
+          <p:cNvSpPr>
+            <a:spLocks noGrp="1"/>
+          </p:cNvSpPr>
+          <p:nvPr>
+            <p:ph type="title"/>
+          </p:nvPr>
+        </p:nvSpPr>
+        <p:spPr/>
+        <p:txBody>
+          <a:bodyPr/>
+          <a:lstStyle/>
+          <a:p>
+            <a:r>
+              <a:rPr lang="en-US" dirty="0"/>
+              <a:t>Pester Tests</a:t>
+            </a:r>
+          </a:p>
+        </p:txBody>
+      </p:sp>
+      <p:sp>
+        <p:nvSpPr>
+          <p:cNvPr id="10" name="Text Placeholder 9">
+            <a:extLst>
+              <a:ext uri="{FF2B5EF4-FFF2-40B4-BE49-F238E27FC236}">
+                <a16:creationId xmlns:a16="http://schemas.microsoft.com/office/drawing/2014/main" id="{EF2BC084-E6DB-4DE7-B309-042A85EBA700}"/>
+              </a:ext>
+            </a:extLst>
+          </p:cNvPr>
+          <p:cNvSpPr>
+            <a:spLocks noGrp="1"/>
+          </p:cNvSpPr>
+          <p:nvPr>
+            <p:ph type="body" sz="quarter" idx="13"/>
+          </p:nvPr>
+        </p:nvSpPr>
+        <p:spPr>
+          <a:xfrm>
+            <a:off x="444499" y="1625385"/>
+            <a:ext cx="11467867" cy="4390951"/>
+          </a:xfrm>
+        </p:spPr>
+        <p:txBody>
+          <a:bodyPr/>
+          <a:lstStyle/>
+          <a:p>
+            <a:r>
+              <a:rPr lang="en-US" sz="2800" dirty="0"/>
+              <a:t>Use $</a:t>
+            </a:r>
+            <a:r>
+              <a:rPr lang="en-US" sz="2800" dirty="0" err="1"/>
+              <a:t>TestDrive</a:t>
+            </a:r>
+            <a:r>
+              <a:rPr lang="en-US" sz="2800" dirty="0"/>
+              <a:t> to write files to a temp directory</a:t>
+            </a:r>
+          </a:p>
+          <a:p>
+            <a:pPr lvl="1"/>
+            <a:r>
+              <a:rPr lang="en-US" sz="2600" dirty="0" err="1"/>
+              <a:t>TestDrive</a:t>
+            </a:r>
+            <a:r>
+              <a:rPr lang="en-US" sz="2600" dirty="0"/>
+              <a:t>: cannot be resolved in .NET methods</a:t>
+            </a:r>
+          </a:p>
+          <a:p>
+            <a:pPr lvl="1"/>
+            <a:r>
+              <a:rPr lang="en-US" sz="2600" dirty="0"/>
+              <a:t>E.g. use “$</a:t>
+            </a:r>
+            <a:r>
+              <a:rPr lang="en-US" sz="2600" dirty="0" err="1"/>
+              <a:t>TestDrive</a:t>
+            </a:r>
+            <a:r>
+              <a:rPr lang="en-US" sz="2600" dirty="0"/>
+              <a:t>\test.txt” instead of “</a:t>
+            </a:r>
+            <a:r>
+              <a:rPr lang="en-US" sz="2600" dirty="0" err="1"/>
+              <a:t>TestDrive</a:t>
+            </a:r>
+            <a:r>
+              <a:rPr lang="en-US" sz="2600" dirty="0"/>
+              <a:t>:\test.txt”</a:t>
+            </a:r>
+          </a:p>
+          <a:p>
+            <a:pPr lvl="1"/>
+            <a:r>
+              <a:rPr lang="en-US" sz="2600" dirty="0">
+                <a:solidFill>
+                  <a:schemeClr val="accent1">
+                    <a:lumMod val="60000"/>
+                    <a:lumOff val="40000"/>
+                  </a:schemeClr>
+                </a:solidFill>
+                <a:hlinkClick r:id="rId3">
+                  <a:extLst>
+                    <a:ext uri="{A12FA001-AC4F-418D-AE19-62706E023703}">
+                      <ahyp:hlinkClr xmlns:ahyp="http://schemas.microsoft.com/office/drawing/2018/hyperlinkcolor" val="tx"/>
+                    </a:ext>
+                  </a:extLst>
+                </a:hlinkClick>
+              </a:rPr>
+              <a:t>https://pester.dev/docs/usage/testdrive</a:t>
+            </a:r>
+            <a:r>
+              <a:rPr lang="en-US" sz="2600" dirty="0"/>
+              <a:t> </a:t>
+            </a:r>
+          </a:p>
+          <a:p>
+            <a:r>
+              <a:rPr lang="en-US" sz="2800" dirty="0"/>
+              <a:t>Use </a:t>
+            </a:r>
+            <a:r>
+              <a:rPr lang="en-US" sz="2800" dirty="0" err="1"/>
+              <a:t>InModuleScope</a:t>
+            </a:r>
+            <a:r>
+              <a:rPr lang="en-US" sz="2800" dirty="0"/>
+              <a:t> to access private module functions</a:t>
+            </a:r>
+          </a:p>
+        </p:txBody>
+      </p:sp>
+      <p:sp>
+        <p:nvSpPr>
+          <p:cNvPr id="2" name="Slide Number Placeholder 1">
+            <a:extLst>
+              <a:ext uri="{FF2B5EF4-FFF2-40B4-BE49-F238E27FC236}">
+                <a16:creationId xmlns:a16="http://schemas.microsoft.com/office/drawing/2014/main" id="{BE9800F6-D571-48C4-8466-12AA1ADB6599}"/>
+              </a:ext>
+            </a:extLst>
+          </p:cNvPr>
+          <p:cNvSpPr>
+            <a:spLocks noGrp="1"/>
+          </p:cNvSpPr>
+          <p:nvPr>
+            <p:ph type="sldNum" sz="quarter" idx="12"/>
+          </p:nvPr>
+        </p:nvSpPr>
+        <p:spPr/>
+        <p:txBody>
+          <a:bodyPr/>
+          <a:lstStyle/>
+          <a:p>
+            <a:fld id="{C263D6C4-4840-40CC-AC84-17E24B3B7BDE}" type="slidenum">
+              <a:rPr lang="en-US" smtClean="0"/>
+              <a:pPr/>
+              <a:t>15</a:t>
+            </a:fld>
+            <a:endParaRPr lang="en-US" dirty="0"/>
+          </a:p>
+        </p:txBody>
+      </p:sp>
+    </p:spTree>
+    <p:extLst>
+      <p:ext uri="{BB962C8B-B14F-4D97-AF65-F5344CB8AC3E}">
+        <p14:creationId xmlns:p14="http://schemas.microsoft.com/office/powerpoint/2010/main" val="289517584"/>
+      </p:ext>
+    </p:extLst>
+  </p:cSld>
+  <p:clrMapOvr>
+    <a:masterClrMapping/>
+  </p:clrMapOvr>
+  <mc:AlternateContent xmlns:mc="http://schemas.openxmlformats.org/markup-compatibility/2006" xmlns:p14="http://schemas.microsoft.com/office/powerpoint/2010/main">
+    <mc:Choice Requires="p14">
+      <p:transition spd="med" p14:dur="700">
+        <p:fade/>
+      </p:transition>
+    </mc:Choice>
+    <mc:Fallback xmlns="">
+      <p:transition spd="med">
+        <p:fade/>
+      </p:transition>
+    </mc:Fallback>
+  </mc:AlternateContent>
+  <p:timing>
+    <p:tnLst>
+      <p:par>
+        <p:cTn id="1" dur="indefinite" restart="never" nodeType="tmRoot">
+          <p:childTnLst>
+            <p:seq concurrent="1" nextAc="seek">
+              <p:cTn id="2" dur="indefinite" nodeType="mainSeq">
+                <p:childTnLst>
+                  <p:par>
+                    <p:cTn id="3" fill="hold">
+                      <p:stCondLst>
+                        <p:cond delay="indefinite"/>
+                      </p:stCondLst>
+                      <p:childTnLst>
+                        <p:par>
+                          <p:cTn id="4" fill="hold">
+                            <p:stCondLst>
+                              <p:cond delay="0"/>
+                            </p:stCondLst>
+                            <p:childTnLst>
+                              <p:par>
+                                <p:cTn id="5" presetID="10" presetClass="entr" presetSubtype="0" fill="hold" grpId="0" nodeType="clickEffect">
+                                  <p:stCondLst>
+                                    <p:cond delay="0"/>
+                                  </p:stCondLst>
+                                  <p:childTnLst>
+                                    <p:set>
+                                      <p:cBhvr>
+                                        <p:cTn id="6" dur="1" fill="hold">
+                                          <p:stCondLst>
+                                            <p:cond delay="0"/>
+                                          </p:stCondLst>
+                                        </p:cTn>
+                                        <p:tgtEl>
+                                          <p:spTgt spid="10">
+                                            <p:txEl>
+                                              <p:pRg st="0" end="0"/>
+                                            </p:txEl>
+                                          </p:spTgt>
+                                        </p:tgtEl>
+                                        <p:attrNameLst>
+                                          <p:attrName>style.visibility</p:attrName>
+                                        </p:attrNameLst>
+                                      </p:cBhvr>
+                                      <p:to>
+                                        <p:strVal val="visible"/>
+                                      </p:to>
+                                    </p:set>
+                                    <p:animEffect transition="in" filter="fade">
+                                      <p:cBhvr>
+                                        <p:cTn id="7" dur="500"/>
+                                        <p:tgtEl>
+                                          <p:spTgt spid="10">
+                                            <p:txEl>
+                                              <p:pRg st="0" end="0"/>
+                                            </p:txEl>
+                                          </p:spTgt>
+                                        </p:tgtEl>
+                                      </p:cBhvr>
+                                    </p:animEffect>
+                                  </p:childTnLst>
+                                </p:cTn>
+                              </p:par>
+                              <p:par>
+                                <p:cTn id="8" presetID="10" presetClass="entr" presetSubtype="0" fill="hold" grpId="0" nodeType="withEffect">
+                                  <p:stCondLst>
+                                    <p:cond delay="0"/>
+                                  </p:stCondLst>
+                                  <p:childTnLst>
+                                    <p:set>
+                                      <p:cBhvr>
+                                        <p:cTn id="9" dur="1" fill="hold">
+                                          <p:stCondLst>
+                                            <p:cond delay="0"/>
+                                          </p:stCondLst>
+                                        </p:cTn>
+                                        <p:tgtEl>
+                                          <p:spTgt spid="10">
+                                            <p:txEl>
+                                              <p:pRg st="1" end="1"/>
+                                            </p:txEl>
+                                          </p:spTgt>
+                                        </p:tgtEl>
+                                        <p:attrNameLst>
+                                          <p:attrName>style.visibility</p:attrName>
+                                        </p:attrNameLst>
+                                      </p:cBhvr>
+                                      <p:to>
+                                        <p:strVal val="visible"/>
+                                      </p:to>
+                                    </p:set>
+                                    <p:animEffect transition="in" filter="fade">
+                                      <p:cBhvr>
+                                        <p:cTn id="10" dur="500"/>
+                                        <p:tgtEl>
+                                          <p:spTgt spid="10">
+                                            <p:txEl>
+                                              <p:pRg st="1" end="1"/>
+                                            </p:txEl>
+                                          </p:spTgt>
+                                        </p:tgtEl>
+                                      </p:cBhvr>
+                                    </p:animEffect>
+                                  </p:childTnLst>
+                                </p:cTn>
+                              </p:par>
+                              <p:par>
+                                <p:cTn id="11" presetID="10" presetClass="entr" presetSubtype="0" fill="hold" grpId="0" nodeType="withEffect">
+                                  <p:stCondLst>
+                                    <p:cond delay="0"/>
+                                  </p:stCondLst>
+                                  <p:childTnLst>
+                                    <p:set>
+                                      <p:cBhvr>
+                                        <p:cTn id="12" dur="1" fill="hold">
+                                          <p:stCondLst>
+                                            <p:cond delay="0"/>
+                                          </p:stCondLst>
+                                        </p:cTn>
+                                        <p:tgtEl>
+                                          <p:spTgt spid="10">
+                                            <p:txEl>
+                                              <p:pRg st="2" end="2"/>
+                                            </p:txEl>
+                                          </p:spTgt>
+                                        </p:tgtEl>
+                                        <p:attrNameLst>
+                                          <p:attrName>style.visibility</p:attrName>
+                                        </p:attrNameLst>
+                                      </p:cBhvr>
+                                      <p:to>
+                                        <p:strVal val="visible"/>
+                                      </p:to>
+                                    </p:set>
+                                    <p:animEffect transition="in" filter="fade">
+                                      <p:cBhvr>
+                                        <p:cTn id="13" dur="500"/>
+                                        <p:tgtEl>
+                                          <p:spTgt spid="10">
+                                            <p:txEl>
+                                              <p:pRg st="2" end="2"/>
+                                            </p:txEl>
+                                          </p:spTgt>
+                                        </p:tgtEl>
+                                      </p:cBhvr>
+                                    </p:animEffect>
+                                  </p:childTnLst>
+                                </p:cTn>
+                              </p:par>
+                              <p:par>
+                                <p:cTn id="14" presetID="10" presetClass="entr" presetSubtype="0" fill="hold" grpId="0" nodeType="withEffect">
+                                  <p:stCondLst>
+                                    <p:cond delay="0"/>
+                                  </p:stCondLst>
+                                  <p:childTnLst>
+                                    <p:set>
+                                      <p:cBhvr>
+                                        <p:cTn id="15" dur="1" fill="hold">
+                                          <p:stCondLst>
+                                            <p:cond delay="0"/>
+                                          </p:stCondLst>
+                                        </p:cTn>
+                                        <p:tgtEl>
+                                          <p:spTgt spid="10">
+                                            <p:txEl>
+                                              <p:pRg st="3" end="3"/>
+                                            </p:txEl>
+                                          </p:spTgt>
+                                        </p:tgtEl>
+                                        <p:attrNameLst>
+                                          <p:attrName>style.visibility</p:attrName>
+                                        </p:attrNameLst>
+                                      </p:cBhvr>
+                                      <p:to>
+                                        <p:strVal val="visible"/>
+                                      </p:to>
+                                    </p:set>
+                                    <p:animEffect transition="in" filter="fade">
+                                      <p:cBhvr>
+                                        <p:cTn id="16" dur="500"/>
+                                        <p:tgtEl>
+                                          <p:spTgt spid="10">
+                                            <p:txEl>
+                                              <p:pRg st="3" end="3"/>
+                                            </p:txEl>
+                                          </p:spTgt>
+                                        </p:tgtEl>
+                                      </p:cBhvr>
+                                    </p:animEffect>
+                                  </p:childTnLst>
+                                </p:cTn>
+                              </p:par>
+                            </p:childTnLst>
+                          </p:cTn>
+                        </p:par>
+                      </p:childTnLst>
+                    </p:cTn>
+                  </p:par>
+                  <p:par>
+                    <p:cTn id="17" fill="hold">
+                      <p:stCondLst>
+                        <p:cond delay="indefinite"/>
+                      </p:stCondLst>
+                      <p:childTnLst>
+                        <p:par>
+                          <p:cTn id="18" fill="hold">
+                            <p:stCondLst>
+                              <p:cond delay="0"/>
+                            </p:stCondLst>
+                            <p:childTnLst>
+                              <p:par>
+                                <p:cTn id="19" presetID="10" presetClass="entr" presetSubtype="0" fill="hold" grpId="0" nodeType="clickEffect">
+                                  <p:stCondLst>
+                                    <p:cond delay="0"/>
+                                  </p:stCondLst>
+                                  <p:childTnLst>
+                                    <p:set>
+                                      <p:cBhvr>
+                                        <p:cTn id="20" dur="1" fill="hold">
+                                          <p:stCondLst>
+                                            <p:cond delay="0"/>
+                                          </p:stCondLst>
+                                        </p:cTn>
+                                        <p:tgtEl>
+                                          <p:spTgt spid="10">
+                                            <p:txEl>
+                                              <p:pRg st="4" end="4"/>
+                                            </p:txEl>
+                                          </p:spTgt>
+                                        </p:tgtEl>
+                                        <p:attrNameLst>
+                                          <p:attrName>style.visibility</p:attrName>
+                                        </p:attrNameLst>
+                                      </p:cBhvr>
+                                      <p:to>
+                                        <p:strVal val="visible"/>
+                                      </p:to>
+                                    </p:set>
+                                    <p:animEffect transition="in" filter="fade">
+                                      <p:cBhvr>
+                                        <p:cTn id="21" dur="500"/>
+                                        <p:tgtEl>
+                                          <p:spTgt spid="10">
+                                            <p:txEl>
+                                              <p:pRg st="4" end="4"/>
+                                            </p:txEl>
+                                          </p:spTgt>
+                                        </p:tgtEl>
+                                      </p:cBhvr>
+                                    </p:animEffect>
+                                  </p:childTnLst>
+                                </p:cTn>
+                              </p:par>
+                            </p:childTnLst>
+                          </p:cTn>
+                        </p:par>
+                      </p:childTnLst>
+                    </p:cTn>
+                  </p:par>
+                </p:childTnLst>
+              </p:cTn>
+              <p:prevCondLst>
+                <p:cond evt="onPrev" delay="0">
+                  <p:tgtEl>
+                    <p:sldTgt/>
+                  </p:tgtEl>
+                </p:cond>
+              </p:prevCondLst>
+              <p:nextCondLst>
+                <p:cond evt="onNext" delay="0">
+                  <p:tgtEl>
+                    <p:sldTgt/>
+                  </p:tgtEl>
+                </p:cond>
+              </p:nextCondLst>
+            </p:seq>
+          </p:childTnLst>
+        </p:cTn>
+      </p:par>
+    </p:tnLst>
+    <p:bldLst>
+      <p:bldP spid="10" grpId="0" build="p"/>
+    </p:bldLst>
+  </p:timing>
+</p:sld>
+</file>
+
+<file path=ppt/slides/slide16.xml><?xml version="1.0" encoding="utf-8"?>
+<p:sld xmlns:a="http://schemas.openxmlformats.org/drawingml/2006/main" xmlns:r="http://schemas.openxmlformats.org/officeDocument/2006/relationships" xmlns:p="http://schemas.openxmlformats.org/presentationml/2006/main">
+  <p:cSld>
+    <p:spTree>
+      <p:nvGrpSpPr>
+        <p:cNvPr id="1" name=""/>
+        <p:cNvGrpSpPr/>
+        <p:nvPr/>
+      </p:nvGrpSpPr>
+      <p:grpSpPr>
+        <a:xfrm>
+          <a:off x="0" y="0"/>
+          <a:ext cx="0" cy="0"/>
+          <a:chOff x="0" y="0"/>
+          <a:chExt cx="0" cy="0"/>
+        </a:xfrm>
+      </p:grpSpPr>
+      <p:sp>
+        <p:nvSpPr>
+          <p:cNvPr id="7" name="Title 6">
+            <a:extLst>
+              <a:ext uri="{FF2B5EF4-FFF2-40B4-BE49-F238E27FC236}">
+                <a16:creationId xmlns:a16="http://schemas.microsoft.com/office/drawing/2014/main" id="{7875C19A-1AAE-476A-A316-A2CF92D763D3}"/>
+              </a:ext>
+            </a:extLst>
+          </p:cNvPr>
+          <p:cNvSpPr>
+            <a:spLocks noGrp="1"/>
+          </p:cNvSpPr>
+          <p:nvPr>
+            <p:ph type="title"/>
+          </p:nvPr>
+        </p:nvSpPr>
+        <p:spPr/>
+        <p:txBody>
+          <a:bodyPr/>
+          <a:lstStyle/>
+          <a:p>
+            <a:r>
+              <a:rPr lang="en-US" dirty="0"/>
+              <a:t>Smoke Tests</a:t>
+            </a:r>
+          </a:p>
+        </p:txBody>
+      </p:sp>
+      <p:sp>
+        <p:nvSpPr>
+          <p:cNvPr id="10" name="Text Placeholder 9">
+            <a:extLst>
+              <a:ext uri="{FF2B5EF4-FFF2-40B4-BE49-F238E27FC236}">
+                <a16:creationId xmlns:a16="http://schemas.microsoft.com/office/drawing/2014/main" id="{EF2BC084-E6DB-4DE7-B309-042A85EBA700}"/>
+              </a:ext>
+            </a:extLst>
+          </p:cNvPr>
+          <p:cNvSpPr>
+            <a:spLocks noGrp="1"/>
+          </p:cNvSpPr>
+          <p:nvPr>
+            <p:ph type="body" sz="quarter" idx="13"/>
+          </p:nvPr>
+        </p:nvSpPr>
+        <p:spPr>
+          <a:xfrm>
+            <a:off x="444499" y="1625385"/>
+            <a:ext cx="11467867" cy="4390951"/>
+          </a:xfrm>
+        </p:spPr>
+        <p:txBody>
+          <a:bodyPr/>
+          <a:lstStyle/>
+          <a:p>
+            <a:r>
+              <a:rPr lang="en-US" sz="2800" dirty="0"/>
+              <a:t>Tests the module/app after it has been deployed to ensure it works correctly</a:t>
+            </a:r>
+          </a:p>
+          <a:p>
+            <a:endParaRPr lang="en-US" sz="2800" dirty="0"/>
+          </a:p>
+          <a:p>
+            <a:r>
+              <a:rPr lang="en-US" sz="2800" dirty="0"/>
+              <a:t>Test the real end-user experience</a:t>
+            </a:r>
+          </a:p>
+          <a:p>
+            <a:r>
+              <a:rPr lang="en-US" sz="2800" dirty="0"/>
+              <a:t>Test backward compatibility</a:t>
+            </a:r>
+          </a:p>
+          <a:p>
+            <a:r>
+              <a:rPr lang="en-US" sz="2800" dirty="0"/>
+              <a:t>Test cross-platform compatibility</a:t>
+            </a:r>
+          </a:p>
+        </p:txBody>
+      </p:sp>
+      <p:sp>
+        <p:nvSpPr>
+          <p:cNvPr id="2" name="Slide Number Placeholder 1">
+            <a:extLst>
+              <a:ext uri="{FF2B5EF4-FFF2-40B4-BE49-F238E27FC236}">
+                <a16:creationId xmlns:a16="http://schemas.microsoft.com/office/drawing/2014/main" id="{BE9800F6-D571-48C4-8466-12AA1ADB6599}"/>
+              </a:ext>
+            </a:extLst>
+          </p:cNvPr>
+          <p:cNvSpPr>
+            <a:spLocks noGrp="1"/>
+          </p:cNvSpPr>
+          <p:nvPr>
+            <p:ph type="sldNum" sz="quarter" idx="12"/>
+          </p:nvPr>
+        </p:nvSpPr>
+        <p:spPr/>
+        <p:txBody>
+          <a:bodyPr/>
+          <a:lstStyle/>
+          <a:p>
+            <a:fld id="{C263D6C4-4840-40CC-AC84-17E24B3B7BDE}" type="slidenum">
+              <a:rPr lang="en-US" smtClean="0"/>
+              <a:pPr/>
+              <a:t>16</a:t>
+            </a:fld>
+            <a:endParaRPr lang="en-US" dirty="0"/>
+          </a:p>
+        </p:txBody>
+      </p:sp>
+    </p:spTree>
+    <p:extLst>
+      <p:ext uri="{BB962C8B-B14F-4D97-AF65-F5344CB8AC3E}">
+        <p14:creationId xmlns:p14="http://schemas.microsoft.com/office/powerpoint/2010/main" val="3371413876"/>
+      </p:ext>
+    </p:extLst>
+  </p:cSld>
+  <p:clrMapOvr>
+    <a:masterClrMapping/>
+  </p:clrMapOvr>
+  <mc:AlternateContent xmlns:mc="http://schemas.openxmlformats.org/markup-compatibility/2006" xmlns:p14="http://schemas.microsoft.com/office/powerpoint/2010/main">
+    <mc:Choice Requires="p14">
+      <p:transition spd="med" p14:dur="700">
+        <p:fade/>
+      </p:transition>
+    </mc:Choice>
+    <mc:Fallback xmlns="">
+      <p:transition spd="med">
+        <p:fade/>
+      </p:transition>
+    </mc:Fallback>
+  </mc:AlternateContent>
+</p:sld>
+</file>
+
+<file path=ppt/slides/slide2.xml><?xml version="1.0" encoding="utf-8"?>
+<p:sld xmlns:a="http://schemas.openxmlformats.org/drawingml/2006/main" xmlns:r="http://schemas.openxmlformats.org/officeDocument/2006/relationships" xmlns:p="http://schemas.openxmlformats.org/presentationml/2006/main">
+  <p:cSld>
+    <p:spTree>
+      <p:nvGrpSpPr>
+        <p:cNvPr id="1" name=""/>
+        <p:cNvGrpSpPr/>
+        <p:nvPr/>
+      </p:nvGrpSpPr>
+      <p:grpSpPr>
+        <a:xfrm>
+          <a:off x="0" y="0"/>
+          <a:ext cx="0" cy="0"/>
+          <a:chOff x="0" y="0"/>
+          <a:chExt cx="0" cy="0"/>
+        </a:xfrm>
+      </p:grpSpPr>
+      <p:sp>
+        <p:nvSpPr>
+          <p:cNvPr id="7" name="Title 6">
+            <a:extLst>
+              <a:ext uri="{FF2B5EF4-FFF2-40B4-BE49-F238E27FC236}">
+                <a16:creationId xmlns:a16="http://schemas.microsoft.com/office/drawing/2014/main" id="{7875C19A-1AAE-476A-A316-A2CF92D763D3}"/>
+              </a:ext>
+            </a:extLst>
+          </p:cNvPr>
+          <p:cNvSpPr>
+            <a:spLocks noGrp="1"/>
+          </p:cNvSpPr>
+          <p:nvPr>
+            <p:ph type="title"/>
+          </p:nvPr>
+        </p:nvSpPr>
+        <p:spPr/>
+        <p:txBody>
+          <a:bodyPr/>
+          <a:lstStyle/>
+          <a:p>
+            <a:r>
+              <a:rPr lang="en-US" dirty="0"/>
+              <a:t>Agenda</a:t>
+            </a:r>
+          </a:p>
+        </p:txBody>
+      </p:sp>
+      <p:sp>
+        <p:nvSpPr>
+          <p:cNvPr id="10" name="Text Placeholder 9">
+            <a:extLst>
+              <a:ext uri="{FF2B5EF4-FFF2-40B4-BE49-F238E27FC236}">
+                <a16:creationId xmlns:a16="http://schemas.microsoft.com/office/drawing/2014/main" id="{EF2BC084-E6DB-4DE7-B309-042A85EBA700}"/>
+              </a:ext>
+            </a:extLst>
+          </p:cNvPr>
+          <p:cNvSpPr>
+            <a:spLocks noGrp="1"/>
+          </p:cNvSpPr>
+          <p:nvPr>
+            <p:ph type="body" sz="quarter" idx="13"/>
+          </p:nvPr>
+        </p:nvSpPr>
+        <p:spPr>
+          <a:xfrm>
+            <a:off x="444500" y="1625385"/>
+            <a:ext cx="11214100" cy="4390951"/>
+          </a:xfrm>
+        </p:spPr>
+        <p:txBody>
+          <a:bodyPr/>
+          <a:lstStyle/>
+          <a:p>
+            <a:r>
+              <a:rPr lang="en-US" sz="2800" dirty="0"/>
+              <a:t>Who is this guy and what stuff has he made?</a:t>
+            </a:r>
+          </a:p>
+          <a:p>
+            <a:r>
+              <a:rPr lang="en-US" sz="2800" dirty="0"/>
+              <a:t>What is </a:t>
+            </a:r>
+            <a:r>
+              <a:rPr lang="en-US" sz="2800" dirty="0" err="1"/>
+              <a:t>tiPS</a:t>
+            </a:r>
+            <a:r>
+              <a:rPr lang="en-US" sz="2800" dirty="0"/>
+              <a:t>?</a:t>
+            </a:r>
+          </a:p>
+          <a:p>
+            <a:r>
+              <a:rPr lang="en-US" sz="2800" dirty="0"/>
+              <a:t>Discussion</a:t>
+            </a:r>
+          </a:p>
+          <a:p>
+            <a:r>
+              <a:rPr lang="en-US" sz="2800" dirty="0"/>
+              <a:t>How to add a tip</a:t>
+            </a:r>
+          </a:p>
+          <a:p>
+            <a:r>
+              <a:rPr lang="en-US" sz="2800" dirty="0"/>
+              <a:t>Lessons learned while building </a:t>
+            </a:r>
+            <a:r>
+              <a:rPr lang="en-US" sz="2800" dirty="0" err="1"/>
+              <a:t>tiPS</a:t>
+            </a:r>
+            <a:endParaRPr lang="en-US" sz="2800" dirty="0"/>
+          </a:p>
+          <a:p>
+            <a:r>
+              <a:rPr lang="en-US" sz="2800" dirty="0" err="1"/>
+              <a:t>tiPS</a:t>
+            </a:r>
+            <a:r>
+              <a:rPr lang="en-US" sz="2800" dirty="0"/>
+              <a:t> origin story</a:t>
+            </a:r>
+          </a:p>
+          <a:p>
+            <a:r>
+              <a:rPr lang="en-US" sz="2800" dirty="0"/>
+              <a:t>Discussion</a:t>
+            </a:r>
+          </a:p>
+        </p:txBody>
+      </p:sp>
+      <p:sp>
+        <p:nvSpPr>
+          <p:cNvPr id="2" name="Slide Number Placeholder 1">
+            <a:extLst>
+              <a:ext uri="{FF2B5EF4-FFF2-40B4-BE49-F238E27FC236}">
+                <a16:creationId xmlns:a16="http://schemas.microsoft.com/office/drawing/2014/main" id="{BE9800F6-D571-48C4-8466-12AA1ADB6599}"/>
+              </a:ext>
+            </a:extLst>
+          </p:cNvPr>
+          <p:cNvSpPr>
+            <a:spLocks noGrp="1"/>
+          </p:cNvSpPr>
+          <p:nvPr>
+            <p:ph type="sldNum" sz="quarter" idx="12"/>
+          </p:nvPr>
+        </p:nvSpPr>
+        <p:spPr/>
+        <p:txBody>
+          <a:bodyPr/>
+          <a:lstStyle/>
+          <a:p>
+            <a:fld id="{C263D6C4-4840-40CC-AC84-17E24B3B7BDE}" type="slidenum">
+              <a:rPr lang="en-US" smtClean="0"/>
+              <a:pPr/>
+              <a:t>2</a:t>
+            </a:fld>
+            <a:endParaRPr lang="en-US" dirty="0"/>
+          </a:p>
+        </p:txBody>
+      </p:sp>
+    </p:spTree>
+    <p:extLst>
+      <p:ext uri="{BB962C8B-B14F-4D97-AF65-F5344CB8AC3E}">
+        <p14:creationId xmlns:p14="http://schemas.microsoft.com/office/powerpoint/2010/main" val="3256700306"/>
+      </p:ext>
+    </p:extLst>
+  </p:cSld>
+  <p:clrMapOvr>
+    <a:masterClrMapping/>
+  </p:clrMapOvr>
+  <mc:AlternateContent xmlns:mc="http://schemas.openxmlformats.org/markup-compatibility/2006" xmlns:p14="http://schemas.microsoft.com/office/powerpoint/2010/main">
+    <mc:Choice Requires="p14">
+      <p:transition spd="med" p14:dur="700">
+        <p:fade/>
+      </p:transition>
+    </mc:Choice>
+    <mc:Fallback xmlns="">
+      <p:transition spd="med">
+        <p:fade/>
+      </p:transition>
+    </mc:Fallback>
+  </mc:AlternateContent>
+</p:sld>
+</file>
+
+<file path=ppt/slides/slide3.xml><?xml version="1.0" encoding="utf-8"?>
+<p:sld xmlns:a="http://schemas.openxmlformats.org/drawingml/2006/main" xmlns:r="http://schemas.openxmlformats.org/officeDocument/2006/relationships" xmlns:p="http://schemas.openxmlformats.org/presentationml/2006/main">
+  <p:cSld>
+    <p:spTree>
+      <p:nvGrpSpPr>
+        <p:cNvPr id="1" name=""/>
+        <p:cNvGrpSpPr/>
+        <p:nvPr/>
+      </p:nvGrpSpPr>
+      <p:grpSpPr>
+        <a:xfrm>
+          <a:off x="0" y="0"/>
+          <a:ext cx="0" cy="0"/>
+          <a:chOff x="0" y="0"/>
+          <a:chExt cx="0" cy="0"/>
+        </a:xfrm>
+      </p:grpSpPr>
+      <p:sp>
+        <p:nvSpPr>
+          <p:cNvPr id="7" name="Title 6">
+            <a:extLst>
+              <a:ext uri="{FF2B5EF4-FFF2-40B4-BE49-F238E27FC236}">
+                <a16:creationId xmlns:a16="http://schemas.microsoft.com/office/drawing/2014/main" id="{7875C19A-1AAE-476A-A316-A2CF92D763D3}"/>
+              </a:ext>
+            </a:extLst>
+          </p:cNvPr>
+          <p:cNvSpPr>
+            <a:spLocks noGrp="1"/>
+          </p:cNvSpPr>
+          <p:nvPr>
+            <p:ph type="title"/>
+          </p:nvPr>
+        </p:nvSpPr>
+        <p:spPr/>
+        <p:txBody>
+          <a:bodyPr/>
+          <a:lstStyle/>
+          <a:p>
+            <a:r>
+              <a:rPr lang="en-US" dirty="0"/>
+              <a:t>Who am I?</a:t>
+            </a:r>
+          </a:p>
+        </p:txBody>
+      </p:sp>
+      <p:sp>
+        <p:nvSpPr>
+          <p:cNvPr id="2" name="Slide Number Placeholder 1">
+            <a:extLst>
+              <a:ext uri="{FF2B5EF4-FFF2-40B4-BE49-F238E27FC236}">
+                <a16:creationId xmlns:a16="http://schemas.microsoft.com/office/drawing/2014/main" id="{BE9800F6-D571-48C4-8466-12AA1ADB6599}"/>
+              </a:ext>
+            </a:extLst>
+          </p:cNvPr>
+          <p:cNvSpPr>
+            <a:spLocks noGrp="1"/>
+          </p:cNvSpPr>
+          <p:nvPr>
+            <p:ph type="sldNum" sz="quarter" idx="12"/>
+          </p:nvPr>
+        </p:nvSpPr>
+        <p:spPr/>
+        <p:txBody>
+          <a:bodyPr/>
+          <a:lstStyle/>
+          <a:p>
+            <a:fld id="{C263D6C4-4840-40CC-AC84-17E24B3B7BDE}" type="slidenum">
+              <a:rPr lang="en-US" smtClean="0"/>
+              <a:pPr/>
+              <a:t>3</a:t>
+            </a:fld>
+            <a:endParaRPr lang="en-US" dirty="0"/>
+          </a:p>
+        </p:txBody>
+      </p:sp>
+      <p:pic>
+        <p:nvPicPr>
+          <p:cNvPr id="5" name="Picture 4">
+            <a:extLst>
+              <a:ext uri="{FF2B5EF4-FFF2-40B4-BE49-F238E27FC236}">
+                <a16:creationId xmlns:a16="http://schemas.microsoft.com/office/drawing/2014/main" id="{26B971D5-1962-EB2D-3994-F3D18167C6A7}"/>
+              </a:ext>
+            </a:extLst>
+          </p:cNvPr>
+          <p:cNvPicPr>
+            <a:picLocks noChangeAspect="1"/>
+          </p:cNvPicPr>
+          <p:nvPr/>
+        </p:nvPicPr>
+        <p:blipFill>
+          <a:blip r:embed="rId3"/>
+          <a:stretch>
+            <a:fillRect/>
+          </a:stretch>
+        </p:blipFill>
+        <p:spPr>
+          <a:xfrm>
+            <a:off x="106564" y="1710227"/>
+            <a:ext cx="11749814" cy="5064085"/>
+          </a:xfrm>
+          <a:prstGeom prst="rect">
+            <a:avLst/>
+          </a:prstGeom>
+        </p:spPr>
+      </p:pic>
+      <p:pic>
+        <p:nvPicPr>
+          <p:cNvPr id="6" name="Picture 5" descr="A person holding a bunch of bread&#10;&#10;Description automatically generated">
+            <a:extLst>
+              <a:ext uri="{FF2B5EF4-FFF2-40B4-BE49-F238E27FC236}">
+                <a16:creationId xmlns:a16="http://schemas.microsoft.com/office/drawing/2014/main" id="{253BCBE6-9948-7B4C-CA08-4EBAF16A96AC}"/>
+              </a:ext>
+            </a:extLst>
+          </p:cNvPr>
+          <p:cNvPicPr>
+            <a:picLocks noChangeAspect="1"/>
+          </p:cNvPicPr>
+          <p:nvPr/>
+        </p:nvPicPr>
+        <p:blipFill>
+          <a:blip r:embed="rId4"/>
+          <a:stretch>
+            <a:fillRect/>
+          </a:stretch>
+        </p:blipFill>
+        <p:spPr>
+          <a:xfrm>
+            <a:off x="5971291" y="454217"/>
+            <a:ext cx="4261769" cy="3196327"/>
+          </a:xfrm>
+          <a:prstGeom prst="ellipse">
+            <a:avLst/>
+          </a:prstGeom>
+          <a:ln w="63500" cap="rnd">
+            <a:solidFill>
+              <a:srgbClr val="333333"/>
+            </a:solidFill>
+          </a:ln>
+          <a:effectLst>
+            <a:outerShdw blurRad="381000" dist="292100" dir="5400000" sx="-80000" sy="-18000" rotWithShape="0">
+              <a:srgbClr val="000000">
+                <a:alpha val="22000"/>
+              </a:srgbClr>
+            </a:outerShdw>
+          </a:effectLst>
+          <a:scene3d>
+            <a:camera prst="orthographicFront"/>
+            <a:lightRig rig="contrasting" dir="t">
+              <a:rot lat="0" lon="0" rev="3000000"/>
+            </a:lightRig>
+          </a:scene3d>
+          <a:sp3d contourW="7620">
+            <a:bevelT w="95250" h="31750"/>
+            <a:contourClr>
+              <a:srgbClr val="333333"/>
+            </a:contourClr>
+          </a:sp3d>
+        </p:spPr>
+      </p:pic>
+    </p:spTree>
+    <p:extLst>
+      <p:ext uri="{BB962C8B-B14F-4D97-AF65-F5344CB8AC3E}">
+        <p14:creationId xmlns:p14="http://schemas.microsoft.com/office/powerpoint/2010/main" val="3733486012"/>
+      </p:ext>
+    </p:extLst>
+  </p:cSld>
+  <p:clrMapOvr>
+    <a:masterClrMapping/>
+  </p:clrMapOvr>
+  <mc:AlternateContent xmlns:mc="http://schemas.openxmlformats.org/markup-compatibility/2006" xmlns:p14="http://schemas.microsoft.com/office/powerpoint/2010/main">
+    <mc:Choice Requires="p14">
+      <p:transition spd="med" p14:dur="700">
+        <p:fade/>
+      </p:transition>
+    </mc:Choice>
+    <mc:Fallback xmlns="">
+      <p:transition spd="med">
+        <p:fade/>
+      </p:transition>
+    </mc:Fallback>
+  </mc:AlternateContent>
+</p:sld>
+</file>
+
+<file path=ppt/slides/slide4.xml><?xml version="1.0" encoding="utf-8"?>
+<p:sld xmlns:a="http://schemas.openxmlformats.org/drawingml/2006/main" xmlns:r="http://schemas.openxmlformats.org/officeDocument/2006/relationships" xmlns:p="http://schemas.openxmlformats.org/presentationml/2006/main">
+  <p:cSld>
+    <p:spTree>
+      <p:nvGrpSpPr>
+        <p:cNvPr id="1" name=""/>
+        <p:cNvGrpSpPr/>
+        <p:nvPr/>
+      </p:nvGrpSpPr>
+      <p:grpSpPr>
+        <a:xfrm>
+          <a:off x="0" y="0"/>
+          <a:ext cx="0" cy="0"/>
+          <a:chOff x="0" y="0"/>
+          <a:chExt cx="0" cy="0"/>
+        </a:xfrm>
+      </p:grpSpPr>
+      <p:sp>
+        <p:nvSpPr>
+          <p:cNvPr id="7" name="Title 6">
+            <a:extLst>
+              <a:ext uri="{FF2B5EF4-FFF2-40B4-BE49-F238E27FC236}">
+                <a16:creationId xmlns:a16="http://schemas.microsoft.com/office/drawing/2014/main" id="{7875C19A-1AAE-476A-A316-A2CF92D763D3}"/>
+              </a:ext>
+            </a:extLst>
+          </p:cNvPr>
+          <p:cNvSpPr>
+            <a:spLocks noGrp="1"/>
+          </p:cNvSpPr>
+          <p:nvPr>
+            <p:ph type="title"/>
+          </p:nvPr>
+        </p:nvSpPr>
+        <p:spPr/>
+        <p:txBody>
+          <a:bodyPr/>
+          <a:lstStyle/>
+          <a:p>
+            <a:r>
+              <a:rPr lang="en-US" dirty="0"/>
+              <a:t>Some things I’ve made</a:t>
+            </a:r>
+          </a:p>
+        </p:txBody>
+      </p:sp>
+      <p:sp>
+        <p:nvSpPr>
+          <p:cNvPr id="10" name="Text Placeholder 9">
+            <a:extLst>
+              <a:ext uri="{FF2B5EF4-FFF2-40B4-BE49-F238E27FC236}">
+                <a16:creationId xmlns:a16="http://schemas.microsoft.com/office/drawing/2014/main" id="{EF2BC084-E6DB-4DE7-B309-042A85EBA700}"/>
+              </a:ext>
+            </a:extLst>
+          </p:cNvPr>
+          <p:cNvSpPr>
+            <a:spLocks noGrp="1"/>
+          </p:cNvSpPr>
+          <p:nvPr>
+            <p:ph type="body" sz="quarter" idx="13"/>
+          </p:nvPr>
+        </p:nvSpPr>
+        <p:spPr>
+          <a:xfrm>
+            <a:off x="215896" y="1578428"/>
+            <a:ext cx="11747501" cy="4562599"/>
+          </a:xfrm>
+        </p:spPr>
+        <p:txBody>
+          <a:bodyPr/>
+          <a:lstStyle/>
+          <a:p>
+            <a:r>
+              <a:rPr lang="en-US" sz="2400" dirty="0">
+                <a:solidFill>
+                  <a:schemeClr val="accent1">
+                    <a:lumMod val="60000"/>
+                    <a:lumOff val="40000"/>
+                  </a:schemeClr>
+                </a:solidFill>
+                <a:hlinkClick r:id="rId3">
+                  <a:extLst>
+                    <a:ext uri="{A12FA001-AC4F-418D-AE19-62706E023703}">
+                      <ahyp:hlinkClr xmlns:ahyp="http://schemas.microsoft.com/office/drawing/2018/hyperlinkcolor" val="tx"/>
+                    </a:ext>
+                  </a:extLst>
+                </a:hlinkClick>
+              </a:rPr>
+              <a:t>https://blog.danskingdom.com/about/</a:t>
+            </a:r>
+            <a:r>
+              <a:rPr lang="en-US" sz="2400" dirty="0"/>
+              <a:t> - </a:t>
+            </a:r>
+            <a:r>
+              <a:rPr lang="en-US" sz="2400" dirty="0">
+                <a:solidFill>
+                  <a:schemeClr val="accent1">
+                    <a:lumMod val="60000"/>
+                    <a:lumOff val="40000"/>
+                  </a:schemeClr>
+                </a:solidFill>
+                <a:hlinkClick r:id="rId4">
+                  <a:extLst>
+                    <a:ext uri="{A12FA001-AC4F-418D-AE19-62706E023703}">
+                      <ahyp:hlinkClr xmlns:ahyp="http://schemas.microsoft.com/office/drawing/2018/hyperlinkcolor" val="tx"/>
+                    </a:ext>
+                  </a:extLst>
+                </a:hlinkClick>
+              </a:rPr>
+              <a:t>popular post</a:t>
+            </a:r>
+            <a:endParaRPr lang="en-US" sz="2400" dirty="0">
+              <a:solidFill>
+                <a:schemeClr val="accent1">
+                  <a:lumMod val="60000"/>
+                  <a:lumOff val="40000"/>
+                </a:schemeClr>
+              </a:solidFill>
+            </a:endParaRPr>
+          </a:p>
+          <a:p>
+            <a:r>
+              <a:rPr lang="en-US" sz="2400" dirty="0">
+                <a:solidFill>
+                  <a:schemeClr val="accent1">
+                    <a:lumMod val="60000"/>
+                    <a:lumOff val="40000"/>
+                  </a:schemeClr>
+                </a:solidFill>
+                <a:hlinkClick r:id="rId5">
+                  <a:extLst>
+                    <a:ext uri="{A12FA001-AC4F-418D-AE19-62706E023703}">
+                      <ahyp:hlinkClr xmlns:ahyp="http://schemas.microsoft.com/office/drawing/2018/hyperlinkcolor" val="tx"/>
+                    </a:ext>
+                  </a:extLst>
+                </a:hlinkClick>
+              </a:rPr>
+              <a:t>http://xnaparticles.com/DemoVideos.php</a:t>
+            </a:r>
+            <a:r>
+              <a:rPr lang="en-US" sz="2400" dirty="0">
+                <a:solidFill>
+                  <a:schemeClr val="accent1">
+                    <a:lumMod val="60000"/>
+                    <a:lumOff val="40000"/>
+                  </a:schemeClr>
+                </a:solidFill>
+              </a:rPr>
+              <a:t>  </a:t>
+            </a:r>
+          </a:p>
+          <a:p>
+            <a:r>
+              <a:rPr lang="en-US" sz="2400" dirty="0">
+                <a:solidFill>
+                  <a:schemeClr val="accent1">
+                    <a:lumMod val="60000"/>
+                    <a:lumOff val="40000"/>
+                  </a:schemeClr>
+                </a:solidFill>
+                <a:hlinkClick r:id="rId6">
+                  <a:extLst>
+                    <a:ext uri="{A12FA001-AC4F-418D-AE19-62706E023703}">
+                      <ahyp:hlinkClr xmlns:ahyp="http://schemas.microsoft.com/office/drawing/2018/hyperlinkcolor" val="tx"/>
+                    </a:ext>
+                  </a:extLst>
+                </a:hlinkClick>
+              </a:rPr>
+              <a:t>https://github.com/deadlydog/AHKCommandPicker</a:t>
+            </a:r>
+            <a:r>
+              <a:rPr lang="en-US" sz="2400" dirty="0">
+                <a:solidFill>
+                  <a:schemeClr val="accent1">
+                    <a:lumMod val="60000"/>
+                    <a:lumOff val="40000"/>
+                  </a:schemeClr>
+                </a:solidFill>
+              </a:rPr>
+              <a:t> </a:t>
+            </a:r>
+          </a:p>
+          <a:p>
+            <a:r>
+              <a:rPr lang="en-US" sz="2400" dirty="0">
+                <a:solidFill>
+                  <a:schemeClr val="accent1">
+                    <a:lumMod val="60000"/>
+                    <a:lumOff val="40000"/>
+                  </a:schemeClr>
+                </a:solidFill>
+                <a:hlinkClick r:id="rId7">
+                  <a:extLst>
+                    <a:ext uri="{A12FA001-AC4F-418D-AE19-62706E023703}">
+                      <ahyp:hlinkClr xmlns:ahyp="http://schemas.microsoft.com/office/drawing/2018/hyperlinkcolor" val="tx"/>
+                    </a:ext>
+                  </a:extLst>
+                </a:hlinkClick>
+              </a:rPr>
+              <a:t>https://github.com/deadlydog/AzureDevOps.WindowsScheduledTasks</a:t>
+            </a:r>
+            <a:endParaRPr lang="en-US" sz="2400" dirty="0">
+              <a:solidFill>
+                <a:schemeClr val="accent1">
+                  <a:lumMod val="60000"/>
+                  <a:lumOff val="40000"/>
+                </a:schemeClr>
+              </a:solidFill>
+            </a:endParaRPr>
+          </a:p>
+          <a:p>
+            <a:r>
+              <a:rPr lang="en-US" sz="2400" dirty="0">
+                <a:solidFill>
+                  <a:schemeClr val="accent1">
+                    <a:lumMod val="60000"/>
+                    <a:lumOff val="40000"/>
+                  </a:schemeClr>
+                </a:solidFill>
+                <a:hlinkClick r:id="rId8">
+                  <a:extLst>
+                    <a:ext uri="{A12FA001-AC4F-418D-AE19-62706E023703}">
+                      <ahyp:hlinkClr xmlns:ahyp="http://schemas.microsoft.com/office/drawing/2018/hyperlinkcolor" val="tx"/>
+                    </a:ext>
+                  </a:extLst>
+                </a:hlinkClick>
+              </a:rPr>
+              <a:t>https://github.com/deadlydog/PathLengthChecker</a:t>
+            </a:r>
+            <a:r>
+              <a:rPr lang="en-US" sz="2400" dirty="0"/>
+              <a:t> - Started as a PS script 🙂</a:t>
+            </a:r>
+          </a:p>
+          <a:p>
+            <a:r>
+              <a:rPr lang="en-US" sz="2400" dirty="0">
+                <a:solidFill>
+                  <a:schemeClr val="accent1">
+                    <a:lumMod val="60000"/>
+                    <a:lumOff val="40000"/>
+                  </a:schemeClr>
+                </a:solidFill>
+                <a:hlinkClick r:id="rId9">
+                  <a:extLst>
+                    <a:ext uri="{A12FA001-AC4F-418D-AE19-62706E023703}">
+                      <ahyp:hlinkClr xmlns:ahyp="http://schemas.microsoft.com/office/drawing/2018/hyperlinkcolor" val="tx"/>
+                    </a:ext>
+                  </a:extLst>
+                </a:hlinkClick>
+              </a:rPr>
+              <a:t>https://github.com/deadlydog/Invoke-MsBuild</a:t>
+            </a:r>
+            <a:r>
+              <a:rPr lang="en-US" sz="2400" dirty="0">
+                <a:solidFill>
+                  <a:schemeClr val="accent1">
+                    <a:lumMod val="60000"/>
+                    <a:lumOff val="40000"/>
+                  </a:schemeClr>
+                </a:solidFill>
+              </a:rPr>
+              <a:t> </a:t>
+            </a:r>
+          </a:p>
+          <a:p>
+            <a:r>
+              <a:rPr lang="en-US" sz="2400" dirty="0">
+                <a:solidFill>
+                  <a:schemeClr val="accent1">
+                    <a:lumMod val="60000"/>
+                    <a:lumOff val="40000"/>
+                  </a:schemeClr>
+                </a:solidFill>
+                <a:hlinkClick r:id="rId10">
+                  <a:extLst>
+                    <a:ext uri="{A12FA001-AC4F-418D-AE19-62706E023703}">
+                      <ahyp:hlinkClr xmlns:ahyp="http://schemas.microsoft.com/office/drawing/2018/hyperlinkcolor" val="tx"/>
+                    </a:ext>
+                  </a:extLst>
+                </a:hlinkClick>
+              </a:rPr>
+              <a:t>https://github.com/deadlydog/New-NuGetPackage</a:t>
+            </a:r>
+            <a:r>
+              <a:rPr lang="en-US" sz="2400" dirty="0">
+                <a:solidFill>
+                  <a:schemeClr val="accent1">
+                    <a:lumMod val="60000"/>
+                    <a:lumOff val="40000"/>
+                  </a:schemeClr>
+                </a:solidFill>
+              </a:rPr>
+              <a:t> </a:t>
+            </a:r>
+          </a:p>
+          <a:p>
+            <a:r>
+              <a:rPr lang="en-US" sz="2400" dirty="0">
+                <a:solidFill>
+                  <a:schemeClr val="accent1">
+                    <a:lumMod val="60000"/>
+                    <a:lumOff val="40000"/>
+                  </a:schemeClr>
+                </a:solidFill>
+                <a:hlinkClick r:id="rId11">
+                  <a:extLst>
+                    <a:ext uri="{A12FA001-AC4F-418D-AE19-62706E023703}">
+                      <ahyp:hlinkClr xmlns:ahyp="http://schemas.microsoft.com/office/drawing/2018/hyperlinkcolor" val="tx"/>
+                    </a:ext>
+                  </a:extLst>
+                </a:hlinkClick>
+              </a:rPr>
+              <a:t>https://github.com/deadlydog/AzureArtifactsPowerShellModuleHelper</a:t>
+            </a:r>
+            <a:r>
+              <a:rPr lang="en-US" sz="2400" dirty="0">
+                <a:solidFill>
+                  <a:schemeClr val="accent1">
+                    <a:lumMod val="60000"/>
+                    <a:lumOff val="40000"/>
+                  </a:schemeClr>
+                </a:solidFill>
+              </a:rPr>
+              <a:t> </a:t>
+            </a:r>
+          </a:p>
+          <a:p>
+            <a:r>
+              <a:rPr lang="en-US" sz="2400" dirty="0">
+                <a:solidFill>
+                  <a:schemeClr val="accent1">
+                    <a:lumMod val="60000"/>
+                    <a:lumOff val="40000"/>
+                  </a:schemeClr>
+                </a:solidFill>
+                <a:hlinkClick r:id="rId12">
+                  <a:extLst>
+                    <a:ext uri="{A12FA001-AC4F-418D-AE19-62706E023703}">
+                      <ahyp:hlinkClr xmlns:ahyp="http://schemas.microsoft.com/office/drawing/2018/hyperlinkcolor" val="tx"/>
+                    </a:ext>
+                  </a:extLst>
+                </a:hlinkClick>
+              </a:rPr>
+              <a:t>https://github.com/deadlydog/PowerShell.ScriptModuleRepositoryTemplate</a:t>
+            </a:r>
+            <a:r>
+              <a:rPr lang="en-US" sz="2400" dirty="0">
+                <a:solidFill>
+                  <a:schemeClr val="accent1">
+                    <a:lumMod val="60000"/>
+                    <a:lumOff val="40000"/>
+                  </a:schemeClr>
+                </a:solidFill>
+              </a:rPr>
+              <a:t> </a:t>
+            </a:r>
+          </a:p>
+        </p:txBody>
+      </p:sp>
+      <p:sp>
+        <p:nvSpPr>
+          <p:cNvPr id="2" name="Slide Number Placeholder 1">
+            <a:extLst>
+              <a:ext uri="{FF2B5EF4-FFF2-40B4-BE49-F238E27FC236}">
+                <a16:creationId xmlns:a16="http://schemas.microsoft.com/office/drawing/2014/main" id="{BE9800F6-D571-48C4-8466-12AA1ADB6599}"/>
+              </a:ext>
+            </a:extLst>
+          </p:cNvPr>
+          <p:cNvSpPr>
+            <a:spLocks noGrp="1"/>
+          </p:cNvSpPr>
+          <p:nvPr>
+            <p:ph type="sldNum" sz="quarter" idx="12"/>
+          </p:nvPr>
+        </p:nvSpPr>
+        <p:spPr/>
+        <p:txBody>
+          <a:bodyPr/>
+          <a:lstStyle/>
+          <a:p>
+            <a:fld id="{C263D6C4-4840-40CC-AC84-17E24B3B7BDE}" type="slidenum">
+              <a:rPr lang="en-US" smtClean="0"/>
+              <a:pPr/>
+              <a:t>4</a:t>
+            </a:fld>
+            <a:endParaRPr lang="en-US" dirty="0"/>
+          </a:p>
+        </p:txBody>
+      </p:sp>
+    </p:spTree>
+    <p:extLst>
+      <p:ext uri="{BB962C8B-B14F-4D97-AF65-F5344CB8AC3E}">
+        <p14:creationId xmlns:p14="http://schemas.microsoft.com/office/powerpoint/2010/main" val="3624905518"/>
+      </p:ext>
+    </p:extLst>
+  </p:cSld>
+  <p:clrMapOvr>
+    <a:masterClrMapping/>
+  </p:clrMapOvr>
+  <mc:AlternateContent xmlns:mc="http://schemas.openxmlformats.org/markup-compatibility/2006" xmlns:p14="http://schemas.microsoft.com/office/powerpoint/2010/main">
+    <mc:Choice Requires="p14">
+      <p:transition spd="med" p14:dur="700">
+        <p:fade/>
+      </p:transition>
+    </mc:Choice>
+    <mc:Fallback xmlns="">
+      <p:transition spd="med">
+        <p:fade/>
+      </p:transition>
+    </mc:Fallback>
+  </mc:AlternateContent>
+</p:sld>
+</file>
+
+<file path=ppt/slides/slide5.xml><?xml version="1.0" encoding="utf-8"?>
+<p:sld xmlns:a="http://schemas.openxmlformats.org/drawingml/2006/main" xmlns:r="http://schemas.openxmlformats.org/officeDocument/2006/relationships" xmlns:p="http://schemas.openxmlformats.org/presentationml/2006/main">
+  <p:cSld>
+    <p:spTree>
+      <p:nvGrpSpPr>
+        <p:cNvPr id="1" name=""/>
+        <p:cNvGrpSpPr/>
+        <p:nvPr/>
+      </p:nvGrpSpPr>
+      <p:grpSpPr>
+        <a:xfrm>
+          <a:off x="0" y="0"/>
+          <a:ext cx="0" cy="0"/>
+          <a:chOff x="0" y="0"/>
+          <a:chExt cx="0" cy="0"/>
+        </a:xfrm>
+      </p:grpSpPr>
+      <p:sp>
+        <p:nvSpPr>
+          <p:cNvPr id="7" name="Title 6">
+            <a:extLst>
+              <a:ext uri="{FF2B5EF4-FFF2-40B4-BE49-F238E27FC236}">
+                <a16:creationId xmlns:a16="http://schemas.microsoft.com/office/drawing/2014/main" id="{7875C19A-1AAE-476A-A316-A2CF92D763D3}"/>
+              </a:ext>
+            </a:extLst>
+          </p:cNvPr>
+          <p:cNvSpPr>
+            <a:spLocks noGrp="1"/>
+          </p:cNvSpPr>
+          <p:nvPr>
+            <p:ph type="title"/>
+          </p:nvPr>
+        </p:nvSpPr>
+        <p:spPr/>
+        <p:txBody>
+          <a:bodyPr/>
+          <a:lstStyle/>
+          <a:p>
+            <a:r>
+              <a:rPr lang="en-US" dirty="0" err="1"/>
+              <a:t>tiPS</a:t>
+            </a:r>
+            <a:r>
+              <a:rPr lang="en-US" dirty="0"/>
+              <a:t> PowerShell Module Demo</a:t>
+            </a:r>
+          </a:p>
+        </p:txBody>
+      </p:sp>
+      <p:sp>
+        <p:nvSpPr>
+          <p:cNvPr id="10" name="Text Placeholder 9">
+            <a:extLst>
+              <a:ext uri="{FF2B5EF4-FFF2-40B4-BE49-F238E27FC236}">
+                <a16:creationId xmlns:a16="http://schemas.microsoft.com/office/drawing/2014/main" id="{EF2BC084-E6DB-4DE7-B309-042A85EBA700}"/>
+              </a:ext>
+            </a:extLst>
+          </p:cNvPr>
+          <p:cNvSpPr>
+            <a:spLocks noGrp="1"/>
+          </p:cNvSpPr>
+          <p:nvPr>
+            <p:ph type="body" sz="quarter" idx="13"/>
+          </p:nvPr>
+        </p:nvSpPr>
+        <p:spPr>
+          <a:xfrm>
+            <a:off x="444500" y="1625385"/>
+            <a:ext cx="10807700" cy="967690"/>
+          </a:xfrm>
+        </p:spPr>
+        <p:txBody>
+          <a:bodyPr/>
+          <a:lstStyle/>
+          <a:p>
+            <a:pPr marL="0" indent="0">
+              <a:buNone/>
+            </a:pPr>
+            <a:r>
+              <a:rPr lang="en-US" sz="2800" kern="1200" dirty="0">
+                <a:solidFill>
+                  <a:schemeClr val="accent1">
+                    <a:lumMod val="60000"/>
+                    <a:lumOff val="40000"/>
+                  </a:schemeClr>
+                </a:solidFill>
+                <a:effectLst/>
+                <a:ea typeface="+mn-ea"/>
+                <a:cs typeface="Arial" panose="020B0604020202020204" pitchFamily="34" charset="0"/>
+                <a:hlinkClick r:id="rId3">
+                  <a:extLst>
+                    <a:ext uri="{A12FA001-AC4F-418D-AE19-62706E023703}">
+                      <ahyp:hlinkClr xmlns:ahyp="http://schemas.microsoft.com/office/drawing/2018/hyperlinkcolor" val="tx"/>
+                    </a:ext>
+                  </a:extLst>
+                </a:hlinkClick>
+              </a:rPr>
+              <a:t>https://github.com/deadlydog/PowerShell.tiPS</a:t>
+            </a:r>
+            <a:r>
+              <a:rPr lang="en-US" sz="2800" dirty="0">
+                <a:solidFill>
+                  <a:schemeClr val="accent1">
+                    <a:lumMod val="60000"/>
+                    <a:lumOff val="40000"/>
+                  </a:schemeClr>
+                </a:solidFill>
+              </a:rPr>
+              <a:t> </a:t>
+            </a:r>
+          </a:p>
+        </p:txBody>
+      </p:sp>
+      <p:sp>
+        <p:nvSpPr>
+          <p:cNvPr id="2" name="Slide Number Placeholder 1">
+            <a:extLst>
+              <a:ext uri="{FF2B5EF4-FFF2-40B4-BE49-F238E27FC236}">
+                <a16:creationId xmlns:a16="http://schemas.microsoft.com/office/drawing/2014/main" id="{BE9800F6-D571-48C4-8466-12AA1ADB6599}"/>
+              </a:ext>
+            </a:extLst>
+          </p:cNvPr>
+          <p:cNvSpPr>
+            <a:spLocks noGrp="1"/>
+          </p:cNvSpPr>
+          <p:nvPr>
+            <p:ph type="sldNum" sz="quarter" idx="12"/>
+          </p:nvPr>
+        </p:nvSpPr>
+        <p:spPr/>
+        <p:txBody>
+          <a:bodyPr/>
+          <a:lstStyle/>
+          <a:p>
+            <a:fld id="{C263D6C4-4840-40CC-AC84-17E24B3B7BDE}" type="slidenum">
+              <a:rPr lang="en-US" smtClean="0"/>
+              <a:pPr/>
+              <a:t>5</a:t>
+            </a:fld>
+            <a:endParaRPr lang="en-US" dirty="0"/>
+          </a:p>
+        </p:txBody>
+      </p:sp>
+      <p:sp>
+        <p:nvSpPr>
+          <p:cNvPr id="3" name="Text Placeholder 9">
+            <a:extLst>
+              <a:ext uri="{FF2B5EF4-FFF2-40B4-BE49-F238E27FC236}">
+                <a16:creationId xmlns:a16="http://schemas.microsoft.com/office/drawing/2014/main" id="{EB116BF4-0934-F72C-F3B6-77B163806CCC}"/>
+              </a:ext>
+            </a:extLst>
+          </p:cNvPr>
+          <p:cNvSpPr txBox="1">
+            <a:spLocks/>
+          </p:cNvSpPr>
+          <p:nvPr/>
+        </p:nvSpPr>
+        <p:spPr>
+          <a:xfrm>
+            <a:off x="444500" y="3429000"/>
+            <a:ext cx="11214100" cy="967690"/>
+          </a:xfrm>
+          <a:prstGeom prst="rect">
+            <a:avLst/>
+          </a:prstGeom>
+        </p:spPr>
+        <p:txBody>
+          <a:bodyPr vert="horz" lIns="91440" tIns="45720" rIns="91440" bIns="45720" rtlCol="0">
+            <a:noAutofit/>
+          </a:bodyPr>
+          <a:lstStyle>
+            <a:lvl1pPr marL="228600" indent="-228600" algn="l" defTabSz="914400" rtl="0" eaLnBrk="1" latinLnBrk="0" hangingPunct="1">
+              <a:lnSpc>
+                <a:spcPct val="100000"/>
+              </a:lnSpc>
+              <a:spcBef>
+                <a:spcPts val="600"/>
+              </a:spcBef>
+              <a:spcAft>
+                <a:spcPts val="400"/>
+              </a:spcAft>
+              <a:buClr>
+                <a:schemeClr val="accent2"/>
+              </a:buClr>
+              <a:buFont typeface="Arial" panose="020B0604020202020204" pitchFamily="34" charset="0"/>
+              <a:buChar char="•"/>
+              <a:defRPr sz="1600" kern="1200">
+                <a:solidFill>
+                  <a:schemeClr val="bg1"/>
+                </a:solidFill>
+                <a:latin typeface="+mn-lt"/>
+                <a:ea typeface="+mn-ea"/>
+                <a:cs typeface="Arial" panose="020B0604020202020204" pitchFamily="34" charset="0"/>
+              </a:defRPr>
+            </a:lvl1pPr>
+            <a:lvl2pPr marL="685800" indent="-228600" algn="l" defTabSz="914400" rtl="0" eaLnBrk="1" latinLnBrk="0" hangingPunct="1">
+              <a:lnSpc>
+                <a:spcPct val="100000"/>
+              </a:lnSpc>
+              <a:spcBef>
+                <a:spcPts val="600"/>
+              </a:spcBef>
+              <a:spcAft>
+                <a:spcPts val="400"/>
+              </a:spcAft>
+              <a:buClr>
+                <a:schemeClr val="accent2"/>
+              </a:buClr>
+              <a:buFont typeface="Arial" panose="020B0604020202020204" pitchFamily="34" charset="0"/>
+              <a:buChar char="•"/>
+              <a:defRPr sz="1400" kern="1200">
+                <a:solidFill>
+                  <a:schemeClr val="bg1"/>
+                </a:solidFill>
+                <a:latin typeface="+mn-lt"/>
+                <a:ea typeface="+mn-ea"/>
+                <a:cs typeface="Arial" panose="020B0604020202020204" pitchFamily="34" charset="0"/>
+              </a:defRPr>
+            </a:lvl2pPr>
+            <a:lvl3pPr marL="1143000" indent="-228600" algn="l" defTabSz="914400" rtl="0" eaLnBrk="1" latinLnBrk="0" hangingPunct="1">
+              <a:lnSpc>
+                <a:spcPct val="100000"/>
+              </a:lnSpc>
+              <a:spcBef>
+                <a:spcPts val="600"/>
+              </a:spcBef>
+              <a:spcAft>
+                <a:spcPts val="400"/>
+              </a:spcAft>
+              <a:buClr>
+                <a:schemeClr val="accent2"/>
+              </a:buClr>
+              <a:buFont typeface="Arial" panose="020B0604020202020204" pitchFamily="34" charset="0"/>
+              <a:buChar char="•"/>
+              <a:defRPr sz="1200" kern="1200">
+                <a:solidFill>
+                  <a:schemeClr val="bg1"/>
+                </a:solidFill>
+                <a:latin typeface="+mn-lt"/>
+                <a:ea typeface="+mn-ea"/>
+                <a:cs typeface="Arial" panose="020B0604020202020204" pitchFamily="34" charset="0"/>
+              </a:defRPr>
+            </a:lvl3pPr>
+            <a:lvl4pPr marL="1600200" indent="-228600" algn="l" defTabSz="914400" rtl="0" eaLnBrk="1" latinLnBrk="0" hangingPunct="1">
+              <a:lnSpc>
+                <a:spcPct val="90000"/>
+              </a:lnSpc>
+              <a:spcBef>
+                <a:spcPts val="500"/>
+              </a:spcBef>
+              <a:buClr>
+                <a:schemeClr val="accent2"/>
+              </a:buClr>
+              <a:buFont typeface="Arial" panose="020B0604020202020204" pitchFamily="34" charset="0"/>
+              <a:buChar char="•"/>
+              <a:defRPr sz="1400" kern="1200">
+                <a:solidFill>
+                  <a:schemeClr val="bg1"/>
+                </a:solidFill>
+                <a:latin typeface="Arial" panose="020B0604020202020204" pitchFamily="34" charset="0"/>
+                <a:ea typeface="+mn-ea"/>
+                <a:cs typeface="Arial" panose="020B0604020202020204" pitchFamily="34" charset="0"/>
+              </a:defRPr>
+            </a:lvl4pPr>
+            <a:lvl5pPr marL="2057400" indent="-228600" algn="l" defTabSz="914400" rtl="0" eaLnBrk="1" latinLnBrk="0" hangingPunct="1">
+              <a:lnSpc>
+                <a:spcPct val="90000"/>
+              </a:lnSpc>
+              <a:spcBef>
+                <a:spcPts val="500"/>
+              </a:spcBef>
+              <a:buClr>
+                <a:schemeClr val="accent2"/>
+              </a:buClr>
+              <a:buFont typeface="Arial" panose="020B0604020202020204" pitchFamily="34" charset="0"/>
+              <a:buChar char="•"/>
+              <a:defRPr sz="1400" kern="1200">
+                <a:solidFill>
+                  <a:schemeClr val="bg1"/>
+                </a:solidFill>
+                <a:latin typeface="Arial" panose="020B0604020202020204" pitchFamily="34" charset="0"/>
+                <a:ea typeface="+mn-ea"/>
+                <a:cs typeface="Arial" panose="020B0604020202020204" pitchFamily="34" charset="0"/>
+              </a:defRPr>
+            </a:lvl5pPr>
+            <a:lvl6pPr marL="2514600" indent="-228600" algn="l" defTabSz="914400" rtl="0" eaLnBrk="1" latinLnBrk="0" hangingPunct="1">
+              <a:lnSpc>
+                <a:spcPct val="90000"/>
+              </a:lnSpc>
+              <a:spcBef>
+                <a:spcPts val="500"/>
+              </a:spcBef>
+              <a:buFont typeface="Arial" panose="020B0604020202020204" pitchFamily="34" charset="0"/>
+              <a:buChar char="•"/>
+              <a:defRPr sz="1800" kern="1200">
+                <a:solidFill>
+                  <a:schemeClr val="tx1"/>
+                </a:solidFill>
+                <a:latin typeface="+mn-lt"/>
+                <a:ea typeface="+mn-ea"/>
+                <a:cs typeface="+mn-cs"/>
+              </a:defRPr>
+            </a:lvl6pPr>
+            <a:lvl7pPr marL="2971800" indent="-228600" algn="l" defTabSz="914400" rtl="0" eaLnBrk="1" latinLnBrk="0" hangingPunct="1">
+              <a:lnSpc>
+                <a:spcPct val="90000"/>
+              </a:lnSpc>
+              <a:spcBef>
+                <a:spcPts val="500"/>
+              </a:spcBef>
+              <a:buFont typeface="Arial" panose="020B0604020202020204" pitchFamily="34" charset="0"/>
+              <a:buChar char="•"/>
+              <a:defRPr sz="1800" kern="1200">
+                <a:solidFill>
+                  <a:schemeClr val="tx1"/>
+                </a:solidFill>
+                <a:latin typeface="+mn-lt"/>
+                <a:ea typeface="+mn-ea"/>
+                <a:cs typeface="+mn-cs"/>
+              </a:defRPr>
+            </a:lvl7pPr>
+            <a:lvl8pPr marL="3429000" indent="-228600" algn="l" defTabSz="914400" rtl="0" eaLnBrk="1" latinLnBrk="0" hangingPunct="1">
+              <a:lnSpc>
+                <a:spcPct val="90000"/>
+              </a:lnSpc>
+              <a:spcBef>
+                <a:spcPts val="500"/>
+              </a:spcBef>
+              <a:buFont typeface="Arial" panose="020B0604020202020204" pitchFamily="34" charset="0"/>
+              <a:buChar char="•"/>
+              <a:defRPr sz="1800" kern="1200">
+                <a:solidFill>
+                  <a:schemeClr val="tx1"/>
+                </a:solidFill>
+                <a:latin typeface="+mn-lt"/>
+                <a:ea typeface="+mn-ea"/>
+                <a:cs typeface="+mn-cs"/>
+              </a:defRPr>
+            </a:lvl8pPr>
+            <a:lvl9pPr marL="3886200" indent="-228600" algn="l" defTabSz="914400" rtl="0" eaLnBrk="1" latinLnBrk="0" hangingPunct="1">
+              <a:lnSpc>
+                <a:spcPct val="90000"/>
+              </a:lnSpc>
+              <a:spcBef>
+                <a:spcPts val="500"/>
+              </a:spcBef>
+              <a:buFont typeface="Arial" panose="020B0604020202020204" pitchFamily="34" charset="0"/>
+              <a:buChar char="•"/>
+              <a:defRPr sz="1800" kern="1200">
+                <a:solidFill>
+                  <a:schemeClr val="tx1"/>
+                </a:solidFill>
+                <a:latin typeface="+mn-lt"/>
+                <a:ea typeface="+mn-ea"/>
+                <a:cs typeface="+mn-cs"/>
+              </a:defRPr>
+            </a:lvl9pPr>
+          </a:lstStyle>
+          <a:p>
+            <a:pPr marL="0" indent="0" algn="ctr">
+              <a:buNone/>
+            </a:pPr>
+            <a:r>
+              <a:rPr lang="en-US" sz="4800" dirty="0"/>
+              <a:t>Let’s see </a:t>
+            </a:r>
+            <a:r>
+              <a:rPr lang="en-US" sz="4800" dirty="0" err="1"/>
+              <a:t>tiPS</a:t>
+            </a:r>
+            <a:r>
+              <a:rPr lang="en-US" sz="4800" dirty="0"/>
+              <a:t>!!!</a:t>
+            </a:r>
+          </a:p>
+        </p:txBody>
+      </p:sp>
+    </p:spTree>
+    <p:extLst>
+      <p:ext uri="{BB962C8B-B14F-4D97-AF65-F5344CB8AC3E}">
+        <p14:creationId xmlns:p14="http://schemas.microsoft.com/office/powerpoint/2010/main" val="1321653971"/>
+      </p:ext>
+    </p:extLst>
+  </p:cSld>
+  <p:clrMapOvr>
+    <a:masterClrMapping/>
+  </p:clrMapOvr>
+  <mc:AlternateContent xmlns:mc="http://schemas.openxmlformats.org/markup-compatibility/2006" xmlns:p14="http://schemas.microsoft.com/office/powerpoint/2010/main">
+    <mc:Choice Requires="p14">
+      <p:transition spd="med" p14:dur="700">
+        <p:fade/>
+      </p:transition>
+    </mc:Choice>
+    <mc:Fallback xmlns="">
+      <p:transition spd="med">
+        <p:fade/>
+      </p:transition>
+    </mc:Fallback>
+  </mc:AlternateContent>
+</p:sld>
+</file>
+
+<file path=ppt/slides/slide6.xml><?xml version="1.0" encoding="utf-8"?>
+<p:sld xmlns:a="http://schemas.openxmlformats.org/drawingml/2006/main" xmlns:r="http://schemas.openxmlformats.org/officeDocument/2006/relationships" xmlns:p="http://schemas.openxmlformats.org/presentationml/2006/main">
+  <p:cSld>
+    <p:spTree>
+      <p:nvGrpSpPr>
+        <p:cNvPr id="1" name=""/>
+        <p:cNvGrpSpPr/>
+        <p:nvPr/>
+      </p:nvGrpSpPr>
+      <p:grpSpPr>
+        <a:xfrm>
+          <a:off x="0" y="0"/>
+          <a:ext cx="0" cy="0"/>
+          <a:chOff x="0" y="0"/>
+          <a:chExt cx="0" cy="0"/>
+        </a:xfrm>
+      </p:grpSpPr>
+      <p:sp>
+        <p:nvSpPr>
+          <p:cNvPr id="7" name="Title 6">
+            <a:extLst>
+              <a:ext uri="{FF2B5EF4-FFF2-40B4-BE49-F238E27FC236}">
+                <a16:creationId xmlns:a16="http://schemas.microsoft.com/office/drawing/2014/main" id="{7875C19A-1AAE-476A-A316-A2CF92D763D3}"/>
+              </a:ext>
+            </a:extLst>
+          </p:cNvPr>
+          <p:cNvSpPr>
+            <a:spLocks noGrp="1"/>
+          </p:cNvSpPr>
+          <p:nvPr>
+            <p:ph type="title"/>
+          </p:nvPr>
+        </p:nvSpPr>
+        <p:spPr/>
+        <p:txBody>
+          <a:bodyPr/>
+          <a:lstStyle/>
+          <a:p>
+            <a:r>
+              <a:rPr lang="en-US" dirty="0" err="1"/>
+              <a:t>tiPS</a:t>
+            </a:r>
+            <a:r>
+              <a:rPr lang="en-US" dirty="0"/>
+              <a:t> Discussion</a:t>
+            </a:r>
+          </a:p>
+        </p:txBody>
+      </p:sp>
+      <p:sp>
+        <p:nvSpPr>
+          <p:cNvPr id="10" name="Text Placeholder 9">
+            <a:extLst>
+              <a:ext uri="{FF2B5EF4-FFF2-40B4-BE49-F238E27FC236}">
+                <a16:creationId xmlns:a16="http://schemas.microsoft.com/office/drawing/2014/main" id="{EF2BC084-E6DB-4DE7-B309-042A85EBA700}"/>
+              </a:ext>
+            </a:extLst>
+          </p:cNvPr>
+          <p:cNvSpPr>
+            <a:spLocks noGrp="1"/>
+          </p:cNvSpPr>
+          <p:nvPr>
+            <p:ph type="body" sz="quarter" idx="13"/>
+          </p:nvPr>
+        </p:nvSpPr>
+        <p:spPr>
+          <a:xfrm>
+            <a:off x="444500" y="1625385"/>
+            <a:ext cx="11214100" cy="4390951"/>
+          </a:xfrm>
+        </p:spPr>
+        <p:txBody>
+          <a:bodyPr/>
+          <a:lstStyle/>
+          <a:p>
+            <a:r>
+              <a:rPr lang="en-US" sz="2800" dirty="0"/>
+              <a:t>How many people use </a:t>
+            </a:r>
+            <a:r>
+              <a:rPr lang="en-US" sz="2800" dirty="0" err="1"/>
+              <a:t>tiPS</a:t>
+            </a:r>
+            <a:r>
+              <a:rPr lang="en-US" sz="2800" dirty="0"/>
+              <a:t> already?</a:t>
+            </a:r>
+          </a:p>
+          <a:p>
+            <a:r>
+              <a:rPr lang="en-US" sz="2800" dirty="0"/>
+              <a:t>Initial impressions?</a:t>
+            </a:r>
+          </a:p>
+          <a:p>
+            <a:r>
+              <a:rPr lang="en-US" sz="2800" dirty="0"/>
+              <a:t>Got any feature ideas?</a:t>
+            </a:r>
+          </a:p>
+          <a:p>
+            <a:endParaRPr lang="en-US" sz="2800" dirty="0">
+              <a:solidFill>
+                <a:schemeClr val="accent1">
+                  <a:lumMod val="60000"/>
+                  <a:lumOff val="40000"/>
+                </a:schemeClr>
+              </a:solidFill>
+              <a:hlinkClick r:id="rId3">
+                <a:extLst>
+                  <a:ext uri="{A12FA001-AC4F-418D-AE19-62706E023703}">
+                    <ahyp:hlinkClr xmlns:ahyp="http://schemas.microsoft.com/office/drawing/2018/hyperlinkcolor" val="tx"/>
+                  </a:ext>
+                </a:extLst>
+              </a:hlinkClick>
+            </a:endParaRPr>
+          </a:p>
+          <a:p>
+            <a:r>
+              <a:rPr lang="en-US" sz="2800" dirty="0" err="1">
+                <a:solidFill>
+                  <a:schemeClr val="accent1">
+                    <a:lumMod val="60000"/>
+                    <a:lumOff val="40000"/>
+                  </a:schemeClr>
+                </a:solidFill>
+                <a:hlinkClick r:id="rId3">
+                  <a:extLst>
+                    <a:ext uri="{A12FA001-AC4F-418D-AE19-62706E023703}">
+                      <ahyp:hlinkClr xmlns:ahyp="http://schemas.microsoft.com/office/drawing/2018/hyperlinkcolor" val="tx"/>
+                    </a:ext>
+                  </a:extLst>
+                </a:hlinkClick>
+              </a:rPr>
+              <a:t>tiPS</a:t>
+            </a:r>
+            <a:r>
+              <a:rPr lang="en-US" sz="2800" dirty="0">
+                <a:solidFill>
+                  <a:schemeClr val="accent1">
+                    <a:lumMod val="60000"/>
+                    <a:lumOff val="40000"/>
+                  </a:schemeClr>
+                </a:solidFill>
+                <a:hlinkClick r:id="rId3">
+                  <a:extLst>
+                    <a:ext uri="{A12FA001-AC4F-418D-AE19-62706E023703}">
+                      <ahyp:hlinkClr xmlns:ahyp="http://schemas.microsoft.com/office/drawing/2018/hyperlinkcolor" val="tx"/>
+                    </a:ext>
+                  </a:extLst>
+                </a:hlinkClick>
+              </a:rPr>
+              <a:t> Roadmap</a:t>
+            </a:r>
+            <a:endParaRPr lang="en-US" sz="2800" dirty="0">
+              <a:solidFill>
+                <a:schemeClr val="accent1">
+                  <a:lumMod val="60000"/>
+                  <a:lumOff val="40000"/>
+                </a:schemeClr>
+              </a:solidFill>
+            </a:endParaRPr>
+          </a:p>
+        </p:txBody>
+      </p:sp>
+      <p:sp>
+        <p:nvSpPr>
+          <p:cNvPr id="2" name="Slide Number Placeholder 1">
+            <a:extLst>
+              <a:ext uri="{FF2B5EF4-FFF2-40B4-BE49-F238E27FC236}">
+                <a16:creationId xmlns:a16="http://schemas.microsoft.com/office/drawing/2014/main" id="{BE9800F6-D571-48C4-8466-12AA1ADB6599}"/>
+              </a:ext>
+            </a:extLst>
+          </p:cNvPr>
+          <p:cNvSpPr>
+            <a:spLocks noGrp="1"/>
+          </p:cNvSpPr>
+          <p:nvPr>
+            <p:ph type="sldNum" sz="quarter" idx="12"/>
+          </p:nvPr>
+        </p:nvSpPr>
+        <p:spPr/>
+        <p:txBody>
+          <a:bodyPr/>
+          <a:lstStyle/>
+          <a:p>
+            <a:fld id="{C263D6C4-4840-40CC-AC84-17E24B3B7BDE}" type="slidenum">
+              <a:rPr lang="en-US" smtClean="0"/>
+              <a:pPr/>
+              <a:t>6</a:t>
+            </a:fld>
+            <a:endParaRPr lang="en-US" dirty="0"/>
+          </a:p>
+        </p:txBody>
+      </p:sp>
+    </p:spTree>
+    <p:extLst>
+      <p:ext uri="{BB962C8B-B14F-4D97-AF65-F5344CB8AC3E}">
+        <p14:creationId xmlns:p14="http://schemas.microsoft.com/office/powerpoint/2010/main" val="924286788"/>
+      </p:ext>
+    </p:extLst>
+  </p:cSld>
+  <p:clrMapOvr>
+    <a:masterClrMapping/>
+  </p:clrMapOvr>
+  <mc:AlternateContent xmlns:mc="http://schemas.openxmlformats.org/markup-compatibility/2006" xmlns:p14="http://schemas.microsoft.com/office/powerpoint/2010/main">
+    <mc:Choice Requires="p14">
+      <p:transition spd="med" p14:dur="700">
+        <p:fade/>
+      </p:transition>
+    </mc:Choice>
+    <mc:Fallback xmlns="">
+      <p:transition spd="med">
+        <p:fade/>
+      </p:transition>
+    </mc:Fallback>
+  </mc:AlternateContent>
+</p:sld>
+</file>
+
+<file path=ppt/slides/slide7.xml><?xml version="1.0" encoding="utf-8"?>
+<p:sld xmlns:a="http://schemas.openxmlformats.org/drawingml/2006/main" xmlns:r="http://schemas.openxmlformats.org/officeDocument/2006/relationships" xmlns:p="http://schemas.openxmlformats.org/presentationml/2006/main">
+  <p:cSld>
+    <p:spTree>
+      <p:nvGrpSpPr>
+        <p:cNvPr id="1" name=""/>
+        <p:cNvGrpSpPr/>
+        <p:nvPr/>
+      </p:nvGrpSpPr>
+      <p:grpSpPr>
+        <a:xfrm>
+          <a:off x="0" y="0"/>
+          <a:ext cx="0" cy="0"/>
+          <a:chOff x="0" y="0"/>
+          <a:chExt cx="0" cy="0"/>
+        </a:xfrm>
+      </p:grpSpPr>
+      <p:sp>
+        <p:nvSpPr>
+          <p:cNvPr id="7" name="Title 6">
+            <a:extLst>
+              <a:ext uri="{FF2B5EF4-FFF2-40B4-BE49-F238E27FC236}">
+                <a16:creationId xmlns:a16="http://schemas.microsoft.com/office/drawing/2014/main" id="{7875C19A-1AAE-476A-A316-A2CF92D763D3}"/>
+              </a:ext>
+            </a:extLst>
+          </p:cNvPr>
+          <p:cNvSpPr>
+            <a:spLocks noGrp="1"/>
+          </p:cNvSpPr>
+          <p:nvPr>
+            <p:ph type="title"/>
+          </p:nvPr>
+        </p:nvSpPr>
+        <p:spPr/>
+        <p:txBody>
+          <a:bodyPr/>
+          <a:lstStyle/>
+          <a:p>
+            <a:r>
+              <a:rPr lang="en-US" dirty="0" err="1"/>
+              <a:t>tiPS</a:t>
+            </a:r>
+            <a:r>
+              <a:rPr lang="en-US" dirty="0"/>
+              <a:t> Contributing Demo</a:t>
+            </a:r>
+          </a:p>
+        </p:txBody>
+      </p:sp>
+      <p:sp>
+        <p:nvSpPr>
+          <p:cNvPr id="10" name="Text Placeholder 9">
+            <a:extLst>
+              <a:ext uri="{FF2B5EF4-FFF2-40B4-BE49-F238E27FC236}">
+                <a16:creationId xmlns:a16="http://schemas.microsoft.com/office/drawing/2014/main" id="{EF2BC084-E6DB-4DE7-B309-042A85EBA700}"/>
+              </a:ext>
+            </a:extLst>
+          </p:cNvPr>
+          <p:cNvSpPr>
+            <a:spLocks noGrp="1"/>
+          </p:cNvSpPr>
+          <p:nvPr>
+            <p:ph type="body" sz="quarter" idx="13"/>
+          </p:nvPr>
+        </p:nvSpPr>
+        <p:spPr>
+          <a:xfrm>
+            <a:off x="444500" y="1625385"/>
+            <a:ext cx="10807700" cy="1267940"/>
+          </a:xfrm>
+        </p:spPr>
+        <p:txBody>
+          <a:bodyPr/>
+          <a:lstStyle/>
+          <a:p>
+            <a:pPr marL="0" indent="0">
+              <a:buNone/>
+            </a:pPr>
+            <a:r>
+              <a:rPr lang="en-US" sz="2800" kern="1200" dirty="0">
+                <a:solidFill>
+                  <a:schemeClr val="accent1">
+                    <a:lumMod val="60000"/>
+                    <a:lumOff val="40000"/>
+                  </a:schemeClr>
+                </a:solidFill>
+                <a:effectLst/>
+                <a:ea typeface="+mn-ea"/>
+                <a:cs typeface="Arial" panose="020B0604020202020204" pitchFamily="34" charset="0"/>
+                <a:hlinkClick r:id="rId3">
+                  <a:extLst>
+                    <a:ext uri="{A12FA001-AC4F-418D-AE19-62706E023703}">
+                      <ahyp:hlinkClr xmlns:ahyp="http://schemas.microsoft.com/office/drawing/2018/hyperlinkcolor" val="tx"/>
+                    </a:ext>
+                  </a:extLst>
+                </a:hlinkClick>
+              </a:rPr>
+              <a:t>https://github.com/deadlydog/PowerShell.tiPS</a:t>
+            </a:r>
+            <a:r>
+              <a:rPr lang="en-US" sz="2800" dirty="0">
+                <a:solidFill>
+                  <a:schemeClr val="accent1">
+                    <a:lumMod val="60000"/>
+                    <a:lumOff val="40000"/>
+                  </a:schemeClr>
+                </a:solidFill>
+              </a:rPr>
+              <a:t> </a:t>
+            </a:r>
+          </a:p>
+        </p:txBody>
+      </p:sp>
+      <p:sp>
+        <p:nvSpPr>
+          <p:cNvPr id="2" name="Slide Number Placeholder 1">
+            <a:extLst>
+              <a:ext uri="{FF2B5EF4-FFF2-40B4-BE49-F238E27FC236}">
+                <a16:creationId xmlns:a16="http://schemas.microsoft.com/office/drawing/2014/main" id="{BE9800F6-D571-48C4-8466-12AA1ADB6599}"/>
+              </a:ext>
+            </a:extLst>
+          </p:cNvPr>
+          <p:cNvSpPr>
+            <a:spLocks noGrp="1"/>
+          </p:cNvSpPr>
+          <p:nvPr>
+            <p:ph type="sldNum" sz="quarter" idx="12"/>
+          </p:nvPr>
+        </p:nvSpPr>
+        <p:spPr/>
+        <p:txBody>
+          <a:bodyPr/>
+          <a:lstStyle/>
+          <a:p>
+            <a:fld id="{C263D6C4-4840-40CC-AC84-17E24B3B7BDE}" type="slidenum">
+              <a:rPr lang="en-US" smtClean="0"/>
+              <a:pPr/>
+              <a:t>7</a:t>
+            </a:fld>
+            <a:endParaRPr lang="en-US" dirty="0"/>
+          </a:p>
+        </p:txBody>
+      </p:sp>
+      <p:sp>
+        <p:nvSpPr>
+          <p:cNvPr id="3" name="Text Placeholder 9">
+            <a:extLst>
+              <a:ext uri="{FF2B5EF4-FFF2-40B4-BE49-F238E27FC236}">
+                <a16:creationId xmlns:a16="http://schemas.microsoft.com/office/drawing/2014/main" id="{EB116BF4-0934-F72C-F3B6-77B163806CCC}"/>
+              </a:ext>
+            </a:extLst>
+          </p:cNvPr>
+          <p:cNvSpPr txBox="1">
+            <a:spLocks/>
+          </p:cNvSpPr>
+          <p:nvPr/>
+        </p:nvSpPr>
+        <p:spPr>
+          <a:xfrm>
+            <a:off x="444500" y="3429000"/>
+            <a:ext cx="11214100" cy="2587336"/>
+          </a:xfrm>
+          <a:prstGeom prst="rect">
+            <a:avLst/>
+          </a:prstGeom>
+        </p:spPr>
+        <p:txBody>
+          <a:bodyPr vert="horz" lIns="91440" tIns="45720" rIns="91440" bIns="45720" rtlCol="0">
+            <a:noAutofit/>
+          </a:bodyPr>
+          <a:lstStyle>
+            <a:lvl1pPr marL="228600" indent="-228600" algn="l" defTabSz="914400" rtl="0" eaLnBrk="1" latinLnBrk="0" hangingPunct="1">
+              <a:lnSpc>
+                <a:spcPct val="100000"/>
+              </a:lnSpc>
+              <a:spcBef>
+                <a:spcPts val="600"/>
+              </a:spcBef>
+              <a:spcAft>
+                <a:spcPts val="400"/>
+              </a:spcAft>
+              <a:buClr>
+                <a:schemeClr val="accent2"/>
+              </a:buClr>
+              <a:buFont typeface="Arial" panose="020B0604020202020204" pitchFamily="34" charset="0"/>
+              <a:buChar char="•"/>
+              <a:defRPr sz="1600" kern="1200">
+                <a:solidFill>
+                  <a:schemeClr val="bg1"/>
+                </a:solidFill>
+                <a:latin typeface="+mn-lt"/>
+                <a:ea typeface="+mn-ea"/>
+                <a:cs typeface="Arial" panose="020B0604020202020204" pitchFamily="34" charset="0"/>
+              </a:defRPr>
+            </a:lvl1pPr>
+            <a:lvl2pPr marL="685800" indent="-228600" algn="l" defTabSz="914400" rtl="0" eaLnBrk="1" latinLnBrk="0" hangingPunct="1">
+              <a:lnSpc>
+                <a:spcPct val="100000"/>
+              </a:lnSpc>
+              <a:spcBef>
+                <a:spcPts val="600"/>
+              </a:spcBef>
+              <a:spcAft>
+                <a:spcPts val="400"/>
+              </a:spcAft>
+              <a:buClr>
+                <a:schemeClr val="accent2"/>
+              </a:buClr>
+              <a:buFont typeface="Arial" panose="020B0604020202020204" pitchFamily="34" charset="0"/>
+              <a:buChar char="•"/>
+              <a:defRPr sz="1400" kern="1200">
+                <a:solidFill>
+                  <a:schemeClr val="bg1"/>
+                </a:solidFill>
+                <a:latin typeface="+mn-lt"/>
+                <a:ea typeface="+mn-ea"/>
+                <a:cs typeface="Arial" panose="020B0604020202020204" pitchFamily="34" charset="0"/>
+              </a:defRPr>
+            </a:lvl2pPr>
+            <a:lvl3pPr marL="1143000" indent="-228600" algn="l" defTabSz="914400" rtl="0" eaLnBrk="1" latinLnBrk="0" hangingPunct="1">
+              <a:lnSpc>
+                <a:spcPct val="100000"/>
+              </a:lnSpc>
+              <a:spcBef>
+                <a:spcPts val="600"/>
+              </a:spcBef>
+              <a:spcAft>
+                <a:spcPts val="400"/>
+              </a:spcAft>
+              <a:buClr>
+                <a:schemeClr val="accent2"/>
+              </a:buClr>
+              <a:buFont typeface="Arial" panose="020B0604020202020204" pitchFamily="34" charset="0"/>
+              <a:buChar char="•"/>
+              <a:defRPr sz="1200" kern="1200">
+                <a:solidFill>
+                  <a:schemeClr val="bg1"/>
+                </a:solidFill>
+                <a:latin typeface="+mn-lt"/>
+                <a:ea typeface="+mn-ea"/>
+                <a:cs typeface="Arial" panose="020B0604020202020204" pitchFamily="34" charset="0"/>
+              </a:defRPr>
+            </a:lvl3pPr>
+            <a:lvl4pPr marL="1600200" indent="-228600" algn="l" defTabSz="914400" rtl="0" eaLnBrk="1" latinLnBrk="0" hangingPunct="1">
+              <a:lnSpc>
+                <a:spcPct val="90000"/>
+              </a:lnSpc>
+              <a:spcBef>
+                <a:spcPts val="500"/>
+              </a:spcBef>
+              <a:buClr>
+                <a:schemeClr val="accent2"/>
+              </a:buClr>
+              <a:buFont typeface="Arial" panose="020B0604020202020204" pitchFamily="34" charset="0"/>
+              <a:buChar char="•"/>
+              <a:defRPr sz="1400" kern="1200">
+                <a:solidFill>
+                  <a:schemeClr val="bg1"/>
+                </a:solidFill>
+                <a:latin typeface="Arial" panose="020B0604020202020204" pitchFamily="34" charset="0"/>
+                <a:ea typeface="+mn-ea"/>
+                <a:cs typeface="Arial" panose="020B0604020202020204" pitchFamily="34" charset="0"/>
+              </a:defRPr>
+            </a:lvl4pPr>
+            <a:lvl5pPr marL="2057400" indent="-228600" algn="l" defTabSz="914400" rtl="0" eaLnBrk="1" latinLnBrk="0" hangingPunct="1">
+              <a:lnSpc>
+                <a:spcPct val="90000"/>
+              </a:lnSpc>
+              <a:spcBef>
+                <a:spcPts val="500"/>
+              </a:spcBef>
+              <a:buClr>
+                <a:schemeClr val="accent2"/>
+              </a:buClr>
+              <a:buFont typeface="Arial" panose="020B0604020202020204" pitchFamily="34" charset="0"/>
+              <a:buChar char="•"/>
+              <a:defRPr sz="1400" kern="1200">
+                <a:solidFill>
+                  <a:schemeClr val="bg1"/>
+                </a:solidFill>
+                <a:latin typeface="Arial" panose="020B0604020202020204" pitchFamily="34" charset="0"/>
+                <a:ea typeface="+mn-ea"/>
+                <a:cs typeface="Arial" panose="020B0604020202020204" pitchFamily="34" charset="0"/>
+              </a:defRPr>
+            </a:lvl5pPr>
+            <a:lvl6pPr marL="2514600" indent="-228600" algn="l" defTabSz="914400" rtl="0" eaLnBrk="1" latinLnBrk="0" hangingPunct="1">
+              <a:lnSpc>
+                <a:spcPct val="90000"/>
+              </a:lnSpc>
+              <a:spcBef>
+                <a:spcPts val="500"/>
+              </a:spcBef>
+              <a:buFont typeface="Arial" panose="020B0604020202020204" pitchFamily="34" charset="0"/>
+              <a:buChar char="•"/>
+              <a:defRPr sz="1800" kern="1200">
+                <a:solidFill>
+                  <a:schemeClr val="tx1"/>
+                </a:solidFill>
+                <a:latin typeface="+mn-lt"/>
+                <a:ea typeface="+mn-ea"/>
+                <a:cs typeface="+mn-cs"/>
+              </a:defRPr>
+            </a:lvl6pPr>
+            <a:lvl7pPr marL="2971800" indent="-228600" algn="l" defTabSz="914400" rtl="0" eaLnBrk="1" latinLnBrk="0" hangingPunct="1">
+              <a:lnSpc>
+                <a:spcPct val="90000"/>
+              </a:lnSpc>
+              <a:spcBef>
+                <a:spcPts val="500"/>
+              </a:spcBef>
+              <a:buFont typeface="Arial" panose="020B0604020202020204" pitchFamily="34" charset="0"/>
+              <a:buChar char="•"/>
+              <a:defRPr sz="1800" kern="1200">
+                <a:solidFill>
+                  <a:schemeClr val="tx1"/>
+                </a:solidFill>
+                <a:latin typeface="+mn-lt"/>
+                <a:ea typeface="+mn-ea"/>
+                <a:cs typeface="+mn-cs"/>
+              </a:defRPr>
+            </a:lvl7pPr>
+            <a:lvl8pPr marL="3429000" indent="-228600" algn="l" defTabSz="914400" rtl="0" eaLnBrk="1" latinLnBrk="0" hangingPunct="1">
+              <a:lnSpc>
+                <a:spcPct val="90000"/>
+              </a:lnSpc>
+              <a:spcBef>
+                <a:spcPts val="500"/>
+              </a:spcBef>
+              <a:buFont typeface="Arial" panose="020B0604020202020204" pitchFamily="34" charset="0"/>
+              <a:buChar char="•"/>
+              <a:defRPr sz="1800" kern="1200">
+                <a:solidFill>
+                  <a:schemeClr val="tx1"/>
+                </a:solidFill>
+                <a:latin typeface="+mn-lt"/>
+                <a:ea typeface="+mn-ea"/>
+                <a:cs typeface="+mn-cs"/>
+              </a:defRPr>
+            </a:lvl8pPr>
+            <a:lvl9pPr marL="3886200" indent="-228600" algn="l" defTabSz="914400" rtl="0" eaLnBrk="1" latinLnBrk="0" hangingPunct="1">
+              <a:lnSpc>
+                <a:spcPct val="90000"/>
+              </a:lnSpc>
+              <a:spcBef>
+                <a:spcPts val="500"/>
+              </a:spcBef>
+              <a:buFont typeface="Arial" panose="020B0604020202020204" pitchFamily="34" charset="0"/>
+              <a:buChar char="•"/>
+              <a:defRPr sz="1800" kern="1200">
+                <a:solidFill>
+                  <a:schemeClr val="tx1"/>
+                </a:solidFill>
+                <a:latin typeface="+mn-lt"/>
+                <a:ea typeface="+mn-ea"/>
+                <a:cs typeface="+mn-cs"/>
+              </a:defRPr>
+            </a:lvl9pPr>
+          </a:lstStyle>
+          <a:p>
+            <a:pPr marL="0" indent="0" algn="ctr">
+              <a:buNone/>
+            </a:pPr>
+            <a:r>
+              <a:rPr lang="en-US" sz="4800" dirty="0"/>
+              <a:t>Let’s add a tip!!!</a:t>
+            </a:r>
+          </a:p>
+        </p:txBody>
+      </p:sp>
+    </p:spTree>
+    <p:extLst>
+      <p:ext uri="{BB962C8B-B14F-4D97-AF65-F5344CB8AC3E}">
+        <p14:creationId xmlns:p14="http://schemas.microsoft.com/office/powerpoint/2010/main" val="2413629065"/>
+      </p:ext>
+    </p:extLst>
+  </p:cSld>
+  <p:clrMapOvr>
+    <a:masterClrMapping/>
+  </p:clrMapOvr>
+  <mc:AlternateContent xmlns:mc="http://schemas.openxmlformats.org/markup-compatibility/2006" xmlns:p14="http://schemas.microsoft.com/office/powerpoint/2010/main">
+    <mc:Choice Requires="p14">
+      <p:transition spd="med" p14:dur="700">
+        <p:fade/>
+      </p:transition>
+    </mc:Choice>
+    <mc:Fallback xmlns="">
+      <p:transition spd="med">
+        <p:fade/>
+      </p:transition>
+    </mc:Fallback>
+  </mc:AlternateContent>
+</p:sld>
+</file>
+
+<file path=ppt/slides/slide8.xml><?xml version="1.0" encoding="utf-8"?>
+<p:sld xmlns:a="http://schemas.openxmlformats.org/drawingml/2006/main" xmlns:r="http://schemas.openxmlformats.org/officeDocument/2006/relationships" xmlns:p="http://schemas.openxmlformats.org/presentationml/2006/main">
+  <p:cSld>
+    <p:spTree>
+      <p:nvGrpSpPr>
+        <p:cNvPr id="1" name=""/>
+        <p:cNvGrpSpPr/>
+        <p:nvPr/>
+      </p:nvGrpSpPr>
+      <p:grpSpPr>
+        <a:xfrm>
+          <a:off x="0" y="0"/>
+          <a:ext cx="0" cy="0"/>
+          <a:chOff x="0" y="0"/>
+          <a:chExt cx="0" cy="0"/>
+        </a:xfrm>
+      </p:grpSpPr>
+      <p:sp>
+        <p:nvSpPr>
+          <p:cNvPr id="7" name="Title 6">
+            <a:extLst>
+              <a:ext uri="{FF2B5EF4-FFF2-40B4-BE49-F238E27FC236}">
+                <a16:creationId xmlns:a16="http://schemas.microsoft.com/office/drawing/2014/main" id="{7875C19A-1AAE-476A-A316-A2CF92D763D3}"/>
+              </a:ext>
+            </a:extLst>
+          </p:cNvPr>
+          <p:cNvSpPr>
+            <a:spLocks noGrp="1"/>
+          </p:cNvSpPr>
+          <p:nvPr>
+            <p:ph type="title"/>
+          </p:nvPr>
+        </p:nvSpPr>
+        <p:spPr/>
+        <p:txBody>
+          <a:bodyPr/>
+          <a:lstStyle/>
+          <a:p>
+            <a:r>
+              <a:rPr lang="en-US" dirty="0"/>
+              <a:t>When should you contribute a tip?</a:t>
+            </a:r>
+          </a:p>
+        </p:txBody>
+      </p:sp>
+      <p:sp>
+        <p:nvSpPr>
+          <p:cNvPr id="10" name="Text Placeholder 9">
+            <a:extLst>
+              <a:ext uri="{FF2B5EF4-FFF2-40B4-BE49-F238E27FC236}">
+                <a16:creationId xmlns:a16="http://schemas.microsoft.com/office/drawing/2014/main" id="{EF2BC084-E6DB-4DE7-B309-042A85EBA700}"/>
+              </a:ext>
+            </a:extLst>
+          </p:cNvPr>
+          <p:cNvSpPr>
+            <a:spLocks noGrp="1"/>
+          </p:cNvSpPr>
+          <p:nvPr>
+            <p:ph type="body" sz="quarter" idx="13"/>
+          </p:nvPr>
+        </p:nvSpPr>
+        <p:spPr>
+          <a:xfrm>
+            <a:off x="444499" y="1373137"/>
+            <a:ext cx="11467867" cy="5054815"/>
+          </a:xfrm>
+        </p:spPr>
+        <p:txBody>
+          <a:bodyPr/>
+          <a:lstStyle/>
+          <a:p>
+            <a:r>
+              <a:rPr lang="en-US" sz="2800" dirty="0"/>
+              <a:t>Learned something new about PowerShell</a:t>
+            </a:r>
+          </a:p>
+          <a:p>
+            <a:r>
+              <a:rPr lang="en-US" sz="2800" dirty="0"/>
+              <a:t>Promote your own scripts, modules, and </a:t>
+            </a:r>
+            <a:r>
+              <a:rPr lang="en-US" sz="2800" dirty="0" err="1"/>
+              <a:t>gists</a:t>
+            </a:r>
+            <a:endParaRPr lang="en-US" sz="2800" dirty="0"/>
+          </a:p>
+          <a:p>
+            <a:r>
+              <a:rPr lang="en-US" sz="2800" dirty="0"/>
+              <a:t>See a cool PowerShell-related post on social media</a:t>
+            </a:r>
+          </a:p>
+          <a:p>
+            <a:r>
+              <a:rPr lang="en-US" sz="2800" dirty="0"/>
+              <a:t>Blogged about something PowerShell related</a:t>
+            </a:r>
+          </a:p>
+          <a:p>
+            <a:endParaRPr lang="en-US" sz="2800" dirty="0"/>
+          </a:p>
+          <a:p>
+            <a:r>
+              <a:rPr lang="en-US" sz="2800" dirty="0"/>
+              <a:t>Why? Help others in the community and get your name known</a:t>
+            </a:r>
+          </a:p>
+          <a:p>
+            <a:endParaRPr lang="en-US" sz="2800" dirty="0"/>
+          </a:p>
+          <a:p>
+            <a:r>
+              <a:rPr lang="en-US" sz="2800" dirty="0"/>
+              <a:t>Tip:</a:t>
+            </a:r>
+          </a:p>
+          <a:p>
+            <a:pPr lvl="1"/>
+            <a:r>
+              <a:rPr lang="en-US" sz="2600" dirty="0"/>
+              <a:t>Fork </a:t>
+            </a:r>
+            <a:r>
+              <a:rPr lang="en-US" sz="2600" dirty="0" err="1"/>
+              <a:t>tiPS</a:t>
+            </a:r>
+            <a:r>
+              <a:rPr lang="en-US" sz="2600" dirty="0"/>
+              <a:t> and leave it cloned on your machine for easy PR submissions</a:t>
+            </a:r>
+          </a:p>
+          <a:p>
+            <a:endParaRPr lang="en-US" sz="2800" dirty="0"/>
+          </a:p>
+        </p:txBody>
+      </p:sp>
+      <p:sp>
+        <p:nvSpPr>
+          <p:cNvPr id="2" name="Slide Number Placeholder 1">
+            <a:extLst>
+              <a:ext uri="{FF2B5EF4-FFF2-40B4-BE49-F238E27FC236}">
+                <a16:creationId xmlns:a16="http://schemas.microsoft.com/office/drawing/2014/main" id="{BE9800F6-D571-48C4-8466-12AA1ADB6599}"/>
+              </a:ext>
+            </a:extLst>
+          </p:cNvPr>
+          <p:cNvSpPr>
+            <a:spLocks noGrp="1"/>
+          </p:cNvSpPr>
+          <p:nvPr>
+            <p:ph type="sldNum" sz="quarter" idx="12"/>
+          </p:nvPr>
+        </p:nvSpPr>
+        <p:spPr/>
+        <p:txBody>
+          <a:bodyPr/>
+          <a:lstStyle/>
+          <a:p>
+            <a:fld id="{C263D6C4-4840-40CC-AC84-17E24B3B7BDE}" type="slidenum">
+              <a:rPr lang="en-US" smtClean="0"/>
+              <a:pPr/>
+              <a:t>8</a:t>
+            </a:fld>
+            <a:endParaRPr lang="en-US" dirty="0"/>
+          </a:p>
+        </p:txBody>
+      </p:sp>
+    </p:spTree>
+    <p:extLst>
+      <p:ext uri="{BB962C8B-B14F-4D97-AF65-F5344CB8AC3E}">
+        <p14:creationId xmlns:p14="http://schemas.microsoft.com/office/powerpoint/2010/main" val="3336940135"/>
+      </p:ext>
+    </p:extLst>
+  </p:cSld>
+  <p:clrMapOvr>
+    <a:masterClrMapping/>
+  </p:clrMapOvr>
+  <mc:AlternateContent xmlns:mc="http://schemas.openxmlformats.org/markup-compatibility/2006" xmlns:p14="http://schemas.microsoft.com/office/powerpoint/2010/main">
+    <mc:Choice Requires="p14">
+      <p:transition spd="med" p14:dur="700">
+        <p:fade/>
+      </p:transition>
+    </mc:Choice>
+    <mc:Fallback xmlns="">
+      <p:transition spd="med">
+        <p:fade/>
+      </p:transition>
+    </mc:Fallback>
+  </mc:AlternateContent>
+</p:sld>
+</file>
+
+<file path=ppt/slides/slide9.xml><?xml version="1.0" encoding="utf-8"?>
+<p:sld xmlns:a="http://schemas.openxmlformats.org/drawingml/2006/main" xmlns:r="http://schemas.openxmlformats.org/officeDocument/2006/relationships" xmlns:p="http://schemas.openxmlformats.org/presentationml/2006/main">
+  <p:cSld>
+    <p:spTree>
+      <p:nvGrpSpPr>
+        <p:cNvPr id="1" name=""/>
+        <p:cNvGrpSpPr/>
+        <p:nvPr/>
+      </p:nvGrpSpPr>
+      <p:grpSpPr>
+        <a:xfrm>
+          <a:off x="0" y="0"/>
+          <a:ext cx="0" cy="0"/>
+          <a:chOff x="0" y="0"/>
+          <a:chExt cx="0" cy="0"/>
+        </a:xfrm>
+      </p:grpSpPr>
+      <p:sp>
+        <p:nvSpPr>
+          <p:cNvPr id="7" name="Title 6">
+            <a:extLst>
+              <a:ext uri="{FF2B5EF4-FFF2-40B4-BE49-F238E27FC236}">
+                <a16:creationId xmlns:a16="http://schemas.microsoft.com/office/drawing/2014/main" id="{7875C19A-1AAE-476A-A316-A2CF92D763D3}"/>
+              </a:ext>
+            </a:extLst>
+          </p:cNvPr>
+          <p:cNvSpPr>
+            <a:spLocks noGrp="1"/>
+          </p:cNvSpPr>
+          <p:nvPr>
+            <p:ph type="title"/>
+          </p:nvPr>
+        </p:nvSpPr>
+        <p:spPr/>
+        <p:txBody>
+          <a:bodyPr/>
+          <a:lstStyle/>
+          <a:p>
+            <a:r>
+              <a:rPr lang="en-US" dirty="0" err="1"/>
+              <a:t>tiPS</a:t>
+            </a:r>
+            <a:r>
+              <a:rPr lang="en-US" dirty="0"/>
+              <a:t> Decisions</a:t>
+            </a:r>
+          </a:p>
+        </p:txBody>
+      </p:sp>
+      <p:sp>
+        <p:nvSpPr>
+          <p:cNvPr id="10" name="Text Placeholder 9">
+            <a:extLst>
+              <a:ext uri="{FF2B5EF4-FFF2-40B4-BE49-F238E27FC236}">
+                <a16:creationId xmlns:a16="http://schemas.microsoft.com/office/drawing/2014/main" id="{EF2BC084-E6DB-4DE7-B309-042A85EBA700}"/>
+              </a:ext>
+            </a:extLst>
+          </p:cNvPr>
+          <p:cNvSpPr>
+            <a:spLocks noGrp="1"/>
+          </p:cNvSpPr>
+          <p:nvPr>
+            <p:ph type="body" sz="quarter" idx="13"/>
+          </p:nvPr>
+        </p:nvSpPr>
+        <p:spPr>
+          <a:xfrm>
+            <a:off x="444499" y="1625385"/>
+            <a:ext cx="11467867" cy="4390951"/>
+          </a:xfrm>
+        </p:spPr>
+        <p:txBody>
+          <a:bodyPr/>
+          <a:lstStyle/>
+          <a:p>
+            <a:r>
+              <a:rPr lang="en-US" sz="2800" dirty="0"/>
+              <a:t>Architecture Decision Records (ADRs)</a:t>
+            </a:r>
+          </a:p>
+          <a:p>
+            <a:endParaRPr lang="en-US" sz="2800" dirty="0"/>
+          </a:p>
+          <a:p>
+            <a:r>
+              <a:rPr lang="en-US" sz="2800" dirty="0"/>
+              <a:t>Written in PowerShell instead of C# for community support</a:t>
+            </a:r>
+          </a:p>
+          <a:p>
+            <a:r>
+              <a:rPr lang="en-US" sz="2800" dirty="0"/>
+              <a:t>Combine tips files into a single </a:t>
+            </a:r>
+            <a:r>
+              <a:rPr lang="en-US" sz="2800" dirty="0" err="1"/>
+              <a:t>json</a:t>
+            </a:r>
+            <a:r>
+              <a:rPr lang="en-US" sz="2800" dirty="0"/>
+              <a:t> file for performance</a:t>
+            </a:r>
+          </a:p>
+          <a:p>
+            <a:r>
+              <a:rPr lang="en-US" sz="2800" dirty="0"/>
+              <a:t>Combine module files into a single .psm1 file during build for performance</a:t>
+            </a:r>
+          </a:p>
+          <a:p>
+            <a:r>
+              <a:rPr lang="en-US" sz="2800" dirty="0"/>
+              <a:t>Compile classes to C# assembly for performance</a:t>
+            </a:r>
+          </a:p>
+          <a:p>
+            <a:pPr lvl="1"/>
+            <a:r>
+              <a:rPr lang="en-US" sz="2600" dirty="0">
+                <a:solidFill>
+                  <a:schemeClr val="accent1">
+                    <a:lumMod val="60000"/>
+                    <a:lumOff val="40000"/>
+                  </a:schemeClr>
+                </a:solidFill>
+                <a:hlinkClick r:id="rId3">
+                  <a:extLst>
+                    <a:ext uri="{A12FA001-AC4F-418D-AE19-62706E023703}">
+                      <ahyp:hlinkClr xmlns:ahyp="http://schemas.microsoft.com/office/drawing/2018/hyperlinkcolor" val="tx"/>
+                    </a:ext>
+                  </a:extLst>
+                </a:hlinkClick>
+              </a:rPr>
+              <a:t>https://github.com/deadlydog/PowerShell.Experiment.ClassPerformanceComparison</a:t>
+            </a:r>
+            <a:r>
+              <a:rPr lang="en-US" sz="2600" dirty="0">
+                <a:solidFill>
+                  <a:schemeClr val="accent1">
+                    <a:lumMod val="60000"/>
+                    <a:lumOff val="40000"/>
+                  </a:schemeClr>
+                </a:solidFill>
+              </a:rPr>
+              <a:t> </a:t>
+            </a:r>
+          </a:p>
+        </p:txBody>
+      </p:sp>
+      <p:sp>
+        <p:nvSpPr>
+          <p:cNvPr id="2" name="Slide Number Placeholder 1">
+            <a:extLst>
+              <a:ext uri="{FF2B5EF4-FFF2-40B4-BE49-F238E27FC236}">
+                <a16:creationId xmlns:a16="http://schemas.microsoft.com/office/drawing/2014/main" id="{BE9800F6-D571-48C4-8466-12AA1ADB6599}"/>
+              </a:ext>
+            </a:extLst>
+          </p:cNvPr>
+          <p:cNvSpPr>
+            <a:spLocks noGrp="1"/>
+          </p:cNvSpPr>
+          <p:nvPr>
+            <p:ph type="sldNum" sz="quarter" idx="12"/>
+          </p:nvPr>
+        </p:nvSpPr>
+        <p:spPr/>
+        <p:txBody>
+          <a:bodyPr/>
+          <a:lstStyle/>
+          <a:p>
+            <a:fld id="{C263D6C4-4840-40CC-AC84-17E24B3B7BDE}" type="slidenum">
+              <a:rPr lang="en-US" smtClean="0"/>
+              <a:pPr/>
+              <a:t>9</a:t>
+            </a:fld>
+            <a:endParaRPr lang="en-US" dirty="0"/>
+          </a:p>
+        </p:txBody>
+      </p:sp>
+    </p:spTree>
+    <p:extLst>
+      <p:ext uri="{BB962C8B-B14F-4D97-AF65-F5344CB8AC3E}">
+        <p14:creationId xmlns:p14="http://schemas.microsoft.com/office/powerpoint/2010/main" val="430754784"/>
+      </p:ext>
+    </p:extLst>
+  </p:cSld>
+  <p:clrMapOvr>
+    <a:masterClrMapping/>
+  </p:clrMapOvr>
+  <mc:AlternateContent xmlns:mc="http://schemas.openxmlformats.org/markup-compatibility/2006" xmlns:p14="http://schemas.microsoft.com/office/powerpoint/2010/main">
+    <mc:Choice Requires="p14">
+      <p:transition spd="med" p14:dur="700">
+        <p:fade/>
+      </p:transition>
+    </mc:Choice>
+    <mc:Fallback xmlns="">
+      <p:transition spd="med">
+        <p:fade/>
+      </p:transition>
+    </mc:Fallback>
+  </mc:AlternateContent>
+  <p:timing>
+    <p:tnLst>
+      <p:par>
+        <p:cTn id="1" dur="indefinite" restart="never" nodeType="tmRoot">
+          <p:childTnLst>
+            <p:seq concurrent="1" nextAc="seek">
+              <p:cTn id="2" dur="indefinite" nodeType="mainSeq">
+                <p:childTnLst>
+                  <p:par>
+                    <p:cTn id="3" fill="hold">
+                      <p:stCondLst>
+                        <p:cond delay="indefinite"/>
+                      </p:stCondLst>
+                      <p:childTnLst>
+                        <p:par>
+                          <p:cTn id="4" fill="hold">
+                            <p:stCondLst>
+                              <p:cond delay="0"/>
+                            </p:stCondLst>
+                            <p:childTnLst>
+                              <p:par>
+                                <p:cTn id="5" presetID="10" presetClass="entr" presetSubtype="0" fill="hold" grpId="0" nodeType="clickEffect">
+                                  <p:stCondLst>
+                                    <p:cond delay="0"/>
+                                  </p:stCondLst>
+                                  <p:childTnLst>
+                                    <p:set>
+                                      <p:cBhvr>
+                                        <p:cTn id="6" dur="1" fill="hold">
+                                          <p:stCondLst>
+                                            <p:cond delay="0"/>
+                                          </p:stCondLst>
+                                        </p:cTn>
+                                        <p:tgtEl>
+                                          <p:spTgt spid="10">
+                                            <p:txEl>
+                                              <p:pRg st="0" end="0"/>
+                                            </p:txEl>
+                                          </p:spTgt>
+                                        </p:tgtEl>
+                                        <p:attrNameLst>
+                                          <p:attrName>style.visibility</p:attrName>
+                                        </p:attrNameLst>
+                                      </p:cBhvr>
+                                      <p:to>
+                                        <p:strVal val="visible"/>
+                                      </p:to>
+                                    </p:set>
+                                    <p:animEffect transition="in" filter="fade">
+                                      <p:cBhvr>
+                                        <p:cTn id="7" dur="500"/>
+                                        <p:tgtEl>
+                                          <p:spTgt spid="10">
+                                            <p:txEl>
+                                              <p:pRg st="0" end="0"/>
+                                            </p:txEl>
+                                          </p:spTgt>
+                                        </p:tgtEl>
+                                      </p:cBhvr>
+                                    </p:animEffect>
+                                  </p:childTnLst>
+                                </p:cTn>
+                              </p:par>
+                            </p:childTnLst>
+                          </p:cTn>
+                        </p:par>
+                      </p:childTnLst>
+                    </p:cTn>
+                  </p:par>
+                  <p:par>
+                    <p:cTn id="8" fill="hold">
+                      <p:stCondLst>
+                        <p:cond delay="indefinite"/>
+                      </p:stCondLst>
+                      <p:childTnLst>
+                        <p:par>
+                          <p:cTn id="9" fill="hold">
+                            <p:stCondLst>
+                              <p:cond delay="0"/>
+                            </p:stCondLst>
+                            <p:childTnLst>
+                              <p:par>
+                                <p:cTn id="10" presetID="10" presetClass="entr" presetSubtype="0" fill="hold" grpId="0" nodeType="clickEffect">
+                                  <p:stCondLst>
+                                    <p:cond delay="0"/>
+                                  </p:stCondLst>
+                                  <p:childTnLst>
+                                    <p:set>
+                                      <p:cBhvr>
+                                        <p:cTn id="11" dur="1" fill="hold">
+                                          <p:stCondLst>
+                                            <p:cond delay="0"/>
+                                          </p:stCondLst>
+                                        </p:cTn>
+                                        <p:tgtEl>
+                                          <p:spTgt spid="10">
+                                            <p:txEl>
+                                              <p:pRg st="2" end="2"/>
+                                            </p:txEl>
+                                          </p:spTgt>
+                                        </p:tgtEl>
+                                        <p:attrNameLst>
+                                          <p:attrName>style.visibility</p:attrName>
+                                        </p:attrNameLst>
+                                      </p:cBhvr>
+                                      <p:to>
+                                        <p:strVal val="visible"/>
+                                      </p:to>
+                                    </p:set>
+                                    <p:animEffect transition="in" filter="fade">
+                                      <p:cBhvr>
+                                        <p:cTn id="12" dur="500"/>
+                                        <p:tgtEl>
+                                          <p:spTgt spid="10">
+                                            <p:txEl>
+                                              <p:pRg st="2" end="2"/>
+                                            </p:txEl>
+                                          </p:spTgt>
+                                        </p:tgtEl>
+                                      </p:cBhvr>
+                                    </p:animEffect>
+                                  </p:childTnLst>
+                                </p:cTn>
+                              </p:par>
+                              <p:par>
+                                <p:cTn id="13" presetID="10" presetClass="entr" presetSubtype="0" fill="hold" grpId="0" nodeType="withEffect">
+                                  <p:stCondLst>
+                                    <p:cond delay="0"/>
+                                  </p:stCondLst>
+                                  <p:childTnLst>
+                                    <p:set>
+                                      <p:cBhvr>
+                                        <p:cTn id="14" dur="1" fill="hold">
+                                          <p:stCondLst>
+                                            <p:cond delay="0"/>
+                                          </p:stCondLst>
+                                        </p:cTn>
+                                        <p:tgtEl>
+                                          <p:spTgt spid="10">
+                                            <p:txEl>
+                                              <p:pRg st="3" end="3"/>
+                                            </p:txEl>
+                                          </p:spTgt>
+                                        </p:tgtEl>
+                                        <p:attrNameLst>
+                                          <p:attrName>style.visibility</p:attrName>
+                                        </p:attrNameLst>
+                                      </p:cBhvr>
+                                      <p:to>
+                                        <p:strVal val="visible"/>
+                                      </p:to>
+                                    </p:set>
+                                    <p:animEffect transition="in" filter="fade">
+                                      <p:cBhvr>
+                                        <p:cTn id="15" dur="500"/>
+                                        <p:tgtEl>
+                                          <p:spTgt spid="10">
+                                            <p:txEl>
+                                              <p:pRg st="3" end="3"/>
+                                            </p:txEl>
+                                          </p:spTgt>
+                                        </p:tgtEl>
+                                      </p:cBhvr>
+                                    </p:animEffect>
+                                  </p:childTnLst>
+                                </p:cTn>
+                              </p:par>
+                              <p:par>
+                                <p:cTn id="16" presetID="10" presetClass="entr" presetSubtype="0" fill="hold" grpId="0" nodeType="withEffect">
+                                  <p:stCondLst>
+                                    <p:cond delay="0"/>
+                                  </p:stCondLst>
+                                  <p:childTnLst>
+                                    <p:set>
+                                      <p:cBhvr>
+                                        <p:cTn id="17" dur="1" fill="hold">
+                                          <p:stCondLst>
+                                            <p:cond delay="0"/>
+                                          </p:stCondLst>
+                                        </p:cTn>
+                                        <p:tgtEl>
+                                          <p:spTgt spid="10">
+                                            <p:txEl>
+                                              <p:pRg st="4" end="4"/>
+                                            </p:txEl>
+                                          </p:spTgt>
+                                        </p:tgtEl>
+                                        <p:attrNameLst>
+                                          <p:attrName>style.visibility</p:attrName>
+                                        </p:attrNameLst>
+                                      </p:cBhvr>
+                                      <p:to>
+                                        <p:strVal val="visible"/>
+                                      </p:to>
+                                    </p:set>
+                                    <p:animEffect transition="in" filter="fade">
+                                      <p:cBhvr>
+                                        <p:cTn id="18" dur="500"/>
+                                        <p:tgtEl>
+                                          <p:spTgt spid="10">
+                                            <p:txEl>
+                                              <p:pRg st="4" end="4"/>
+                                            </p:txEl>
+                                          </p:spTgt>
+                                        </p:tgtEl>
+                                      </p:cBhvr>
+                                    </p:animEffect>
+                                  </p:childTnLst>
+                                </p:cTn>
+                              </p:par>
+                              <p:par>
+                                <p:cTn id="19" presetID="10" presetClass="entr" presetSubtype="0" fill="hold" grpId="0" nodeType="withEffect">
+                                  <p:stCondLst>
+                                    <p:cond delay="0"/>
+                                  </p:stCondLst>
+                                  <p:childTnLst>
+                                    <p:set>
+                                      <p:cBhvr>
+                                        <p:cTn id="20" dur="1" fill="hold">
+                                          <p:stCondLst>
+                                            <p:cond delay="0"/>
+                                          </p:stCondLst>
+                                        </p:cTn>
+                                        <p:tgtEl>
+                                          <p:spTgt spid="10">
+                                            <p:txEl>
+                                              <p:pRg st="5" end="5"/>
+                                            </p:txEl>
+                                          </p:spTgt>
+                                        </p:tgtEl>
+                                        <p:attrNameLst>
+                                          <p:attrName>style.visibility</p:attrName>
+                                        </p:attrNameLst>
+                                      </p:cBhvr>
+                                      <p:to>
+                                        <p:strVal val="visible"/>
+                                      </p:to>
+                                    </p:set>
+                                    <p:animEffect transition="in" filter="fade">
+                                      <p:cBhvr>
+                                        <p:cTn id="21" dur="500"/>
+                                        <p:tgtEl>
+                                          <p:spTgt spid="10">
+                                            <p:txEl>
+                                              <p:pRg st="5" end="5"/>
+                                            </p:txEl>
+                                          </p:spTgt>
+                                        </p:tgtEl>
+                                      </p:cBhvr>
+                                    </p:animEffect>
+                                  </p:childTnLst>
+                                </p:cTn>
+                              </p:par>
+                              <p:par>
+                                <p:cTn id="22" presetID="10" presetClass="entr" presetSubtype="0" fill="hold" grpId="0" nodeType="withEffect">
+                                  <p:stCondLst>
+                                    <p:cond delay="0"/>
+                                  </p:stCondLst>
+                                  <p:childTnLst>
+                                    <p:set>
+                                      <p:cBhvr>
+                                        <p:cTn id="23" dur="1" fill="hold">
+                                          <p:stCondLst>
+                                            <p:cond delay="0"/>
+                                          </p:stCondLst>
+                                        </p:cTn>
+                                        <p:tgtEl>
+                                          <p:spTgt spid="10">
+                                            <p:txEl>
+                                              <p:pRg st="6" end="6"/>
+                                            </p:txEl>
+                                          </p:spTgt>
+                                        </p:tgtEl>
+                                        <p:attrNameLst>
+                                          <p:attrName>style.visibility</p:attrName>
+                                        </p:attrNameLst>
+                                      </p:cBhvr>
+                                      <p:to>
+                                        <p:strVal val="visible"/>
+                                      </p:to>
+                                    </p:set>
+                                    <p:animEffect transition="in" filter="fade">
+                                      <p:cBhvr>
+                                        <p:cTn id="24" dur="500"/>
+                                        <p:tgtEl>
+                                          <p:spTgt spid="10">
+                                            <p:txEl>
+                                              <p:pRg st="6" end="6"/>
                                             </p:txEl>
                                           </p:spTgt>
                                         </p:tgtEl>
